--- a/samples/pptx/test-output.pptx
+++ b/samples/pptx/test-output.pptx
@@ -3,9 +3,18 @@
 <p:presentation xmlns:a="http://schemas.openxmlformats.org/drawingml/2006/main" xmlns:r="http://schemas.openxmlformats.org/officeDocument/2006/relationships" xmlns:p="http://schemas.openxmlformats.org/presentationml/2006/main" saveSubsetFonts="1">
   <p:sldMasterIdLst>
     <p:sldMasterId id="2147483648" r:id="rId1"/>
+    <p:sldMasterId id="2147483660" r:id="rId9999"/>
   </p:sldMasterIdLst>
   <p:sldIdLst>
     <p:sldId id="256" r:id="rId6"/>
+    <p:sldId id="257" r:id="rId7"/>
+    <p:sldId id="258" r:id="rId8"/>
+    <p:sldId id="259" r:id="rId9"/>
+    <p:sldId id="260" r:id="rId10"/>
+    <p:sldId id="261" r:id="rId11"/>
+    <p:sldId id="262" r:id="rId12"/>
+    <p:sldId id="263" r:id="rId13"/>
+    <p:sldId id="264" r:id="rId14"/>
   </p:sldIdLst>
   <p:sldSz cx="9144000" cy="6858000" type="screen4x3"/>
   <p:notesSz cx="6858000" cy="9144000"/>
@@ -444,8 +453,8 @@
         </p:nvSpPr>
         <p:spPr>
           <a:xfrm>
-            <a:off x="250825" y="5624513"/>
-            <a:ext cx="8642350" cy="252412"/>
+            <a:off x="250825" y="5624512"/>
+            <a:ext cx="8642350" cy="1080851"/>
           </a:xfrm>
           <a:prstGeom prst="rect">
             <a:avLst/>
@@ -1491,6 +1500,595 @@
   <p:clrMapOvr>
     <a:masterClrMapping/>
   </p:clrMapOvr>
+</p:sldLayout>
+</file>
+
+<file path=ppt/slideLayouts/slideLayout26.xml><?xml version="1.0" encoding="utf-8"?>
+<p:sldLayout xmlns:a="http://schemas.openxmlformats.org/drawingml/2006/main" xmlns:r="http://schemas.openxmlformats.org/officeDocument/2006/relationships" xmlns:p="http://schemas.openxmlformats.org/presentationml/2006/main" preserve="1">
+  <p:cSld name="Intelligence Slide">
+    <p:spTree>
+      <p:nvGrpSpPr>
+        <p:cNvPr id="1" name=""/>
+        <p:cNvGrpSpPr/>
+        <p:nvPr/>
+      </p:nvGrpSpPr>
+      <p:grpSpPr>
+        <a:xfrm>
+          <a:off x="0" y="0"/>
+          <a:ext cx="0" cy="0"/>
+          <a:chOff x="0" y="0"/>
+          <a:chExt cx="0" cy="0"/>
+        </a:xfrm>
+      </p:grpSpPr>
+      <p:sp>
+        <p:nvSpPr>
+          <p:cNvPr id="3" name="Content Placeholder 2"/>
+          <p:cNvSpPr>
+            <a:spLocks noGrp="1"/>
+          </p:cNvSpPr>
+          <p:nvPr>
+            <p:ph idx="1" hasCustomPrompt="1"/>
+          </p:nvPr>
+        </p:nvSpPr>
+        <p:spPr>
+          <a:xfrm>
+            <a:off x="250824" y="1592758"/>
+            <a:ext cx="8642348" cy="4536580"/>
+          </a:xfrm>
+          <a:prstGeom prst="rect">
+            <a:avLst/>
+          </a:prstGeom>
+        </p:spPr>
+        <p:txBody>
+          <a:bodyPr lIns="0" tIns="0" rIns="0" bIns="0">
+            <a:noAutofit/>
+          </a:bodyPr>
+          <a:lstStyle>
+            <a:lvl1pPr marL="449263" indent="-449263">
+              <a:lnSpc>
+                <a:spcPct val="90000"/>
+              </a:lnSpc>
+              <a:spcBef>
+                <a:spcPts val="600"/>
+              </a:spcBef>
+              <a:buClr>
+                <a:schemeClr val="bg2"/>
+              </a:buClr>
+              <a:buFontTx/>
+              <a:buNone/>
+              <a:defRPr sz="1600" baseline="0">
+                <a:latin typeface="Arial" pitchFamily="34" charset="0"/>
+                <a:cs typeface="Arial" pitchFamily="34" charset="0"/>
+              </a:defRPr>
+            </a:lvl1pPr>
+            <a:lvl2pPr marL="715963" indent="-266700">
+              <a:lnSpc>
+                <a:spcPct val="90000"/>
+              </a:lnSpc>
+              <a:spcBef>
+                <a:spcPts val="600"/>
+              </a:spcBef>
+              <a:buClr>
+                <a:schemeClr val="tx2"/>
+              </a:buClr>
+              <a:buFont typeface="Wingdings" pitchFamily="2" charset="2"/>
+              <a:buChar char="§"/>
+              <a:tabLst/>
+              <a:defRPr sz="2400">
+                <a:latin typeface="Arial" pitchFamily="34" charset="0"/>
+                <a:cs typeface="Arial" pitchFamily="34" charset="0"/>
+              </a:defRPr>
+            </a:lvl2pPr>
+            <a:lvl3pPr marL="982663" indent="-266700">
+              <a:defRPr>
+                <a:latin typeface="Arial" pitchFamily="34" charset="0"/>
+                <a:cs typeface="Arial" pitchFamily="34" charset="0"/>
+              </a:defRPr>
+            </a:lvl3pPr>
+            <a:lvl4pPr>
+              <a:defRPr>
+                <a:latin typeface="Arial" pitchFamily="34" charset="0"/>
+                <a:cs typeface="Arial" pitchFamily="34" charset="0"/>
+              </a:defRPr>
+            </a:lvl4pPr>
+            <a:lvl5pPr>
+              <a:defRPr>
+                <a:latin typeface="Arial" pitchFamily="34" charset="0"/>
+                <a:cs typeface="Arial" pitchFamily="34" charset="0"/>
+              </a:defRPr>
+            </a:lvl5pPr>
+          </a:lstStyle>
+          <a:p>
+            <a:pPr lvl="0"/>
+            <a:r>
+              <a:rPr lang="en-GB" dirty="0" smtClean="0"/>
+              <a:t>Insert chart</a:t>
+            </a:r>
+          </a:p>
+        </p:txBody>
+      </p:sp>
+      <p:sp>
+        <p:nvSpPr>
+          <p:cNvPr id="8" name="TextBox 7"/>
+          <p:cNvSpPr txBox="1"/>
+          <p:nvPr/>
+        </p:nvSpPr>
+        <p:spPr>
+          <a:xfrm>
+            <a:off x="8662881" y="6338849"/>
+            <a:ext cx="309700" cy="194925"/>
+          </a:xfrm>
+          <a:prstGeom prst="rect">
+            <a:avLst/>
+          </a:prstGeom>
+          <a:noFill/>
+        </p:spPr>
+        <p:txBody>
+          <a:bodyPr wrap="none" rtlCol="0" anchor="ctr">
+            <a:spAutoFit/>
+          </a:bodyPr>
+          <a:lstStyle/>
+          <a:p>
+            <a:pPr algn="r">
+              <a:lnSpc>
+                <a:spcPts val="800"/>
+              </a:lnSpc>
+            </a:pPr>
+            <a:fld id="{0E0A9B4E-19F2-4E81-81C4-98D63547DE75}" type="slidenum">
+              <a:rPr lang="en-GB" sz="800" smtClean="0">
+                <a:solidFill>
+                  <a:schemeClr val="bg2"/>
+                </a:solidFill>
+                <a:latin typeface="Arial" pitchFamily="34" charset="0"/>
+                <a:cs typeface="Arial" pitchFamily="34" charset="0"/>
+              </a:rPr>
+              <a:pPr algn="r">
+                <a:lnSpc>
+                  <a:spcPts val="800"/>
+                </a:lnSpc>
+              </a:pPr>
+              <a:t>‹#›</a:t>
+            </a:fld>
+            <a:endParaRPr lang="en-GB" sz="800">
+              <a:solidFill>
+                <a:schemeClr val="bg2"/>
+              </a:solidFill>
+              <a:latin typeface="Arial" pitchFamily="34" charset="0"/>
+              <a:cs typeface="Arial" pitchFamily="34" charset="0"/>
+            </a:endParaRPr>
+          </a:p>
+        </p:txBody>
+      </p:sp>
+      <p:cxnSp>
+        <p:nvCxnSpPr>
+          <p:cNvPr id="10" name="Straight Connector 9"/>
+          <p:cNvCxnSpPr/>
+          <p:nvPr/>
+        </p:nvCxnSpPr>
+        <p:spPr>
+          <a:xfrm rot="5400000">
+            <a:off x="8330221" y="6547429"/>
+            <a:ext cx="619558" cy="1589"/>
+          </a:xfrm>
+          <a:prstGeom prst="line">
+            <a:avLst/>
+          </a:prstGeom>
+          <a:ln w="19050">
+            <a:solidFill>
+              <a:schemeClr val="bg2"/>
+            </a:solidFill>
+          </a:ln>
+          <a:effectLst/>
+        </p:spPr>
+        <p:style>
+          <a:lnRef idx="2">
+            <a:schemeClr val="accent1"/>
+          </a:lnRef>
+          <a:fillRef idx="0">
+            <a:schemeClr val="accent1"/>
+          </a:fillRef>
+          <a:effectRef idx="1">
+            <a:schemeClr val="accent1"/>
+          </a:effectRef>
+          <a:fontRef idx="minor">
+            <a:schemeClr val="tx1"/>
+          </a:fontRef>
+        </p:style>
+      </p:cxnSp>
+      <p:sp>
+        <p:nvSpPr>
+          <p:cNvPr id="15" name="Text Placeholder 14"/>
+          <p:cNvSpPr>
+            <a:spLocks noGrp="1"/>
+          </p:cNvSpPr>
+          <p:nvPr>
+            <p:ph type="body" sz="quarter" idx="10" hasCustomPrompt="1"/>
+          </p:nvPr>
+        </p:nvSpPr>
+        <p:spPr>
+          <a:xfrm>
+            <a:off x="684213" y="6338849"/>
+            <a:ext cx="7929834" cy="194925"/>
+          </a:xfrm>
+          <a:prstGeom prst="rect">
+            <a:avLst/>
+          </a:prstGeom>
+        </p:spPr>
+        <p:txBody>
+          <a:bodyPr anchor="ctr">
+            <a:noAutofit/>
+          </a:bodyPr>
+          <a:lstStyle>
+            <a:lvl1pPr marL="0" marR="0" indent="0" algn="r" defTabSz="457200" rtl="0" eaLnBrk="1" fontAlgn="auto" latinLnBrk="0" hangingPunct="1">
+              <a:lnSpc>
+                <a:spcPts val="800"/>
+              </a:lnSpc>
+              <a:spcBef>
+                <a:spcPts val="0"/>
+              </a:spcBef>
+              <a:spcAft>
+                <a:spcPts val="0"/>
+              </a:spcAft>
+              <a:buClrTx/>
+              <a:buSzTx/>
+              <a:buFont typeface="Arial"/>
+              <a:buNone/>
+              <a:tabLst/>
+              <a:defRPr sz="800" baseline="0">
+                <a:solidFill>
+                  <a:schemeClr val="tx1">
+                    <a:lumMod val="50000"/>
+                    <a:lumOff val="50000"/>
+                  </a:schemeClr>
+                </a:solidFill>
+              </a:defRPr>
+            </a:lvl1pPr>
+          </a:lstStyle>
+          <a:p>
+            <a:pPr lvl="0"/>
+            <a:r>
+              <a:rPr lang="en-GB" dirty="0" smtClean="0"/>
+              <a:t>Insert source/photo credit here</a:t>
+            </a:r>
+          </a:p>
+        </p:txBody>
+      </p:sp>
+      <p:sp>
+        <p:nvSpPr>
+          <p:cNvPr id="16" name="Title 1"/>
+          <p:cNvSpPr>
+            <a:spLocks noGrp="1"/>
+          </p:cNvSpPr>
+          <p:nvPr>
+            <p:ph type="title" hasCustomPrompt="1"/>
+          </p:nvPr>
+        </p:nvSpPr>
+        <p:spPr>
+          <a:xfrm>
+            <a:off x="250824" y="260350"/>
+            <a:ext cx="8642349" cy="886397"/>
+          </a:xfrm>
+          <a:prstGeom prst="rect">
+            <a:avLst/>
+          </a:prstGeom>
+        </p:spPr>
+        <p:txBody>
+          <a:bodyPr wrap="square" lIns="0" tIns="0" rIns="0" bIns="0" anchor="t">
+            <a:spAutoFit/>
+          </a:bodyPr>
+          <a:lstStyle>
+            <a:lvl1pPr algn="l">
+              <a:lnSpc>
+                <a:spcPct val="90000"/>
+              </a:lnSpc>
+              <a:defRPr sz="3200">
+                <a:solidFill>
+                  <a:schemeClr val="bg2"/>
+                </a:solidFill>
+                <a:latin typeface="Arial" pitchFamily="34" charset="0"/>
+                <a:cs typeface="Arial" pitchFamily="34" charset="0"/>
+              </a:defRPr>
+            </a:lvl1pPr>
+          </a:lstStyle>
+          <a:p>
+            <a:r>
+              <a:rPr lang="en-GB" dirty="0" smtClean="0"/>
+              <a:t>Insert slide title</a:t>
+            </a:r>
+            <a:br>
+              <a:rPr lang="en-GB" dirty="0" smtClean="0"/>
+            </a:br>
+            <a:r>
+              <a:rPr lang="en-GB" dirty="0" smtClean="0"/>
+              <a:t>(second line)</a:t>
+            </a:r>
+            <a:endParaRPr lang="en-US" dirty="0"/>
+          </a:p>
+        </p:txBody>
+      </p:sp>
+      <p:sp>
+        <p:nvSpPr>
+          <p:cNvPr id="14" name="Text Placeholder 13"/>
+          <p:cNvSpPr>
+            <a:spLocks noGrp="1"/>
+          </p:cNvSpPr>
+          <p:nvPr>
+            <p:ph type="body" sz="quarter" idx="11" hasCustomPrompt="1"/>
+          </p:nvPr>
+        </p:nvSpPr>
+        <p:spPr>
+          <a:xfrm>
+            <a:off x="250824" y="1268760"/>
+            <a:ext cx="8642349" cy="221599"/>
+          </a:xfrm>
+          <a:prstGeom prst="rect">
+            <a:avLst/>
+          </a:prstGeom>
+        </p:spPr>
+        <p:txBody>
+          <a:bodyPr lIns="0" tIns="0" rIns="0" bIns="0">
+            <a:spAutoFit/>
+          </a:bodyPr>
+          <a:lstStyle>
+            <a:lvl1pPr marL="0" indent="0">
+              <a:lnSpc>
+                <a:spcPct val="90000"/>
+              </a:lnSpc>
+              <a:spcBef>
+                <a:spcPts val="0"/>
+              </a:spcBef>
+              <a:buNone/>
+              <a:defRPr sz="1600"/>
+            </a:lvl1pPr>
+          </a:lstStyle>
+          <a:p>
+            <a:pPr lvl="0"/>
+            <a:r>
+              <a:rPr lang="en-GB" dirty="0" smtClean="0"/>
+              <a:t>Question wording</a:t>
+            </a:r>
+            <a:endParaRPr lang="en-GB" dirty="0"/>
+          </a:p>
+        </p:txBody>
+      </p:sp>
+      <p:grpSp>
+        <p:nvGrpSpPr>
+          <p:cNvPr id="2" name="Group 5"/>
+          <p:cNvGrpSpPr>
+            <a:grpSpLocks noChangeAspect="1"/>
+          </p:cNvGrpSpPr>
+          <p:nvPr/>
+        </p:nvGrpSpPr>
+        <p:grpSpPr bwMode="auto">
+          <a:xfrm>
+            <a:off x="250826" y="6236525"/>
+            <a:ext cx="433388" cy="361125"/>
+            <a:chOff x="-796" y="1752"/>
+            <a:chExt cx="2267" cy="1889"/>
+          </a:xfrm>
+          <a:solidFill>
+            <a:schemeClr val="bg2"/>
+          </a:solidFill>
+        </p:grpSpPr>
+        <p:sp>
+          <p:nvSpPr>
+            <p:cNvPr id="13" name="Freeform 6"/>
+            <p:cNvSpPr>
+              <a:spLocks/>
+            </p:cNvSpPr>
+            <p:nvPr userDrawn="1"/>
+          </p:nvSpPr>
+          <p:spPr bwMode="auto">
+            <a:xfrm>
+              <a:off x="-360" y="1752"/>
+              <a:ext cx="1831" cy="1889"/>
+            </a:xfrm>
+            <a:custGeom>
+              <a:avLst/>
+              <a:gdLst/>
+              <a:ahLst/>
+              <a:cxnLst>
+                <a:cxn ang="0">
+                  <a:pos x="1454" y="0"/>
+                </a:cxn>
+                <a:cxn ang="0">
+                  <a:pos x="1454" y="1511"/>
+                </a:cxn>
+                <a:cxn ang="0">
+                  <a:pos x="0" y="1511"/>
+                </a:cxn>
+                <a:cxn ang="0">
+                  <a:pos x="0" y="1889"/>
+                </a:cxn>
+                <a:cxn ang="0">
+                  <a:pos x="1831" y="1889"/>
+                </a:cxn>
+                <a:cxn ang="0">
+                  <a:pos x="1831" y="0"/>
+                </a:cxn>
+                <a:cxn ang="0">
+                  <a:pos x="1454" y="0"/>
+                </a:cxn>
+              </a:cxnLst>
+              <a:rect l="0" t="0" r="r" b="b"/>
+              <a:pathLst>
+                <a:path w="1831" h="1889">
+                  <a:moveTo>
+                    <a:pt x="1454" y="0"/>
+                  </a:moveTo>
+                  <a:lnTo>
+                    <a:pt x="1454" y="1511"/>
+                  </a:lnTo>
+                  <a:lnTo>
+                    <a:pt x="0" y="1511"/>
+                  </a:lnTo>
+                  <a:lnTo>
+                    <a:pt x="0" y="1889"/>
+                  </a:lnTo>
+                  <a:lnTo>
+                    <a:pt x="1831" y="1889"/>
+                  </a:lnTo>
+                  <a:lnTo>
+                    <a:pt x="1831" y="0"/>
+                  </a:lnTo>
+                  <a:lnTo>
+                    <a:pt x="1454" y="0"/>
+                  </a:lnTo>
+                  <a:close/>
+                </a:path>
+              </a:pathLst>
+            </a:custGeom>
+            <a:grpFill/>
+            <a:ln w="9525">
+              <a:noFill/>
+              <a:round/>
+              <a:headEnd/>
+              <a:tailEnd/>
+            </a:ln>
+          </p:spPr>
+          <p:txBody>
+            <a:bodyPr vert="horz" wrap="square" lIns="91440" tIns="45720" rIns="91440" bIns="45720" numCol="1" anchor="t" anchorCtr="0" compatLnSpc="1">
+              <a:prstTxWarp prst="textNoShape">
+                <a:avLst/>
+              </a:prstTxWarp>
+            </a:bodyPr>
+            <a:lstStyle/>
+            <a:p>
+              <a:endParaRPr lang="en-GB"/>
+            </a:p>
+          </p:txBody>
+        </p:sp>
+        <p:sp>
+          <p:nvSpPr>
+            <p:cNvPr id="17" name="Freeform 7"/>
+            <p:cNvSpPr>
+              <a:spLocks/>
+            </p:cNvSpPr>
+            <p:nvPr userDrawn="1"/>
+          </p:nvSpPr>
+          <p:spPr bwMode="auto">
+            <a:xfrm>
+              <a:off x="-796" y="1752"/>
+              <a:ext cx="1832" cy="1889"/>
+            </a:xfrm>
+            <a:custGeom>
+              <a:avLst/>
+              <a:gdLst/>
+              <a:ahLst/>
+              <a:cxnLst>
+                <a:cxn ang="0">
+                  <a:pos x="1832" y="378"/>
+                </a:cxn>
+                <a:cxn ang="0">
+                  <a:pos x="1832" y="0"/>
+                </a:cxn>
+                <a:cxn ang="0">
+                  <a:pos x="0" y="0"/>
+                </a:cxn>
+                <a:cxn ang="0">
+                  <a:pos x="0" y="1889"/>
+                </a:cxn>
+                <a:cxn ang="0">
+                  <a:pos x="378" y="1889"/>
+                </a:cxn>
+                <a:cxn ang="0">
+                  <a:pos x="378" y="378"/>
+                </a:cxn>
+                <a:cxn ang="0">
+                  <a:pos x="1832" y="378"/>
+                </a:cxn>
+              </a:cxnLst>
+              <a:rect l="0" t="0" r="r" b="b"/>
+              <a:pathLst>
+                <a:path w="1832" h="1889">
+                  <a:moveTo>
+                    <a:pt x="1832" y="378"/>
+                  </a:moveTo>
+                  <a:lnTo>
+                    <a:pt x="1832" y="0"/>
+                  </a:lnTo>
+                  <a:lnTo>
+                    <a:pt x="0" y="0"/>
+                  </a:lnTo>
+                  <a:lnTo>
+                    <a:pt x="0" y="1889"/>
+                  </a:lnTo>
+                  <a:lnTo>
+                    <a:pt x="378" y="1889"/>
+                  </a:lnTo>
+                  <a:lnTo>
+                    <a:pt x="378" y="378"/>
+                  </a:lnTo>
+                  <a:lnTo>
+                    <a:pt x="1832" y="378"/>
+                  </a:lnTo>
+                  <a:close/>
+                </a:path>
+              </a:pathLst>
+            </a:custGeom>
+            <a:grpFill/>
+            <a:ln w="9525">
+              <a:noFill/>
+              <a:round/>
+              <a:headEnd/>
+              <a:tailEnd/>
+            </a:ln>
+          </p:spPr>
+          <p:txBody>
+            <a:bodyPr vert="horz" wrap="square" lIns="91440" tIns="45720" rIns="91440" bIns="45720" numCol="1" anchor="t" anchorCtr="0" compatLnSpc="1">
+              <a:prstTxWarp prst="textNoShape">
+                <a:avLst/>
+              </a:prstTxWarp>
+            </a:bodyPr>
+            <a:lstStyle/>
+            <a:p>
+              <a:endParaRPr lang="en-GB"/>
+            </a:p>
+          </p:txBody>
+        </p:sp>
+        <p:sp>
+          <p:nvSpPr>
+            <p:cNvPr id="21" name="Rectangle 8"/>
+            <p:cNvSpPr>
+              <a:spLocks noChangeArrowheads="1"/>
+            </p:cNvSpPr>
+            <p:nvPr userDrawn="1"/>
+          </p:nvSpPr>
+          <p:spPr bwMode="auto">
+            <a:xfrm>
+              <a:off x="-40" y="2508"/>
+              <a:ext cx="756" cy="377"/>
+            </a:xfrm>
+            <a:prstGeom prst="rect">
+              <a:avLst/>
+            </a:prstGeom>
+            <a:grpFill/>
+            <a:ln w="9525">
+              <a:noFill/>
+              <a:miter lim="800000"/>
+              <a:headEnd/>
+              <a:tailEnd/>
+            </a:ln>
+          </p:spPr>
+          <p:txBody>
+            <a:bodyPr vert="horz" wrap="square" lIns="91440" tIns="45720" rIns="91440" bIns="45720" numCol="1" anchor="t" anchorCtr="0" compatLnSpc="1">
+              <a:prstTxWarp prst="textNoShape">
+                <a:avLst/>
+              </a:prstTxWarp>
+            </a:bodyPr>
+            <a:lstStyle/>
+            <a:p>
+              <a:endParaRPr lang="en-GB"/>
+            </a:p>
+          </p:txBody>
+        </p:sp>
+      </p:grpSp>
+    </p:spTree>
+  </p:cSld>
+  <p:clrMapOvr>
+    <a:masterClrMapping/>
+  </p:clrMapOvr>
+  <p:transition/>
 </p:sldLayout>
 </file>
 
@@ -2930,7 +3528,7 @@
               <a:tabLst/>
               <a:defRPr/>
             </a:pPr>
-            <a:endParaRPr kumimoji="0" lang="en-GB" sz="1800" b="0" i="0" u="none" strike="noStrike" kern="0" cap="none" spc="0" normalizeH="0" baseline="0" noProof="0">
+            <a:endParaRPr kumimoji="0" lang="en-GB" sz="1800" b="0" i="0" u="none" strike="noStrike" kern="0" cap="none" spc="0" normalizeH="0" baseline="0" noProof="0" dirty="0">
               <a:ln>
                 <a:noFill/>
               </a:ln>
@@ -3586,18 +4184,18 @@
       </p:sp>
       <p:sp>
         <p:nvSpPr>
-          <p:cNvPr id="30" name="Text Placeholder 29"/>
+          <p:cNvPr id="13" name="Text Placeholder 29"/>
           <p:cNvSpPr>
             <a:spLocks noGrp="1"/>
           </p:cNvSpPr>
           <p:nvPr>
-            <p:ph type="body" sz="quarter" idx="12" hasCustomPrompt="1"/>
+            <p:ph type="body" sz="quarter" idx="13" hasCustomPrompt="1"/>
           </p:nvPr>
         </p:nvSpPr>
         <p:spPr>
           <a:xfrm>
-            <a:off x="251520" y="1556792"/>
-            <a:ext cx="8642350" cy="252437"/>
+            <a:off x="250825" y="2707344"/>
+            <a:ext cx="8642350" cy="396453"/>
           </a:xfrm>
           <a:prstGeom prst="rect">
             <a:avLst/>
@@ -3611,7 +4209,7 @@
             <a:lvl1pPr algn="ctr">
               <a:buFontTx/>
               <a:buNone/>
-              <a:defRPr sz="1600">
+              <a:defRPr sz="2400">
                 <a:solidFill>
                   <a:schemeClr val="bg1"/>
                 </a:solidFill>
@@ -3650,6 +4248,173 @@
               <a:defRPr sz="3600">
                 <a:solidFill>
                   <a:schemeClr val="bg1"/>
+                </a:solidFill>
+                <a:latin typeface="Arial" pitchFamily="34" charset="0"/>
+                <a:cs typeface="Arial" pitchFamily="34" charset="0"/>
+              </a:defRPr>
+            </a:lvl5pPr>
+          </a:lstStyle>
+          <a:p>
+            <a:pPr lvl="0"/>
+            <a:r>
+              <a:rPr lang="en-US" dirty="0"/>
+              <a:t>&lt;TITLE&gt;</a:t>
+            </a:r>
+            <a:endParaRPr lang="en-GB" dirty="0"/>
+          </a:p>
+        </p:txBody>
+      </p:sp>
+      <p:sp>
+        <p:nvSpPr>
+          <p:cNvPr id="17" name="Text Placeholder 29"/>
+          <p:cNvSpPr>
+            <a:spLocks noGrp="1"/>
+          </p:cNvSpPr>
+          <p:nvPr>
+            <p:ph type="body" sz="quarter" idx="15" hasCustomPrompt="1"/>
+          </p:nvPr>
+        </p:nvSpPr>
+        <p:spPr>
+          <a:xfrm>
+            <a:off x="250825" y="4329100"/>
+            <a:ext cx="8642350" cy="396453"/>
+          </a:xfrm>
+          <a:prstGeom prst="rect">
+            <a:avLst/>
+          </a:prstGeom>
+        </p:spPr>
+        <p:txBody>
+          <a:bodyPr lIns="0" tIns="0" rIns="0" bIns="0" anchor="b" anchorCtr="0">
+            <a:noAutofit/>
+          </a:bodyPr>
+          <a:lstStyle>
+            <a:lvl1pPr algn="ctr">
+              <a:buFontTx/>
+              <a:buNone/>
+              <a:defRPr sz="2400">
+                <a:solidFill>
+                  <a:schemeClr val="bg1"/>
+                </a:solidFill>
+                <a:latin typeface="Arial" pitchFamily="34" charset="0"/>
+                <a:cs typeface="Arial" pitchFamily="34" charset="0"/>
+              </a:defRPr>
+            </a:lvl1pPr>
+            <a:lvl2pPr>
+              <a:defRPr sz="3600">
+                <a:solidFill>
+                  <a:schemeClr val="bg1"/>
+                </a:solidFill>
+                <a:latin typeface="Arial" pitchFamily="34" charset="0"/>
+                <a:cs typeface="Arial" pitchFamily="34" charset="0"/>
+              </a:defRPr>
+            </a:lvl2pPr>
+            <a:lvl3pPr>
+              <a:defRPr sz="3600">
+                <a:solidFill>
+                  <a:schemeClr val="bg1"/>
+                </a:solidFill>
+                <a:latin typeface="Arial" pitchFamily="34" charset="0"/>
+                <a:cs typeface="Arial" pitchFamily="34" charset="0"/>
+              </a:defRPr>
+            </a:lvl3pPr>
+            <a:lvl4pPr>
+              <a:defRPr sz="3600">
+                <a:solidFill>
+                  <a:schemeClr val="bg1"/>
+                </a:solidFill>
+                <a:latin typeface="Arial" pitchFamily="34" charset="0"/>
+                <a:cs typeface="Arial" pitchFamily="34" charset="0"/>
+              </a:defRPr>
+            </a:lvl4pPr>
+            <a:lvl5pPr>
+              <a:defRPr sz="3600">
+                <a:solidFill>
+                  <a:schemeClr val="bg1"/>
+                </a:solidFill>
+                <a:latin typeface="Arial" pitchFamily="34" charset="0"/>
+                <a:cs typeface="Arial" pitchFamily="34" charset="0"/>
+              </a:defRPr>
+            </a:lvl5pPr>
+          </a:lstStyle>
+          <a:p>
+            <a:pPr lvl="0"/>
+            <a:r>
+              <a:rPr lang="en-US" dirty="0"/>
+              <a:t>&lt;TITLE&gt;</a:t>
+            </a:r>
+            <a:endParaRPr lang="en-GB" dirty="0"/>
+          </a:p>
+        </p:txBody>
+      </p:sp>
+      <p:sp>
+        <p:nvSpPr>
+          <p:cNvPr id="28" name="Text Placeholder 25"/>
+          <p:cNvSpPr>
+            <a:spLocks noGrp="1"/>
+          </p:cNvSpPr>
+          <p:nvPr>
+            <p:ph type="body" sz="quarter" idx="17" hasCustomPrompt="1"/>
+          </p:nvPr>
+        </p:nvSpPr>
+        <p:spPr>
+          <a:xfrm>
+            <a:off x="250824" y="1543563"/>
+            <a:ext cx="8642350" cy="1099905"/>
+          </a:xfrm>
+          <a:prstGeom prst="rect">
+            <a:avLst/>
+          </a:prstGeom>
+        </p:spPr>
+        <p:txBody>
+          <a:bodyPr>
+            <a:normAutofit/>
+          </a:bodyPr>
+          <a:lstStyle>
+            <a:lvl1pPr marL="0" indent="0" algn="ctr">
+              <a:spcAft>
+                <a:spcPts val="600"/>
+              </a:spcAft>
+              <a:buNone/>
+              <a:defRPr lang="en-GB" sz="1600" kern="1200" baseline="0" dirty="0" smtClean="0">
+                <a:solidFill>
+                  <a:schemeClr val="bg1"/>
+                </a:solidFill>
+                <a:latin typeface="Arial" pitchFamily="34" charset="0"/>
+                <a:ea typeface="+mn-ea"/>
+                <a:cs typeface="Arial" pitchFamily="34" charset="0"/>
+              </a:defRPr>
+            </a:lvl1pPr>
+            <a:lvl2pPr>
+              <a:defRPr sz="1800">
+                <a:solidFill>
+                  <a:schemeClr val="tx1"/>
+                </a:solidFill>
+                <a:latin typeface="Arial" pitchFamily="34" charset="0"/>
+                <a:cs typeface="Arial" pitchFamily="34" charset="0"/>
+              </a:defRPr>
+            </a:lvl2pPr>
+            <a:lvl3pPr>
+              <a:defRPr sz="1800">
+                <a:solidFill>
+                  <a:schemeClr val="tx1"/>
+                </a:solidFill>
+                <a:latin typeface="Arial" pitchFamily="34" charset="0"/>
+                <a:cs typeface="Arial" pitchFamily="34" charset="0"/>
+              </a:defRPr>
+            </a:lvl3pPr>
+            <a:lvl4pPr>
+              <a:defRPr sz="1800">
+                <a:solidFill>
+                  <a:schemeClr val="tx1"/>
+                </a:solidFill>
+                <a:latin typeface="Arial" pitchFamily="34" charset="0"/>
+                <a:cs typeface="Arial" pitchFamily="34" charset="0"/>
+              </a:defRPr>
+            </a:lvl4pPr>
+            <a:lvl5pPr>
+              <a:defRPr sz="1800">
+                <a:solidFill>
+                  <a:schemeClr val="tx1"/>
                 </a:solidFill>
                 <a:latin typeface="Arial" pitchFamily="34" charset="0"/>
                 <a:cs typeface="Arial" pitchFamily="34" charset="0"/>
@@ -3662,6 +4427,161 @@
               <a:rPr lang="en-US" dirty="0"/>
               <a:t>&lt;Text&gt;</a:t>
             </a:r>
+            <a:endParaRPr lang="en-GB" dirty="0"/>
+          </a:p>
+        </p:txBody>
+      </p:sp>
+      <p:sp>
+        <p:nvSpPr>
+          <p:cNvPr id="5" name="Text Placeholder 4"/>
+          <p:cNvSpPr>
+            <a:spLocks noGrp="1"/>
+          </p:cNvSpPr>
+          <p:nvPr>
+            <p:ph type="body" sz="quarter" idx="18" hasCustomPrompt="1"/>
+          </p:nvPr>
+        </p:nvSpPr>
+        <p:spPr>
+          <a:xfrm>
+            <a:off x="250825" y="3174988"/>
+            <a:ext cx="8642350" cy="1090236"/>
+          </a:xfrm>
+          <a:prstGeom prst="rect">
+            <a:avLst/>
+          </a:prstGeom>
+        </p:spPr>
+        <p:txBody>
+          <a:bodyPr/>
+          <a:lstStyle>
+            <a:lvl1pPr marL="0" marR="0" indent="0" algn="ctr" defTabSz="914400" rtl="0" eaLnBrk="1" fontAlgn="auto" latinLnBrk="0" hangingPunct="1">
+              <a:lnSpc>
+                <a:spcPct val="100000"/>
+              </a:lnSpc>
+              <a:spcBef>
+                <a:spcPct val="20000"/>
+              </a:spcBef>
+              <a:spcAft>
+                <a:spcPts val="0"/>
+              </a:spcAft>
+              <a:buClrTx/>
+              <a:buSzTx/>
+              <a:buFont typeface="Arial" pitchFamily="34" charset="0"/>
+              <a:buNone/>
+              <a:tabLst/>
+              <a:defRPr sz="1600">
+                <a:solidFill>
+                  <a:schemeClr val="bg1"/>
+                </a:solidFill>
+                <a:latin typeface="Arial" panose="020B0604020202020204" pitchFamily="34" charset="0"/>
+                <a:cs typeface="Arial" panose="020B0604020202020204" pitchFamily="34" charset="0"/>
+              </a:defRPr>
+            </a:lvl1pPr>
+            <a:lvl5pPr>
+              <a:defRPr/>
+            </a:lvl5pPr>
+          </a:lstStyle>
+          <a:p>
+            <a:pPr marL="0" marR="0" lvl="0" indent="0" algn="ctr" defTabSz="914400" rtl="0" eaLnBrk="1" fontAlgn="auto" latinLnBrk="0" hangingPunct="1">
+              <a:lnSpc>
+                <a:spcPct val="100000"/>
+              </a:lnSpc>
+              <a:spcBef>
+                <a:spcPct val="20000"/>
+              </a:spcBef>
+              <a:spcAft>
+                <a:spcPts val="0"/>
+              </a:spcAft>
+              <a:buClrTx/>
+              <a:buSzTx/>
+              <a:buFont typeface="Arial" pitchFamily="34" charset="0"/>
+              <a:buNone/>
+              <a:tabLst/>
+              <a:defRPr/>
+            </a:pPr>
+            <a:r>
+              <a:rPr lang="en-US" dirty="0"/>
+              <a:t>&lt;Text&gt;</a:t>
+            </a:r>
+            <a:endParaRPr lang="en-GB" dirty="0"/>
+          </a:p>
+          <a:p>
+            <a:pPr lvl="0"/>
+            <a:endParaRPr lang="en-GB" dirty="0"/>
+          </a:p>
+        </p:txBody>
+      </p:sp>
+      <p:sp>
+        <p:nvSpPr>
+          <p:cNvPr id="7" name="Text Placeholder 6"/>
+          <p:cNvSpPr>
+            <a:spLocks noGrp="1"/>
+          </p:cNvSpPr>
+          <p:nvPr>
+            <p:ph type="body" sz="quarter" idx="19" hasCustomPrompt="1"/>
+          </p:nvPr>
+        </p:nvSpPr>
+        <p:spPr>
+          <a:xfrm>
+            <a:off x="250825" y="4761148"/>
+            <a:ext cx="8642350" cy="1411501"/>
+          </a:xfrm>
+          <a:prstGeom prst="rect">
+            <a:avLst/>
+          </a:prstGeom>
+        </p:spPr>
+        <p:txBody>
+          <a:bodyPr/>
+          <a:lstStyle>
+            <a:lvl1pPr marL="0" marR="0" indent="0" algn="ctr" defTabSz="914400" rtl="0" eaLnBrk="1" fontAlgn="auto" latinLnBrk="0" hangingPunct="1">
+              <a:lnSpc>
+                <a:spcPct val="100000"/>
+              </a:lnSpc>
+              <a:spcBef>
+                <a:spcPct val="20000"/>
+              </a:spcBef>
+              <a:spcAft>
+                <a:spcPts val="0"/>
+              </a:spcAft>
+              <a:buClrTx/>
+              <a:buSzTx/>
+              <a:buFont typeface="Arial" pitchFamily="34" charset="0"/>
+              <a:buNone/>
+              <a:tabLst/>
+              <a:defRPr sz="1600">
+                <a:solidFill>
+                  <a:schemeClr val="bg1"/>
+                </a:solidFill>
+                <a:latin typeface="Arial" panose="020B0604020202020204" pitchFamily="34" charset="0"/>
+                <a:cs typeface="Arial" panose="020B0604020202020204" pitchFamily="34" charset="0"/>
+              </a:defRPr>
+            </a:lvl1pPr>
+          </a:lstStyle>
+          <a:p>
+            <a:pPr marL="0" marR="0" lvl="0" indent="0" algn="ctr" defTabSz="914400" rtl="0" eaLnBrk="1" fontAlgn="auto" latinLnBrk="0" hangingPunct="1">
+              <a:lnSpc>
+                <a:spcPct val="100000"/>
+              </a:lnSpc>
+              <a:spcBef>
+                <a:spcPct val="20000"/>
+              </a:spcBef>
+              <a:spcAft>
+                <a:spcPts val="0"/>
+              </a:spcAft>
+              <a:buClrTx/>
+              <a:buSzTx/>
+              <a:buFont typeface="Arial" pitchFamily="34" charset="0"/>
+              <a:buNone/>
+              <a:tabLst/>
+              <a:defRPr/>
+            </a:pPr>
+            <a:r>
+              <a:rPr lang="en-US" dirty="0"/>
+              <a:t>&lt;Text&gt;</a:t>
+            </a:r>
+            <a:endParaRPr lang="en-GB" dirty="0"/>
+          </a:p>
+          <a:p>
+            <a:pPr lvl="0"/>
             <a:endParaRPr lang="en-GB" dirty="0"/>
           </a:p>
         </p:txBody>
@@ -4913,7 +5833,7 @@
           <p:nvPr userDrawn="1">
             <p:extLst>
               <p:ext uri="{D42A27DB-BD31-4B8C-83A1-F6EECF244321}">
-                <p14:modId xmlns:p14="http://schemas.microsoft.com/office/powerpoint/2010/main" val="1937981517"/>
+                <p14:modId xmlns:p14="http://schemas.microsoft.com/office/powerpoint/2010/main" val="1872917379"/>
               </p:ext>
             </p:extLst>
           </p:nvPr>
@@ -5053,24 +5973,6 @@
                           <a:spcPts val="600"/>
                         </a:spcAft>
                       </a:pPr>
-                      <a:r>
-                        <a:rPr lang="en-GB" sz="2400" b="1" spc="0" dirty="0">
-                          <a:solidFill>
-                            <a:schemeClr val="bg1"/>
-                          </a:solidFill>
-                          <a:latin typeface="Arial (Body)"/>
-                        </a:rPr>
-                        <a:t>5</a:t>
-                      </a:r>
-                      <a:r>
-                        <a:rPr lang="en-GB" sz="2400" b="1" spc="0" baseline="0" dirty="0">
-                          <a:solidFill>
-                            <a:schemeClr val="bg1"/>
-                          </a:solidFill>
-                          <a:latin typeface="Arial (Body)"/>
-                        </a:rPr>
-                        <a:t> years ago</a:t>
-                      </a:r>
                       <a:endParaRPr lang="en-GB" sz="2400" b="1" spc="0" dirty="0">
                         <a:solidFill>
                           <a:schemeClr val="bg1"/>
@@ -5079,7 +5981,7 @@
                       </a:endParaRPr>
                     </a:p>
                   </a:txBody>
-                  <a:tcPr marL="144000" marR="144000" marT="108000" marB="108000" anchor="ctr">
+                  <a:tcPr marL="144000" marR="144000" marT="108000" marB="108000">
                     <a:lnL w="12700" cmpd="sng">
                       <a:noFill/>
                     </a:lnL>
@@ -5335,18 +6237,15 @@
                           <a:spcPts val="600"/>
                         </a:spcAft>
                       </a:pPr>
-                      <a:r>
-                        <a:rPr lang="en-GB" sz="2400" b="1" spc="0" dirty="0">
-                          <a:solidFill>
-                            <a:schemeClr val="tx1">
-                              <a:lumMod val="85000"/>
-                              <a:lumOff val="15000"/>
-                            </a:schemeClr>
-                          </a:solidFill>
-                          <a:latin typeface="Arial (Body)"/>
-                        </a:rPr>
-                        <a:t>Now</a:t>
-                      </a:r>
+                      <a:endParaRPr lang="en-GB" sz="2400" b="1" spc="0" dirty="0">
+                        <a:solidFill>
+                          <a:schemeClr val="tx1">
+                            <a:lumMod val="85000"/>
+                            <a:lumOff val="15000"/>
+                          </a:schemeClr>
+                        </a:solidFill>
+                        <a:latin typeface="Arial (Body)"/>
+                      </a:endParaRPr>
                     </a:p>
                   </a:txBody>
                   <a:tcPr marL="144000" marR="144000" marT="108000" marB="108000" anchor="ctr">
@@ -5619,30 +6518,15 @@
                           <a:spcPts val="600"/>
                         </a:spcAft>
                       </a:pPr>
-                      <a:r>
-                        <a:rPr lang="en-GB" sz="2400" b="1" spc="0" baseline="0" dirty="0">
-                          <a:solidFill>
-                            <a:schemeClr val="tx1">
-                              <a:lumMod val="85000"/>
-                              <a:lumOff val="15000"/>
-                            </a:schemeClr>
-                          </a:solidFill>
-                          <a:latin typeface="Arial (Body)"/>
-                        </a:rPr>
-                        <a:t>In </a:t>
-                      </a:r>
-                      <a:r>
-                        <a:rPr lang="en-GB" sz="2400" b="1" spc="0" dirty="0">
-                          <a:solidFill>
-                            <a:schemeClr val="tx1">
-                              <a:lumMod val="85000"/>
-                              <a:lumOff val="15000"/>
-                            </a:schemeClr>
-                          </a:solidFill>
-                          <a:latin typeface="Arial (Body)"/>
-                        </a:rPr>
-                        <a:t>5 years</a:t>
-                      </a:r>
+                      <a:endParaRPr lang="en-GB" sz="2400" b="1" spc="0" dirty="0">
+                        <a:solidFill>
+                          <a:schemeClr val="tx1">
+                            <a:lumMod val="85000"/>
+                            <a:lumOff val="15000"/>
+                          </a:schemeClr>
+                        </a:solidFill>
+                        <a:latin typeface="Arial (Body)"/>
+                      </a:endParaRPr>
                     </a:p>
                   </a:txBody>
                   <a:tcPr marL="144000" marR="144000" marT="108000" marB="108000" anchor="ctr">
@@ -7721,14 +8605,14 @@
         <p:spPr>
           <a:xfrm>
             <a:off x="334177" y="1556793"/>
-            <a:ext cx="2617644" cy="216023"/>
+            <a:ext cx="2617644" cy="1771718"/>
           </a:xfrm>
           <a:prstGeom prst="rect">
             <a:avLst/>
           </a:prstGeom>
         </p:spPr>
         <p:txBody>
-          <a:bodyPr lIns="0" tIns="0" rIns="0" bIns="0" anchor="b" anchorCtr="0">
+          <a:bodyPr lIns="0" tIns="0" rIns="0" bIns="0" anchor="t" anchorCtr="0">
             <a:noAutofit/>
           </a:bodyPr>
           <a:lstStyle>
@@ -7802,15 +8686,15 @@
         </p:nvSpPr>
         <p:spPr>
           <a:xfrm>
-            <a:off x="334177" y="3498089"/>
-            <a:ext cx="2617644" cy="252437"/>
+            <a:off x="334177" y="3498088"/>
+            <a:ext cx="2617644" cy="1371071"/>
           </a:xfrm>
           <a:prstGeom prst="rect">
             <a:avLst/>
           </a:prstGeom>
         </p:spPr>
         <p:txBody>
-          <a:bodyPr lIns="0" tIns="0" rIns="0" bIns="0" anchor="b" anchorCtr="0">
+          <a:bodyPr lIns="0" tIns="0" rIns="0" bIns="0" anchor="t" anchorCtr="0">
             <a:noAutofit/>
           </a:bodyPr>
           <a:lstStyle>
@@ -7885,14 +8769,14 @@
         <p:spPr>
           <a:xfrm>
             <a:off x="334177" y="5049180"/>
-            <a:ext cx="2617644" cy="252437"/>
+            <a:ext cx="2617644" cy="828092"/>
           </a:xfrm>
           <a:prstGeom prst="rect">
             <a:avLst/>
           </a:prstGeom>
         </p:spPr>
         <p:txBody>
-          <a:bodyPr lIns="0" tIns="0" rIns="0" bIns="0" anchor="b" anchorCtr="0">
+          <a:bodyPr lIns="0" tIns="0" rIns="0" bIns="0" anchor="t" anchorCtr="0">
             <a:noAutofit/>
           </a:bodyPr>
           <a:lstStyle>
@@ -7967,14 +8851,14 @@
         <p:spPr>
           <a:xfrm>
             <a:off x="3263178" y="1538585"/>
-            <a:ext cx="2617644" cy="252437"/>
+            <a:ext cx="2617644" cy="1789926"/>
           </a:xfrm>
           <a:prstGeom prst="rect">
             <a:avLst/>
           </a:prstGeom>
         </p:spPr>
         <p:txBody>
-          <a:bodyPr lIns="0" tIns="0" rIns="0" bIns="0" anchor="b" anchorCtr="0">
+          <a:bodyPr lIns="0" tIns="0" rIns="0" bIns="0" anchor="t" anchorCtr="0">
             <a:noAutofit/>
           </a:bodyPr>
           <a:lstStyle>
@@ -8049,14 +8933,14 @@
         <p:spPr>
           <a:xfrm>
             <a:off x="3263178" y="3498088"/>
-            <a:ext cx="2617644" cy="252437"/>
+            <a:ext cx="2617644" cy="1371072"/>
           </a:xfrm>
           <a:prstGeom prst="rect">
             <a:avLst/>
           </a:prstGeom>
         </p:spPr>
         <p:txBody>
-          <a:bodyPr lIns="0" tIns="0" rIns="0" bIns="0" anchor="b" anchorCtr="0">
+          <a:bodyPr lIns="0" tIns="0" rIns="0" bIns="0" anchor="t" anchorCtr="0">
             <a:noAutofit/>
           </a:bodyPr>
           <a:lstStyle>
@@ -8131,14 +9015,14 @@
         <p:spPr>
           <a:xfrm>
             <a:off x="3263178" y="5049179"/>
-            <a:ext cx="2617644" cy="252437"/>
+            <a:ext cx="2617644" cy="828093"/>
           </a:xfrm>
           <a:prstGeom prst="rect">
             <a:avLst/>
           </a:prstGeom>
         </p:spPr>
         <p:txBody>
-          <a:bodyPr lIns="0" tIns="0" rIns="0" bIns="0" anchor="b" anchorCtr="0">
+          <a:bodyPr lIns="0" tIns="0" rIns="0" bIns="0" anchor="t" anchorCtr="0">
             <a:noAutofit/>
           </a:bodyPr>
           <a:lstStyle>
@@ -8213,14 +9097,14 @@
         <p:spPr>
           <a:xfrm>
             <a:off x="6234806" y="1538584"/>
-            <a:ext cx="2617644" cy="252437"/>
+            <a:ext cx="2617644" cy="1796284"/>
           </a:xfrm>
           <a:prstGeom prst="rect">
             <a:avLst/>
           </a:prstGeom>
         </p:spPr>
         <p:txBody>
-          <a:bodyPr lIns="0" tIns="0" rIns="0" bIns="0" anchor="b" anchorCtr="0">
+          <a:bodyPr lIns="0" tIns="0" rIns="0" bIns="0" anchor="t" anchorCtr="0">
             <a:noAutofit/>
           </a:bodyPr>
           <a:lstStyle>
@@ -8295,14 +9179,14 @@
         <p:spPr>
           <a:xfrm>
             <a:off x="6238832" y="3504445"/>
-            <a:ext cx="2617644" cy="252437"/>
+            <a:ext cx="2617644" cy="1364715"/>
           </a:xfrm>
           <a:prstGeom prst="rect">
             <a:avLst/>
           </a:prstGeom>
         </p:spPr>
         <p:txBody>
-          <a:bodyPr lIns="0" tIns="0" rIns="0" bIns="0" anchor="b" anchorCtr="0">
+          <a:bodyPr lIns="0" tIns="0" rIns="0" bIns="0" anchor="t" anchorCtr="0">
             <a:noAutofit/>
           </a:bodyPr>
           <a:lstStyle>
@@ -8377,14 +9261,14 @@
         <p:spPr>
           <a:xfrm>
             <a:off x="6238832" y="5038910"/>
-            <a:ext cx="2617644" cy="252437"/>
+            <a:ext cx="2617644" cy="838362"/>
           </a:xfrm>
           <a:prstGeom prst="rect">
             <a:avLst/>
           </a:prstGeom>
         </p:spPr>
         <p:txBody>
-          <a:bodyPr lIns="0" tIns="0" rIns="0" bIns="0" anchor="b" anchorCtr="0">
+          <a:bodyPr lIns="0" tIns="0" rIns="0" bIns="0" anchor="t" anchorCtr="0">
             <a:noAutofit/>
           </a:bodyPr>
           <a:lstStyle>
@@ -8443,6 +9327,126 @@
               <a:t>&lt;Text&gt;</a:t>
             </a:r>
             <a:endParaRPr lang="en-GB" dirty="0"/>
+          </a:p>
+        </p:txBody>
+      </p:sp>
+      <p:sp>
+        <p:nvSpPr>
+          <p:cNvPr id="9" name="Text Placeholder 8"/>
+          <p:cNvSpPr>
+            <a:spLocks noGrp="1"/>
+          </p:cNvSpPr>
+          <p:nvPr>
+            <p:ph type="body" sz="quarter" idx="21" hasCustomPrompt="1"/>
+          </p:nvPr>
+        </p:nvSpPr>
+        <p:spPr>
+          <a:xfrm>
+            <a:off x="371562" y="945480"/>
+            <a:ext cx="2508250" cy="395288"/>
+          </a:xfrm>
+          <a:prstGeom prst="rect">
+            <a:avLst/>
+          </a:prstGeom>
+        </p:spPr>
+        <p:txBody>
+          <a:bodyPr anchor="ctr" anchorCtr="0"/>
+          <a:lstStyle>
+            <a:lvl1pPr marL="0" indent="0">
+              <a:buNone/>
+              <a:defRPr sz="2400" b="1">
+                <a:solidFill>
+                  <a:schemeClr val="bg1"/>
+                </a:solidFill>
+                <a:latin typeface="Arial" panose="020B0604020202020204" pitchFamily="34" charset="0"/>
+                <a:cs typeface="Arial" panose="020B0604020202020204" pitchFamily="34" charset="0"/>
+              </a:defRPr>
+            </a:lvl1pPr>
+          </a:lstStyle>
+          <a:p>
+            <a:pPr lvl="0"/>
+            <a:r>
+              <a:rPr lang="en-GB" dirty="0"/>
+              <a:t>5 years ago</a:t>
+            </a:r>
+          </a:p>
+        </p:txBody>
+      </p:sp>
+      <p:sp>
+        <p:nvSpPr>
+          <p:cNvPr id="11" name="Text Placeholder 10"/>
+          <p:cNvSpPr>
+            <a:spLocks noGrp="1"/>
+          </p:cNvSpPr>
+          <p:nvPr>
+            <p:ph type="body" sz="quarter" idx="22" hasCustomPrompt="1"/>
+          </p:nvPr>
+        </p:nvSpPr>
+        <p:spPr>
+          <a:xfrm>
+            <a:off x="3263900" y="945480"/>
+            <a:ext cx="2616200" cy="395288"/>
+          </a:xfrm>
+          <a:prstGeom prst="rect">
+            <a:avLst/>
+          </a:prstGeom>
+        </p:spPr>
+        <p:txBody>
+          <a:bodyPr anchor="ctr" anchorCtr="0"/>
+          <a:lstStyle>
+            <a:lvl1pPr marL="0" indent="0">
+              <a:buNone/>
+              <a:defRPr sz="2400" b="1">
+                <a:latin typeface="Arial" panose="020B0604020202020204" pitchFamily="34" charset="0"/>
+                <a:cs typeface="Arial" panose="020B0604020202020204" pitchFamily="34" charset="0"/>
+              </a:defRPr>
+            </a:lvl1pPr>
+          </a:lstStyle>
+          <a:p>
+            <a:pPr lvl="0"/>
+            <a:r>
+              <a:rPr lang="en-GB" dirty="0"/>
+              <a:t>Now</a:t>
+            </a:r>
+          </a:p>
+        </p:txBody>
+      </p:sp>
+      <p:sp>
+        <p:nvSpPr>
+          <p:cNvPr id="25" name="Text Placeholder 24"/>
+          <p:cNvSpPr>
+            <a:spLocks noGrp="1"/>
+          </p:cNvSpPr>
+          <p:nvPr>
+            <p:ph type="body" sz="quarter" idx="23" hasCustomPrompt="1"/>
+          </p:nvPr>
+        </p:nvSpPr>
+        <p:spPr>
+          <a:xfrm>
+            <a:off x="6228184" y="946150"/>
+            <a:ext cx="2551112" cy="395288"/>
+          </a:xfrm>
+          <a:prstGeom prst="rect">
+            <a:avLst/>
+          </a:prstGeom>
+        </p:spPr>
+        <p:txBody>
+          <a:bodyPr anchor="ctr" anchorCtr="0"/>
+          <a:lstStyle>
+            <a:lvl1pPr marL="0" indent="0">
+              <a:buNone/>
+              <a:defRPr sz="2400" b="1" baseline="0">
+                <a:latin typeface="Arial" panose="020B0604020202020204" pitchFamily="34" charset="0"/>
+                <a:cs typeface="Arial" panose="020B0604020202020204" pitchFamily="34" charset="0"/>
+              </a:defRPr>
+            </a:lvl1pPr>
+          </a:lstStyle>
+          <a:p>
+            <a:pPr lvl="0"/>
+            <a:r>
+              <a:rPr lang="en-GB" dirty="0"/>
+              <a:t>In 5 years</a:t>
+            </a:r>
           </a:p>
         </p:txBody>
       </p:sp>
@@ -9998,7 +11002,402 @@
 </p:sldMaster>
 </file>
 
+<file path=ppt/slideMasters/slideMaster2.xml><?xml version="1.0" encoding="utf-8"?>
+<p:sldMaster xmlns:a="http://schemas.openxmlformats.org/drawingml/2006/main" xmlns:r="http://schemas.openxmlformats.org/officeDocument/2006/relationships" xmlns:p="http://schemas.openxmlformats.org/presentationml/2006/main">
+  <p:cSld>
+    <p:bg>
+      <p:bgRef idx="1001">
+        <a:schemeClr val="bg1"/>
+      </p:bgRef>
+    </p:bg>
+    <p:spTree>
+      <p:nvGrpSpPr>
+        <p:cNvPr id="1" name=""/>
+        <p:cNvGrpSpPr/>
+        <p:nvPr/>
+      </p:nvGrpSpPr>
+      <p:grpSpPr>
+        <a:xfrm>
+          <a:off x="0" y="0"/>
+          <a:ext cx="0" cy="0"/>
+          <a:chOff x="0" y="0"/>
+          <a:chExt cx="0" cy="0"/>
+        </a:xfrm>
+      </p:grpSpPr>
+    </p:spTree>
+  </p:cSld>
+  <p:clrMap bg1="lt1" tx1="dk1" bg2="lt2" tx2="dk2" accent1="accent1" accent2="accent2" accent3="accent3" accent4="accent4" accent5="accent5" accent6="accent6" hlink="hlink" folHlink="folHlink"/>
+  <p:sldLayoutIdLst>
+    <p:sldLayoutId id="2147483686" r:id="rId26"/>
+  </p:sldLayoutIdLst>
+  <p:timing>
+    <p:tnLst>
+      <p:par>
+        <p:cTn id="1" dur="indefinite" restart="never" nodeType="tmRoot"/>
+      </p:par>
+    </p:tnLst>
+  </p:timing>
+  <p:txStyles>
+    <p:titleStyle>
+      <a:lvl1pPr algn="l" defTabSz="457200" rtl="0" eaLnBrk="1" latinLnBrk="0" hangingPunct="1">
+        <a:lnSpc>
+          <a:spcPct val="90000"/>
+        </a:lnSpc>
+        <a:spcBef>
+          <a:spcPct val="0"/>
+        </a:spcBef>
+        <a:buNone/>
+        <a:defRPr lang="en-US" sz="3600" kern="1200" dirty="0">
+          <a:solidFill>
+            <a:schemeClr val="bg2"/>
+          </a:solidFill>
+          <a:latin typeface="Arial" pitchFamily="34" charset="0"/>
+          <a:ea typeface="+mj-ea"/>
+          <a:cs typeface="Arial" pitchFamily="34" charset="0"/>
+        </a:defRPr>
+      </a:lvl1pPr>
+    </p:titleStyle>
+    <p:bodyStyle>
+      <a:lvl1pPr marL="446088" indent="-446088" algn="l" defTabSz="457200" rtl="0" eaLnBrk="1" latinLnBrk="0" hangingPunct="1">
+        <a:spcBef>
+          <a:spcPct val="20000"/>
+        </a:spcBef>
+        <a:buFontTx/>
+        <a:buNone/>
+        <a:defRPr lang="en-GB" sz="2800" kern="1200" dirty="0" smtClean="0">
+          <a:solidFill>
+            <a:schemeClr val="tx1">
+              <a:lumMod val="65000"/>
+              <a:lumOff val="35000"/>
+            </a:schemeClr>
+          </a:solidFill>
+          <a:latin typeface="Arial" pitchFamily="34" charset="0"/>
+          <a:ea typeface="+mn-ea"/>
+          <a:cs typeface="Arial" pitchFamily="34" charset="0"/>
+        </a:defRPr>
+      </a:lvl1pPr>
+      <a:lvl2pPr marL="717550" indent="-303213" algn="l" defTabSz="457200" rtl="0" eaLnBrk="1" latinLnBrk="0" hangingPunct="1">
+        <a:spcBef>
+          <a:spcPct val="20000"/>
+        </a:spcBef>
+        <a:buFont typeface="Arial" pitchFamily="34" charset="0"/>
+        <a:buChar char="•"/>
+        <a:defRPr lang="en-US" sz="2400" kern="1200" dirty="0">
+          <a:solidFill>
+            <a:schemeClr val="tx1">
+              <a:lumMod val="65000"/>
+              <a:lumOff val="35000"/>
+            </a:schemeClr>
+          </a:solidFill>
+          <a:latin typeface="Arial" pitchFamily="34" charset="0"/>
+          <a:ea typeface="+mn-ea"/>
+          <a:cs typeface="Arial" pitchFamily="34" charset="0"/>
+        </a:defRPr>
+      </a:lvl2pPr>
+      <a:lvl3pPr marL="808038" indent="-300038" algn="l" defTabSz="457200" rtl="0" eaLnBrk="1" latinLnBrk="0" hangingPunct="1">
+        <a:spcBef>
+          <a:spcPct val="20000"/>
+        </a:spcBef>
+        <a:buClrTx/>
+        <a:buFont typeface="Wingdings 3" pitchFamily="18" charset="2"/>
+        <a:buChar char=""/>
+        <a:defRPr sz="2400" kern="1200">
+          <a:solidFill>
+            <a:schemeClr val="tx1">
+              <a:lumMod val="65000"/>
+              <a:lumOff val="35000"/>
+            </a:schemeClr>
+          </a:solidFill>
+          <a:latin typeface="Arial" pitchFamily="34" charset="0"/>
+          <a:ea typeface="+mn-ea"/>
+          <a:cs typeface="Arial" pitchFamily="34" charset="0"/>
+        </a:defRPr>
+      </a:lvl3pPr>
+      <a:lvl4pPr marL="1600200" indent="-228600" algn="l" defTabSz="457200" rtl="0" eaLnBrk="1" latinLnBrk="0" hangingPunct="1">
+        <a:spcBef>
+          <a:spcPct val="20000"/>
+        </a:spcBef>
+        <a:buFont typeface="Arial"/>
+        <a:buChar char="–"/>
+        <a:defRPr sz="2000" kern="1200">
+          <a:solidFill>
+            <a:schemeClr val="tx1">
+              <a:lumMod val="50000"/>
+              <a:lumOff val="50000"/>
+            </a:schemeClr>
+          </a:solidFill>
+          <a:latin typeface="Arial" pitchFamily="34" charset="0"/>
+          <a:ea typeface="+mn-ea"/>
+          <a:cs typeface="Arial" pitchFamily="34" charset="0"/>
+        </a:defRPr>
+      </a:lvl4pPr>
+      <a:lvl5pPr marL="2057400" indent="-228600" algn="l" defTabSz="457200" rtl="0" eaLnBrk="1" latinLnBrk="0" hangingPunct="1">
+        <a:spcBef>
+          <a:spcPct val="20000"/>
+        </a:spcBef>
+        <a:buFont typeface="Arial"/>
+        <a:buChar char="»"/>
+        <a:defRPr sz="2000" kern="1200">
+          <a:solidFill>
+            <a:schemeClr val="tx1">
+              <a:lumMod val="50000"/>
+              <a:lumOff val="50000"/>
+            </a:schemeClr>
+          </a:solidFill>
+          <a:latin typeface="Arial" pitchFamily="34" charset="0"/>
+          <a:ea typeface="+mn-ea"/>
+          <a:cs typeface="Arial" pitchFamily="34" charset="0"/>
+        </a:defRPr>
+      </a:lvl5pPr>
+      <a:lvl6pPr marL="2514600" indent="-228600" algn="l" defTabSz="457200" rtl="0" eaLnBrk="1" latinLnBrk="0" hangingPunct="1">
+        <a:spcBef>
+          <a:spcPct val="20000"/>
+        </a:spcBef>
+        <a:buFont typeface="Arial"/>
+        <a:buChar char="•"/>
+        <a:defRPr sz="2000" kern="1200">
+          <a:solidFill>
+            <a:schemeClr val="tx1"/>
+          </a:solidFill>
+          <a:latin typeface="+mn-lt"/>
+          <a:ea typeface="+mn-ea"/>
+          <a:cs typeface="+mn-cs"/>
+        </a:defRPr>
+      </a:lvl6pPr>
+      <a:lvl7pPr marL="2971800" indent="-228600" algn="l" defTabSz="457200" rtl="0" eaLnBrk="1" latinLnBrk="0" hangingPunct="1">
+        <a:spcBef>
+          <a:spcPct val="20000"/>
+        </a:spcBef>
+        <a:buFont typeface="Arial"/>
+        <a:buChar char="•"/>
+        <a:defRPr sz="2000" kern="1200">
+          <a:solidFill>
+            <a:schemeClr val="tx1"/>
+          </a:solidFill>
+          <a:latin typeface="+mn-lt"/>
+          <a:ea typeface="+mn-ea"/>
+          <a:cs typeface="+mn-cs"/>
+        </a:defRPr>
+      </a:lvl7pPr>
+      <a:lvl8pPr marL="3429000" indent="-228600" algn="l" defTabSz="457200" rtl="0" eaLnBrk="1" latinLnBrk="0" hangingPunct="1">
+        <a:spcBef>
+          <a:spcPct val="20000"/>
+        </a:spcBef>
+        <a:buFont typeface="Arial"/>
+        <a:buChar char="•"/>
+        <a:defRPr sz="2000" kern="1200">
+          <a:solidFill>
+            <a:schemeClr val="tx1"/>
+          </a:solidFill>
+          <a:latin typeface="+mn-lt"/>
+          <a:ea typeface="+mn-ea"/>
+          <a:cs typeface="+mn-cs"/>
+        </a:defRPr>
+      </a:lvl8pPr>
+      <a:lvl9pPr marL="3886200" indent="-228600" algn="l" defTabSz="457200" rtl="0" eaLnBrk="1" latinLnBrk="0" hangingPunct="1">
+        <a:spcBef>
+          <a:spcPct val="20000"/>
+        </a:spcBef>
+        <a:buFont typeface="Arial"/>
+        <a:buChar char="•"/>
+        <a:defRPr sz="2000" kern="1200">
+          <a:solidFill>
+            <a:schemeClr val="tx1"/>
+          </a:solidFill>
+          <a:latin typeface="+mn-lt"/>
+          <a:ea typeface="+mn-ea"/>
+          <a:cs typeface="+mn-cs"/>
+        </a:defRPr>
+      </a:lvl9pPr>
+    </p:bodyStyle>
+    <p:otherStyle>
+      <a:defPPr>
+        <a:defRPr lang="en-US"/>
+      </a:defPPr>
+      <a:lvl1pPr marL="0" algn="l" defTabSz="457200" rtl="0" eaLnBrk="1" latinLnBrk="0" hangingPunct="1">
+        <a:defRPr sz="1800" kern="1200">
+          <a:solidFill>
+            <a:schemeClr val="tx1"/>
+          </a:solidFill>
+          <a:latin typeface="+mn-lt"/>
+          <a:ea typeface="+mn-ea"/>
+          <a:cs typeface="+mn-cs"/>
+        </a:defRPr>
+      </a:lvl1pPr>
+      <a:lvl2pPr marL="457200" algn="l" defTabSz="457200" rtl="0" eaLnBrk="1" latinLnBrk="0" hangingPunct="1">
+        <a:defRPr sz="1800" kern="1200">
+          <a:solidFill>
+            <a:schemeClr val="tx1"/>
+          </a:solidFill>
+          <a:latin typeface="+mn-lt"/>
+          <a:ea typeface="+mn-ea"/>
+          <a:cs typeface="+mn-cs"/>
+        </a:defRPr>
+      </a:lvl2pPr>
+      <a:lvl3pPr marL="914400" algn="l" defTabSz="457200" rtl="0" eaLnBrk="1" latinLnBrk="0" hangingPunct="1">
+        <a:defRPr sz="1800" kern="1200">
+          <a:solidFill>
+            <a:schemeClr val="tx1"/>
+          </a:solidFill>
+          <a:latin typeface="+mn-lt"/>
+          <a:ea typeface="+mn-ea"/>
+          <a:cs typeface="+mn-cs"/>
+        </a:defRPr>
+      </a:lvl3pPr>
+      <a:lvl4pPr marL="1371600" algn="l" defTabSz="457200" rtl="0" eaLnBrk="1" latinLnBrk="0" hangingPunct="1">
+        <a:defRPr sz="1800" kern="1200">
+          <a:solidFill>
+            <a:schemeClr val="tx1"/>
+          </a:solidFill>
+          <a:latin typeface="+mn-lt"/>
+          <a:ea typeface="+mn-ea"/>
+          <a:cs typeface="+mn-cs"/>
+        </a:defRPr>
+      </a:lvl4pPr>
+      <a:lvl5pPr marL="1828800" algn="l" defTabSz="457200" rtl="0" eaLnBrk="1" latinLnBrk="0" hangingPunct="1">
+        <a:defRPr sz="1800" kern="1200">
+          <a:solidFill>
+            <a:schemeClr val="tx1"/>
+          </a:solidFill>
+          <a:latin typeface="+mn-lt"/>
+          <a:ea typeface="+mn-ea"/>
+          <a:cs typeface="+mn-cs"/>
+        </a:defRPr>
+      </a:lvl5pPr>
+      <a:lvl6pPr marL="2286000" algn="l" defTabSz="457200" rtl="0" eaLnBrk="1" latinLnBrk="0" hangingPunct="1">
+        <a:defRPr sz="1800" kern="1200">
+          <a:solidFill>
+            <a:schemeClr val="tx1"/>
+          </a:solidFill>
+          <a:latin typeface="+mn-lt"/>
+          <a:ea typeface="+mn-ea"/>
+          <a:cs typeface="+mn-cs"/>
+        </a:defRPr>
+      </a:lvl6pPr>
+      <a:lvl7pPr marL="2743200" algn="l" defTabSz="457200" rtl="0" eaLnBrk="1" latinLnBrk="0" hangingPunct="1">
+        <a:defRPr sz="1800" kern="1200">
+          <a:solidFill>
+            <a:schemeClr val="tx1"/>
+          </a:solidFill>
+          <a:latin typeface="+mn-lt"/>
+          <a:ea typeface="+mn-ea"/>
+          <a:cs typeface="+mn-cs"/>
+        </a:defRPr>
+      </a:lvl7pPr>
+      <a:lvl8pPr marL="3200400" algn="l" defTabSz="457200" rtl="0" eaLnBrk="1" latinLnBrk="0" hangingPunct="1">
+        <a:defRPr sz="1800" kern="1200">
+          <a:solidFill>
+            <a:schemeClr val="tx1"/>
+          </a:solidFill>
+          <a:latin typeface="+mn-lt"/>
+          <a:ea typeface="+mn-ea"/>
+          <a:cs typeface="+mn-cs"/>
+        </a:defRPr>
+      </a:lvl8pPr>
+      <a:lvl9pPr marL="3657600" algn="l" defTabSz="457200" rtl="0" eaLnBrk="1" latinLnBrk="0" hangingPunct="1">
+        <a:defRPr sz="1800" kern="1200">
+          <a:solidFill>
+            <a:schemeClr val="tx1"/>
+          </a:solidFill>
+          <a:latin typeface="+mn-lt"/>
+          <a:ea typeface="+mn-ea"/>
+          <a:cs typeface="+mn-cs"/>
+        </a:defRPr>
+      </a:lvl9pPr>
+    </p:otherStyle>
+  </p:txStyles>
+</p:sldMaster>
+</file>
+
 <file path=ppt/slides/slide1.xml><?xml version="1.0" encoding="utf-8"?>
+<p:sld xmlns:a="http://schemas.openxmlformats.org/drawingml/2006/main" xmlns:r="http://schemas.openxmlformats.org/officeDocument/2006/relationships" xmlns:p="http://schemas.openxmlformats.org/presentationml/2006/main">
+  <p:cSld>
+    <p:bg>
+      <p:bgPr>
+        <a:blipFill dpi="0" rotWithShape="1">
+          <a:blip r:embed="rId2">
+            <a:lum/>
+          </a:blip>
+          <a:srcRect/>
+          <a:stretch>
+            <a:fillRect/>
+          </a:stretch>
+        </a:blipFill>
+        <a:effectLst/>
+      </p:bgPr>
+    </p:bg>
+    <p:spTree>
+      <p:nvGrpSpPr>
+        <p:cNvPr id="1" name=""/>
+        <p:cNvGrpSpPr/>
+        <p:nvPr/>
+      </p:nvGrpSpPr>
+      <p:grpSpPr>
+        <a:xfrm>
+          <a:off x="0" y="0"/>
+          <a:ext cx="0" cy="0"/>
+          <a:chOff x="0" y="0"/>
+          <a:chExt cx="0" cy="0"/>
+        </a:xfrm>
+      </p:grpSpPr>
+      <p:sp>
+        <p:nvSpPr>
+          <p:cNvPr id="2" name="Text Placeholder 1"/>
+          <p:cNvSpPr>
+            <a:spLocks noGrp="1"/>
+          </p:cNvSpPr>
+          <p:nvPr>
+            <p:ph type="body" sz="quarter" idx="10"/>
+          </p:nvPr>
+        </p:nvSpPr>
+        <p:spPr/>
+        <p:txBody>
+          <a:bodyPr/>
+          <a:lstStyle/>
+          <a:p>
+            <a:r>
+              <a:rPr lang="en-GB" dirty="0"/>
+              <a:t>Cashless Society</a:t>
+            </a:r>
+          </a:p>
+        </p:txBody>
+      </p:sp>
+      <p:sp>
+        <p:nvSpPr>
+          <p:cNvPr id="3" name="Text Placeholder 2"/>
+          <p:cNvSpPr>
+            <a:spLocks noGrp="1"/>
+          </p:cNvSpPr>
+          <p:nvPr>
+            <p:ph type="body" sz="quarter" idx="11"/>
+          </p:nvPr>
+        </p:nvSpPr>
+        <p:spPr/>
+        <p:txBody>
+          <a:bodyPr/>
+          <a:lstStyle/>
+          <a:p>
+            <a:r>
+              <a:rPr lang="en-GB" dirty="0"/>
+              <a:t>Contactless credit/debit cards, NFC- and web-enabled phones and digital wallets continue to transform the future of payment methods  -  with major implications for the way we will shop and interact with brands in the future.</a:t>
+            </a:r>
+          </a:p>
+        </p:txBody>
+      </p:sp>
+    </p:spTree>
+    <p:extLst>
+      <p:ext uri="{BB962C8B-B14F-4D97-AF65-F5344CB8AC3E}">
+        <p14:creationId xmlns:p14="http://schemas.microsoft.com/office/powerpoint/2010/main" val="2985755098"/>
+      </p:ext>
+    </p:extLst>
+  </p:cSld>
+  <p:clrMapOvr>
+    <a:masterClrMapping/>
+  </p:clrMapOvr>
+</p:sld>
+</file>
+
+<file path=ppt/slides/slide2.xml><?xml version="1.0" encoding="utf-8"?>
 <p:sld xmlns:a="http://schemas.openxmlformats.org/drawingml/2006/main" xmlns:r="http://schemas.openxmlformats.org/officeDocument/2006/relationships" xmlns:p="http://schemas.openxmlformats.org/presentationml/2006/main">
   <p:cSld>
     <p:spTree>
@@ -10071,7 +11470,17 @@
           <a:bodyPr/>
           <a:lstStyle/>
           <a:p>
+            <a:pPr>
+              <a:pStyle a:val="Heading2"/>
+            </a:pPr>
             <a:r>
+              <a:rPr lang="en-GB" b="1" dirty="0"/>
+              <a:t xml:space="preserve">Sub Heading 1</a:t>
+            </a:r>
+          </a:p>
+          <a:p>
+            <a:r>
+              <a:rPr lang="en-GB" dirty="0"/>
               <a:t xml:space="preserve">
 Bedtime, and evening time in general, is being re-defined. For a significant number, the hours before sleep can be penetrated by a kind of light work; it is now so easy to curl round a laptop or a tablet and drop your boss an email, while scanning the latest news, while streaming on-demand movies, while online shopping for your mother’s birthday present, and so on.
 </a:t>
@@ -10079,13 +11488,24 @@
           </a:p>
           <a:p>
             <a:r>
+              <a:rPr lang="en-GB" dirty="0"/>
               <a:t xml:space="preserve">
 The consumer skips between sites and roles, merging personal and private life in these hours, in a state of fused brainstorming and multitasking.
 </a:t>
             </a:r>
           </a:p>
           <a:p>
+            <a:pPr>
+              <a:pStyle a:val="Heading2"/>
+            </a:pPr>
             <a:r>
+              <a:rPr lang="en-GB" b="1" dirty="0"/>
+              <a:t xml:space="preserve">Sub Heading 2</a:t>
+            </a:r>
+          </a:p>
+          <a:p>
+            <a:r>
+              <a:rPr lang="en-GB" dirty="0"/>
               <a:t xml:space="preserve">
 Work-life balance is redrawn under wider horizons. This is not just a story of more flexible working hours but a story of work encroaching into those times and places formerly reserved for rest: night time, bedrooms, even holidays. To many millennials, work-life balance is in revolution.
 </a:t>
@@ -10093,32 +11513,9 @@
           </a:p>
           <a:p>
             <a:r>
+              <a:rPr lang="en-GB" dirty="0"/>
               <a:t xml:space="preserve">
 More, online media and retail are accessed differently in these arenas. Remote technology for both work and socialising means that consumers are engaging with their devices, and their fellow human beings, in a totally new way.
-</a:t>
-            </a:r>
-          </a:p>
-          <a:p>
-            <a:pPr>
-              <a:pStyle a:val="Heading1"/>
-            </a:pPr>
-            <a:r>
-              <a:t xml:space="preserve">
-Global differences
-</a:t>
-            </a:r>
-          </a:p>
-          <a:p>
-            <a:r>
-              <a:t xml:space="preserve">
-Usage of tech in bed before going to sleep is pronounced globally, with at least a third doing so across all markets surveyed. However, we see particularly high rates of portable device usage in South Korea, where smartphone ownership is high, and across emerging markets, where cheaper, tablet or smartphone ownership will sometimes replace laptop ownership. Watching TV on demand is still most commonly carried out via laptop, suggesting that late-night smartphone and tablet use is more likely to be focused on other activities, such as social media, email and messaging. Twitter activity in the US, UK, Australia and India peaks at bedtime, around 10pm. Morning bedtime Twitter activity is also on the rise.
-</a:t>
-            </a:r>
-          </a:p>
-          <a:p>
-            <a:r>
-              <a:t xml:space="preserve">
-While checking personal emails in bed is, on the whole, more popular than checking work emails. In many emerging markets, such as India, Mexico and China, the difference is minimal suggesting a more entrenched 24/7 switched on culture. In Asia, this trend is further boosted by late night shop openings and typically later working hours than in Western markets.
 </a:t>
             </a:r>
           </a:p>
@@ -10130,6 +11527,3241 @@
         <p14:creationId xmlns:p14="http://schemas.microsoft.com/office/powerpoint/2010/main" val="3291103146"/>
       </p:ext>
     </p:extLst>
+  </p:cSld>
+  <p:clrMapOvr>
+    <a:masterClrMapping/>
+  </p:clrMapOvr>
+</p:sld>
+</file>
+
+<file path=ppt/slides/slide3.xml><?xml version="1.0" encoding="utf-8"?>
+<p:sld xmlns:a="http://schemas.openxmlformats.org/drawingml/2006/main" xmlns:r="http://schemas.openxmlformats.org/officeDocument/2006/relationships" xmlns:p="http://schemas.openxmlformats.org/presentationml/2006/main">
+  <p:cSld>
+    <p:spTree>
+      <p:nvGrpSpPr>
+        <p:cNvPr id="1" name=""/>
+        <p:cNvGrpSpPr/>
+        <p:nvPr/>
+      </p:nvGrpSpPr>
+      <p:grpSpPr>
+        <a:xfrm>
+          <a:off x="0" y="0"/>
+          <a:ext cx="0" cy="0"/>
+          <a:chOff x="0" y="0"/>
+          <a:chExt cx="0" cy="0"/>
+        </a:xfrm>
+      </p:grpSpPr>
+      <p:sp>
+        <p:nvSpPr>
+          <p:cNvPr id="2" name="Text Placeholder 1"/>
+          <p:cNvSpPr>
+            <a:spLocks noGrp="1"/>
+          </p:cNvSpPr>
+          <p:nvPr>
+            <p:ph type="body" sz="quarter" idx="10"/>
+          </p:nvPr>
+        </p:nvSpPr>
+        <p:spPr/>
+        <p:txBody>
+          <a:bodyPr/>
+          <a:lstStyle/>
+          <a:p>
+            <a:endParaRPr lang="en-GB"/>
+          </a:p>
+        </p:txBody>
+      </p:sp>
+      <p:sp>
+        <p:nvSpPr>
+          <p:cNvPr id="3" name="Title 2"/>
+          <p:cNvSpPr>
+            <a:spLocks noGrp="1"/>
+          </p:cNvSpPr>
+          <p:nvPr>
+            <p:ph type="title"/>
+          </p:nvPr>
+        </p:nvSpPr>
+        <p:spPr/>
+        <p:txBody>
+          <a:bodyPr/>
+          <a:lstStyle/>
+          <a:p>
+            <a:r>
+              <a:rPr lang="en-GB" dirty="0"/>
+              <a:t>Lorem Ipsum Dolor Sit Amet</a:t>
+            </a:r>
+          </a:p>
+        </p:txBody>
+      </p:sp>
+      <p:sp>
+        <p:nvSpPr>
+          <p:cNvPr id="4" name="Text Placeholder 3"/>
+          <p:cNvSpPr>
+            <a:spLocks noGrp="1"/>
+          </p:cNvSpPr>
+          <p:nvPr>
+            <p:ph type="body" sz="quarter" idx="11"/>
+          </p:nvPr>
+        </p:nvSpPr>
+        <p:spPr/>
+        <p:txBody>
+          <a:bodyPr/>
+          <a:lstStyle/>
+          <a:p>
+            <a:r>
+              <a:rPr lang="en-GB" dirty="0"/>
+              <a:t>Lorem Ipsum Dolor Consec</a:t>
+            </a:r>
+          </a:p>
+        </p:txBody>
+      </p:sp>
+      <p:sp>
+        <p:nvSpPr>
+          <p:cNvPr id="5" name="Text Placeholder 4"/>
+          <p:cNvSpPr>
+            <a:spLocks noGrp="1"/>
+          </p:cNvSpPr>
+          <p:nvPr>
+            <p:ph type="body" sz="quarter" idx="13"/>
+          </p:nvPr>
+        </p:nvSpPr>
+        <p:spPr/>
+        <p:txBody>
+          <a:bodyPr/>
+          <a:lstStyle/>
+          <a:p>
+            <a:r>
+              <a:rPr lang="en-GB" dirty="0"/>
+              <a:t>Consectetur Adipiscing</a:t>
+            </a:r>
+          </a:p>
+        </p:txBody>
+      </p:sp>
+      <p:sp>
+        <p:nvSpPr>
+          <p:cNvPr id="6" name="Text Placeholder 5"/>
+          <p:cNvSpPr>
+            <a:spLocks noGrp="1"/>
+          </p:cNvSpPr>
+          <p:nvPr>
+            <p:ph type="body" sz="quarter" idx="15"/>
+          </p:nvPr>
+        </p:nvSpPr>
+        <p:spPr/>
+        <p:txBody>
+          <a:bodyPr/>
+          <a:lstStyle/>
+          <a:p>
+            <a:r>
+              <a:rPr lang="en-GB" dirty="0"/>
+              <a:t>Pariatur Consectetur</a:t>
+            </a:r>
+          </a:p>
+        </p:txBody>
+      </p:sp>
+      <p:sp>
+        <p:nvSpPr>
+          <p:cNvPr id="7" name="Text Placeholder 6"/>
+          <p:cNvSpPr>
+            <a:spLocks noGrp="1"/>
+          </p:cNvSpPr>
+          <p:nvPr>
+            <p:ph type="body" sz="quarter" idx="17"/>
+          </p:nvPr>
+        </p:nvSpPr>
+        <p:spPr/>
+        <p:txBody>
+          <a:bodyPr/>
+          <a:lstStyle/>
+          <a:p>
+            <a:r>
+              <a:rPr lang="en-GB" dirty="0"/>
+              <a:t xml:space="preserve">Sum expectantes. Ego hodie expectantes. Expectantes, et misit unum de pueris Gus interficere. Et suus vos. Nescio quis, qui est bonus usus liberi ad Isai? Qui nosti ... Quis dimisit filios ad necem ... hmm? Gus! Est, ante me factus singulis decem gradibus. Et nunc ad aliud opus mihi tandem tollendum est puer ille consensus et nunc fugit. Ipse suus obtinuit eam. Non solum autem illa, sed te tractantur in se trahens felis. </a:t>
+            </a:r>
+          </a:p>
+        </p:txBody>
+      </p:sp>
+      <p:sp>
+        <p:nvSpPr>
+          <p:cNvPr id="8" name="Text Placeholder 7"/>
+          <p:cNvSpPr>
+            <a:spLocks noGrp="1"/>
+          </p:cNvSpPr>
+          <p:nvPr>
+            <p:ph type="body" sz="quarter" idx="18"/>
+          </p:nvPr>
+        </p:nvSpPr>
+        <p:spPr/>
+        <p:txBody>
+          <a:bodyPr/>
+          <a:lstStyle/>
+          <a:p>
+            <a:r>
+              <a:rPr lang="en-GB" dirty="0"/>
+              <a:t xml:space="preserve">Sum expectantes. Ego hodie expectantes. Expectantes, et misit unum de pueris Gus interficere. Et suus vos. Nescio quis, qui est bonus usus liberi ad Isai?</a:t>
+            </a:r>
+          </a:p>
+          <a:p>
+            <a:r>
+              <a:rPr lang="en-GB" dirty="0"/>
+              <a:t xml:space="preserve">Qui nosti ... Quis dimisit filios ad necem ... hmm? Gus! Est, ante me factus singulis decem gradibus.</a:t>
+            </a:r>
+          </a:p>
+          <a:p>
+            <a:r>
+              <a:rPr lang="en-GB" dirty="0"/>
+              <a:t xml:space="preserve">Et nunc ad aliud opus mihi tandem tollendum est puer ille consensus et nunc fugit. Ipse suus obtinuit eam. Non solum autem illa, sed te tractantur in se trahens felis. </a:t>
+            </a:r>
+          </a:p>
+        </p:txBody>
+      </p:sp>
+      <p:sp>
+        <p:nvSpPr>
+          <p:cNvPr id="9" name="Text Placeholder 8"/>
+          <p:cNvSpPr>
+            <a:spLocks noGrp="1"/>
+          </p:cNvSpPr>
+          <p:nvPr>
+            <p:ph type="body" sz="quarter" idx="19"/>
+          </p:nvPr>
+        </p:nvSpPr>
+        <p:spPr/>
+        <p:txBody>
+          <a:bodyPr/>
+          <a:lstStyle/>
+          <a:p>
+            <a:r>
+              <a:rPr lang="en-GB" dirty="0"/>
+              <a:t xml:space="preserve">Sum expectantes. Ego hodie expectantes. Expectantes, et misit unum de pueris Gus interficere. Et suus vos. Nescio quis, qui est bonus usus liberi ad Isai? Qui nosti ... Quis dimisit filios ad necem ... hmm? Gus! </a:t>
+            </a:r>
+          </a:p>
+          <a:p>
+            <a:r>
+              <a:rPr lang="en-GB" dirty="0"/>
+              <a:t xml:space="preserve">Est, ante me factus singulis decem gradibus.</a:t>
+            </a:r>
+          </a:p>
+        </p:txBody>
+      </p:sp>
+    </p:spTree>
+    <p:extLst>
+      <p:ext uri="{BB962C8B-B14F-4D97-AF65-F5344CB8AC3E}">
+        <p14:creationId xmlns:p14="http://schemas.microsoft.com/office/powerpoint/2010/main" val="2436224588"/>
+      </p:ext>
+    </p:extLst>
+  </p:cSld>
+  <p:clrMapOvr>
+    <a:masterClrMapping/>
+  </p:clrMapOvr>
+</p:sld>
+</file>
+
+<file path=ppt/slides/slide4.xml><?xml version="1.0" encoding="utf-8"?>
+<p:sld xmlns:a="http://schemas.openxmlformats.org/drawingml/2006/main" xmlns:r="http://schemas.openxmlformats.org/officeDocument/2006/relationships" xmlns:p="http://schemas.openxmlformats.org/presentationml/2006/main">
+  <p:cSld>
+    <p:spTree>
+      <p:nvGrpSpPr>
+        <p:cNvPr id="1" name=""/>
+        <p:cNvGrpSpPr/>
+        <p:nvPr/>
+      </p:nvGrpSpPr>
+      <p:grpSpPr>
+        <a:xfrm>
+          <a:off x="0" y="0"/>
+          <a:ext cx="0" cy="0"/>
+          <a:chOff x="0" y="0"/>
+          <a:chExt cx="0" cy="0"/>
+        </a:xfrm>
+      </p:grpSpPr>
+      <p:sp>
+        <p:nvSpPr>
+          <p:cNvPr id="2" name="Text Placeholder 1"/>
+          <p:cNvSpPr>
+            <a:spLocks noGrp="1"/>
+          </p:cNvSpPr>
+          <p:nvPr>
+            <p:ph type="body" sz="quarter" idx="10"/>
+          </p:nvPr>
+        </p:nvSpPr>
+        <p:spPr/>
+        <p:txBody>
+          <a:bodyPr/>
+          <a:lstStyle/>
+          <a:p>
+            <a:endParaRPr lang="en-GB"/>
+          </a:p>
+        </p:txBody>
+      </p:sp>
+      <p:sp>
+        <p:nvSpPr>
+          <p:cNvPr id="3" name="Title 2"/>
+          <p:cNvSpPr>
+            <a:spLocks noGrp="1"/>
+          </p:cNvSpPr>
+          <p:nvPr>
+            <p:ph type="title"/>
+          </p:nvPr>
+        </p:nvSpPr>
+        <p:spPr/>
+        <p:txBody>
+          <a:bodyPr/>
+          <a:lstStyle/>
+          <a:p>
+            <a:r>
+              <a:rPr lang="en-GB" dirty="0"/>
+              <a:t>What will happen next?</a:t>
+            </a:r>
+          </a:p>
+        </p:txBody>
+      </p:sp>
+      <p:sp>
+        <p:nvSpPr>
+          <p:cNvPr id="4" name="Text Placeholder 3"/>
+          <p:cNvSpPr>
+            <a:spLocks noGrp="1"/>
+          </p:cNvSpPr>
+          <p:nvPr>
+            <p:ph type="body" sz="quarter" idx="12"/>
+          </p:nvPr>
+        </p:nvSpPr>
+        <p:spPr/>
+        <p:txBody>
+          <a:bodyPr/>
+          <a:lstStyle/>
+          <a:p>
+            <a:r>
+              <a:rPr lang="en-GB" dirty="0"/>
+              <a:t>Social media platforms and review sites extend the range of products and services that consumers can publicly review. In 2012, 340 million tweets were posted per day. </a:t>
+            </a:r>
+          </a:p>
+        </p:txBody>
+      </p:sp>
+      <p:sp>
+        <p:nvSpPr>
+          <p:cNvPr id="5" name="Text Placeholder 4"/>
+          <p:cNvSpPr>
+            <a:spLocks noGrp="1"/>
+          </p:cNvSpPr>
+          <p:nvPr>
+            <p:ph type="body" sz="quarter" idx="13"/>
+          </p:nvPr>
+        </p:nvSpPr>
+        <p:spPr/>
+        <p:txBody>
+          <a:bodyPr/>
+          <a:lstStyle/>
+          <a:p>
+            <a:r>
+              <a:rPr lang="en-GB" dirty="0"/>
+              <a:t>High smartphone ownership allows customers to quickly write or read reviews on the go. Semi-expert consumer voices have arisen in most sectors, whose opinions are given extra weight.</a:t>
+            </a:r>
+          </a:p>
+        </p:txBody>
+      </p:sp>
+      <p:sp>
+        <p:nvSpPr>
+          <p:cNvPr id="6" name="Text Placeholder 5"/>
+          <p:cNvSpPr>
+            <a:spLocks noGrp="1"/>
+          </p:cNvSpPr>
+          <p:nvPr>
+            <p:ph type="body" sz="quarter" idx="14"/>
+          </p:nvPr>
+        </p:nvSpPr>
+        <p:spPr/>
+        <p:txBody>
+          <a:bodyPr/>
+          <a:lstStyle/>
+          <a:p>
+            <a:r>
+              <a:rPr lang="en-GB" dirty="0"/>
+              <a:t>An increase in attempts to verify identifies of reviewers in order to rate the trustworthiness of their voices. Fewer sites will allow anonymous reviews to be posted.</a:t>
+            </a:r>
+          </a:p>
+        </p:txBody>
+      </p:sp>
+      <p:sp>
+        <p:nvSpPr>
+          <p:cNvPr id="7" name="Text Placeholder 6"/>
+          <p:cNvSpPr>
+            <a:spLocks noGrp="1"/>
+          </p:cNvSpPr>
+          <p:nvPr>
+            <p:ph type="body" sz="quarter" idx="15"/>
+          </p:nvPr>
+        </p:nvSpPr>
+        <p:spPr/>
+        <p:txBody>
+          <a:bodyPr/>
+          <a:lstStyle/>
+          <a:p>
+            <a:r>
+              <a:rPr lang="en-GB" dirty="0"/>
+              <a:t>Brand interaction with online customer complaints is limited, with customer service efforts focused on in-store feedback and complaints.</a:t>
+            </a:r>
+          </a:p>
+        </p:txBody>
+      </p:sp>
+      <p:sp>
+        <p:nvSpPr>
+          <p:cNvPr id="8" name="Text Placeholder 7"/>
+          <p:cNvSpPr>
+            <a:spLocks noGrp="1"/>
+          </p:cNvSpPr>
+          <p:nvPr>
+            <p:ph type="body" sz="quarter" idx="16"/>
+          </p:nvPr>
+        </p:nvSpPr>
+        <p:spPr/>
+        <p:txBody>
+          <a:bodyPr/>
+          <a:lstStyle/>
+          <a:p>
+            <a:r>
+              <a:rPr lang="en-GB" dirty="0"/>
+              <a:t>Brands find new ways of interacting with customers across a range of social media channels, addressing and responding to concerns, complaints and compliments.</a:t>
+            </a:r>
+          </a:p>
+        </p:txBody>
+      </p:sp>
+      <p:sp>
+        <p:nvSpPr>
+          <p:cNvPr id="9" name="Text Placeholder 8"/>
+          <p:cNvSpPr>
+            <a:spLocks noGrp="1"/>
+          </p:cNvSpPr>
+          <p:nvPr>
+            <p:ph type="body" sz="quarter" idx="17"/>
+          </p:nvPr>
+        </p:nvSpPr>
+        <p:spPr/>
+        <p:txBody>
+          <a:bodyPr/>
+          <a:lstStyle/>
+          <a:p>
+            <a:r>
+              <a:rPr lang="en-GB" dirty="0"/>
+              <a:t>Inviting and engaging consumers to react, review and critique in advance of product or service launches becomes more common for brands.</a:t>
+            </a:r>
+          </a:p>
+        </p:txBody>
+      </p:sp>
+      <p:sp>
+        <p:nvSpPr>
+          <p:cNvPr id="10" name="Text Placeholder 9"/>
+          <p:cNvSpPr>
+            <a:spLocks noGrp="1"/>
+          </p:cNvSpPr>
+          <p:nvPr>
+            <p:ph type="body" sz="quarter" idx="18"/>
+          </p:nvPr>
+        </p:nvSpPr>
+        <p:spPr/>
+        <p:txBody>
+          <a:bodyPr/>
+          <a:lstStyle/>
+          <a:p>
+            <a:r>
+              <a:rPr lang="en-GB" dirty="0"/>
+              <a:t>CSR efforts become an increasingly common way for brands to enhance their brand and raise their profile.</a:t>
+            </a:r>
+          </a:p>
+        </p:txBody>
+      </p:sp>
+      <p:sp>
+        <p:nvSpPr>
+          <p:cNvPr id="11" name="Text Placeholder 10"/>
+          <p:cNvSpPr>
+            <a:spLocks noGrp="1"/>
+          </p:cNvSpPr>
+          <p:nvPr>
+            <p:ph type="body" sz="quarter" idx="19"/>
+          </p:nvPr>
+        </p:nvSpPr>
+        <p:spPr/>
+        <p:txBody>
+          <a:bodyPr/>
+          <a:lstStyle/>
+          <a:p>
+            <a:r>
+              <a:rPr lang="en-GB" dirty="0"/>
+              <a:t>The transparency and lobby-building capacity of social media leads to CSR efforts deemed insincere or ineffectual more easily being called into question.</a:t>
+            </a:r>
+          </a:p>
+        </p:txBody>
+      </p:sp>
+      <p:sp>
+        <p:nvSpPr>
+          <p:cNvPr id="12" name="Text Placeholder 11"/>
+          <p:cNvSpPr>
+            <a:spLocks noGrp="1"/>
+          </p:cNvSpPr>
+          <p:nvPr>
+            <p:ph type="body" sz="quarter" idx="20"/>
+          </p:nvPr>
+        </p:nvSpPr>
+        <p:spPr/>
+        <p:txBody>
+          <a:bodyPr/>
+          <a:lstStyle/>
+          <a:p>
+            <a:r>
+              <a:rPr lang="en-GB" dirty="0"/>
+              <a:t>To pre-empt the quick forming of lobbies and factions, brands’ CSR eschew the general and hone in on specifics  -  ensuring the presence of clear goals.</a:t>
+            </a:r>
+          </a:p>
+        </p:txBody>
+      </p:sp>
+      <p:sp>
+        <p:nvSpPr>
+          <p:cNvPr id="13" name="Text Placeholder 12"/>
+          <p:cNvSpPr>
+            <a:spLocks noGrp="1"/>
+          </p:cNvSpPr>
+          <p:nvPr>
+            <p:ph type="body" sz="quarter" idx="21"/>
+          </p:nvPr>
+        </p:nvSpPr>
+        <p:spPr/>
+        <p:txBody>
+          <a:bodyPr/>
+          <a:lstStyle/>
+          <a:p>
+            <a:r>
+              <a:rPr lang="en-GB" dirty="0"/>
+              <a:t>5 years ago</a:t>
+            </a:r>
+          </a:p>
+        </p:txBody>
+      </p:sp>
+      <p:sp>
+        <p:nvSpPr>
+          <p:cNvPr id="14" name="Text Placeholder 13"/>
+          <p:cNvSpPr>
+            <a:spLocks noGrp="1"/>
+          </p:cNvSpPr>
+          <p:nvPr>
+            <p:ph type="body" sz="quarter" idx="22"/>
+          </p:nvPr>
+        </p:nvSpPr>
+        <p:spPr/>
+        <p:txBody>
+          <a:bodyPr/>
+          <a:lstStyle/>
+          <a:p>
+            <a:r>
+              <a:rPr lang="en-GB" dirty="0"/>
+              <a:t>Now</a:t>
+            </a:r>
+          </a:p>
+        </p:txBody>
+      </p:sp>
+      <p:sp>
+        <p:nvSpPr>
+          <p:cNvPr id="15" name="Text Placeholder 14"/>
+          <p:cNvSpPr>
+            <a:spLocks noGrp="1"/>
+          </p:cNvSpPr>
+          <p:nvPr>
+            <p:ph type="body" sz="quarter" idx="23"/>
+          </p:nvPr>
+        </p:nvSpPr>
+        <p:spPr/>
+        <p:txBody>
+          <a:bodyPr/>
+          <a:lstStyle/>
+          <a:p>
+            <a:r>
+              <a:rPr lang="en-GB" dirty="0"/>
+              <a:t>in 5 years</a:t>
+            </a:r>
+          </a:p>
+        </p:txBody>
+      </p:sp>
+    </p:spTree>
+    <p:extLst>
+      <p:ext uri="{BB962C8B-B14F-4D97-AF65-F5344CB8AC3E}">
+        <p14:creationId xmlns:p14="http://schemas.microsoft.com/office/powerpoint/2010/main" val="1787757013"/>
+      </p:ext>
+    </p:extLst>
+  </p:cSld>
+  <p:clrMapOvr>
+    <a:masterClrMapping/>
+  </p:clrMapOvr>
+</p:sld>
+</file>
+
+<file path=ppt/slides/slide5.xml><?xml version="1.0" encoding="utf-8"?>
+<p:sld xmlns:a="http://schemas.openxmlformats.org/drawingml/2006/main" xmlns:r="http://schemas.openxmlformats.org/officeDocument/2006/relationships" xmlns:p="http://schemas.openxmlformats.org/presentationml/2006/main">
+  <p:cSld>
+    <p:spTree>
+      <p:nvGrpSpPr>
+        <p:cNvPr id="1" name=""/>
+        <p:cNvGrpSpPr/>
+        <p:nvPr/>
+      </p:nvGrpSpPr>
+      <p:grpSpPr>
+        <a:xfrm>
+          <a:off x="0" y="0"/>
+          <a:ext cx="0" cy="0"/>
+          <a:chOff x="0" y="0"/>
+          <a:chExt cx="0" cy="0"/>
+        </a:xfrm>
+      </p:grpSpPr>
+      <p:sp>
+        <p:nvSpPr>
+          <p:cNvPr id="2" name="Text Placeholder 1"/>
+          <p:cNvSpPr>
+            <a:spLocks noGrp="1"/>
+          </p:cNvSpPr>
+          <p:nvPr>
+            <p:ph type="body" sz="quarter" idx="10"/>
+          </p:nvPr>
+        </p:nvSpPr>
+        <p:spPr/>
+        <p:txBody>
+          <a:bodyPr/>
+          <a:lstStyle/>
+          <a:p>
+            <a:endParaRPr lang="en-GB" dirty="0"/>
+          </a:p>
+        </p:txBody>
+      </p:sp>
+      <p:sp>
+        <p:nvSpPr>
+          <p:cNvPr id="3" name="Title 2"/>
+          <p:cNvSpPr>
+            <a:spLocks noGrp="1"/>
+          </p:cNvSpPr>
+          <p:nvPr>
+            <p:ph type="title"/>
+          </p:nvPr>
+        </p:nvSpPr>
+        <p:spPr/>
+        <p:txBody>
+          <a:bodyPr/>
+          <a:lstStyle/>
+          <a:p>
+            <a:r>
+              <a:rPr lang="en-GB" b="1" dirty="0"/>
+              <a:t>Sector Impact</a:t>
+            </a:r>
+          </a:p>
+        </p:txBody>
+      </p:sp>
+      <p:sp>
+        <p:nvSpPr>
+          <p:cNvPr id="4" name="Text Placeholder 3"/>
+          <p:cNvSpPr>
+            <a:spLocks noGrp="1"/>
+          </p:cNvSpPr>
+          <p:nvPr>
+            <p:ph type="body" sz="quarter" idx="11"/>
+          </p:nvPr>
+        </p:nvSpPr>
+        <p:spPr/>
+        <p:txBody>
+          <a:bodyPr/>
+          <a:lstStyle/>
+          <a:p>
+            <a:r>
+              <a:rPr lang="en-GB" b="1" dirty="0"/>
+              <a:t>Alcohol</a:t>
+            </a:r>
+          </a:p>
+          <a:p>
+            <a:r>
+              <a:rPr lang="en-GB" dirty="0"/>
+              <a:t xml:space="preserve">Lorem ipsum dolar sit amet consectetur...</a:t>
+            </a:r>
+          </a:p>
+          <a:p>
+            <a:r>
+              <a:rPr lang="en-GB" b="1" dirty="0"/>
+              <a:t/>
+            </a:r>
+          </a:p>
+          <a:p>
+            <a:r>
+              <a:rPr lang="en-GB" b="1" dirty="0"/>
+              <a:t>Beauty and Personal Care</a:t>
+            </a:r>
+          </a:p>
+          <a:p>
+            <a:r>
+              <a:rPr lang="en-GB" dirty="0"/>
+              <a:t xml:space="preserve">Lorem ipsum dolar sit amet consectetur...</a:t>
+            </a:r>
+          </a:p>
+          <a:p>
+            <a:r>
+              <a:rPr lang="en-GB" b="1" dirty="0"/>
+              <a:t/>
+            </a:r>
+          </a:p>
+        </p:txBody>
+      </p:sp>
+    </p:spTree>
+    <p:extLst>
+      <p:ext uri="{BB962C8B-B14F-4D97-AF65-F5344CB8AC3E}">
+        <p14:creationId xmlns:p14="http://schemas.microsoft.com/office/powerpoint/2010/main" val="3291103146"/>
+      </p:ext>
+    </p:extLst>
+  </p:cSld>
+  <p:clrMapOvr>
+    <a:masterClrMapping/>
+  </p:clrMapOvr>
+</p:sld>
+</file>
+
+<file path=ppt/slides/slide6.xml><?xml version="1.0" encoding="utf-8"?>
+<p:sld xmlns:a="http://schemas.openxmlformats.org/drawingml/2006/main" xmlns:r="http://schemas.openxmlformats.org/officeDocument/2006/relationships" xmlns:p="http://schemas.openxmlformats.org/presentationml/2006/main">
+  <p:cSld>
+    <p:spTree>
+      <p:nvGrpSpPr>
+        <p:cNvPr id="1" name=""/>
+        <p:cNvGrpSpPr/>
+        <p:nvPr/>
+      </p:nvGrpSpPr>
+      <p:grpSpPr>
+        <a:xfrm>
+          <a:off x="0" y="0"/>
+          <a:ext cx="0" cy="0"/>
+          <a:chOff x="0" y="0"/>
+          <a:chExt cx="0" cy="0"/>
+        </a:xfrm>
+      </p:grpSpPr>
+      <p:graphicFrame>
+        <p:nvGraphicFramePr>
+          <p:cNvPr id="10" name="Content Placeholder 9"/>
+          <p:cNvGraphicFramePr>
+            <a:graphicFrameLocks noGrp="1"/>
+          </p:cNvGraphicFramePr>
+          <p:nvPr>
+            <p:ph idx="1"/>
+          </p:nvPr>
+        </p:nvGraphicFramePr>
+        <p:xfrm>
+          <a:off x="250825" y="1952625"/>
+          <a:ext cx="8642350" cy="4248509"/>
+        </p:xfrm>
+        <a:graphic>
+          <a:graphicData uri="http://schemas.openxmlformats.org/drawingml/2006/chart">
+            <c:chart xmlns:c="http://schemas.openxmlformats.org/drawingml/2006/chart" xmlns:r="http://schemas.openxmlformats.org/officeDocument/2006/relationships" r:id="rId3"/>
+          </a:graphicData>
+        </a:graphic>
+      </p:graphicFrame>
+      <p:sp>
+        <p:nvSpPr>
+          <p:cNvPr id="6" name="Text Placeholder 5"/>
+          <p:cNvSpPr>
+            <a:spLocks noGrp="1"/>
+          </p:cNvSpPr>
+          <p:nvPr>
+            <p:ph type="body" sz="quarter" idx="10"/>
+          </p:nvPr>
+        </p:nvSpPr>
+        <p:spPr/>
+        <p:txBody>
+          <a:bodyPr/>
+          <a:lstStyle/>
+          <a:p>
+            <a:pPr>
+              <a:defRPr/>
+            </a:pPr>
+            <a:r>
+              <a:rPr lang="en-GB" dirty="0" smtClean="0"/>
+              <a:t>Source: nVision </a:t>
+            </a:r>
+            <a:r>
+              <a:rPr lang="en-GB" smtClean="0"/>
+              <a:t>Research | </a:t>
+            </a:r>
+            <a:r>
+              <a:rPr lang="en-GB" dirty="0" smtClean="0"/>
+              <a:t>Base: 1000 online respondents aged 16+, France, 2015 September</a:t>
+            </a:r>
+          </a:p>
+        </p:txBody>
+      </p:sp>
+      <p:sp>
+        <p:nvSpPr>
+          <p:cNvPr id="4" name="Title 3"/>
+          <p:cNvSpPr>
+            <a:spLocks noGrp="1"/>
+          </p:cNvSpPr>
+          <p:nvPr>
+            <p:ph type="title"/>
+          </p:nvPr>
+        </p:nvSpPr>
+        <p:spPr>
+          <a:xfrm>
+            <a:off x="250825" y="260350"/>
+            <a:ext cx="7813563" cy="443198"/>
+          </a:xfrm>
+        </p:spPr>
+        <p:txBody>
+          <a:bodyPr/>
+          <a:lstStyle/>
+          <a:p>
+            <a:pPr>
+              <a:defRPr/>
+            </a:pPr>
+            <a:r>
+              <a:rPr lang="en-GB" smtClean="0"/>
+              <a:t>       </a:t>
+            </a:r>
+            <a:r>
+              <a:rPr lang="en-GB" dirty="0" smtClean="0"/>
+              <a:t>Using social networking apps</a:t>
+            </a:r>
+            <a:endParaRPr lang="en-GB" dirty="0"/>
+          </a:p>
+        </p:txBody>
+      </p:sp>
+      <p:sp>
+        <p:nvSpPr>
+          <p:cNvPr id="7" name="Text Placeholder 6"/>
+          <p:cNvSpPr>
+            <a:spLocks noGrp="1"/>
+          </p:cNvSpPr>
+          <p:nvPr>
+            <p:ph type="body" sz="quarter" idx="11"/>
+          </p:nvPr>
+        </p:nvSpPr>
+        <p:spPr>
+          <a:xfrm>
+            <a:off x="250825" y="1160463"/>
+            <a:ext cx="8642349" cy="492443"/>
+          </a:xfrm>
+        </p:spPr>
+        <p:txBody>
+          <a:bodyPr/>
+          <a:lstStyle/>
+          <a:p>
+            <a:pPr fontAlgn="base">
+              <a:lnSpc>
+                <a:spcPct val="100000"/>
+              </a:lnSpc>
+              <a:spcBef>
+                <a:spcPct val="0"/>
+              </a:spcBef>
+              <a:spcAft>
+                <a:spcPct val="0"/>
+              </a:spcAft>
+              <a:defRPr/>
+            </a:pPr>
+            <a:r>
+              <a:rPr lang="en-GB" kern="0" dirty="0" smtClean="0">
+                <a:solidFill>
+                  <a:srgbClr val="000000">
+                    <a:lumMod val="65000"/>
+                    <a:lumOff val="35000"/>
+                  </a:srgbClr>
+                </a:solidFill>
+              </a:rPr>
+              <a:t>“Which of the following kinds of apps do you use at least once a month via smartphone / via tablet</a:t>
+            </a:r>
+            <a:r>
+              <a:rPr lang="en-GB" kern="0" smtClean="0">
+                <a:solidFill>
+                  <a:srgbClr val="000000">
+                    <a:lumMod val="65000"/>
+                    <a:lumOff val="35000"/>
+                  </a:srgbClr>
+                </a:solidFill>
+              </a:rPr>
+              <a:t>?” | </a:t>
+            </a:r>
+            <a:r>
+              <a:rPr lang="en-GB" kern="0" dirty="0" smtClean="0">
+                <a:solidFill>
+                  <a:srgbClr val="000000">
+                    <a:lumMod val="65000"/>
+                    <a:lumOff val="35000"/>
+                  </a:srgbClr>
+                </a:solidFill>
+              </a:rPr>
+              <a:t>Social </a:t>
+            </a:r>
+            <a:r>
+              <a:rPr lang="en-GB" kern="0" smtClean="0">
+                <a:solidFill>
+                  <a:srgbClr val="000000">
+                    <a:lumMod val="65000"/>
+                    <a:lumOff val="35000"/>
+                  </a:srgbClr>
+                </a:solidFill>
+              </a:rPr>
+              <a:t>networking | 2015</a:t>
+            </a:r>
+            <a:endParaRPr lang="en-GB" kern="0" dirty="0">
+              <a:solidFill>
+                <a:srgbClr val="000000">
+                  <a:lumMod val="65000"/>
+                  <a:lumOff val="35000"/>
+                </a:srgbClr>
+              </a:solidFill>
+            </a:endParaRPr>
+          </a:p>
+        </p:txBody>
+      </p:sp>
+      <p:pic>
+        <p:nvPicPr>
+          <p:cNvPr id="2" name="Picture 1" descr="France.jpg"/>
+          <p:cNvPicPr>
+            <a:picLocks noChangeAspect="1"/>
+          </p:cNvPicPr>
+          <p:nvPr/>
+        </p:nvPicPr>
+        <p:blipFill>
+          <a:blip r:embed="rId4" cstate="print"/>
+          <a:stretch>
+            <a:fillRect/>
+          </a:stretch>
+        </p:blipFill>
+        <p:spPr>
+          <a:xfrm>
+            <a:off x="250825" y="260350"/>
+            <a:ext cx="684771" cy="396000"/>
+          </a:xfrm>
+          <a:prstGeom prst="rect">
+            <a:avLst/>
+          </a:prstGeom>
+        </p:spPr>
+      </p:pic>
+      <p:grpSp>
+        <p:nvGrpSpPr>
+          <p:cNvPr id="3" name="Group 11"/>
+          <p:cNvGrpSpPr/>
+          <p:nvPr/>
+        </p:nvGrpSpPr>
+        <p:grpSpPr>
+          <a:xfrm>
+            <a:off x="7812868" y="0"/>
+            <a:ext cx="1331132" cy="1331132"/>
+            <a:chOff x="7812868" y="0"/>
+            <a:chExt cx="1331132" cy="1331132"/>
+          </a:xfrm>
+        </p:grpSpPr>
+        <p:sp>
+          <p:nvSpPr>
+            <p:cNvPr id="13" name="Right Triangle 12"/>
+            <p:cNvSpPr/>
+            <p:nvPr/>
+          </p:nvSpPr>
+          <p:spPr>
+            <a:xfrm rot="10800000">
+              <a:off x="7812868" y="0"/>
+              <a:ext cx="1331132" cy="1331132"/>
+            </a:xfrm>
+            <a:prstGeom prst="rtTriangle">
+              <a:avLst/>
+            </a:prstGeom>
+            <a:solidFill>
+              <a:schemeClr val="bg2"/>
+            </a:solidFill>
+            <a:ln>
+              <a:noFill/>
+            </a:ln>
+            <a:effectLst/>
+          </p:spPr>
+          <p:style>
+            <a:lnRef idx="1">
+              <a:schemeClr val="accent1"/>
+            </a:lnRef>
+            <a:fillRef idx="3">
+              <a:schemeClr val="accent1"/>
+            </a:fillRef>
+            <a:effectRef idx="2">
+              <a:schemeClr val="accent1"/>
+            </a:effectRef>
+            <a:fontRef idx="minor">
+              <a:schemeClr val="lt1"/>
+            </a:fontRef>
+          </p:style>
+          <p:txBody>
+            <a:bodyPr rtlCol="0" anchor="ctr"/>
+            <a:lstStyle>
+              <a:defPPr>
+                <a:defRPr lang="en-US"/>
+              </a:defPPr>
+              <a:lvl1pPr marL="0" algn="l" defTabSz="914400" rtl="0" eaLnBrk="1" latinLnBrk="0" hangingPunct="1">
+                <a:defRPr sz="1800" kern="1200">
+                  <a:solidFill>
+                    <a:schemeClr val="lt1"/>
+                  </a:solidFill>
+                  <a:latin typeface="+mn-lt"/>
+                  <a:ea typeface="+mn-ea"/>
+                  <a:cs typeface="+mn-cs"/>
+                </a:defRPr>
+              </a:lvl1pPr>
+              <a:lvl2pPr marL="457200" algn="l" defTabSz="914400" rtl="0" eaLnBrk="1" latinLnBrk="0" hangingPunct="1">
+                <a:defRPr sz="1800" kern="1200">
+                  <a:solidFill>
+                    <a:schemeClr val="lt1"/>
+                  </a:solidFill>
+                  <a:latin typeface="+mn-lt"/>
+                  <a:ea typeface="+mn-ea"/>
+                  <a:cs typeface="+mn-cs"/>
+                </a:defRPr>
+              </a:lvl2pPr>
+              <a:lvl3pPr marL="914400" algn="l" defTabSz="914400" rtl="0" eaLnBrk="1" latinLnBrk="0" hangingPunct="1">
+                <a:defRPr sz="1800" kern="1200">
+                  <a:solidFill>
+                    <a:schemeClr val="lt1"/>
+                  </a:solidFill>
+                  <a:latin typeface="+mn-lt"/>
+                  <a:ea typeface="+mn-ea"/>
+                  <a:cs typeface="+mn-cs"/>
+                </a:defRPr>
+              </a:lvl3pPr>
+              <a:lvl4pPr marL="1371600" algn="l" defTabSz="914400" rtl="0" eaLnBrk="1" latinLnBrk="0" hangingPunct="1">
+                <a:defRPr sz="1800" kern="1200">
+                  <a:solidFill>
+                    <a:schemeClr val="lt1"/>
+                  </a:solidFill>
+                  <a:latin typeface="+mn-lt"/>
+                  <a:ea typeface="+mn-ea"/>
+                  <a:cs typeface="+mn-cs"/>
+                </a:defRPr>
+              </a:lvl4pPr>
+              <a:lvl5pPr marL="1828800" algn="l" defTabSz="914400" rtl="0" eaLnBrk="1" latinLnBrk="0" hangingPunct="1">
+                <a:defRPr sz="1800" kern="1200">
+                  <a:solidFill>
+                    <a:schemeClr val="lt1"/>
+                  </a:solidFill>
+                  <a:latin typeface="+mn-lt"/>
+                  <a:ea typeface="+mn-ea"/>
+                  <a:cs typeface="+mn-cs"/>
+                </a:defRPr>
+              </a:lvl5pPr>
+              <a:lvl6pPr marL="2286000" algn="l" defTabSz="914400" rtl="0" eaLnBrk="1" latinLnBrk="0" hangingPunct="1">
+                <a:defRPr sz="1800" kern="1200">
+                  <a:solidFill>
+                    <a:schemeClr val="lt1"/>
+                  </a:solidFill>
+                  <a:latin typeface="+mn-lt"/>
+                  <a:ea typeface="+mn-ea"/>
+                  <a:cs typeface="+mn-cs"/>
+                </a:defRPr>
+              </a:lvl6pPr>
+              <a:lvl7pPr marL="2743200" algn="l" defTabSz="914400" rtl="0" eaLnBrk="1" latinLnBrk="0" hangingPunct="1">
+                <a:defRPr sz="1800" kern="1200">
+                  <a:solidFill>
+                    <a:schemeClr val="lt1"/>
+                  </a:solidFill>
+                  <a:latin typeface="+mn-lt"/>
+                  <a:ea typeface="+mn-ea"/>
+                  <a:cs typeface="+mn-cs"/>
+                </a:defRPr>
+              </a:lvl7pPr>
+              <a:lvl8pPr marL="3200400" algn="l" defTabSz="914400" rtl="0" eaLnBrk="1" latinLnBrk="0" hangingPunct="1">
+                <a:defRPr sz="1800" kern="1200">
+                  <a:solidFill>
+                    <a:schemeClr val="lt1"/>
+                  </a:solidFill>
+                  <a:latin typeface="+mn-lt"/>
+                  <a:ea typeface="+mn-ea"/>
+                  <a:cs typeface="+mn-cs"/>
+                </a:defRPr>
+              </a:lvl8pPr>
+              <a:lvl9pPr marL="3657600" algn="l" defTabSz="914400" rtl="0" eaLnBrk="1" latinLnBrk="0" hangingPunct="1">
+                <a:defRPr sz="1800" kern="1200">
+                  <a:solidFill>
+                    <a:schemeClr val="lt1"/>
+                  </a:solidFill>
+                  <a:latin typeface="+mn-lt"/>
+                  <a:ea typeface="+mn-ea"/>
+                  <a:cs typeface="+mn-cs"/>
+                </a:defRPr>
+              </a:lvl9pPr>
+            </a:lstStyle>
+            <a:p>
+              <a:pPr algn="ctr"/>
+              <a:endParaRPr lang="en-GB"/>
+            </a:p>
+          </p:txBody>
+        </p:sp>
+        <p:sp>
+          <p:nvSpPr>
+            <p:cNvPr id="14" name="Text Placeholder 6"/>
+            <p:cNvSpPr txBox="1">
+              <a:spLocks/>
+            </p:cNvSpPr>
+            <p:nvPr/>
+          </p:nvSpPr>
+          <p:spPr>
+            <a:xfrm rot="2700000">
+              <a:off x="8318546" y="325008"/>
+              <a:ext cx="756000" cy="263149"/>
+            </a:xfrm>
+            <a:prstGeom prst="rect">
+              <a:avLst/>
+            </a:prstGeom>
+            <a:noFill/>
+          </p:spPr>
+          <p:txBody>
+            <a:bodyPr lIns="0" tIns="0" rIns="0" bIns="0" anchor="ctr">
+              <a:spAutoFit/>
+            </a:bodyPr>
+            <a:lstStyle>
+              <a:defPPr>
+                <a:defRPr lang="en-US"/>
+              </a:defPPr>
+              <a:lvl1pPr marL="0" algn="l" defTabSz="914400" rtl="0" eaLnBrk="1" latinLnBrk="0" hangingPunct="1">
+                <a:defRPr sz="1800" kern="1200">
+                  <a:solidFill>
+                    <a:schemeClr val="tx1"/>
+                  </a:solidFill>
+                  <a:latin typeface="+mn-lt"/>
+                  <a:ea typeface="+mn-ea"/>
+                  <a:cs typeface="+mn-cs"/>
+                </a:defRPr>
+              </a:lvl1pPr>
+              <a:lvl2pPr marL="457200" algn="l" defTabSz="914400" rtl="0" eaLnBrk="1" latinLnBrk="0" hangingPunct="1">
+                <a:defRPr sz="1800" kern="1200">
+                  <a:solidFill>
+                    <a:schemeClr val="tx1"/>
+                  </a:solidFill>
+                  <a:latin typeface="+mn-lt"/>
+                  <a:ea typeface="+mn-ea"/>
+                  <a:cs typeface="+mn-cs"/>
+                </a:defRPr>
+              </a:lvl2pPr>
+              <a:lvl3pPr marL="914400" algn="l" defTabSz="914400" rtl="0" eaLnBrk="1" latinLnBrk="0" hangingPunct="1">
+                <a:defRPr sz="1800" kern="1200">
+                  <a:solidFill>
+                    <a:schemeClr val="tx1"/>
+                  </a:solidFill>
+                  <a:latin typeface="+mn-lt"/>
+                  <a:ea typeface="+mn-ea"/>
+                  <a:cs typeface="+mn-cs"/>
+                </a:defRPr>
+              </a:lvl3pPr>
+              <a:lvl4pPr marL="1371600" algn="l" defTabSz="914400" rtl="0" eaLnBrk="1" latinLnBrk="0" hangingPunct="1">
+                <a:defRPr sz="1800" kern="1200">
+                  <a:solidFill>
+                    <a:schemeClr val="tx1"/>
+                  </a:solidFill>
+                  <a:latin typeface="+mn-lt"/>
+                  <a:ea typeface="+mn-ea"/>
+                  <a:cs typeface="+mn-cs"/>
+                </a:defRPr>
+              </a:lvl4pPr>
+              <a:lvl5pPr marL="1828800" algn="l" defTabSz="914400" rtl="0" eaLnBrk="1" latinLnBrk="0" hangingPunct="1">
+                <a:defRPr sz="1800" kern="1200">
+                  <a:solidFill>
+                    <a:schemeClr val="tx1"/>
+                  </a:solidFill>
+                  <a:latin typeface="+mn-lt"/>
+                  <a:ea typeface="+mn-ea"/>
+                  <a:cs typeface="+mn-cs"/>
+                </a:defRPr>
+              </a:lvl5pPr>
+              <a:lvl6pPr marL="2286000" algn="l" defTabSz="914400" rtl="0" eaLnBrk="1" latinLnBrk="0" hangingPunct="1">
+                <a:defRPr sz="1800" kern="1200">
+                  <a:solidFill>
+                    <a:schemeClr val="tx1"/>
+                  </a:solidFill>
+                  <a:latin typeface="+mn-lt"/>
+                  <a:ea typeface="+mn-ea"/>
+                  <a:cs typeface="+mn-cs"/>
+                </a:defRPr>
+              </a:lvl6pPr>
+              <a:lvl7pPr marL="2743200" algn="l" defTabSz="914400" rtl="0" eaLnBrk="1" latinLnBrk="0" hangingPunct="1">
+                <a:defRPr sz="1800" kern="1200">
+                  <a:solidFill>
+                    <a:schemeClr val="tx1"/>
+                  </a:solidFill>
+                  <a:latin typeface="+mn-lt"/>
+                  <a:ea typeface="+mn-ea"/>
+                  <a:cs typeface="+mn-cs"/>
+                </a:defRPr>
+              </a:lvl7pPr>
+              <a:lvl8pPr marL="3200400" algn="l" defTabSz="914400" rtl="0" eaLnBrk="1" latinLnBrk="0" hangingPunct="1">
+                <a:defRPr sz="1800" kern="1200">
+                  <a:solidFill>
+                    <a:schemeClr val="tx1"/>
+                  </a:solidFill>
+                  <a:latin typeface="+mn-lt"/>
+                  <a:ea typeface="+mn-ea"/>
+                  <a:cs typeface="+mn-cs"/>
+                </a:defRPr>
+              </a:lvl8pPr>
+              <a:lvl9pPr marL="3657600" algn="l" defTabSz="914400" rtl="0" eaLnBrk="1" latinLnBrk="0" hangingPunct="1">
+                <a:defRPr sz="1800" kern="1200">
+                  <a:solidFill>
+                    <a:schemeClr val="tx1"/>
+                  </a:solidFill>
+                  <a:latin typeface="+mn-lt"/>
+                  <a:ea typeface="+mn-ea"/>
+                  <a:cs typeface="+mn-cs"/>
+                </a:defRPr>
+              </a:lvl9pPr>
+            </a:lstStyle>
+            <a:p>
+              <a:pPr marR="0" lvl="0" algn="ctr" defTabSz="457200" rtl="0" eaLnBrk="1" fontAlgn="base" latinLnBrk="0" hangingPunct="1">
+                <a:lnSpc>
+                  <a:spcPct val="90000"/>
+                </a:lnSpc>
+                <a:spcBef>
+                  <a:spcPct val="0"/>
+                </a:spcBef>
+                <a:spcAft>
+                  <a:spcPct val="0"/>
+                </a:spcAft>
+                <a:buClrTx/>
+                <a:buSzTx/>
+                <a:buFontTx/>
+                <a:buNone/>
+                <a:tabLst/>
+                <a:defRPr/>
+              </a:pPr>
+              <a:r>
+                <a:rPr lang="en-GB" sz="1100" b="1" kern="0" cap="small" spc="300" dirty="0" smtClean="0">
+                  <a:solidFill>
+                    <a:schemeClr val="bg1"/>
+                  </a:solidFill>
+                  <a:latin typeface="Arial" pitchFamily="34" charset="0"/>
+                  <a:cs typeface="Arial" pitchFamily="34" charset="0"/>
+                </a:rPr>
+                <a:t>nVision</a:t>
+              </a:r>
+              <a:r>
+                <a:rPr lang="en-GB" sz="800" b="1" kern="0" cap="small" spc="270" dirty="0" smtClean="0">
+                  <a:solidFill>
+                    <a:schemeClr val="bg1"/>
+                  </a:solidFill>
+                  <a:latin typeface="Arial" pitchFamily="34" charset="0"/>
+                  <a:cs typeface="Arial" pitchFamily="34" charset="0"/>
+                </a:rPr>
+                <a:t>research</a:t>
+              </a:r>
+              <a:endParaRPr kumimoji="0" lang="en-GB" sz="800" b="1" i="0" u="none" strike="noStrike" kern="0" cap="small" spc="270" normalizeH="0" noProof="0" dirty="0">
+                <a:ln>
+                  <a:noFill/>
+                </a:ln>
+                <a:solidFill>
+                  <a:schemeClr val="bg1"/>
+                </a:solidFill>
+                <a:effectLst/>
+                <a:uLnTx/>
+                <a:uFillTx/>
+                <a:latin typeface="Arial" pitchFamily="34" charset="0"/>
+                <a:ea typeface="+mn-ea"/>
+                <a:cs typeface="Arial" pitchFamily="34" charset="0"/>
+              </a:endParaRPr>
+            </a:p>
+          </p:txBody>
+        </p:sp>
+      </p:grpSp>
+      <p:sp>
+        <p:nvSpPr>
+          <p:cNvPr id="15" name="Rectangle 14"/>
+          <p:cNvSpPr/>
+          <p:nvPr/>
+        </p:nvSpPr>
+        <p:spPr>
+          <a:xfrm>
+            <a:off x="250825" y="5883116"/>
+            <a:ext cx="3713851" cy="246221"/>
+          </a:xfrm>
+          <a:prstGeom prst="rect">
+            <a:avLst/>
+          </a:prstGeom>
+          <a:solidFill>
+            <a:schemeClr val="bg1">
+              <a:lumMod val="95000"/>
+            </a:schemeClr>
+          </a:solidFill>
+        </p:spPr>
+        <p:txBody>
+          <a:bodyPr wrap="square">
+            <a:spAutoFit/>
+          </a:bodyPr>
+          <a:lstStyle/>
+          <a:p>
+            <a:pPr algn="ctr" fontAlgn="auto">
+              <a:spcBef>
+                <a:spcPts val="0"/>
+              </a:spcBef>
+              <a:spcAft>
+                <a:spcPts val="0"/>
+              </a:spcAft>
+              <a:defRPr/>
+            </a:pPr>
+            <a:r>
+              <a:rPr lang="en-GB" sz="1000" i="0" kern="0" dirty="0" smtClean="0">
+                <a:solidFill>
+                  <a:schemeClr val="tx1">
+                    <a:lumMod val="65000"/>
+                    <a:lumOff val="35000"/>
+                  </a:schemeClr>
+                </a:solidFill>
+                <a:latin typeface="Arial"/>
+              </a:rPr>
+              <a:t>Right-click on chart and select </a:t>
+            </a:r>
+            <a:r>
+              <a:rPr lang="en-GB" sz="1000" b="1" i="0" kern="0" dirty="0" smtClean="0">
+                <a:solidFill>
+                  <a:schemeClr val="bg2"/>
+                </a:solidFill>
+                <a:latin typeface="Arial"/>
+              </a:rPr>
+              <a:t>Edit Data</a:t>
+            </a:r>
+            <a:r>
+              <a:rPr lang="en-GB" sz="1000" i="0" kern="0" dirty="0" smtClean="0">
+                <a:solidFill>
+                  <a:schemeClr val="bg2"/>
+                </a:solidFill>
+                <a:latin typeface="Arial"/>
+              </a:rPr>
+              <a:t> </a:t>
+            </a:r>
+            <a:r>
+              <a:rPr lang="en-GB" sz="1000" i="0" kern="0" dirty="0" smtClean="0">
+                <a:solidFill>
+                  <a:schemeClr val="tx1">
+                    <a:lumMod val="65000"/>
+                    <a:lumOff val="35000"/>
+                  </a:schemeClr>
+                </a:solidFill>
+                <a:latin typeface="Arial"/>
+              </a:rPr>
+              <a:t>for demographic data</a:t>
+            </a:r>
+            <a:endParaRPr lang="en-GB" sz="1000" i="0" kern="0" dirty="0">
+              <a:solidFill>
+                <a:schemeClr val="tx1">
+                  <a:lumMod val="65000"/>
+                  <a:lumOff val="35000"/>
+                </a:schemeClr>
+              </a:solidFill>
+              <a:latin typeface="Arial"/>
+            </a:endParaRPr>
+          </a:p>
+        </p:txBody>
+      </p:sp>
+    </p:spTree>
+  </p:cSld>
+  <p:clrMapOvr>
+    <a:masterClrMapping/>
+  </p:clrMapOvr>
+</p:sld>
+</file>
+
+<file path=ppt/slides/slide7.xml><?xml version="1.0" encoding="utf-8"?>
+<p:sld xmlns:a="http://schemas.openxmlformats.org/drawingml/2006/main" xmlns:r="http://schemas.openxmlformats.org/officeDocument/2006/relationships" xmlns:p="http://schemas.openxmlformats.org/presentationml/2006/main">
+  <p:cSld>
+    <p:spTree>
+      <p:nvGrpSpPr>
+        <p:cNvPr id="1" name=""/>
+        <p:cNvGrpSpPr/>
+        <p:nvPr/>
+      </p:nvGrpSpPr>
+      <p:grpSpPr>
+        <a:xfrm>
+          <a:off x="0" y="0"/>
+          <a:ext cx="0" cy="0"/>
+          <a:chOff x="0" y="0"/>
+          <a:chExt cx="0" cy="0"/>
+        </a:xfrm>
+      </p:grpSpPr>
+      <p:graphicFrame>
+        <p:nvGraphicFramePr>
+          <p:cNvPr id="10" name="Content Placeholder 9"/>
+          <p:cNvGraphicFramePr>
+            <a:graphicFrameLocks noGrp="1"/>
+          </p:cNvGraphicFramePr>
+          <p:nvPr>
+            <p:ph idx="1"/>
+          </p:nvPr>
+        </p:nvGraphicFramePr>
+        <p:xfrm>
+          <a:off x="250825" y="1952625"/>
+          <a:ext cx="8642350" cy="4248509"/>
+        </p:xfrm>
+        <a:graphic>
+          <a:graphicData uri="http://schemas.openxmlformats.org/drawingml/2006/chart">
+            <c:chart xmlns:c="http://schemas.openxmlformats.org/drawingml/2006/chart" xmlns:r="http://schemas.openxmlformats.org/officeDocument/2006/relationships" r:id="rId3"/>
+          </a:graphicData>
+        </a:graphic>
+      </p:graphicFrame>
+      <p:sp>
+        <p:nvSpPr>
+          <p:cNvPr id="6" name="Text Placeholder 5"/>
+          <p:cNvSpPr>
+            <a:spLocks noGrp="1"/>
+          </p:cNvSpPr>
+          <p:nvPr>
+            <p:ph type="body" sz="quarter" idx="10"/>
+          </p:nvPr>
+        </p:nvSpPr>
+        <p:spPr/>
+        <p:txBody>
+          <a:bodyPr/>
+          <a:lstStyle/>
+          <a:p>
+            <a:pPr>
+              <a:defRPr/>
+            </a:pPr>
+            <a:r>
+              <a:rPr lang="en-GB" dirty="0" smtClean="0"/>
+              <a:t>Source: nVision </a:t>
+            </a:r>
+            <a:r>
+              <a:rPr lang="en-GB" smtClean="0"/>
+              <a:t>Research | </a:t>
+            </a:r>
+            <a:r>
+              <a:rPr lang="en-GB" dirty="0" smtClean="0"/>
+              <a:t>Base: 1001 online respondents aged 16+, GB, 2015 September</a:t>
+            </a:r>
+          </a:p>
+        </p:txBody>
+      </p:sp>
+      <p:sp>
+        <p:nvSpPr>
+          <p:cNvPr id="4" name="Title 3"/>
+          <p:cNvSpPr>
+            <a:spLocks noGrp="1"/>
+          </p:cNvSpPr>
+          <p:nvPr>
+            <p:ph type="title"/>
+          </p:nvPr>
+        </p:nvSpPr>
+        <p:spPr>
+          <a:xfrm>
+            <a:off x="250825" y="260350"/>
+            <a:ext cx="7813563" cy="443198"/>
+          </a:xfrm>
+        </p:spPr>
+        <p:txBody>
+          <a:bodyPr/>
+          <a:lstStyle/>
+          <a:p>
+            <a:pPr>
+              <a:defRPr/>
+            </a:pPr>
+            <a:r>
+              <a:rPr lang="en-GB" smtClean="0"/>
+              <a:t>       </a:t>
+            </a:r>
+            <a:r>
+              <a:rPr lang="en-GB" dirty="0" smtClean="0"/>
+              <a:t>Using social networking apps</a:t>
+            </a:r>
+            <a:endParaRPr lang="en-GB" dirty="0"/>
+          </a:p>
+        </p:txBody>
+      </p:sp>
+      <p:sp>
+        <p:nvSpPr>
+          <p:cNvPr id="7" name="Text Placeholder 6"/>
+          <p:cNvSpPr>
+            <a:spLocks noGrp="1"/>
+          </p:cNvSpPr>
+          <p:nvPr>
+            <p:ph type="body" sz="quarter" idx="11"/>
+          </p:nvPr>
+        </p:nvSpPr>
+        <p:spPr>
+          <a:xfrm>
+            <a:off x="250825" y="1160463"/>
+            <a:ext cx="8642349" cy="492443"/>
+          </a:xfrm>
+        </p:spPr>
+        <p:txBody>
+          <a:bodyPr/>
+          <a:lstStyle/>
+          <a:p>
+            <a:pPr fontAlgn="base">
+              <a:lnSpc>
+                <a:spcPct val="100000"/>
+              </a:lnSpc>
+              <a:spcBef>
+                <a:spcPct val="0"/>
+              </a:spcBef>
+              <a:spcAft>
+                <a:spcPct val="0"/>
+              </a:spcAft>
+              <a:defRPr/>
+            </a:pPr>
+            <a:r>
+              <a:rPr lang="en-GB" kern="0" dirty="0" smtClean="0">
+                <a:solidFill>
+                  <a:srgbClr val="000000">
+                    <a:lumMod val="65000"/>
+                    <a:lumOff val="35000"/>
+                  </a:srgbClr>
+                </a:solidFill>
+              </a:rPr>
+              <a:t>“Which of the following kinds of apps do you use at least once a month via smartphone / via tablet</a:t>
+            </a:r>
+            <a:r>
+              <a:rPr lang="en-GB" kern="0" smtClean="0">
+                <a:solidFill>
+                  <a:srgbClr val="000000">
+                    <a:lumMod val="65000"/>
+                    <a:lumOff val="35000"/>
+                  </a:srgbClr>
+                </a:solidFill>
+              </a:rPr>
+              <a:t>?” | </a:t>
+            </a:r>
+            <a:r>
+              <a:rPr lang="en-GB" kern="0" dirty="0" smtClean="0">
+                <a:solidFill>
+                  <a:srgbClr val="000000">
+                    <a:lumMod val="65000"/>
+                    <a:lumOff val="35000"/>
+                  </a:srgbClr>
+                </a:solidFill>
+              </a:rPr>
+              <a:t>Social </a:t>
+            </a:r>
+            <a:r>
+              <a:rPr lang="en-GB" kern="0" smtClean="0">
+                <a:solidFill>
+                  <a:srgbClr val="000000">
+                    <a:lumMod val="65000"/>
+                    <a:lumOff val="35000"/>
+                  </a:srgbClr>
+                </a:solidFill>
+              </a:rPr>
+              <a:t>networking | 2015</a:t>
+            </a:r>
+            <a:endParaRPr lang="en-GB" kern="0" dirty="0">
+              <a:solidFill>
+                <a:srgbClr val="000000">
+                  <a:lumMod val="65000"/>
+                  <a:lumOff val="35000"/>
+                </a:srgbClr>
+              </a:solidFill>
+            </a:endParaRPr>
+          </a:p>
+        </p:txBody>
+      </p:sp>
+      <p:pic>
+        <p:nvPicPr>
+          <p:cNvPr id="2" name="Picture 1" descr="GB.jpg"/>
+          <p:cNvPicPr>
+            <a:picLocks noChangeAspect="1"/>
+          </p:cNvPicPr>
+          <p:nvPr/>
+        </p:nvPicPr>
+        <p:blipFill>
+          <a:blip r:embed="rId4" cstate="print"/>
+          <a:stretch>
+            <a:fillRect/>
+          </a:stretch>
+        </p:blipFill>
+        <p:spPr>
+          <a:xfrm>
+            <a:off x="250825" y="260350"/>
+            <a:ext cx="684771" cy="396000"/>
+          </a:xfrm>
+          <a:prstGeom prst="rect">
+            <a:avLst/>
+          </a:prstGeom>
+        </p:spPr>
+      </p:pic>
+      <p:grpSp>
+        <p:nvGrpSpPr>
+          <p:cNvPr id="3" name="Group 11"/>
+          <p:cNvGrpSpPr/>
+          <p:nvPr/>
+        </p:nvGrpSpPr>
+        <p:grpSpPr>
+          <a:xfrm>
+            <a:off x="7812868" y="0"/>
+            <a:ext cx="1331132" cy="1331132"/>
+            <a:chOff x="7812868" y="0"/>
+            <a:chExt cx="1331132" cy="1331132"/>
+          </a:xfrm>
+        </p:grpSpPr>
+        <p:sp>
+          <p:nvSpPr>
+            <p:cNvPr id="13" name="Right Triangle 12"/>
+            <p:cNvSpPr/>
+            <p:nvPr/>
+          </p:nvSpPr>
+          <p:spPr>
+            <a:xfrm rot="10800000">
+              <a:off x="7812868" y="0"/>
+              <a:ext cx="1331132" cy="1331132"/>
+            </a:xfrm>
+            <a:prstGeom prst="rtTriangle">
+              <a:avLst/>
+            </a:prstGeom>
+            <a:solidFill>
+              <a:schemeClr val="bg2"/>
+            </a:solidFill>
+            <a:ln>
+              <a:noFill/>
+            </a:ln>
+            <a:effectLst/>
+          </p:spPr>
+          <p:style>
+            <a:lnRef idx="1">
+              <a:schemeClr val="accent1"/>
+            </a:lnRef>
+            <a:fillRef idx="3">
+              <a:schemeClr val="accent1"/>
+            </a:fillRef>
+            <a:effectRef idx="2">
+              <a:schemeClr val="accent1"/>
+            </a:effectRef>
+            <a:fontRef idx="minor">
+              <a:schemeClr val="lt1"/>
+            </a:fontRef>
+          </p:style>
+          <p:txBody>
+            <a:bodyPr rtlCol="0" anchor="ctr"/>
+            <a:lstStyle>
+              <a:defPPr>
+                <a:defRPr lang="en-US"/>
+              </a:defPPr>
+              <a:lvl1pPr marL="0" algn="l" defTabSz="914400" rtl="0" eaLnBrk="1" latinLnBrk="0" hangingPunct="1">
+                <a:defRPr sz="1800" kern="1200">
+                  <a:solidFill>
+                    <a:schemeClr val="lt1"/>
+                  </a:solidFill>
+                  <a:latin typeface="+mn-lt"/>
+                  <a:ea typeface="+mn-ea"/>
+                  <a:cs typeface="+mn-cs"/>
+                </a:defRPr>
+              </a:lvl1pPr>
+              <a:lvl2pPr marL="457200" algn="l" defTabSz="914400" rtl="0" eaLnBrk="1" latinLnBrk="0" hangingPunct="1">
+                <a:defRPr sz="1800" kern="1200">
+                  <a:solidFill>
+                    <a:schemeClr val="lt1"/>
+                  </a:solidFill>
+                  <a:latin typeface="+mn-lt"/>
+                  <a:ea typeface="+mn-ea"/>
+                  <a:cs typeface="+mn-cs"/>
+                </a:defRPr>
+              </a:lvl2pPr>
+              <a:lvl3pPr marL="914400" algn="l" defTabSz="914400" rtl="0" eaLnBrk="1" latinLnBrk="0" hangingPunct="1">
+                <a:defRPr sz="1800" kern="1200">
+                  <a:solidFill>
+                    <a:schemeClr val="lt1"/>
+                  </a:solidFill>
+                  <a:latin typeface="+mn-lt"/>
+                  <a:ea typeface="+mn-ea"/>
+                  <a:cs typeface="+mn-cs"/>
+                </a:defRPr>
+              </a:lvl3pPr>
+              <a:lvl4pPr marL="1371600" algn="l" defTabSz="914400" rtl="0" eaLnBrk="1" latinLnBrk="0" hangingPunct="1">
+                <a:defRPr sz="1800" kern="1200">
+                  <a:solidFill>
+                    <a:schemeClr val="lt1"/>
+                  </a:solidFill>
+                  <a:latin typeface="+mn-lt"/>
+                  <a:ea typeface="+mn-ea"/>
+                  <a:cs typeface="+mn-cs"/>
+                </a:defRPr>
+              </a:lvl4pPr>
+              <a:lvl5pPr marL="1828800" algn="l" defTabSz="914400" rtl="0" eaLnBrk="1" latinLnBrk="0" hangingPunct="1">
+                <a:defRPr sz="1800" kern="1200">
+                  <a:solidFill>
+                    <a:schemeClr val="lt1"/>
+                  </a:solidFill>
+                  <a:latin typeface="+mn-lt"/>
+                  <a:ea typeface="+mn-ea"/>
+                  <a:cs typeface="+mn-cs"/>
+                </a:defRPr>
+              </a:lvl5pPr>
+              <a:lvl6pPr marL="2286000" algn="l" defTabSz="914400" rtl="0" eaLnBrk="1" latinLnBrk="0" hangingPunct="1">
+                <a:defRPr sz="1800" kern="1200">
+                  <a:solidFill>
+                    <a:schemeClr val="lt1"/>
+                  </a:solidFill>
+                  <a:latin typeface="+mn-lt"/>
+                  <a:ea typeface="+mn-ea"/>
+                  <a:cs typeface="+mn-cs"/>
+                </a:defRPr>
+              </a:lvl6pPr>
+              <a:lvl7pPr marL="2743200" algn="l" defTabSz="914400" rtl="0" eaLnBrk="1" latinLnBrk="0" hangingPunct="1">
+                <a:defRPr sz="1800" kern="1200">
+                  <a:solidFill>
+                    <a:schemeClr val="lt1"/>
+                  </a:solidFill>
+                  <a:latin typeface="+mn-lt"/>
+                  <a:ea typeface="+mn-ea"/>
+                  <a:cs typeface="+mn-cs"/>
+                </a:defRPr>
+              </a:lvl7pPr>
+              <a:lvl8pPr marL="3200400" algn="l" defTabSz="914400" rtl="0" eaLnBrk="1" latinLnBrk="0" hangingPunct="1">
+                <a:defRPr sz="1800" kern="1200">
+                  <a:solidFill>
+                    <a:schemeClr val="lt1"/>
+                  </a:solidFill>
+                  <a:latin typeface="+mn-lt"/>
+                  <a:ea typeface="+mn-ea"/>
+                  <a:cs typeface="+mn-cs"/>
+                </a:defRPr>
+              </a:lvl8pPr>
+              <a:lvl9pPr marL="3657600" algn="l" defTabSz="914400" rtl="0" eaLnBrk="1" latinLnBrk="0" hangingPunct="1">
+                <a:defRPr sz="1800" kern="1200">
+                  <a:solidFill>
+                    <a:schemeClr val="lt1"/>
+                  </a:solidFill>
+                  <a:latin typeface="+mn-lt"/>
+                  <a:ea typeface="+mn-ea"/>
+                  <a:cs typeface="+mn-cs"/>
+                </a:defRPr>
+              </a:lvl9pPr>
+            </a:lstStyle>
+            <a:p>
+              <a:pPr algn="ctr"/>
+              <a:endParaRPr lang="en-GB"/>
+            </a:p>
+          </p:txBody>
+        </p:sp>
+        <p:sp>
+          <p:nvSpPr>
+            <p:cNvPr id="14" name="Text Placeholder 6"/>
+            <p:cNvSpPr txBox="1">
+              <a:spLocks/>
+            </p:cNvSpPr>
+            <p:nvPr/>
+          </p:nvSpPr>
+          <p:spPr>
+            <a:xfrm rot="2700000">
+              <a:off x="8318546" y="325008"/>
+              <a:ext cx="756000" cy="263149"/>
+            </a:xfrm>
+            <a:prstGeom prst="rect">
+              <a:avLst/>
+            </a:prstGeom>
+            <a:noFill/>
+          </p:spPr>
+          <p:txBody>
+            <a:bodyPr lIns="0" tIns="0" rIns="0" bIns="0" anchor="ctr">
+              <a:spAutoFit/>
+            </a:bodyPr>
+            <a:lstStyle>
+              <a:defPPr>
+                <a:defRPr lang="en-US"/>
+              </a:defPPr>
+              <a:lvl1pPr marL="0" algn="l" defTabSz="914400" rtl="0" eaLnBrk="1" latinLnBrk="0" hangingPunct="1">
+                <a:defRPr sz="1800" kern="1200">
+                  <a:solidFill>
+                    <a:schemeClr val="tx1"/>
+                  </a:solidFill>
+                  <a:latin typeface="+mn-lt"/>
+                  <a:ea typeface="+mn-ea"/>
+                  <a:cs typeface="+mn-cs"/>
+                </a:defRPr>
+              </a:lvl1pPr>
+              <a:lvl2pPr marL="457200" algn="l" defTabSz="914400" rtl="0" eaLnBrk="1" latinLnBrk="0" hangingPunct="1">
+                <a:defRPr sz="1800" kern="1200">
+                  <a:solidFill>
+                    <a:schemeClr val="tx1"/>
+                  </a:solidFill>
+                  <a:latin typeface="+mn-lt"/>
+                  <a:ea typeface="+mn-ea"/>
+                  <a:cs typeface="+mn-cs"/>
+                </a:defRPr>
+              </a:lvl2pPr>
+              <a:lvl3pPr marL="914400" algn="l" defTabSz="914400" rtl="0" eaLnBrk="1" latinLnBrk="0" hangingPunct="1">
+                <a:defRPr sz="1800" kern="1200">
+                  <a:solidFill>
+                    <a:schemeClr val="tx1"/>
+                  </a:solidFill>
+                  <a:latin typeface="+mn-lt"/>
+                  <a:ea typeface="+mn-ea"/>
+                  <a:cs typeface="+mn-cs"/>
+                </a:defRPr>
+              </a:lvl3pPr>
+              <a:lvl4pPr marL="1371600" algn="l" defTabSz="914400" rtl="0" eaLnBrk="1" latinLnBrk="0" hangingPunct="1">
+                <a:defRPr sz="1800" kern="1200">
+                  <a:solidFill>
+                    <a:schemeClr val="tx1"/>
+                  </a:solidFill>
+                  <a:latin typeface="+mn-lt"/>
+                  <a:ea typeface="+mn-ea"/>
+                  <a:cs typeface="+mn-cs"/>
+                </a:defRPr>
+              </a:lvl4pPr>
+              <a:lvl5pPr marL="1828800" algn="l" defTabSz="914400" rtl="0" eaLnBrk="1" latinLnBrk="0" hangingPunct="1">
+                <a:defRPr sz="1800" kern="1200">
+                  <a:solidFill>
+                    <a:schemeClr val="tx1"/>
+                  </a:solidFill>
+                  <a:latin typeface="+mn-lt"/>
+                  <a:ea typeface="+mn-ea"/>
+                  <a:cs typeface="+mn-cs"/>
+                </a:defRPr>
+              </a:lvl5pPr>
+              <a:lvl6pPr marL="2286000" algn="l" defTabSz="914400" rtl="0" eaLnBrk="1" latinLnBrk="0" hangingPunct="1">
+                <a:defRPr sz="1800" kern="1200">
+                  <a:solidFill>
+                    <a:schemeClr val="tx1"/>
+                  </a:solidFill>
+                  <a:latin typeface="+mn-lt"/>
+                  <a:ea typeface="+mn-ea"/>
+                  <a:cs typeface="+mn-cs"/>
+                </a:defRPr>
+              </a:lvl6pPr>
+              <a:lvl7pPr marL="2743200" algn="l" defTabSz="914400" rtl="0" eaLnBrk="1" latinLnBrk="0" hangingPunct="1">
+                <a:defRPr sz="1800" kern="1200">
+                  <a:solidFill>
+                    <a:schemeClr val="tx1"/>
+                  </a:solidFill>
+                  <a:latin typeface="+mn-lt"/>
+                  <a:ea typeface="+mn-ea"/>
+                  <a:cs typeface="+mn-cs"/>
+                </a:defRPr>
+              </a:lvl7pPr>
+              <a:lvl8pPr marL="3200400" algn="l" defTabSz="914400" rtl="0" eaLnBrk="1" latinLnBrk="0" hangingPunct="1">
+                <a:defRPr sz="1800" kern="1200">
+                  <a:solidFill>
+                    <a:schemeClr val="tx1"/>
+                  </a:solidFill>
+                  <a:latin typeface="+mn-lt"/>
+                  <a:ea typeface="+mn-ea"/>
+                  <a:cs typeface="+mn-cs"/>
+                </a:defRPr>
+              </a:lvl8pPr>
+              <a:lvl9pPr marL="3657600" algn="l" defTabSz="914400" rtl="0" eaLnBrk="1" latinLnBrk="0" hangingPunct="1">
+                <a:defRPr sz="1800" kern="1200">
+                  <a:solidFill>
+                    <a:schemeClr val="tx1"/>
+                  </a:solidFill>
+                  <a:latin typeface="+mn-lt"/>
+                  <a:ea typeface="+mn-ea"/>
+                  <a:cs typeface="+mn-cs"/>
+                </a:defRPr>
+              </a:lvl9pPr>
+            </a:lstStyle>
+            <a:p>
+              <a:pPr marR="0" lvl="0" algn="ctr" defTabSz="457200" rtl="0" eaLnBrk="1" fontAlgn="base" latinLnBrk="0" hangingPunct="1">
+                <a:lnSpc>
+                  <a:spcPct val="90000"/>
+                </a:lnSpc>
+                <a:spcBef>
+                  <a:spcPct val="0"/>
+                </a:spcBef>
+                <a:spcAft>
+                  <a:spcPct val="0"/>
+                </a:spcAft>
+                <a:buClrTx/>
+                <a:buSzTx/>
+                <a:buFontTx/>
+                <a:buNone/>
+                <a:tabLst/>
+                <a:defRPr/>
+              </a:pPr>
+              <a:r>
+                <a:rPr lang="en-GB" sz="1100" b="1" kern="0" cap="small" spc="300" dirty="0" smtClean="0">
+                  <a:solidFill>
+                    <a:schemeClr val="bg1"/>
+                  </a:solidFill>
+                  <a:latin typeface="Arial" pitchFamily="34" charset="0"/>
+                  <a:cs typeface="Arial" pitchFamily="34" charset="0"/>
+                </a:rPr>
+                <a:t>nVision</a:t>
+              </a:r>
+              <a:r>
+                <a:rPr lang="en-GB" sz="800" b="1" kern="0" cap="small" spc="270" dirty="0" smtClean="0">
+                  <a:solidFill>
+                    <a:schemeClr val="bg1"/>
+                  </a:solidFill>
+                  <a:latin typeface="Arial" pitchFamily="34" charset="0"/>
+                  <a:cs typeface="Arial" pitchFamily="34" charset="0"/>
+                </a:rPr>
+                <a:t>research</a:t>
+              </a:r>
+              <a:endParaRPr kumimoji="0" lang="en-GB" sz="800" b="1" i="0" u="none" strike="noStrike" kern="0" cap="small" spc="270" normalizeH="0" noProof="0" dirty="0">
+                <a:ln>
+                  <a:noFill/>
+                </a:ln>
+                <a:solidFill>
+                  <a:schemeClr val="bg1"/>
+                </a:solidFill>
+                <a:effectLst/>
+                <a:uLnTx/>
+                <a:uFillTx/>
+                <a:latin typeface="Arial" pitchFamily="34" charset="0"/>
+                <a:ea typeface="+mn-ea"/>
+                <a:cs typeface="Arial" pitchFamily="34" charset="0"/>
+              </a:endParaRPr>
+            </a:p>
+          </p:txBody>
+        </p:sp>
+      </p:grpSp>
+      <p:sp>
+        <p:nvSpPr>
+          <p:cNvPr id="15" name="Rectangle 14"/>
+          <p:cNvSpPr/>
+          <p:nvPr/>
+        </p:nvSpPr>
+        <p:spPr>
+          <a:xfrm>
+            <a:off x="250825" y="5883116"/>
+            <a:ext cx="3713851" cy="246221"/>
+          </a:xfrm>
+          <a:prstGeom prst="rect">
+            <a:avLst/>
+          </a:prstGeom>
+          <a:solidFill>
+            <a:schemeClr val="bg1">
+              <a:lumMod val="95000"/>
+            </a:schemeClr>
+          </a:solidFill>
+        </p:spPr>
+        <p:txBody>
+          <a:bodyPr wrap="square">
+            <a:spAutoFit/>
+          </a:bodyPr>
+          <a:lstStyle/>
+          <a:p>
+            <a:pPr algn="ctr" fontAlgn="auto">
+              <a:spcBef>
+                <a:spcPts val="0"/>
+              </a:spcBef>
+              <a:spcAft>
+                <a:spcPts val="0"/>
+              </a:spcAft>
+              <a:defRPr/>
+            </a:pPr>
+            <a:r>
+              <a:rPr lang="en-GB" sz="1000" i="0" kern="0" dirty="0" smtClean="0">
+                <a:solidFill>
+                  <a:schemeClr val="tx1">
+                    <a:lumMod val="65000"/>
+                    <a:lumOff val="35000"/>
+                  </a:schemeClr>
+                </a:solidFill>
+                <a:latin typeface="Arial"/>
+              </a:rPr>
+              <a:t>Right-click on chart and select </a:t>
+            </a:r>
+            <a:r>
+              <a:rPr lang="en-GB" sz="1000" b="1" i="0" kern="0" dirty="0" smtClean="0">
+                <a:solidFill>
+                  <a:schemeClr val="bg2"/>
+                </a:solidFill>
+                <a:latin typeface="Arial"/>
+              </a:rPr>
+              <a:t>Edit Data</a:t>
+            </a:r>
+            <a:r>
+              <a:rPr lang="en-GB" sz="1000" i="0" kern="0" dirty="0" smtClean="0">
+                <a:solidFill>
+                  <a:schemeClr val="bg2"/>
+                </a:solidFill>
+                <a:latin typeface="Arial"/>
+              </a:rPr>
+              <a:t> </a:t>
+            </a:r>
+            <a:r>
+              <a:rPr lang="en-GB" sz="1000" i="0" kern="0" dirty="0" smtClean="0">
+                <a:solidFill>
+                  <a:schemeClr val="tx1">
+                    <a:lumMod val="65000"/>
+                    <a:lumOff val="35000"/>
+                  </a:schemeClr>
+                </a:solidFill>
+                <a:latin typeface="Arial"/>
+              </a:rPr>
+              <a:t>for demographic data</a:t>
+            </a:r>
+            <a:endParaRPr lang="en-GB" sz="1000" i="0" kern="0" dirty="0">
+              <a:solidFill>
+                <a:schemeClr val="tx1">
+                  <a:lumMod val="65000"/>
+                  <a:lumOff val="35000"/>
+                </a:schemeClr>
+              </a:solidFill>
+              <a:latin typeface="Arial"/>
+            </a:endParaRPr>
+          </a:p>
+        </p:txBody>
+      </p:sp>
+    </p:spTree>
+  </p:cSld>
+  <p:clrMapOvr>
+    <a:masterClrMapping/>
+  </p:clrMapOvr>
+</p:sld>
+</file>
+
+<file path=ppt/slides/slide8.xml><?xml version="1.0" encoding="utf-8"?>
+<p:sld xmlns:a="http://schemas.openxmlformats.org/drawingml/2006/main" xmlns:r="http://schemas.openxmlformats.org/officeDocument/2006/relationships" xmlns:p="http://schemas.openxmlformats.org/presentationml/2006/main">
+  <p:cSld>
+    <p:spTree>
+      <p:nvGrpSpPr>
+        <p:cNvPr id="1" name=""/>
+        <p:cNvGrpSpPr/>
+        <p:nvPr/>
+      </p:nvGrpSpPr>
+      <p:grpSpPr>
+        <a:xfrm>
+          <a:off x="0" y="0"/>
+          <a:ext cx="0" cy="0"/>
+          <a:chOff x="0" y="0"/>
+          <a:chExt cx="0" cy="0"/>
+        </a:xfrm>
+      </p:grpSpPr>
+      <p:graphicFrame>
+        <p:nvGraphicFramePr>
+          <p:cNvPr id="10" name="Content Placeholder 9"/>
+          <p:cNvGraphicFramePr>
+            <a:graphicFrameLocks noGrp="1"/>
+          </p:cNvGraphicFramePr>
+          <p:nvPr>
+            <p:ph idx="1"/>
+          </p:nvPr>
+        </p:nvGraphicFramePr>
+        <p:xfrm>
+          <a:off x="250825" y="1952625"/>
+          <a:ext cx="8642350" cy="4248509"/>
+        </p:xfrm>
+        <a:graphic>
+          <a:graphicData uri="http://schemas.openxmlformats.org/drawingml/2006/chart">
+            <c:chart xmlns:c="http://schemas.openxmlformats.org/drawingml/2006/chart" xmlns:r="http://schemas.openxmlformats.org/officeDocument/2006/relationships" r:id="rId3"/>
+          </a:graphicData>
+        </a:graphic>
+      </p:graphicFrame>
+      <p:sp>
+        <p:nvSpPr>
+          <p:cNvPr id="6" name="Text Placeholder 5"/>
+          <p:cNvSpPr>
+            <a:spLocks noGrp="1"/>
+          </p:cNvSpPr>
+          <p:nvPr>
+            <p:ph type="body" sz="quarter" idx="10"/>
+          </p:nvPr>
+        </p:nvSpPr>
+        <p:spPr/>
+        <p:txBody>
+          <a:bodyPr/>
+          <a:lstStyle/>
+          <a:p>
+            <a:pPr>
+              <a:defRPr/>
+            </a:pPr>
+            <a:r>
+              <a:rPr lang="en-GB" dirty="0" smtClean="0"/>
+              <a:t>Source: nVision </a:t>
+            </a:r>
+            <a:r>
+              <a:rPr lang="en-GB" smtClean="0"/>
+              <a:t>Research | </a:t>
+            </a:r>
+            <a:r>
+              <a:rPr lang="en-GB" dirty="0" smtClean="0"/>
+              <a:t>Base: 1002 online respondents aged 16+, Spain, 2015 September</a:t>
+            </a:r>
+          </a:p>
+        </p:txBody>
+      </p:sp>
+      <p:sp>
+        <p:nvSpPr>
+          <p:cNvPr id="4" name="Title 3"/>
+          <p:cNvSpPr>
+            <a:spLocks noGrp="1"/>
+          </p:cNvSpPr>
+          <p:nvPr>
+            <p:ph type="title"/>
+          </p:nvPr>
+        </p:nvSpPr>
+        <p:spPr>
+          <a:xfrm>
+            <a:off x="250825" y="260350"/>
+            <a:ext cx="7813563" cy="443198"/>
+          </a:xfrm>
+        </p:spPr>
+        <p:txBody>
+          <a:bodyPr/>
+          <a:lstStyle/>
+          <a:p>
+            <a:pPr>
+              <a:defRPr/>
+            </a:pPr>
+            <a:r>
+              <a:rPr lang="en-GB" smtClean="0"/>
+              <a:t>       </a:t>
+            </a:r>
+            <a:r>
+              <a:rPr lang="en-GB" dirty="0" smtClean="0"/>
+              <a:t>Using social networking apps</a:t>
+            </a:r>
+            <a:endParaRPr lang="en-GB" dirty="0"/>
+          </a:p>
+        </p:txBody>
+      </p:sp>
+      <p:sp>
+        <p:nvSpPr>
+          <p:cNvPr id="7" name="Text Placeholder 6"/>
+          <p:cNvSpPr>
+            <a:spLocks noGrp="1"/>
+          </p:cNvSpPr>
+          <p:nvPr>
+            <p:ph type="body" sz="quarter" idx="11"/>
+          </p:nvPr>
+        </p:nvSpPr>
+        <p:spPr>
+          <a:xfrm>
+            <a:off x="250825" y="1160463"/>
+            <a:ext cx="8642349" cy="492443"/>
+          </a:xfrm>
+        </p:spPr>
+        <p:txBody>
+          <a:bodyPr/>
+          <a:lstStyle/>
+          <a:p>
+            <a:pPr fontAlgn="base">
+              <a:lnSpc>
+                <a:spcPct val="100000"/>
+              </a:lnSpc>
+              <a:spcBef>
+                <a:spcPct val="0"/>
+              </a:spcBef>
+              <a:spcAft>
+                <a:spcPct val="0"/>
+              </a:spcAft>
+              <a:defRPr/>
+            </a:pPr>
+            <a:r>
+              <a:rPr lang="en-GB" kern="0" dirty="0" smtClean="0">
+                <a:solidFill>
+                  <a:srgbClr val="000000">
+                    <a:lumMod val="65000"/>
+                    <a:lumOff val="35000"/>
+                  </a:srgbClr>
+                </a:solidFill>
+              </a:rPr>
+              <a:t>“Which of the following kinds of apps do you use at least once a month via smartphone / via tablet</a:t>
+            </a:r>
+            <a:r>
+              <a:rPr lang="en-GB" kern="0" smtClean="0">
+                <a:solidFill>
+                  <a:srgbClr val="000000">
+                    <a:lumMod val="65000"/>
+                    <a:lumOff val="35000"/>
+                  </a:srgbClr>
+                </a:solidFill>
+              </a:rPr>
+              <a:t>?” | </a:t>
+            </a:r>
+            <a:r>
+              <a:rPr lang="en-GB" kern="0" dirty="0" smtClean="0">
+                <a:solidFill>
+                  <a:srgbClr val="000000">
+                    <a:lumMod val="65000"/>
+                    <a:lumOff val="35000"/>
+                  </a:srgbClr>
+                </a:solidFill>
+              </a:rPr>
+              <a:t>Social </a:t>
+            </a:r>
+            <a:r>
+              <a:rPr lang="en-GB" kern="0" smtClean="0">
+                <a:solidFill>
+                  <a:srgbClr val="000000">
+                    <a:lumMod val="65000"/>
+                    <a:lumOff val="35000"/>
+                  </a:srgbClr>
+                </a:solidFill>
+              </a:rPr>
+              <a:t>networking | 2015</a:t>
+            </a:r>
+            <a:endParaRPr lang="en-GB" kern="0" dirty="0">
+              <a:solidFill>
+                <a:srgbClr val="000000">
+                  <a:lumMod val="65000"/>
+                  <a:lumOff val="35000"/>
+                </a:srgbClr>
+              </a:solidFill>
+            </a:endParaRPr>
+          </a:p>
+        </p:txBody>
+      </p:sp>
+      <p:pic>
+        <p:nvPicPr>
+          <p:cNvPr id="2" name="Picture 1" descr="Spain.jpg"/>
+          <p:cNvPicPr>
+            <a:picLocks noChangeAspect="1"/>
+          </p:cNvPicPr>
+          <p:nvPr/>
+        </p:nvPicPr>
+        <p:blipFill>
+          <a:blip r:embed="rId4" cstate="print"/>
+          <a:stretch>
+            <a:fillRect/>
+          </a:stretch>
+        </p:blipFill>
+        <p:spPr>
+          <a:xfrm>
+            <a:off x="250825" y="260350"/>
+            <a:ext cx="684771" cy="396000"/>
+          </a:xfrm>
+          <a:prstGeom prst="rect">
+            <a:avLst/>
+          </a:prstGeom>
+        </p:spPr>
+      </p:pic>
+      <p:grpSp>
+        <p:nvGrpSpPr>
+          <p:cNvPr id="3" name="Group 11"/>
+          <p:cNvGrpSpPr/>
+          <p:nvPr/>
+        </p:nvGrpSpPr>
+        <p:grpSpPr>
+          <a:xfrm>
+            <a:off x="7812868" y="0"/>
+            <a:ext cx="1331132" cy="1331132"/>
+            <a:chOff x="7812868" y="0"/>
+            <a:chExt cx="1331132" cy="1331132"/>
+          </a:xfrm>
+        </p:grpSpPr>
+        <p:sp>
+          <p:nvSpPr>
+            <p:cNvPr id="13" name="Right Triangle 12"/>
+            <p:cNvSpPr/>
+            <p:nvPr/>
+          </p:nvSpPr>
+          <p:spPr>
+            <a:xfrm rot="10800000">
+              <a:off x="7812868" y="0"/>
+              <a:ext cx="1331132" cy="1331132"/>
+            </a:xfrm>
+            <a:prstGeom prst="rtTriangle">
+              <a:avLst/>
+            </a:prstGeom>
+            <a:solidFill>
+              <a:schemeClr val="bg2"/>
+            </a:solidFill>
+            <a:ln>
+              <a:noFill/>
+            </a:ln>
+            <a:effectLst/>
+          </p:spPr>
+          <p:style>
+            <a:lnRef idx="1">
+              <a:schemeClr val="accent1"/>
+            </a:lnRef>
+            <a:fillRef idx="3">
+              <a:schemeClr val="accent1"/>
+            </a:fillRef>
+            <a:effectRef idx="2">
+              <a:schemeClr val="accent1"/>
+            </a:effectRef>
+            <a:fontRef idx="minor">
+              <a:schemeClr val="lt1"/>
+            </a:fontRef>
+          </p:style>
+          <p:txBody>
+            <a:bodyPr rtlCol="0" anchor="ctr"/>
+            <a:lstStyle>
+              <a:defPPr>
+                <a:defRPr lang="en-US"/>
+              </a:defPPr>
+              <a:lvl1pPr marL="0" algn="l" defTabSz="914400" rtl="0" eaLnBrk="1" latinLnBrk="0" hangingPunct="1">
+                <a:defRPr sz="1800" kern="1200">
+                  <a:solidFill>
+                    <a:schemeClr val="lt1"/>
+                  </a:solidFill>
+                  <a:latin typeface="+mn-lt"/>
+                  <a:ea typeface="+mn-ea"/>
+                  <a:cs typeface="+mn-cs"/>
+                </a:defRPr>
+              </a:lvl1pPr>
+              <a:lvl2pPr marL="457200" algn="l" defTabSz="914400" rtl="0" eaLnBrk="1" latinLnBrk="0" hangingPunct="1">
+                <a:defRPr sz="1800" kern="1200">
+                  <a:solidFill>
+                    <a:schemeClr val="lt1"/>
+                  </a:solidFill>
+                  <a:latin typeface="+mn-lt"/>
+                  <a:ea typeface="+mn-ea"/>
+                  <a:cs typeface="+mn-cs"/>
+                </a:defRPr>
+              </a:lvl2pPr>
+              <a:lvl3pPr marL="914400" algn="l" defTabSz="914400" rtl="0" eaLnBrk="1" latinLnBrk="0" hangingPunct="1">
+                <a:defRPr sz="1800" kern="1200">
+                  <a:solidFill>
+                    <a:schemeClr val="lt1"/>
+                  </a:solidFill>
+                  <a:latin typeface="+mn-lt"/>
+                  <a:ea typeface="+mn-ea"/>
+                  <a:cs typeface="+mn-cs"/>
+                </a:defRPr>
+              </a:lvl3pPr>
+              <a:lvl4pPr marL="1371600" algn="l" defTabSz="914400" rtl="0" eaLnBrk="1" latinLnBrk="0" hangingPunct="1">
+                <a:defRPr sz="1800" kern="1200">
+                  <a:solidFill>
+                    <a:schemeClr val="lt1"/>
+                  </a:solidFill>
+                  <a:latin typeface="+mn-lt"/>
+                  <a:ea typeface="+mn-ea"/>
+                  <a:cs typeface="+mn-cs"/>
+                </a:defRPr>
+              </a:lvl4pPr>
+              <a:lvl5pPr marL="1828800" algn="l" defTabSz="914400" rtl="0" eaLnBrk="1" latinLnBrk="0" hangingPunct="1">
+                <a:defRPr sz="1800" kern="1200">
+                  <a:solidFill>
+                    <a:schemeClr val="lt1"/>
+                  </a:solidFill>
+                  <a:latin typeface="+mn-lt"/>
+                  <a:ea typeface="+mn-ea"/>
+                  <a:cs typeface="+mn-cs"/>
+                </a:defRPr>
+              </a:lvl5pPr>
+              <a:lvl6pPr marL="2286000" algn="l" defTabSz="914400" rtl="0" eaLnBrk="1" latinLnBrk="0" hangingPunct="1">
+                <a:defRPr sz="1800" kern="1200">
+                  <a:solidFill>
+                    <a:schemeClr val="lt1"/>
+                  </a:solidFill>
+                  <a:latin typeface="+mn-lt"/>
+                  <a:ea typeface="+mn-ea"/>
+                  <a:cs typeface="+mn-cs"/>
+                </a:defRPr>
+              </a:lvl6pPr>
+              <a:lvl7pPr marL="2743200" algn="l" defTabSz="914400" rtl="0" eaLnBrk="1" latinLnBrk="0" hangingPunct="1">
+                <a:defRPr sz="1800" kern="1200">
+                  <a:solidFill>
+                    <a:schemeClr val="lt1"/>
+                  </a:solidFill>
+                  <a:latin typeface="+mn-lt"/>
+                  <a:ea typeface="+mn-ea"/>
+                  <a:cs typeface="+mn-cs"/>
+                </a:defRPr>
+              </a:lvl7pPr>
+              <a:lvl8pPr marL="3200400" algn="l" defTabSz="914400" rtl="0" eaLnBrk="1" latinLnBrk="0" hangingPunct="1">
+                <a:defRPr sz="1800" kern="1200">
+                  <a:solidFill>
+                    <a:schemeClr val="lt1"/>
+                  </a:solidFill>
+                  <a:latin typeface="+mn-lt"/>
+                  <a:ea typeface="+mn-ea"/>
+                  <a:cs typeface="+mn-cs"/>
+                </a:defRPr>
+              </a:lvl8pPr>
+              <a:lvl9pPr marL="3657600" algn="l" defTabSz="914400" rtl="0" eaLnBrk="1" latinLnBrk="0" hangingPunct="1">
+                <a:defRPr sz="1800" kern="1200">
+                  <a:solidFill>
+                    <a:schemeClr val="lt1"/>
+                  </a:solidFill>
+                  <a:latin typeface="+mn-lt"/>
+                  <a:ea typeface="+mn-ea"/>
+                  <a:cs typeface="+mn-cs"/>
+                </a:defRPr>
+              </a:lvl9pPr>
+            </a:lstStyle>
+            <a:p>
+              <a:pPr algn="ctr"/>
+              <a:endParaRPr lang="en-GB"/>
+            </a:p>
+          </p:txBody>
+        </p:sp>
+        <p:sp>
+          <p:nvSpPr>
+            <p:cNvPr id="14" name="Text Placeholder 6"/>
+            <p:cNvSpPr txBox="1">
+              <a:spLocks/>
+            </p:cNvSpPr>
+            <p:nvPr/>
+          </p:nvSpPr>
+          <p:spPr>
+            <a:xfrm rot="2700000">
+              <a:off x="8318546" y="325008"/>
+              <a:ext cx="756000" cy="263149"/>
+            </a:xfrm>
+            <a:prstGeom prst="rect">
+              <a:avLst/>
+            </a:prstGeom>
+            <a:noFill/>
+          </p:spPr>
+          <p:txBody>
+            <a:bodyPr lIns="0" tIns="0" rIns="0" bIns="0" anchor="ctr">
+              <a:spAutoFit/>
+            </a:bodyPr>
+            <a:lstStyle>
+              <a:defPPr>
+                <a:defRPr lang="en-US"/>
+              </a:defPPr>
+              <a:lvl1pPr marL="0" algn="l" defTabSz="914400" rtl="0" eaLnBrk="1" latinLnBrk="0" hangingPunct="1">
+                <a:defRPr sz="1800" kern="1200">
+                  <a:solidFill>
+                    <a:schemeClr val="tx1"/>
+                  </a:solidFill>
+                  <a:latin typeface="+mn-lt"/>
+                  <a:ea typeface="+mn-ea"/>
+                  <a:cs typeface="+mn-cs"/>
+                </a:defRPr>
+              </a:lvl1pPr>
+              <a:lvl2pPr marL="457200" algn="l" defTabSz="914400" rtl="0" eaLnBrk="1" latinLnBrk="0" hangingPunct="1">
+                <a:defRPr sz="1800" kern="1200">
+                  <a:solidFill>
+                    <a:schemeClr val="tx1"/>
+                  </a:solidFill>
+                  <a:latin typeface="+mn-lt"/>
+                  <a:ea typeface="+mn-ea"/>
+                  <a:cs typeface="+mn-cs"/>
+                </a:defRPr>
+              </a:lvl2pPr>
+              <a:lvl3pPr marL="914400" algn="l" defTabSz="914400" rtl="0" eaLnBrk="1" latinLnBrk="0" hangingPunct="1">
+                <a:defRPr sz="1800" kern="1200">
+                  <a:solidFill>
+                    <a:schemeClr val="tx1"/>
+                  </a:solidFill>
+                  <a:latin typeface="+mn-lt"/>
+                  <a:ea typeface="+mn-ea"/>
+                  <a:cs typeface="+mn-cs"/>
+                </a:defRPr>
+              </a:lvl3pPr>
+              <a:lvl4pPr marL="1371600" algn="l" defTabSz="914400" rtl="0" eaLnBrk="1" latinLnBrk="0" hangingPunct="1">
+                <a:defRPr sz="1800" kern="1200">
+                  <a:solidFill>
+                    <a:schemeClr val="tx1"/>
+                  </a:solidFill>
+                  <a:latin typeface="+mn-lt"/>
+                  <a:ea typeface="+mn-ea"/>
+                  <a:cs typeface="+mn-cs"/>
+                </a:defRPr>
+              </a:lvl4pPr>
+              <a:lvl5pPr marL="1828800" algn="l" defTabSz="914400" rtl="0" eaLnBrk="1" latinLnBrk="0" hangingPunct="1">
+                <a:defRPr sz="1800" kern="1200">
+                  <a:solidFill>
+                    <a:schemeClr val="tx1"/>
+                  </a:solidFill>
+                  <a:latin typeface="+mn-lt"/>
+                  <a:ea typeface="+mn-ea"/>
+                  <a:cs typeface="+mn-cs"/>
+                </a:defRPr>
+              </a:lvl5pPr>
+              <a:lvl6pPr marL="2286000" algn="l" defTabSz="914400" rtl="0" eaLnBrk="1" latinLnBrk="0" hangingPunct="1">
+                <a:defRPr sz="1800" kern="1200">
+                  <a:solidFill>
+                    <a:schemeClr val="tx1"/>
+                  </a:solidFill>
+                  <a:latin typeface="+mn-lt"/>
+                  <a:ea typeface="+mn-ea"/>
+                  <a:cs typeface="+mn-cs"/>
+                </a:defRPr>
+              </a:lvl6pPr>
+              <a:lvl7pPr marL="2743200" algn="l" defTabSz="914400" rtl="0" eaLnBrk="1" latinLnBrk="0" hangingPunct="1">
+                <a:defRPr sz="1800" kern="1200">
+                  <a:solidFill>
+                    <a:schemeClr val="tx1"/>
+                  </a:solidFill>
+                  <a:latin typeface="+mn-lt"/>
+                  <a:ea typeface="+mn-ea"/>
+                  <a:cs typeface="+mn-cs"/>
+                </a:defRPr>
+              </a:lvl7pPr>
+              <a:lvl8pPr marL="3200400" algn="l" defTabSz="914400" rtl="0" eaLnBrk="1" latinLnBrk="0" hangingPunct="1">
+                <a:defRPr sz="1800" kern="1200">
+                  <a:solidFill>
+                    <a:schemeClr val="tx1"/>
+                  </a:solidFill>
+                  <a:latin typeface="+mn-lt"/>
+                  <a:ea typeface="+mn-ea"/>
+                  <a:cs typeface="+mn-cs"/>
+                </a:defRPr>
+              </a:lvl8pPr>
+              <a:lvl9pPr marL="3657600" algn="l" defTabSz="914400" rtl="0" eaLnBrk="1" latinLnBrk="0" hangingPunct="1">
+                <a:defRPr sz="1800" kern="1200">
+                  <a:solidFill>
+                    <a:schemeClr val="tx1"/>
+                  </a:solidFill>
+                  <a:latin typeface="+mn-lt"/>
+                  <a:ea typeface="+mn-ea"/>
+                  <a:cs typeface="+mn-cs"/>
+                </a:defRPr>
+              </a:lvl9pPr>
+            </a:lstStyle>
+            <a:p>
+              <a:pPr marR="0" lvl="0" algn="ctr" defTabSz="457200" rtl="0" eaLnBrk="1" fontAlgn="base" latinLnBrk="0" hangingPunct="1">
+                <a:lnSpc>
+                  <a:spcPct val="90000"/>
+                </a:lnSpc>
+                <a:spcBef>
+                  <a:spcPct val="0"/>
+                </a:spcBef>
+                <a:spcAft>
+                  <a:spcPct val="0"/>
+                </a:spcAft>
+                <a:buClrTx/>
+                <a:buSzTx/>
+                <a:buFontTx/>
+                <a:buNone/>
+                <a:tabLst/>
+                <a:defRPr/>
+              </a:pPr>
+              <a:r>
+                <a:rPr lang="en-GB" sz="1100" b="1" kern="0" cap="small" spc="300" dirty="0" smtClean="0">
+                  <a:solidFill>
+                    <a:schemeClr val="bg1"/>
+                  </a:solidFill>
+                  <a:latin typeface="Arial" pitchFamily="34" charset="0"/>
+                  <a:cs typeface="Arial" pitchFamily="34" charset="0"/>
+                </a:rPr>
+                <a:t>nVision</a:t>
+              </a:r>
+              <a:r>
+                <a:rPr lang="en-GB" sz="800" b="1" kern="0" cap="small" spc="270" dirty="0" smtClean="0">
+                  <a:solidFill>
+                    <a:schemeClr val="bg1"/>
+                  </a:solidFill>
+                  <a:latin typeface="Arial" pitchFamily="34" charset="0"/>
+                  <a:cs typeface="Arial" pitchFamily="34" charset="0"/>
+                </a:rPr>
+                <a:t>research</a:t>
+              </a:r>
+              <a:endParaRPr kumimoji="0" lang="en-GB" sz="800" b="1" i="0" u="none" strike="noStrike" kern="0" cap="small" spc="270" normalizeH="0" noProof="0" dirty="0">
+                <a:ln>
+                  <a:noFill/>
+                </a:ln>
+                <a:solidFill>
+                  <a:schemeClr val="bg1"/>
+                </a:solidFill>
+                <a:effectLst/>
+                <a:uLnTx/>
+                <a:uFillTx/>
+                <a:latin typeface="Arial" pitchFamily="34" charset="0"/>
+                <a:ea typeface="+mn-ea"/>
+                <a:cs typeface="Arial" pitchFamily="34" charset="0"/>
+              </a:endParaRPr>
+            </a:p>
+          </p:txBody>
+        </p:sp>
+      </p:grpSp>
+      <p:sp>
+        <p:nvSpPr>
+          <p:cNvPr id="15" name="Rectangle 14"/>
+          <p:cNvSpPr/>
+          <p:nvPr/>
+        </p:nvSpPr>
+        <p:spPr>
+          <a:xfrm>
+            <a:off x="250825" y="5883116"/>
+            <a:ext cx="3713851" cy="246221"/>
+          </a:xfrm>
+          <a:prstGeom prst="rect">
+            <a:avLst/>
+          </a:prstGeom>
+          <a:solidFill>
+            <a:schemeClr val="bg1">
+              <a:lumMod val="95000"/>
+            </a:schemeClr>
+          </a:solidFill>
+        </p:spPr>
+        <p:txBody>
+          <a:bodyPr wrap="square">
+            <a:spAutoFit/>
+          </a:bodyPr>
+          <a:lstStyle/>
+          <a:p>
+            <a:pPr algn="ctr" fontAlgn="auto">
+              <a:spcBef>
+                <a:spcPts val="0"/>
+              </a:spcBef>
+              <a:spcAft>
+                <a:spcPts val="0"/>
+              </a:spcAft>
+              <a:defRPr/>
+            </a:pPr>
+            <a:r>
+              <a:rPr lang="en-GB" sz="1000" i="0" kern="0" dirty="0" smtClean="0">
+                <a:solidFill>
+                  <a:schemeClr val="tx1">
+                    <a:lumMod val="65000"/>
+                    <a:lumOff val="35000"/>
+                  </a:schemeClr>
+                </a:solidFill>
+                <a:latin typeface="Arial"/>
+              </a:rPr>
+              <a:t>Right-click on chart and select </a:t>
+            </a:r>
+            <a:r>
+              <a:rPr lang="en-GB" sz="1000" b="1" i="0" kern="0" dirty="0" smtClean="0">
+                <a:solidFill>
+                  <a:schemeClr val="bg2"/>
+                </a:solidFill>
+                <a:latin typeface="Arial"/>
+              </a:rPr>
+              <a:t>Edit Data</a:t>
+            </a:r>
+            <a:r>
+              <a:rPr lang="en-GB" sz="1000" i="0" kern="0" dirty="0" smtClean="0">
+                <a:solidFill>
+                  <a:schemeClr val="bg2"/>
+                </a:solidFill>
+                <a:latin typeface="Arial"/>
+              </a:rPr>
+              <a:t> </a:t>
+            </a:r>
+            <a:r>
+              <a:rPr lang="en-GB" sz="1000" i="0" kern="0" dirty="0" smtClean="0">
+                <a:solidFill>
+                  <a:schemeClr val="tx1">
+                    <a:lumMod val="65000"/>
+                    <a:lumOff val="35000"/>
+                  </a:schemeClr>
+                </a:solidFill>
+                <a:latin typeface="Arial"/>
+              </a:rPr>
+              <a:t>for demographic data</a:t>
+            </a:r>
+            <a:endParaRPr lang="en-GB" sz="1000" i="0" kern="0" dirty="0">
+              <a:solidFill>
+                <a:schemeClr val="tx1">
+                  <a:lumMod val="65000"/>
+                  <a:lumOff val="35000"/>
+                </a:schemeClr>
+              </a:solidFill>
+              <a:latin typeface="Arial"/>
+            </a:endParaRPr>
+          </a:p>
+        </p:txBody>
+      </p:sp>
+    </p:spTree>
+  </p:cSld>
+  <p:clrMapOvr>
+    <a:masterClrMapping/>
+  </p:clrMapOvr>
+</p:sld>
+</file>
+
+<file path=ppt/slides/slide9.xml><?xml version="1.0" encoding="utf-8"?>
+<p:sld xmlns:a="http://schemas.openxmlformats.org/drawingml/2006/main" xmlns:r="http://schemas.openxmlformats.org/officeDocument/2006/relationships" xmlns:p="http://schemas.openxmlformats.org/presentationml/2006/main">
+  <p:cSld>
+    <p:spTree>
+      <p:nvGrpSpPr>
+        <p:cNvPr id="1" name=""/>
+        <p:cNvGrpSpPr/>
+        <p:nvPr/>
+      </p:nvGrpSpPr>
+      <p:grpSpPr>
+        <a:xfrm>
+          <a:off x="0" y="0"/>
+          <a:ext cx="0" cy="0"/>
+          <a:chOff x="0" y="0"/>
+          <a:chExt cx="0" cy="0"/>
+        </a:xfrm>
+      </p:grpSpPr>
+      <p:graphicFrame>
+        <p:nvGraphicFramePr>
+          <p:cNvPr id="10" name="Content Placeholder 9"/>
+          <p:cNvGraphicFramePr>
+            <a:graphicFrameLocks noGrp="1"/>
+          </p:cNvGraphicFramePr>
+          <p:nvPr>
+            <p:ph idx="1"/>
+          </p:nvPr>
+        </p:nvGraphicFramePr>
+        <p:xfrm>
+          <a:off x="250825" y="1952625"/>
+          <a:ext cx="8642350" cy="4248509"/>
+        </p:xfrm>
+        <a:graphic>
+          <a:graphicData uri="http://schemas.openxmlformats.org/drawingml/2006/chart">
+            <c:chart xmlns:c="http://schemas.openxmlformats.org/drawingml/2006/chart" xmlns:r="http://schemas.openxmlformats.org/officeDocument/2006/relationships" r:id="rId3"/>
+          </a:graphicData>
+        </a:graphic>
+      </p:graphicFrame>
+      <p:sp>
+        <p:nvSpPr>
+          <p:cNvPr id="6" name="Text Placeholder 5"/>
+          <p:cNvSpPr>
+            <a:spLocks noGrp="1"/>
+          </p:cNvSpPr>
+          <p:nvPr>
+            <p:ph type="body" sz="quarter" idx="10"/>
+          </p:nvPr>
+        </p:nvSpPr>
+        <p:spPr/>
+        <p:txBody>
+          <a:bodyPr/>
+          <a:lstStyle/>
+          <a:p>
+            <a:pPr>
+              <a:defRPr/>
+            </a:pPr>
+            <a:r>
+              <a:rPr lang="en-GB" dirty="0" smtClean="0"/>
+              <a:t>Source: nVision </a:t>
+            </a:r>
+            <a:r>
+              <a:rPr lang="en-GB" smtClean="0"/>
+              <a:t>Research | </a:t>
+            </a:r>
+            <a:r>
+              <a:rPr lang="en-GB" dirty="0" smtClean="0"/>
+              <a:t>Base: 1001 online respondents aged 16+, Sweden, 2015 September</a:t>
+            </a:r>
+          </a:p>
+        </p:txBody>
+      </p:sp>
+      <p:sp>
+        <p:nvSpPr>
+          <p:cNvPr id="4" name="Title 3"/>
+          <p:cNvSpPr>
+            <a:spLocks noGrp="1"/>
+          </p:cNvSpPr>
+          <p:nvPr>
+            <p:ph type="title"/>
+          </p:nvPr>
+        </p:nvSpPr>
+        <p:spPr>
+          <a:xfrm>
+            <a:off x="250825" y="260350"/>
+            <a:ext cx="7813563" cy="443198"/>
+          </a:xfrm>
+        </p:spPr>
+        <p:txBody>
+          <a:bodyPr/>
+          <a:lstStyle/>
+          <a:p>
+            <a:pPr>
+              <a:defRPr/>
+            </a:pPr>
+            <a:r>
+              <a:rPr lang="en-GB" smtClean="0"/>
+              <a:t>       </a:t>
+            </a:r>
+            <a:r>
+              <a:rPr lang="en-GB" dirty="0" smtClean="0"/>
+              <a:t>Using social networking apps</a:t>
+            </a:r>
+            <a:endParaRPr lang="en-GB" dirty="0"/>
+          </a:p>
+        </p:txBody>
+      </p:sp>
+      <p:sp>
+        <p:nvSpPr>
+          <p:cNvPr id="7" name="Text Placeholder 6"/>
+          <p:cNvSpPr>
+            <a:spLocks noGrp="1"/>
+          </p:cNvSpPr>
+          <p:nvPr>
+            <p:ph type="body" sz="quarter" idx="11"/>
+          </p:nvPr>
+        </p:nvSpPr>
+        <p:spPr>
+          <a:xfrm>
+            <a:off x="250825" y="1160463"/>
+            <a:ext cx="8642349" cy="492443"/>
+          </a:xfrm>
+        </p:spPr>
+        <p:txBody>
+          <a:bodyPr/>
+          <a:lstStyle/>
+          <a:p>
+            <a:pPr fontAlgn="base">
+              <a:lnSpc>
+                <a:spcPct val="100000"/>
+              </a:lnSpc>
+              <a:spcBef>
+                <a:spcPct val="0"/>
+              </a:spcBef>
+              <a:spcAft>
+                <a:spcPct val="0"/>
+              </a:spcAft>
+              <a:defRPr/>
+            </a:pPr>
+            <a:r>
+              <a:rPr lang="en-GB" kern="0" dirty="0" smtClean="0">
+                <a:solidFill>
+                  <a:srgbClr val="000000">
+                    <a:lumMod val="65000"/>
+                    <a:lumOff val="35000"/>
+                  </a:srgbClr>
+                </a:solidFill>
+              </a:rPr>
+              <a:t>“Which of the following kinds of apps do you use at least once a month via smartphone / via tablet</a:t>
+            </a:r>
+            <a:r>
+              <a:rPr lang="en-GB" kern="0" smtClean="0">
+                <a:solidFill>
+                  <a:srgbClr val="000000">
+                    <a:lumMod val="65000"/>
+                    <a:lumOff val="35000"/>
+                  </a:srgbClr>
+                </a:solidFill>
+              </a:rPr>
+              <a:t>?” | </a:t>
+            </a:r>
+            <a:r>
+              <a:rPr lang="en-GB" kern="0" dirty="0" smtClean="0">
+                <a:solidFill>
+                  <a:srgbClr val="000000">
+                    <a:lumMod val="65000"/>
+                    <a:lumOff val="35000"/>
+                  </a:srgbClr>
+                </a:solidFill>
+              </a:rPr>
+              <a:t>Social </a:t>
+            </a:r>
+            <a:r>
+              <a:rPr lang="en-GB" kern="0" smtClean="0">
+                <a:solidFill>
+                  <a:srgbClr val="000000">
+                    <a:lumMod val="65000"/>
+                    <a:lumOff val="35000"/>
+                  </a:srgbClr>
+                </a:solidFill>
+              </a:rPr>
+              <a:t>networking | 2015</a:t>
+            </a:r>
+            <a:endParaRPr lang="en-GB" kern="0" dirty="0">
+              <a:solidFill>
+                <a:srgbClr val="000000">
+                  <a:lumMod val="65000"/>
+                  <a:lumOff val="35000"/>
+                </a:srgbClr>
+              </a:solidFill>
+            </a:endParaRPr>
+          </a:p>
+        </p:txBody>
+      </p:sp>
+      <p:pic>
+        <p:nvPicPr>
+          <p:cNvPr id="2" name="Picture 1" descr="Sweden.jpg"/>
+          <p:cNvPicPr>
+            <a:picLocks noChangeAspect="1"/>
+          </p:cNvPicPr>
+          <p:nvPr/>
+        </p:nvPicPr>
+        <p:blipFill>
+          <a:blip r:embed="rId4" cstate="print"/>
+          <a:stretch>
+            <a:fillRect/>
+          </a:stretch>
+        </p:blipFill>
+        <p:spPr>
+          <a:xfrm>
+            <a:off x="250825" y="260350"/>
+            <a:ext cx="684771" cy="396000"/>
+          </a:xfrm>
+          <a:prstGeom prst="rect">
+            <a:avLst/>
+          </a:prstGeom>
+        </p:spPr>
+      </p:pic>
+      <p:grpSp>
+        <p:nvGrpSpPr>
+          <p:cNvPr id="3" name="Group 11"/>
+          <p:cNvGrpSpPr/>
+          <p:nvPr/>
+        </p:nvGrpSpPr>
+        <p:grpSpPr>
+          <a:xfrm>
+            <a:off x="7812868" y="0"/>
+            <a:ext cx="1331132" cy="1331132"/>
+            <a:chOff x="7812868" y="0"/>
+            <a:chExt cx="1331132" cy="1331132"/>
+          </a:xfrm>
+        </p:grpSpPr>
+        <p:sp>
+          <p:nvSpPr>
+            <p:cNvPr id="13" name="Right Triangle 12"/>
+            <p:cNvSpPr/>
+            <p:nvPr/>
+          </p:nvSpPr>
+          <p:spPr>
+            <a:xfrm rot="10800000">
+              <a:off x="7812868" y="0"/>
+              <a:ext cx="1331132" cy="1331132"/>
+            </a:xfrm>
+            <a:prstGeom prst="rtTriangle">
+              <a:avLst/>
+            </a:prstGeom>
+            <a:solidFill>
+              <a:schemeClr val="bg2"/>
+            </a:solidFill>
+            <a:ln>
+              <a:noFill/>
+            </a:ln>
+            <a:effectLst/>
+          </p:spPr>
+          <p:style>
+            <a:lnRef idx="1">
+              <a:schemeClr val="accent1"/>
+            </a:lnRef>
+            <a:fillRef idx="3">
+              <a:schemeClr val="accent1"/>
+            </a:fillRef>
+            <a:effectRef idx="2">
+              <a:schemeClr val="accent1"/>
+            </a:effectRef>
+            <a:fontRef idx="minor">
+              <a:schemeClr val="lt1"/>
+            </a:fontRef>
+          </p:style>
+          <p:txBody>
+            <a:bodyPr rtlCol="0" anchor="ctr"/>
+            <a:lstStyle>
+              <a:defPPr>
+                <a:defRPr lang="en-US"/>
+              </a:defPPr>
+              <a:lvl1pPr marL="0" algn="l" defTabSz="914400" rtl="0" eaLnBrk="1" latinLnBrk="0" hangingPunct="1">
+                <a:defRPr sz="1800" kern="1200">
+                  <a:solidFill>
+                    <a:schemeClr val="lt1"/>
+                  </a:solidFill>
+                  <a:latin typeface="+mn-lt"/>
+                  <a:ea typeface="+mn-ea"/>
+                  <a:cs typeface="+mn-cs"/>
+                </a:defRPr>
+              </a:lvl1pPr>
+              <a:lvl2pPr marL="457200" algn="l" defTabSz="914400" rtl="0" eaLnBrk="1" latinLnBrk="0" hangingPunct="1">
+                <a:defRPr sz="1800" kern="1200">
+                  <a:solidFill>
+                    <a:schemeClr val="lt1"/>
+                  </a:solidFill>
+                  <a:latin typeface="+mn-lt"/>
+                  <a:ea typeface="+mn-ea"/>
+                  <a:cs typeface="+mn-cs"/>
+                </a:defRPr>
+              </a:lvl2pPr>
+              <a:lvl3pPr marL="914400" algn="l" defTabSz="914400" rtl="0" eaLnBrk="1" latinLnBrk="0" hangingPunct="1">
+                <a:defRPr sz="1800" kern="1200">
+                  <a:solidFill>
+                    <a:schemeClr val="lt1"/>
+                  </a:solidFill>
+                  <a:latin typeface="+mn-lt"/>
+                  <a:ea typeface="+mn-ea"/>
+                  <a:cs typeface="+mn-cs"/>
+                </a:defRPr>
+              </a:lvl3pPr>
+              <a:lvl4pPr marL="1371600" algn="l" defTabSz="914400" rtl="0" eaLnBrk="1" latinLnBrk="0" hangingPunct="1">
+                <a:defRPr sz="1800" kern="1200">
+                  <a:solidFill>
+                    <a:schemeClr val="lt1"/>
+                  </a:solidFill>
+                  <a:latin typeface="+mn-lt"/>
+                  <a:ea typeface="+mn-ea"/>
+                  <a:cs typeface="+mn-cs"/>
+                </a:defRPr>
+              </a:lvl4pPr>
+              <a:lvl5pPr marL="1828800" algn="l" defTabSz="914400" rtl="0" eaLnBrk="1" latinLnBrk="0" hangingPunct="1">
+                <a:defRPr sz="1800" kern="1200">
+                  <a:solidFill>
+                    <a:schemeClr val="lt1"/>
+                  </a:solidFill>
+                  <a:latin typeface="+mn-lt"/>
+                  <a:ea typeface="+mn-ea"/>
+                  <a:cs typeface="+mn-cs"/>
+                </a:defRPr>
+              </a:lvl5pPr>
+              <a:lvl6pPr marL="2286000" algn="l" defTabSz="914400" rtl="0" eaLnBrk="1" latinLnBrk="0" hangingPunct="1">
+                <a:defRPr sz="1800" kern="1200">
+                  <a:solidFill>
+                    <a:schemeClr val="lt1"/>
+                  </a:solidFill>
+                  <a:latin typeface="+mn-lt"/>
+                  <a:ea typeface="+mn-ea"/>
+                  <a:cs typeface="+mn-cs"/>
+                </a:defRPr>
+              </a:lvl6pPr>
+              <a:lvl7pPr marL="2743200" algn="l" defTabSz="914400" rtl="0" eaLnBrk="1" latinLnBrk="0" hangingPunct="1">
+                <a:defRPr sz="1800" kern="1200">
+                  <a:solidFill>
+                    <a:schemeClr val="lt1"/>
+                  </a:solidFill>
+                  <a:latin typeface="+mn-lt"/>
+                  <a:ea typeface="+mn-ea"/>
+                  <a:cs typeface="+mn-cs"/>
+                </a:defRPr>
+              </a:lvl7pPr>
+              <a:lvl8pPr marL="3200400" algn="l" defTabSz="914400" rtl="0" eaLnBrk="1" latinLnBrk="0" hangingPunct="1">
+                <a:defRPr sz="1800" kern="1200">
+                  <a:solidFill>
+                    <a:schemeClr val="lt1"/>
+                  </a:solidFill>
+                  <a:latin typeface="+mn-lt"/>
+                  <a:ea typeface="+mn-ea"/>
+                  <a:cs typeface="+mn-cs"/>
+                </a:defRPr>
+              </a:lvl8pPr>
+              <a:lvl9pPr marL="3657600" algn="l" defTabSz="914400" rtl="0" eaLnBrk="1" latinLnBrk="0" hangingPunct="1">
+                <a:defRPr sz="1800" kern="1200">
+                  <a:solidFill>
+                    <a:schemeClr val="lt1"/>
+                  </a:solidFill>
+                  <a:latin typeface="+mn-lt"/>
+                  <a:ea typeface="+mn-ea"/>
+                  <a:cs typeface="+mn-cs"/>
+                </a:defRPr>
+              </a:lvl9pPr>
+            </a:lstStyle>
+            <a:p>
+              <a:pPr algn="ctr"/>
+              <a:endParaRPr lang="en-GB"/>
+            </a:p>
+          </p:txBody>
+        </p:sp>
+        <p:sp>
+          <p:nvSpPr>
+            <p:cNvPr id="14" name="Text Placeholder 6"/>
+            <p:cNvSpPr txBox="1">
+              <a:spLocks/>
+            </p:cNvSpPr>
+            <p:nvPr/>
+          </p:nvSpPr>
+          <p:spPr>
+            <a:xfrm rot="2700000">
+              <a:off x="8318546" y="325008"/>
+              <a:ext cx="756000" cy="263149"/>
+            </a:xfrm>
+            <a:prstGeom prst="rect">
+              <a:avLst/>
+            </a:prstGeom>
+            <a:noFill/>
+          </p:spPr>
+          <p:txBody>
+            <a:bodyPr lIns="0" tIns="0" rIns="0" bIns="0" anchor="ctr">
+              <a:spAutoFit/>
+            </a:bodyPr>
+            <a:lstStyle>
+              <a:defPPr>
+                <a:defRPr lang="en-US"/>
+              </a:defPPr>
+              <a:lvl1pPr marL="0" algn="l" defTabSz="914400" rtl="0" eaLnBrk="1" latinLnBrk="0" hangingPunct="1">
+                <a:defRPr sz="1800" kern="1200">
+                  <a:solidFill>
+                    <a:schemeClr val="tx1"/>
+                  </a:solidFill>
+                  <a:latin typeface="+mn-lt"/>
+                  <a:ea typeface="+mn-ea"/>
+                  <a:cs typeface="+mn-cs"/>
+                </a:defRPr>
+              </a:lvl1pPr>
+              <a:lvl2pPr marL="457200" algn="l" defTabSz="914400" rtl="0" eaLnBrk="1" latinLnBrk="0" hangingPunct="1">
+                <a:defRPr sz="1800" kern="1200">
+                  <a:solidFill>
+                    <a:schemeClr val="tx1"/>
+                  </a:solidFill>
+                  <a:latin typeface="+mn-lt"/>
+                  <a:ea typeface="+mn-ea"/>
+                  <a:cs typeface="+mn-cs"/>
+                </a:defRPr>
+              </a:lvl2pPr>
+              <a:lvl3pPr marL="914400" algn="l" defTabSz="914400" rtl="0" eaLnBrk="1" latinLnBrk="0" hangingPunct="1">
+                <a:defRPr sz="1800" kern="1200">
+                  <a:solidFill>
+                    <a:schemeClr val="tx1"/>
+                  </a:solidFill>
+                  <a:latin typeface="+mn-lt"/>
+                  <a:ea typeface="+mn-ea"/>
+                  <a:cs typeface="+mn-cs"/>
+                </a:defRPr>
+              </a:lvl3pPr>
+              <a:lvl4pPr marL="1371600" algn="l" defTabSz="914400" rtl="0" eaLnBrk="1" latinLnBrk="0" hangingPunct="1">
+                <a:defRPr sz="1800" kern="1200">
+                  <a:solidFill>
+                    <a:schemeClr val="tx1"/>
+                  </a:solidFill>
+                  <a:latin typeface="+mn-lt"/>
+                  <a:ea typeface="+mn-ea"/>
+                  <a:cs typeface="+mn-cs"/>
+                </a:defRPr>
+              </a:lvl4pPr>
+              <a:lvl5pPr marL="1828800" algn="l" defTabSz="914400" rtl="0" eaLnBrk="1" latinLnBrk="0" hangingPunct="1">
+                <a:defRPr sz="1800" kern="1200">
+                  <a:solidFill>
+                    <a:schemeClr val="tx1"/>
+                  </a:solidFill>
+                  <a:latin typeface="+mn-lt"/>
+                  <a:ea typeface="+mn-ea"/>
+                  <a:cs typeface="+mn-cs"/>
+                </a:defRPr>
+              </a:lvl5pPr>
+              <a:lvl6pPr marL="2286000" algn="l" defTabSz="914400" rtl="0" eaLnBrk="1" latinLnBrk="0" hangingPunct="1">
+                <a:defRPr sz="1800" kern="1200">
+                  <a:solidFill>
+                    <a:schemeClr val="tx1"/>
+                  </a:solidFill>
+                  <a:latin typeface="+mn-lt"/>
+                  <a:ea typeface="+mn-ea"/>
+                  <a:cs typeface="+mn-cs"/>
+                </a:defRPr>
+              </a:lvl6pPr>
+              <a:lvl7pPr marL="2743200" algn="l" defTabSz="914400" rtl="0" eaLnBrk="1" latinLnBrk="0" hangingPunct="1">
+                <a:defRPr sz="1800" kern="1200">
+                  <a:solidFill>
+                    <a:schemeClr val="tx1"/>
+                  </a:solidFill>
+                  <a:latin typeface="+mn-lt"/>
+                  <a:ea typeface="+mn-ea"/>
+                  <a:cs typeface="+mn-cs"/>
+                </a:defRPr>
+              </a:lvl7pPr>
+              <a:lvl8pPr marL="3200400" algn="l" defTabSz="914400" rtl="0" eaLnBrk="1" latinLnBrk="0" hangingPunct="1">
+                <a:defRPr sz="1800" kern="1200">
+                  <a:solidFill>
+                    <a:schemeClr val="tx1"/>
+                  </a:solidFill>
+                  <a:latin typeface="+mn-lt"/>
+                  <a:ea typeface="+mn-ea"/>
+                  <a:cs typeface="+mn-cs"/>
+                </a:defRPr>
+              </a:lvl8pPr>
+              <a:lvl9pPr marL="3657600" algn="l" defTabSz="914400" rtl="0" eaLnBrk="1" latinLnBrk="0" hangingPunct="1">
+                <a:defRPr sz="1800" kern="1200">
+                  <a:solidFill>
+                    <a:schemeClr val="tx1"/>
+                  </a:solidFill>
+                  <a:latin typeface="+mn-lt"/>
+                  <a:ea typeface="+mn-ea"/>
+                  <a:cs typeface="+mn-cs"/>
+                </a:defRPr>
+              </a:lvl9pPr>
+            </a:lstStyle>
+            <a:p>
+              <a:pPr marR="0" lvl="0" algn="ctr" defTabSz="457200" rtl="0" eaLnBrk="1" fontAlgn="base" latinLnBrk="0" hangingPunct="1">
+                <a:lnSpc>
+                  <a:spcPct val="90000"/>
+                </a:lnSpc>
+                <a:spcBef>
+                  <a:spcPct val="0"/>
+                </a:spcBef>
+                <a:spcAft>
+                  <a:spcPct val="0"/>
+                </a:spcAft>
+                <a:buClrTx/>
+                <a:buSzTx/>
+                <a:buFontTx/>
+                <a:buNone/>
+                <a:tabLst/>
+                <a:defRPr/>
+              </a:pPr>
+              <a:r>
+                <a:rPr lang="en-GB" sz="1100" b="1" kern="0" cap="small" spc="300" dirty="0" smtClean="0">
+                  <a:solidFill>
+                    <a:schemeClr val="bg1"/>
+                  </a:solidFill>
+                  <a:latin typeface="Arial" pitchFamily="34" charset="0"/>
+                  <a:cs typeface="Arial" pitchFamily="34" charset="0"/>
+                </a:rPr>
+                <a:t>nVision</a:t>
+              </a:r>
+              <a:r>
+                <a:rPr lang="en-GB" sz="800" b="1" kern="0" cap="small" spc="270" dirty="0" smtClean="0">
+                  <a:solidFill>
+                    <a:schemeClr val="bg1"/>
+                  </a:solidFill>
+                  <a:latin typeface="Arial" pitchFamily="34" charset="0"/>
+                  <a:cs typeface="Arial" pitchFamily="34" charset="0"/>
+                </a:rPr>
+                <a:t>research</a:t>
+              </a:r>
+              <a:endParaRPr kumimoji="0" lang="en-GB" sz="800" b="1" i="0" u="none" strike="noStrike" kern="0" cap="small" spc="270" normalizeH="0" noProof="0" dirty="0">
+                <a:ln>
+                  <a:noFill/>
+                </a:ln>
+                <a:solidFill>
+                  <a:schemeClr val="bg1"/>
+                </a:solidFill>
+                <a:effectLst/>
+                <a:uLnTx/>
+                <a:uFillTx/>
+                <a:latin typeface="Arial" pitchFamily="34" charset="0"/>
+                <a:ea typeface="+mn-ea"/>
+                <a:cs typeface="Arial" pitchFamily="34" charset="0"/>
+              </a:endParaRPr>
+            </a:p>
+          </p:txBody>
+        </p:sp>
+      </p:grpSp>
+      <p:sp>
+        <p:nvSpPr>
+          <p:cNvPr id="15" name="Rectangle 14"/>
+          <p:cNvSpPr/>
+          <p:nvPr/>
+        </p:nvSpPr>
+        <p:spPr>
+          <a:xfrm>
+            <a:off x="250825" y="5883116"/>
+            <a:ext cx="3713851" cy="246221"/>
+          </a:xfrm>
+          <a:prstGeom prst="rect">
+            <a:avLst/>
+          </a:prstGeom>
+          <a:solidFill>
+            <a:schemeClr val="bg1">
+              <a:lumMod val="95000"/>
+            </a:schemeClr>
+          </a:solidFill>
+        </p:spPr>
+        <p:txBody>
+          <a:bodyPr wrap="square">
+            <a:spAutoFit/>
+          </a:bodyPr>
+          <a:lstStyle/>
+          <a:p>
+            <a:pPr algn="ctr" fontAlgn="auto">
+              <a:spcBef>
+                <a:spcPts val="0"/>
+              </a:spcBef>
+              <a:spcAft>
+                <a:spcPts val="0"/>
+              </a:spcAft>
+              <a:defRPr/>
+            </a:pPr>
+            <a:r>
+              <a:rPr lang="en-GB" sz="1000" i="0" kern="0" dirty="0" smtClean="0">
+                <a:solidFill>
+                  <a:schemeClr val="tx1">
+                    <a:lumMod val="65000"/>
+                    <a:lumOff val="35000"/>
+                  </a:schemeClr>
+                </a:solidFill>
+                <a:latin typeface="Arial"/>
+              </a:rPr>
+              <a:t>Right-click on chart and select </a:t>
+            </a:r>
+            <a:r>
+              <a:rPr lang="en-GB" sz="1000" b="1" i="0" kern="0" dirty="0" smtClean="0">
+                <a:solidFill>
+                  <a:schemeClr val="bg2"/>
+                </a:solidFill>
+                <a:latin typeface="Arial"/>
+              </a:rPr>
+              <a:t>Edit Data</a:t>
+            </a:r>
+            <a:r>
+              <a:rPr lang="en-GB" sz="1000" i="0" kern="0" dirty="0" smtClean="0">
+                <a:solidFill>
+                  <a:schemeClr val="bg2"/>
+                </a:solidFill>
+                <a:latin typeface="Arial"/>
+              </a:rPr>
+              <a:t> </a:t>
+            </a:r>
+            <a:r>
+              <a:rPr lang="en-GB" sz="1000" i="0" kern="0" dirty="0" smtClean="0">
+                <a:solidFill>
+                  <a:schemeClr val="tx1">
+                    <a:lumMod val="65000"/>
+                    <a:lumOff val="35000"/>
+                  </a:schemeClr>
+                </a:solidFill>
+                <a:latin typeface="Arial"/>
+              </a:rPr>
+              <a:t>for demographic data</a:t>
+            </a:r>
+            <a:endParaRPr lang="en-GB" sz="1000" i="0" kern="0" dirty="0">
+              <a:solidFill>
+                <a:schemeClr val="tx1">
+                  <a:lumMod val="65000"/>
+                  <a:lumOff val="35000"/>
+                </a:schemeClr>
+              </a:solidFill>
+              <a:latin typeface="Arial"/>
+            </a:endParaRPr>
+          </a:p>
+        </p:txBody>
+      </p:sp>
+    </p:spTree>
   </p:cSld>
   <p:clrMapOvr>
     <a:masterClrMapping/>
@@ -10418,4 +15050,341 @@
   <a:objectDefaults/>
   <a:extraClrSchemeLst/>
 </a:theme>
+</file>
+
+<file path=ppt/theme/theme2.xml><?xml version="1.0" encoding="utf-8"?>
+<a:theme xmlns:a="http://schemas.openxmlformats.org/drawingml/2006/main" name="FF2016">
+  <a:themeElements>
+    <a:clrScheme name="FFIX2014">
+      <a:dk1>
+        <a:srgbClr val="000000"/>
+      </a:dk1>
+      <a:lt1>
+        <a:srgbClr val="FFFFFF"/>
+      </a:lt1>
+      <a:dk2>
+        <a:srgbClr val="278D85"/>
+      </a:dk2>
+      <a:lt2>
+        <a:srgbClr val="35BDB2"/>
+      </a:lt2>
+      <a:accent1>
+        <a:srgbClr val="F47B20"/>
+      </a:accent1>
+      <a:accent2>
+        <a:srgbClr val="A54399"/>
+      </a:accent2>
+      <a:accent3>
+        <a:srgbClr val="54B948"/>
+      </a:accent3>
+      <a:accent4>
+        <a:srgbClr val="ED174F"/>
+      </a:accent4>
+      <a:accent5>
+        <a:srgbClr val="009DDC"/>
+      </a:accent5>
+      <a:accent6>
+        <a:srgbClr val="E7A614"/>
+      </a:accent6>
+      <a:hlink>
+        <a:srgbClr val="35BDB2"/>
+      </a:hlink>
+      <a:folHlink>
+        <a:srgbClr val="35BDB2"/>
+      </a:folHlink>
+    </a:clrScheme>
+    <a:fontScheme name="Office Classic 2">
+      <a:majorFont>
+        <a:latin typeface="Arial"/>
+        <a:ea typeface=""/>
+        <a:cs typeface=""/>
+        <a:font script="Jpan" typeface="ＭＳ Ｐゴシック"/>
+        <a:font script="Hang" typeface="굴림"/>
+        <a:font script="Hans" typeface="黑体"/>
+        <a:font script="Hant" typeface="微軟正黑體"/>
+        <a:font script="Arab" typeface="Arial"/>
+        <a:font script="Hebr" typeface="Arial"/>
+        <a:font script="Thai" typeface="Cordia New"/>
+        <a:font script="Ethi" typeface="Nyala"/>
+        <a:font script="Beng" typeface="Vrinda"/>
+        <a:font script="Gujr" typeface="Shruti"/>
+        <a:font script="Khmr" typeface="DaunPenh"/>
+        <a:font script="Knda" typeface="Tunga"/>
+        <a:font script="Guru" typeface="Raavi"/>
+        <a:font script="Cans" typeface="Euphemia"/>
+        <a:font script="Cher" typeface="Plantagenet Cherokee"/>
+        <a:font script="Yiii" typeface="Microsoft Yi Baiti"/>
+        <a:font script="Tibt" typeface="Microsoft Himalaya"/>
+        <a:font script="Thaa" typeface="MV Boli"/>
+        <a:font script="Deva" typeface="Mangal"/>
+        <a:font script="Telu" typeface="Gautami"/>
+        <a:font script="Taml" typeface="Latha"/>
+        <a:font script="Syrc" typeface="Estrangelo Edessa"/>
+        <a:font script="Orya" typeface="Kalinga"/>
+        <a:font script="Mlym" typeface="Kartika"/>
+        <a:font script="Laoo" typeface="DokChampa"/>
+        <a:font script="Sinh" typeface="Iskoola Pota"/>
+        <a:font script="Mong" typeface="Mongolian Baiti"/>
+        <a:font script="Viet" typeface="Arial"/>
+        <a:font script="Uigh" typeface="Microsoft Uighur"/>
+      </a:majorFont>
+      <a:minorFont>
+        <a:latin typeface="Arial"/>
+        <a:ea typeface=""/>
+        <a:cs typeface=""/>
+        <a:font script="Jpan" typeface="ＭＳ Ｐゴシック"/>
+        <a:font script="Hang" typeface="굴림"/>
+        <a:font script="Hans" typeface="黑体"/>
+        <a:font script="Hant" typeface="微軟正黑體"/>
+        <a:font script="Arab" typeface="Arial"/>
+        <a:font script="Hebr" typeface="Arial"/>
+        <a:font script="Thai" typeface="Cordia New"/>
+        <a:font script="Ethi" typeface="Nyala"/>
+        <a:font script="Beng" typeface="Vrinda"/>
+        <a:font script="Gujr" typeface="Shruti"/>
+        <a:font script="Khmr" typeface="DaunPenh"/>
+        <a:font script="Knda" typeface="Tunga"/>
+        <a:font script="Guru" typeface="Raavi"/>
+        <a:font script="Cans" typeface="Euphemia"/>
+        <a:font script="Cher" typeface="Plantagenet Cherokee"/>
+        <a:font script="Yiii" typeface="Microsoft Yi Baiti"/>
+        <a:font script="Tibt" typeface="Microsoft Himalaya"/>
+        <a:font script="Thaa" typeface="MV Boli"/>
+        <a:font script="Deva" typeface="Mangal"/>
+        <a:font script="Telu" typeface="Gautami"/>
+        <a:font script="Taml" typeface="Latha"/>
+        <a:font script="Syrc" typeface="Estrangelo Edessa"/>
+        <a:font script="Orya" typeface="Kalinga"/>
+        <a:font script="Mlym" typeface="Kartika"/>
+        <a:font script="Laoo" typeface="DokChampa"/>
+        <a:font script="Sinh" typeface="Iskoola Pota"/>
+        <a:font script="Mong" typeface="Mongolian Baiti"/>
+        <a:font script="Viet" typeface="Arial"/>
+        <a:font script="Uigh" typeface="Microsoft Uighur"/>
+      </a:minorFont>
+    </a:fontScheme>
+    <a:fmtScheme name="Office">
+      <a:fillStyleLst>
+        <a:solidFill>
+          <a:schemeClr val="phClr"/>
+        </a:solidFill>
+        <a:gradFill rotWithShape="1">
+          <a:gsLst>
+            <a:gs pos="0">
+              <a:schemeClr val="phClr">
+                <a:tint val="50000"/>
+                <a:satMod val="300000"/>
+              </a:schemeClr>
+            </a:gs>
+            <a:gs pos="35000">
+              <a:schemeClr val="phClr">
+                <a:tint val="37000"/>
+                <a:satMod val="300000"/>
+              </a:schemeClr>
+            </a:gs>
+            <a:gs pos="100000">
+              <a:schemeClr val="phClr">
+                <a:tint val="15000"/>
+                <a:satMod val="350000"/>
+              </a:schemeClr>
+            </a:gs>
+          </a:gsLst>
+          <a:lin ang="16200000" scaled="1"/>
+        </a:gradFill>
+        <a:gradFill rotWithShape="1">
+          <a:gsLst>
+            <a:gs pos="0">
+              <a:schemeClr val="phClr">
+                <a:tint val="100000"/>
+                <a:shade val="100000"/>
+                <a:satMod val="130000"/>
+              </a:schemeClr>
+            </a:gs>
+            <a:gs pos="100000">
+              <a:schemeClr val="phClr">
+                <a:tint val="50000"/>
+                <a:shade val="100000"/>
+                <a:satMod val="350000"/>
+              </a:schemeClr>
+            </a:gs>
+          </a:gsLst>
+          <a:lin ang="16200000" scaled="0"/>
+        </a:gradFill>
+      </a:fillStyleLst>
+      <a:lnStyleLst>
+        <a:ln w="9525" cap="flat" cmpd="sng" algn="ctr">
+          <a:solidFill>
+            <a:schemeClr val="phClr">
+              <a:shade val="95000"/>
+              <a:satMod val="105000"/>
+            </a:schemeClr>
+          </a:solidFill>
+          <a:prstDash val="solid"/>
+        </a:ln>
+        <a:ln w="25400" cap="flat" cmpd="sng" algn="ctr">
+          <a:solidFill>
+            <a:schemeClr val="phClr"/>
+          </a:solidFill>
+          <a:prstDash val="solid"/>
+        </a:ln>
+        <a:ln w="38100" cap="flat" cmpd="sng" algn="ctr">
+          <a:solidFill>
+            <a:schemeClr val="phClr"/>
+          </a:solidFill>
+          <a:prstDash val="solid"/>
+        </a:ln>
+      </a:lnStyleLst>
+      <a:effectStyleLst>
+        <a:effectStyle>
+          <a:effectLst>
+            <a:outerShdw blurRad="40000" dist="20000" dir="5400000" rotWithShape="0">
+              <a:srgbClr val="000000">
+                <a:alpha val="38000"/>
+              </a:srgbClr>
+            </a:outerShdw>
+          </a:effectLst>
+        </a:effectStyle>
+        <a:effectStyle>
+          <a:effectLst>
+            <a:outerShdw blurRad="40000" dist="23000" dir="5400000" rotWithShape="0">
+              <a:srgbClr val="000000">
+                <a:alpha val="35000"/>
+              </a:srgbClr>
+            </a:outerShdw>
+          </a:effectLst>
+        </a:effectStyle>
+        <a:effectStyle>
+          <a:effectLst>
+            <a:outerShdw blurRad="40000" dist="23000" dir="5400000" rotWithShape="0">
+              <a:srgbClr val="000000">
+                <a:alpha val="35000"/>
+              </a:srgbClr>
+            </a:outerShdw>
+          </a:effectLst>
+          <a:scene3d>
+            <a:camera prst="orthographicFront">
+              <a:rot lat="0" lon="0" rev="0"/>
+            </a:camera>
+            <a:lightRig rig="threePt" dir="t">
+              <a:rot lat="0" lon="0" rev="1200000"/>
+            </a:lightRig>
+          </a:scene3d>
+          <a:sp3d>
+            <a:bevelT w="63500" h="25400"/>
+          </a:sp3d>
+        </a:effectStyle>
+      </a:effectStyleLst>
+      <a:bgFillStyleLst>
+        <a:solidFill>
+          <a:schemeClr val="phClr"/>
+        </a:solidFill>
+        <a:gradFill rotWithShape="1">
+          <a:gsLst>
+            <a:gs pos="0">
+              <a:schemeClr val="phClr">
+                <a:tint val="40000"/>
+                <a:satMod val="350000"/>
+              </a:schemeClr>
+            </a:gs>
+            <a:gs pos="40000">
+              <a:schemeClr val="phClr">
+                <a:tint val="45000"/>
+                <a:shade val="99000"/>
+                <a:satMod val="350000"/>
+              </a:schemeClr>
+            </a:gs>
+            <a:gs pos="100000">
+              <a:schemeClr val="phClr">
+                <a:shade val="20000"/>
+                <a:satMod val="255000"/>
+              </a:schemeClr>
+            </a:gs>
+          </a:gsLst>
+          <a:path path="circle">
+            <a:fillToRect l="50000" t="-80000" r="50000" b="180000"/>
+          </a:path>
+        </a:gradFill>
+        <a:gradFill rotWithShape="1">
+          <a:gsLst>
+            <a:gs pos="0">
+              <a:schemeClr val="phClr">
+                <a:tint val="80000"/>
+                <a:satMod val="300000"/>
+              </a:schemeClr>
+            </a:gs>
+            <a:gs pos="100000">
+              <a:schemeClr val="phClr">
+                <a:shade val="30000"/>
+                <a:satMod val="200000"/>
+              </a:schemeClr>
+            </a:gs>
+          </a:gsLst>
+          <a:path path="circle">
+            <a:fillToRect l="50000" t="50000" r="50000" b="50000"/>
+          </a:path>
+        </a:gradFill>
+      </a:bgFillStyleLst>
+    </a:fmtScheme>
+  </a:themeElements>
+  <a:objectDefaults>
+    <a:spDef>
+      <a:spPr>
+        <a:solidFill>
+          <a:schemeClr val="bg2"/>
+        </a:solidFill>
+        <a:ln>
+          <a:noFill/>
+        </a:ln>
+        <a:effectLst/>
+      </a:spPr>
+      <a:bodyPr rtlCol="0" anchor="ctr"/>
+      <a:lstStyle>
+        <a:defPPr algn="ctr">
+          <a:defRPr/>
+        </a:defPPr>
+      </a:lstStyle>
+      <a:style>
+        <a:lnRef idx="1">
+          <a:schemeClr val="accent1"/>
+        </a:lnRef>
+        <a:fillRef idx="3">
+          <a:schemeClr val="accent1"/>
+        </a:fillRef>
+        <a:effectRef idx="2">
+          <a:schemeClr val="accent1"/>
+        </a:effectRef>
+        <a:fontRef idx="minor">
+          <a:schemeClr val="lt1"/>
+        </a:fontRef>
+      </a:style>
+    </a:spDef>
+    <a:lnDef>
+      <a:spPr>
+        <a:ln w="19050">
+          <a:solidFill>
+            <a:schemeClr val="bg2"/>
+          </a:solidFill>
+        </a:ln>
+        <a:effectLst/>
+      </a:spPr>
+      <a:bodyPr/>
+      <a:lstStyle/>
+      <a:style>
+        <a:lnRef idx="2">
+          <a:schemeClr val="accent1"/>
+        </a:lnRef>
+        <a:fillRef idx="0">
+          <a:schemeClr val="accent1"/>
+        </a:fillRef>
+        <a:effectRef idx="1">
+          <a:schemeClr val="accent1"/>
+        </a:effectRef>
+        <a:fontRef idx="minor">
+          <a:schemeClr val="tx1"/>
+        </a:fontRef>
+      </a:style>
+    </a:lnDef>
+  </a:objectDefaults>
+  <a:extraClrSchemeLst/>
+</a:theme>
 </file>
--- a/samples/pptx/test-output.pptx
+++ b/samples/pptx/test-output.pptx
@@ -5,6 +5,9 @@
     <p:sldMasterId id="2147483648" r:id="rId1"/>
     <p:sldMasterId id="2147483660" r:id="rId9999"/>
   </p:sldMasterIdLst>
+  <p:notesMasterIdLst>
+    <p:notesMasterId r:id="rId99999"/>
+  </p:notesMasterIdLst>
   <p:sldIdLst>
     <p:sldId id="256" r:id="rId6"/>
     <p:sldId id="257" r:id="rId7"/>
@@ -3148,6 +3151,953 @@
   </c:txPr>
   <c:externalData r:id="rId1"/>
 </c:chartSpace>
+</file>
+
+<file path=ppt/notesMasters/notesMaster1.xml><?xml version="1.0" encoding="utf-8"?>
+<p:notesMaster xmlns:a="http://schemas.openxmlformats.org/drawingml/2006/main" xmlns:r="http://schemas.openxmlformats.org/officeDocument/2006/relationships" xmlns:p="http://schemas.openxmlformats.org/presentationml/2006/main">
+  <p:cSld>
+    <p:bg>
+      <p:bgRef idx="1001">
+        <a:schemeClr val="bg1"/>
+      </p:bgRef>
+    </p:bg>
+    <p:spTree>
+      <p:nvGrpSpPr>
+        <p:cNvPr id="1" name=""/>
+        <p:cNvGrpSpPr/>
+        <p:nvPr/>
+      </p:nvGrpSpPr>
+      <p:grpSpPr>
+        <a:xfrm>
+          <a:off x="0" y="0"/>
+          <a:ext cx="0" cy="0"/>
+          <a:chOff x="0" y="0"/>
+          <a:chExt cx="0" cy="0"/>
+        </a:xfrm>
+      </p:grpSpPr>
+      <p:sp>
+        <p:nvSpPr>
+          <p:cNvPr id="2" name="Header Placeholder 1"/>
+          <p:cNvSpPr>
+            <a:spLocks noGrp="1"/>
+          </p:cNvSpPr>
+          <p:nvPr>
+            <p:ph type="hdr" sz="quarter"/>
+          </p:nvPr>
+        </p:nvSpPr>
+        <p:spPr>
+          <a:xfrm>
+            <a:off x="0" y="0"/>
+            <a:ext cx="2971800" cy="457200"/>
+          </a:xfrm>
+          <a:prstGeom prst="rect">
+            <a:avLst/>
+          </a:prstGeom>
+        </p:spPr>
+        <p:txBody>
+          <a:bodyPr vert="horz" lIns="91440" tIns="45720" rIns="91440" bIns="45720" rtlCol="0"/>
+          <a:lstStyle>
+            <a:lvl1pPr algn="l">
+              <a:defRPr sz="1200"/>
+            </a:lvl1pPr>
+          </a:lstStyle>
+          <a:p>
+            <a:endParaRPr lang="en-GB"/>
+          </a:p>
+        </p:txBody>
+      </p:sp>
+      <p:sp>
+        <p:nvSpPr>
+          <p:cNvPr id="3" name="Date Placeholder 2"/>
+          <p:cNvSpPr>
+            <a:spLocks noGrp="1"/>
+          </p:cNvSpPr>
+          <p:nvPr>
+            <p:ph type="dt" idx="1"/>
+          </p:nvPr>
+        </p:nvSpPr>
+        <p:spPr>
+          <a:xfrm>
+            <a:off x="3884613" y="0"/>
+            <a:ext cx="2971800" cy="457200"/>
+          </a:xfrm>
+          <a:prstGeom prst="rect">
+            <a:avLst/>
+          </a:prstGeom>
+        </p:spPr>
+        <p:txBody>
+          <a:bodyPr vert="horz" lIns="91440" tIns="45720" rIns="91440" bIns="45720" rtlCol="0"/>
+          <a:lstStyle>
+            <a:lvl1pPr algn="r">
+              <a:defRPr sz="1200"/>
+            </a:lvl1pPr>
+          </a:lstStyle>
+          <a:p>
+            <a:fld id="{60C5795E-B05D-4AED-B95B-280A47CACD51}" type="datetimeFigureOut">
+              <a:rPr lang="en-GB" smtClean="0"/>
+              <a:t>23/11/2015</a:t>
+            </a:fld>
+            <a:endParaRPr lang="en-GB"/>
+          </a:p>
+        </p:txBody>
+      </p:sp>
+      <p:sp>
+        <p:nvSpPr>
+          <p:cNvPr id="4" name="Slide Image Placeholder 3"/>
+          <p:cNvSpPr>
+            <a:spLocks noGrp="1" noRot="1" noChangeAspect="1"/>
+          </p:cNvSpPr>
+          <p:nvPr>
+            <p:ph type="sldImg" idx="2"/>
+          </p:nvPr>
+        </p:nvSpPr>
+        <p:spPr>
+          <a:xfrm>
+            <a:off x="1143000" y="685800"/>
+            <a:ext cx="4572000" cy="3429000"/>
+          </a:xfrm>
+          <a:prstGeom prst="rect">
+            <a:avLst/>
+          </a:prstGeom>
+          <a:noFill/>
+          <a:ln w="12700">
+            <a:solidFill>
+              <a:prstClr val="black"/>
+            </a:solidFill>
+          </a:ln>
+        </p:spPr>
+        <p:txBody>
+          <a:bodyPr vert="horz" lIns="91440" tIns="45720" rIns="91440" bIns="45720" rtlCol="0" anchor="ctr"/>
+          <a:lstStyle/>
+          <a:p>
+            <a:endParaRPr lang="en-GB"/>
+          </a:p>
+        </p:txBody>
+      </p:sp>
+      <p:sp>
+        <p:nvSpPr>
+          <p:cNvPr id="5" name="Notes Placeholder 4"/>
+          <p:cNvSpPr>
+            <a:spLocks noGrp="1"/>
+          </p:cNvSpPr>
+          <p:nvPr>
+            <p:ph type="body" sz="quarter" idx="3"/>
+          </p:nvPr>
+        </p:nvSpPr>
+        <p:spPr>
+          <a:xfrm>
+            <a:off x="685800" y="4343400"/>
+            <a:ext cx="5486400" cy="4114800"/>
+          </a:xfrm>
+          <a:prstGeom prst="rect">
+            <a:avLst/>
+          </a:prstGeom>
+        </p:spPr>
+        <p:txBody>
+          <a:bodyPr vert="horz" lIns="91440" tIns="45720" rIns="91440" bIns="45720" rtlCol="0">
+            <a:normAutofit/>
+          </a:bodyPr>
+          <a:lstStyle/>
+          <a:p>
+            <a:pPr lvl="0"/>
+            <a:r>
+              <a:rPr lang="en-US" smtClean="0"/>
+              <a:t>Click to edit Master text styles</a:t>
+            </a:r>
+          </a:p>
+          <a:p>
+            <a:pPr lvl="1"/>
+            <a:r>
+              <a:rPr lang="en-US" smtClean="0"/>
+              <a:t>Second level</a:t>
+            </a:r>
+          </a:p>
+          <a:p>
+            <a:pPr lvl="2"/>
+            <a:r>
+              <a:rPr lang="en-US" smtClean="0"/>
+              <a:t>Third level</a:t>
+            </a:r>
+          </a:p>
+          <a:p>
+            <a:pPr lvl="3"/>
+            <a:r>
+              <a:rPr lang="en-US" smtClean="0"/>
+              <a:t>Fourth level</a:t>
+            </a:r>
+          </a:p>
+          <a:p>
+            <a:pPr lvl="4"/>
+            <a:r>
+              <a:rPr lang="en-US" smtClean="0"/>
+              <a:t>Fifth level</a:t>
+            </a:r>
+            <a:endParaRPr lang="en-GB"/>
+          </a:p>
+        </p:txBody>
+      </p:sp>
+      <p:sp>
+        <p:nvSpPr>
+          <p:cNvPr id="6" name="Footer Placeholder 5"/>
+          <p:cNvSpPr>
+            <a:spLocks noGrp="1"/>
+          </p:cNvSpPr>
+          <p:nvPr>
+            <p:ph type="ftr" sz="quarter" idx="4"/>
+          </p:nvPr>
+        </p:nvSpPr>
+        <p:spPr>
+          <a:xfrm>
+            <a:off x="0" y="8685213"/>
+            <a:ext cx="2971800" cy="457200"/>
+          </a:xfrm>
+          <a:prstGeom prst="rect">
+            <a:avLst/>
+          </a:prstGeom>
+        </p:spPr>
+        <p:txBody>
+          <a:bodyPr vert="horz" lIns="91440" tIns="45720" rIns="91440" bIns="45720" rtlCol="0" anchor="b"/>
+          <a:lstStyle>
+            <a:lvl1pPr algn="l">
+              <a:defRPr sz="1200"/>
+            </a:lvl1pPr>
+          </a:lstStyle>
+          <a:p>
+            <a:endParaRPr lang="en-GB"/>
+          </a:p>
+        </p:txBody>
+      </p:sp>
+      <p:sp>
+        <p:nvSpPr>
+          <p:cNvPr id="7" name="Slide Number Placeholder 6"/>
+          <p:cNvSpPr>
+            <a:spLocks noGrp="1"/>
+          </p:cNvSpPr>
+          <p:nvPr>
+            <p:ph type="sldNum" sz="quarter" idx="5"/>
+          </p:nvPr>
+        </p:nvSpPr>
+        <p:spPr>
+          <a:xfrm>
+            <a:off x="3884613" y="8685213"/>
+            <a:ext cx="2971800" cy="457200"/>
+          </a:xfrm>
+          <a:prstGeom prst="rect">
+            <a:avLst/>
+          </a:prstGeom>
+        </p:spPr>
+        <p:txBody>
+          <a:bodyPr vert="horz" lIns="91440" tIns="45720" rIns="91440" bIns="45720" rtlCol="0" anchor="b"/>
+          <a:lstStyle>
+            <a:lvl1pPr algn="r">
+              <a:defRPr sz="1200"/>
+            </a:lvl1pPr>
+          </a:lstStyle>
+          <a:p>
+            <a:fld id="{53A4B6B3-EDD5-4A07-9C02-78FA354A0153}" type="slidenum">
+              <a:rPr lang="en-GB" smtClean="0"/>
+              <a:t>‹#›</a:t>
+            </a:fld>
+            <a:endParaRPr lang="en-GB"/>
+          </a:p>
+        </p:txBody>
+      </p:sp>
+    </p:spTree>
+  </p:cSld>
+  <p:clrMap bg1="lt1" tx1="dk1" bg2="lt2" tx2="dk2" accent1="accent1" accent2="accent2" accent3="accent3" accent4="accent4" accent5="accent5" accent6="accent6" hlink="hlink" folHlink="folHlink"/>
+  <p:notesStyle>
+    <a:lvl1pPr marL="0" algn="l" defTabSz="914400" rtl="0" eaLnBrk="1" latinLnBrk="0" hangingPunct="1">
+      <a:defRPr sz="1200" kern="1200">
+        <a:solidFill>
+          <a:schemeClr val="tx1"/>
+        </a:solidFill>
+        <a:latin typeface="+mn-lt"/>
+        <a:ea typeface="+mn-ea"/>
+        <a:cs typeface="+mn-cs"/>
+      </a:defRPr>
+    </a:lvl1pPr>
+    <a:lvl2pPr marL="457200" algn="l" defTabSz="914400" rtl="0" eaLnBrk="1" latinLnBrk="0" hangingPunct="1">
+      <a:defRPr sz="1200" kern="1200">
+        <a:solidFill>
+          <a:schemeClr val="tx1"/>
+        </a:solidFill>
+        <a:latin typeface="+mn-lt"/>
+        <a:ea typeface="+mn-ea"/>
+        <a:cs typeface="+mn-cs"/>
+      </a:defRPr>
+    </a:lvl2pPr>
+    <a:lvl3pPr marL="914400" algn="l" defTabSz="914400" rtl="0" eaLnBrk="1" latinLnBrk="0" hangingPunct="1">
+      <a:defRPr sz="1200" kern="1200">
+        <a:solidFill>
+          <a:schemeClr val="tx1"/>
+        </a:solidFill>
+        <a:latin typeface="+mn-lt"/>
+        <a:ea typeface="+mn-ea"/>
+        <a:cs typeface="+mn-cs"/>
+      </a:defRPr>
+    </a:lvl3pPr>
+    <a:lvl4pPr marL="1371600" algn="l" defTabSz="914400" rtl="0" eaLnBrk="1" latinLnBrk="0" hangingPunct="1">
+      <a:defRPr sz="1200" kern="1200">
+        <a:solidFill>
+          <a:schemeClr val="tx1"/>
+        </a:solidFill>
+        <a:latin typeface="+mn-lt"/>
+        <a:ea typeface="+mn-ea"/>
+        <a:cs typeface="+mn-cs"/>
+      </a:defRPr>
+    </a:lvl4pPr>
+    <a:lvl5pPr marL="1828800" algn="l" defTabSz="914400" rtl="0" eaLnBrk="1" latinLnBrk="0" hangingPunct="1">
+      <a:defRPr sz="1200" kern="1200">
+        <a:solidFill>
+          <a:schemeClr val="tx1"/>
+        </a:solidFill>
+        <a:latin typeface="+mn-lt"/>
+        <a:ea typeface="+mn-ea"/>
+        <a:cs typeface="+mn-cs"/>
+      </a:defRPr>
+    </a:lvl5pPr>
+    <a:lvl6pPr marL="2286000" algn="l" defTabSz="914400" rtl="0" eaLnBrk="1" latinLnBrk="0" hangingPunct="1">
+      <a:defRPr sz="1200" kern="1200">
+        <a:solidFill>
+          <a:schemeClr val="tx1"/>
+        </a:solidFill>
+        <a:latin typeface="+mn-lt"/>
+        <a:ea typeface="+mn-ea"/>
+        <a:cs typeface="+mn-cs"/>
+      </a:defRPr>
+    </a:lvl6pPr>
+    <a:lvl7pPr marL="2743200" algn="l" defTabSz="914400" rtl="0" eaLnBrk="1" latinLnBrk="0" hangingPunct="1">
+      <a:defRPr sz="1200" kern="1200">
+        <a:solidFill>
+          <a:schemeClr val="tx1"/>
+        </a:solidFill>
+        <a:latin typeface="+mn-lt"/>
+        <a:ea typeface="+mn-ea"/>
+        <a:cs typeface="+mn-cs"/>
+      </a:defRPr>
+    </a:lvl7pPr>
+    <a:lvl8pPr marL="3200400" algn="l" defTabSz="914400" rtl="0" eaLnBrk="1" latinLnBrk="0" hangingPunct="1">
+      <a:defRPr sz="1200" kern="1200">
+        <a:solidFill>
+          <a:schemeClr val="tx1"/>
+        </a:solidFill>
+        <a:latin typeface="+mn-lt"/>
+        <a:ea typeface="+mn-ea"/>
+        <a:cs typeface="+mn-cs"/>
+      </a:defRPr>
+    </a:lvl8pPr>
+    <a:lvl9pPr marL="3657600" algn="l" defTabSz="914400" rtl="0" eaLnBrk="1" latinLnBrk="0" hangingPunct="1">
+      <a:defRPr sz="1200" kern="1200">
+        <a:solidFill>
+          <a:schemeClr val="tx1"/>
+        </a:solidFill>
+        <a:latin typeface="+mn-lt"/>
+        <a:ea typeface="+mn-ea"/>
+        <a:cs typeface="+mn-cs"/>
+      </a:defRPr>
+    </a:lvl9pPr>
+  </p:notesStyle>
+</p:notesMaster>
+</file>
+
+<file path=ppt/notesSlides/notesSlide6.xml><?xml version="1.0" encoding="utf-8"?>
+<p:notes xmlns:a="http://schemas.openxmlformats.org/drawingml/2006/main" xmlns:r="http://schemas.openxmlformats.org/officeDocument/2006/relationships" xmlns:p="http://schemas.openxmlformats.org/presentationml/2006/main">
+  <p:cSld>
+    <p:spTree>
+      <p:nvGrpSpPr>
+        <p:cNvPr id="1" name=""/>
+        <p:cNvGrpSpPr/>
+        <p:nvPr/>
+      </p:nvGrpSpPr>
+      <p:grpSpPr>
+        <a:xfrm>
+          <a:off x="0" y="0"/>
+          <a:ext cx="0" cy="0"/>
+          <a:chOff x="0" y="0"/>
+          <a:chExt cx="0" cy="0"/>
+        </a:xfrm>
+      </p:grpSpPr>
+      <p:sp>
+        <p:nvSpPr>
+          <p:cNvPr id="2" name="Slide Image Placeholder 1"/>
+          <p:cNvSpPr>
+            <a:spLocks noGrp="1" noRot="1" noChangeAspect="1"/>
+          </p:cNvSpPr>
+          <p:nvPr>
+            <p:ph type="sldImg"/>
+          </p:nvPr>
+        </p:nvSpPr>
+        <p:spPr/>
+      </p:sp>
+      <p:sp>
+        <p:nvSpPr>
+          <p:cNvPr id="3" name="Notes Placeholder 2"/>
+          <p:cNvSpPr>
+            <a:spLocks noGrp="1"/>
+          </p:cNvSpPr>
+          <p:nvPr>
+            <p:ph type="body" idx="1"/>
+          </p:nvPr>
+        </p:nvSpPr>
+        <p:spPr/>
+        <p:txBody>
+          <a:bodyPr>
+            <a:normAutofit/>
+          </a:bodyPr>
+          <a:lstStyle/>
+          <a:p>
+            <a:pPr marL="0" marR="0" indent="0" algn="l" defTabSz="914400" rtl="0" eaLnBrk="0" fontAlgn="base" latinLnBrk="0" hangingPunct="0">
+              <a:lnSpc>
+                <a:spcPct val="100000"/>
+              </a:lnSpc>
+              <a:spcBef>
+                <a:spcPct val="50000"/>
+              </a:spcBef>
+              <a:spcAft>
+                <a:spcPct val="0"/>
+              </a:spcAft>
+              <a:buClrTx/>
+              <a:buSzTx/>
+              <a:buFontTx/>
+              <a:buNone/>
+              <a:tabLst/>
+              <a:defRPr/>
+            </a:pPr>
+            <a:r>
+              <a:rPr lang="en-GB" sz="1100" kern="1200" dirty="0" smtClean="0">
+                <a:solidFill>
+                  <a:schemeClr val="tx1"/>
+                </a:solidFill>
+                <a:latin typeface="Arial" pitchFamily="34" charset="0"/>
+                <a:ea typeface="+mn-ea"/>
+                <a:cs typeface="Arial" pitchFamily="34" charset="0"/>
+              </a:rPr>
+              <a:t>Additional data are included with this chart. </a:t>
+            </a:r>
+            <a:r>
+              <a:rPr lang="en-GB" sz="1100" kern="1200" smtClean="0">
+                <a:solidFill>
+                  <a:schemeClr val="tx1"/>
+                </a:solidFill>
+                <a:latin typeface="Arial" pitchFamily="34" charset="0"/>
+                <a:ea typeface="+mn-ea"/>
+                <a:cs typeface="Arial" pitchFamily="34" charset="0"/>
+              </a:rPr>
+              <a:t>Right click and select “</a:t>
+            </a:r>
+            <a:r>
+              <a:rPr lang="en-GB" sz="1100" b="1" kern="1200" smtClean="0">
+                <a:solidFill>
+                  <a:schemeClr val="tx1"/>
+                </a:solidFill>
+                <a:latin typeface="Arial" pitchFamily="34" charset="0"/>
+                <a:ea typeface="+mn-ea"/>
+                <a:cs typeface="Arial" pitchFamily="34" charset="0"/>
+              </a:rPr>
+              <a:t>Edit Data</a:t>
+            </a:r>
+            <a:r>
+              <a:rPr lang="en-GB" sz="1100" kern="1200" smtClean="0">
+                <a:solidFill>
+                  <a:schemeClr val="tx1"/>
+                </a:solidFill>
+                <a:latin typeface="Arial" pitchFamily="34" charset="0"/>
+                <a:ea typeface="+mn-ea"/>
+                <a:cs typeface="Arial" pitchFamily="34" charset="0"/>
+              </a:rPr>
+              <a:t>” to find demographic breakdowns and definitions.</a:t>
+            </a:r>
+            <a:endParaRPr lang="en-GB" sz="1100" kern="1200" dirty="0" smtClean="0">
+              <a:solidFill>
+                <a:schemeClr val="tx1"/>
+              </a:solidFill>
+              <a:latin typeface="Arial" pitchFamily="34" charset="0"/>
+              <a:ea typeface="+mn-ea"/>
+              <a:cs typeface="Arial" pitchFamily="34" charset="0"/>
+            </a:endParaRPr>
+          </a:p>
+        </p:txBody>
+      </p:sp>
+      <p:sp>
+        <p:nvSpPr>
+          <p:cNvPr id="4" name="Slide Number Placeholder 3"/>
+          <p:cNvSpPr>
+            <a:spLocks noGrp="1"/>
+          </p:cNvSpPr>
+          <p:nvPr>
+            <p:ph type="sldNum" sz="quarter" idx="10"/>
+          </p:nvPr>
+        </p:nvSpPr>
+        <p:spPr/>
+        <p:txBody>
+          <a:bodyPr/>
+          <a:lstStyle/>
+          <a:p>
+            <a:fld id="{E23096E1-B3E2-4534-A28D-1261E61EFEBD}" type="slidenum">
+              <a:rPr lang="en-GB" smtClean="0"/>
+              <a:pPr/>
+              <a:t>1</a:t>
+            </a:fld>
+            <a:endParaRPr lang="en-GB"/>
+          </a:p>
+        </p:txBody>
+      </p:sp>
+    </p:spTree>
+  </p:cSld>
+  <p:clrMapOvr>
+    <a:masterClrMapping/>
+  </p:clrMapOvr>
+</p:notes>
+</file>
+
+<file path=ppt/notesSlides/notesSlide7.xml><?xml version="1.0" encoding="utf-8"?>
+<p:notes xmlns:a="http://schemas.openxmlformats.org/drawingml/2006/main" xmlns:r="http://schemas.openxmlformats.org/officeDocument/2006/relationships" xmlns:p="http://schemas.openxmlformats.org/presentationml/2006/main">
+  <p:cSld>
+    <p:spTree>
+      <p:nvGrpSpPr>
+        <p:cNvPr id="1" name=""/>
+        <p:cNvGrpSpPr/>
+        <p:nvPr/>
+      </p:nvGrpSpPr>
+      <p:grpSpPr>
+        <a:xfrm>
+          <a:off x="0" y="0"/>
+          <a:ext cx="0" cy="0"/>
+          <a:chOff x="0" y="0"/>
+          <a:chExt cx="0" cy="0"/>
+        </a:xfrm>
+      </p:grpSpPr>
+      <p:sp>
+        <p:nvSpPr>
+          <p:cNvPr id="2" name="Slide Image Placeholder 1"/>
+          <p:cNvSpPr>
+            <a:spLocks noGrp="1" noRot="1" noChangeAspect="1"/>
+          </p:cNvSpPr>
+          <p:nvPr>
+            <p:ph type="sldImg"/>
+          </p:nvPr>
+        </p:nvSpPr>
+        <p:spPr/>
+      </p:sp>
+      <p:sp>
+        <p:nvSpPr>
+          <p:cNvPr id="3" name="Notes Placeholder 2"/>
+          <p:cNvSpPr>
+            <a:spLocks noGrp="1"/>
+          </p:cNvSpPr>
+          <p:nvPr>
+            <p:ph type="body" idx="1"/>
+          </p:nvPr>
+        </p:nvSpPr>
+        <p:spPr/>
+        <p:txBody>
+          <a:bodyPr>
+            <a:normAutofit/>
+          </a:bodyPr>
+          <a:lstStyle/>
+          <a:p>
+            <a:pPr marL="0" marR="0" indent="0" algn="l" defTabSz="914400" rtl="0" eaLnBrk="0" fontAlgn="base" latinLnBrk="0" hangingPunct="0">
+              <a:lnSpc>
+                <a:spcPct val="100000"/>
+              </a:lnSpc>
+              <a:spcBef>
+                <a:spcPct val="50000"/>
+              </a:spcBef>
+              <a:spcAft>
+                <a:spcPct val="0"/>
+              </a:spcAft>
+              <a:buClrTx/>
+              <a:buSzTx/>
+              <a:buFontTx/>
+              <a:buNone/>
+              <a:tabLst/>
+              <a:defRPr/>
+            </a:pPr>
+            <a:r>
+              <a:rPr lang="en-GB" sz="1100" kern="1200" dirty="0" smtClean="0">
+                <a:solidFill>
+                  <a:schemeClr val="tx1"/>
+                </a:solidFill>
+                <a:latin typeface="Arial" pitchFamily="34" charset="0"/>
+                <a:ea typeface="+mn-ea"/>
+                <a:cs typeface="Arial" pitchFamily="34" charset="0"/>
+              </a:rPr>
+              <a:t>Additional data are included with this chart. </a:t>
+            </a:r>
+            <a:r>
+              <a:rPr lang="en-GB" sz="1100" kern="1200" smtClean="0">
+                <a:solidFill>
+                  <a:schemeClr val="tx1"/>
+                </a:solidFill>
+                <a:latin typeface="Arial" pitchFamily="34" charset="0"/>
+                <a:ea typeface="+mn-ea"/>
+                <a:cs typeface="Arial" pitchFamily="34" charset="0"/>
+              </a:rPr>
+              <a:t>Right click and select “</a:t>
+            </a:r>
+            <a:r>
+              <a:rPr lang="en-GB" sz="1100" b="1" kern="1200" smtClean="0">
+                <a:solidFill>
+                  <a:schemeClr val="tx1"/>
+                </a:solidFill>
+                <a:latin typeface="Arial" pitchFamily="34" charset="0"/>
+                <a:ea typeface="+mn-ea"/>
+                <a:cs typeface="Arial" pitchFamily="34" charset="0"/>
+              </a:rPr>
+              <a:t>Edit Data</a:t>
+            </a:r>
+            <a:r>
+              <a:rPr lang="en-GB" sz="1100" kern="1200" smtClean="0">
+                <a:solidFill>
+                  <a:schemeClr val="tx1"/>
+                </a:solidFill>
+                <a:latin typeface="Arial" pitchFamily="34" charset="0"/>
+                <a:ea typeface="+mn-ea"/>
+                <a:cs typeface="Arial" pitchFamily="34" charset="0"/>
+              </a:rPr>
+              <a:t>” to find demographic breakdowns and definitions.</a:t>
+            </a:r>
+            <a:endParaRPr lang="en-GB" sz="1100" kern="1200" dirty="0" smtClean="0">
+              <a:solidFill>
+                <a:schemeClr val="tx1"/>
+              </a:solidFill>
+              <a:latin typeface="Arial" pitchFamily="34" charset="0"/>
+              <a:ea typeface="+mn-ea"/>
+              <a:cs typeface="Arial" pitchFamily="34" charset="0"/>
+            </a:endParaRPr>
+          </a:p>
+        </p:txBody>
+      </p:sp>
+      <p:sp>
+        <p:nvSpPr>
+          <p:cNvPr id="4" name="Slide Number Placeholder 3"/>
+          <p:cNvSpPr>
+            <a:spLocks noGrp="1"/>
+          </p:cNvSpPr>
+          <p:nvPr>
+            <p:ph type="sldNum" sz="quarter" idx="10"/>
+          </p:nvPr>
+        </p:nvSpPr>
+        <p:spPr/>
+        <p:txBody>
+          <a:bodyPr/>
+          <a:lstStyle/>
+          <a:p>
+            <a:fld id="{E23096E1-B3E2-4534-A28D-1261E61EFEBD}" type="slidenum">
+              <a:rPr lang="en-GB" smtClean="0"/>
+              <a:pPr/>
+              <a:t>2</a:t>
+            </a:fld>
+            <a:endParaRPr lang="en-GB"/>
+          </a:p>
+        </p:txBody>
+      </p:sp>
+    </p:spTree>
+  </p:cSld>
+  <p:clrMapOvr>
+    <a:masterClrMapping/>
+  </p:clrMapOvr>
+</p:notes>
+</file>
+
+<file path=ppt/notesSlides/notesSlide8.xml><?xml version="1.0" encoding="utf-8"?>
+<p:notes xmlns:a="http://schemas.openxmlformats.org/drawingml/2006/main" xmlns:r="http://schemas.openxmlformats.org/officeDocument/2006/relationships" xmlns:p="http://schemas.openxmlformats.org/presentationml/2006/main">
+  <p:cSld>
+    <p:spTree>
+      <p:nvGrpSpPr>
+        <p:cNvPr id="1" name=""/>
+        <p:cNvGrpSpPr/>
+        <p:nvPr/>
+      </p:nvGrpSpPr>
+      <p:grpSpPr>
+        <a:xfrm>
+          <a:off x="0" y="0"/>
+          <a:ext cx="0" cy="0"/>
+          <a:chOff x="0" y="0"/>
+          <a:chExt cx="0" cy="0"/>
+        </a:xfrm>
+      </p:grpSpPr>
+      <p:sp>
+        <p:nvSpPr>
+          <p:cNvPr id="2" name="Slide Image Placeholder 1"/>
+          <p:cNvSpPr>
+            <a:spLocks noGrp="1" noRot="1" noChangeAspect="1"/>
+          </p:cNvSpPr>
+          <p:nvPr>
+            <p:ph type="sldImg"/>
+          </p:nvPr>
+        </p:nvSpPr>
+        <p:spPr/>
+      </p:sp>
+      <p:sp>
+        <p:nvSpPr>
+          <p:cNvPr id="3" name="Notes Placeholder 2"/>
+          <p:cNvSpPr>
+            <a:spLocks noGrp="1"/>
+          </p:cNvSpPr>
+          <p:nvPr>
+            <p:ph type="body" idx="1"/>
+          </p:nvPr>
+        </p:nvSpPr>
+        <p:spPr/>
+        <p:txBody>
+          <a:bodyPr>
+            <a:normAutofit/>
+          </a:bodyPr>
+          <a:lstStyle/>
+          <a:p>
+            <a:pPr marL="0" marR="0" indent="0" algn="l" defTabSz="914400" rtl="0" eaLnBrk="0" fontAlgn="base" latinLnBrk="0" hangingPunct="0">
+              <a:lnSpc>
+                <a:spcPct val="100000"/>
+              </a:lnSpc>
+              <a:spcBef>
+                <a:spcPct val="50000"/>
+              </a:spcBef>
+              <a:spcAft>
+                <a:spcPct val="0"/>
+              </a:spcAft>
+              <a:buClrTx/>
+              <a:buSzTx/>
+              <a:buFontTx/>
+              <a:buNone/>
+              <a:tabLst/>
+              <a:defRPr/>
+            </a:pPr>
+            <a:r>
+              <a:rPr lang="en-GB" sz="1100" kern="1200" dirty="0" smtClean="0">
+                <a:solidFill>
+                  <a:schemeClr val="tx1"/>
+                </a:solidFill>
+                <a:latin typeface="Arial" pitchFamily="34" charset="0"/>
+                <a:ea typeface="+mn-ea"/>
+                <a:cs typeface="Arial" pitchFamily="34" charset="0"/>
+              </a:rPr>
+              <a:t>Additional data are included with this chart. </a:t>
+            </a:r>
+            <a:r>
+              <a:rPr lang="en-GB" sz="1100" kern="1200" smtClean="0">
+                <a:solidFill>
+                  <a:schemeClr val="tx1"/>
+                </a:solidFill>
+                <a:latin typeface="Arial" pitchFamily="34" charset="0"/>
+                <a:ea typeface="+mn-ea"/>
+                <a:cs typeface="Arial" pitchFamily="34" charset="0"/>
+              </a:rPr>
+              <a:t>Right click and select “</a:t>
+            </a:r>
+            <a:r>
+              <a:rPr lang="en-GB" sz="1100" b="1" kern="1200" smtClean="0">
+                <a:solidFill>
+                  <a:schemeClr val="tx1"/>
+                </a:solidFill>
+                <a:latin typeface="Arial" pitchFamily="34" charset="0"/>
+                <a:ea typeface="+mn-ea"/>
+                <a:cs typeface="Arial" pitchFamily="34" charset="0"/>
+              </a:rPr>
+              <a:t>Edit Data</a:t>
+            </a:r>
+            <a:r>
+              <a:rPr lang="en-GB" sz="1100" kern="1200" smtClean="0">
+                <a:solidFill>
+                  <a:schemeClr val="tx1"/>
+                </a:solidFill>
+                <a:latin typeface="Arial" pitchFamily="34" charset="0"/>
+                <a:ea typeface="+mn-ea"/>
+                <a:cs typeface="Arial" pitchFamily="34" charset="0"/>
+              </a:rPr>
+              <a:t>” to find demographic breakdowns and definitions.</a:t>
+            </a:r>
+            <a:endParaRPr lang="en-GB" sz="1100" kern="1200" dirty="0" smtClean="0">
+              <a:solidFill>
+                <a:schemeClr val="tx1"/>
+              </a:solidFill>
+              <a:latin typeface="Arial" pitchFamily="34" charset="0"/>
+              <a:ea typeface="+mn-ea"/>
+              <a:cs typeface="Arial" pitchFamily="34" charset="0"/>
+            </a:endParaRPr>
+          </a:p>
+        </p:txBody>
+      </p:sp>
+      <p:sp>
+        <p:nvSpPr>
+          <p:cNvPr id="4" name="Slide Number Placeholder 3"/>
+          <p:cNvSpPr>
+            <a:spLocks noGrp="1"/>
+          </p:cNvSpPr>
+          <p:nvPr>
+            <p:ph type="sldNum" sz="quarter" idx="10"/>
+          </p:nvPr>
+        </p:nvSpPr>
+        <p:spPr/>
+        <p:txBody>
+          <a:bodyPr/>
+          <a:lstStyle/>
+          <a:p>
+            <a:fld id="{E23096E1-B3E2-4534-A28D-1261E61EFEBD}" type="slidenum">
+              <a:rPr lang="en-GB" smtClean="0"/>
+              <a:pPr/>
+              <a:t>3</a:t>
+            </a:fld>
+            <a:endParaRPr lang="en-GB"/>
+          </a:p>
+        </p:txBody>
+      </p:sp>
+    </p:spTree>
+  </p:cSld>
+  <p:clrMapOvr>
+    <a:masterClrMapping/>
+  </p:clrMapOvr>
+</p:notes>
+</file>
+
+<file path=ppt/notesSlides/notesSlide9.xml><?xml version="1.0" encoding="utf-8"?>
+<p:notes xmlns:a="http://schemas.openxmlformats.org/drawingml/2006/main" xmlns:r="http://schemas.openxmlformats.org/officeDocument/2006/relationships" xmlns:p="http://schemas.openxmlformats.org/presentationml/2006/main">
+  <p:cSld>
+    <p:spTree>
+      <p:nvGrpSpPr>
+        <p:cNvPr id="1" name=""/>
+        <p:cNvGrpSpPr/>
+        <p:nvPr/>
+      </p:nvGrpSpPr>
+      <p:grpSpPr>
+        <a:xfrm>
+          <a:off x="0" y="0"/>
+          <a:ext cx="0" cy="0"/>
+          <a:chOff x="0" y="0"/>
+          <a:chExt cx="0" cy="0"/>
+        </a:xfrm>
+      </p:grpSpPr>
+      <p:sp>
+        <p:nvSpPr>
+          <p:cNvPr id="2" name="Slide Image Placeholder 1"/>
+          <p:cNvSpPr>
+            <a:spLocks noGrp="1" noRot="1" noChangeAspect="1"/>
+          </p:cNvSpPr>
+          <p:nvPr>
+            <p:ph type="sldImg"/>
+          </p:nvPr>
+        </p:nvSpPr>
+        <p:spPr/>
+      </p:sp>
+      <p:sp>
+        <p:nvSpPr>
+          <p:cNvPr id="3" name="Notes Placeholder 2"/>
+          <p:cNvSpPr>
+            <a:spLocks noGrp="1"/>
+          </p:cNvSpPr>
+          <p:nvPr>
+            <p:ph type="body" idx="1"/>
+          </p:nvPr>
+        </p:nvSpPr>
+        <p:spPr/>
+        <p:txBody>
+          <a:bodyPr>
+            <a:normAutofit/>
+          </a:bodyPr>
+          <a:lstStyle/>
+          <a:p>
+            <a:pPr marL="0" marR="0" indent="0" algn="l" defTabSz="914400" rtl="0" eaLnBrk="0" fontAlgn="base" latinLnBrk="0" hangingPunct="0">
+              <a:lnSpc>
+                <a:spcPct val="100000"/>
+              </a:lnSpc>
+              <a:spcBef>
+                <a:spcPct val="50000"/>
+              </a:spcBef>
+              <a:spcAft>
+                <a:spcPct val="0"/>
+              </a:spcAft>
+              <a:buClrTx/>
+              <a:buSzTx/>
+              <a:buFontTx/>
+              <a:buNone/>
+              <a:tabLst/>
+              <a:defRPr/>
+            </a:pPr>
+            <a:r>
+              <a:rPr lang="en-GB" sz="1100" kern="1200" dirty="0" smtClean="0">
+                <a:solidFill>
+                  <a:schemeClr val="tx1"/>
+                </a:solidFill>
+                <a:latin typeface="Arial" pitchFamily="34" charset="0"/>
+                <a:ea typeface="+mn-ea"/>
+                <a:cs typeface="Arial" pitchFamily="34" charset="0"/>
+              </a:rPr>
+              <a:t>Additional data are included with this chart. </a:t>
+            </a:r>
+            <a:r>
+              <a:rPr lang="en-GB" sz="1100" kern="1200" smtClean="0">
+                <a:solidFill>
+                  <a:schemeClr val="tx1"/>
+                </a:solidFill>
+                <a:latin typeface="Arial" pitchFamily="34" charset="0"/>
+                <a:ea typeface="+mn-ea"/>
+                <a:cs typeface="Arial" pitchFamily="34" charset="0"/>
+              </a:rPr>
+              <a:t>Right click and select “</a:t>
+            </a:r>
+            <a:r>
+              <a:rPr lang="en-GB" sz="1100" b="1" kern="1200" smtClean="0">
+                <a:solidFill>
+                  <a:schemeClr val="tx1"/>
+                </a:solidFill>
+                <a:latin typeface="Arial" pitchFamily="34" charset="0"/>
+                <a:ea typeface="+mn-ea"/>
+                <a:cs typeface="Arial" pitchFamily="34" charset="0"/>
+              </a:rPr>
+              <a:t>Edit Data</a:t>
+            </a:r>
+            <a:r>
+              <a:rPr lang="en-GB" sz="1100" kern="1200" smtClean="0">
+                <a:solidFill>
+                  <a:schemeClr val="tx1"/>
+                </a:solidFill>
+                <a:latin typeface="Arial" pitchFamily="34" charset="0"/>
+                <a:ea typeface="+mn-ea"/>
+                <a:cs typeface="Arial" pitchFamily="34" charset="0"/>
+              </a:rPr>
+              <a:t>” to find demographic breakdowns and definitions.</a:t>
+            </a:r>
+            <a:endParaRPr lang="en-GB" sz="1100" kern="1200" dirty="0" smtClean="0">
+              <a:solidFill>
+                <a:schemeClr val="tx1"/>
+              </a:solidFill>
+              <a:latin typeface="Arial" pitchFamily="34" charset="0"/>
+              <a:ea typeface="+mn-ea"/>
+              <a:cs typeface="Arial" pitchFamily="34" charset="0"/>
+            </a:endParaRPr>
+          </a:p>
+        </p:txBody>
+      </p:sp>
+      <p:sp>
+        <p:nvSpPr>
+          <p:cNvPr id="4" name="Slide Number Placeholder 3"/>
+          <p:cNvSpPr>
+            <a:spLocks noGrp="1"/>
+          </p:cNvSpPr>
+          <p:nvPr>
+            <p:ph type="sldNum" sz="quarter" idx="10"/>
+          </p:nvPr>
+        </p:nvSpPr>
+        <p:spPr/>
+        <p:txBody>
+          <a:bodyPr/>
+          <a:lstStyle/>
+          <a:p>
+            <a:fld id="{E23096E1-B3E2-4534-A28D-1261E61EFEBD}" type="slidenum">
+              <a:rPr lang="en-GB" smtClean="0"/>
+              <a:pPr/>
+              <a:t>4</a:t>
+            </a:fld>
+            <a:endParaRPr lang="en-GB"/>
+          </a:p>
+        </p:txBody>
+      </p:sp>
+    </p:spTree>
+  </p:cSld>
+  <p:clrMapOvr>
+    <a:masterClrMapping/>
+  </p:clrMapOvr>
+</p:notes>
 </file>
 
 <file path=ppt/slideLayouts/master2/slideLayout1.xml><?xml version="1.0" encoding="utf-8"?>
@@ -19775,7 +20725,7 @@
         </p:spPr>
         <p:txBody>
           <a:bodyPr lIns="0" tIns="0" rIns="0" bIns="0">
-            <a:noAutofit/>
+            <a:normAutofit/>
           </a:bodyPr>
           <a:lstStyle>
             <a:lvl1pPr algn="ctr">
@@ -20816,595 +21766,6 @@
 </p:sldLayout>
 </file>
 
-<file path=ppt/slideLayouts/slideLayout26.xml><?xml version="1.0" encoding="utf-8"?>
-<p:sldLayout xmlns:a="http://schemas.openxmlformats.org/drawingml/2006/main" xmlns:r="http://schemas.openxmlformats.org/officeDocument/2006/relationships" xmlns:p="http://schemas.openxmlformats.org/presentationml/2006/main" preserve="1">
-  <p:cSld name="Intelligence Slide">
-    <p:spTree>
-      <p:nvGrpSpPr>
-        <p:cNvPr id="1" name=""/>
-        <p:cNvGrpSpPr/>
-        <p:nvPr/>
-      </p:nvGrpSpPr>
-      <p:grpSpPr>
-        <a:xfrm>
-          <a:off x="0" y="0"/>
-          <a:ext cx="0" cy="0"/>
-          <a:chOff x="0" y="0"/>
-          <a:chExt cx="0" cy="0"/>
-        </a:xfrm>
-      </p:grpSpPr>
-      <p:sp>
-        <p:nvSpPr>
-          <p:cNvPr id="3" name="Content Placeholder 2"/>
-          <p:cNvSpPr>
-            <a:spLocks noGrp="1"/>
-          </p:cNvSpPr>
-          <p:nvPr>
-            <p:ph idx="1" hasCustomPrompt="1"/>
-          </p:nvPr>
-        </p:nvSpPr>
-        <p:spPr>
-          <a:xfrm>
-            <a:off x="250824" y="1592758"/>
-            <a:ext cx="8642348" cy="4536580"/>
-          </a:xfrm>
-          <a:prstGeom prst="rect">
-            <a:avLst/>
-          </a:prstGeom>
-        </p:spPr>
-        <p:txBody>
-          <a:bodyPr lIns="0" tIns="0" rIns="0" bIns="0">
-            <a:noAutofit/>
-          </a:bodyPr>
-          <a:lstStyle>
-            <a:lvl1pPr marL="449263" indent="-449263">
-              <a:lnSpc>
-                <a:spcPct val="90000"/>
-              </a:lnSpc>
-              <a:spcBef>
-                <a:spcPts val="600"/>
-              </a:spcBef>
-              <a:buClr>
-                <a:schemeClr val="bg2"/>
-              </a:buClr>
-              <a:buFontTx/>
-              <a:buNone/>
-              <a:defRPr sz="1600" baseline="0">
-                <a:latin typeface="Arial" pitchFamily="34" charset="0"/>
-                <a:cs typeface="Arial" pitchFamily="34" charset="0"/>
-              </a:defRPr>
-            </a:lvl1pPr>
-            <a:lvl2pPr marL="715963" indent="-266700">
-              <a:lnSpc>
-                <a:spcPct val="90000"/>
-              </a:lnSpc>
-              <a:spcBef>
-                <a:spcPts val="600"/>
-              </a:spcBef>
-              <a:buClr>
-                <a:schemeClr val="tx2"/>
-              </a:buClr>
-              <a:buFont typeface="Wingdings" pitchFamily="2" charset="2"/>
-              <a:buChar char="§"/>
-              <a:tabLst/>
-              <a:defRPr sz="2400">
-                <a:latin typeface="Arial" pitchFamily="34" charset="0"/>
-                <a:cs typeface="Arial" pitchFamily="34" charset="0"/>
-              </a:defRPr>
-            </a:lvl2pPr>
-            <a:lvl3pPr marL="982663" indent="-266700">
-              <a:defRPr>
-                <a:latin typeface="Arial" pitchFamily="34" charset="0"/>
-                <a:cs typeface="Arial" pitchFamily="34" charset="0"/>
-              </a:defRPr>
-            </a:lvl3pPr>
-            <a:lvl4pPr>
-              <a:defRPr>
-                <a:latin typeface="Arial" pitchFamily="34" charset="0"/>
-                <a:cs typeface="Arial" pitchFamily="34" charset="0"/>
-              </a:defRPr>
-            </a:lvl4pPr>
-            <a:lvl5pPr>
-              <a:defRPr>
-                <a:latin typeface="Arial" pitchFamily="34" charset="0"/>
-                <a:cs typeface="Arial" pitchFamily="34" charset="0"/>
-              </a:defRPr>
-            </a:lvl5pPr>
-          </a:lstStyle>
-          <a:p>
-            <a:pPr lvl="0"/>
-            <a:r>
-              <a:rPr lang="en-GB" dirty="0" smtClean="0"/>
-              <a:t>Insert chart</a:t>
-            </a:r>
-          </a:p>
-        </p:txBody>
-      </p:sp>
-      <p:sp>
-        <p:nvSpPr>
-          <p:cNvPr id="8" name="TextBox 7"/>
-          <p:cNvSpPr txBox="1"/>
-          <p:nvPr/>
-        </p:nvSpPr>
-        <p:spPr>
-          <a:xfrm>
-            <a:off x="8662881" y="6338849"/>
-            <a:ext cx="309700" cy="194925"/>
-          </a:xfrm>
-          <a:prstGeom prst="rect">
-            <a:avLst/>
-          </a:prstGeom>
-          <a:noFill/>
-        </p:spPr>
-        <p:txBody>
-          <a:bodyPr wrap="none" rtlCol="0" anchor="ctr">
-            <a:spAutoFit/>
-          </a:bodyPr>
-          <a:lstStyle/>
-          <a:p>
-            <a:pPr algn="r">
-              <a:lnSpc>
-                <a:spcPts val="800"/>
-              </a:lnSpc>
-            </a:pPr>
-            <a:fld id="{0E0A9B4E-19F2-4E81-81C4-98D63547DE75}" type="slidenum">
-              <a:rPr lang="en-GB" sz="800" smtClean="0">
-                <a:solidFill>
-                  <a:schemeClr val="bg2"/>
-                </a:solidFill>
-                <a:latin typeface="Arial" pitchFamily="34" charset="0"/>
-                <a:cs typeface="Arial" pitchFamily="34" charset="0"/>
-              </a:rPr>
-              <a:pPr algn="r">
-                <a:lnSpc>
-                  <a:spcPts val="800"/>
-                </a:lnSpc>
-              </a:pPr>
-              <a:t>‹#›</a:t>
-            </a:fld>
-            <a:endParaRPr lang="en-GB" sz="800">
-              <a:solidFill>
-                <a:schemeClr val="bg2"/>
-              </a:solidFill>
-              <a:latin typeface="Arial" pitchFamily="34" charset="0"/>
-              <a:cs typeface="Arial" pitchFamily="34" charset="0"/>
-            </a:endParaRPr>
-          </a:p>
-        </p:txBody>
-      </p:sp>
-      <p:cxnSp>
-        <p:nvCxnSpPr>
-          <p:cNvPr id="10" name="Straight Connector 9"/>
-          <p:cNvCxnSpPr/>
-          <p:nvPr/>
-        </p:nvCxnSpPr>
-        <p:spPr>
-          <a:xfrm rot="5400000">
-            <a:off x="8330221" y="6547429"/>
-            <a:ext cx="619558" cy="1589"/>
-          </a:xfrm>
-          <a:prstGeom prst="line">
-            <a:avLst/>
-          </a:prstGeom>
-          <a:ln w="19050">
-            <a:solidFill>
-              <a:schemeClr val="bg2"/>
-            </a:solidFill>
-          </a:ln>
-          <a:effectLst/>
-        </p:spPr>
-        <p:style>
-          <a:lnRef idx="2">
-            <a:schemeClr val="accent1"/>
-          </a:lnRef>
-          <a:fillRef idx="0">
-            <a:schemeClr val="accent1"/>
-          </a:fillRef>
-          <a:effectRef idx="1">
-            <a:schemeClr val="accent1"/>
-          </a:effectRef>
-          <a:fontRef idx="minor">
-            <a:schemeClr val="tx1"/>
-          </a:fontRef>
-        </p:style>
-      </p:cxnSp>
-      <p:sp>
-        <p:nvSpPr>
-          <p:cNvPr id="15" name="Text Placeholder 14"/>
-          <p:cNvSpPr>
-            <a:spLocks noGrp="1"/>
-          </p:cNvSpPr>
-          <p:nvPr>
-            <p:ph type="body" sz="quarter" idx="10" hasCustomPrompt="1"/>
-          </p:nvPr>
-        </p:nvSpPr>
-        <p:spPr>
-          <a:xfrm>
-            <a:off x="684213" y="6338849"/>
-            <a:ext cx="7929834" cy="194925"/>
-          </a:xfrm>
-          <a:prstGeom prst="rect">
-            <a:avLst/>
-          </a:prstGeom>
-        </p:spPr>
-        <p:txBody>
-          <a:bodyPr anchor="ctr">
-            <a:noAutofit/>
-          </a:bodyPr>
-          <a:lstStyle>
-            <a:lvl1pPr marL="0" marR="0" indent="0" algn="r" defTabSz="457200" rtl="0" eaLnBrk="1" fontAlgn="auto" latinLnBrk="0" hangingPunct="1">
-              <a:lnSpc>
-                <a:spcPts val="800"/>
-              </a:lnSpc>
-              <a:spcBef>
-                <a:spcPts val="0"/>
-              </a:spcBef>
-              <a:spcAft>
-                <a:spcPts val="0"/>
-              </a:spcAft>
-              <a:buClrTx/>
-              <a:buSzTx/>
-              <a:buFont typeface="Arial"/>
-              <a:buNone/>
-              <a:tabLst/>
-              <a:defRPr sz="800" baseline="0">
-                <a:solidFill>
-                  <a:schemeClr val="tx1">
-                    <a:lumMod val="50000"/>
-                    <a:lumOff val="50000"/>
-                  </a:schemeClr>
-                </a:solidFill>
-              </a:defRPr>
-            </a:lvl1pPr>
-          </a:lstStyle>
-          <a:p>
-            <a:pPr lvl="0"/>
-            <a:r>
-              <a:rPr lang="en-GB" dirty="0" smtClean="0"/>
-              <a:t>Insert source/photo credit here</a:t>
-            </a:r>
-          </a:p>
-        </p:txBody>
-      </p:sp>
-      <p:sp>
-        <p:nvSpPr>
-          <p:cNvPr id="16" name="Title 1"/>
-          <p:cNvSpPr>
-            <a:spLocks noGrp="1"/>
-          </p:cNvSpPr>
-          <p:nvPr>
-            <p:ph type="title" hasCustomPrompt="1"/>
-          </p:nvPr>
-        </p:nvSpPr>
-        <p:spPr>
-          <a:xfrm>
-            <a:off x="250824" y="260350"/>
-            <a:ext cx="8642349" cy="886397"/>
-          </a:xfrm>
-          <a:prstGeom prst="rect">
-            <a:avLst/>
-          </a:prstGeom>
-        </p:spPr>
-        <p:txBody>
-          <a:bodyPr wrap="square" lIns="0" tIns="0" rIns="0" bIns="0" anchor="t">
-            <a:spAutoFit/>
-          </a:bodyPr>
-          <a:lstStyle>
-            <a:lvl1pPr algn="l">
-              <a:lnSpc>
-                <a:spcPct val="90000"/>
-              </a:lnSpc>
-              <a:defRPr sz="3200">
-                <a:solidFill>
-                  <a:schemeClr val="bg2"/>
-                </a:solidFill>
-                <a:latin typeface="Arial" pitchFamily="34" charset="0"/>
-                <a:cs typeface="Arial" pitchFamily="34" charset="0"/>
-              </a:defRPr>
-            </a:lvl1pPr>
-          </a:lstStyle>
-          <a:p>
-            <a:r>
-              <a:rPr lang="en-GB" dirty="0" smtClean="0"/>
-              <a:t>Insert slide title</a:t>
-            </a:r>
-            <a:br>
-              <a:rPr lang="en-GB" dirty="0" smtClean="0"/>
-            </a:br>
-            <a:r>
-              <a:rPr lang="en-GB" dirty="0" smtClean="0"/>
-              <a:t>(second line)</a:t>
-            </a:r>
-            <a:endParaRPr lang="en-US" dirty="0"/>
-          </a:p>
-        </p:txBody>
-      </p:sp>
-      <p:sp>
-        <p:nvSpPr>
-          <p:cNvPr id="14" name="Text Placeholder 13"/>
-          <p:cNvSpPr>
-            <a:spLocks noGrp="1"/>
-          </p:cNvSpPr>
-          <p:nvPr>
-            <p:ph type="body" sz="quarter" idx="11" hasCustomPrompt="1"/>
-          </p:nvPr>
-        </p:nvSpPr>
-        <p:spPr>
-          <a:xfrm>
-            <a:off x="250824" y="1268760"/>
-            <a:ext cx="8642349" cy="221599"/>
-          </a:xfrm>
-          <a:prstGeom prst="rect">
-            <a:avLst/>
-          </a:prstGeom>
-        </p:spPr>
-        <p:txBody>
-          <a:bodyPr lIns="0" tIns="0" rIns="0" bIns="0">
-            <a:spAutoFit/>
-          </a:bodyPr>
-          <a:lstStyle>
-            <a:lvl1pPr marL="0" indent="0">
-              <a:lnSpc>
-                <a:spcPct val="90000"/>
-              </a:lnSpc>
-              <a:spcBef>
-                <a:spcPts val="0"/>
-              </a:spcBef>
-              <a:buNone/>
-              <a:defRPr sz="1600"/>
-            </a:lvl1pPr>
-          </a:lstStyle>
-          <a:p>
-            <a:pPr lvl="0"/>
-            <a:r>
-              <a:rPr lang="en-GB" dirty="0" smtClean="0"/>
-              <a:t>Question wording</a:t>
-            </a:r>
-            <a:endParaRPr lang="en-GB" dirty="0"/>
-          </a:p>
-        </p:txBody>
-      </p:sp>
-      <p:grpSp>
-        <p:nvGrpSpPr>
-          <p:cNvPr id="2" name="Group 5"/>
-          <p:cNvGrpSpPr>
-            <a:grpSpLocks noChangeAspect="1"/>
-          </p:cNvGrpSpPr>
-          <p:nvPr/>
-        </p:nvGrpSpPr>
-        <p:grpSpPr bwMode="auto">
-          <a:xfrm>
-            <a:off x="250826" y="6236525"/>
-            <a:ext cx="433388" cy="361125"/>
-            <a:chOff x="-796" y="1752"/>
-            <a:chExt cx="2267" cy="1889"/>
-          </a:xfrm>
-          <a:solidFill>
-            <a:schemeClr val="bg2"/>
-          </a:solidFill>
-        </p:grpSpPr>
-        <p:sp>
-          <p:nvSpPr>
-            <p:cNvPr id="13" name="Freeform 6"/>
-            <p:cNvSpPr>
-              <a:spLocks/>
-            </p:cNvSpPr>
-            <p:nvPr userDrawn="1"/>
-          </p:nvSpPr>
-          <p:spPr bwMode="auto">
-            <a:xfrm>
-              <a:off x="-360" y="1752"/>
-              <a:ext cx="1831" cy="1889"/>
-            </a:xfrm>
-            <a:custGeom>
-              <a:avLst/>
-              <a:gdLst/>
-              <a:ahLst/>
-              <a:cxnLst>
-                <a:cxn ang="0">
-                  <a:pos x="1454" y="0"/>
-                </a:cxn>
-                <a:cxn ang="0">
-                  <a:pos x="1454" y="1511"/>
-                </a:cxn>
-                <a:cxn ang="0">
-                  <a:pos x="0" y="1511"/>
-                </a:cxn>
-                <a:cxn ang="0">
-                  <a:pos x="0" y="1889"/>
-                </a:cxn>
-                <a:cxn ang="0">
-                  <a:pos x="1831" y="1889"/>
-                </a:cxn>
-                <a:cxn ang="0">
-                  <a:pos x="1831" y="0"/>
-                </a:cxn>
-                <a:cxn ang="0">
-                  <a:pos x="1454" y="0"/>
-                </a:cxn>
-              </a:cxnLst>
-              <a:rect l="0" t="0" r="r" b="b"/>
-              <a:pathLst>
-                <a:path w="1831" h="1889">
-                  <a:moveTo>
-                    <a:pt x="1454" y="0"/>
-                  </a:moveTo>
-                  <a:lnTo>
-                    <a:pt x="1454" y="1511"/>
-                  </a:lnTo>
-                  <a:lnTo>
-                    <a:pt x="0" y="1511"/>
-                  </a:lnTo>
-                  <a:lnTo>
-                    <a:pt x="0" y="1889"/>
-                  </a:lnTo>
-                  <a:lnTo>
-                    <a:pt x="1831" y="1889"/>
-                  </a:lnTo>
-                  <a:lnTo>
-                    <a:pt x="1831" y="0"/>
-                  </a:lnTo>
-                  <a:lnTo>
-                    <a:pt x="1454" y="0"/>
-                  </a:lnTo>
-                  <a:close/>
-                </a:path>
-              </a:pathLst>
-            </a:custGeom>
-            <a:grpFill/>
-            <a:ln w="9525">
-              <a:noFill/>
-              <a:round/>
-              <a:headEnd/>
-              <a:tailEnd/>
-            </a:ln>
-          </p:spPr>
-          <p:txBody>
-            <a:bodyPr vert="horz" wrap="square" lIns="91440" tIns="45720" rIns="91440" bIns="45720" numCol="1" anchor="t" anchorCtr="0" compatLnSpc="1">
-              <a:prstTxWarp prst="textNoShape">
-                <a:avLst/>
-              </a:prstTxWarp>
-            </a:bodyPr>
-            <a:lstStyle/>
-            <a:p>
-              <a:endParaRPr lang="en-GB"/>
-            </a:p>
-          </p:txBody>
-        </p:sp>
-        <p:sp>
-          <p:nvSpPr>
-            <p:cNvPr id="17" name="Freeform 7"/>
-            <p:cNvSpPr>
-              <a:spLocks/>
-            </p:cNvSpPr>
-            <p:nvPr userDrawn="1"/>
-          </p:nvSpPr>
-          <p:spPr bwMode="auto">
-            <a:xfrm>
-              <a:off x="-796" y="1752"/>
-              <a:ext cx="1832" cy="1889"/>
-            </a:xfrm>
-            <a:custGeom>
-              <a:avLst/>
-              <a:gdLst/>
-              <a:ahLst/>
-              <a:cxnLst>
-                <a:cxn ang="0">
-                  <a:pos x="1832" y="378"/>
-                </a:cxn>
-                <a:cxn ang="0">
-                  <a:pos x="1832" y="0"/>
-                </a:cxn>
-                <a:cxn ang="0">
-                  <a:pos x="0" y="0"/>
-                </a:cxn>
-                <a:cxn ang="0">
-                  <a:pos x="0" y="1889"/>
-                </a:cxn>
-                <a:cxn ang="0">
-                  <a:pos x="378" y="1889"/>
-                </a:cxn>
-                <a:cxn ang="0">
-                  <a:pos x="378" y="378"/>
-                </a:cxn>
-                <a:cxn ang="0">
-                  <a:pos x="1832" y="378"/>
-                </a:cxn>
-              </a:cxnLst>
-              <a:rect l="0" t="0" r="r" b="b"/>
-              <a:pathLst>
-                <a:path w="1832" h="1889">
-                  <a:moveTo>
-                    <a:pt x="1832" y="378"/>
-                  </a:moveTo>
-                  <a:lnTo>
-                    <a:pt x="1832" y="0"/>
-                  </a:lnTo>
-                  <a:lnTo>
-                    <a:pt x="0" y="0"/>
-                  </a:lnTo>
-                  <a:lnTo>
-                    <a:pt x="0" y="1889"/>
-                  </a:lnTo>
-                  <a:lnTo>
-                    <a:pt x="378" y="1889"/>
-                  </a:lnTo>
-                  <a:lnTo>
-                    <a:pt x="378" y="378"/>
-                  </a:lnTo>
-                  <a:lnTo>
-                    <a:pt x="1832" y="378"/>
-                  </a:lnTo>
-                  <a:close/>
-                </a:path>
-              </a:pathLst>
-            </a:custGeom>
-            <a:grpFill/>
-            <a:ln w="9525">
-              <a:noFill/>
-              <a:round/>
-              <a:headEnd/>
-              <a:tailEnd/>
-            </a:ln>
-          </p:spPr>
-          <p:txBody>
-            <a:bodyPr vert="horz" wrap="square" lIns="91440" tIns="45720" rIns="91440" bIns="45720" numCol="1" anchor="t" anchorCtr="0" compatLnSpc="1">
-              <a:prstTxWarp prst="textNoShape">
-                <a:avLst/>
-              </a:prstTxWarp>
-            </a:bodyPr>
-            <a:lstStyle/>
-            <a:p>
-              <a:endParaRPr lang="en-GB"/>
-            </a:p>
-          </p:txBody>
-        </p:sp>
-        <p:sp>
-          <p:nvSpPr>
-            <p:cNvPr id="21" name="Rectangle 8"/>
-            <p:cNvSpPr>
-              <a:spLocks noChangeArrowheads="1"/>
-            </p:cNvSpPr>
-            <p:nvPr userDrawn="1"/>
-          </p:nvSpPr>
-          <p:spPr bwMode="auto">
-            <a:xfrm>
-              <a:off x="-40" y="2508"/>
-              <a:ext cx="756" cy="377"/>
-            </a:xfrm>
-            <a:prstGeom prst="rect">
-              <a:avLst/>
-            </a:prstGeom>
-            <a:grpFill/>
-            <a:ln w="9525">
-              <a:noFill/>
-              <a:miter lim="800000"/>
-              <a:headEnd/>
-              <a:tailEnd/>
-            </a:ln>
-          </p:spPr>
-          <p:txBody>
-            <a:bodyPr vert="horz" wrap="square" lIns="91440" tIns="45720" rIns="91440" bIns="45720" numCol="1" anchor="t" anchorCtr="0" compatLnSpc="1">
-              <a:prstTxWarp prst="textNoShape">
-                <a:avLst/>
-              </a:prstTxWarp>
-            </a:bodyPr>
-            <a:lstStyle/>
-            <a:p>
-              <a:endParaRPr lang="en-GB"/>
-            </a:p>
-          </p:txBody>
-        </p:sp>
-      </p:grpSp>
-    </p:spTree>
-  </p:cSld>
-  <p:clrMapOvr>
-    <a:masterClrMapping/>
-  </p:clrMapOvr>
-  <p:transition/>
-</p:sldLayout>
-</file>
-
 <file path=ppt/slideLayouts/slideLayout3.xml><?xml version="1.0" encoding="utf-8"?>
 <p:sldLayout xmlns:a="http://schemas.openxmlformats.org/drawingml/2006/main" xmlns:r="http://schemas.openxmlformats.org/officeDocument/2006/relationships" xmlns:p="http://schemas.openxmlformats.org/presentationml/2006/main" preserve="1" userDrawn="1">
   <p:cSld name="Global differences">
@@ -21982,7 +22343,7 @@
         </p:nvSpPr>
         <p:spPr>
           <a:xfrm>
-            <a:off x="250825" y="873125"/>
+            <a:off x="260794" y="836712"/>
             <a:ext cx="8642350" cy="5076825"/>
           </a:xfrm>
           <a:prstGeom prst="rect">
@@ -22899,7 +23260,7 @@
               </a:pPr>
               <a:t>‹#›</a:t>
             </a:fld>
-            <a:endParaRPr lang="en-GB" sz="800">
+            <a:endParaRPr lang="en-GB" sz="800" dirty="0">
               <a:solidFill>
                 <a:srgbClr val="FFFFFF"/>
               </a:solidFill>
@@ -23434,7 +23795,7 @@
         </p:spPr>
         <p:txBody>
           <a:bodyPr lIns="0" tIns="0" rIns="0" bIns="0" anchor="b" anchorCtr="0">
-            <a:noAutofit/>
+            <a:normAutofit/>
           </a:bodyPr>
           <a:lstStyle>
             <a:lvl1pPr algn="ctr">
@@ -23516,7 +23877,7 @@
         </p:spPr>
         <p:txBody>
           <a:bodyPr lIns="0" tIns="0" rIns="0" bIns="0" anchor="b" anchorCtr="0">
-            <a:noAutofit/>
+            <a:normAutofit/>
           </a:bodyPr>
           <a:lstStyle>
             <a:lvl1pPr algn="ctr">
@@ -23598,7 +23959,7 @@
         </p:spPr>
         <p:txBody>
           <a:bodyPr lIns="0" tIns="0" rIns="0" bIns="0" anchor="b" anchorCtr="0">
-            <a:noAutofit/>
+            <a:normAutofit/>
           </a:bodyPr>
           <a:lstStyle>
             <a:lvl1pPr algn="ctr">
@@ -23764,7 +24125,9 @@
           </a:prstGeom>
         </p:spPr>
         <p:txBody>
-          <a:bodyPr/>
+          <a:bodyPr>
+            <a:normAutofit/>
+          </a:bodyPr>
           <a:lstStyle>
             <a:lvl1pPr marL="0" marR="0" indent="0" algn="ctr" defTabSz="914400" rtl="0" eaLnBrk="1" fontAlgn="auto" latinLnBrk="0" hangingPunct="1">
               <a:lnSpc>
@@ -23817,10 +24180,6 @@
             </a:r>
             <a:endParaRPr lang="en-GB" dirty="0"/>
           </a:p>
-          <a:p>
-            <a:pPr lvl="0"/>
-            <a:endParaRPr lang="en-GB" dirty="0"/>
-          </a:p>
         </p:txBody>
       </p:sp>
       <p:sp>
@@ -23843,7 +24202,9 @@
           </a:prstGeom>
         </p:spPr>
         <p:txBody>
-          <a:bodyPr/>
+          <a:bodyPr>
+            <a:normAutofit/>
+          </a:bodyPr>
           <a:lstStyle>
             <a:lvl1pPr marL="0" marR="0" indent="0" algn="ctr" defTabSz="914400" rtl="0" eaLnBrk="1" fontAlgn="auto" latinLnBrk="0" hangingPunct="1">
               <a:lnSpc>
@@ -24505,7 +24866,9 @@
           </a:prstGeom>
         </p:spPr>
         <p:txBody>
-          <a:bodyPr/>
+          <a:bodyPr>
+            <a:normAutofit/>
+          </a:bodyPr>
           <a:lstStyle>
             <a:lvl1pPr>
               <a:buNone/>
@@ -27907,744 +28270,6 @@
       </p:graphicFrame>
       <p:sp>
         <p:nvSpPr>
-          <p:cNvPr id="13" name="Text Placeholder 29"/>
-          <p:cNvSpPr>
-            <a:spLocks noGrp="1"/>
-          </p:cNvSpPr>
-          <p:nvPr>
-            <p:ph type="body" sz="quarter" idx="12" hasCustomPrompt="1"/>
-          </p:nvPr>
-        </p:nvSpPr>
-        <p:spPr>
-          <a:xfrm>
-            <a:off x="334177" y="1556793"/>
-            <a:ext cx="2617644" cy="1771718"/>
-          </a:xfrm>
-          <a:prstGeom prst="rect">
-            <a:avLst/>
-          </a:prstGeom>
-        </p:spPr>
-        <p:txBody>
-          <a:bodyPr lIns="0" tIns="0" rIns="0" bIns="0" anchor="t" anchorCtr="0">
-            <a:noAutofit/>
-          </a:bodyPr>
-          <a:lstStyle>
-            <a:lvl1pPr algn="l">
-              <a:buFontTx/>
-              <a:buNone/>
-              <a:defRPr sz="1600">
-                <a:solidFill>
-                  <a:schemeClr val="bg1"/>
-                </a:solidFill>
-                <a:latin typeface="Arial" pitchFamily="34" charset="0"/>
-                <a:cs typeface="Arial" pitchFamily="34" charset="0"/>
-              </a:defRPr>
-            </a:lvl1pPr>
-            <a:lvl2pPr>
-              <a:defRPr sz="3600">
-                <a:solidFill>
-                  <a:schemeClr val="bg1"/>
-                </a:solidFill>
-                <a:latin typeface="Arial" pitchFamily="34" charset="0"/>
-                <a:cs typeface="Arial" pitchFamily="34" charset="0"/>
-              </a:defRPr>
-            </a:lvl2pPr>
-            <a:lvl3pPr>
-              <a:defRPr sz="3600">
-                <a:solidFill>
-                  <a:schemeClr val="bg1"/>
-                </a:solidFill>
-                <a:latin typeface="Arial" pitchFamily="34" charset="0"/>
-                <a:cs typeface="Arial" pitchFamily="34" charset="0"/>
-              </a:defRPr>
-            </a:lvl3pPr>
-            <a:lvl4pPr>
-              <a:defRPr sz="3600">
-                <a:solidFill>
-                  <a:schemeClr val="bg1"/>
-                </a:solidFill>
-                <a:latin typeface="Arial" pitchFamily="34" charset="0"/>
-                <a:cs typeface="Arial" pitchFamily="34" charset="0"/>
-              </a:defRPr>
-            </a:lvl4pPr>
-            <a:lvl5pPr>
-              <a:defRPr sz="3600">
-                <a:solidFill>
-                  <a:schemeClr val="bg1"/>
-                </a:solidFill>
-                <a:latin typeface="Arial" pitchFamily="34" charset="0"/>
-                <a:cs typeface="Arial" pitchFamily="34" charset="0"/>
-              </a:defRPr>
-            </a:lvl5pPr>
-          </a:lstStyle>
-          <a:p>
-            <a:pPr lvl="0"/>
-            <a:r>
-              <a:rPr lang="en-US" dirty="0"/>
-              <a:t>&lt;Text&gt;</a:t>
-            </a:r>
-            <a:endParaRPr lang="en-GB" dirty="0"/>
-          </a:p>
-        </p:txBody>
-      </p:sp>
-      <p:sp>
-        <p:nvSpPr>
-          <p:cNvPr id="14" name="Text Placeholder 29"/>
-          <p:cNvSpPr>
-            <a:spLocks noGrp="1"/>
-          </p:cNvSpPr>
-          <p:nvPr>
-            <p:ph type="body" sz="quarter" idx="13" hasCustomPrompt="1"/>
-          </p:nvPr>
-        </p:nvSpPr>
-        <p:spPr>
-          <a:xfrm>
-            <a:off x="334177" y="3498088"/>
-            <a:ext cx="2617644" cy="1371071"/>
-          </a:xfrm>
-          <a:prstGeom prst="rect">
-            <a:avLst/>
-          </a:prstGeom>
-        </p:spPr>
-        <p:txBody>
-          <a:bodyPr lIns="0" tIns="0" rIns="0" bIns="0" anchor="t" anchorCtr="0">
-            <a:noAutofit/>
-          </a:bodyPr>
-          <a:lstStyle>
-            <a:lvl1pPr algn="l">
-              <a:buFontTx/>
-              <a:buNone/>
-              <a:defRPr sz="1600">
-                <a:solidFill>
-                  <a:schemeClr val="bg1"/>
-                </a:solidFill>
-                <a:latin typeface="Arial" pitchFamily="34" charset="0"/>
-                <a:cs typeface="Arial" pitchFamily="34" charset="0"/>
-              </a:defRPr>
-            </a:lvl1pPr>
-            <a:lvl2pPr>
-              <a:defRPr sz="3600">
-                <a:solidFill>
-                  <a:schemeClr val="bg1"/>
-                </a:solidFill>
-                <a:latin typeface="Arial" pitchFamily="34" charset="0"/>
-                <a:cs typeface="Arial" pitchFamily="34" charset="0"/>
-              </a:defRPr>
-            </a:lvl2pPr>
-            <a:lvl3pPr>
-              <a:defRPr sz="3600">
-                <a:solidFill>
-                  <a:schemeClr val="bg1"/>
-                </a:solidFill>
-                <a:latin typeface="Arial" pitchFamily="34" charset="0"/>
-                <a:cs typeface="Arial" pitchFamily="34" charset="0"/>
-              </a:defRPr>
-            </a:lvl3pPr>
-            <a:lvl4pPr>
-              <a:defRPr sz="3600">
-                <a:solidFill>
-                  <a:schemeClr val="bg1"/>
-                </a:solidFill>
-                <a:latin typeface="Arial" pitchFamily="34" charset="0"/>
-                <a:cs typeface="Arial" pitchFamily="34" charset="0"/>
-              </a:defRPr>
-            </a:lvl4pPr>
-            <a:lvl5pPr>
-              <a:defRPr sz="3600">
-                <a:solidFill>
-                  <a:schemeClr val="bg1"/>
-                </a:solidFill>
-                <a:latin typeface="Arial" pitchFamily="34" charset="0"/>
-                <a:cs typeface="Arial" pitchFamily="34" charset="0"/>
-              </a:defRPr>
-            </a:lvl5pPr>
-          </a:lstStyle>
-          <a:p>
-            <a:pPr lvl="0"/>
-            <a:r>
-              <a:rPr lang="en-US" dirty="0"/>
-              <a:t>&lt;Text&gt;</a:t>
-            </a:r>
-            <a:endParaRPr lang="en-GB" dirty="0"/>
-          </a:p>
-        </p:txBody>
-      </p:sp>
-      <p:sp>
-        <p:nvSpPr>
-          <p:cNvPr id="15" name="Text Placeholder 29"/>
-          <p:cNvSpPr>
-            <a:spLocks noGrp="1"/>
-          </p:cNvSpPr>
-          <p:nvPr>
-            <p:ph type="body" sz="quarter" idx="14" hasCustomPrompt="1"/>
-          </p:nvPr>
-        </p:nvSpPr>
-        <p:spPr>
-          <a:xfrm>
-            <a:off x="334177" y="5049180"/>
-            <a:ext cx="2617644" cy="828092"/>
-          </a:xfrm>
-          <a:prstGeom prst="rect">
-            <a:avLst/>
-          </a:prstGeom>
-        </p:spPr>
-        <p:txBody>
-          <a:bodyPr lIns="0" tIns="0" rIns="0" bIns="0" anchor="t" anchorCtr="0">
-            <a:noAutofit/>
-          </a:bodyPr>
-          <a:lstStyle>
-            <a:lvl1pPr algn="l">
-              <a:buFontTx/>
-              <a:buNone/>
-              <a:defRPr sz="1600">
-                <a:solidFill>
-                  <a:schemeClr val="bg1"/>
-                </a:solidFill>
-                <a:latin typeface="Arial" pitchFamily="34" charset="0"/>
-                <a:cs typeface="Arial" pitchFamily="34" charset="0"/>
-              </a:defRPr>
-            </a:lvl1pPr>
-            <a:lvl2pPr>
-              <a:defRPr sz="3600">
-                <a:solidFill>
-                  <a:schemeClr val="bg1"/>
-                </a:solidFill>
-                <a:latin typeface="Arial" pitchFamily="34" charset="0"/>
-                <a:cs typeface="Arial" pitchFamily="34" charset="0"/>
-              </a:defRPr>
-            </a:lvl2pPr>
-            <a:lvl3pPr>
-              <a:defRPr sz="3600">
-                <a:solidFill>
-                  <a:schemeClr val="bg1"/>
-                </a:solidFill>
-                <a:latin typeface="Arial" pitchFamily="34" charset="0"/>
-                <a:cs typeface="Arial" pitchFamily="34" charset="0"/>
-              </a:defRPr>
-            </a:lvl3pPr>
-            <a:lvl4pPr>
-              <a:defRPr sz="3600">
-                <a:solidFill>
-                  <a:schemeClr val="bg1"/>
-                </a:solidFill>
-                <a:latin typeface="Arial" pitchFamily="34" charset="0"/>
-                <a:cs typeface="Arial" pitchFamily="34" charset="0"/>
-              </a:defRPr>
-            </a:lvl4pPr>
-            <a:lvl5pPr>
-              <a:defRPr sz="3600">
-                <a:solidFill>
-                  <a:schemeClr val="bg1"/>
-                </a:solidFill>
-                <a:latin typeface="Arial" pitchFamily="34" charset="0"/>
-                <a:cs typeface="Arial" pitchFamily="34" charset="0"/>
-              </a:defRPr>
-            </a:lvl5pPr>
-          </a:lstStyle>
-          <a:p>
-            <a:pPr lvl="0"/>
-            <a:r>
-              <a:rPr lang="en-US" dirty="0"/>
-              <a:t>&lt;Text&gt;</a:t>
-            </a:r>
-            <a:endParaRPr lang="en-GB" dirty="0"/>
-          </a:p>
-        </p:txBody>
-      </p:sp>
-      <p:sp>
-        <p:nvSpPr>
-          <p:cNvPr id="16" name="Text Placeholder 29"/>
-          <p:cNvSpPr>
-            <a:spLocks noGrp="1"/>
-          </p:cNvSpPr>
-          <p:nvPr>
-            <p:ph type="body" sz="quarter" idx="15" hasCustomPrompt="1"/>
-          </p:nvPr>
-        </p:nvSpPr>
-        <p:spPr>
-          <a:xfrm>
-            <a:off x="3263178" y="1538585"/>
-            <a:ext cx="2617644" cy="1789926"/>
-          </a:xfrm>
-          <a:prstGeom prst="rect">
-            <a:avLst/>
-          </a:prstGeom>
-        </p:spPr>
-        <p:txBody>
-          <a:bodyPr lIns="0" tIns="0" rIns="0" bIns="0" anchor="t" anchorCtr="0">
-            <a:noAutofit/>
-          </a:bodyPr>
-          <a:lstStyle>
-            <a:lvl1pPr algn="l">
-              <a:buFontTx/>
-              <a:buNone/>
-              <a:defRPr sz="1600">
-                <a:solidFill>
-                  <a:schemeClr val="tx1"/>
-                </a:solidFill>
-                <a:latin typeface="Arial" pitchFamily="34" charset="0"/>
-                <a:cs typeface="Arial" pitchFamily="34" charset="0"/>
-              </a:defRPr>
-            </a:lvl1pPr>
-            <a:lvl2pPr>
-              <a:defRPr sz="3600">
-                <a:solidFill>
-                  <a:schemeClr val="bg1"/>
-                </a:solidFill>
-                <a:latin typeface="Arial" pitchFamily="34" charset="0"/>
-                <a:cs typeface="Arial" pitchFamily="34" charset="0"/>
-              </a:defRPr>
-            </a:lvl2pPr>
-            <a:lvl3pPr>
-              <a:defRPr sz="3600">
-                <a:solidFill>
-                  <a:schemeClr val="bg1"/>
-                </a:solidFill>
-                <a:latin typeface="Arial" pitchFamily="34" charset="0"/>
-                <a:cs typeface="Arial" pitchFamily="34" charset="0"/>
-              </a:defRPr>
-            </a:lvl3pPr>
-            <a:lvl4pPr>
-              <a:defRPr sz="3600">
-                <a:solidFill>
-                  <a:schemeClr val="bg1"/>
-                </a:solidFill>
-                <a:latin typeface="Arial" pitchFamily="34" charset="0"/>
-                <a:cs typeface="Arial" pitchFamily="34" charset="0"/>
-              </a:defRPr>
-            </a:lvl4pPr>
-            <a:lvl5pPr>
-              <a:defRPr sz="3600">
-                <a:solidFill>
-                  <a:schemeClr val="bg1"/>
-                </a:solidFill>
-                <a:latin typeface="Arial" pitchFamily="34" charset="0"/>
-                <a:cs typeface="Arial" pitchFamily="34" charset="0"/>
-              </a:defRPr>
-            </a:lvl5pPr>
-          </a:lstStyle>
-          <a:p>
-            <a:pPr lvl="0"/>
-            <a:r>
-              <a:rPr lang="en-US" dirty="0"/>
-              <a:t>&lt;Text&gt;</a:t>
-            </a:r>
-            <a:endParaRPr lang="en-GB" dirty="0"/>
-          </a:p>
-        </p:txBody>
-      </p:sp>
-      <p:sp>
-        <p:nvSpPr>
-          <p:cNvPr id="26" name="Text Placeholder 29"/>
-          <p:cNvSpPr>
-            <a:spLocks noGrp="1"/>
-          </p:cNvSpPr>
-          <p:nvPr>
-            <p:ph type="body" sz="quarter" idx="16" hasCustomPrompt="1"/>
-          </p:nvPr>
-        </p:nvSpPr>
-        <p:spPr>
-          <a:xfrm>
-            <a:off x="3263178" y="3498088"/>
-            <a:ext cx="2617644" cy="1371072"/>
-          </a:xfrm>
-          <a:prstGeom prst="rect">
-            <a:avLst/>
-          </a:prstGeom>
-        </p:spPr>
-        <p:txBody>
-          <a:bodyPr lIns="0" tIns="0" rIns="0" bIns="0" anchor="t" anchorCtr="0">
-            <a:noAutofit/>
-          </a:bodyPr>
-          <a:lstStyle>
-            <a:lvl1pPr algn="l">
-              <a:buFontTx/>
-              <a:buNone/>
-              <a:defRPr sz="1600">
-                <a:solidFill>
-                  <a:schemeClr val="tx1"/>
-                </a:solidFill>
-                <a:latin typeface="Arial" pitchFamily="34" charset="0"/>
-                <a:cs typeface="Arial" pitchFamily="34" charset="0"/>
-              </a:defRPr>
-            </a:lvl1pPr>
-            <a:lvl2pPr>
-              <a:defRPr sz="3600">
-                <a:solidFill>
-                  <a:schemeClr val="bg1"/>
-                </a:solidFill>
-                <a:latin typeface="Arial" pitchFamily="34" charset="0"/>
-                <a:cs typeface="Arial" pitchFamily="34" charset="0"/>
-              </a:defRPr>
-            </a:lvl2pPr>
-            <a:lvl3pPr>
-              <a:defRPr sz="3600">
-                <a:solidFill>
-                  <a:schemeClr val="bg1"/>
-                </a:solidFill>
-                <a:latin typeface="Arial" pitchFamily="34" charset="0"/>
-                <a:cs typeface="Arial" pitchFamily="34" charset="0"/>
-              </a:defRPr>
-            </a:lvl3pPr>
-            <a:lvl4pPr>
-              <a:defRPr sz="3600">
-                <a:solidFill>
-                  <a:schemeClr val="bg1"/>
-                </a:solidFill>
-                <a:latin typeface="Arial" pitchFamily="34" charset="0"/>
-                <a:cs typeface="Arial" pitchFamily="34" charset="0"/>
-              </a:defRPr>
-            </a:lvl4pPr>
-            <a:lvl5pPr>
-              <a:defRPr sz="3600">
-                <a:solidFill>
-                  <a:schemeClr val="bg1"/>
-                </a:solidFill>
-                <a:latin typeface="Arial" pitchFamily="34" charset="0"/>
-                <a:cs typeface="Arial" pitchFamily="34" charset="0"/>
-              </a:defRPr>
-            </a:lvl5pPr>
-          </a:lstStyle>
-          <a:p>
-            <a:pPr lvl="0"/>
-            <a:r>
-              <a:rPr lang="en-US" dirty="0"/>
-              <a:t>&lt;Text&gt;</a:t>
-            </a:r>
-            <a:endParaRPr lang="en-GB" dirty="0"/>
-          </a:p>
-        </p:txBody>
-      </p:sp>
-      <p:sp>
-        <p:nvSpPr>
-          <p:cNvPr id="27" name="Text Placeholder 29"/>
-          <p:cNvSpPr>
-            <a:spLocks noGrp="1"/>
-          </p:cNvSpPr>
-          <p:nvPr>
-            <p:ph type="body" sz="quarter" idx="17" hasCustomPrompt="1"/>
-          </p:nvPr>
-        </p:nvSpPr>
-        <p:spPr>
-          <a:xfrm>
-            <a:off x="3263178" y="5049179"/>
-            <a:ext cx="2617644" cy="828093"/>
-          </a:xfrm>
-          <a:prstGeom prst="rect">
-            <a:avLst/>
-          </a:prstGeom>
-        </p:spPr>
-        <p:txBody>
-          <a:bodyPr lIns="0" tIns="0" rIns="0" bIns="0" anchor="t" anchorCtr="0">
-            <a:noAutofit/>
-          </a:bodyPr>
-          <a:lstStyle>
-            <a:lvl1pPr algn="l">
-              <a:buFontTx/>
-              <a:buNone/>
-              <a:defRPr sz="1600">
-                <a:solidFill>
-                  <a:schemeClr val="tx1"/>
-                </a:solidFill>
-                <a:latin typeface="Arial" pitchFamily="34" charset="0"/>
-                <a:cs typeface="Arial" pitchFamily="34" charset="0"/>
-              </a:defRPr>
-            </a:lvl1pPr>
-            <a:lvl2pPr>
-              <a:defRPr sz="3600">
-                <a:solidFill>
-                  <a:schemeClr val="bg1"/>
-                </a:solidFill>
-                <a:latin typeface="Arial" pitchFamily="34" charset="0"/>
-                <a:cs typeface="Arial" pitchFamily="34" charset="0"/>
-              </a:defRPr>
-            </a:lvl2pPr>
-            <a:lvl3pPr>
-              <a:defRPr sz="3600">
-                <a:solidFill>
-                  <a:schemeClr val="bg1"/>
-                </a:solidFill>
-                <a:latin typeface="Arial" pitchFamily="34" charset="0"/>
-                <a:cs typeface="Arial" pitchFamily="34" charset="0"/>
-              </a:defRPr>
-            </a:lvl3pPr>
-            <a:lvl4pPr>
-              <a:defRPr sz="3600">
-                <a:solidFill>
-                  <a:schemeClr val="bg1"/>
-                </a:solidFill>
-                <a:latin typeface="Arial" pitchFamily="34" charset="0"/>
-                <a:cs typeface="Arial" pitchFamily="34" charset="0"/>
-              </a:defRPr>
-            </a:lvl4pPr>
-            <a:lvl5pPr>
-              <a:defRPr sz="3600">
-                <a:solidFill>
-                  <a:schemeClr val="bg1"/>
-                </a:solidFill>
-                <a:latin typeface="Arial" pitchFamily="34" charset="0"/>
-                <a:cs typeface="Arial" pitchFamily="34" charset="0"/>
-              </a:defRPr>
-            </a:lvl5pPr>
-          </a:lstStyle>
-          <a:p>
-            <a:pPr lvl="0"/>
-            <a:r>
-              <a:rPr lang="en-US" dirty="0"/>
-              <a:t>&lt;Text&gt;</a:t>
-            </a:r>
-            <a:endParaRPr lang="en-GB" dirty="0"/>
-          </a:p>
-        </p:txBody>
-      </p:sp>
-      <p:sp>
-        <p:nvSpPr>
-          <p:cNvPr id="28" name="Text Placeholder 29"/>
-          <p:cNvSpPr>
-            <a:spLocks noGrp="1"/>
-          </p:cNvSpPr>
-          <p:nvPr>
-            <p:ph type="body" sz="quarter" idx="18" hasCustomPrompt="1"/>
-          </p:nvPr>
-        </p:nvSpPr>
-        <p:spPr>
-          <a:xfrm>
-            <a:off x="6234806" y="1538584"/>
-            <a:ext cx="2617644" cy="1796284"/>
-          </a:xfrm>
-          <a:prstGeom prst="rect">
-            <a:avLst/>
-          </a:prstGeom>
-        </p:spPr>
-        <p:txBody>
-          <a:bodyPr lIns="0" tIns="0" rIns="0" bIns="0" anchor="t" anchorCtr="0">
-            <a:noAutofit/>
-          </a:bodyPr>
-          <a:lstStyle>
-            <a:lvl1pPr algn="l">
-              <a:buFontTx/>
-              <a:buNone/>
-              <a:defRPr sz="1600">
-                <a:solidFill>
-                  <a:schemeClr val="tx1"/>
-                </a:solidFill>
-                <a:latin typeface="Arial" pitchFamily="34" charset="0"/>
-                <a:cs typeface="Arial" pitchFamily="34" charset="0"/>
-              </a:defRPr>
-            </a:lvl1pPr>
-            <a:lvl2pPr>
-              <a:defRPr sz="3600">
-                <a:solidFill>
-                  <a:schemeClr val="bg1"/>
-                </a:solidFill>
-                <a:latin typeface="Arial" pitchFamily="34" charset="0"/>
-                <a:cs typeface="Arial" pitchFamily="34" charset="0"/>
-              </a:defRPr>
-            </a:lvl2pPr>
-            <a:lvl3pPr>
-              <a:defRPr sz="3600">
-                <a:solidFill>
-                  <a:schemeClr val="bg1"/>
-                </a:solidFill>
-                <a:latin typeface="Arial" pitchFamily="34" charset="0"/>
-                <a:cs typeface="Arial" pitchFamily="34" charset="0"/>
-              </a:defRPr>
-            </a:lvl3pPr>
-            <a:lvl4pPr>
-              <a:defRPr sz="3600">
-                <a:solidFill>
-                  <a:schemeClr val="bg1"/>
-                </a:solidFill>
-                <a:latin typeface="Arial" pitchFamily="34" charset="0"/>
-                <a:cs typeface="Arial" pitchFamily="34" charset="0"/>
-              </a:defRPr>
-            </a:lvl4pPr>
-            <a:lvl5pPr>
-              <a:defRPr sz="3600">
-                <a:solidFill>
-                  <a:schemeClr val="bg1"/>
-                </a:solidFill>
-                <a:latin typeface="Arial" pitchFamily="34" charset="0"/>
-                <a:cs typeface="Arial" pitchFamily="34" charset="0"/>
-              </a:defRPr>
-            </a:lvl5pPr>
-          </a:lstStyle>
-          <a:p>
-            <a:pPr lvl="0"/>
-            <a:r>
-              <a:rPr lang="en-US" dirty="0"/>
-              <a:t>&lt;Text&gt;</a:t>
-            </a:r>
-            <a:endParaRPr lang="en-GB" dirty="0"/>
-          </a:p>
-        </p:txBody>
-      </p:sp>
-      <p:sp>
-        <p:nvSpPr>
-          <p:cNvPr id="29" name="Text Placeholder 29"/>
-          <p:cNvSpPr>
-            <a:spLocks noGrp="1"/>
-          </p:cNvSpPr>
-          <p:nvPr>
-            <p:ph type="body" sz="quarter" idx="19" hasCustomPrompt="1"/>
-          </p:nvPr>
-        </p:nvSpPr>
-        <p:spPr>
-          <a:xfrm>
-            <a:off x="6238832" y="3504445"/>
-            <a:ext cx="2617644" cy="1364715"/>
-          </a:xfrm>
-          <a:prstGeom prst="rect">
-            <a:avLst/>
-          </a:prstGeom>
-        </p:spPr>
-        <p:txBody>
-          <a:bodyPr lIns="0" tIns="0" rIns="0" bIns="0" anchor="t" anchorCtr="0">
-            <a:noAutofit/>
-          </a:bodyPr>
-          <a:lstStyle>
-            <a:lvl1pPr algn="l">
-              <a:buFontTx/>
-              <a:buNone/>
-              <a:defRPr sz="1600">
-                <a:solidFill>
-                  <a:schemeClr val="tx1"/>
-                </a:solidFill>
-                <a:latin typeface="Arial" pitchFamily="34" charset="0"/>
-                <a:cs typeface="Arial" pitchFamily="34" charset="0"/>
-              </a:defRPr>
-            </a:lvl1pPr>
-            <a:lvl2pPr>
-              <a:defRPr sz="3600">
-                <a:solidFill>
-                  <a:schemeClr val="bg1"/>
-                </a:solidFill>
-                <a:latin typeface="Arial" pitchFamily="34" charset="0"/>
-                <a:cs typeface="Arial" pitchFamily="34" charset="0"/>
-              </a:defRPr>
-            </a:lvl2pPr>
-            <a:lvl3pPr>
-              <a:defRPr sz="3600">
-                <a:solidFill>
-                  <a:schemeClr val="bg1"/>
-                </a:solidFill>
-                <a:latin typeface="Arial" pitchFamily="34" charset="0"/>
-                <a:cs typeface="Arial" pitchFamily="34" charset="0"/>
-              </a:defRPr>
-            </a:lvl3pPr>
-            <a:lvl4pPr>
-              <a:defRPr sz="3600">
-                <a:solidFill>
-                  <a:schemeClr val="bg1"/>
-                </a:solidFill>
-                <a:latin typeface="Arial" pitchFamily="34" charset="0"/>
-                <a:cs typeface="Arial" pitchFamily="34" charset="0"/>
-              </a:defRPr>
-            </a:lvl4pPr>
-            <a:lvl5pPr>
-              <a:defRPr sz="3600">
-                <a:solidFill>
-                  <a:schemeClr val="bg1"/>
-                </a:solidFill>
-                <a:latin typeface="Arial" pitchFamily="34" charset="0"/>
-                <a:cs typeface="Arial" pitchFamily="34" charset="0"/>
-              </a:defRPr>
-            </a:lvl5pPr>
-          </a:lstStyle>
-          <a:p>
-            <a:pPr lvl="0"/>
-            <a:r>
-              <a:rPr lang="en-US" dirty="0"/>
-              <a:t>&lt;Text&gt;</a:t>
-            </a:r>
-            <a:endParaRPr lang="en-GB" dirty="0"/>
-          </a:p>
-        </p:txBody>
-      </p:sp>
-      <p:sp>
-        <p:nvSpPr>
-          <p:cNvPr id="30" name="Text Placeholder 29"/>
-          <p:cNvSpPr>
-            <a:spLocks noGrp="1"/>
-          </p:cNvSpPr>
-          <p:nvPr>
-            <p:ph type="body" sz="quarter" idx="20" hasCustomPrompt="1"/>
-          </p:nvPr>
-        </p:nvSpPr>
-        <p:spPr>
-          <a:xfrm>
-            <a:off x="6238832" y="5038910"/>
-            <a:ext cx="2617644" cy="838362"/>
-          </a:xfrm>
-          <a:prstGeom prst="rect">
-            <a:avLst/>
-          </a:prstGeom>
-        </p:spPr>
-        <p:txBody>
-          <a:bodyPr lIns="0" tIns="0" rIns="0" bIns="0" anchor="t" anchorCtr="0">
-            <a:noAutofit/>
-          </a:bodyPr>
-          <a:lstStyle>
-            <a:lvl1pPr algn="l">
-              <a:buFontTx/>
-              <a:buNone/>
-              <a:defRPr sz="1600">
-                <a:solidFill>
-                  <a:schemeClr val="tx1"/>
-                </a:solidFill>
-                <a:latin typeface="Arial" pitchFamily="34" charset="0"/>
-                <a:cs typeface="Arial" pitchFamily="34" charset="0"/>
-              </a:defRPr>
-            </a:lvl1pPr>
-            <a:lvl2pPr>
-              <a:defRPr sz="3600">
-                <a:solidFill>
-                  <a:schemeClr val="bg1"/>
-                </a:solidFill>
-                <a:latin typeface="Arial" pitchFamily="34" charset="0"/>
-                <a:cs typeface="Arial" pitchFamily="34" charset="0"/>
-              </a:defRPr>
-            </a:lvl2pPr>
-            <a:lvl3pPr>
-              <a:defRPr sz="3600">
-                <a:solidFill>
-                  <a:schemeClr val="bg1"/>
-                </a:solidFill>
-                <a:latin typeface="Arial" pitchFamily="34" charset="0"/>
-                <a:cs typeface="Arial" pitchFamily="34" charset="0"/>
-              </a:defRPr>
-            </a:lvl3pPr>
-            <a:lvl4pPr>
-              <a:defRPr sz="3600">
-                <a:solidFill>
-                  <a:schemeClr val="bg1"/>
-                </a:solidFill>
-                <a:latin typeface="Arial" pitchFamily="34" charset="0"/>
-                <a:cs typeface="Arial" pitchFamily="34" charset="0"/>
-              </a:defRPr>
-            </a:lvl4pPr>
-            <a:lvl5pPr>
-              <a:defRPr sz="3600">
-                <a:solidFill>
-                  <a:schemeClr val="bg1"/>
-                </a:solidFill>
-                <a:latin typeface="Arial" pitchFamily="34" charset="0"/>
-                <a:cs typeface="Arial" pitchFamily="34" charset="0"/>
-              </a:defRPr>
-            </a:lvl5pPr>
-          </a:lstStyle>
-          <a:p>
-            <a:pPr lvl="0"/>
-            <a:r>
-              <a:rPr lang="en-US" dirty="0"/>
-              <a:t>&lt;Text&gt;</a:t>
-            </a:r>
-            <a:endParaRPr lang="en-GB" dirty="0"/>
-          </a:p>
-        </p:txBody>
-      </p:sp>
-      <p:sp>
-        <p:nvSpPr>
           <p:cNvPr id="9" name="Text Placeholder 8"/>
           <p:cNvSpPr>
             <a:spLocks noGrp="1"/>
@@ -28655,7 +28280,7 @@
         </p:nvSpPr>
         <p:spPr>
           <a:xfrm>
-            <a:off x="371562" y="945480"/>
+            <a:off x="335558" y="945480"/>
             <a:ext cx="2508250" cy="395288"/>
           </a:xfrm>
           <a:prstGeom prst="rect">
@@ -28663,7 +28288,9 @@
           </a:prstGeom>
         </p:spPr>
         <p:txBody>
-          <a:bodyPr anchor="ctr" anchorCtr="0"/>
+          <a:bodyPr anchor="ctr" anchorCtr="0">
+            <a:normAutofit/>
+          </a:bodyPr>
           <a:lstStyle>
             <a:lvl1pPr marL="0" indent="0">
               <a:buNone/>
@@ -28705,7 +28332,9 @@
           </a:prstGeom>
         </p:spPr>
         <p:txBody>
-          <a:bodyPr anchor="ctr" anchorCtr="0"/>
+          <a:bodyPr anchor="ctr" anchorCtr="0">
+            <a:normAutofit/>
+          </a:bodyPr>
           <a:lstStyle>
             <a:lvl1pPr marL="0" indent="0">
               <a:buNone/>
@@ -28744,7 +28373,9 @@
           </a:prstGeom>
         </p:spPr>
         <p:txBody>
-          <a:bodyPr anchor="ctr" anchorCtr="0"/>
+          <a:bodyPr anchor="ctr" anchorCtr="0">
+            <a:normAutofit/>
+          </a:bodyPr>
           <a:lstStyle>
             <a:lvl1pPr marL="0" indent="0">
               <a:buNone/>
@@ -28759,6 +28390,422 @@
             <a:r>
               <a:rPr lang="en-GB" dirty="0"/>
               <a:t>In 5 years</a:t>
+            </a:r>
+          </a:p>
+        </p:txBody>
+      </p:sp>
+      <p:sp>
+        <p:nvSpPr>
+          <p:cNvPr id="6" name="Text Placeholder 5"/>
+          <p:cNvSpPr>
+            <a:spLocks noGrp="1"/>
+          </p:cNvSpPr>
+          <p:nvPr>
+            <p:ph type="body" sz="quarter" idx="24" hasCustomPrompt="1"/>
+          </p:nvPr>
+        </p:nvSpPr>
+        <p:spPr>
+          <a:xfrm>
+            <a:off x="334963" y="1538288"/>
+            <a:ext cx="2544762" cy="1790700"/>
+          </a:xfrm>
+          <a:prstGeom prst="rect">
+            <a:avLst/>
+          </a:prstGeom>
+        </p:spPr>
+        <p:txBody>
+          <a:bodyPr>
+            <a:normAutofit/>
+          </a:bodyPr>
+          <a:lstStyle>
+            <a:lvl1pPr marL="0" indent="0">
+              <a:buNone/>
+              <a:defRPr sz="1800">
+                <a:solidFill>
+                  <a:schemeClr val="bg1"/>
+                </a:solidFill>
+              </a:defRPr>
+            </a:lvl1pPr>
+          </a:lstStyle>
+          <a:p>
+            <a:pPr lvl="0"/>
+            <a:r>
+              <a:rPr lang="en-GB" dirty="0"/>
+              <a:t>&lt;Text&gt;</a:t>
+            </a:r>
+          </a:p>
+        </p:txBody>
+      </p:sp>
+      <p:sp>
+        <p:nvSpPr>
+          <p:cNvPr id="8" name="Text Placeholder 7"/>
+          <p:cNvSpPr>
+            <a:spLocks noGrp="1"/>
+          </p:cNvSpPr>
+          <p:nvPr>
+            <p:ph type="body" sz="quarter" idx="25" hasCustomPrompt="1"/>
+          </p:nvPr>
+        </p:nvSpPr>
+        <p:spPr>
+          <a:xfrm>
+            <a:off x="334963" y="3500438"/>
+            <a:ext cx="2544762" cy="1333500"/>
+          </a:xfrm>
+          <a:prstGeom prst="rect">
+            <a:avLst/>
+          </a:prstGeom>
+        </p:spPr>
+        <p:txBody>
+          <a:bodyPr>
+            <a:normAutofit/>
+          </a:bodyPr>
+          <a:lstStyle>
+            <a:lvl1pPr marL="0" indent="0">
+              <a:buNone/>
+              <a:defRPr sz="1800" baseline="0">
+                <a:solidFill>
+                  <a:schemeClr val="bg1"/>
+                </a:solidFill>
+              </a:defRPr>
+            </a:lvl1pPr>
+          </a:lstStyle>
+          <a:p>
+            <a:pPr lvl="0"/>
+            <a:r>
+              <a:rPr lang="en-GB" dirty="0"/>
+              <a:t>&lt;Text&gt;</a:t>
+            </a:r>
+          </a:p>
+        </p:txBody>
+      </p:sp>
+      <p:sp>
+        <p:nvSpPr>
+          <p:cNvPr id="21" name="Text Placeholder 20"/>
+          <p:cNvSpPr>
+            <a:spLocks noGrp="1"/>
+          </p:cNvSpPr>
+          <p:nvPr>
+            <p:ph type="body" sz="quarter" idx="26" hasCustomPrompt="1"/>
+          </p:nvPr>
+        </p:nvSpPr>
+        <p:spPr>
+          <a:xfrm>
+            <a:off x="334963" y="5013325"/>
+            <a:ext cx="2544762" cy="863600"/>
+          </a:xfrm>
+          <a:prstGeom prst="rect">
+            <a:avLst/>
+          </a:prstGeom>
+        </p:spPr>
+        <p:txBody>
+          <a:bodyPr>
+            <a:normAutofit/>
+          </a:bodyPr>
+          <a:lstStyle>
+            <a:lvl1pPr marL="0" marR="0" indent="0" algn="l" defTabSz="914400" rtl="0" eaLnBrk="1" fontAlgn="auto" latinLnBrk="0" hangingPunct="1">
+              <a:lnSpc>
+                <a:spcPct val="100000"/>
+              </a:lnSpc>
+              <a:spcBef>
+                <a:spcPct val="20000"/>
+              </a:spcBef>
+              <a:spcAft>
+                <a:spcPts val="0"/>
+              </a:spcAft>
+              <a:buClrTx/>
+              <a:buSzTx/>
+              <a:buFont typeface="Arial" pitchFamily="34" charset="0"/>
+              <a:buNone/>
+              <a:tabLst/>
+              <a:defRPr sz="1800">
+                <a:solidFill>
+                  <a:schemeClr val="bg1"/>
+                </a:solidFill>
+              </a:defRPr>
+            </a:lvl1pPr>
+          </a:lstStyle>
+          <a:p>
+            <a:pPr marL="0" marR="0" lvl="0" indent="0" algn="l" defTabSz="914400" rtl="0" eaLnBrk="1" fontAlgn="auto" latinLnBrk="0" hangingPunct="1">
+              <a:lnSpc>
+                <a:spcPct val="100000"/>
+              </a:lnSpc>
+              <a:spcBef>
+                <a:spcPct val="20000"/>
+              </a:spcBef>
+              <a:spcAft>
+                <a:spcPts val="0"/>
+              </a:spcAft>
+              <a:buClrTx/>
+              <a:buSzTx/>
+              <a:buFont typeface="Arial" pitchFamily="34" charset="0"/>
+              <a:buNone/>
+              <a:tabLst/>
+              <a:defRPr/>
+            </a:pPr>
+            <a:r>
+              <a:rPr lang="en-GB" dirty="0"/>
+              <a:t>&lt;Text&gt;</a:t>
+            </a:r>
+          </a:p>
+          <a:p>
+            <a:pPr lvl="0"/>
+            <a:endParaRPr lang="en-GB" dirty="0"/>
+          </a:p>
+        </p:txBody>
+      </p:sp>
+      <p:sp>
+        <p:nvSpPr>
+          <p:cNvPr id="32" name="Text Placeholder 31"/>
+          <p:cNvSpPr>
+            <a:spLocks noGrp="1"/>
+          </p:cNvSpPr>
+          <p:nvPr>
+            <p:ph type="body" sz="quarter" idx="27" hasCustomPrompt="1"/>
+          </p:nvPr>
+        </p:nvSpPr>
+        <p:spPr>
+          <a:xfrm>
+            <a:off x="3263900" y="1538288"/>
+            <a:ext cx="2616200" cy="1790700"/>
+          </a:xfrm>
+          <a:prstGeom prst="rect">
+            <a:avLst/>
+          </a:prstGeom>
+        </p:spPr>
+        <p:txBody>
+          <a:bodyPr>
+            <a:normAutofit/>
+          </a:bodyPr>
+          <a:lstStyle>
+            <a:lvl1pPr marL="0" marR="0" indent="0" algn="l" defTabSz="914400" rtl="0" eaLnBrk="1" fontAlgn="auto" latinLnBrk="0" hangingPunct="1">
+              <a:lnSpc>
+                <a:spcPct val="100000"/>
+              </a:lnSpc>
+              <a:spcBef>
+                <a:spcPct val="20000"/>
+              </a:spcBef>
+              <a:spcAft>
+                <a:spcPts val="0"/>
+              </a:spcAft>
+              <a:buClrTx/>
+              <a:buSzTx/>
+              <a:buFont typeface="Arial" pitchFamily="34" charset="0"/>
+              <a:buNone/>
+              <a:tabLst/>
+              <a:defRPr sz="1800"/>
+            </a:lvl1pPr>
+          </a:lstStyle>
+          <a:p>
+            <a:pPr marL="0" marR="0" lvl="0" indent="0" algn="l" defTabSz="914400" rtl="0" eaLnBrk="1" fontAlgn="auto" latinLnBrk="0" hangingPunct="1">
+              <a:lnSpc>
+                <a:spcPct val="100000"/>
+              </a:lnSpc>
+              <a:spcBef>
+                <a:spcPct val="20000"/>
+              </a:spcBef>
+              <a:spcAft>
+                <a:spcPts val="0"/>
+              </a:spcAft>
+              <a:buClrTx/>
+              <a:buSzTx/>
+              <a:buFont typeface="Arial" pitchFamily="34" charset="0"/>
+              <a:buNone/>
+              <a:tabLst/>
+              <a:defRPr/>
+            </a:pPr>
+            <a:r>
+              <a:rPr lang="en-GB" dirty="0"/>
+              <a:t>&lt;Text&gt;</a:t>
+            </a:r>
+          </a:p>
+        </p:txBody>
+      </p:sp>
+      <p:sp>
+        <p:nvSpPr>
+          <p:cNvPr id="34" name="Text Placeholder 33"/>
+          <p:cNvSpPr>
+            <a:spLocks noGrp="1"/>
+          </p:cNvSpPr>
+          <p:nvPr>
+            <p:ph type="body" sz="quarter" idx="28" hasCustomPrompt="1"/>
+          </p:nvPr>
+        </p:nvSpPr>
+        <p:spPr>
+          <a:xfrm>
+            <a:off x="3263900" y="3500438"/>
+            <a:ext cx="2616200" cy="1333500"/>
+          </a:xfrm>
+          <a:prstGeom prst="rect">
+            <a:avLst/>
+          </a:prstGeom>
+        </p:spPr>
+        <p:txBody>
+          <a:bodyPr>
+            <a:normAutofit/>
+          </a:bodyPr>
+          <a:lstStyle>
+            <a:lvl1pPr marL="0" indent="0">
+              <a:buNone/>
+              <a:defRPr sz="1800"/>
+            </a:lvl1pPr>
+          </a:lstStyle>
+          <a:p>
+            <a:pPr lvl="0"/>
+            <a:r>
+              <a:rPr lang="en-GB" dirty="0"/>
+              <a:t>&lt;Text&gt;</a:t>
+            </a:r>
+          </a:p>
+        </p:txBody>
+      </p:sp>
+      <p:sp>
+        <p:nvSpPr>
+          <p:cNvPr id="36" name="Text Placeholder 35"/>
+          <p:cNvSpPr>
+            <a:spLocks noGrp="1"/>
+          </p:cNvSpPr>
+          <p:nvPr>
+            <p:ph type="body" sz="quarter" idx="29" hasCustomPrompt="1"/>
+          </p:nvPr>
+        </p:nvSpPr>
+        <p:spPr>
+          <a:xfrm>
+            <a:off x="3263900" y="5013325"/>
+            <a:ext cx="2616200" cy="863600"/>
+          </a:xfrm>
+          <a:prstGeom prst="rect">
+            <a:avLst/>
+          </a:prstGeom>
+        </p:spPr>
+        <p:txBody>
+          <a:bodyPr>
+            <a:normAutofit/>
+          </a:bodyPr>
+          <a:lstStyle>
+            <a:lvl1pPr marL="0" indent="0">
+              <a:buNone/>
+              <a:defRPr sz="1800"/>
+            </a:lvl1pPr>
+          </a:lstStyle>
+          <a:p>
+            <a:pPr lvl="0"/>
+            <a:r>
+              <a:rPr lang="en-GB" dirty="0"/>
+              <a:t>&lt;Text&gt;</a:t>
+            </a:r>
+          </a:p>
+        </p:txBody>
+      </p:sp>
+      <p:sp>
+        <p:nvSpPr>
+          <p:cNvPr id="38" name="Text Placeholder 37"/>
+          <p:cNvSpPr>
+            <a:spLocks noGrp="1"/>
+          </p:cNvSpPr>
+          <p:nvPr>
+            <p:ph type="body" sz="quarter" idx="30" hasCustomPrompt="1"/>
+          </p:nvPr>
+        </p:nvSpPr>
+        <p:spPr>
+          <a:xfrm>
+            <a:off x="6227763" y="1538288"/>
+            <a:ext cx="2551112" cy="1790700"/>
+          </a:xfrm>
+          <a:prstGeom prst="rect">
+            <a:avLst/>
+          </a:prstGeom>
+        </p:spPr>
+        <p:txBody>
+          <a:bodyPr>
+            <a:normAutofit/>
+          </a:bodyPr>
+          <a:lstStyle>
+            <a:lvl1pPr marL="0" indent="0">
+              <a:buNone/>
+              <a:defRPr sz="1800"/>
+            </a:lvl1pPr>
+          </a:lstStyle>
+          <a:p>
+            <a:pPr lvl="0"/>
+            <a:r>
+              <a:rPr lang="en-GB" dirty="0"/>
+              <a:t>&lt;Text&gt;</a:t>
+            </a:r>
+          </a:p>
+        </p:txBody>
+      </p:sp>
+      <p:sp>
+        <p:nvSpPr>
+          <p:cNvPr id="40" name="Text Placeholder 39"/>
+          <p:cNvSpPr>
+            <a:spLocks noGrp="1"/>
+          </p:cNvSpPr>
+          <p:nvPr>
+            <p:ph type="body" sz="quarter" idx="31" hasCustomPrompt="1"/>
+          </p:nvPr>
+        </p:nvSpPr>
+        <p:spPr>
+          <a:xfrm>
+            <a:off x="6227763" y="3500438"/>
+            <a:ext cx="2551112" cy="1333500"/>
+          </a:xfrm>
+          <a:prstGeom prst="rect">
+            <a:avLst/>
+          </a:prstGeom>
+        </p:spPr>
+        <p:txBody>
+          <a:bodyPr>
+            <a:normAutofit/>
+          </a:bodyPr>
+          <a:lstStyle>
+            <a:lvl1pPr marL="0" indent="0">
+              <a:buNone/>
+              <a:defRPr sz="1800" baseline="0"/>
+            </a:lvl1pPr>
+          </a:lstStyle>
+          <a:p>
+            <a:pPr lvl="0"/>
+            <a:r>
+              <a:rPr lang="en-GB" dirty="0"/>
+              <a:t>&lt;Text&gt;</a:t>
+            </a:r>
+          </a:p>
+        </p:txBody>
+      </p:sp>
+      <p:sp>
+        <p:nvSpPr>
+          <p:cNvPr id="42" name="Text Placeholder 41"/>
+          <p:cNvSpPr>
+            <a:spLocks noGrp="1"/>
+          </p:cNvSpPr>
+          <p:nvPr>
+            <p:ph type="body" sz="quarter" idx="32" hasCustomPrompt="1"/>
+          </p:nvPr>
+        </p:nvSpPr>
+        <p:spPr>
+          <a:xfrm>
+            <a:off x="6227763" y="5013325"/>
+            <a:ext cx="2551112" cy="863600"/>
+          </a:xfrm>
+          <a:prstGeom prst="rect">
+            <a:avLst/>
+          </a:prstGeom>
+        </p:spPr>
+        <p:txBody>
+          <a:bodyPr>
+            <a:normAutofit/>
+          </a:bodyPr>
+          <a:lstStyle>
+            <a:lvl1pPr marL="0" indent="0">
+              <a:buNone/>
+              <a:defRPr sz="1800"/>
+            </a:lvl1pPr>
+          </a:lstStyle>
+          <a:p>
+            <a:pPr lvl="0"/>
+            <a:r>
+              <a:rPr lang="en-GB" dirty="0"/>
+              <a:t>&lt;Text&gt;</a:t>
             </a:r>
           </a:p>
         </p:txBody>
@@ -29310,7 +29357,7 @@
         <p:spPr>
           <a:xfrm>
             <a:off x="250825" y="5265738"/>
-            <a:ext cx="8642350" cy="719137"/>
+            <a:ext cx="8642350" cy="1475630"/>
           </a:xfrm>
           <a:prstGeom prst="rect">
             <a:avLst/>
@@ -29318,7 +29365,7 @@
         </p:spPr>
         <p:txBody>
           <a:bodyPr>
-            <a:noAutofit/>
+            <a:normAutofit/>
           </a:bodyPr>
           <a:lstStyle>
             <a:lvl1pPr algn="ctr">
@@ -29342,7 +29389,7 @@
             </a:br>
             <a:r>
               <a:rPr lang="en-GB" dirty="0"/>
-              <a:t>trends@futurefoundation.co</a:t>
+              <a:t>trends@foresightfactory.co</a:t>
             </a:r>
           </a:p>
         </p:txBody>
@@ -29953,7 +30000,9 @@
           </a:prstGeom>
         </p:spPr>
         <p:txBody>
-          <a:bodyPr/>
+          <a:bodyPr>
+            <a:normAutofit/>
+          </a:bodyPr>
           <a:lstStyle>
             <a:lvl1pPr marL="266700" marR="0" indent="-266700" algn="l" defTabSz="457200" rtl="0" eaLnBrk="1" fontAlgn="auto" latinLnBrk="0" hangingPunct="1">
               <a:lnSpc>
@@ -31163,204 +31212,6 @@
             <a:spLocks noGrp="1"/>
           </p:cNvSpPr>
           <p:nvPr>
-            <p:ph type="body" sz="quarter" idx="12"/>
-          </p:nvPr>
-        </p:nvSpPr>
-        <p:spPr/>
-        <p:txBody>
-          <a:bodyPr/>
-          <a:lstStyle/>
-          <a:p>
-            <a:r>
-              <a:rPr lang="en-GB" dirty="0"/>
-              <a:t>Social media platforms and review sites extend the range of products and services that consumers can publicly review. In 2012, 340 million tweets were posted per day. </a:t>
-            </a:r>
-          </a:p>
-        </p:txBody>
-      </p:sp>
-      <p:sp>
-        <p:nvSpPr>
-          <p:cNvPr id="5" name="Text Placeholder 4"/>
-          <p:cNvSpPr>
-            <a:spLocks noGrp="1"/>
-          </p:cNvSpPr>
-          <p:nvPr>
-            <p:ph type="body" sz="quarter" idx="13"/>
-          </p:nvPr>
-        </p:nvSpPr>
-        <p:spPr/>
-        <p:txBody>
-          <a:bodyPr/>
-          <a:lstStyle/>
-          <a:p>
-            <a:r>
-              <a:rPr lang="en-GB" dirty="0"/>
-              <a:t>High smartphone ownership allows customers to quickly write or read reviews on the go. Semi-expert consumer voices have arisen in most sectors, whose opinions are given extra weight.</a:t>
-            </a:r>
-          </a:p>
-        </p:txBody>
-      </p:sp>
-      <p:sp>
-        <p:nvSpPr>
-          <p:cNvPr id="6" name="Text Placeholder 5"/>
-          <p:cNvSpPr>
-            <a:spLocks noGrp="1"/>
-          </p:cNvSpPr>
-          <p:nvPr>
-            <p:ph type="body" sz="quarter" idx="14"/>
-          </p:nvPr>
-        </p:nvSpPr>
-        <p:spPr/>
-        <p:txBody>
-          <a:bodyPr/>
-          <a:lstStyle/>
-          <a:p>
-            <a:r>
-              <a:rPr lang="en-GB" dirty="0"/>
-              <a:t>An increase in attempts to verify identifies of reviewers in order to rate the trustworthiness of their voices. Fewer sites will allow anonymous reviews to be posted.</a:t>
-            </a:r>
-          </a:p>
-        </p:txBody>
-      </p:sp>
-      <p:sp>
-        <p:nvSpPr>
-          <p:cNvPr id="7" name="Text Placeholder 6"/>
-          <p:cNvSpPr>
-            <a:spLocks noGrp="1"/>
-          </p:cNvSpPr>
-          <p:nvPr>
-            <p:ph type="body" sz="quarter" idx="15"/>
-          </p:nvPr>
-        </p:nvSpPr>
-        <p:spPr/>
-        <p:txBody>
-          <a:bodyPr/>
-          <a:lstStyle/>
-          <a:p>
-            <a:r>
-              <a:rPr lang="en-GB" dirty="0"/>
-              <a:t>Brand interaction with online customer complaints is limited, with customer service efforts focused on in-store feedback and complaints.</a:t>
-            </a:r>
-          </a:p>
-        </p:txBody>
-      </p:sp>
-      <p:sp>
-        <p:nvSpPr>
-          <p:cNvPr id="8" name="Text Placeholder 7"/>
-          <p:cNvSpPr>
-            <a:spLocks noGrp="1"/>
-          </p:cNvSpPr>
-          <p:nvPr>
-            <p:ph type="body" sz="quarter" idx="16"/>
-          </p:nvPr>
-        </p:nvSpPr>
-        <p:spPr/>
-        <p:txBody>
-          <a:bodyPr/>
-          <a:lstStyle/>
-          <a:p>
-            <a:r>
-              <a:rPr lang="en-GB" dirty="0"/>
-              <a:t>Brands find new ways of interacting with customers across a range of social media channels, addressing and responding to concerns, complaints and compliments.</a:t>
-            </a:r>
-          </a:p>
-        </p:txBody>
-      </p:sp>
-      <p:sp>
-        <p:nvSpPr>
-          <p:cNvPr id="9" name="Text Placeholder 8"/>
-          <p:cNvSpPr>
-            <a:spLocks noGrp="1"/>
-          </p:cNvSpPr>
-          <p:nvPr>
-            <p:ph type="body" sz="quarter" idx="17"/>
-          </p:nvPr>
-        </p:nvSpPr>
-        <p:spPr/>
-        <p:txBody>
-          <a:bodyPr/>
-          <a:lstStyle/>
-          <a:p>
-            <a:r>
-              <a:rPr lang="en-GB" dirty="0"/>
-              <a:t>Inviting and engaging consumers to react, review and critique in advance of product or service launches becomes more common for brands.</a:t>
-            </a:r>
-          </a:p>
-        </p:txBody>
-      </p:sp>
-      <p:sp>
-        <p:nvSpPr>
-          <p:cNvPr id="10" name="Text Placeholder 9"/>
-          <p:cNvSpPr>
-            <a:spLocks noGrp="1"/>
-          </p:cNvSpPr>
-          <p:nvPr>
-            <p:ph type="body" sz="quarter" idx="18"/>
-          </p:nvPr>
-        </p:nvSpPr>
-        <p:spPr/>
-        <p:txBody>
-          <a:bodyPr/>
-          <a:lstStyle/>
-          <a:p>
-            <a:r>
-              <a:rPr lang="en-GB" dirty="0"/>
-              <a:t>CSR efforts become an increasingly common way for brands to enhance their brand and raise their profile.</a:t>
-            </a:r>
-          </a:p>
-        </p:txBody>
-      </p:sp>
-      <p:sp>
-        <p:nvSpPr>
-          <p:cNvPr id="11" name="Text Placeholder 10"/>
-          <p:cNvSpPr>
-            <a:spLocks noGrp="1"/>
-          </p:cNvSpPr>
-          <p:nvPr>
-            <p:ph type="body" sz="quarter" idx="19"/>
-          </p:nvPr>
-        </p:nvSpPr>
-        <p:spPr/>
-        <p:txBody>
-          <a:bodyPr/>
-          <a:lstStyle/>
-          <a:p>
-            <a:r>
-              <a:rPr lang="en-GB" dirty="0"/>
-              <a:t>The transparency and lobby-building capacity of social media leads to CSR efforts deemed insincere or ineffectual more easily being called into question.</a:t>
-            </a:r>
-          </a:p>
-        </p:txBody>
-      </p:sp>
-      <p:sp>
-        <p:nvSpPr>
-          <p:cNvPr id="12" name="Text Placeholder 11"/>
-          <p:cNvSpPr>
-            <a:spLocks noGrp="1"/>
-          </p:cNvSpPr>
-          <p:nvPr>
-            <p:ph type="body" sz="quarter" idx="20"/>
-          </p:nvPr>
-        </p:nvSpPr>
-        <p:spPr/>
-        <p:txBody>
-          <a:bodyPr/>
-          <a:lstStyle/>
-          <a:p>
-            <a:r>
-              <a:rPr lang="en-GB" dirty="0"/>
-              <a:t>To pre-empt the quick forming of lobbies and factions, brands’ CSR eschew the general and hone in on specifics  -  ensuring the presence of clear goals.</a:t>
-            </a:r>
-          </a:p>
-        </p:txBody>
-      </p:sp>
-      <p:sp>
-        <p:nvSpPr>
-          <p:cNvPr id="13" name="Text Placeholder 12"/>
-          <p:cNvSpPr>
-            <a:spLocks noGrp="1"/>
-          </p:cNvSpPr>
-          <p:nvPr>
             <p:ph type="body" sz="quarter" idx="21"/>
           </p:nvPr>
         </p:nvSpPr>
@@ -31378,7 +31229,7 @@
       </p:sp>
       <p:sp>
         <p:nvSpPr>
-          <p:cNvPr id="14" name="Text Placeholder 13"/>
+          <p:cNvPr id="5" name="Text Placeholder 4"/>
           <p:cNvSpPr>
             <a:spLocks noGrp="1"/>
           </p:cNvSpPr>
@@ -31400,7 +31251,7 @@
       </p:sp>
       <p:sp>
         <p:nvSpPr>
-          <p:cNvPr id="15" name="Text Placeholder 14"/>
+          <p:cNvPr id="6" name="Text Placeholder 5"/>
           <p:cNvSpPr>
             <a:spLocks noGrp="1"/>
           </p:cNvSpPr>
@@ -31420,10 +31271,208 @@
           </a:p>
         </p:txBody>
       </p:sp>
+      <p:sp>
+        <p:nvSpPr>
+          <p:cNvPr id="7" name="Text Placeholder 6"/>
+          <p:cNvSpPr>
+            <a:spLocks noGrp="1"/>
+          </p:cNvSpPr>
+          <p:nvPr>
+            <p:ph type="body" sz="quarter" idx="24"/>
+          </p:nvPr>
+        </p:nvSpPr>
+        <p:spPr/>
+        <p:txBody>
+          <a:bodyPr/>
+          <a:lstStyle/>
+          <a:p>
+            <a:r>
+              <a:rPr lang="en-GB" dirty="0"/>
+              <a:t>Social media platforms and review sites extend the range of products and services that consumers can publicly review. In 2012, 340 million tweets were posted per day. </a:t>
+            </a:r>
+          </a:p>
+        </p:txBody>
+      </p:sp>
+      <p:sp>
+        <p:nvSpPr>
+          <p:cNvPr id="8" name="Text Placeholder 7"/>
+          <p:cNvSpPr>
+            <a:spLocks noGrp="1"/>
+          </p:cNvSpPr>
+          <p:nvPr>
+            <p:ph type="body" sz="quarter" idx="25"/>
+          </p:nvPr>
+        </p:nvSpPr>
+        <p:spPr/>
+        <p:txBody>
+          <a:bodyPr/>
+          <a:lstStyle/>
+          <a:p>
+            <a:r>
+              <a:rPr lang="en-GB" dirty="0"/>
+              <a:t>High smartphone ownership allows customers to quickly write or read reviews on the go. Semi-expert consumer voices have arisen in most sectors, whose opinions are given extra weight.</a:t>
+            </a:r>
+          </a:p>
+        </p:txBody>
+      </p:sp>
+      <p:sp>
+        <p:nvSpPr>
+          <p:cNvPr id="9" name="Text Placeholder 8"/>
+          <p:cNvSpPr>
+            <a:spLocks noGrp="1"/>
+          </p:cNvSpPr>
+          <p:nvPr>
+            <p:ph type="body" sz="quarter" idx="26"/>
+          </p:nvPr>
+        </p:nvSpPr>
+        <p:spPr/>
+        <p:txBody>
+          <a:bodyPr/>
+          <a:lstStyle/>
+          <a:p>
+            <a:r>
+              <a:rPr lang="en-GB" dirty="0"/>
+              <a:t>An increase in attempts to verify identifies of reviewers in order to rate the trustworthiness of their voices. Fewer sites will allow anonymous reviews to be posted.</a:t>
+            </a:r>
+          </a:p>
+        </p:txBody>
+      </p:sp>
+      <p:sp>
+        <p:nvSpPr>
+          <p:cNvPr id="10" name="Text Placeholder 9"/>
+          <p:cNvSpPr>
+            <a:spLocks noGrp="1"/>
+          </p:cNvSpPr>
+          <p:nvPr>
+            <p:ph type="body" sz="quarter" idx="27"/>
+          </p:nvPr>
+        </p:nvSpPr>
+        <p:spPr/>
+        <p:txBody>
+          <a:bodyPr/>
+          <a:lstStyle/>
+          <a:p>
+            <a:r>
+              <a:rPr lang="en-GB" dirty="0"/>
+              <a:t>Brand interaction with online customer complaints is limited, with customer service efforts focused on in-store feedback and complaints.</a:t>
+            </a:r>
+          </a:p>
+        </p:txBody>
+      </p:sp>
+      <p:sp>
+        <p:nvSpPr>
+          <p:cNvPr id="11" name="Text Placeholder 10"/>
+          <p:cNvSpPr>
+            <a:spLocks noGrp="1"/>
+          </p:cNvSpPr>
+          <p:nvPr>
+            <p:ph type="body" sz="quarter" idx="28"/>
+          </p:nvPr>
+        </p:nvSpPr>
+        <p:spPr/>
+        <p:txBody>
+          <a:bodyPr/>
+          <a:lstStyle/>
+          <a:p>
+            <a:r>
+              <a:rPr lang="en-GB" dirty="0"/>
+              <a:t>Brands find new ways of interacting with customers across a range of social media channels, addressing and responding to concerns, complaints and compliments.</a:t>
+            </a:r>
+          </a:p>
+        </p:txBody>
+      </p:sp>
+      <p:sp>
+        <p:nvSpPr>
+          <p:cNvPr id="12" name="Text Placeholder 11"/>
+          <p:cNvSpPr>
+            <a:spLocks noGrp="1"/>
+          </p:cNvSpPr>
+          <p:nvPr>
+            <p:ph type="body" sz="quarter" idx="29"/>
+          </p:nvPr>
+        </p:nvSpPr>
+        <p:spPr/>
+        <p:txBody>
+          <a:bodyPr/>
+          <a:lstStyle/>
+          <a:p>
+            <a:r>
+              <a:rPr lang="en-GB" dirty="0"/>
+              <a:t>Inviting and engaging consumers to react, review and critique in advance of product or service launches becomes more common for brands.</a:t>
+            </a:r>
+          </a:p>
+        </p:txBody>
+      </p:sp>
+      <p:sp>
+        <p:nvSpPr>
+          <p:cNvPr id="13" name="Text Placeholder 12"/>
+          <p:cNvSpPr>
+            <a:spLocks noGrp="1"/>
+          </p:cNvSpPr>
+          <p:nvPr>
+            <p:ph type="body" sz="quarter" idx="30"/>
+          </p:nvPr>
+        </p:nvSpPr>
+        <p:spPr/>
+        <p:txBody>
+          <a:bodyPr/>
+          <a:lstStyle/>
+          <a:p>
+            <a:r>
+              <a:rPr lang="en-GB" dirty="0"/>
+              <a:t>CSR efforts become an increasingly common way for brands to enhance their brand and raise their profile.</a:t>
+            </a:r>
+          </a:p>
+        </p:txBody>
+      </p:sp>
+      <p:sp>
+        <p:nvSpPr>
+          <p:cNvPr id="14" name="Text Placeholder 13"/>
+          <p:cNvSpPr>
+            <a:spLocks noGrp="1"/>
+          </p:cNvSpPr>
+          <p:nvPr>
+            <p:ph type="body" sz="quarter" idx="31"/>
+          </p:nvPr>
+        </p:nvSpPr>
+        <p:spPr/>
+        <p:txBody>
+          <a:bodyPr/>
+          <a:lstStyle/>
+          <a:p>
+            <a:r>
+              <a:rPr lang="en-GB" dirty="0"/>
+              <a:t>The transparency and lobby-building capacity of social media leads to CSR efforts deemed insincere or ineffectual more easily being called into question.</a:t>
+            </a:r>
+          </a:p>
+        </p:txBody>
+      </p:sp>
+      <p:sp>
+        <p:nvSpPr>
+          <p:cNvPr id="15" name="Text Placeholder 14"/>
+          <p:cNvSpPr>
+            <a:spLocks noGrp="1"/>
+          </p:cNvSpPr>
+          <p:nvPr>
+            <p:ph type="body" sz="quarter" idx="32"/>
+          </p:nvPr>
+        </p:nvSpPr>
+        <p:spPr/>
+        <p:txBody>
+          <a:bodyPr/>
+          <a:lstStyle/>
+          <a:p>
+            <a:r>
+              <a:rPr lang="en-GB" dirty="0"/>
+              <a:t>To pre-empt the quick forming of lobbies and factions, brands’ CSR eschew the general and hone in on specifics  -  ensuring the presence of clear goals.</a:t>
+            </a:r>
+          </a:p>
+        </p:txBody>
+      </p:sp>
     </p:spTree>
     <p:extLst>
       <p:ext uri="{BB962C8B-B14F-4D97-AF65-F5344CB8AC3E}">
-        <p14:creationId xmlns:p14="http://schemas.microsoft.com/office/powerpoint/2010/main" val="1787757013"/>
+        <p14:creationId xmlns:p14="http://schemas.microsoft.com/office/powerpoint/2010/main" val="607448638"/>
       </p:ext>
     </p:extLst>
   </p:cSld>

--- a/samples/pptx/test-output.pptx
+++ b/samples/pptx/test-output.pptx
@@ -30422,13 +30422,6 @@
     <p:sldLayoutId id="2147483690" r:id="rId30"/>
     <p:sldLayoutId id="2147483691" r:id="rId31"/>
   </p:sldLayoutIdLst>
-  <p:timing>
-    <p:tnLst>
-      <p:par>
-        <p:cTn id="1" dur="indefinite" restart="never" nodeType="tmRoot"/>
-      </p:par>
-    </p:tnLst>
-  </p:timing>
   <p:txStyles>
     <p:titleStyle>
       <a:lvl1pPr algn="l" defTabSz="457200" rtl="0" eaLnBrk="1" latinLnBrk="0" hangingPunct="1">
@@ -30862,9 +30855,6 @@
           <a:bodyPr/>
           <a:lstStyle/>
           <a:p>
-            <a:pPr>
-              <a:pStyle a:val="Heading2"/>
-            </a:pPr>
             <a:r>
               <a:rPr lang="en-GB" b="1" dirty="0"/>
               <a:t xml:space="preserve">Sub Heading 1</a:t>
@@ -30887,9 +30877,6 @@
             </a:r>
           </a:p>
           <a:p>
-            <a:pPr>
-              <a:pStyle a:val="Heading2"/>
-            </a:pPr>
             <a:r>
               <a:rPr lang="en-GB" b="1" dirty="0"/>
               <a:t xml:space="preserve">Sub Heading 2</a:t>

--- a/samples/pptx/test-output.pptx
+++ b/samples/pptx/test-output.pptx
@@ -34768,6 +34768,301 @@
 </a:theme>
 </file>
 
+<file path=ppt/theme/theme3.xml><?xml version="1.0" encoding="utf-8"?>
+<a:theme xmlns:a="http://schemas.openxmlformats.org/drawingml/2006/main" name="Office Theme">
+  <a:themeElements>
+    <a:clrScheme name="Office">
+      <a:dk1>
+        <a:sysClr val="windowText" lastClr="000000"/>
+      </a:dk1>
+      <a:lt1>
+        <a:sysClr val="window" lastClr="FFFFFF"/>
+      </a:lt1>
+      <a:dk2>
+        <a:srgbClr val="44546A"/>
+      </a:dk2>
+      <a:lt2>
+        <a:srgbClr val="E7E6E6"/>
+      </a:lt2>
+      <a:accent1>
+        <a:srgbClr val="5B9BD5"/>
+      </a:accent1>
+      <a:accent2>
+        <a:srgbClr val="ED7D31"/>
+      </a:accent2>
+      <a:accent3>
+        <a:srgbClr val="A5A5A5"/>
+      </a:accent3>
+      <a:accent4>
+        <a:srgbClr val="FFC000"/>
+      </a:accent4>
+      <a:accent5>
+        <a:srgbClr val="4472C4"/>
+      </a:accent5>
+      <a:accent6>
+        <a:srgbClr val="70AD47"/>
+      </a:accent6>
+      <a:hlink>
+        <a:srgbClr val="0563C1"/>
+      </a:hlink>
+      <a:folHlink>
+        <a:srgbClr val="954F72"/>
+      </a:folHlink>
+    </a:clrScheme>
+    <a:fontScheme name="Office">
+      <a:majorFont>
+        <a:latin typeface="Calibri Light" panose="020F0302020204030204"/>
+        <a:ea typeface=""/>
+        <a:cs typeface=""/>
+        <a:font script="Jpan" typeface="游ゴシック Light"/>
+        <a:font script="Hang" typeface="맑은 고딕"/>
+        <a:font script="Hans" typeface="等线 Light"/>
+        <a:font script="Hant" typeface="新細明體"/>
+        <a:font script="Arab" typeface="Times New Roman"/>
+        <a:font script="Hebr" typeface="Times New Roman"/>
+        <a:font script="Thai" typeface="Angsana New"/>
+        <a:font script="Ethi" typeface="Nyala"/>
+        <a:font script="Beng" typeface="Vrinda"/>
+        <a:font script="Gujr" typeface="Shruti"/>
+        <a:font script="Khmr" typeface="MoolBoran"/>
+        <a:font script="Knda" typeface="Tunga"/>
+        <a:font script="Guru" typeface="Raavi"/>
+        <a:font script="Cans" typeface="Euphemia"/>
+        <a:font script="Cher" typeface="Plantagenet Cherokee"/>
+        <a:font script="Yiii" typeface="Microsoft Yi Baiti"/>
+        <a:font script="Tibt" typeface="Microsoft Himalaya"/>
+        <a:font script="Thaa" typeface="MV Boli"/>
+        <a:font script="Deva" typeface="Mangal"/>
+        <a:font script="Telu" typeface="Gautami"/>
+        <a:font script="Taml" typeface="Latha"/>
+        <a:font script="Syrc" typeface="Estrangelo Edessa"/>
+        <a:font script="Orya" typeface="Kalinga"/>
+        <a:font script="Mlym" typeface="Kartika"/>
+        <a:font script="Laoo" typeface="DokChampa"/>
+        <a:font script="Sinh" typeface="Iskoola Pota"/>
+        <a:font script="Mong" typeface="Mongolian Baiti"/>
+        <a:font script="Viet" typeface="Times New Roman"/>
+        <a:font script="Uigh" typeface="Microsoft Uighur"/>
+        <a:font script="Geor" typeface="Sylfaen"/>
+        <a:font script="Armn" typeface="Arial"/>
+        <a:font script="Bugi" typeface="Leelawadee UI"/>
+        <a:font script="Bopo" typeface="Microsoft JhengHei"/>
+        <a:font script="Java" typeface="Javanese Text"/>
+        <a:font script="Lisu" typeface="Segoe UI"/>
+        <a:font script="Mymr" typeface="Myanmar Text"/>
+        <a:font script="Nkoo" typeface="Ebrima"/>
+        <a:font script="Olck" typeface="Nirmala UI"/>
+        <a:font script="Osma" typeface="Ebrima"/>
+        <a:font script="Phag" typeface="Phagspa"/>
+        <a:font script="Syrn" typeface="Estrangelo Edessa"/>
+        <a:font script="Syrj" typeface="Estrangelo Edessa"/>
+        <a:font script="Syre" typeface="Estrangelo Edessa"/>
+        <a:font script="Sora" typeface="Nirmala UI"/>
+        <a:font script="Tale" typeface="Microsoft Tai Le"/>
+        <a:font script="Talu" typeface="Microsoft New Tai Lue"/>
+        <a:font script="Tfng" typeface="Ebrima"/>
+      </a:majorFont>
+      <a:minorFont>
+        <a:latin typeface="Calibri" panose="020F0502020204030204"/>
+        <a:ea typeface=""/>
+        <a:cs typeface=""/>
+        <a:font script="Jpan" typeface="游ゴシック"/>
+        <a:font script="Hang" typeface="맑은 고딕"/>
+        <a:font script="Hans" typeface="等线"/>
+        <a:font script="Hant" typeface="新細明體"/>
+        <a:font script="Arab" typeface="Arial"/>
+        <a:font script="Hebr" typeface="Arial"/>
+        <a:font script="Thai" typeface="Cordia New"/>
+        <a:font script="Ethi" typeface="Nyala"/>
+        <a:font script="Beng" typeface="Vrinda"/>
+        <a:font script="Gujr" typeface="Shruti"/>
+        <a:font script="Khmr" typeface="DaunPenh"/>
+        <a:font script="Knda" typeface="Tunga"/>
+        <a:font script="Guru" typeface="Raavi"/>
+        <a:font script="Cans" typeface="Euphemia"/>
+        <a:font script="Cher" typeface="Plantagenet Cherokee"/>
+        <a:font script="Yiii" typeface="Microsoft Yi Baiti"/>
+        <a:font script="Tibt" typeface="Microsoft Himalaya"/>
+        <a:font script="Thaa" typeface="MV Boli"/>
+        <a:font script="Deva" typeface="Mangal"/>
+        <a:font script="Telu" typeface="Gautami"/>
+        <a:font script="Taml" typeface="Latha"/>
+        <a:font script="Syrc" typeface="Estrangelo Edessa"/>
+        <a:font script="Orya" typeface="Kalinga"/>
+        <a:font script="Mlym" typeface="Kartika"/>
+        <a:font script="Laoo" typeface="DokChampa"/>
+        <a:font script="Sinh" typeface="Iskoola Pota"/>
+        <a:font script="Mong" typeface="Mongolian Baiti"/>
+        <a:font script="Viet" typeface="Arial"/>
+        <a:font script="Uigh" typeface="Microsoft Uighur"/>
+        <a:font script="Geor" typeface="Sylfaen"/>
+        <a:font script="Armn" typeface="Arial"/>
+        <a:font script="Bugi" typeface="Leelawadee UI"/>
+        <a:font script="Bopo" typeface="Microsoft JhengHei"/>
+        <a:font script="Java" typeface="Javanese Text"/>
+        <a:font script="Lisu" typeface="Segoe UI"/>
+        <a:font script="Mymr" typeface="Myanmar Text"/>
+        <a:font script="Nkoo" typeface="Ebrima"/>
+        <a:font script="Olck" typeface="Nirmala UI"/>
+        <a:font script="Osma" typeface="Ebrima"/>
+        <a:font script="Phag" typeface="Phagspa"/>
+        <a:font script="Syrn" typeface="Estrangelo Edessa"/>
+        <a:font script="Syrj" typeface="Estrangelo Edessa"/>
+        <a:font script="Syre" typeface="Estrangelo Edessa"/>
+        <a:font script="Sora" typeface="Nirmala UI"/>
+        <a:font script="Tale" typeface="Microsoft Tai Le"/>
+        <a:font script="Talu" typeface="Microsoft New Tai Lue"/>
+        <a:font script="Tfng" typeface="Ebrima"/>
+      </a:minorFont>
+    </a:fontScheme>
+    <a:fmtScheme name="Office">
+      <a:fillStyleLst>
+        <a:solidFill>
+          <a:schemeClr val="phClr"/>
+        </a:solidFill>
+        <a:gradFill rotWithShape="1">
+          <a:gsLst>
+            <a:gs pos="0">
+              <a:schemeClr val="phClr">
+                <a:lumMod val="110000"/>
+                <a:satMod val="105000"/>
+                <a:tint val="67000"/>
+              </a:schemeClr>
+            </a:gs>
+            <a:gs pos="50000">
+              <a:schemeClr val="phClr">
+                <a:lumMod val="105000"/>
+                <a:satMod val="103000"/>
+                <a:tint val="73000"/>
+              </a:schemeClr>
+            </a:gs>
+            <a:gs pos="100000">
+              <a:schemeClr val="phClr">
+                <a:lumMod val="105000"/>
+                <a:satMod val="109000"/>
+                <a:tint val="81000"/>
+              </a:schemeClr>
+            </a:gs>
+          </a:gsLst>
+          <a:lin ang="5400000" scaled="0"/>
+        </a:gradFill>
+        <a:gradFill rotWithShape="1">
+          <a:gsLst>
+            <a:gs pos="0">
+              <a:schemeClr val="phClr">
+                <a:satMod val="103000"/>
+                <a:lumMod val="102000"/>
+                <a:tint val="94000"/>
+              </a:schemeClr>
+            </a:gs>
+            <a:gs pos="50000">
+              <a:schemeClr val="phClr">
+                <a:satMod val="110000"/>
+                <a:lumMod val="100000"/>
+                <a:shade val="100000"/>
+              </a:schemeClr>
+            </a:gs>
+            <a:gs pos="100000">
+              <a:schemeClr val="phClr">
+                <a:lumMod val="99000"/>
+                <a:satMod val="120000"/>
+                <a:shade val="78000"/>
+              </a:schemeClr>
+            </a:gs>
+          </a:gsLst>
+          <a:lin ang="5400000" scaled="0"/>
+        </a:gradFill>
+      </a:fillStyleLst>
+      <a:lnStyleLst>
+        <a:ln w="6350" cap="flat" cmpd="sng" algn="ctr">
+          <a:solidFill>
+            <a:schemeClr val="phClr"/>
+          </a:solidFill>
+          <a:prstDash val="solid"/>
+          <a:miter lim="800000"/>
+        </a:ln>
+        <a:ln w="12700" cap="flat" cmpd="sng" algn="ctr">
+          <a:solidFill>
+            <a:schemeClr val="phClr"/>
+          </a:solidFill>
+          <a:prstDash val="solid"/>
+          <a:miter lim="800000"/>
+        </a:ln>
+        <a:ln w="19050" cap="flat" cmpd="sng" algn="ctr">
+          <a:solidFill>
+            <a:schemeClr val="phClr"/>
+          </a:solidFill>
+          <a:prstDash val="solid"/>
+          <a:miter lim="800000"/>
+        </a:ln>
+      </a:lnStyleLst>
+      <a:effectStyleLst>
+        <a:effectStyle>
+          <a:effectLst/>
+        </a:effectStyle>
+        <a:effectStyle>
+          <a:effectLst/>
+        </a:effectStyle>
+        <a:effectStyle>
+          <a:effectLst>
+            <a:outerShdw blurRad="57150" dist="19050" dir="5400000" algn="ctr" rotWithShape="0">
+              <a:srgbClr val="000000">
+                <a:alpha val="63000"/>
+              </a:srgbClr>
+            </a:outerShdw>
+          </a:effectLst>
+        </a:effectStyle>
+      </a:effectStyleLst>
+      <a:bgFillStyleLst>
+        <a:solidFill>
+          <a:schemeClr val="phClr"/>
+        </a:solidFill>
+        <a:solidFill>
+          <a:schemeClr val="phClr">
+            <a:tint val="95000"/>
+            <a:satMod val="170000"/>
+          </a:schemeClr>
+        </a:solidFill>
+        <a:gradFill rotWithShape="1">
+          <a:gsLst>
+            <a:gs pos="0">
+              <a:schemeClr val="phClr">
+                <a:tint val="93000"/>
+                <a:satMod val="150000"/>
+                <a:shade val="98000"/>
+                <a:lumMod val="102000"/>
+              </a:schemeClr>
+            </a:gs>
+            <a:gs pos="50000">
+              <a:schemeClr val="phClr">
+                <a:tint val="98000"/>
+                <a:satMod val="130000"/>
+                <a:shade val="90000"/>
+                <a:lumMod val="103000"/>
+              </a:schemeClr>
+            </a:gs>
+            <a:gs pos="100000">
+              <a:schemeClr val="phClr">
+                <a:shade val="63000"/>
+                <a:satMod val="120000"/>
+              </a:schemeClr>
+            </a:gs>
+          </a:gsLst>
+          <a:lin ang="5400000" scaled="0"/>
+        </a:gradFill>
+      </a:bgFillStyleLst>
+    </a:fmtScheme>
+  </a:themeElements>
+  <a:objectDefaults/>
+  <a:extraClrSchemeLst/>
+  <a:extLst>
+    <a:ext uri="{05A4C25C-085E-4340-85A3-A5531E510DB2}">
+      <thm15:themeFamily xmlns:thm15="http://schemas.microsoft.com/office/thememl/2012/main" name="Office Theme" id="{62F939B6-93AF-4DB8-9C6B-D6C7DFDC589F}" vid="{4A3C46E8-61CC-4603-A589-7422A47A8E4A}"/>
+    </a:ext>
+  </a:extLst>
+</a:theme>
+</file>
+
 <file path=customXml/item1.xml><?xml version="1.0" encoding="utf-8"?>
 <ct:contentTypeSchema xmlns:ct="http://schemas.microsoft.com/office/2006/metadata/contentType" xmlns:ma="http://schemas.microsoft.com/office/2006/metadata/properties/metaAttributes" ct:_="" ma:_="" ma:contentTypeName="Document" ma:contentTypeID="0x01010031D6908C9706DC43861724EF3F858898" ma:contentTypeVersion="0" ma:contentTypeDescription="Create a new document." ma:contentTypeScope="" ma:versionID="39b2408c7959e603139a5c954a71cf55">
   <xsd:schema xmlns:xsd="http://www.w3.org/2001/XMLSchema" xmlns:p="http://schemas.microsoft.com/office/2006/metadata/properties" targetNamespace="http://schemas.microsoft.com/office/2006/metadata/properties" ma:root="true" ma:fieldsID="2d9ac0e344db50f433fcb122b5d6bd0c">

--- a/samples/pptx/test-output.pptx
+++ b/samples/pptx/test-output.pptx
@@ -16,8 +16,6 @@
     <p:sldId id="260" r:id="rId10"/>
     <p:sldId id="261" r:id="rId11"/>
     <p:sldId id="262" r:id="rId12"/>
-    <p:sldId id="263" r:id="rId13"/>
-    <p:sldId id="264" r:id="rId14"/>
   </p:sldIdLst>
   <p:sldSz cx="9144000" cy="6858000" type="screen4x3"/>
   <p:notesSz cx="6858000" cy="9144000"/>
@@ -163,2994 +161,6 @@
     </p:ext>
   </p:extLst>
 </p:presentation>
-</file>
-
-<file path=ppt/charts/slide_6/chart1.xml><?xml version="1.0" encoding="utf-8"?>
-<c:chartSpace xmlns:c="http://schemas.openxmlformats.org/drawingml/2006/chart" xmlns:a="http://schemas.openxmlformats.org/drawingml/2006/main" xmlns:r="http://schemas.openxmlformats.org/officeDocument/2006/relationships">
-  <c:date1904 val="1"/>
-  <c:lang val="en-GB"/>
-  <c:chart>
-    <c:autoTitleDeleted val="1"/>
-    <c:plotArea>
-      <c:layout>
-        <c:manualLayout>
-          <c:layoutTarget val="inner"/>
-          <c:xMode val="edge"/>
-          <c:yMode val="edge"/>
-          <c:x val="7.2520090021811909E-2"/>
-          <c:y val="2.5190961026375816E-2"/>
-          <c:w val="0.68087441494501266"/>
-          <c:h val="0.50778237729989562"/>
-        </c:manualLayout>
-      </c:layout>
-      <c:barChart>
-        <c:barDir val="col"/>
-        <c:grouping val="stacked"/>
-        <c:ser>
-          <c:idx val="0"/>
-          <c:order val="0"/>
-          <c:tx>
-            <c:strRef>
-              <c:f>Chart!$A$6</c:f>
-              <c:strCache>
-                <c:ptCount val="1"/>
-                <c:pt idx="0">
-                  <c:v>Via Smartphone only</c:v>
-                </c:pt>
-              </c:strCache>
-            </c:strRef>
-          </c:tx>
-          <c:spPr>
-            <a:solidFill>
-              <a:schemeClr val="tx2">
-                <a:lumMod val="50000"/>
-              </a:schemeClr>
-            </a:solidFill>
-          </c:spPr>
-          <c:cat>
-            <c:strRef>
-              <c:f>Chart!$B$5:$T$5</c:f>
-              <c:strCache>
-                <c:ptCount val="19"/>
-                <c:pt idx="0">
-                  <c:v>Total</c:v>
-                </c:pt>
-                <c:pt idx="2">
-                  <c:v>Male</c:v>
-                </c:pt>
-                <c:pt idx="3">
-                  <c:v>Female</c:v>
-                </c:pt>
-                <c:pt idx="5">
-                  <c:v>16-24</c:v>
-                </c:pt>
-                <c:pt idx="6">
-                  <c:v>25-34</c:v>
-                </c:pt>
-                <c:pt idx="7">
-                  <c:v>35-44</c:v>
-                </c:pt>
-                <c:pt idx="8">
-                  <c:v>45-54</c:v>
-                </c:pt>
-                <c:pt idx="9">
-                  <c:v>55-64</c:v>
-                </c:pt>
-                <c:pt idx="10">
-                  <c:v>65+</c:v>
-                </c:pt>
-                <c:pt idx="12">
-                  <c:v>Generation Y</c:v>
-                </c:pt>
-                <c:pt idx="13">
-                  <c:v>Generation X</c:v>
-                </c:pt>
-                <c:pt idx="14">
-                  <c:v>Baby-boomers</c:v>
-                </c:pt>
-                <c:pt idx="16">
-                  <c:v>&lt; €1.4k HH income</c:v>
-                </c:pt>
-                <c:pt idx="17">
-                  <c:v>€1.4k - 2.7k HH income</c:v>
-                </c:pt>
-                <c:pt idx="18">
-                  <c:v>€2.7k+ HH income</c:v>
-                </c:pt>
-              </c:strCache>
-            </c:strRef>
-          </c:cat>
-          <c:val>
-            <c:numRef>
-              <c:f>Chart!$B$6:$T$6</c:f>
-              <c:numCache>
-                <c:formatCode>General</c:formatCode>
-                <c:ptCount val="19"/>
-                <c:pt idx="0" formatCode="0.00%">
-                  <c:v>0.23532629999999999</c:v>
-                </c:pt>
-                <c:pt idx="2" formatCode="0.00%">
-                  <c:v>0.26116210000000001</c:v>
-                </c:pt>
-                <c:pt idx="3" formatCode="0.00%">
-                  <c:v>0.21197469999999999</c:v>
-                </c:pt>
-                <c:pt idx="5" formatCode="0.00%">
-                  <c:v>0.50561100000000003</c:v>
-                </c:pt>
-                <c:pt idx="6" formatCode="0.00%">
-                  <c:v>0.32340210000000036</c:v>
-                </c:pt>
-                <c:pt idx="7" formatCode="0.00%">
-                  <c:v>0.23089280000000001</c:v>
-                </c:pt>
-                <c:pt idx="8" formatCode="0.00%">
-                  <c:v>0.20945640000000007</c:v>
-                </c:pt>
-                <c:pt idx="9" formatCode="0.00%">
-                  <c:v>0.10911419999999999</c:v>
-                </c:pt>
-                <c:pt idx="10" formatCode="0.00%">
-                  <c:v>0.1113132</c:v>
-                </c:pt>
-                <c:pt idx="12" formatCode="0.00%">
-                  <c:v>0.42851750000000016</c:v>
-                </c:pt>
-                <c:pt idx="13" formatCode="0.00%">
-                  <c:v>0.22038849999999999</c:v>
-                </c:pt>
-                <c:pt idx="14" formatCode="0.00%">
-                  <c:v>0.12078150000000004</c:v>
-                </c:pt>
-                <c:pt idx="16" formatCode="0.00%">
-                  <c:v>0.29989020000000016</c:v>
-                </c:pt>
-                <c:pt idx="17" formatCode="0.00%">
-                  <c:v>0.22277939999999999</c:v>
-                </c:pt>
-                <c:pt idx="18" formatCode="0.00%">
-                  <c:v>0.16365749999999998</c:v>
-                </c:pt>
-              </c:numCache>
-            </c:numRef>
-          </c:val>
-        </c:ser>
-        <c:ser>
-          <c:idx val="2"/>
-          <c:order val="1"/>
-          <c:tx>
-            <c:strRef>
-              <c:f>Chart!$A$7</c:f>
-              <c:strCache>
-                <c:ptCount val="1"/>
-                <c:pt idx="0">
-                  <c:v>Via Smartphone and Tablet</c:v>
-                </c:pt>
-              </c:strCache>
-            </c:strRef>
-          </c:tx>
-          <c:spPr>
-            <a:solidFill>
-              <a:schemeClr val="tx2"/>
-            </a:solidFill>
-          </c:spPr>
-          <c:cat>
-            <c:strRef>
-              <c:f>Chart!$B$5:$T$5</c:f>
-              <c:strCache>
-                <c:ptCount val="19"/>
-                <c:pt idx="0">
-                  <c:v>Total</c:v>
-                </c:pt>
-                <c:pt idx="2">
-                  <c:v>Male</c:v>
-                </c:pt>
-                <c:pt idx="3">
-                  <c:v>Female</c:v>
-                </c:pt>
-                <c:pt idx="5">
-                  <c:v>16-24</c:v>
-                </c:pt>
-                <c:pt idx="6">
-                  <c:v>25-34</c:v>
-                </c:pt>
-                <c:pt idx="7">
-                  <c:v>35-44</c:v>
-                </c:pt>
-                <c:pt idx="8">
-                  <c:v>45-54</c:v>
-                </c:pt>
-                <c:pt idx="9">
-                  <c:v>55-64</c:v>
-                </c:pt>
-                <c:pt idx="10">
-                  <c:v>65+</c:v>
-                </c:pt>
-                <c:pt idx="12">
-                  <c:v>Generation Y</c:v>
-                </c:pt>
-                <c:pt idx="13">
-                  <c:v>Generation X</c:v>
-                </c:pt>
-                <c:pt idx="14">
-                  <c:v>Baby-boomers</c:v>
-                </c:pt>
-                <c:pt idx="16">
-                  <c:v>&lt; €1.4k HH income</c:v>
-                </c:pt>
-                <c:pt idx="17">
-                  <c:v>€1.4k - 2.7k HH income</c:v>
-                </c:pt>
-                <c:pt idx="18">
-                  <c:v>€2.7k+ HH income</c:v>
-                </c:pt>
-              </c:strCache>
-            </c:strRef>
-          </c:cat>
-          <c:val>
-            <c:numRef>
-              <c:f>Chart!$B$7:$T$7</c:f>
-              <c:numCache>
-                <c:formatCode>General</c:formatCode>
-                <c:ptCount val="19"/>
-                <c:pt idx="0" formatCode="0.00%">
-                  <c:v>0.17842459999999999</c:v>
-                </c:pt>
-                <c:pt idx="2" formatCode="0.00%">
-                  <c:v>0.1956389</c:v>
-                </c:pt>
-                <c:pt idx="3" formatCode="0.00%">
-                  <c:v>0.1628656</c:v>
-                </c:pt>
-                <c:pt idx="5" formatCode="0.00%">
-                  <c:v>0.21961140000000012</c:v>
-                </c:pt>
-                <c:pt idx="6" formatCode="0.00%">
-                  <c:v>0.28261980000000014</c:v>
-                </c:pt>
-                <c:pt idx="7" formatCode="0.00%">
-                  <c:v>0.21845480000000009</c:v>
-                </c:pt>
-                <c:pt idx="8" formatCode="0.00%">
-                  <c:v>0.16609530000000008</c:v>
-                </c:pt>
-                <c:pt idx="9" formatCode="0.00%">
-                  <c:v>0.14828920000000012</c:v>
-                </c:pt>
-                <c:pt idx="10" formatCode="0.00%">
-                  <c:v>7.8698000000000004E-2</c:v>
-                </c:pt>
-                <c:pt idx="12" formatCode="0.00%">
-                  <c:v>0.24686669999999999</c:v>
-                </c:pt>
-                <c:pt idx="13" formatCode="0.00%">
-                  <c:v>0.19897989999999999</c:v>
-                </c:pt>
-                <c:pt idx="14" formatCode="0.00%">
-                  <c:v>0.11490649999999998</c:v>
-                </c:pt>
-                <c:pt idx="16" formatCode="0.00%">
-                  <c:v>0.15063830000000009</c:v>
-                </c:pt>
-                <c:pt idx="17" formatCode="0.00%">
-                  <c:v>0.18082529999999999</c:v>
-                </c:pt>
-                <c:pt idx="18" formatCode="0.00%">
-                  <c:v>0.22965149999999998</c:v>
-                </c:pt>
-              </c:numCache>
-            </c:numRef>
-          </c:val>
-        </c:ser>
-        <c:ser>
-          <c:idx val="4"/>
-          <c:order val="2"/>
-          <c:tx>
-            <c:strRef>
-              <c:f>Chart!$A$8</c:f>
-              <c:strCache>
-                <c:ptCount val="1"/>
-                <c:pt idx="0">
-                  <c:v>Via Tablet only</c:v>
-                </c:pt>
-              </c:strCache>
-            </c:strRef>
-          </c:tx>
-          <c:spPr>
-            <a:solidFill>
-              <a:schemeClr val="bg2">
-                <a:lumMod val="60000"/>
-                <a:lumOff val="40000"/>
-              </a:schemeClr>
-            </a:solidFill>
-          </c:spPr>
-          <c:cat>
-            <c:strRef>
-              <c:f>Chart!$B$5:$T$5</c:f>
-              <c:strCache>
-                <c:ptCount val="19"/>
-                <c:pt idx="0">
-                  <c:v>Total</c:v>
-                </c:pt>
-                <c:pt idx="2">
-                  <c:v>Male</c:v>
-                </c:pt>
-                <c:pt idx="3">
-                  <c:v>Female</c:v>
-                </c:pt>
-                <c:pt idx="5">
-                  <c:v>16-24</c:v>
-                </c:pt>
-                <c:pt idx="6">
-                  <c:v>25-34</c:v>
-                </c:pt>
-                <c:pt idx="7">
-                  <c:v>35-44</c:v>
-                </c:pt>
-                <c:pt idx="8">
-                  <c:v>45-54</c:v>
-                </c:pt>
-                <c:pt idx="9">
-                  <c:v>55-64</c:v>
-                </c:pt>
-                <c:pt idx="10">
-                  <c:v>65+</c:v>
-                </c:pt>
-                <c:pt idx="12">
-                  <c:v>Generation Y</c:v>
-                </c:pt>
-                <c:pt idx="13">
-                  <c:v>Generation X</c:v>
-                </c:pt>
-                <c:pt idx="14">
-                  <c:v>Baby-boomers</c:v>
-                </c:pt>
-                <c:pt idx="16">
-                  <c:v>&lt; €1.4k HH income</c:v>
-                </c:pt>
-                <c:pt idx="17">
-                  <c:v>€1.4k - 2.7k HH income</c:v>
-                </c:pt>
-                <c:pt idx="18">
-                  <c:v>€2.7k+ HH income</c:v>
-                </c:pt>
-              </c:strCache>
-            </c:strRef>
-          </c:cat>
-          <c:val>
-            <c:numRef>
-              <c:f>Chart!$B$8:$T$8</c:f>
-              <c:numCache>
-                <c:formatCode>General</c:formatCode>
-                <c:ptCount val="19"/>
-                <c:pt idx="0" formatCode="0.00%">
-                  <c:v>5.4572400000000028E-2</c:v>
-                </c:pt>
-                <c:pt idx="2" formatCode="0.00%">
-                  <c:v>5.3608999999999997E-2</c:v>
-                </c:pt>
-                <c:pt idx="3" formatCode="0.00%">
-                  <c:v>5.5443199999999998E-2</c:v>
-                </c:pt>
-                <c:pt idx="5" formatCode="0.00%">
-                  <c:v>2.7378099999999999E-2</c:v>
-                </c:pt>
-                <c:pt idx="6" formatCode="0.00%">
-                  <c:v>7.4532100000000032E-2</c:v>
-                </c:pt>
-                <c:pt idx="7" formatCode="0.00%">
-                  <c:v>5.8806700000000024E-2</c:v>
-                </c:pt>
-                <c:pt idx="8" formatCode="0.00%">
-                  <c:v>7.3096200000000042E-2</c:v>
-                </c:pt>
-                <c:pt idx="9" formatCode="0.00%">
-                  <c:v>4.6431699999999999E-2</c:v>
-                </c:pt>
-                <c:pt idx="10" formatCode="0.00%">
-                  <c:v>4.6585599999999977E-2</c:v>
-                </c:pt>
-                <c:pt idx="12" formatCode="0.00%">
-                  <c:v>4.8891400000000029E-2</c:v>
-                </c:pt>
-                <c:pt idx="13" formatCode="0.00%">
-                  <c:v>6.6459900000000002E-2</c:v>
-                </c:pt>
-                <c:pt idx="14" formatCode="0.00%">
-                  <c:v>4.7500100000000003E-2</c:v>
-                </c:pt>
-                <c:pt idx="16" formatCode="0.00%">
-                  <c:v>4.4206600000000026E-2</c:v>
-                </c:pt>
-                <c:pt idx="17" formatCode="0.00%">
-                  <c:v>7.3520600000000019E-2</c:v>
-                </c:pt>
-                <c:pt idx="18" formatCode="0.00%">
-                  <c:v>4.9553800000000002E-2</c:v>
-                </c:pt>
-              </c:numCache>
-            </c:numRef>
-          </c:val>
-        </c:ser>
-        <c:ser>
-          <c:idx val="5"/>
-          <c:order val="3"/>
-          <c:tx>
-            <c:strRef>
-              <c:f>Chart!$A$9</c:f>
-              <c:strCache>
-                <c:ptCount val="1"/>
-                <c:pt idx="0">
-                  <c:v>Not used at least once a month</c:v>
-                </c:pt>
-              </c:strCache>
-            </c:strRef>
-          </c:tx>
-          <c:spPr>
-            <a:solidFill>
-              <a:schemeClr val="bg1">
-                <a:lumMod val="85000"/>
-              </a:schemeClr>
-            </a:solidFill>
-          </c:spPr>
-          <c:cat>
-            <c:strRef>
-              <c:f>Chart!$B$5:$T$5</c:f>
-              <c:strCache>
-                <c:ptCount val="19"/>
-                <c:pt idx="0">
-                  <c:v>Total</c:v>
-                </c:pt>
-                <c:pt idx="2">
-                  <c:v>Male</c:v>
-                </c:pt>
-                <c:pt idx="3">
-                  <c:v>Female</c:v>
-                </c:pt>
-                <c:pt idx="5">
-                  <c:v>16-24</c:v>
-                </c:pt>
-                <c:pt idx="6">
-                  <c:v>25-34</c:v>
-                </c:pt>
-                <c:pt idx="7">
-                  <c:v>35-44</c:v>
-                </c:pt>
-                <c:pt idx="8">
-                  <c:v>45-54</c:v>
-                </c:pt>
-                <c:pt idx="9">
-                  <c:v>55-64</c:v>
-                </c:pt>
-                <c:pt idx="10">
-                  <c:v>65+</c:v>
-                </c:pt>
-                <c:pt idx="12">
-                  <c:v>Generation Y</c:v>
-                </c:pt>
-                <c:pt idx="13">
-                  <c:v>Generation X</c:v>
-                </c:pt>
-                <c:pt idx="14">
-                  <c:v>Baby-boomers</c:v>
-                </c:pt>
-                <c:pt idx="16">
-                  <c:v>&lt; €1.4k HH income</c:v>
-                </c:pt>
-                <c:pt idx="17">
-                  <c:v>€1.4k - 2.7k HH income</c:v>
-                </c:pt>
-                <c:pt idx="18">
-                  <c:v>€2.7k+ HH income</c:v>
-                </c:pt>
-              </c:strCache>
-            </c:strRef>
-          </c:cat>
-          <c:val>
-            <c:numRef>
-              <c:f>Chart!$B$9:$T$9</c:f>
-              <c:numCache>
-                <c:formatCode>General</c:formatCode>
-                <c:ptCount val="19"/>
-                <c:pt idx="0" formatCode="0.00%">
-                  <c:v>0.36796950000000017</c:v>
-                </c:pt>
-                <c:pt idx="2" formatCode="0.00%">
-                  <c:v>0.37130420000000025</c:v>
-                </c:pt>
-                <c:pt idx="3" formatCode="0.00%">
-                  <c:v>0.36495550000000021</c:v>
-                </c:pt>
-                <c:pt idx="5" formatCode="0.00%">
-                  <c:v>0.19927420000000001</c:v>
-                </c:pt>
-                <c:pt idx="6" formatCode="0.00%">
-                  <c:v>0.25809600000000005</c:v>
-                </c:pt>
-                <c:pt idx="7" formatCode="0.00%">
-                  <c:v>0.34462020000000021</c:v>
-                </c:pt>
-                <c:pt idx="8" formatCode="0.00%">
-                  <c:v>0.40405170000000001</c:v>
-                </c:pt>
-                <c:pt idx="9" formatCode="0.00%">
-                  <c:v>0.49865460000000017</c:v>
-                </c:pt>
-                <c:pt idx="10" formatCode="0.00%">
-                  <c:v>0.45114000000000004</c:v>
-                </c:pt>
-                <c:pt idx="12" formatCode="0.00%">
-                  <c:v>0.22028349999999999</c:v>
-                </c:pt>
-                <c:pt idx="13" formatCode="0.00%">
-                  <c:v>0.37209960000000014</c:v>
-                </c:pt>
-                <c:pt idx="14" formatCode="0.00%">
-                  <c:v>0.48567640000000017</c:v>
-                </c:pt>
-                <c:pt idx="16" formatCode="0.00%">
-                  <c:v>0.31751650000000031</c:v>
-                </c:pt>
-                <c:pt idx="17" formatCode="0.00%">
-                  <c:v>0.38786460000000039</c:v>
-                </c:pt>
-                <c:pt idx="18" formatCode="0.00%">
-                  <c:v>0.43535050000000025</c:v>
-                </c:pt>
-              </c:numCache>
-            </c:numRef>
-          </c:val>
-        </c:ser>
-        <c:ser>
-          <c:idx val="7"/>
-          <c:order val="4"/>
-          <c:tx>
-            <c:strRef>
-              <c:f>Chart!$A$10</c:f>
-              <c:strCache>
-                <c:ptCount val="1"/>
-                <c:pt idx="0">
-                  <c:v>Do not have smartphone or tablet</c:v>
-                </c:pt>
-              </c:strCache>
-            </c:strRef>
-          </c:tx>
-          <c:spPr>
-            <a:solidFill>
-              <a:schemeClr val="bg1">
-                <a:lumMod val="50000"/>
-              </a:schemeClr>
-            </a:solidFill>
-          </c:spPr>
-          <c:cat>
-            <c:strRef>
-              <c:f>Chart!$B$5:$T$5</c:f>
-              <c:strCache>
-                <c:ptCount val="19"/>
-                <c:pt idx="0">
-                  <c:v>Total</c:v>
-                </c:pt>
-                <c:pt idx="2">
-                  <c:v>Male</c:v>
-                </c:pt>
-                <c:pt idx="3">
-                  <c:v>Female</c:v>
-                </c:pt>
-                <c:pt idx="5">
-                  <c:v>16-24</c:v>
-                </c:pt>
-                <c:pt idx="6">
-                  <c:v>25-34</c:v>
-                </c:pt>
-                <c:pt idx="7">
-                  <c:v>35-44</c:v>
-                </c:pt>
-                <c:pt idx="8">
-                  <c:v>45-54</c:v>
-                </c:pt>
-                <c:pt idx="9">
-                  <c:v>55-64</c:v>
-                </c:pt>
-                <c:pt idx="10">
-                  <c:v>65+</c:v>
-                </c:pt>
-                <c:pt idx="12">
-                  <c:v>Generation Y</c:v>
-                </c:pt>
-                <c:pt idx="13">
-                  <c:v>Generation X</c:v>
-                </c:pt>
-                <c:pt idx="14">
-                  <c:v>Baby-boomers</c:v>
-                </c:pt>
-                <c:pt idx="16">
-                  <c:v>&lt; €1.4k HH income</c:v>
-                </c:pt>
-                <c:pt idx="17">
-                  <c:v>€1.4k - 2.7k HH income</c:v>
-                </c:pt>
-                <c:pt idx="18">
-                  <c:v>€2.7k+ HH income</c:v>
-                </c:pt>
-              </c:strCache>
-            </c:strRef>
-          </c:cat>
-          <c:val>
-            <c:numRef>
-              <c:f>Chart!$B$10:$T$10</c:f>
-              <c:numCache>
-                <c:formatCode>General</c:formatCode>
-                <c:ptCount val="19"/>
-                <c:pt idx="0" formatCode="0.00%">
-                  <c:v>0.16370709999999999</c:v>
-                </c:pt>
-                <c:pt idx="2" formatCode="0.00%">
-                  <c:v>0.11828569999999999</c:v>
-                </c:pt>
-                <c:pt idx="3" formatCode="0.00%">
-                  <c:v>0.20476110000000008</c:v>
-                </c:pt>
-                <c:pt idx="5" formatCode="0.00%">
-                  <c:v>4.81252E-2</c:v>
-                </c:pt>
-                <c:pt idx="6" formatCode="0.00%">
-                  <c:v>6.1350000000000002E-2</c:v>
-                </c:pt>
-                <c:pt idx="7" formatCode="0.00%">
-                  <c:v>0.14722540000000009</c:v>
-                </c:pt>
-                <c:pt idx="8" formatCode="0.00%">
-                  <c:v>0.14730040000000008</c:v>
-                </c:pt>
-                <c:pt idx="9" formatCode="0.00%">
-                  <c:v>0.19751040000000009</c:v>
-                </c:pt>
-                <c:pt idx="10" formatCode="0.00%">
-                  <c:v>0.31226340000000002</c:v>
-                </c:pt>
-                <c:pt idx="12" formatCode="0.00%">
-                  <c:v>5.5440900000000001E-2</c:v>
-                </c:pt>
-                <c:pt idx="13" formatCode="0.00%">
-                  <c:v>0.14207210000000001</c:v>
-                </c:pt>
-                <c:pt idx="14" formatCode="0.00%">
-                  <c:v>0.23113549999999999</c:v>
-                </c:pt>
-                <c:pt idx="16" formatCode="0.00%">
-                  <c:v>0.18774850000000012</c:v>
-                </c:pt>
-                <c:pt idx="17" formatCode="0.00%">
-                  <c:v>0.13501020000000008</c:v>
-                </c:pt>
-                <c:pt idx="18" formatCode="0.00%">
-                  <c:v>0.12178670000000008</c:v>
-                </c:pt>
-              </c:numCache>
-            </c:numRef>
-          </c:val>
-        </c:ser>
-        <c:gapWidth val="50"/>
-        <c:overlap val="100"/>
-        <c:axId val="99272960"/>
-        <c:axId val="99317632"/>
-      </c:barChart>
-      <c:catAx>
-        <c:axId val="99272960"/>
-        <c:scaling>
-          <c:orientation val="minMax"/>
-        </c:scaling>
-        <c:axPos val="b"/>
-        <c:majorTickMark val="none"/>
-        <c:tickLblPos val="nextTo"/>
-        <c:txPr>
-          <a:bodyPr rot="-5400000" vert="horz"/>
-          <a:lstStyle/>
-          <a:p>
-            <a:pPr>
-              <a:defRPr/>
-            </a:pPr>
-            <a:endParaRPr lang="en-US"/>
-          </a:p>
-        </c:txPr>
-        <c:crossAx val="99317632"/>
-        <c:crosses val="autoZero"/>
-        <c:auto val="1"/>
-        <c:lblAlgn val="ctr"/>
-        <c:lblOffset val="100"/>
-        <c:tickLblSkip val="1"/>
-      </c:catAx>
-      <c:valAx>
-        <c:axId val="99317632"/>
-        <c:scaling>
-          <c:orientation val="minMax"/>
-          <c:max val="1"/>
-        </c:scaling>
-        <c:axPos val="l"/>
-        <c:numFmt formatCode="0%" sourceLinked="0"/>
-        <c:tickLblPos val="nextTo"/>
-        <c:crossAx val="99272960"/>
-        <c:crosses val="autoZero"/>
-        <c:crossBetween val="between"/>
-        <c:majorUnit val="0.2"/>
-        <c:minorUnit val="0.1"/>
-      </c:valAx>
-    </c:plotArea>
-    <c:legend>
-      <c:legendPos val="r"/>
-      <c:layout>
-        <c:manualLayout>
-          <c:xMode val="edge"/>
-          <c:yMode val="edge"/>
-          <c:x val="0.76532540339144206"/>
-          <c:y val="7.8095223424460712E-4"/>
-          <c:w val="0.23467459660856058"/>
-          <c:h val="0.99921904776575243"/>
-        </c:manualLayout>
-      </c:layout>
-    </c:legend>
-    <c:plotVisOnly val="1"/>
-  </c:chart>
-  <c:txPr>
-    <a:bodyPr/>
-    <a:lstStyle/>
-    <a:p>
-      <a:pPr>
-        <a:defRPr sz="1400">
-          <a:solidFill>
-            <a:schemeClr val="tx1">
-              <a:lumMod val="65000"/>
-              <a:lumOff val="35000"/>
-            </a:schemeClr>
-          </a:solidFill>
-        </a:defRPr>
-      </a:pPr>
-      <a:endParaRPr lang="en-US"/>
-    </a:p>
-  </c:txPr>
-  <c:externalData r:id="rId1"/>
-</c:chartSpace>
-</file>
-
-<file path=ppt/charts/slide_7/chart2.xml><?xml version="1.0" encoding="utf-8"?>
-<c:chartSpace xmlns:c="http://schemas.openxmlformats.org/drawingml/2006/chart" xmlns:a="http://schemas.openxmlformats.org/drawingml/2006/main" xmlns:r="http://schemas.openxmlformats.org/officeDocument/2006/relationships">
-  <c:date1904 val="1"/>
-  <c:lang val="en-GB"/>
-  <c:chart>
-    <c:autoTitleDeleted val="1"/>
-    <c:plotArea>
-      <c:layout>
-        <c:manualLayout>
-          <c:layoutTarget val="inner"/>
-          <c:xMode val="edge"/>
-          <c:yMode val="edge"/>
-          <c:x val="7.2520090021811909E-2"/>
-          <c:y val="2.5190961026375816E-2"/>
-          <c:w val="0.68087441494501266"/>
-          <c:h val="0.50778237729989562"/>
-        </c:manualLayout>
-      </c:layout>
-      <c:barChart>
-        <c:barDir val="col"/>
-        <c:grouping val="stacked"/>
-        <c:ser>
-          <c:idx val="0"/>
-          <c:order val="0"/>
-          <c:tx>
-            <c:strRef>
-              <c:f>Chart!$A$6</c:f>
-              <c:strCache>
-                <c:ptCount val="1"/>
-                <c:pt idx="0">
-                  <c:v>Via Smartphone only</c:v>
-                </c:pt>
-              </c:strCache>
-            </c:strRef>
-          </c:tx>
-          <c:spPr>
-            <a:solidFill>
-              <a:schemeClr val="tx2">
-                <a:lumMod val="50000"/>
-              </a:schemeClr>
-            </a:solidFill>
-          </c:spPr>
-          <c:cat>
-            <c:strRef>
-              <c:f>Chart!$B$5:$T$5</c:f>
-              <c:strCache>
-                <c:ptCount val="19"/>
-                <c:pt idx="0">
-                  <c:v>Total</c:v>
-                </c:pt>
-                <c:pt idx="2">
-                  <c:v>Male</c:v>
-                </c:pt>
-                <c:pt idx="3">
-                  <c:v>Female</c:v>
-                </c:pt>
-                <c:pt idx="5">
-                  <c:v>16-24</c:v>
-                </c:pt>
-                <c:pt idx="6">
-                  <c:v>25-34</c:v>
-                </c:pt>
-                <c:pt idx="7">
-                  <c:v>35-44</c:v>
-                </c:pt>
-                <c:pt idx="8">
-                  <c:v>45-54</c:v>
-                </c:pt>
-                <c:pt idx="9">
-                  <c:v>55-64</c:v>
-                </c:pt>
-                <c:pt idx="10">
-                  <c:v>65+</c:v>
-                </c:pt>
-                <c:pt idx="12">
-                  <c:v>Generation Y</c:v>
-                </c:pt>
-                <c:pt idx="13">
-                  <c:v>Generation X</c:v>
-                </c:pt>
-                <c:pt idx="14">
-                  <c:v>Baby-boomers</c:v>
-                </c:pt>
-                <c:pt idx="16">
-                  <c:v>HH Income £0-18k</c:v>
-                </c:pt>
-                <c:pt idx="17">
-                  <c:v>HH Income £18k-35k</c:v>
-                </c:pt>
-                <c:pt idx="18">
-                  <c:v>HH Income £35k+</c:v>
-                </c:pt>
-              </c:strCache>
-            </c:strRef>
-          </c:cat>
-          <c:val>
-            <c:numRef>
-              <c:f>Chart!$B$6:$T$6</c:f>
-              <c:numCache>
-                <c:formatCode>General</c:formatCode>
-                <c:ptCount val="19"/>
-                <c:pt idx="0" formatCode="0.00%">
-                  <c:v>0.2255636</c:v>
-                </c:pt>
-                <c:pt idx="2" formatCode="0.00%">
-                  <c:v>0.22341190000000008</c:v>
-                </c:pt>
-                <c:pt idx="3" formatCode="0.00%">
-                  <c:v>0.22758880000000001</c:v>
-                </c:pt>
-                <c:pt idx="5" formatCode="0.00%">
-                  <c:v>0.45204509999999998</c:v>
-                </c:pt>
-                <c:pt idx="6" formatCode="0.00%">
-                  <c:v>0.3284187000000004</c:v>
-                </c:pt>
-                <c:pt idx="7" formatCode="0.00%">
-                  <c:v>0.28504010000000002</c:v>
-                </c:pt>
-                <c:pt idx="8" formatCode="0.00%">
-                  <c:v>0.18990060000000009</c:v>
-                </c:pt>
-                <c:pt idx="9" formatCode="0.00%">
-                  <c:v>0.10956900000000004</c:v>
-                </c:pt>
-                <c:pt idx="10" formatCode="0.00%">
-                  <c:v>4.272390000000003E-2</c:v>
-                </c:pt>
-                <c:pt idx="12" formatCode="0.00%">
-                  <c:v>0.39034270000000038</c:v>
-                </c:pt>
-                <c:pt idx="13" formatCode="0.00%">
-                  <c:v>0.24194190000000013</c:v>
-                </c:pt>
-                <c:pt idx="14" formatCode="0.00%">
-                  <c:v>9.0960500000000027E-2</c:v>
-                </c:pt>
-                <c:pt idx="16" formatCode="0.00%">
-                  <c:v>0.22498670000000001</c:v>
-                </c:pt>
-                <c:pt idx="17" formatCode="0.00%">
-                  <c:v>0.21078430000000009</c:v>
-                </c:pt>
-                <c:pt idx="18" formatCode="0.00%">
-                  <c:v>0.25185650000000015</c:v>
-                </c:pt>
-              </c:numCache>
-            </c:numRef>
-          </c:val>
-        </c:ser>
-        <c:ser>
-          <c:idx val="2"/>
-          <c:order val="1"/>
-          <c:tx>
-            <c:strRef>
-              <c:f>Chart!$A$7</c:f>
-              <c:strCache>
-                <c:ptCount val="1"/>
-                <c:pt idx="0">
-                  <c:v>Via Smartphone and Tablet</c:v>
-                </c:pt>
-              </c:strCache>
-            </c:strRef>
-          </c:tx>
-          <c:spPr>
-            <a:solidFill>
-              <a:schemeClr val="tx2"/>
-            </a:solidFill>
-          </c:spPr>
-          <c:cat>
-            <c:strRef>
-              <c:f>Chart!$B$5:$T$5</c:f>
-              <c:strCache>
-                <c:ptCount val="19"/>
-                <c:pt idx="0">
-                  <c:v>Total</c:v>
-                </c:pt>
-                <c:pt idx="2">
-                  <c:v>Male</c:v>
-                </c:pt>
-                <c:pt idx="3">
-                  <c:v>Female</c:v>
-                </c:pt>
-                <c:pt idx="5">
-                  <c:v>16-24</c:v>
-                </c:pt>
-                <c:pt idx="6">
-                  <c:v>25-34</c:v>
-                </c:pt>
-                <c:pt idx="7">
-                  <c:v>35-44</c:v>
-                </c:pt>
-                <c:pt idx="8">
-                  <c:v>45-54</c:v>
-                </c:pt>
-                <c:pt idx="9">
-                  <c:v>55-64</c:v>
-                </c:pt>
-                <c:pt idx="10">
-                  <c:v>65+</c:v>
-                </c:pt>
-                <c:pt idx="12">
-                  <c:v>Generation Y</c:v>
-                </c:pt>
-                <c:pt idx="13">
-                  <c:v>Generation X</c:v>
-                </c:pt>
-                <c:pt idx="14">
-                  <c:v>Baby-boomers</c:v>
-                </c:pt>
-                <c:pt idx="16">
-                  <c:v>HH Income £0-18k</c:v>
-                </c:pt>
-                <c:pt idx="17">
-                  <c:v>HH Income £18k-35k</c:v>
-                </c:pt>
-                <c:pt idx="18">
-                  <c:v>HH Income £35k+</c:v>
-                </c:pt>
-              </c:strCache>
-            </c:strRef>
-          </c:cat>
-          <c:val>
-            <c:numRef>
-              <c:f>Chart!$B$7:$T$7</c:f>
-              <c:numCache>
-                <c:formatCode>General</c:formatCode>
-                <c:ptCount val="19"/>
-                <c:pt idx="0" formatCode="0.00%">
-                  <c:v>0.20433499999999999</c:v>
-                </c:pt>
-                <c:pt idx="2" formatCode="0.00%">
-                  <c:v>0.18551280000000009</c:v>
-                </c:pt>
-                <c:pt idx="3" formatCode="0.00%">
-                  <c:v>0.2220501</c:v>
-                </c:pt>
-                <c:pt idx="5" formatCode="0.00%">
-                  <c:v>0.29516180000000014</c:v>
-                </c:pt>
-                <c:pt idx="6" formatCode="0.00%">
-                  <c:v>0.30002030000000024</c:v>
-                </c:pt>
-                <c:pt idx="7" formatCode="0.00%">
-                  <c:v>0.23840680000000009</c:v>
-                </c:pt>
-                <c:pt idx="8" formatCode="0.00%">
-                  <c:v>0.24299280000000009</c:v>
-                </c:pt>
-                <c:pt idx="9" formatCode="0.00%">
-                  <c:v>9.7236100000000006E-2</c:v>
-                </c:pt>
-                <c:pt idx="10" formatCode="0.00%">
-                  <c:v>7.5653799999999993E-2</c:v>
-                </c:pt>
-                <c:pt idx="12" formatCode="0.00%">
-                  <c:v>0.296234</c:v>
-                </c:pt>
-                <c:pt idx="13" formatCode="0.00%">
-                  <c:v>0.24429510000000013</c:v>
-                </c:pt>
-                <c:pt idx="14" formatCode="0.00%">
-                  <c:v>9.1609000000000024E-2</c:v>
-                </c:pt>
-                <c:pt idx="16" formatCode="0.00%">
-                  <c:v>0.16892769999999999</c:v>
-                </c:pt>
-                <c:pt idx="17" formatCode="0.00%">
-                  <c:v>0.19943880000000008</c:v>
-                </c:pt>
-                <c:pt idx="18" formatCode="0.00%">
-                  <c:v>0.25382560000000015</c:v>
-                </c:pt>
-              </c:numCache>
-            </c:numRef>
-          </c:val>
-        </c:ser>
-        <c:ser>
-          <c:idx val="4"/>
-          <c:order val="2"/>
-          <c:tx>
-            <c:strRef>
-              <c:f>Chart!$A$8</c:f>
-              <c:strCache>
-                <c:ptCount val="1"/>
-                <c:pt idx="0">
-                  <c:v>Via Tablet only</c:v>
-                </c:pt>
-              </c:strCache>
-            </c:strRef>
-          </c:tx>
-          <c:spPr>
-            <a:solidFill>
-              <a:schemeClr val="bg2">
-                <a:lumMod val="60000"/>
-                <a:lumOff val="40000"/>
-              </a:schemeClr>
-            </a:solidFill>
-          </c:spPr>
-          <c:cat>
-            <c:strRef>
-              <c:f>Chart!$B$5:$T$5</c:f>
-              <c:strCache>
-                <c:ptCount val="19"/>
-                <c:pt idx="0">
-                  <c:v>Total</c:v>
-                </c:pt>
-                <c:pt idx="2">
-                  <c:v>Male</c:v>
-                </c:pt>
-                <c:pt idx="3">
-                  <c:v>Female</c:v>
-                </c:pt>
-                <c:pt idx="5">
-                  <c:v>16-24</c:v>
-                </c:pt>
-                <c:pt idx="6">
-                  <c:v>25-34</c:v>
-                </c:pt>
-                <c:pt idx="7">
-                  <c:v>35-44</c:v>
-                </c:pt>
-                <c:pt idx="8">
-                  <c:v>45-54</c:v>
-                </c:pt>
-                <c:pt idx="9">
-                  <c:v>55-64</c:v>
-                </c:pt>
-                <c:pt idx="10">
-                  <c:v>65+</c:v>
-                </c:pt>
-                <c:pt idx="12">
-                  <c:v>Generation Y</c:v>
-                </c:pt>
-                <c:pt idx="13">
-                  <c:v>Generation X</c:v>
-                </c:pt>
-                <c:pt idx="14">
-                  <c:v>Baby-boomers</c:v>
-                </c:pt>
-                <c:pt idx="16">
-                  <c:v>HH Income £0-18k</c:v>
-                </c:pt>
-                <c:pt idx="17">
-                  <c:v>HH Income £18k-35k</c:v>
-                </c:pt>
-                <c:pt idx="18">
-                  <c:v>HH Income £35k+</c:v>
-                </c:pt>
-              </c:strCache>
-            </c:strRef>
-          </c:cat>
-          <c:val>
-            <c:numRef>
-              <c:f>Chart!$B$8:$T$8</c:f>
-              <c:numCache>
-                <c:formatCode>General</c:formatCode>
-                <c:ptCount val="19"/>
-                <c:pt idx="0" formatCode="0.00%">
-                  <c:v>5.8054200000000014E-2</c:v>
-                </c:pt>
-                <c:pt idx="2" formatCode="0.00%">
-                  <c:v>4.7066700000000031E-2</c:v>
-                </c:pt>
-                <c:pt idx="3" formatCode="0.00%">
-                  <c:v>6.839530000000002E-2</c:v>
-                </c:pt>
-                <c:pt idx="5" formatCode="0.00%">
-                  <c:v>2.3219E-2</c:v>
-                </c:pt>
-                <c:pt idx="6" formatCode="0.00%">
-                  <c:v>6.1271499999999986E-2</c:v>
-                </c:pt>
-                <c:pt idx="7" formatCode="0.00%">
-                  <c:v>3.1993400000000005E-2</c:v>
-                </c:pt>
-                <c:pt idx="8" formatCode="0.00%">
-                  <c:v>5.3767200000000036E-2</c:v>
-                </c:pt>
-                <c:pt idx="9" formatCode="0.00%">
-                  <c:v>0.10256040000000002</c:v>
-                </c:pt>
-                <c:pt idx="10" formatCode="0.00%">
-                  <c:v>7.5809100000000004E-2</c:v>
-                </c:pt>
-                <c:pt idx="12" formatCode="0.00%">
-                  <c:v>3.9126000000000001E-2</c:v>
-                </c:pt>
-                <c:pt idx="13" formatCode="0.00%">
-                  <c:v>4.6017200000000022E-2</c:v>
-                </c:pt>
-                <c:pt idx="14" formatCode="0.00%">
-                  <c:v>8.6956100000000064E-2</c:v>
-                </c:pt>
-                <c:pt idx="16" formatCode="0.00%">
-                  <c:v>7.074560000000002E-2</c:v>
-                </c:pt>
-                <c:pt idx="17" formatCode="0.00%">
-                  <c:v>5.2251199999999977E-2</c:v>
-                </c:pt>
-                <c:pt idx="18" formatCode="0.00%">
-                  <c:v>4.8719500000000013E-2</c:v>
-                </c:pt>
-              </c:numCache>
-            </c:numRef>
-          </c:val>
-        </c:ser>
-        <c:ser>
-          <c:idx val="5"/>
-          <c:order val="3"/>
-          <c:tx>
-            <c:strRef>
-              <c:f>Chart!$A$9</c:f>
-              <c:strCache>
-                <c:ptCount val="1"/>
-                <c:pt idx="0">
-                  <c:v>Not used at least once a month</c:v>
-                </c:pt>
-              </c:strCache>
-            </c:strRef>
-          </c:tx>
-          <c:spPr>
-            <a:solidFill>
-              <a:schemeClr val="bg1">
-                <a:lumMod val="85000"/>
-              </a:schemeClr>
-            </a:solidFill>
-          </c:spPr>
-          <c:cat>
-            <c:strRef>
-              <c:f>Chart!$B$5:$T$5</c:f>
-              <c:strCache>
-                <c:ptCount val="19"/>
-                <c:pt idx="0">
-                  <c:v>Total</c:v>
-                </c:pt>
-                <c:pt idx="2">
-                  <c:v>Male</c:v>
-                </c:pt>
-                <c:pt idx="3">
-                  <c:v>Female</c:v>
-                </c:pt>
-                <c:pt idx="5">
-                  <c:v>16-24</c:v>
-                </c:pt>
-                <c:pt idx="6">
-                  <c:v>25-34</c:v>
-                </c:pt>
-                <c:pt idx="7">
-                  <c:v>35-44</c:v>
-                </c:pt>
-                <c:pt idx="8">
-                  <c:v>45-54</c:v>
-                </c:pt>
-                <c:pt idx="9">
-                  <c:v>55-64</c:v>
-                </c:pt>
-                <c:pt idx="10">
-                  <c:v>65+</c:v>
-                </c:pt>
-                <c:pt idx="12">
-                  <c:v>Generation Y</c:v>
-                </c:pt>
-                <c:pt idx="13">
-                  <c:v>Generation X</c:v>
-                </c:pt>
-                <c:pt idx="14">
-                  <c:v>Baby-boomers</c:v>
-                </c:pt>
-                <c:pt idx="16">
-                  <c:v>HH Income £0-18k</c:v>
-                </c:pt>
-                <c:pt idx="17">
-                  <c:v>HH Income £18k-35k</c:v>
-                </c:pt>
-                <c:pt idx="18">
-                  <c:v>HH Income £35k+</c:v>
-                </c:pt>
-              </c:strCache>
-            </c:strRef>
-          </c:cat>
-          <c:val>
-            <c:numRef>
-              <c:f>Chart!$B$9:$T$9</c:f>
-              <c:numCache>
-                <c:formatCode>General</c:formatCode>
-                <c:ptCount val="19"/>
-                <c:pt idx="0" formatCode="0.00%">
-                  <c:v>0.36916610000000016</c:v>
-                </c:pt>
-                <c:pt idx="2" formatCode="0.00%">
-                  <c:v>0.41280070000000024</c:v>
-                </c:pt>
-                <c:pt idx="3" formatCode="0.00%">
-                  <c:v>0.32809820000000017</c:v>
-                </c:pt>
-                <c:pt idx="5" formatCode="0.00%">
-                  <c:v>0.18889510000000012</c:v>
-                </c:pt>
-                <c:pt idx="6" formatCode="0.00%">
-                  <c:v>0.28583990000000015</c:v>
-                </c:pt>
-                <c:pt idx="7" formatCode="0.00%">
-                  <c:v>0.36375380000000002</c:v>
-                </c:pt>
-                <c:pt idx="8" formatCode="0.00%">
-                  <c:v>0.40736840000000024</c:v>
-                </c:pt>
-                <c:pt idx="9" formatCode="0.00%">
-                  <c:v>0.44579809999999997</c:v>
-                </c:pt>
-                <c:pt idx="10" formatCode="0.00%">
-                  <c:v>0.48077330000000001</c:v>
-                </c:pt>
-                <c:pt idx="12" formatCode="0.00%">
-                  <c:v>0.24048240000000012</c:v>
-                </c:pt>
-                <c:pt idx="13" formatCode="0.00%">
-                  <c:v>0.37875820000000021</c:v>
-                </c:pt>
-                <c:pt idx="14" formatCode="0.00%">
-                  <c:v>0.46905270000000021</c:v>
-                </c:pt>
-                <c:pt idx="16" formatCode="0.00%">
-                  <c:v>0.35636670000000031</c:v>
-                </c:pt>
-                <c:pt idx="17" formatCode="0.00%">
-                  <c:v>0.36757980000000018</c:v>
-                </c:pt>
-                <c:pt idx="18" formatCode="0.00%">
-                  <c:v>0.37652070000000037</c:v>
-                </c:pt>
-              </c:numCache>
-            </c:numRef>
-          </c:val>
-        </c:ser>
-        <c:ser>
-          <c:idx val="7"/>
-          <c:order val="4"/>
-          <c:tx>
-            <c:strRef>
-              <c:f>Chart!$A$10</c:f>
-              <c:strCache>
-                <c:ptCount val="1"/>
-                <c:pt idx="0">
-                  <c:v>Do not have smartphone or tablet</c:v>
-                </c:pt>
-              </c:strCache>
-            </c:strRef>
-          </c:tx>
-          <c:spPr>
-            <a:solidFill>
-              <a:schemeClr val="bg1">
-                <a:lumMod val="50000"/>
-              </a:schemeClr>
-            </a:solidFill>
-          </c:spPr>
-          <c:cat>
-            <c:strRef>
-              <c:f>Chart!$B$5:$T$5</c:f>
-              <c:strCache>
-                <c:ptCount val="19"/>
-                <c:pt idx="0">
-                  <c:v>Total</c:v>
-                </c:pt>
-                <c:pt idx="2">
-                  <c:v>Male</c:v>
-                </c:pt>
-                <c:pt idx="3">
-                  <c:v>Female</c:v>
-                </c:pt>
-                <c:pt idx="5">
-                  <c:v>16-24</c:v>
-                </c:pt>
-                <c:pt idx="6">
-                  <c:v>25-34</c:v>
-                </c:pt>
-                <c:pt idx="7">
-                  <c:v>35-44</c:v>
-                </c:pt>
-                <c:pt idx="8">
-                  <c:v>45-54</c:v>
-                </c:pt>
-                <c:pt idx="9">
-                  <c:v>55-64</c:v>
-                </c:pt>
-                <c:pt idx="10">
-                  <c:v>65+</c:v>
-                </c:pt>
-                <c:pt idx="12">
-                  <c:v>Generation Y</c:v>
-                </c:pt>
-                <c:pt idx="13">
-                  <c:v>Generation X</c:v>
-                </c:pt>
-                <c:pt idx="14">
-                  <c:v>Baby-boomers</c:v>
-                </c:pt>
-                <c:pt idx="16">
-                  <c:v>HH Income £0-18k</c:v>
-                </c:pt>
-                <c:pt idx="17">
-                  <c:v>HH Income £18k-35k</c:v>
-                </c:pt>
-                <c:pt idx="18">
-                  <c:v>HH Income £35k+</c:v>
-                </c:pt>
-              </c:strCache>
-            </c:strRef>
-          </c:cat>
-          <c:val>
-            <c:numRef>
-              <c:f>Chart!$B$10:$T$10</c:f>
-              <c:numCache>
-                <c:formatCode>General</c:formatCode>
-                <c:ptCount val="19"/>
-                <c:pt idx="0" formatCode="0.00%">
-                  <c:v>0.14288110000000001</c:v>
-                </c:pt>
-                <c:pt idx="2" formatCode="0.00%">
-                  <c:v>0.13120789999999999</c:v>
-                </c:pt>
-                <c:pt idx="3" formatCode="0.00%">
-                  <c:v>0.15386759999999999</c:v>
-                </c:pt>
-                <c:pt idx="5" formatCode="0.00%">
-                  <c:v>4.0678999999999986E-2</c:v>
-                </c:pt>
-                <c:pt idx="6" formatCode="0.00%">
-                  <c:v>2.4449599999999998E-2</c:v>
-                </c:pt>
-                <c:pt idx="7" formatCode="0.00%">
-                  <c:v>8.0806000000000044E-2</c:v>
-                </c:pt>
-                <c:pt idx="8" formatCode="0.00%">
-                  <c:v>0.10597100000000002</c:v>
-                </c:pt>
-                <c:pt idx="9" formatCode="0.00%">
-                  <c:v>0.24483630000000009</c:v>
-                </c:pt>
-                <c:pt idx="10" formatCode="0.00%">
-                  <c:v>0.32503990000000021</c:v>
-                </c:pt>
-                <c:pt idx="12" formatCode="0.00%">
-                  <c:v>3.3814999999999998E-2</c:v>
-                </c:pt>
-                <c:pt idx="13" formatCode="0.00%">
-                  <c:v>8.89876E-2</c:v>
-                </c:pt>
-                <c:pt idx="14" formatCode="0.00%">
-                  <c:v>0.26142170000000015</c:v>
-                </c:pt>
-                <c:pt idx="16" formatCode="0.00%">
-                  <c:v>0.17897340000000009</c:v>
-                </c:pt>
-                <c:pt idx="17" formatCode="0.00%">
-                  <c:v>0.16994600000000012</c:v>
-                </c:pt>
-                <c:pt idx="18" formatCode="0.00%">
-                  <c:v>6.9077700000000034E-2</c:v>
-                </c:pt>
-              </c:numCache>
-            </c:numRef>
-          </c:val>
-        </c:ser>
-        <c:gapWidth val="50"/>
-        <c:overlap val="100"/>
-        <c:axId val="99590144"/>
-        <c:axId val="99768576"/>
-      </c:barChart>
-      <c:catAx>
-        <c:axId val="99590144"/>
-        <c:scaling>
-          <c:orientation val="minMax"/>
-        </c:scaling>
-        <c:axPos val="b"/>
-        <c:majorTickMark val="none"/>
-        <c:tickLblPos val="nextTo"/>
-        <c:txPr>
-          <a:bodyPr rot="-5400000" vert="horz"/>
-          <a:lstStyle/>
-          <a:p>
-            <a:pPr>
-              <a:defRPr/>
-            </a:pPr>
-            <a:endParaRPr lang="en-US"/>
-          </a:p>
-        </c:txPr>
-        <c:crossAx val="99768576"/>
-        <c:crosses val="autoZero"/>
-        <c:auto val="1"/>
-        <c:lblAlgn val="ctr"/>
-        <c:lblOffset val="100"/>
-        <c:tickLblSkip val="1"/>
-      </c:catAx>
-      <c:valAx>
-        <c:axId val="99768576"/>
-        <c:scaling>
-          <c:orientation val="minMax"/>
-          <c:max val="1"/>
-        </c:scaling>
-        <c:axPos val="l"/>
-        <c:numFmt formatCode="0%" sourceLinked="0"/>
-        <c:tickLblPos val="nextTo"/>
-        <c:crossAx val="99590144"/>
-        <c:crosses val="autoZero"/>
-        <c:crossBetween val="between"/>
-        <c:majorUnit val="0.2"/>
-        <c:minorUnit val="0.1"/>
-      </c:valAx>
-    </c:plotArea>
-    <c:legend>
-      <c:legendPos val="r"/>
-      <c:layout>
-        <c:manualLayout>
-          <c:xMode val="edge"/>
-          <c:yMode val="edge"/>
-          <c:x val="0.76532540339144206"/>
-          <c:y val="7.8095223424460712E-4"/>
-          <c:w val="0.23467459660856058"/>
-          <c:h val="0.99921904776575243"/>
-        </c:manualLayout>
-      </c:layout>
-    </c:legend>
-    <c:plotVisOnly val="1"/>
-  </c:chart>
-  <c:txPr>
-    <a:bodyPr/>
-    <a:lstStyle/>
-    <a:p>
-      <a:pPr>
-        <a:defRPr sz="1400">
-          <a:solidFill>
-            <a:schemeClr val="tx1">
-              <a:lumMod val="65000"/>
-              <a:lumOff val="35000"/>
-            </a:schemeClr>
-          </a:solidFill>
-        </a:defRPr>
-      </a:pPr>
-      <a:endParaRPr lang="en-US"/>
-    </a:p>
-  </c:txPr>
-  <c:externalData r:id="rId1"/>
-</c:chartSpace>
-</file>
-
-<file path=ppt/charts/slide_8/chart3.xml><?xml version="1.0" encoding="utf-8"?>
-<c:chartSpace xmlns:c="http://schemas.openxmlformats.org/drawingml/2006/chart" xmlns:a="http://schemas.openxmlformats.org/drawingml/2006/main" xmlns:r="http://schemas.openxmlformats.org/officeDocument/2006/relationships">
-  <c:date1904 val="1"/>
-  <c:lang val="en-GB"/>
-  <c:chart>
-    <c:autoTitleDeleted val="1"/>
-    <c:plotArea>
-      <c:layout>
-        <c:manualLayout>
-          <c:layoutTarget val="inner"/>
-          <c:xMode val="edge"/>
-          <c:yMode val="edge"/>
-          <c:x val="7.2520090021811909E-2"/>
-          <c:y val="2.5190961026375819E-2"/>
-          <c:w val="0.68087441494501277"/>
-          <c:h val="0.50778237729989562"/>
-        </c:manualLayout>
-      </c:layout>
-      <c:barChart>
-        <c:barDir val="col"/>
-        <c:grouping val="stacked"/>
-        <c:ser>
-          <c:idx val="0"/>
-          <c:order val="0"/>
-          <c:tx>
-            <c:strRef>
-              <c:f>Chart!$A$6</c:f>
-              <c:strCache>
-                <c:ptCount val="1"/>
-                <c:pt idx="0">
-                  <c:v>Via Smartphone only</c:v>
-                </c:pt>
-              </c:strCache>
-            </c:strRef>
-          </c:tx>
-          <c:spPr>
-            <a:solidFill>
-              <a:schemeClr val="tx2">
-                <a:lumMod val="50000"/>
-              </a:schemeClr>
-            </a:solidFill>
-          </c:spPr>
-          <c:cat>
-            <c:strRef>
-              <c:f>Chart!$B$5:$T$5</c:f>
-              <c:strCache>
-                <c:ptCount val="19"/>
-                <c:pt idx="0">
-                  <c:v>Total</c:v>
-                </c:pt>
-                <c:pt idx="2">
-                  <c:v>Male</c:v>
-                </c:pt>
-                <c:pt idx="3">
-                  <c:v>Female</c:v>
-                </c:pt>
-                <c:pt idx="5">
-                  <c:v>16-24</c:v>
-                </c:pt>
-                <c:pt idx="6">
-                  <c:v>25-34</c:v>
-                </c:pt>
-                <c:pt idx="7">
-                  <c:v>35-44</c:v>
-                </c:pt>
-                <c:pt idx="8">
-                  <c:v>45-54</c:v>
-                </c:pt>
-                <c:pt idx="9">
-                  <c:v>55-64</c:v>
-                </c:pt>
-                <c:pt idx="10">
-                  <c:v>65+</c:v>
-                </c:pt>
-                <c:pt idx="12">
-                  <c:v>Generation Y</c:v>
-                </c:pt>
-                <c:pt idx="13">
-                  <c:v>Generation X</c:v>
-                </c:pt>
-                <c:pt idx="14">
-                  <c:v>Baby-boomers</c:v>
-                </c:pt>
-                <c:pt idx="16">
-                  <c:v>&lt; €1.1k HH income</c:v>
-                </c:pt>
-                <c:pt idx="17">
-                  <c:v>€1.1k - 2.2k HH income</c:v>
-                </c:pt>
-                <c:pt idx="18">
-                  <c:v>€2.2k+ HH income</c:v>
-                </c:pt>
-              </c:strCache>
-            </c:strRef>
-          </c:cat>
-          <c:val>
-            <c:numRef>
-              <c:f>Chart!$B$6:$T$6</c:f>
-              <c:numCache>
-                <c:formatCode>General</c:formatCode>
-                <c:ptCount val="19"/>
-                <c:pt idx="0" formatCode="0.00%">
-                  <c:v>0.32275600000000021</c:v>
-                </c:pt>
-                <c:pt idx="2" formatCode="0.00%">
-                  <c:v>0.31044120000000008</c:v>
-                </c:pt>
-                <c:pt idx="3" formatCode="0.00%">
-                  <c:v>0.33436030000000033</c:v>
-                </c:pt>
-                <c:pt idx="5" formatCode="0.00%">
-                  <c:v>0.46519460000000001</c:v>
-                </c:pt>
-                <c:pt idx="6" formatCode="0.00%">
-                  <c:v>0.37155040000000017</c:v>
-                </c:pt>
-                <c:pt idx="7" formatCode="0.00%">
-                  <c:v>0.26106760000000001</c:v>
-                </c:pt>
-                <c:pt idx="8" formatCode="0.00%">
-                  <c:v>0.35225140000000005</c:v>
-                </c:pt>
-                <c:pt idx="9" formatCode="0.00%">
-                  <c:v>0.28283130000000001</c:v>
-                </c:pt>
-                <c:pt idx="10" formatCode="0.00%">
-                  <c:v>0.2582084</c:v>
-                </c:pt>
-                <c:pt idx="12" formatCode="0.00%">
-                  <c:v>0.41640810000000017</c:v>
-                </c:pt>
-                <c:pt idx="13" formatCode="0.00%">
-                  <c:v>0.30103820000000014</c:v>
-                </c:pt>
-                <c:pt idx="14" formatCode="0.00%">
-                  <c:v>0.27546350000000008</c:v>
-                </c:pt>
-                <c:pt idx="16" formatCode="0.00%">
-                  <c:v>0.39812370000000025</c:v>
-                </c:pt>
-                <c:pt idx="17" formatCode="0.00%">
-                  <c:v>0.3092413</c:v>
-                </c:pt>
-                <c:pt idx="18" formatCode="0.00%">
-                  <c:v>0.28703480000000015</c:v>
-                </c:pt>
-              </c:numCache>
-            </c:numRef>
-          </c:val>
-        </c:ser>
-        <c:ser>
-          <c:idx val="2"/>
-          <c:order val="1"/>
-          <c:tx>
-            <c:strRef>
-              <c:f>Chart!$A$7</c:f>
-              <c:strCache>
-                <c:ptCount val="1"/>
-                <c:pt idx="0">
-                  <c:v>Via Smartphone and Tablet</c:v>
-                </c:pt>
-              </c:strCache>
-            </c:strRef>
-          </c:tx>
-          <c:spPr>
-            <a:solidFill>
-              <a:schemeClr val="tx2"/>
-            </a:solidFill>
-          </c:spPr>
-          <c:cat>
-            <c:strRef>
-              <c:f>Chart!$B$5:$T$5</c:f>
-              <c:strCache>
-                <c:ptCount val="19"/>
-                <c:pt idx="0">
-                  <c:v>Total</c:v>
-                </c:pt>
-                <c:pt idx="2">
-                  <c:v>Male</c:v>
-                </c:pt>
-                <c:pt idx="3">
-                  <c:v>Female</c:v>
-                </c:pt>
-                <c:pt idx="5">
-                  <c:v>16-24</c:v>
-                </c:pt>
-                <c:pt idx="6">
-                  <c:v>25-34</c:v>
-                </c:pt>
-                <c:pt idx="7">
-                  <c:v>35-44</c:v>
-                </c:pt>
-                <c:pt idx="8">
-                  <c:v>45-54</c:v>
-                </c:pt>
-                <c:pt idx="9">
-                  <c:v>55-64</c:v>
-                </c:pt>
-                <c:pt idx="10">
-                  <c:v>65+</c:v>
-                </c:pt>
-                <c:pt idx="12">
-                  <c:v>Generation Y</c:v>
-                </c:pt>
-                <c:pt idx="13">
-                  <c:v>Generation X</c:v>
-                </c:pt>
-                <c:pt idx="14">
-                  <c:v>Baby-boomers</c:v>
-                </c:pt>
-                <c:pt idx="16">
-                  <c:v>&lt; €1.1k HH income</c:v>
-                </c:pt>
-                <c:pt idx="17">
-                  <c:v>€1.1k - 2.2k HH income</c:v>
-                </c:pt>
-                <c:pt idx="18">
-                  <c:v>€2.2k+ HH income</c:v>
-                </c:pt>
-              </c:strCache>
-            </c:strRef>
-          </c:cat>
-          <c:val>
-            <c:numRef>
-              <c:f>Chart!$B$7:$T$7</c:f>
-              <c:numCache>
-                <c:formatCode>General</c:formatCode>
-                <c:ptCount val="19"/>
-                <c:pt idx="0" formatCode="0.00%">
-                  <c:v>0.29506360000000015</c:v>
-                </c:pt>
-                <c:pt idx="2" formatCode="0.00%">
-                  <c:v>0.27709230000000001</c:v>
-                </c:pt>
-                <c:pt idx="3" formatCode="0.00%">
-                  <c:v>0.31199810000000017</c:v>
-                </c:pt>
-                <c:pt idx="5" formatCode="0.00%">
-                  <c:v>0.35876960000000002</c:v>
-                </c:pt>
-                <c:pt idx="6" formatCode="0.00%">
-                  <c:v>0.38749690000000031</c:v>
-                </c:pt>
-                <c:pt idx="7" formatCode="0.00%">
-                  <c:v>0.37387650000000033</c:v>
-                </c:pt>
-                <c:pt idx="8" formatCode="0.00%">
-                  <c:v>0.30149090000000017</c:v>
-                </c:pt>
-                <c:pt idx="9" formatCode="0.00%">
-                  <c:v>0.22823820000000009</c:v>
-                </c:pt>
-                <c:pt idx="10" formatCode="0.00%">
-                  <c:v>0.13644100000000009</c:v>
-                </c:pt>
-                <c:pt idx="12" formatCode="0.00%">
-                  <c:v>0.37272550000000021</c:v>
-                </c:pt>
-                <c:pt idx="13" formatCode="0.00%">
-                  <c:v>0.34641310000000008</c:v>
-                </c:pt>
-                <c:pt idx="14" formatCode="0.00%">
-                  <c:v>0.18560340000000008</c:v>
-                </c:pt>
-                <c:pt idx="16" formatCode="0.00%">
-                  <c:v>0.23206109999999999</c:v>
-                </c:pt>
-                <c:pt idx="17" formatCode="0.00%">
-                  <c:v>0.27991900000000008</c:v>
-                </c:pt>
-                <c:pt idx="18" formatCode="0.00%">
-                  <c:v>0.34826990000000002</c:v>
-                </c:pt>
-              </c:numCache>
-            </c:numRef>
-          </c:val>
-        </c:ser>
-        <c:ser>
-          <c:idx val="4"/>
-          <c:order val="2"/>
-          <c:tx>
-            <c:strRef>
-              <c:f>Chart!$A$8</c:f>
-              <c:strCache>
-                <c:ptCount val="1"/>
-                <c:pt idx="0">
-                  <c:v>Via Tablet only</c:v>
-                </c:pt>
-              </c:strCache>
-            </c:strRef>
-          </c:tx>
-          <c:spPr>
-            <a:solidFill>
-              <a:schemeClr val="bg2">
-                <a:lumMod val="60000"/>
-                <a:lumOff val="40000"/>
-              </a:schemeClr>
-            </a:solidFill>
-          </c:spPr>
-          <c:cat>
-            <c:strRef>
-              <c:f>Chart!$B$5:$T$5</c:f>
-              <c:strCache>
-                <c:ptCount val="19"/>
-                <c:pt idx="0">
-                  <c:v>Total</c:v>
-                </c:pt>
-                <c:pt idx="2">
-                  <c:v>Male</c:v>
-                </c:pt>
-                <c:pt idx="3">
-                  <c:v>Female</c:v>
-                </c:pt>
-                <c:pt idx="5">
-                  <c:v>16-24</c:v>
-                </c:pt>
-                <c:pt idx="6">
-                  <c:v>25-34</c:v>
-                </c:pt>
-                <c:pt idx="7">
-                  <c:v>35-44</c:v>
-                </c:pt>
-                <c:pt idx="8">
-                  <c:v>45-54</c:v>
-                </c:pt>
-                <c:pt idx="9">
-                  <c:v>55-64</c:v>
-                </c:pt>
-                <c:pt idx="10">
-                  <c:v>65+</c:v>
-                </c:pt>
-                <c:pt idx="12">
-                  <c:v>Generation Y</c:v>
-                </c:pt>
-                <c:pt idx="13">
-                  <c:v>Generation X</c:v>
-                </c:pt>
-                <c:pt idx="14">
-                  <c:v>Baby-boomers</c:v>
-                </c:pt>
-                <c:pt idx="16">
-                  <c:v>&lt; €1.1k HH income</c:v>
-                </c:pt>
-                <c:pt idx="17">
-                  <c:v>€1.1k - 2.2k HH income</c:v>
-                </c:pt>
-                <c:pt idx="18">
-                  <c:v>€2.2k+ HH income</c:v>
-                </c:pt>
-              </c:strCache>
-            </c:strRef>
-          </c:cat>
-          <c:val>
-            <c:numRef>
-              <c:f>Chart!$B$8:$T$8</c:f>
-              <c:numCache>
-                <c:formatCode>General</c:formatCode>
-                <c:ptCount val="19"/>
-                <c:pt idx="0" formatCode="0.00%">
-                  <c:v>7.8708899999999998E-2</c:v>
-                </c:pt>
-                <c:pt idx="2" formatCode="0.00%">
-                  <c:v>9.1956200000000043E-2</c:v>
-                </c:pt>
-                <c:pt idx="3" formatCode="0.00%">
-                  <c:v>6.6225899999999963E-2</c:v>
-                </c:pt>
-                <c:pt idx="5" formatCode="0.00%">
-                  <c:v>2.476349999999999E-2</c:v>
-                </c:pt>
-                <c:pt idx="6" formatCode="0.00%">
-                  <c:v>4.6531999999999997E-2</c:v>
-                </c:pt>
-                <c:pt idx="7" formatCode="0.00%">
-                  <c:v>6.8826799999999994E-2</c:v>
-                </c:pt>
-                <c:pt idx="8" formatCode="0.00%">
-                  <c:v>0.10408829999999998</c:v>
-                </c:pt>
-                <c:pt idx="9" formatCode="0.00%">
-                  <c:v>0.14307159999999997</c:v>
-                </c:pt>
-                <c:pt idx="10" formatCode="0.00%">
-                  <c:v>8.8878700000000005E-2</c:v>
-                </c:pt>
-                <c:pt idx="12" formatCode="0.00%">
-                  <c:v>3.7314E-2</c:v>
-                </c:pt>
-                <c:pt idx="13" formatCode="0.00%">
-                  <c:v>8.2494700000000018E-2</c:v>
-                </c:pt>
-                <c:pt idx="14" formatCode="0.00%">
-                  <c:v>0.1093773</c:v>
-                </c:pt>
-                <c:pt idx="16" formatCode="0.00%">
-                  <c:v>3.8731800000000011E-2</c:v>
-                </c:pt>
-                <c:pt idx="17" formatCode="0.00%">
-                  <c:v>7.3462400000000039E-2</c:v>
-                </c:pt>
-                <c:pt idx="18" formatCode="0.00%">
-                  <c:v>0.1145086</c:v>
-                </c:pt>
-              </c:numCache>
-            </c:numRef>
-          </c:val>
-        </c:ser>
-        <c:ser>
-          <c:idx val="5"/>
-          <c:order val="3"/>
-          <c:tx>
-            <c:strRef>
-              <c:f>Chart!$A$9</c:f>
-              <c:strCache>
-                <c:ptCount val="1"/>
-                <c:pt idx="0">
-                  <c:v>Not used at least once a month</c:v>
-                </c:pt>
-              </c:strCache>
-            </c:strRef>
-          </c:tx>
-          <c:spPr>
-            <a:solidFill>
-              <a:schemeClr val="bg1">
-                <a:lumMod val="85000"/>
-              </a:schemeClr>
-            </a:solidFill>
-          </c:spPr>
-          <c:cat>
-            <c:strRef>
-              <c:f>Chart!$B$5:$T$5</c:f>
-              <c:strCache>
-                <c:ptCount val="19"/>
-                <c:pt idx="0">
-                  <c:v>Total</c:v>
-                </c:pt>
-                <c:pt idx="2">
-                  <c:v>Male</c:v>
-                </c:pt>
-                <c:pt idx="3">
-                  <c:v>Female</c:v>
-                </c:pt>
-                <c:pt idx="5">
-                  <c:v>16-24</c:v>
-                </c:pt>
-                <c:pt idx="6">
-                  <c:v>25-34</c:v>
-                </c:pt>
-                <c:pt idx="7">
-                  <c:v>35-44</c:v>
-                </c:pt>
-                <c:pt idx="8">
-                  <c:v>45-54</c:v>
-                </c:pt>
-                <c:pt idx="9">
-                  <c:v>55-64</c:v>
-                </c:pt>
-                <c:pt idx="10">
-                  <c:v>65+</c:v>
-                </c:pt>
-                <c:pt idx="12">
-                  <c:v>Generation Y</c:v>
-                </c:pt>
-                <c:pt idx="13">
-                  <c:v>Generation X</c:v>
-                </c:pt>
-                <c:pt idx="14">
-                  <c:v>Baby-boomers</c:v>
-                </c:pt>
-                <c:pt idx="16">
-                  <c:v>&lt; €1.1k HH income</c:v>
-                </c:pt>
-                <c:pt idx="17">
-                  <c:v>€1.1k - 2.2k HH income</c:v>
-                </c:pt>
-                <c:pt idx="18">
-                  <c:v>€2.2k+ HH income</c:v>
-                </c:pt>
-              </c:strCache>
-            </c:strRef>
-          </c:cat>
-          <c:val>
-            <c:numRef>
-              <c:f>Chart!$B$9:$T$9</c:f>
-              <c:numCache>
-                <c:formatCode>General</c:formatCode>
-                <c:ptCount val="19"/>
-                <c:pt idx="0" formatCode="0.00%">
-                  <c:v>0.27523180000000003</c:v>
-                </c:pt>
-                <c:pt idx="2" formatCode="0.00%">
-                  <c:v>0.29516150000000002</c:v>
-                </c:pt>
-                <c:pt idx="3" formatCode="0.00%">
-                  <c:v>0.25645190000000001</c:v>
-                </c:pt>
-                <c:pt idx="5" formatCode="0.00%">
-                  <c:v>0.14416930000000008</c:v>
-                </c:pt>
-                <c:pt idx="6" formatCode="0.00%">
-                  <c:v>0.1944208</c:v>
-                </c:pt>
-                <c:pt idx="7" formatCode="0.00%">
-                  <c:v>0.25953909999999997</c:v>
-                </c:pt>
-                <c:pt idx="8" formatCode="0.00%">
-                  <c:v>0.23085459999999997</c:v>
-                </c:pt>
-                <c:pt idx="9" formatCode="0.00%">
-                  <c:v>0.30010700000000001</c:v>
-                </c:pt>
-                <c:pt idx="10" formatCode="0.00%">
-                  <c:v>0.45659729999999998</c:v>
-                </c:pt>
-                <c:pt idx="12" formatCode="0.00%">
-                  <c:v>0.17059900000000008</c:v>
-                </c:pt>
-                <c:pt idx="13" formatCode="0.00%">
-                  <c:v>0.24606750000000008</c:v>
-                </c:pt>
-                <c:pt idx="14" formatCode="0.00%">
-                  <c:v>0.37606260000000025</c:v>
-                </c:pt>
-                <c:pt idx="16" formatCode="0.00%">
-                  <c:v>0.29123739999999998</c:v>
-                </c:pt>
-                <c:pt idx="17" formatCode="0.00%">
-                  <c:v>0.29993970000000014</c:v>
-                </c:pt>
-                <c:pt idx="18" formatCode="0.00%">
-                  <c:v>0.23800530000000009</c:v>
-                </c:pt>
-              </c:numCache>
-            </c:numRef>
-          </c:val>
-        </c:ser>
-        <c:ser>
-          <c:idx val="7"/>
-          <c:order val="4"/>
-          <c:tx>
-            <c:strRef>
-              <c:f>Chart!$A$10</c:f>
-              <c:strCache>
-                <c:ptCount val="1"/>
-                <c:pt idx="0">
-                  <c:v>Do not have smartphone or tablet</c:v>
-                </c:pt>
-              </c:strCache>
-            </c:strRef>
-          </c:tx>
-          <c:spPr>
-            <a:solidFill>
-              <a:schemeClr val="bg1">
-                <a:lumMod val="50000"/>
-              </a:schemeClr>
-            </a:solidFill>
-          </c:spPr>
-          <c:cat>
-            <c:strRef>
-              <c:f>Chart!$B$5:$T$5</c:f>
-              <c:strCache>
-                <c:ptCount val="19"/>
-                <c:pt idx="0">
-                  <c:v>Total</c:v>
-                </c:pt>
-                <c:pt idx="2">
-                  <c:v>Male</c:v>
-                </c:pt>
-                <c:pt idx="3">
-                  <c:v>Female</c:v>
-                </c:pt>
-                <c:pt idx="5">
-                  <c:v>16-24</c:v>
-                </c:pt>
-                <c:pt idx="6">
-                  <c:v>25-34</c:v>
-                </c:pt>
-                <c:pt idx="7">
-                  <c:v>35-44</c:v>
-                </c:pt>
-                <c:pt idx="8">
-                  <c:v>45-54</c:v>
-                </c:pt>
-                <c:pt idx="9">
-                  <c:v>55-64</c:v>
-                </c:pt>
-                <c:pt idx="10">
-                  <c:v>65+</c:v>
-                </c:pt>
-                <c:pt idx="12">
-                  <c:v>Generation Y</c:v>
-                </c:pt>
-                <c:pt idx="13">
-                  <c:v>Generation X</c:v>
-                </c:pt>
-                <c:pt idx="14">
-                  <c:v>Baby-boomers</c:v>
-                </c:pt>
-                <c:pt idx="16">
-                  <c:v>&lt; €1.1k HH income</c:v>
-                </c:pt>
-                <c:pt idx="17">
-                  <c:v>€1.1k - 2.2k HH income</c:v>
-                </c:pt>
-                <c:pt idx="18">
-                  <c:v>€2.2k+ HH income</c:v>
-                </c:pt>
-              </c:strCache>
-            </c:strRef>
-          </c:cat>
-          <c:val>
-            <c:numRef>
-              <c:f>Chart!$B$10:$T$10</c:f>
-              <c:numCache>
-                <c:formatCode>General</c:formatCode>
-                <c:ptCount val="19"/>
-                <c:pt idx="0" formatCode="0.00%">
-                  <c:v>2.8239700000000013E-2</c:v>
-                </c:pt>
-                <c:pt idx="2" formatCode="0.00%">
-                  <c:v>2.5348800000000001E-2</c:v>
-                </c:pt>
-                <c:pt idx="3" formatCode="0.00%">
-                  <c:v>3.0963899999999999E-2</c:v>
-                </c:pt>
-                <c:pt idx="5" formatCode="0.00%">
-                  <c:v>7.1029999999999999E-3</c:v>
-                </c:pt>
-                <c:pt idx="6" formatCode="0.00%">
-                  <c:v>0</c:v>
-                </c:pt>
-                <c:pt idx="7" formatCode="0.00%">
-                  <c:v>3.6690000000000021E-2</c:v>
-                </c:pt>
-                <c:pt idx="8" formatCode="0.00%">
-                  <c:v>1.1314800000000003E-2</c:v>
-                </c:pt>
-                <c:pt idx="9" formatCode="0.00%">
-                  <c:v>4.5751899999999998E-2</c:v>
-                </c:pt>
-                <c:pt idx="10" formatCode="0.00%">
-                  <c:v>5.9874500000000004E-2</c:v>
-                </c:pt>
-                <c:pt idx="12" formatCode="0.00%">
-                  <c:v>2.9534000000000001E-3</c:v>
-                </c:pt>
-                <c:pt idx="13" formatCode="0.00%">
-                  <c:v>2.398649999999999E-2</c:v>
-                </c:pt>
-                <c:pt idx="14" formatCode="0.00%">
-                  <c:v>5.3493200000000025E-2</c:v>
-                </c:pt>
-                <c:pt idx="16" formatCode="0.00%">
-                  <c:v>3.9846000000000006E-2</c:v>
-                </c:pt>
-                <c:pt idx="17" formatCode="0.00%">
-                  <c:v>3.7437600000000022E-2</c:v>
-                </c:pt>
-                <c:pt idx="18" formatCode="0.00%">
-                  <c:v>1.2181400000000005E-2</c:v>
-                </c:pt>
-              </c:numCache>
-            </c:numRef>
-          </c:val>
-        </c:ser>
-        <c:gapWidth val="50"/>
-        <c:overlap val="100"/>
-        <c:axId val="93383296"/>
-        <c:axId val="99431936"/>
-      </c:barChart>
-      <c:catAx>
-        <c:axId val="93383296"/>
-        <c:scaling>
-          <c:orientation val="minMax"/>
-        </c:scaling>
-        <c:axPos val="b"/>
-        <c:majorTickMark val="none"/>
-        <c:tickLblPos val="nextTo"/>
-        <c:txPr>
-          <a:bodyPr rot="-5400000" vert="horz"/>
-          <a:lstStyle/>
-          <a:p>
-            <a:pPr>
-              <a:defRPr/>
-            </a:pPr>
-            <a:endParaRPr lang="en-US"/>
-          </a:p>
-        </c:txPr>
-        <c:crossAx val="99431936"/>
-        <c:crosses val="autoZero"/>
-        <c:auto val="1"/>
-        <c:lblAlgn val="ctr"/>
-        <c:lblOffset val="100"/>
-        <c:tickLblSkip val="1"/>
-      </c:catAx>
-      <c:valAx>
-        <c:axId val="99431936"/>
-        <c:scaling>
-          <c:orientation val="minMax"/>
-          <c:max val="1"/>
-        </c:scaling>
-        <c:axPos val="l"/>
-        <c:numFmt formatCode="0%" sourceLinked="0"/>
-        <c:tickLblPos val="nextTo"/>
-        <c:crossAx val="93383296"/>
-        <c:crosses val="autoZero"/>
-        <c:crossBetween val="between"/>
-        <c:majorUnit val="0.2"/>
-        <c:minorUnit val="0.1"/>
-      </c:valAx>
-    </c:plotArea>
-    <c:legend>
-      <c:legendPos val="r"/>
-      <c:layout>
-        <c:manualLayout>
-          <c:xMode val="edge"/>
-          <c:yMode val="edge"/>
-          <c:x val="0.76532540339144206"/>
-          <c:y val="7.8095223424460723E-4"/>
-          <c:w val="0.23467459660856058"/>
-          <c:h val="0.99921904776575243"/>
-        </c:manualLayout>
-      </c:layout>
-    </c:legend>
-    <c:plotVisOnly val="1"/>
-  </c:chart>
-  <c:txPr>
-    <a:bodyPr/>
-    <a:lstStyle/>
-    <a:p>
-      <a:pPr>
-        <a:defRPr sz="1400">
-          <a:solidFill>
-            <a:schemeClr val="tx1">
-              <a:lumMod val="65000"/>
-              <a:lumOff val="35000"/>
-            </a:schemeClr>
-          </a:solidFill>
-        </a:defRPr>
-      </a:pPr>
-      <a:endParaRPr lang="en-US"/>
-    </a:p>
-  </c:txPr>
-  <c:externalData r:id="rId1"/>
-</c:chartSpace>
-</file>
-
-<file path=ppt/charts/slide_9/chart4.xml><?xml version="1.0" encoding="utf-8"?>
-<c:chartSpace xmlns:c="http://schemas.openxmlformats.org/drawingml/2006/chart" xmlns:a="http://schemas.openxmlformats.org/drawingml/2006/main" xmlns:r="http://schemas.openxmlformats.org/officeDocument/2006/relationships">
-  <c:date1904 val="1"/>
-  <c:lang val="en-GB"/>
-  <c:chart>
-    <c:autoTitleDeleted val="1"/>
-    <c:plotArea>
-      <c:layout>
-        <c:manualLayout>
-          <c:layoutTarget val="inner"/>
-          <c:xMode val="edge"/>
-          <c:yMode val="edge"/>
-          <c:x val="7.2520090021811909E-2"/>
-          <c:y val="2.5190961026375819E-2"/>
-          <c:w val="0.68087441494501277"/>
-          <c:h val="0.50778237729989562"/>
-        </c:manualLayout>
-      </c:layout>
-      <c:barChart>
-        <c:barDir val="col"/>
-        <c:grouping val="stacked"/>
-        <c:ser>
-          <c:idx val="0"/>
-          <c:order val="0"/>
-          <c:tx>
-            <c:strRef>
-              <c:f>Chart!$A$6</c:f>
-              <c:strCache>
-                <c:ptCount val="1"/>
-                <c:pt idx="0">
-                  <c:v>Via Smartphone only</c:v>
-                </c:pt>
-              </c:strCache>
-            </c:strRef>
-          </c:tx>
-          <c:spPr>
-            <a:solidFill>
-              <a:schemeClr val="tx2">
-                <a:lumMod val="50000"/>
-              </a:schemeClr>
-            </a:solidFill>
-          </c:spPr>
-          <c:cat>
-            <c:strRef>
-              <c:f>Chart!$B$5:$T$5</c:f>
-              <c:strCache>
-                <c:ptCount val="19"/>
-                <c:pt idx="0">
-                  <c:v>Total</c:v>
-                </c:pt>
-                <c:pt idx="2">
-                  <c:v>Male</c:v>
-                </c:pt>
-                <c:pt idx="3">
-                  <c:v>Female</c:v>
-                </c:pt>
-                <c:pt idx="5">
-                  <c:v>16-24</c:v>
-                </c:pt>
-                <c:pt idx="6">
-                  <c:v>25-34</c:v>
-                </c:pt>
-                <c:pt idx="7">
-                  <c:v>35-44</c:v>
-                </c:pt>
-                <c:pt idx="8">
-                  <c:v>45-54</c:v>
-                </c:pt>
-                <c:pt idx="9">
-                  <c:v>55-64</c:v>
-                </c:pt>
-                <c:pt idx="10">
-                  <c:v>65+</c:v>
-                </c:pt>
-                <c:pt idx="12">
-                  <c:v>Generation Y</c:v>
-                </c:pt>
-                <c:pt idx="13">
-                  <c:v>Generation X</c:v>
-                </c:pt>
-                <c:pt idx="14">
-                  <c:v>Baby-boomers</c:v>
-                </c:pt>
-                <c:pt idx="16">
-                  <c:v>&lt; kr13.8k HH income</c:v>
-                </c:pt>
-                <c:pt idx="17">
-                  <c:v>kr13.8k - 26.4k HH income</c:v>
-                </c:pt>
-                <c:pt idx="18">
-                  <c:v>kr26.4k+ HH income</c:v>
-                </c:pt>
-              </c:strCache>
-            </c:strRef>
-          </c:cat>
-          <c:val>
-            <c:numRef>
-              <c:f>Chart!$B$6:$T$6</c:f>
-              <c:numCache>
-                <c:formatCode>General</c:formatCode>
-                <c:ptCount val="19"/>
-                <c:pt idx="0" formatCode="0.00%">
-                  <c:v>0.32964750000000015</c:v>
-                </c:pt>
-                <c:pt idx="2" formatCode="0.00%">
-                  <c:v>0.31350920000000021</c:v>
-                </c:pt>
-                <c:pt idx="3" formatCode="0.00%">
-                  <c:v>0.3451530000000001</c:v>
-                </c:pt>
-                <c:pt idx="5" formatCode="0.00%">
-                  <c:v>0.50027509999999997</c:v>
-                </c:pt>
-                <c:pt idx="6" formatCode="0.00%">
-                  <c:v>0.42427870000000018</c:v>
-                </c:pt>
-                <c:pt idx="7" formatCode="0.00%">
-                  <c:v>0.37018340000000016</c:v>
-                </c:pt>
-                <c:pt idx="8" formatCode="0.00%">
-                  <c:v>0.34179680000000001</c:v>
-                </c:pt>
-                <c:pt idx="9" formatCode="0.00%">
-                  <c:v>0.19076290000000001</c:v>
-                </c:pt>
-                <c:pt idx="10" formatCode="0.00%">
-                  <c:v>0.21985209999999999</c:v>
-                </c:pt>
-                <c:pt idx="12" formatCode="0.00%">
-                  <c:v>0.46678320000000001</c:v>
-                </c:pt>
-                <c:pt idx="13" formatCode="0.00%">
-                  <c:v>0.35882470000000033</c:v>
-                </c:pt>
-                <c:pt idx="14" formatCode="0.00%">
-                  <c:v>0.19822390000000001</c:v>
-                </c:pt>
-                <c:pt idx="16" formatCode="0.00%">
-                  <c:v>0.36552170000000017</c:v>
-                </c:pt>
-                <c:pt idx="17" formatCode="0.00%">
-                  <c:v>0.36094450000000017</c:v>
-                </c:pt>
-                <c:pt idx="18" formatCode="0.00%">
-                  <c:v>0.29922360000000015</c:v>
-                </c:pt>
-              </c:numCache>
-            </c:numRef>
-          </c:val>
-        </c:ser>
-        <c:ser>
-          <c:idx val="2"/>
-          <c:order val="1"/>
-          <c:tx>
-            <c:strRef>
-              <c:f>Chart!$A$7</c:f>
-              <c:strCache>
-                <c:ptCount val="1"/>
-                <c:pt idx="0">
-                  <c:v>Via Smartphone and Tablet</c:v>
-                </c:pt>
-              </c:strCache>
-            </c:strRef>
-          </c:tx>
-          <c:spPr>
-            <a:solidFill>
-              <a:schemeClr val="tx2"/>
-            </a:solidFill>
-          </c:spPr>
-          <c:cat>
-            <c:strRef>
-              <c:f>Chart!$B$5:$T$5</c:f>
-              <c:strCache>
-                <c:ptCount val="19"/>
-                <c:pt idx="0">
-                  <c:v>Total</c:v>
-                </c:pt>
-                <c:pt idx="2">
-                  <c:v>Male</c:v>
-                </c:pt>
-                <c:pt idx="3">
-                  <c:v>Female</c:v>
-                </c:pt>
-                <c:pt idx="5">
-                  <c:v>16-24</c:v>
-                </c:pt>
-                <c:pt idx="6">
-                  <c:v>25-34</c:v>
-                </c:pt>
-                <c:pt idx="7">
-                  <c:v>35-44</c:v>
-                </c:pt>
-                <c:pt idx="8">
-                  <c:v>45-54</c:v>
-                </c:pt>
-                <c:pt idx="9">
-                  <c:v>55-64</c:v>
-                </c:pt>
-                <c:pt idx="10">
-                  <c:v>65+</c:v>
-                </c:pt>
-                <c:pt idx="12">
-                  <c:v>Generation Y</c:v>
-                </c:pt>
-                <c:pt idx="13">
-                  <c:v>Generation X</c:v>
-                </c:pt>
-                <c:pt idx="14">
-                  <c:v>Baby-boomers</c:v>
-                </c:pt>
-                <c:pt idx="16">
-                  <c:v>&lt; kr13.8k HH income</c:v>
-                </c:pt>
-                <c:pt idx="17">
-                  <c:v>kr13.8k - 26.4k HH income</c:v>
-                </c:pt>
-                <c:pt idx="18">
-                  <c:v>kr26.4k+ HH income</c:v>
-                </c:pt>
-              </c:strCache>
-            </c:strRef>
-          </c:cat>
-          <c:val>
-            <c:numRef>
-              <c:f>Chart!$B$7:$T$7</c:f>
-              <c:numCache>
-                <c:formatCode>General</c:formatCode>
-                <c:ptCount val="19"/>
-                <c:pt idx="0" formatCode="0.00%">
-                  <c:v>0.19793240000000009</c:v>
-                </c:pt>
-                <c:pt idx="2" formatCode="0.00%">
-                  <c:v>0.19922090000000001</c:v>
-                </c:pt>
-                <c:pt idx="3" formatCode="0.00%">
-                  <c:v>0.19669439999999999</c:v>
-                </c:pt>
-                <c:pt idx="5" formatCode="0.00%">
-                  <c:v>0.27980170000000021</c:v>
-                </c:pt>
-                <c:pt idx="6" formatCode="0.00%">
-                  <c:v>0.22356799999999999</c:v>
-                </c:pt>
-                <c:pt idx="7" formatCode="0.00%">
-                  <c:v>0.26746110000000001</c:v>
-                </c:pt>
-                <c:pt idx="8" formatCode="0.00%">
-                  <c:v>0.15315989999999999</c:v>
-                </c:pt>
-                <c:pt idx="9" formatCode="0.00%">
-                  <c:v>0.1251052</c:v>
-                </c:pt>
-                <c:pt idx="10" formatCode="0.00%">
-                  <c:v>0.15816020000000008</c:v>
-                </c:pt>
-                <c:pt idx="12" formatCode="0.00%">
-                  <c:v>0.25726680000000002</c:v>
-                </c:pt>
-                <c:pt idx="13" formatCode="0.00%">
-                  <c:v>0.21149650000000009</c:v>
-                </c:pt>
-                <c:pt idx="14" formatCode="0.00%">
-                  <c:v>0.13648959999999999</c:v>
-                </c:pt>
-                <c:pt idx="16" formatCode="0.00%">
-                  <c:v>0.11594260000000002</c:v>
-                </c:pt>
-                <c:pt idx="17" formatCode="0.00%">
-                  <c:v>0.1690219</c:v>
-                </c:pt>
-                <c:pt idx="18" formatCode="0.00%">
-                  <c:v>0.26581710000000008</c:v>
-                </c:pt>
-              </c:numCache>
-            </c:numRef>
-          </c:val>
-        </c:ser>
-        <c:ser>
-          <c:idx val="4"/>
-          <c:order val="2"/>
-          <c:tx>
-            <c:strRef>
-              <c:f>Chart!$A$8</c:f>
-              <c:strCache>
-                <c:ptCount val="1"/>
-                <c:pt idx="0">
-                  <c:v>Via Tablet only</c:v>
-                </c:pt>
-              </c:strCache>
-            </c:strRef>
-          </c:tx>
-          <c:spPr>
-            <a:solidFill>
-              <a:schemeClr val="bg2">
-                <a:lumMod val="60000"/>
-                <a:lumOff val="40000"/>
-              </a:schemeClr>
-            </a:solidFill>
-          </c:spPr>
-          <c:cat>
-            <c:strRef>
-              <c:f>Chart!$B$5:$T$5</c:f>
-              <c:strCache>
-                <c:ptCount val="19"/>
-                <c:pt idx="0">
-                  <c:v>Total</c:v>
-                </c:pt>
-                <c:pt idx="2">
-                  <c:v>Male</c:v>
-                </c:pt>
-                <c:pt idx="3">
-                  <c:v>Female</c:v>
-                </c:pt>
-                <c:pt idx="5">
-                  <c:v>16-24</c:v>
-                </c:pt>
-                <c:pt idx="6">
-                  <c:v>25-34</c:v>
-                </c:pt>
-                <c:pt idx="7">
-                  <c:v>35-44</c:v>
-                </c:pt>
-                <c:pt idx="8">
-                  <c:v>45-54</c:v>
-                </c:pt>
-                <c:pt idx="9">
-                  <c:v>55-64</c:v>
-                </c:pt>
-                <c:pt idx="10">
-                  <c:v>65+</c:v>
-                </c:pt>
-                <c:pt idx="12">
-                  <c:v>Generation Y</c:v>
-                </c:pt>
-                <c:pt idx="13">
-                  <c:v>Generation X</c:v>
-                </c:pt>
-                <c:pt idx="14">
-                  <c:v>Baby-boomers</c:v>
-                </c:pt>
-                <c:pt idx="16">
-                  <c:v>&lt; kr13.8k HH income</c:v>
-                </c:pt>
-                <c:pt idx="17">
-                  <c:v>kr13.8k - 26.4k HH income</c:v>
-                </c:pt>
-                <c:pt idx="18">
-                  <c:v>kr26.4k+ HH income</c:v>
-                </c:pt>
-              </c:strCache>
-            </c:strRef>
-          </c:cat>
-          <c:val>
-            <c:numRef>
-              <c:f>Chart!$B$8:$T$8</c:f>
-              <c:numCache>
-                <c:formatCode>General</c:formatCode>
-                <c:ptCount val="19"/>
-                <c:pt idx="0" formatCode="0.00%">
-                  <c:v>4.4145699999999996E-2</c:v>
-                </c:pt>
-                <c:pt idx="2" formatCode="0.00%">
-                  <c:v>4.3656899999999985E-2</c:v>
-                </c:pt>
-                <c:pt idx="3" formatCode="0.00%">
-                  <c:v>4.4615300000000004E-2</c:v>
-                </c:pt>
-                <c:pt idx="5" formatCode="0.00%">
-                  <c:v>5.7272300000000012E-2</c:v>
-                </c:pt>
-                <c:pt idx="6" formatCode="0.00%">
-                  <c:v>4.8941099999999974E-2</c:v>
-                </c:pt>
-                <c:pt idx="7" formatCode="0.00%">
-                  <c:v>4.9063200000000043E-2</c:v>
-                </c:pt>
-                <c:pt idx="8" formatCode="0.00%">
-                  <c:v>2.4234100000000012E-2</c:v>
-                </c:pt>
-                <c:pt idx="9" formatCode="0.00%">
-                  <c:v>5.9199300000000003E-2</c:v>
-                </c:pt>
-                <c:pt idx="10" formatCode="0.00%">
-                  <c:v>3.2250500000000001E-2</c:v>
-                </c:pt>
-                <c:pt idx="12" formatCode="0.00%">
-                  <c:v>4.9232900000000031E-2</c:v>
-                </c:pt>
-                <c:pt idx="13" formatCode="0.00%">
-                  <c:v>4.1004400000000003E-2</c:v>
-                </c:pt>
-                <c:pt idx="14" formatCode="0.00%">
-                  <c:v>5.1267300000000002E-2</c:v>
-                </c:pt>
-                <c:pt idx="16" formatCode="0.00%">
-                  <c:v>4.2525599999999997E-2</c:v>
-                </c:pt>
-                <c:pt idx="17" formatCode="0.00%">
-                  <c:v>4.3033200000000014E-2</c:v>
-                </c:pt>
-                <c:pt idx="18" formatCode="0.00%">
-                  <c:v>4.6029599999999976E-2</c:v>
-                </c:pt>
-              </c:numCache>
-            </c:numRef>
-          </c:val>
-        </c:ser>
-        <c:ser>
-          <c:idx val="5"/>
-          <c:order val="3"/>
-          <c:tx>
-            <c:strRef>
-              <c:f>Chart!$A$9</c:f>
-              <c:strCache>
-                <c:ptCount val="1"/>
-                <c:pt idx="0">
-                  <c:v>Not used at least once a month</c:v>
-                </c:pt>
-              </c:strCache>
-            </c:strRef>
-          </c:tx>
-          <c:spPr>
-            <a:solidFill>
-              <a:schemeClr val="bg1">
-                <a:lumMod val="85000"/>
-              </a:schemeClr>
-            </a:solidFill>
-          </c:spPr>
-          <c:cat>
-            <c:strRef>
-              <c:f>Chart!$B$5:$T$5</c:f>
-              <c:strCache>
-                <c:ptCount val="19"/>
-                <c:pt idx="0">
-                  <c:v>Total</c:v>
-                </c:pt>
-                <c:pt idx="2">
-                  <c:v>Male</c:v>
-                </c:pt>
-                <c:pt idx="3">
-                  <c:v>Female</c:v>
-                </c:pt>
-                <c:pt idx="5">
-                  <c:v>16-24</c:v>
-                </c:pt>
-                <c:pt idx="6">
-                  <c:v>25-34</c:v>
-                </c:pt>
-                <c:pt idx="7">
-                  <c:v>35-44</c:v>
-                </c:pt>
-                <c:pt idx="8">
-                  <c:v>45-54</c:v>
-                </c:pt>
-                <c:pt idx="9">
-                  <c:v>55-64</c:v>
-                </c:pt>
-                <c:pt idx="10">
-                  <c:v>65+</c:v>
-                </c:pt>
-                <c:pt idx="12">
-                  <c:v>Generation Y</c:v>
-                </c:pt>
-                <c:pt idx="13">
-                  <c:v>Generation X</c:v>
-                </c:pt>
-                <c:pt idx="14">
-                  <c:v>Baby-boomers</c:v>
-                </c:pt>
-                <c:pt idx="16">
-                  <c:v>&lt; kr13.8k HH income</c:v>
-                </c:pt>
-                <c:pt idx="17">
-                  <c:v>kr13.8k - 26.4k HH income</c:v>
-                </c:pt>
-                <c:pt idx="18">
-                  <c:v>kr26.4k+ HH income</c:v>
-                </c:pt>
-              </c:strCache>
-            </c:strRef>
-          </c:cat>
-          <c:val>
-            <c:numRef>
-              <c:f>Chart!$B$9:$T$9</c:f>
-              <c:numCache>
-                <c:formatCode>General</c:formatCode>
-                <c:ptCount val="19"/>
-                <c:pt idx="0" formatCode="0.00%">
-                  <c:v>0.32347900000000024</c:v>
-                </c:pt>
-                <c:pt idx="2" formatCode="0.00%">
-                  <c:v>0.35490780000000016</c:v>
-                </c:pt>
-                <c:pt idx="3" formatCode="0.00%">
-                  <c:v>0.29328270000000017</c:v>
-                </c:pt>
-                <c:pt idx="5" formatCode="0.00%">
-                  <c:v>0.13442770000000001</c:v>
-                </c:pt>
-                <c:pt idx="6" formatCode="0.00%">
-                  <c:v>0.27372550000000001</c:v>
-                </c:pt>
-                <c:pt idx="7" formatCode="0.00%">
-                  <c:v>0.25083919999999998</c:v>
-                </c:pt>
-                <c:pt idx="8" formatCode="0.00%">
-                  <c:v>0.38539880000000037</c:v>
-                </c:pt>
-                <c:pt idx="9" formatCode="0.00%">
-                  <c:v>0.46091850000000018</c:v>
-                </c:pt>
-                <c:pt idx="10" formatCode="0.00%">
-                  <c:v>0.38988960000000034</c:v>
-                </c:pt>
-                <c:pt idx="12" formatCode="0.00%">
-                  <c:v>0.19588149999999999</c:v>
-                </c:pt>
-                <c:pt idx="13" formatCode="0.00%">
-                  <c:v>0.31462880000000037</c:v>
-                </c:pt>
-                <c:pt idx="14" formatCode="0.00%">
-                  <c:v>0.44661090000000014</c:v>
-                </c:pt>
-                <c:pt idx="16" formatCode="0.00%">
-                  <c:v>0.27987850000000031</c:v>
-                </c:pt>
-                <c:pt idx="17" formatCode="0.00%">
-                  <c:v>0.29472900000000002</c:v>
-                </c:pt>
-                <c:pt idx="18" formatCode="0.00%">
-                  <c:v>0.33357660000000033</c:v>
-                </c:pt>
-              </c:numCache>
-            </c:numRef>
-          </c:val>
-        </c:ser>
-        <c:ser>
-          <c:idx val="7"/>
-          <c:order val="4"/>
-          <c:tx>
-            <c:strRef>
-              <c:f>Chart!$A$10</c:f>
-              <c:strCache>
-                <c:ptCount val="1"/>
-                <c:pt idx="0">
-                  <c:v>Do not have smartphone or tablet</c:v>
-                </c:pt>
-              </c:strCache>
-            </c:strRef>
-          </c:tx>
-          <c:spPr>
-            <a:solidFill>
-              <a:schemeClr val="bg1">
-                <a:lumMod val="50000"/>
-              </a:schemeClr>
-            </a:solidFill>
-          </c:spPr>
-          <c:cat>
-            <c:strRef>
-              <c:f>Chart!$B$5:$T$5</c:f>
-              <c:strCache>
-                <c:ptCount val="19"/>
-                <c:pt idx="0">
-                  <c:v>Total</c:v>
-                </c:pt>
-                <c:pt idx="2">
-                  <c:v>Male</c:v>
-                </c:pt>
-                <c:pt idx="3">
-                  <c:v>Female</c:v>
-                </c:pt>
-                <c:pt idx="5">
-                  <c:v>16-24</c:v>
-                </c:pt>
-                <c:pt idx="6">
-                  <c:v>25-34</c:v>
-                </c:pt>
-                <c:pt idx="7">
-                  <c:v>35-44</c:v>
-                </c:pt>
-                <c:pt idx="8">
-                  <c:v>45-54</c:v>
-                </c:pt>
-                <c:pt idx="9">
-                  <c:v>55-64</c:v>
-                </c:pt>
-                <c:pt idx="10">
-                  <c:v>65+</c:v>
-                </c:pt>
-                <c:pt idx="12">
-                  <c:v>Generation Y</c:v>
-                </c:pt>
-                <c:pt idx="13">
-                  <c:v>Generation X</c:v>
-                </c:pt>
-                <c:pt idx="14">
-                  <c:v>Baby-boomers</c:v>
-                </c:pt>
-                <c:pt idx="16">
-                  <c:v>&lt; kr13.8k HH income</c:v>
-                </c:pt>
-                <c:pt idx="17">
-                  <c:v>kr13.8k - 26.4k HH income</c:v>
-                </c:pt>
-                <c:pt idx="18">
-                  <c:v>kr26.4k+ HH income</c:v>
-                </c:pt>
-              </c:strCache>
-            </c:strRef>
-          </c:cat>
-          <c:val>
-            <c:numRef>
-              <c:f>Chart!$B$10:$T$10</c:f>
-              <c:numCache>
-                <c:formatCode>General</c:formatCode>
-                <c:ptCount val="19"/>
-                <c:pt idx="0" formatCode="0.00%">
-                  <c:v>0.10479540000000007</c:v>
-                </c:pt>
-                <c:pt idx="2" formatCode="0.00%">
-                  <c:v>8.8705100000000078E-2</c:v>
-                </c:pt>
-                <c:pt idx="3" formatCode="0.00%">
-                  <c:v>0.12025460000000004</c:v>
-                </c:pt>
-                <c:pt idx="5" formatCode="0.00%">
-                  <c:v>2.8223100000000001E-2</c:v>
-                </c:pt>
-                <c:pt idx="6" formatCode="0.00%">
-                  <c:v>2.9486800000000011E-2</c:v>
-                </c:pt>
-                <c:pt idx="7" formatCode="0.00%">
-                  <c:v>6.2453000000000029E-2</c:v>
-                </c:pt>
-                <c:pt idx="8" formatCode="0.00%">
-                  <c:v>9.5410500000000009E-2</c:v>
-                </c:pt>
-                <c:pt idx="9" formatCode="0.00%">
-                  <c:v>0.16401399999999999</c:v>
-                </c:pt>
-                <c:pt idx="10" formatCode="0.00%">
-                  <c:v>0.19984759999999999</c:v>
-                </c:pt>
-                <c:pt idx="12" formatCode="0.00%">
-                  <c:v>3.0835600000000019E-2</c:v>
-                </c:pt>
-                <c:pt idx="13" formatCode="0.00%">
-                  <c:v>7.4045600000000003E-2</c:v>
-                </c:pt>
-                <c:pt idx="14" formatCode="0.00%">
-                  <c:v>0.16740830000000012</c:v>
-                </c:pt>
-                <c:pt idx="16" formatCode="0.00%">
-                  <c:v>0.19613169999999991</c:v>
-                </c:pt>
-                <c:pt idx="17" formatCode="0.00%">
-                  <c:v>0.13227140000000001</c:v>
-                </c:pt>
-                <c:pt idx="18" formatCode="0.00%">
-                  <c:v>5.5353100000000002E-2</c:v>
-                </c:pt>
-              </c:numCache>
-            </c:numRef>
-          </c:val>
-        </c:ser>
-        <c:gapWidth val="50"/>
-        <c:overlap val="100"/>
-        <c:axId val="100101504"/>
-        <c:axId val="100121216"/>
-      </c:barChart>
-      <c:catAx>
-        <c:axId val="100101504"/>
-        <c:scaling>
-          <c:orientation val="minMax"/>
-        </c:scaling>
-        <c:axPos val="b"/>
-        <c:majorTickMark val="none"/>
-        <c:tickLblPos val="nextTo"/>
-        <c:txPr>
-          <a:bodyPr rot="-5400000" vert="horz"/>
-          <a:lstStyle/>
-          <a:p>
-            <a:pPr>
-              <a:defRPr/>
-            </a:pPr>
-            <a:endParaRPr lang="en-US"/>
-          </a:p>
-        </c:txPr>
-        <c:crossAx val="100121216"/>
-        <c:crosses val="autoZero"/>
-        <c:auto val="1"/>
-        <c:lblAlgn val="ctr"/>
-        <c:lblOffset val="100"/>
-        <c:tickLblSkip val="1"/>
-      </c:catAx>
-      <c:valAx>
-        <c:axId val="100121216"/>
-        <c:scaling>
-          <c:orientation val="minMax"/>
-          <c:max val="1"/>
-        </c:scaling>
-        <c:axPos val="l"/>
-        <c:numFmt formatCode="0%" sourceLinked="0"/>
-        <c:tickLblPos val="nextTo"/>
-        <c:crossAx val="100101504"/>
-        <c:crosses val="autoZero"/>
-        <c:crossBetween val="between"/>
-        <c:majorUnit val="0.2"/>
-        <c:minorUnit val="0.1"/>
-      </c:valAx>
-    </c:plotArea>
-    <c:legend>
-      <c:legendPos val="r"/>
-      <c:layout>
-        <c:manualLayout>
-          <c:xMode val="edge"/>
-          <c:yMode val="edge"/>
-          <c:x val="0.76532540339144206"/>
-          <c:y val="7.8095223424460723E-4"/>
-          <c:w val="0.23467459660856058"/>
-          <c:h val="0.99921904776575243"/>
-        </c:manualLayout>
-      </c:layout>
-    </c:legend>
-    <c:plotVisOnly val="1"/>
-  </c:chart>
-  <c:txPr>
-    <a:bodyPr/>
-    <a:lstStyle/>
-    <a:p>
-      <a:pPr>
-        <a:defRPr sz="1400">
-          <a:solidFill>
-            <a:schemeClr val="tx1">
-              <a:lumMod val="65000"/>
-              <a:lumOff val="35000"/>
-            </a:schemeClr>
-          </a:solidFill>
-        </a:defRPr>
-      </a:pPr>
-      <a:endParaRPr lang="en-US"/>
-    </a:p>
-  </c:txPr>
-  <c:externalData r:id="rId1"/>
-</c:chartSpace>
 </file>
 
 <file path=ppt/notesMasters/notesMaster1.xml><?xml version="1.0" encoding="utf-8"?>
@@ -3498,606 +508,6 @@
     </a:lvl9pPr>
   </p:notesStyle>
 </p:notesMaster>
-</file>
-
-<file path=ppt/notesSlides/notesSlide6.xml><?xml version="1.0" encoding="utf-8"?>
-<p:notes xmlns:a="http://schemas.openxmlformats.org/drawingml/2006/main" xmlns:r="http://schemas.openxmlformats.org/officeDocument/2006/relationships" xmlns:p="http://schemas.openxmlformats.org/presentationml/2006/main">
-  <p:cSld>
-    <p:spTree>
-      <p:nvGrpSpPr>
-        <p:cNvPr id="1" name=""/>
-        <p:cNvGrpSpPr/>
-        <p:nvPr/>
-      </p:nvGrpSpPr>
-      <p:grpSpPr>
-        <a:xfrm>
-          <a:off x="0" y="0"/>
-          <a:ext cx="0" cy="0"/>
-          <a:chOff x="0" y="0"/>
-          <a:chExt cx="0" cy="0"/>
-        </a:xfrm>
-      </p:grpSpPr>
-      <p:sp>
-        <p:nvSpPr>
-          <p:cNvPr id="2" name="Slide Image Placeholder 1"/>
-          <p:cNvSpPr>
-            <a:spLocks noGrp="1" noRot="1" noChangeAspect="1"/>
-          </p:cNvSpPr>
-          <p:nvPr>
-            <p:ph type="sldImg"/>
-          </p:nvPr>
-        </p:nvSpPr>
-        <p:spPr/>
-      </p:sp>
-      <p:sp>
-        <p:nvSpPr>
-          <p:cNvPr id="3" name="Notes Placeholder 2"/>
-          <p:cNvSpPr>
-            <a:spLocks noGrp="1"/>
-          </p:cNvSpPr>
-          <p:nvPr>
-            <p:ph type="body" idx="1"/>
-          </p:nvPr>
-        </p:nvSpPr>
-        <p:spPr/>
-        <p:txBody>
-          <a:bodyPr>
-            <a:normAutofit/>
-          </a:bodyPr>
-          <a:lstStyle/>
-          <a:p>
-            <a:pPr marL="0" marR="0" indent="0" algn="l" defTabSz="914400" rtl="0" eaLnBrk="0" fontAlgn="base" latinLnBrk="0" hangingPunct="0">
-              <a:lnSpc>
-                <a:spcPct val="100000"/>
-              </a:lnSpc>
-              <a:spcBef>
-                <a:spcPct val="50000"/>
-              </a:spcBef>
-              <a:spcAft>
-                <a:spcPct val="0"/>
-              </a:spcAft>
-              <a:buClrTx/>
-              <a:buSzTx/>
-              <a:buFontTx/>
-              <a:buNone/>
-              <a:tabLst/>
-              <a:defRPr/>
-            </a:pPr>
-            <a:r>
-              <a:rPr lang="en-GB" sz="1100" kern="1200" dirty="0" smtClean="0">
-                <a:solidFill>
-                  <a:schemeClr val="tx1"/>
-                </a:solidFill>
-                <a:latin typeface="Arial" pitchFamily="34" charset="0"/>
-                <a:ea typeface="+mn-ea"/>
-                <a:cs typeface="Arial" pitchFamily="34" charset="0"/>
-              </a:rPr>
-              <a:t>Additional data are included with this chart. </a:t>
-            </a:r>
-            <a:r>
-              <a:rPr lang="en-GB" sz="1100" kern="1200" smtClean="0">
-                <a:solidFill>
-                  <a:schemeClr val="tx1"/>
-                </a:solidFill>
-                <a:latin typeface="Arial" pitchFamily="34" charset="0"/>
-                <a:ea typeface="+mn-ea"/>
-                <a:cs typeface="Arial" pitchFamily="34" charset="0"/>
-              </a:rPr>
-              <a:t>Right click and select “</a:t>
-            </a:r>
-            <a:r>
-              <a:rPr lang="en-GB" sz="1100" b="1" kern="1200" smtClean="0">
-                <a:solidFill>
-                  <a:schemeClr val="tx1"/>
-                </a:solidFill>
-                <a:latin typeface="Arial" pitchFamily="34" charset="0"/>
-                <a:ea typeface="+mn-ea"/>
-                <a:cs typeface="Arial" pitchFamily="34" charset="0"/>
-              </a:rPr>
-              <a:t>Edit Data</a:t>
-            </a:r>
-            <a:r>
-              <a:rPr lang="en-GB" sz="1100" kern="1200" smtClean="0">
-                <a:solidFill>
-                  <a:schemeClr val="tx1"/>
-                </a:solidFill>
-                <a:latin typeface="Arial" pitchFamily="34" charset="0"/>
-                <a:ea typeface="+mn-ea"/>
-                <a:cs typeface="Arial" pitchFamily="34" charset="0"/>
-              </a:rPr>
-              <a:t>” to find demographic breakdowns and definitions.</a:t>
-            </a:r>
-            <a:endParaRPr lang="en-GB" sz="1100" kern="1200" dirty="0" smtClean="0">
-              <a:solidFill>
-                <a:schemeClr val="tx1"/>
-              </a:solidFill>
-              <a:latin typeface="Arial" pitchFamily="34" charset="0"/>
-              <a:ea typeface="+mn-ea"/>
-              <a:cs typeface="Arial" pitchFamily="34" charset="0"/>
-            </a:endParaRPr>
-          </a:p>
-        </p:txBody>
-      </p:sp>
-      <p:sp>
-        <p:nvSpPr>
-          <p:cNvPr id="4" name="Slide Number Placeholder 3"/>
-          <p:cNvSpPr>
-            <a:spLocks noGrp="1"/>
-          </p:cNvSpPr>
-          <p:nvPr>
-            <p:ph type="sldNum" sz="quarter" idx="10"/>
-          </p:nvPr>
-        </p:nvSpPr>
-        <p:spPr/>
-        <p:txBody>
-          <a:bodyPr/>
-          <a:lstStyle/>
-          <a:p>
-            <a:fld id="{E23096E1-B3E2-4534-A28D-1261E61EFEBD}" type="slidenum">
-              <a:rPr lang="en-GB" smtClean="0"/>
-              <a:pPr/>
-              <a:t>1</a:t>
-            </a:fld>
-            <a:endParaRPr lang="en-GB"/>
-          </a:p>
-        </p:txBody>
-      </p:sp>
-    </p:spTree>
-  </p:cSld>
-  <p:clrMapOvr>
-    <a:masterClrMapping/>
-  </p:clrMapOvr>
-</p:notes>
-</file>
-
-<file path=ppt/notesSlides/notesSlide7.xml><?xml version="1.0" encoding="utf-8"?>
-<p:notes xmlns:a="http://schemas.openxmlformats.org/drawingml/2006/main" xmlns:r="http://schemas.openxmlformats.org/officeDocument/2006/relationships" xmlns:p="http://schemas.openxmlformats.org/presentationml/2006/main">
-  <p:cSld>
-    <p:spTree>
-      <p:nvGrpSpPr>
-        <p:cNvPr id="1" name=""/>
-        <p:cNvGrpSpPr/>
-        <p:nvPr/>
-      </p:nvGrpSpPr>
-      <p:grpSpPr>
-        <a:xfrm>
-          <a:off x="0" y="0"/>
-          <a:ext cx="0" cy="0"/>
-          <a:chOff x="0" y="0"/>
-          <a:chExt cx="0" cy="0"/>
-        </a:xfrm>
-      </p:grpSpPr>
-      <p:sp>
-        <p:nvSpPr>
-          <p:cNvPr id="2" name="Slide Image Placeholder 1"/>
-          <p:cNvSpPr>
-            <a:spLocks noGrp="1" noRot="1" noChangeAspect="1"/>
-          </p:cNvSpPr>
-          <p:nvPr>
-            <p:ph type="sldImg"/>
-          </p:nvPr>
-        </p:nvSpPr>
-        <p:spPr/>
-      </p:sp>
-      <p:sp>
-        <p:nvSpPr>
-          <p:cNvPr id="3" name="Notes Placeholder 2"/>
-          <p:cNvSpPr>
-            <a:spLocks noGrp="1"/>
-          </p:cNvSpPr>
-          <p:nvPr>
-            <p:ph type="body" idx="1"/>
-          </p:nvPr>
-        </p:nvSpPr>
-        <p:spPr/>
-        <p:txBody>
-          <a:bodyPr>
-            <a:normAutofit/>
-          </a:bodyPr>
-          <a:lstStyle/>
-          <a:p>
-            <a:pPr marL="0" marR="0" indent="0" algn="l" defTabSz="914400" rtl="0" eaLnBrk="0" fontAlgn="base" latinLnBrk="0" hangingPunct="0">
-              <a:lnSpc>
-                <a:spcPct val="100000"/>
-              </a:lnSpc>
-              <a:spcBef>
-                <a:spcPct val="50000"/>
-              </a:spcBef>
-              <a:spcAft>
-                <a:spcPct val="0"/>
-              </a:spcAft>
-              <a:buClrTx/>
-              <a:buSzTx/>
-              <a:buFontTx/>
-              <a:buNone/>
-              <a:tabLst/>
-              <a:defRPr/>
-            </a:pPr>
-            <a:r>
-              <a:rPr lang="en-GB" sz="1100" kern="1200" dirty="0" smtClean="0">
-                <a:solidFill>
-                  <a:schemeClr val="tx1"/>
-                </a:solidFill>
-                <a:latin typeface="Arial" pitchFamily="34" charset="0"/>
-                <a:ea typeface="+mn-ea"/>
-                <a:cs typeface="Arial" pitchFamily="34" charset="0"/>
-              </a:rPr>
-              <a:t>Additional data are included with this chart. </a:t>
-            </a:r>
-            <a:r>
-              <a:rPr lang="en-GB" sz="1100" kern="1200" smtClean="0">
-                <a:solidFill>
-                  <a:schemeClr val="tx1"/>
-                </a:solidFill>
-                <a:latin typeface="Arial" pitchFamily="34" charset="0"/>
-                <a:ea typeface="+mn-ea"/>
-                <a:cs typeface="Arial" pitchFamily="34" charset="0"/>
-              </a:rPr>
-              <a:t>Right click and select “</a:t>
-            </a:r>
-            <a:r>
-              <a:rPr lang="en-GB" sz="1100" b="1" kern="1200" smtClean="0">
-                <a:solidFill>
-                  <a:schemeClr val="tx1"/>
-                </a:solidFill>
-                <a:latin typeface="Arial" pitchFamily="34" charset="0"/>
-                <a:ea typeface="+mn-ea"/>
-                <a:cs typeface="Arial" pitchFamily="34" charset="0"/>
-              </a:rPr>
-              <a:t>Edit Data</a:t>
-            </a:r>
-            <a:r>
-              <a:rPr lang="en-GB" sz="1100" kern="1200" smtClean="0">
-                <a:solidFill>
-                  <a:schemeClr val="tx1"/>
-                </a:solidFill>
-                <a:latin typeface="Arial" pitchFamily="34" charset="0"/>
-                <a:ea typeface="+mn-ea"/>
-                <a:cs typeface="Arial" pitchFamily="34" charset="0"/>
-              </a:rPr>
-              <a:t>” to find demographic breakdowns and definitions.</a:t>
-            </a:r>
-            <a:endParaRPr lang="en-GB" sz="1100" kern="1200" dirty="0" smtClean="0">
-              <a:solidFill>
-                <a:schemeClr val="tx1"/>
-              </a:solidFill>
-              <a:latin typeface="Arial" pitchFamily="34" charset="0"/>
-              <a:ea typeface="+mn-ea"/>
-              <a:cs typeface="Arial" pitchFamily="34" charset="0"/>
-            </a:endParaRPr>
-          </a:p>
-        </p:txBody>
-      </p:sp>
-      <p:sp>
-        <p:nvSpPr>
-          <p:cNvPr id="4" name="Slide Number Placeholder 3"/>
-          <p:cNvSpPr>
-            <a:spLocks noGrp="1"/>
-          </p:cNvSpPr>
-          <p:nvPr>
-            <p:ph type="sldNum" sz="quarter" idx="10"/>
-          </p:nvPr>
-        </p:nvSpPr>
-        <p:spPr/>
-        <p:txBody>
-          <a:bodyPr/>
-          <a:lstStyle/>
-          <a:p>
-            <a:fld id="{E23096E1-B3E2-4534-A28D-1261E61EFEBD}" type="slidenum">
-              <a:rPr lang="en-GB" smtClean="0"/>
-              <a:pPr/>
-              <a:t>2</a:t>
-            </a:fld>
-            <a:endParaRPr lang="en-GB"/>
-          </a:p>
-        </p:txBody>
-      </p:sp>
-    </p:spTree>
-  </p:cSld>
-  <p:clrMapOvr>
-    <a:masterClrMapping/>
-  </p:clrMapOvr>
-</p:notes>
-</file>
-
-<file path=ppt/notesSlides/notesSlide8.xml><?xml version="1.0" encoding="utf-8"?>
-<p:notes xmlns:a="http://schemas.openxmlformats.org/drawingml/2006/main" xmlns:r="http://schemas.openxmlformats.org/officeDocument/2006/relationships" xmlns:p="http://schemas.openxmlformats.org/presentationml/2006/main">
-  <p:cSld>
-    <p:spTree>
-      <p:nvGrpSpPr>
-        <p:cNvPr id="1" name=""/>
-        <p:cNvGrpSpPr/>
-        <p:nvPr/>
-      </p:nvGrpSpPr>
-      <p:grpSpPr>
-        <a:xfrm>
-          <a:off x="0" y="0"/>
-          <a:ext cx="0" cy="0"/>
-          <a:chOff x="0" y="0"/>
-          <a:chExt cx="0" cy="0"/>
-        </a:xfrm>
-      </p:grpSpPr>
-      <p:sp>
-        <p:nvSpPr>
-          <p:cNvPr id="2" name="Slide Image Placeholder 1"/>
-          <p:cNvSpPr>
-            <a:spLocks noGrp="1" noRot="1" noChangeAspect="1"/>
-          </p:cNvSpPr>
-          <p:nvPr>
-            <p:ph type="sldImg"/>
-          </p:nvPr>
-        </p:nvSpPr>
-        <p:spPr/>
-      </p:sp>
-      <p:sp>
-        <p:nvSpPr>
-          <p:cNvPr id="3" name="Notes Placeholder 2"/>
-          <p:cNvSpPr>
-            <a:spLocks noGrp="1"/>
-          </p:cNvSpPr>
-          <p:nvPr>
-            <p:ph type="body" idx="1"/>
-          </p:nvPr>
-        </p:nvSpPr>
-        <p:spPr/>
-        <p:txBody>
-          <a:bodyPr>
-            <a:normAutofit/>
-          </a:bodyPr>
-          <a:lstStyle/>
-          <a:p>
-            <a:pPr marL="0" marR="0" indent="0" algn="l" defTabSz="914400" rtl="0" eaLnBrk="0" fontAlgn="base" latinLnBrk="0" hangingPunct="0">
-              <a:lnSpc>
-                <a:spcPct val="100000"/>
-              </a:lnSpc>
-              <a:spcBef>
-                <a:spcPct val="50000"/>
-              </a:spcBef>
-              <a:spcAft>
-                <a:spcPct val="0"/>
-              </a:spcAft>
-              <a:buClrTx/>
-              <a:buSzTx/>
-              <a:buFontTx/>
-              <a:buNone/>
-              <a:tabLst/>
-              <a:defRPr/>
-            </a:pPr>
-            <a:r>
-              <a:rPr lang="en-GB" sz="1100" kern="1200" dirty="0" smtClean="0">
-                <a:solidFill>
-                  <a:schemeClr val="tx1"/>
-                </a:solidFill>
-                <a:latin typeface="Arial" pitchFamily="34" charset="0"/>
-                <a:ea typeface="+mn-ea"/>
-                <a:cs typeface="Arial" pitchFamily="34" charset="0"/>
-              </a:rPr>
-              <a:t>Additional data are included with this chart. </a:t>
-            </a:r>
-            <a:r>
-              <a:rPr lang="en-GB" sz="1100" kern="1200" smtClean="0">
-                <a:solidFill>
-                  <a:schemeClr val="tx1"/>
-                </a:solidFill>
-                <a:latin typeface="Arial" pitchFamily="34" charset="0"/>
-                <a:ea typeface="+mn-ea"/>
-                <a:cs typeface="Arial" pitchFamily="34" charset="0"/>
-              </a:rPr>
-              <a:t>Right click and select “</a:t>
-            </a:r>
-            <a:r>
-              <a:rPr lang="en-GB" sz="1100" b="1" kern="1200" smtClean="0">
-                <a:solidFill>
-                  <a:schemeClr val="tx1"/>
-                </a:solidFill>
-                <a:latin typeface="Arial" pitchFamily="34" charset="0"/>
-                <a:ea typeface="+mn-ea"/>
-                <a:cs typeface="Arial" pitchFamily="34" charset="0"/>
-              </a:rPr>
-              <a:t>Edit Data</a:t>
-            </a:r>
-            <a:r>
-              <a:rPr lang="en-GB" sz="1100" kern="1200" smtClean="0">
-                <a:solidFill>
-                  <a:schemeClr val="tx1"/>
-                </a:solidFill>
-                <a:latin typeface="Arial" pitchFamily="34" charset="0"/>
-                <a:ea typeface="+mn-ea"/>
-                <a:cs typeface="Arial" pitchFamily="34" charset="0"/>
-              </a:rPr>
-              <a:t>” to find demographic breakdowns and definitions.</a:t>
-            </a:r>
-            <a:endParaRPr lang="en-GB" sz="1100" kern="1200" dirty="0" smtClean="0">
-              <a:solidFill>
-                <a:schemeClr val="tx1"/>
-              </a:solidFill>
-              <a:latin typeface="Arial" pitchFamily="34" charset="0"/>
-              <a:ea typeface="+mn-ea"/>
-              <a:cs typeface="Arial" pitchFamily="34" charset="0"/>
-            </a:endParaRPr>
-          </a:p>
-        </p:txBody>
-      </p:sp>
-      <p:sp>
-        <p:nvSpPr>
-          <p:cNvPr id="4" name="Slide Number Placeholder 3"/>
-          <p:cNvSpPr>
-            <a:spLocks noGrp="1"/>
-          </p:cNvSpPr>
-          <p:nvPr>
-            <p:ph type="sldNum" sz="quarter" idx="10"/>
-          </p:nvPr>
-        </p:nvSpPr>
-        <p:spPr/>
-        <p:txBody>
-          <a:bodyPr/>
-          <a:lstStyle/>
-          <a:p>
-            <a:fld id="{E23096E1-B3E2-4534-A28D-1261E61EFEBD}" type="slidenum">
-              <a:rPr lang="en-GB" smtClean="0"/>
-              <a:pPr/>
-              <a:t>3</a:t>
-            </a:fld>
-            <a:endParaRPr lang="en-GB"/>
-          </a:p>
-        </p:txBody>
-      </p:sp>
-    </p:spTree>
-  </p:cSld>
-  <p:clrMapOvr>
-    <a:masterClrMapping/>
-  </p:clrMapOvr>
-</p:notes>
-</file>
-
-<file path=ppt/notesSlides/notesSlide9.xml><?xml version="1.0" encoding="utf-8"?>
-<p:notes xmlns:a="http://schemas.openxmlformats.org/drawingml/2006/main" xmlns:r="http://schemas.openxmlformats.org/officeDocument/2006/relationships" xmlns:p="http://schemas.openxmlformats.org/presentationml/2006/main">
-  <p:cSld>
-    <p:spTree>
-      <p:nvGrpSpPr>
-        <p:cNvPr id="1" name=""/>
-        <p:cNvGrpSpPr/>
-        <p:nvPr/>
-      </p:nvGrpSpPr>
-      <p:grpSpPr>
-        <a:xfrm>
-          <a:off x="0" y="0"/>
-          <a:ext cx="0" cy="0"/>
-          <a:chOff x="0" y="0"/>
-          <a:chExt cx="0" cy="0"/>
-        </a:xfrm>
-      </p:grpSpPr>
-      <p:sp>
-        <p:nvSpPr>
-          <p:cNvPr id="2" name="Slide Image Placeholder 1"/>
-          <p:cNvSpPr>
-            <a:spLocks noGrp="1" noRot="1" noChangeAspect="1"/>
-          </p:cNvSpPr>
-          <p:nvPr>
-            <p:ph type="sldImg"/>
-          </p:nvPr>
-        </p:nvSpPr>
-        <p:spPr/>
-      </p:sp>
-      <p:sp>
-        <p:nvSpPr>
-          <p:cNvPr id="3" name="Notes Placeholder 2"/>
-          <p:cNvSpPr>
-            <a:spLocks noGrp="1"/>
-          </p:cNvSpPr>
-          <p:nvPr>
-            <p:ph type="body" idx="1"/>
-          </p:nvPr>
-        </p:nvSpPr>
-        <p:spPr/>
-        <p:txBody>
-          <a:bodyPr>
-            <a:normAutofit/>
-          </a:bodyPr>
-          <a:lstStyle/>
-          <a:p>
-            <a:pPr marL="0" marR="0" indent="0" algn="l" defTabSz="914400" rtl="0" eaLnBrk="0" fontAlgn="base" latinLnBrk="0" hangingPunct="0">
-              <a:lnSpc>
-                <a:spcPct val="100000"/>
-              </a:lnSpc>
-              <a:spcBef>
-                <a:spcPct val="50000"/>
-              </a:spcBef>
-              <a:spcAft>
-                <a:spcPct val="0"/>
-              </a:spcAft>
-              <a:buClrTx/>
-              <a:buSzTx/>
-              <a:buFontTx/>
-              <a:buNone/>
-              <a:tabLst/>
-              <a:defRPr/>
-            </a:pPr>
-            <a:r>
-              <a:rPr lang="en-GB" sz="1100" kern="1200" dirty="0" smtClean="0">
-                <a:solidFill>
-                  <a:schemeClr val="tx1"/>
-                </a:solidFill>
-                <a:latin typeface="Arial" pitchFamily="34" charset="0"/>
-                <a:ea typeface="+mn-ea"/>
-                <a:cs typeface="Arial" pitchFamily="34" charset="0"/>
-              </a:rPr>
-              <a:t>Additional data are included with this chart. </a:t>
-            </a:r>
-            <a:r>
-              <a:rPr lang="en-GB" sz="1100" kern="1200" smtClean="0">
-                <a:solidFill>
-                  <a:schemeClr val="tx1"/>
-                </a:solidFill>
-                <a:latin typeface="Arial" pitchFamily="34" charset="0"/>
-                <a:ea typeface="+mn-ea"/>
-                <a:cs typeface="Arial" pitchFamily="34" charset="0"/>
-              </a:rPr>
-              <a:t>Right click and select “</a:t>
-            </a:r>
-            <a:r>
-              <a:rPr lang="en-GB" sz="1100" b="1" kern="1200" smtClean="0">
-                <a:solidFill>
-                  <a:schemeClr val="tx1"/>
-                </a:solidFill>
-                <a:latin typeface="Arial" pitchFamily="34" charset="0"/>
-                <a:ea typeface="+mn-ea"/>
-                <a:cs typeface="Arial" pitchFamily="34" charset="0"/>
-              </a:rPr>
-              <a:t>Edit Data</a:t>
-            </a:r>
-            <a:r>
-              <a:rPr lang="en-GB" sz="1100" kern="1200" smtClean="0">
-                <a:solidFill>
-                  <a:schemeClr val="tx1"/>
-                </a:solidFill>
-                <a:latin typeface="Arial" pitchFamily="34" charset="0"/>
-                <a:ea typeface="+mn-ea"/>
-                <a:cs typeface="Arial" pitchFamily="34" charset="0"/>
-              </a:rPr>
-              <a:t>” to find demographic breakdowns and definitions.</a:t>
-            </a:r>
-            <a:endParaRPr lang="en-GB" sz="1100" kern="1200" dirty="0" smtClean="0">
-              <a:solidFill>
-                <a:schemeClr val="tx1"/>
-              </a:solidFill>
-              <a:latin typeface="Arial" pitchFamily="34" charset="0"/>
-              <a:ea typeface="+mn-ea"/>
-              <a:cs typeface="Arial" pitchFamily="34" charset="0"/>
-            </a:endParaRPr>
-          </a:p>
-        </p:txBody>
-      </p:sp>
-      <p:sp>
-        <p:nvSpPr>
-          <p:cNvPr id="4" name="Slide Number Placeholder 3"/>
-          <p:cNvSpPr>
-            <a:spLocks noGrp="1"/>
-          </p:cNvSpPr>
-          <p:nvPr>
-            <p:ph type="sldNum" sz="quarter" idx="10"/>
-          </p:nvPr>
-        </p:nvSpPr>
-        <p:spPr/>
-        <p:txBody>
-          <a:bodyPr/>
-          <a:lstStyle/>
-          <a:p>
-            <a:fld id="{E23096E1-B3E2-4534-A28D-1261E61EFEBD}" type="slidenum">
-              <a:rPr lang="en-GB" smtClean="0"/>
-              <a:pPr/>
-              <a:t>4</a:t>
-            </a:fld>
-            <a:endParaRPr lang="en-GB"/>
-          </a:p>
-        </p:txBody>
-      </p:sp>
-    </p:spTree>
-  </p:cSld>
-  <p:clrMapOvr>
-    <a:masterClrMapping/>
-  </p:clrMapOvr>
-</p:notes>
 </file>
 
 <file path=ppt/slideLayouts/master2/slideLayout1.xml><?xml version="1.0" encoding="utf-8"?>
@@ -31609,29 +28019,77 @@
           <a:chExt cx="0" cy="0"/>
         </a:xfrm>
       </p:grpSpPr>
-      <p:graphicFrame>
-        <p:nvGraphicFramePr>
-          <p:cNvPr id="10" name="Content Placeholder 9"/>
-          <p:cNvGraphicFramePr>
-            <a:graphicFrameLocks noGrp="1"/>
-          </p:cNvGraphicFramePr>
-          <p:nvPr>
-            <p:ph idx="1"/>
-          </p:nvPr>
-        </p:nvGraphicFramePr>
-        <p:xfrm>
-          <a:off x="250825" y="1952625"/>
-          <a:ext cx="8642350" cy="4248509"/>
-        </p:xfrm>
-        <a:graphic>
-          <a:graphicData uri="http://schemas.openxmlformats.org/drawingml/2006/chart">
-            <c:chart xmlns:c="http://schemas.openxmlformats.org/drawingml/2006/chart" xmlns:r="http://schemas.openxmlformats.org/officeDocument/2006/relationships" r:id="rId3"/>
-          </a:graphicData>
-        </a:graphic>
-      </p:graphicFrame>
       <p:sp>
         <p:nvSpPr>
-          <p:cNvPr id="6" name="Text Placeholder 5"/>
+          <p:cNvPr id="41" name="Rectangle 40"/>
+          <p:cNvSpPr/>
+          <p:nvPr/>
+        </p:nvSpPr>
+        <p:spPr>
+          <a:xfrm>
+            <a:off x="0" y="1628800"/>
+            <a:ext cx="9144000" cy="4392000"/>
+          </a:xfrm>
+          <a:prstGeom prst="rect">
+            <a:avLst/>
+          </a:prstGeom>
+          <a:solidFill>
+            <a:schemeClr val="bg1"/>
+          </a:solidFill>
+          <a:ln>
+            <a:noFill/>
+          </a:ln>
+          <a:effectLst/>
+        </p:spPr>
+        <p:style>
+          <a:lnRef idx="1">
+            <a:schemeClr val="accent1"/>
+          </a:lnRef>
+          <a:fillRef idx="3">
+            <a:schemeClr val="accent1"/>
+          </a:fillRef>
+          <a:effectRef idx="2">
+            <a:schemeClr val="accent1"/>
+          </a:effectRef>
+          <a:fontRef idx="minor">
+            <a:schemeClr val="lt1"/>
+          </a:fontRef>
+        </p:style>
+        <p:txBody>
+          <a:bodyPr rtlCol="0" anchor="ctr"/>
+          <a:lstStyle/>
+          <a:p>
+            <a:pPr algn="ctr"/>
+            <a:endParaRPr lang="en-GB"/>
+          </a:p>
+        </p:txBody>
+      </p:sp>
+      <p:sp>
+        <p:nvSpPr>
+          <p:cNvPr id="12" name="Title 11"/>
+          <p:cNvSpPr>
+            <a:spLocks noGrp="1"/>
+          </p:cNvSpPr>
+          <p:nvPr>
+            <p:ph type="title"/>
+          </p:nvPr>
+        </p:nvSpPr>
+        <p:spPr/>
+        <p:txBody>
+          <a:bodyPr/>
+          <a:lstStyle/>
+          <a:p>
+            <a:r>
+              <a:rPr lang="en-GB" dirty="0" smtClean="0"/>
+              <a:t>Durability vs. following trends in China</a:t>
+            </a:r>
+            <a:endParaRPr lang="en-GB" dirty="0"/>
+          </a:p>
+        </p:txBody>
+      </p:sp>
+      <p:sp>
+        <p:nvSpPr>
+          <p:cNvPr id="2" name="Content Placeholder 1"/>
           <p:cNvSpPr>
             <a:spLocks noGrp="1"/>
           </p:cNvSpPr>
@@ -31644,54 +28102,9 @@
           <a:bodyPr/>
           <a:lstStyle/>
           <a:p>
-            <a:pPr>
-              <a:defRPr/>
-            </a:pPr>
             <a:r>
               <a:rPr lang="en-GB" dirty="0" smtClean="0"/>
-              <a:t>Source: nVision </a:t>
-            </a:r>
-            <a:r>
-              <a:rPr lang="en-GB" smtClean="0"/>
-              <a:t>Research | </a:t>
-            </a:r>
-            <a:r>
-              <a:rPr lang="en-GB" dirty="0" smtClean="0"/>
-              <a:t>Base: 1000 online respondents aged 16+, France, 2015 September</a:t>
-            </a:r>
-          </a:p>
-        </p:txBody>
-      </p:sp>
-      <p:sp>
-        <p:nvSpPr>
-          <p:cNvPr id="4" name="Title 3"/>
-          <p:cNvSpPr>
-            <a:spLocks noGrp="1"/>
-          </p:cNvSpPr>
-          <p:nvPr>
-            <p:ph type="title"/>
-          </p:nvPr>
-        </p:nvSpPr>
-        <p:spPr>
-          <a:xfrm>
-            <a:off x="250825" y="260350"/>
-            <a:ext cx="7813563" cy="443198"/>
-          </a:xfrm>
-        </p:spPr>
-        <p:txBody>
-          <a:bodyPr/>
-          <a:lstStyle/>
-          <a:p>
-            <a:pPr>
-              <a:defRPr/>
-            </a:pPr>
-            <a:r>
-              <a:rPr lang="en-GB" smtClean="0"/>
-              <a:t>       </a:t>
-            </a:r>
-            <a:r>
-              <a:rPr lang="en-GB" dirty="0" smtClean="0"/>
-              <a:t>Using social networking apps</a:t>
+              <a:t>Source: Global Trendspotter Network, 2016</a:t>
             </a:r>
             <a:endParaRPr lang="en-GB" dirty="0"/>
           </a:p>
@@ -31699,86 +28112,228 @@
       </p:sp>
       <p:sp>
         <p:nvSpPr>
-          <p:cNvPr id="7" name="Text Placeholder 6"/>
+          <p:cNvPr id="1027" name="Rectangle 3"/>
           <p:cNvSpPr>
-            <a:spLocks noGrp="1"/>
+            <a:spLocks noChangeArrowheads="1"/>
           </p:cNvSpPr>
-          <p:nvPr>
-            <p:ph type="body" sz="quarter" idx="11"/>
-          </p:nvPr>
+          <p:nvPr/>
+        </p:nvSpPr>
+        <p:spPr bwMode="auto">
+          <a:xfrm>
+            <a:off x="2771800" y="1878746"/>
+            <a:ext cx="5688632" cy="2529923"/>
+          </a:xfrm>
+          <a:prstGeom prst="rect">
+            <a:avLst/>
+          </a:prstGeom>
+          <a:noFill/>
+          <a:ln w="9525">
+            <a:noFill/>
+            <a:miter lim="800000"/>
+            <a:headEnd/>
+            <a:tailEnd/>
+          </a:ln>
+          <a:effectLst/>
+        </p:spPr>
+        <p:txBody>
+          <a:bodyPr vert="horz" wrap="square" lIns="91440" tIns="45720" rIns="91440" bIns="45720" numCol="1" anchor="t" anchorCtr="0" compatLnSpc="1">
+            <a:prstTxWarp prst="textNoShape">
+              <a:avLst/>
+            </a:prstTxWarp>
+            <a:spAutoFit/>
+          </a:bodyPr>
+          <a:lstStyle/>
+          <a:p>
+            <a:pPr lvl="0" algn="ctr" fontAlgn="base">
+              <a:lnSpc>
+                <a:spcPct val="90000"/>
+              </a:lnSpc>
+              <a:spcAft>
+                <a:spcPts val="600"/>
+              </a:spcAft>
+            </a:pPr>
+            <a:r>
+              <a:rPr lang="en-GB" sz="1600" b="1" dirty="0" smtClean="0">
+                <a:solidFill>
+                  <a:schemeClr val="bg2"/>
+                </a:solidFill>
+              </a:rPr>
+              <a:t>These days I </a:t>
+            </a:r>
+            <a:r>
+              <a:rPr lang="en-GB" sz="1600" b="1" dirty="0" smtClean="0">
+                <a:solidFill>
+                  <a:schemeClr val="bg2"/>
+                </a:solidFill>
+              </a:rPr>
+              <a:t>prefer buying products that will last </a:t>
+            </a:r>
+            <a:r>
+              <a:rPr lang="en-GB" sz="1600" b="1" dirty="0" smtClean="0">
+                <a:solidFill>
+                  <a:schemeClr val="bg2"/>
+                </a:solidFill>
+              </a:rPr>
+              <a:t>longer</a:t>
+            </a:r>
+            <a:r>
+              <a:rPr lang="en-GB" sz="1600" dirty="0" smtClean="0">
+                <a:solidFill>
+                  <a:schemeClr val="bg2"/>
+                </a:solidFill>
+              </a:rPr>
+              <a:t> </a:t>
+            </a:r>
+            <a:r>
+              <a:rPr lang="en-GB" sz="1600" b="1" dirty="0" smtClean="0">
+                <a:solidFill>
+                  <a:schemeClr val="bg2"/>
+                </a:solidFill>
+              </a:rPr>
+              <a:t>but</a:t>
+            </a:r>
+            <a:r>
+              <a:rPr lang="en-GB" sz="1600" b="1" dirty="0" smtClean="0">
+                <a:solidFill>
+                  <a:schemeClr val="bg2"/>
+                </a:solidFill>
+              </a:rPr>
+              <a:t> </a:t>
+            </a:r>
+            <a:r>
+              <a:rPr lang="en-GB" sz="1600" b="1" dirty="0" smtClean="0">
+                <a:solidFill>
+                  <a:schemeClr val="bg2"/>
+                </a:solidFill>
+              </a:rPr>
+              <a:t>I used to care less about the durability and more about the ever-changing trends. </a:t>
+            </a:r>
+            <a:r>
+              <a:rPr lang="en-GB" sz="1600" dirty="0" smtClean="0">
+                <a:solidFill>
+                  <a:schemeClr val="tx1">
+                    <a:lumMod val="65000"/>
+                    <a:lumOff val="35000"/>
+                  </a:schemeClr>
+                </a:solidFill>
+              </a:rPr>
+              <a:t>Take clothes and shoes for example, I used to enjoy following fashion trends and update my wardrobe with seasonal trending items</a:t>
+            </a:r>
+            <a:r>
+              <a:rPr lang="en-GB" sz="1600" dirty="0" smtClean="0">
+                <a:solidFill>
+                  <a:schemeClr val="bg2"/>
+                </a:solidFill>
+              </a:rPr>
+              <a:t>.</a:t>
+            </a:r>
+            <a:r>
+              <a:rPr lang="en-GB" sz="1600" dirty="0" smtClean="0">
+                <a:solidFill>
+                  <a:schemeClr val="tx1">
+                    <a:lumMod val="65000"/>
+                    <a:lumOff val="35000"/>
+                  </a:schemeClr>
+                </a:solidFill>
+              </a:rPr>
+              <a:t> This is no longer the case since I switched to a more environmentally friendly approach of consumption. On the other hand, fast consuming products can still be used up and replaced quickly</a:t>
+            </a:r>
+            <a:r>
+              <a:rPr lang="en-GB" sz="1600" dirty="0" smtClean="0">
+                <a:solidFill>
+                  <a:schemeClr val="bg2"/>
+                </a:solidFill>
+              </a:rPr>
+              <a:t>. </a:t>
+            </a:r>
+            <a:r>
+              <a:rPr lang="en-GB" sz="1600" b="1" dirty="0" smtClean="0">
+                <a:solidFill>
+                  <a:schemeClr val="bg2"/>
+                </a:solidFill>
+              </a:rPr>
+              <a:t>Electronic products like phones, tablets, and cameras are also updated more frequently due to system incompatibility</a:t>
+            </a:r>
+            <a:r>
+              <a:rPr lang="en-GB" sz="1600" dirty="0" smtClean="0">
+                <a:solidFill>
+                  <a:schemeClr val="bg2"/>
+                </a:solidFill>
+              </a:rPr>
+              <a:t>. </a:t>
+            </a:r>
+            <a:endParaRPr kumimoji="0" lang="en-US" altLang="zh-CN" sz="1600" i="0" u="none" strike="noStrike" cap="none" normalizeH="0" baseline="0" dirty="0" smtClean="0">
+              <a:ln>
+                <a:noFill/>
+              </a:ln>
+              <a:solidFill>
+                <a:schemeClr val="bg2"/>
+              </a:solidFill>
+              <a:effectLst/>
+              <a:latin typeface="+mj-lt"/>
+              <a:cs typeface="Arial" pitchFamily="34" charset="0"/>
+            </a:endParaRPr>
+          </a:p>
+        </p:txBody>
+      </p:sp>
+      <p:sp>
+        <p:nvSpPr>
+          <p:cNvPr id="24" name="TextBox 23"/>
+          <p:cNvSpPr txBox="1"/>
+          <p:nvPr/>
         </p:nvSpPr>
         <p:spPr>
           <a:xfrm>
-            <a:off x="250825" y="1160463"/>
-            <a:ext cx="8642349" cy="492443"/>
+            <a:off x="250824" y="873125"/>
+            <a:ext cx="8007435" cy="664797"/>
           </a:xfrm>
+          <a:prstGeom prst="rect">
+            <a:avLst/>
+          </a:prstGeom>
+          <a:noFill/>
         </p:spPr>
         <p:txBody>
-          <a:bodyPr/>
+          <a:bodyPr wrap="square" lIns="0" tIns="0" rIns="0" bIns="0" rtlCol="0">
+            <a:spAutoFit/>
+          </a:bodyPr>
           <a:lstStyle/>
           <a:p>
-            <a:pPr fontAlgn="base">
+            <a:pPr>
               <a:lnSpc>
-                <a:spcPct val="100000"/>
+                <a:spcPct val="90000"/>
               </a:lnSpc>
-              <a:spcBef>
-                <a:spcPct val="0"/>
-              </a:spcBef>
               <a:spcAft>
-                <a:spcPct val="0"/>
+                <a:spcPts val="600"/>
               </a:spcAft>
-              <a:defRPr/>
             </a:pPr>
             <a:r>
-              <a:rPr lang="en-GB" kern="0" dirty="0" smtClean="0">
-                <a:solidFill>
-                  <a:srgbClr val="000000">
+              <a:rPr lang="en-GB" sz="1600" dirty="0" smtClean="0">
+                <a:solidFill>
+                  <a:schemeClr val="tx1">
                     <a:lumMod val="65000"/>
                     <a:lumOff val="35000"/>
-                  </a:srgbClr>
+                  </a:schemeClr>
                 </a:solidFill>
               </a:rPr>
-              <a:t>“Which of the following kinds of apps do you use at least once a month via smartphone / via tablet</a:t>
+              <a:t>While some Chinese consumers are paying increased attention to the durability of the products they buy, a </a:t>
             </a:r>
             <a:r>
-              <a:rPr lang="en-GB" kern="0" smtClean="0">
-                <a:solidFill>
-                  <a:srgbClr val="000000">
+              <a:rPr lang="en-GB" sz="1600" dirty="0" smtClean="0">
+                <a:solidFill>
+                  <a:schemeClr val="tx1">
                     <a:lumMod val="65000"/>
                     <a:lumOff val="35000"/>
-                  </a:srgbClr>
+                  </a:schemeClr>
                 </a:solidFill>
               </a:rPr>
-              <a:t>?” | </a:t>
+              <a:t>large group of people are still spending a lot of money of following the latest trends in a bid to be “Zhuang Bi”.</a:t>
             </a:r>
-            <a:r>
-              <a:rPr lang="en-GB" kern="0" dirty="0" smtClean="0">
-                <a:solidFill>
-                  <a:srgbClr val="000000">
-                    <a:lumMod val="65000"/>
-                    <a:lumOff val="35000"/>
-                  </a:srgbClr>
-                </a:solidFill>
-              </a:rPr>
-              <a:t>Social </a:t>
-            </a:r>
-            <a:r>
-              <a:rPr lang="en-GB" kern="0" smtClean="0">
-                <a:solidFill>
-                  <a:srgbClr val="000000">
-                    <a:lumMod val="65000"/>
-                    <a:lumOff val="35000"/>
-                  </a:srgbClr>
-                </a:solidFill>
-              </a:rPr>
-              <a:t>networking | 2015</a:t>
-            </a:r>
-            <a:endParaRPr lang="en-GB" kern="0" dirty="0">
+            <a:endParaRPr lang="en-GB" sz="1600" dirty="0" smtClean="0">
               <a:solidFill>
-                <a:srgbClr val="000000">
+                <a:schemeClr val="tx1">
                   <a:lumMod val="65000"/>
                   <a:lumOff val="35000"/>
-                </a:srgbClr>
+                </a:schemeClr>
               </a:solidFill>
             </a:endParaRPr>
           </a:p>
@@ -31786,58 +28341,657 @@
       </p:sp>
       <p:pic>
         <p:nvPicPr>
-          <p:cNvPr id="2" name="Picture 1" descr="France.jpg"/>
+          <p:cNvPr id="17" name="Picture 1" descr="C:\Users\Josh\Downloads\IMG_1862.jpg"/>
           <p:cNvPicPr>
-            <a:picLocks noChangeAspect="1"/>
+            <a:picLocks noChangeAspect="1" noChangeArrowheads="1"/>
           </p:cNvPicPr>
           <p:nvPr/>
         </p:nvPicPr>
         <p:blipFill>
-          <a:blip r:embed="rId4" cstate="print"/>
+          <a:blip r:embed="rId3" cstate="print"/>
+          <a:srcRect l="39537" t="33981" r="27497" b="37854"/>
           <a:stretch>
             <a:fillRect/>
           </a:stretch>
         </p:blipFill>
+        <p:spPr bwMode="auto">
+          <a:xfrm>
+            <a:off x="250825" y="1881188"/>
+            <a:ext cx="1441451" cy="1439863"/>
+          </a:xfrm>
+          <a:prstGeom prst="ellipse">
+            <a:avLst/>
+          </a:prstGeom>
+          <a:noFill/>
+          <a:ln>
+            <a:noFill/>
+          </a:ln>
+        </p:spPr>
+      </p:pic>
+      <p:sp>
+        <p:nvSpPr>
+          <p:cNvPr id="22" name="TextBox 21"/>
+          <p:cNvSpPr txBox="1"/>
+          <p:nvPr/>
+        </p:nvSpPr>
         <p:spPr>
           <a:xfrm>
-            <a:off x="250825" y="260350"/>
-            <a:ext cx="684771" cy="396000"/>
+            <a:off x="250825" y="3394076"/>
+            <a:ext cx="1440001" cy="387798"/>
           </a:xfrm>
           <a:prstGeom prst="rect">
             <a:avLst/>
           </a:prstGeom>
+          <a:noFill/>
         </p:spPr>
-      </p:pic>
+        <p:txBody>
+          <a:bodyPr wrap="square" lIns="0" tIns="0" rIns="0" bIns="0" rtlCol="0">
+            <a:spAutoFit/>
+          </a:bodyPr>
+          <a:lstStyle/>
+          <a:p>
+            <a:pPr algn="ctr">
+              <a:lnSpc>
+                <a:spcPct val="90000"/>
+              </a:lnSpc>
+            </a:pPr>
+            <a:r>
+              <a:rPr lang="en-GB" sz="1400" b="1" dirty="0" smtClean="0">
+                <a:solidFill>
+                  <a:schemeClr val="bg2"/>
+                </a:solidFill>
+              </a:rPr>
+              <a:t>Jenny</a:t>
+            </a:r>
+          </a:p>
+          <a:p>
+            <a:pPr algn="ctr">
+              <a:lnSpc>
+                <a:spcPct val="90000"/>
+              </a:lnSpc>
+            </a:pPr>
+            <a:r>
+              <a:rPr lang="en-GB" sz="1400" b="1" spc="100" dirty="0" smtClean="0">
+                <a:solidFill>
+                  <a:schemeClr val="bg2"/>
+                </a:solidFill>
+              </a:rPr>
+              <a:t>CHINA</a:t>
+            </a:r>
+            <a:endParaRPr lang="en-GB" sz="1400" b="1" spc="100" dirty="0">
+              <a:solidFill>
+                <a:schemeClr val="bg2"/>
+              </a:solidFill>
+            </a:endParaRPr>
+          </a:p>
+        </p:txBody>
+      </p:sp>
       <p:grpSp>
         <p:nvGrpSpPr>
-          <p:cNvPr id="3" name="Group 11"/>
+          <p:cNvPr id="3" name="Group 31"/>
+          <p:cNvGrpSpPr>
+            <a:grpSpLocks noChangeAspect="1"/>
+          </p:cNvGrpSpPr>
+          <p:nvPr/>
+        </p:nvGrpSpPr>
+        <p:grpSpPr>
+          <a:xfrm>
+            <a:off x="2195736" y="1878746"/>
+            <a:ext cx="528083" cy="542142"/>
+            <a:chOff x="247650" y="646113"/>
+            <a:chExt cx="895326" cy="919162"/>
+          </a:xfrm>
+        </p:grpSpPr>
+        <p:sp>
+          <p:nvSpPr>
+            <p:cNvPr id="26" name="Freeform 17"/>
+            <p:cNvSpPr>
+              <a:spLocks/>
+            </p:cNvSpPr>
+            <p:nvPr/>
+          </p:nvSpPr>
+          <p:spPr bwMode="auto">
+            <a:xfrm>
+              <a:off x="247650" y="646113"/>
+              <a:ext cx="400050" cy="919162"/>
+            </a:xfrm>
+            <a:custGeom>
+              <a:avLst/>
+              <a:gdLst/>
+              <a:ahLst/>
+              <a:cxnLst>
+                <a:cxn ang="0">
+                  <a:pos x="98" y="139"/>
+                </a:cxn>
+                <a:cxn ang="0">
+                  <a:pos x="98" y="245"/>
+                </a:cxn>
+                <a:cxn ang="0">
+                  <a:pos x="0" y="245"/>
+                </a:cxn>
+                <a:cxn ang="0">
+                  <a:pos x="0" y="161"/>
+                </a:cxn>
+                <a:cxn ang="0">
+                  <a:pos x="16" y="62"/>
+                </a:cxn>
+                <a:cxn ang="0">
+                  <a:pos x="84" y="0"/>
+                </a:cxn>
+                <a:cxn ang="0">
+                  <a:pos x="107" y="36"/>
+                </a:cxn>
+                <a:cxn ang="0">
+                  <a:pos x="65" y="71"/>
+                </a:cxn>
+                <a:cxn ang="0">
+                  <a:pos x="50" y="139"/>
+                </a:cxn>
+                <a:cxn ang="0">
+                  <a:pos x="98" y="139"/>
+                </a:cxn>
+              </a:cxnLst>
+              <a:rect l="0" t="0" r="r" b="b"/>
+              <a:pathLst>
+                <a:path w="107" h="245">
+                  <a:moveTo>
+                    <a:pt x="98" y="139"/>
+                  </a:moveTo>
+                  <a:cubicBezTo>
+                    <a:pt x="98" y="245"/>
+                    <a:pt x="98" y="245"/>
+                    <a:pt x="98" y="245"/>
+                  </a:cubicBezTo>
+                  <a:cubicBezTo>
+                    <a:pt x="0" y="245"/>
+                    <a:pt x="0" y="245"/>
+                    <a:pt x="0" y="245"/>
+                  </a:cubicBezTo>
+                  <a:cubicBezTo>
+                    <a:pt x="0" y="161"/>
+                    <a:pt x="0" y="161"/>
+                    <a:pt x="0" y="161"/>
+                  </a:cubicBezTo>
+                  <a:cubicBezTo>
+                    <a:pt x="0" y="116"/>
+                    <a:pt x="5" y="83"/>
+                    <a:pt x="16" y="62"/>
+                  </a:cubicBezTo>
+                  <a:cubicBezTo>
+                    <a:pt x="31" y="35"/>
+                    <a:pt x="53" y="14"/>
+                    <a:pt x="84" y="0"/>
+                  </a:cubicBezTo>
+                  <a:cubicBezTo>
+                    <a:pt x="107" y="36"/>
+                    <a:pt x="107" y="36"/>
+                    <a:pt x="107" y="36"/>
+                  </a:cubicBezTo>
+                  <a:cubicBezTo>
+                    <a:pt x="88" y="44"/>
+                    <a:pt x="74" y="56"/>
+                    <a:pt x="65" y="71"/>
+                  </a:cubicBezTo>
+                  <a:cubicBezTo>
+                    <a:pt x="56" y="87"/>
+                    <a:pt x="51" y="109"/>
+                    <a:pt x="50" y="139"/>
+                  </a:cubicBezTo>
+                  <a:lnTo>
+                    <a:pt x="98" y="139"/>
+                  </a:lnTo>
+                  <a:close/>
+                </a:path>
+              </a:pathLst>
+            </a:custGeom>
+            <a:solidFill>
+              <a:schemeClr val="bg2"/>
+            </a:solidFill>
+            <a:ln w="9525">
+              <a:noFill/>
+              <a:round/>
+              <a:headEnd/>
+              <a:tailEnd/>
+            </a:ln>
+          </p:spPr>
+          <p:txBody>
+            <a:bodyPr vert="horz" wrap="square" lIns="91440" tIns="45720" rIns="91440" bIns="45720" numCol="1" anchor="t" anchorCtr="0" compatLnSpc="1">
+              <a:prstTxWarp prst="textNoShape">
+                <a:avLst/>
+              </a:prstTxWarp>
+            </a:bodyPr>
+            <a:lstStyle/>
+            <a:p>
+              <a:endParaRPr lang="en-GB"/>
+            </a:p>
+          </p:txBody>
+        </p:sp>
+        <p:sp>
+          <p:nvSpPr>
+            <p:cNvPr id="27" name="Freeform 17"/>
+            <p:cNvSpPr>
+              <a:spLocks/>
+            </p:cNvSpPr>
+            <p:nvPr/>
+          </p:nvSpPr>
+          <p:spPr bwMode="auto">
+            <a:xfrm>
+              <a:off x="742926" y="646113"/>
+              <a:ext cx="400050" cy="919162"/>
+            </a:xfrm>
+            <a:custGeom>
+              <a:avLst/>
+              <a:gdLst/>
+              <a:ahLst/>
+              <a:cxnLst>
+                <a:cxn ang="0">
+                  <a:pos x="98" y="139"/>
+                </a:cxn>
+                <a:cxn ang="0">
+                  <a:pos x="98" y="245"/>
+                </a:cxn>
+                <a:cxn ang="0">
+                  <a:pos x="0" y="245"/>
+                </a:cxn>
+                <a:cxn ang="0">
+                  <a:pos x="0" y="161"/>
+                </a:cxn>
+                <a:cxn ang="0">
+                  <a:pos x="16" y="62"/>
+                </a:cxn>
+                <a:cxn ang="0">
+                  <a:pos x="84" y="0"/>
+                </a:cxn>
+                <a:cxn ang="0">
+                  <a:pos x="107" y="36"/>
+                </a:cxn>
+                <a:cxn ang="0">
+                  <a:pos x="65" y="71"/>
+                </a:cxn>
+                <a:cxn ang="0">
+                  <a:pos x="50" y="139"/>
+                </a:cxn>
+                <a:cxn ang="0">
+                  <a:pos x="98" y="139"/>
+                </a:cxn>
+              </a:cxnLst>
+              <a:rect l="0" t="0" r="r" b="b"/>
+              <a:pathLst>
+                <a:path w="107" h="245">
+                  <a:moveTo>
+                    <a:pt x="98" y="139"/>
+                  </a:moveTo>
+                  <a:cubicBezTo>
+                    <a:pt x="98" y="245"/>
+                    <a:pt x="98" y="245"/>
+                    <a:pt x="98" y="245"/>
+                  </a:cubicBezTo>
+                  <a:cubicBezTo>
+                    <a:pt x="0" y="245"/>
+                    <a:pt x="0" y="245"/>
+                    <a:pt x="0" y="245"/>
+                  </a:cubicBezTo>
+                  <a:cubicBezTo>
+                    <a:pt x="0" y="161"/>
+                    <a:pt x="0" y="161"/>
+                    <a:pt x="0" y="161"/>
+                  </a:cubicBezTo>
+                  <a:cubicBezTo>
+                    <a:pt x="0" y="116"/>
+                    <a:pt x="5" y="83"/>
+                    <a:pt x="16" y="62"/>
+                  </a:cubicBezTo>
+                  <a:cubicBezTo>
+                    <a:pt x="31" y="35"/>
+                    <a:pt x="53" y="14"/>
+                    <a:pt x="84" y="0"/>
+                  </a:cubicBezTo>
+                  <a:cubicBezTo>
+                    <a:pt x="107" y="36"/>
+                    <a:pt x="107" y="36"/>
+                    <a:pt x="107" y="36"/>
+                  </a:cubicBezTo>
+                  <a:cubicBezTo>
+                    <a:pt x="88" y="44"/>
+                    <a:pt x="74" y="56"/>
+                    <a:pt x="65" y="71"/>
+                  </a:cubicBezTo>
+                  <a:cubicBezTo>
+                    <a:pt x="56" y="87"/>
+                    <a:pt x="51" y="109"/>
+                    <a:pt x="50" y="139"/>
+                  </a:cubicBezTo>
+                  <a:lnTo>
+                    <a:pt x="98" y="139"/>
+                  </a:lnTo>
+                  <a:close/>
+                </a:path>
+              </a:pathLst>
+            </a:custGeom>
+            <a:solidFill>
+              <a:schemeClr val="bg2"/>
+            </a:solidFill>
+            <a:ln w="9525">
+              <a:noFill/>
+              <a:round/>
+              <a:headEnd/>
+              <a:tailEnd/>
+            </a:ln>
+          </p:spPr>
+          <p:txBody>
+            <a:bodyPr vert="horz" wrap="square" lIns="91440" tIns="45720" rIns="91440" bIns="45720" numCol="1" anchor="t" anchorCtr="0" compatLnSpc="1">
+              <a:prstTxWarp prst="textNoShape">
+                <a:avLst/>
+              </a:prstTxWarp>
+            </a:bodyPr>
+            <a:lstStyle/>
+            <a:p>
+              <a:endParaRPr lang="en-GB"/>
+            </a:p>
+          </p:txBody>
+        </p:sp>
+      </p:grpSp>
+      <p:grpSp>
+        <p:nvGrpSpPr>
+          <p:cNvPr id="4" name="Group 30"/>
+          <p:cNvGrpSpPr>
+            <a:grpSpLocks noChangeAspect="1"/>
+          </p:cNvGrpSpPr>
+          <p:nvPr/>
+        </p:nvGrpSpPr>
+        <p:grpSpPr>
+          <a:xfrm>
+            <a:off x="8366270" y="4038986"/>
+            <a:ext cx="526210" cy="542142"/>
+            <a:chOff x="8001024" y="4462967"/>
+            <a:chExt cx="892151" cy="919162"/>
+          </a:xfrm>
+        </p:grpSpPr>
+        <p:sp>
+          <p:nvSpPr>
+            <p:cNvPr id="29" name="Freeform 21"/>
+            <p:cNvSpPr>
+              <a:spLocks/>
+            </p:cNvSpPr>
+            <p:nvPr/>
+          </p:nvSpPr>
+          <p:spPr bwMode="auto">
+            <a:xfrm>
+              <a:off x="8493125" y="4462967"/>
+              <a:ext cx="400050" cy="919162"/>
+            </a:xfrm>
+            <a:custGeom>
+              <a:avLst/>
+              <a:gdLst/>
+              <a:ahLst/>
+              <a:cxnLst>
+                <a:cxn ang="0">
+                  <a:pos x="8" y="107"/>
+                </a:cxn>
+                <a:cxn ang="0">
+                  <a:pos x="8" y="0"/>
+                </a:cxn>
+                <a:cxn ang="0">
+                  <a:pos x="106" y="0"/>
+                </a:cxn>
+                <a:cxn ang="0">
+                  <a:pos x="106" y="84"/>
+                </a:cxn>
+                <a:cxn ang="0">
+                  <a:pos x="91" y="183"/>
+                </a:cxn>
+                <a:cxn ang="0">
+                  <a:pos x="22" y="245"/>
+                </a:cxn>
+                <a:cxn ang="0">
+                  <a:pos x="0" y="209"/>
+                </a:cxn>
+                <a:cxn ang="0">
+                  <a:pos x="41" y="173"/>
+                </a:cxn>
+                <a:cxn ang="0">
+                  <a:pos x="56" y="107"/>
+                </a:cxn>
+                <a:cxn ang="0">
+                  <a:pos x="8" y="107"/>
+                </a:cxn>
+              </a:cxnLst>
+              <a:rect l="0" t="0" r="r" b="b"/>
+              <a:pathLst>
+                <a:path w="106" h="245">
+                  <a:moveTo>
+                    <a:pt x="8" y="107"/>
+                  </a:moveTo>
+                  <a:cubicBezTo>
+                    <a:pt x="8" y="0"/>
+                    <a:pt x="8" y="0"/>
+                    <a:pt x="8" y="0"/>
+                  </a:cubicBezTo>
+                  <a:cubicBezTo>
+                    <a:pt x="106" y="0"/>
+                    <a:pt x="106" y="0"/>
+                    <a:pt x="106" y="0"/>
+                  </a:cubicBezTo>
+                  <a:cubicBezTo>
+                    <a:pt x="106" y="84"/>
+                    <a:pt x="106" y="84"/>
+                    <a:pt x="106" y="84"/>
+                  </a:cubicBezTo>
+                  <a:cubicBezTo>
+                    <a:pt x="106" y="130"/>
+                    <a:pt x="101" y="163"/>
+                    <a:pt x="91" y="183"/>
+                  </a:cubicBezTo>
+                  <a:cubicBezTo>
+                    <a:pt x="76" y="210"/>
+                    <a:pt x="53" y="231"/>
+                    <a:pt x="22" y="245"/>
+                  </a:cubicBezTo>
+                  <a:cubicBezTo>
+                    <a:pt x="0" y="209"/>
+                    <a:pt x="0" y="209"/>
+                    <a:pt x="0" y="209"/>
+                  </a:cubicBezTo>
+                  <a:cubicBezTo>
+                    <a:pt x="18" y="201"/>
+                    <a:pt x="32" y="189"/>
+                    <a:pt x="41" y="173"/>
+                  </a:cubicBezTo>
+                  <a:cubicBezTo>
+                    <a:pt x="50" y="157"/>
+                    <a:pt x="55" y="135"/>
+                    <a:pt x="56" y="107"/>
+                  </a:cubicBezTo>
+                  <a:lnTo>
+                    <a:pt x="8" y="107"/>
+                  </a:lnTo>
+                  <a:close/>
+                </a:path>
+              </a:pathLst>
+            </a:custGeom>
+            <a:solidFill>
+              <a:schemeClr val="bg2"/>
+            </a:solidFill>
+            <a:ln w="9525">
+              <a:noFill/>
+              <a:round/>
+              <a:headEnd/>
+              <a:tailEnd/>
+            </a:ln>
+          </p:spPr>
+          <p:txBody>
+            <a:bodyPr vert="horz" wrap="square" lIns="91440" tIns="45720" rIns="91440" bIns="45720" numCol="1" anchor="t" anchorCtr="0" compatLnSpc="1">
+              <a:prstTxWarp prst="textNoShape">
+                <a:avLst/>
+              </a:prstTxWarp>
+            </a:bodyPr>
+            <a:lstStyle/>
+            <a:p>
+              <a:endParaRPr lang="en-GB"/>
+            </a:p>
+          </p:txBody>
+        </p:sp>
+        <p:sp>
+          <p:nvSpPr>
+            <p:cNvPr id="30" name="Freeform 21"/>
+            <p:cNvSpPr>
+              <a:spLocks/>
+            </p:cNvSpPr>
+            <p:nvPr/>
+          </p:nvSpPr>
+          <p:spPr bwMode="auto">
+            <a:xfrm>
+              <a:off x="8001024" y="4462967"/>
+              <a:ext cx="400050" cy="919162"/>
+            </a:xfrm>
+            <a:custGeom>
+              <a:avLst/>
+              <a:gdLst/>
+              <a:ahLst/>
+              <a:cxnLst>
+                <a:cxn ang="0">
+                  <a:pos x="8" y="107"/>
+                </a:cxn>
+                <a:cxn ang="0">
+                  <a:pos x="8" y="0"/>
+                </a:cxn>
+                <a:cxn ang="0">
+                  <a:pos x="106" y="0"/>
+                </a:cxn>
+                <a:cxn ang="0">
+                  <a:pos x="106" y="84"/>
+                </a:cxn>
+                <a:cxn ang="0">
+                  <a:pos x="91" y="183"/>
+                </a:cxn>
+                <a:cxn ang="0">
+                  <a:pos x="22" y="245"/>
+                </a:cxn>
+                <a:cxn ang="0">
+                  <a:pos x="0" y="209"/>
+                </a:cxn>
+                <a:cxn ang="0">
+                  <a:pos x="41" y="173"/>
+                </a:cxn>
+                <a:cxn ang="0">
+                  <a:pos x="56" y="107"/>
+                </a:cxn>
+                <a:cxn ang="0">
+                  <a:pos x="8" y="107"/>
+                </a:cxn>
+              </a:cxnLst>
+              <a:rect l="0" t="0" r="r" b="b"/>
+              <a:pathLst>
+                <a:path w="106" h="245">
+                  <a:moveTo>
+                    <a:pt x="8" y="107"/>
+                  </a:moveTo>
+                  <a:cubicBezTo>
+                    <a:pt x="8" y="0"/>
+                    <a:pt x="8" y="0"/>
+                    <a:pt x="8" y="0"/>
+                  </a:cubicBezTo>
+                  <a:cubicBezTo>
+                    <a:pt x="106" y="0"/>
+                    <a:pt x="106" y="0"/>
+                    <a:pt x="106" y="0"/>
+                  </a:cubicBezTo>
+                  <a:cubicBezTo>
+                    <a:pt x="106" y="84"/>
+                    <a:pt x="106" y="84"/>
+                    <a:pt x="106" y="84"/>
+                  </a:cubicBezTo>
+                  <a:cubicBezTo>
+                    <a:pt x="106" y="130"/>
+                    <a:pt x="101" y="163"/>
+                    <a:pt x="91" y="183"/>
+                  </a:cubicBezTo>
+                  <a:cubicBezTo>
+                    <a:pt x="76" y="210"/>
+                    <a:pt x="53" y="231"/>
+                    <a:pt x="22" y="245"/>
+                  </a:cubicBezTo>
+                  <a:cubicBezTo>
+                    <a:pt x="0" y="209"/>
+                    <a:pt x="0" y="209"/>
+                    <a:pt x="0" y="209"/>
+                  </a:cubicBezTo>
+                  <a:cubicBezTo>
+                    <a:pt x="18" y="201"/>
+                    <a:pt x="32" y="189"/>
+                    <a:pt x="41" y="173"/>
+                  </a:cubicBezTo>
+                  <a:cubicBezTo>
+                    <a:pt x="50" y="157"/>
+                    <a:pt x="55" y="135"/>
+                    <a:pt x="56" y="107"/>
+                  </a:cubicBezTo>
+                  <a:lnTo>
+                    <a:pt x="8" y="107"/>
+                  </a:lnTo>
+                  <a:close/>
+                </a:path>
+              </a:pathLst>
+            </a:custGeom>
+            <a:solidFill>
+              <a:schemeClr val="bg2"/>
+            </a:solidFill>
+            <a:ln w="9525">
+              <a:noFill/>
+              <a:round/>
+              <a:headEnd/>
+              <a:tailEnd/>
+            </a:ln>
+          </p:spPr>
+          <p:txBody>
+            <a:bodyPr vert="horz" wrap="square" lIns="91440" tIns="45720" rIns="91440" bIns="45720" numCol="1" anchor="t" anchorCtr="0" compatLnSpc="1">
+              <a:prstTxWarp prst="textNoShape">
+                <a:avLst/>
+              </a:prstTxWarp>
+            </a:bodyPr>
+            <a:lstStyle/>
+            <a:p>
+              <a:endParaRPr lang="en-GB"/>
+            </a:p>
+          </p:txBody>
+        </p:sp>
+      </p:grpSp>
+      <p:grpSp>
+        <p:nvGrpSpPr>
+          <p:cNvPr id="7" name="Group 46"/>
           <p:cNvGrpSpPr/>
           <p:nvPr/>
         </p:nvGrpSpPr>
         <p:grpSpPr>
           <a:xfrm>
-            <a:off x="7812868" y="0"/>
-            <a:ext cx="1331132" cy="1331132"/>
-            <a:chOff x="7812868" y="0"/>
-            <a:chExt cx="1331132" cy="1331132"/>
+            <a:off x="8091483" y="-3"/>
+            <a:ext cx="1052515" cy="1052515"/>
+            <a:chOff x="8091483" y="-3"/>
+            <a:chExt cx="1052515" cy="1052515"/>
           </a:xfrm>
         </p:grpSpPr>
         <p:sp>
           <p:nvSpPr>
-            <p:cNvPr id="13" name="Right Triangle 12"/>
+            <p:cNvPr id="48" name="Right Triangle 47"/>
             <p:cNvSpPr/>
-            <p:nvPr/>
+            <p:nvPr>
+              <p:custDataLst>
+                <p:tags r:id="rId1"/>
+              </p:custDataLst>
+            </p:nvPr>
           </p:nvSpPr>
           <p:spPr>
             <a:xfrm rot="10800000">
-              <a:off x="7812868" y="0"/>
-              <a:ext cx="1331132" cy="1331132"/>
+              <a:off x="8091483" y="-3"/>
+              <a:ext cx="1052515" cy="1052515"/>
             </a:xfrm>
             <a:prstGeom prst="rtTriangle">
               <a:avLst/>
             </a:prstGeom>
             <a:solidFill>
-              <a:schemeClr val="bg2"/>
+              <a:schemeClr val="bg1">
+                <a:lumMod val="85000"/>
+              </a:schemeClr>
             </a:solidFill>
             <a:ln>
               <a:noFill/>
@@ -31860,374 +29014,942 @@
           </p:style>
           <p:txBody>
             <a:bodyPr rtlCol="0" anchor="ctr"/>
-            <a:lstStyle>
-              <a:defPPr>
-                <a:defRPr lang="en-US"/>
-              </a:defPPr>
-              <a:lvl1pPr marL="0" algn="l" defTabSz="914400" rtl="0" eaLnBrk="1" latinLnBrk="0" hangingPunct="1">
-                <a:defRPr sz="1800" kern="1200">
-                  <a:solidFill>
-                    <a:schemeClr val="lt1"/>
-                  </a:solidFill>
-                  <a:latin typeface="+mn-lt"/>
-                  <a:ea typeface="+mn-ea"/>
-                  <a:cs typeface="+mn-cs"/>
-                </a:defRPr>
-              </a:lvl1pPr>
-              <a:lvl2pPr marL="457200" algn="l" defTabSz="914400" rtl="0" eaLnBrk="1" latinLnBrk="0" hangingPunct="1">
-                <a:defRPr sz="1800" kern="1200">
-                  <a:solidFill>
-                    <a:schemeClr val="lt1"/>
-                  </a:solidFill>
-                  <a:latin typeface="+mn-lt"/>
-                  <a:ea typeface="+mn-ea"/>
-                  <a:cs typeface="+mn-cs"/>
-                </a:defRPr>
-              </a:lvl2pPr>
-              <a:lvl3pPr marL="914400" algn="l" defTabSz="914400" rtl="0" eaLnBrk="1" latinLnBrk="0" hangingPunct="1">
-                <a:defRPr sz="1800" kern="1200">
-                  <a:solidFill>
-                    <a:schemeClr val="lt1"/>
-                  </a:solidFill>
-                  <a:latin typeface="+mn-lt"/>
-                  <a:ea typeface="+mn-ea"/>
-                  <a:cs typeface="+mn-cs"/>
-                </a:defRPr>
-              </a:lvl3pPr>
-              <a:lvl4pPr marL="1371600" algn="l" defTabSz="914400" rtl="0" eaLnBrk="1" latinLnBrk="0" hangingPunct="1">
-                <a:defRPr sz="1800" kern="1200">
-                  <a:solidFill>
-                    <a:schemeClr val="lt1"/>
-                  </a:solidFill>
-                  <a:latin typeface="+mn-lt"/>
-                  <a:ea typeface="+mn-ea"/>
-                  <a:cs typeface="+mn-cs"/>
-                </a:defRPr>
-              </a:lvl4pPr>
-              <a:lvl5pPr marL="1828800" algn="l" defTabSz="914400" rtl="0" eaLnBrk="1" latinLnBrk="0" hangingPunct="1">
-                <a:defRPr sz="1800" kern="1200">
-                  <a:solidFill>
-                    <a:schemeClr val="lt1"/>
-                  </a:solidFill>
-                  <a:latin typeface="+mn-lt"/>
-                  <a:ea typeface="+mn-ea"/>
-                  <a:cs typeface="+mn-cs"/>
-                </a:defRPr>
-              </a:lvl5pPr>
-              <a:lvl6pPr marL="2286000" algn="l" defTabSz="914400" rtl="0" eaLnBrk="1" latinLnBrk="0" hangingPunct="1">
-                <a:defRPr sz="1800" kern="1200">
-                  <a:solidFill>
-                    <a:schemeClr val="lt1"/>
-                  </a:solidFill>
-                  <a:latin typeface="+mn-lt"/>
-                  <a:ea typeface="+mn-ea"/>
-                  <a:cs typeface="+mn-cs"/>
-                </a:defRPr>
-              </a:lvl6pPr>
-              <a:lvl7pPr marL="2743200" algn="l" defTabSz="914400" rtl="0" eaLnBrk="1" latinLnBrk="0" hangingPunct="1">
-                <a:defRPr sz="1800" kern="1200">
-                  <a:solidFill>
-                    <a:schemeClr val="lt1"/>
-                  </a:solidFill>
-                  <a:latin typeface="+mn-lt"/>
-                  <a:ea typeface="+mn-ea"/>
-                  <a:cs typeface="+mn-cs"/>
-                </a:defRPr>
-              </a:lvl7pPr>
-              <a:lvl8pPr marL="3200400" algn="l" defTabSz="914400" rtl="0" eaLnBrk="1" latinLnBrk="0" hangingPunct="1">
-                <a:defRPr sz="1800" kern="1200">
-                  <a:solidFill>
-                    <a:schemeClr val="lt1"/>
-                  </a:solidFill>
-                  <a:latin typeface="+mn-lt"/>
-                  <a:ea typeface="+mn-ea"/>
-                  <a:cs typeface="+mn-cs"/>
-                </a:defRPr>
-              </a:lvl8pPr>
-              <a:lvl9pPr marL="3657600" algn="l" defTabSz="914400" rtl="0" eaLnBrk="1" latinLnBrk="0" hangingPunct="1">
-                <a:defRPr sz="1800" kern="1200">
-                  <a:solidFill>
-                    <a:schemeClr val="lt1"/>
-                  </a:solidFill>
-                  <a:latin typeface="+mn-lt"/>
-                  <a:ea typeface="+mn-ea"/>
-                  <a:cs typeface="+mn-cs"/>
-                </a:defRPr>
-              </a:lvl9pPr>
-            </a:lstStyle>
+            <a:lstStyle/>
             <a:p>
               <a:pPr algn="ctr"/>
               <a:endParaRPr lang="en-GB"/>
             </a:p>
           </p:txBody>
         </p:sp>
-        <p:sp>
-          <p:nvSpPr>
-            <p:cNvPr id="14" name="Text Placeholder 6"/>
-            <p:cNvSpPr txBox="1">
-              <a:spLocks/>
-            </p:cNvSpPr>
+        <p:grpSp>
+          <p:nvGrpSpPr>
+            <p:cNvPr id="8" name="Group 18"/>
+            <p:cNvGrpSpPr>
+              <a:grpSpLocks noChangeAspect="1"/>
+            </p:cNvGrpSpPr>
             <p:nvPr/>
-          </p:nvSpPr>
-          <p:spPr>
-            <a:xfrm rot="2700000">
-              <a:off x="8318546" y="325008"/>
-              <a:ext cx="756000" cy="263149"/>
+          </p:nvGrpSpPr>
+          <p:grpSpPr bwMode="auto">
+            <a:xfrm>
+              <a:off x="8612263" y="130888"/>
+              <a:ext cx="432000" cy="353599"/>
+              <a:chOff x="-469" y="-567"/>
+              <a:chExt cx="4298" cy="3518"/>
             </a:xfrm>
-            <a:prstGeom prst="rect">
-              <a:avLst/>
-            </a:prstGeom>
-            <a:noFill/>
-          </p:spPr>
-          <p:txBody>
-            <a:bodyPr lIns="0" tIns="0" rIns="0" bIns="0" anchor="ctr">
-              <a:spAutoFit/>
-            </a:bodyPr>
-            <a:lstStyle>
-              <a:defPPr>
-                <a:defRPr lang="en-US"/>
-              </a:defPPr>
-              <a:lvl1pPr marL="0" algn="l" defTabSz="914400" rtl="0" eaLnBrk="1" latinLnBrk="0" hangingPunct="1">
-                <a:defRPr sz="1800" kern="1200">
-                  <a:solidFill>
-                    <a:schemeClr val="tx1"/>
-                  </a:solidFill>
-                  <a:latin typeface="+mn-lt"/>
-                  <a:ea typeface="+mn-ea"/>
-                  <a:cs typeface="+mn-cs"/>
-                </a:defRPr>
-              </a:lvl1pPr>
-              <a:lvl2pPr marL="457200" algn="l" defTabSz="914400" rtl="0" eaLnBrk="1" latinLnBrk="0" hangingPunct="1">
-                <a:defRPr sz="1800" kern="1200">
-                  <a:solidFill>
-                    <a:schemeClr val="tx1"/>
-                  </a:solidFill>
-                  <a:latin typeface="+mn-lt"/>
-                  <a:ea typeface="+mn-ea"/>
-                  <a:cs typeface="+mn-cs"/>
-                </a:defRPr>
-              </a:lvl2pPr>
-              <a:lvl3pPr marL="914400" algn="l" defTabSz="914400" rtl="0" eaLnBrk="1" latinLnBrk="0" hangingPunct="1">
-                <a:defRPr sz="1800" kern="1200">
-                  <a:solidFill>
-                    <a:schemeClr val="tx1"/>
-                  </a:solidFill>
-                  <a:latin typeface="+mn-lt"/>
-                  <a:ea typeface="+mn-ea"/>
-                  <a:cs typeface="+mn-cs"/>
-                </a:defRPr>
-              </a:lvl3pPr>
-              <a:lvl4pPr marL="1371600" algn="l" defTabSz="914400" rtl="0" eaLnBrk="1" latinLnBrk="0" hangingPunct="1">
-                <a:defRPr sz="1800" kern="1200">
-                  <a:solidFill>
-                    <a:schemeClr val="tx1"/>
-                  </a:solidFill>
-                  <a:latin typeface="+mn-lt"/>
-                  <a:ea typeface="+mn-ea"/>
-                  <a:cs typeface="+mn-cs"/>
-                </a:defRPr>
-              </a:lvl4pPr>
-              <a:lvl5pPr marL="1828800" algn="l" defTabSz="914400" rtl="0" eaLnBrk="1" latinLnBrk="0" hangingPunct="1">
-                <a:defRPr sz="1800" kern="1200">
-                  <a:solidFill>
-                    <a:schemeClr val="tx1"/>
-                  </a:solidFill>
-                  <a:latin typeface="+mn-lt"/>
-                  <a:ea typeface="+mn-ea"/>
-                  <a:cs typeface="+mn-cs"/>
-                </a:defRPr>
-              </a:lvl5pPr>
-              <a:lvl6pPr marL="2286000" algn="l" defTabSz="914400" rtl="0" eaLnBrk="1" latinLnBrk="0" hangingPunct="1">
-                <a:defRPr sz="1800" kern="1200">
-                  <a:solidFill>
-                    <a:schemeClr val="tx1"/>
-                  </a:solidFill>
-                  <a:latin typeface="+mn-lt"/>
-                  <a:ea typeface="+mn-ea"/>
-                  <a:cs typeface="+mn-cs"/>
-                </a:defRPr>
-              </a:lvl6pPr>
-              <a:lvl7pPr marL="2743200" algn="l" defTabSz="914400" rtl="0" eaLnBrk="1" latinLnBrk="0" hangingPunct="1">
-                <a:defRPr sz="1800" kern="1200">
-                  <a:solidFill>
-                    <a:schemeClr val="tx1"/>
-                  </a:solidFill>
-                  <a:latin typeface="+mn-lt"/>
-                  <a:ea typeface="+mn-ea"/>
-                  <a:cs typeface="+mn-cs"/>
-                </a:defRPr>
-              </a:lvl7pPr>
-              <a:lvl8pPr marL="3200400" algn="l" defTabSz="914400" rtl="0" eaLnBrk="1" latinLnBrk="0" hangingPunct="1">
-                <a:defRPr sz="1800" kern="1200">
-                  <a:solidFill>
-                    <a:schemeClr val="tx1"/>
-                  </a:solidFill>
-                  <a:latin typeface="+mn-lt"/>
-                  <a:ea typeface="+mn-ea"/>
-                  <a:cs typeface="+mn-cs"/>
-                </a:defRPr>
-              </a:lvl8pPr>
-              <a:lvl9pPr marL="3657600" algn="l" defTabSz="914400" rtl="0" eaLnBrk="1" latinLnBrk="0" hangingPunct="1">
-                <a:defRPr sz="1800" kern="1200">
-                  <a:solidFill>
-                    <a:schemeClr val="tx1"/>
-                  </a:solidFill>
-                  <a:latin typeface="+mn-lt"/>
-                  <a:ea typeface="+mn-ea"/>
-                  <a:cs typeface="+mn-cs"/>
-                </a:defRPr>
-              </a:lvl9pPr>
-            </a:lstStyle>
-            <a:p>
-              <a:pPr marR="0" lvl="0" algn="ctr" defTabSz="457200" rtl="0" eaLnBrk="1" fontAlgn="base" latinLnBrk="0" hangingPunct="1">
-                <a:lnSpc>
-                  <a:spcPct val="90000"/>
-                </a:lnSpc>
-                <a:spcBef>
-                  <a:spcPct val="0"/>
-                </a:spcBef>
-                <a:spcAft>
-                  <a:spcPct val="0"/>
-                </a:spcAft>
-                <a:buClrTx/>
-                <a:buSzTx/>
-                <a:buFontTx/>
-                <a:buNone/>
-                <a:tabLst/>
-                <a:defRPr/>
-              </a:pPr>
-              <a:r>
-                <a:rPr lang="en-GB" sz="1100" b="1" kern="0" cap="small" spc="300" dirty="0" smtClean="0">
-                  <a:solidFill>
-                    <a:schemeClr val="bg1"/>
-                  </a:solidFill>
-                  <a:latin typeface="Arial" pitchFamily="34" charset="0"/>
-                  <a:cs typeface="Arial" pitchFamily="34" charset="0"/>
-                </a:rPr>
-                <a:t>nVision</a:t>
-              </a:r>
-              <a:r>
-                <a:rPr lang="en-GB" sz="800" b="1" kern="0" cap="small" spc="270" dirty="0" smtClean="0">
-                  <a:solidFill>
-                    <a:schemeClr val="bg1"/>
-                  </a:solidFill>
-                  <a:latin typeface="Arial" pitchFamily="34" charset="0"/>
-                  <a:cs typeface="Arial" pitchFamily="34" charset="0"/>
-                </a:rPr>
-                <a:t>research</a:t>
-              </a:r>
-              <a:endParaRPr kumimoji="0" lang="en-GB" sz="800" b="1" i="0" u="none" strike="noStrike" kern="0" cap="small" spc="270" normalizeH="0" noProof="0" dirty="0">
-                <a:ln>
-                  <a:noFill/>
-                </a:ln>
-                <a:solidFill>
-                  <a:schemeClr val="bg1"/>
-                </a:solidFill>
-                <a:effectLst/>
-                <a:uLnTx/>
-                <a:uFillTx/>
-                <a:latin typeface="Arial" pitchFamily="34" charset="0"/>
-                <a:ea typeface="+mn-ea"/>
-                <a:cs typeface="Arial" pitchFamily="34" charset="0"/>
-              </a:endParaRPr>
-            </a:p>
-          </p:txBody>
-        </p:sp>
+            <a:solidFill>
+              <a:schemeClr val="accent4"/>
+            </a:solidFill>
+          </p:grpSpPr>
+          <p:sp>
+            <p:nvSpPr>
+              <p:cNvPr id="50" name="Freeform 19"/>
+              <p:cNvSpPr>
+                <a:spLocks/>
+              </p:cNvSpPr>
+              <p:nvPr/>
+            </p:nvSpPr>
+            <p:spPr bwMode="auto">
+              <a:xfrm>
+                <a:off x="1126" y="733"/>
+                <a:ext cx="2703" cy="2218"/>
+              </a:xfrm>
+              <a:custGeom>
+                <a:avLst/>
+                <a:gdLst/>
+                <a:ahLst/>
+                <a:cxnLst>
+                  <a:cxn ang="0">
+                    <a:pos x="2098" y="0"/>
+                  </a:cxn>
+                  <a:cxn ang="0">
+                    <a:pos x="2098" y="1353"/>
+                  </a:cxn>
+                  <a:cxn ang="0">
+                    <a:pos x="0" y="1353"/>
+                  </a:cxn>
+                  <a:cxn ang="0">
+                    <a:pos x="0" y="1920"/>
+                  </a:cxn>
+                  <a:cxn ang="0">
+                    <a:pos x="1658" y="1920"/>
+                  </a:cxn>
+                  <a:cxn ang="0">
+                    <a:pos x="1961" y="2218"/>
+                  </a:cxn>
+                  <a:cxn ang="0">
+                    <a:pos x="2258" y="1920"/>
+                  </a:cxn>
+                  <a:cxn ang="0">
+                    <a:pos x="2703" y="1920"/>
+                  </a:cxn>
+                  <a:cxn ang="0">
+                    <a:pos x="2703" y="0"/>
+                  </a:cxn>
+                  <a:cxn ang="0">
+                    <a:pos x="2098" y="0"/>
+                  </a:cxn>
+                </a:cxnLst>
+                <a:rect l="0" t="0" r="r" b="b"/>
+                <a:pathLst>
+                  <a:path w="2703" h="2218">
+                    <a:moveTo>
+                      <a:pt x="2098" y="0"/>
+                    </a:moveTo>
+                    <a:lnTo>
+                      <a:pt x="2098" y="1353"/>
+                    </a:lnTo>
+                    <a:lnTo>
+                      <a:pt x="0" y="1353"/>
+                    </a:lnTo>
+                    <a:lnTo>
+                      <a:pt x="0" y="1920"/>
+                    </a:lnTo>
+                    <a:lnTo>
+                      <a:pt x="1658" y="1920"/>
+                    </a:lnTo>
+                    <a:lnTo>
+                      <a:pt x="1961" y="2218"/>
+                    </a:lnTo>
+                    <a:lnTo>
+                      <a:pt x="2258" y="1920"/>
+                    </a:lnTo>
+                    <a:lnTo>
+                      <a:pt x="2703" y="1920"/>
+                    </a:lnTo>
+                    <a:lnTo>
+                      <a:pt x="2703" y="0"/>
+                    </a:lnTo>
+                    <a:lnTo>
+                      <a:pt x="2098" y="0"/>
+                    </a:lnTo>
+                    <a:close/>
+                  </a:path>
+                </a:pathLst>
+              </a:custGeom>
+              <a:grpFill/>
+              <a:ln w="9525">
+                <a:noFill/>
+                <a:round/>
+                <a:headEnd/>
+                <a:tailEnd/>
+              </a:ln>
+            </p:spPr>
+            <p:txBody>
+              <a:bodyPr vert="horz" wrap="square" lIns="91440" tIns="45720" rIns="91440" bIns="45720" numCol="1" anchor="t" anchorCtr="0" compatLnSpc="1">
+                <a:prstTxWarp prst="textNoShape">
+                  <a:avLst/>
+                </a:prstTxWarp>
+              </a:bodyPr>
+              <a:lstStyle/>
+              <a:p>
+                <a:endParaRPr lang="en-GB"/>
+              </a:p>
+            </p:txBody>
+          </p:sp>
+          <p:sp>
+            <p:nvSpPr>
+              <p:cNvPr id="51" name="Freeform 20"/>
+              <p:cNvSpPr>
+                <a:spLocks/>
+              </p:cNvSpPr>
+              <p:nvPr/>
+            </p:nvSpPr>
+            <p:spPr bwMode="auto">
+              <a:xfrm>
+                <a:off x="-469" y="-567"/>
+                <a:ext cx="3452" cy="2802"/>
+              </a:xfrm>
+              <a:custGeom>
+                <a:avLst/>
+                <a:gdLst/>
+                <a:ahLst/>
+                <a:cxnLst>
+                  <a:cxn ang="0">
+                    <a:pos x="0" y="0"/>
+                  </a:cxn>
+                  <a:cxn ang="0">
+                    <a:pos x="0" y="2419"/>
+                  </a:cxn>
+                  <a:cxn ang="0">
+                    <a:pos x="548" y="2419"/>
+                  </a:cxn>
+                  <a:cxn ang="0">
+                    <a:pos x="929" y="2802"/>
+                  </a:cxn>
+                  <a:cxn ang="0">
+                    <a:pos x="1311" y="2419"/>
+                  </a:cxn>
+                  <a:cxn ang="0">
+                    <a:pos x="1352" y="2419"/>
+                  </a:cxn>
+                  <a:cxn ang="0">
+                    <a:pos x="3452" y="2419"/>
+                  </a:cxn>
+                  <a:cxn ang="0">
+                    <a:pos x="3452" y="1066"/>
+                  </a:cxn>
+                  <a:cxn ang="0">
+                    <a:pos x="3452" y="0"/>
+                  </a:cxn>
+                  <a:cxn ang="0">
+                    <a:pos x="0" y="0"/>
+                  </a:cxn>
+                </a:cxnLst>
+                <a:rect l="0" t="0" r="r" b="b"/>
+                <a:pathLst>
+                  <a:path w="3452" h="2802">
+                    <a:moveTo>
+                      <a:pt x="0" y="0"/>
+                    </a:moveTo>
+                    <a:lnTo>
+                      <a:pt x="0" y="2419"/>
+                    </a:lnTo>
+                    <a:lnTo>
+                      <a:pt x="548" y="2419"/>
+                    </a:lnTo>
+                    <a:lnTo>
+                      <a:pt x="929" y="2802"/>
+                    </a:lnTo>
+                    <a:lnTo>
+                      <a:pt x="1311" y="2419"/>
+                    </a:lnTo>
+                    <a:lnTo>
+                      <a:pt x="1352" y="2419"/>
+                    </a:lnTo>
+                    <a:lnTo>
+                      <a:pt x="3452" y="2419"/>
+                    </a:lnTo>
+                    <a:lnTo>
+                      <a:pt x="3452" y="1066"/>
+                    </a:lnTo>
+                    <a:lnTo>
+                      <a:pt x="3452" y="0"/>
+                    </a:lnTo>
+                    <a:lnTo>
+                      <a:pt x="0" y="0"/>
+                    </a:lnTo>
+                    <a:close/>
+                  </a:path>
+                </a:pathLst>
+              </a:custGeom>
+              <a:grpFill/>
+              <a:ln w="9525">
+                <a:noFill/>
+                <a:round/>
+                <a:headEnd/>
+                <a:tailEnd/>
+              </a:ln>
+            </p:spPr>
+            <p:txBody>
+              <a:bodyPr vert="horz" wrap="square" lIns="91440" tIns="45720" rIns="91440" bIns="45720" numCol="1" anchor="t" anchorCtr="0" compatLnSpc="1">
+                <a:prstTxWarp prst="textNoShape">
+                  <a:avLst/>
+                </a:prstTxWarp>
+              </a:bodyPr>
+              <a:lstStyle/>
+              <a:p>
+                <a:endParaRPr lang="en-GB"/>
+              </a:p>
+            </p:txBody>
+          </p:sp>
+        </p:grpSp>
       </p:grpSp>
       <p:sp>
         <p:nvSpPr>
-          <p:cNvPr id="15" name="Rectangle 14"/>
+          <p:cNvPr id="32" name="Rectangle 31"/>
           <p:cNvSpPr/>
           <p:nvPr/>
         </p:nvSpPr>
         <p:spPr>
           <a:xfrm>
-            <a:off x="250825" y="5883116"/>
-            <a:ext cx="3713851" cy="246221"/>
+            <a:off x="827584" y="4653136"/>
+            <a:ext cx="7272808" cy="886397"/>
           </a:xfrm>
           <a:prstGeom prst="rect">
             <a:avLst/>
           </a:prstGeom>
-          <a:solidFill>
-            <a:schemeClr val="bg1">
-              <a:lumMod val="95000"/>
-            </a:schemeClr>
-          </a:solidFill>
+          <a:noFill/>
         </p:spPr>
         <p:txBody>
-          <a:bodyPr wrap="square">
+          <a:bodyPr wrap="square" lIns="0" tIns="0" rIns="0" bIns="0">
             <a:spAutoFit/>
           </a:bodyPr>
           <a:lstStyle/>
           <a:p>
-            <a:pPr algn="ctr" fontAlgn="auto">
-              <a:spcBef>
-                <a:spcPts val="0"/>
-              </a:spcBef>
+            <a:pPr marL="0" lvl="1" algn="ctr">
+              <a:lnSpc>
+                <a:spcPct val="90000"/>
+              </a:lnSpc>
               <a:spcAft>
-                <a:spcPts val="0"/>
+                <a:spcPts val="600"/>
               </a:spcAft>
-              <a:defRPr/>
             </a:pPr>
             <a:r>
-              <a:rPr lang="en-GB" sz="1000" i="0" kern="0" dirty="0" smtClean="0">
+              <a:rPr lang="en-GB" sz="1600" dirty="0" smtClean="0">
                 <a:solidFill>
                   <a:schemeClr val="tx1">
                     <a:lumMod val="65000"/>
                     <a:lumOff val="35000"/>
                   </a:schemeClr>
                 </a:solidFill>
-                <a:latin typeface="Arial"/>
               </a:rPr>
-              <a:t>Right-click on chart and select </a:t>
+              <a:t>There’s </a:t>
             </a:r>
             <a:r>
-              <a:rPr lang="en-GB" sz="1000" b="1" i="0" kern="0" dirty="0" smtClean="0">
-                <a:solidFill>
-                  <a:schemeClr val="bg2"/>
-                </a:solidFill>
-                <a:latin typeface="Arial"/>
-              </a:rPr>
-              <a:t>Edit Data</a:t>
-            </a:r>
-            <a:r>
-              <a:rPr lang="en-GB" sz="1000" i="0" kern="0" dirty="0" smtClean="0">
-                <a:solidFill>
-                  <a:schemeClr val="bg2"/>
-                </a:solidFill>
-                <a:latin typeface="Arial"/>
-              </a:rPr>
-              <a:t> </a:t>
-            </a:r>
-            <a:r>
-              <a:rPr lang="en-GB" sz="1000" i="0" kern="0" dirty="0" smtClean="0">
+              <a:rPr lang="en-GB" sz="1600" dirty="0" smtClean="0">
                 <a:solidFill>
                   <a:schemeClr val="tx1">
                     <a:lumMod val="65000"/>
                     <a:lumOff val="35000"/>
                   </a:schemeClr>
                 </a:solidFill>
-                <a:latin typeface="Arial"/>
               </a:rPr>
-              <a:t>for demographic data</a:t>
+              <a:t>an </a:t>
             </a:r>
-            <a:endParaRPr lang="en-GB" sz="1000" i="0" kern="0" dirty="0">
-              <a:solidFill>
-                <a:schemeClr val="tx1">
-                  <a:lumMod val="65000"/>
-                  <a:lumOff val="35000"/>
-                </a:schemeClr>
-              </a:solidFill>
-              <a:latin typeface="Arial"/>
-            </a:endParaRPr>
+            <a:r>
+              <a:rPr lang="en-GB" sz="1600" dirty="0" smtClean="0">
+                <a:solidFill>
+                  <a:schemeClr val="tx1">
+                    <a:lumMod val="65000"/>
+                    <a:lumOff val="35000"/>
+                  </a:schemeClr>
+                </a:solidFill>
+              </a:rPr>
+              <a:t>trending expression </a:t>
+            </a:r>
+            <a:r>
+              <a:rPr lang="en-GB" sz="1600" dirty="0" smtClean="0">
+                <a:solidFill>
+                  <a:schemeClr val="tx1">
+                    <a:lumMod val="65000"/>
+                    <a:lumOff val="35000"/>
+                  </a:schemeClr>
+                </a:solidFill>
+              </a:rPr>
+              <a:t>online in Chinese, </a:t>
+            </a:r>
+            <a:r>
+              <a:rPr lang="en-GB" sz="1600" dirty="0" smtClean="0">
+                <a:solidFill>
+                  <a:schemeClr val="tx1">
+                    <a:lumMod val="65000"/>
+                    <a:lumOff val="35000"/>
+                  </a:schemeClr>
+                </a:solidFill>
+              </a:rPr>
+              <a:t>meaning to </a:t>
+            </a:r>
+            <a:r>
+              <a:rPr lang="en-GB" sz="1600" b="1" dirty="0" smtClean="0">
+                <a:solidFill>
+                  <a:schemeClr val="bg2"/>
+                </a:solidFill>
+              </a:rPr>
+              <a:t>‘pretend to be cool, </a:t>
+            </a:r>
+            <a:r>
+              <a:rPr lang="en-GB" sz="1600" b="1" dirty="0" smtClean="0">
+                <a:solidFill>
+                  <a:schemeClr val="bg2"/>
+                </a:solidFill>
+              </a:rPr>
+              <a:t>pro-like </a:t>
+            </a:r>
+            <a:r>
+              <a:rPr lang="en-GB" sz="1600" b="1" dirty="0" smtClean="0">
+                <a:solidFill>
+                  <a:schemeClr val="bg2"/>
+                </a:solidFill>
+              </a:rPr>
+              <a:t>or pretentious (in Chinese: Zhuang Bi)’</a:t>
+            </a:r>
+            <a:r>
+              <a:rPr lang="en-GB" sz="1600" dirty="0" smtClean="0">
+                <a:solidFill>
+                  <a:schemeClr val="tx1">
+                    <a:lumMod val="65000"/>
+                    <a:lumOff val="35000"/>
+                  </a:schemeClr>
+                </a:solidFill>
+              </a:rPr>
+              <a:t>, indicating </a:t>
+            </a:r>
+            <a:r>
+              <a:rPr lang="en-GB" sz="1600" dirty="0" smtClean="0">
+                <a:solidFill>
+                  <a:schemeClr val="tx1">
+                    <a:lumMod val="65000"/>
+                    <a:lumOff val="35000"/>
+                  </a:schemeClr>
+                </a:solidFill>
+              </a:rPr>
+              <a:t>a </a:t>
+            </a:r>
+            <a:r>
+              <a:rPr lang="en-GB" sz="1600" dirty="0" smtClean="0">
+                <a:solidFill>
+                  <a:schemeClr val="tx1">
+                    <a:lumMod val="65000"/>
+                    <a:lumOff val="35000"/>
+                  </a:schemeClr>
+                </a:solidFill>
+              </a:rPr>
+              <a:t>group of Chinese people who would </a:t>
+            </a:r>
+            <a:r>
+              <a:rPr lang="en-GB" sz="1600" b="1" dirty="0" smtClean="0">
+                <a:solidFill>
+                  <a:schemeClr val="bg2"/>
+                </a:solidFill>
+              </a:rPr>
+              <a:t>willingly spend a good amount of money to make themselves look good or superior than others.</a:t>
+            </a:r>
           </a:p>
         </p:txBody>
       </p:sp>
+      <p:grpSp>
+        <p:nvGrpSpPr>
+          <p:cNvPr id="35" name="Group 31"/>
+          <p:cNvGrpSpPr>
+            <a:grpSpLocks noChangeAspect="1"/>
+          </p:cNvGrpSpPr>
+          <p:nvPr/>
+        </p:nvGrpSpPr>
+        <p:grpSpPr>
+          <a:xfrm>
+            <a:off x="227493" y="4399026"/>
+            <a:ext cx="528083" cy="542142"/>
+            <a:chOff x="247650" y="646113"/>
+            <a:chExt cx="895326" cy="919162"/>
+          </a:xfrm>
+        </p:grpSpPr>
+        <p:sp>
+          <p:nvSpPr>
+            <p:cNvPr id="36" name="Freeform 17"/>
+            <p:cNvSpPr>
+              <a:spLocks/>
+            </p:cNvSpPr>
+            <p:nvPr/>
+          </p:nvSpPr>
+          <p:spPr bwMode="auto">
+            <a:xfrm>
+              <a:off x="247650" y="646113"/>
+              <a:ext cx="400050" cy="919162"/>
+            </a:xfrm>
+            <a:custGeom>
+              <a:avLst/>
+              <a:gdLst/>
+              <a:ahLst/>
+              <a:cxnLst>
+                <a:cxn ang="0">
+                  <a:pos x="98" y="139"/>
+                </a:cxn>
+                <a:cxn ang="0">
+                  <a:pos x="98" y="245"/>
+                </a:cxn>
+                <a:cxn ang="0">
+                  <a:pos x="0" y="245"/>
+                </a:cxn>
+                <a:cxn ang="0">
+                  <a:pos x="0" y="161"/>
+                </a:cxn>
+                <a:cxn ang="0">
+                  <a:pos x="16" y="62"/>
+                </a:cxn>
+                <a:cxn ang="0">
+                  <a:pos x="84" y="0"/>
+                </a:cxn>
+                <a:cxn ang="0">
+                  <a:pos x="107" y="36"/>
+                </a:cxn>
+                <a:cxn ang="0">
+                  <a:pos x="65" y="71"/>
+                </a:cxn>
+                <a:cxn ang="0">
+                  <a:pos x="50" y="139"/>
+                </a:cxn>
+                <a:cxn ang="0">
+                  <a:pos x="98" y="139"/>
+                </a:cxn>
+              </a:cxnLst>
+              <a:rect l="0" t="0" r="r" b="b"/>
+              <a:pathLst>
+                <a:path w="107" h="245">
+                  <a:moveTo>
+                    <a:pt x="98" y="139"/>
+                  </a:moveTo>
+                  <a:cubicBezTo>
+                    <a:pt x="98" y="245"/>
+                    <a:pt x="98" y="245"/>
+                    <a:pt x="98" y="245"/>
+                  </a:cubicBezTo>
+                  <a:cubicBezTo>
+                    <a:pt x="0" y="245"/>
+                    <a:pt x="0" y="245"/>
+                    <a:pt x="0" y="245"/>
+                  </a:cubicBezTo>
+                  <a:cubicBezTo>
+                    <a:pt x="0" y="161"/>
+                    <a:pt x="0" y="161"/>
+                    <a:pt x="0" y="161"/>
+                  </a:cubicBezTo>
+                  <a:cubicBezTo>
+                    <a:pt x="0" y="116"/>
+                    <a:pt x="5" y="83"/>
+                    <a:pt x="16" y="62"/>
+                  </a:cubicBezTo>
+                  <a:cubicBezTo>
+                    <a:pt x="31" y="35"/>
+                    <a:pt x="53" y="14"/>
+                    <a:pt x="84" y="0"/>
+                  </a:cubicBezTo>
+                  <a:cubicBezTo>
+                    <a:pt x="107" y="36"/>
+                    <a:pt x="107" y="36"/>
+                    <a:pt x="107" y="36"/>
+                  </a:cubicBezTo>
+                  <a:cubicBezTo>
+                    <a:pt x="88" y="44"/>
+                    <a:pt x="74" y="56"/>
+                    <a:pt x="65" y="71"/>
+                  </a:cubicBezTo>
+                  <a:cubicBezTo>
+                    <a:pt x="56" y="87"/>
+                    <a:pt x="51" y="109"/>
+                    <a:pt x="50" y="139"/>
+                  </a:cubicBezTo>
+                  <a:lnTo>
+                    <a:pt x="98" y="139"/>
+                  </a:lnTo>
+                  <a:close/>
+                </a:path>
+              </a:pathLst>
+            </a:custGeom>
+            <a:solidFill>
+              <a:schemeClr val="bg2"/>
+            </a:solidFill>
+            <a:ln w="9525">
+              <a:noFill/>
+              <a:round/>
+              <a:headEnd/>
+              <a:tailEnd/>
+            </a:ln>
+          </p:spPr>
+          <p:txBody>
+            <a:bodyPr vert="horz" wrap="square" lIns="91440" tIns="45720" rIns="91440" bIns="45720" numCol="1" anchor="t" anchorCtr="0" compatLnSpc="1">
+              <a:prstTxWarp prst="textNoShape">
+                <a:avLst/>
+              </a:prstTxWarp>
+            </a:bodyPr>
+            <a:lstStyle/>
+            <a:p>
+              <a:endParaRPr lang="en-GB"/>
+            </a:p>
+          </p:txBody>
+        </p:sp>
+        <p:sp>
+          <p:nvSpPr>
+            <p:cNvPr id="37" name="Freeform 17"/>
+            <p:cNvSpPr>
+              <a:spLocks/>
+            </p:cNvSpPr>
+            <p:nvPr/>
+          </p:nvSpPr>
+          <p:spPr bwMode="auto">
+            <a:xfrm>
+              <a:off x="742926" y="646113"/>
+              <a:ext cx="400050" cy="919162"/>
+            </a:xfrm>
+            <a:custGeom>
+              <a:avLst/>
+              <a:gdLst/>
+              <a:ahLst/>
+              <a:cxnLst>
+                <a:cxn ang="0">
+                  <a:pos x="98" y="139"/>
+                </a:cxn>
+                <a:cxn ang="0">
+                  <a:pos x="98" y="245"/>
+                </a:cxn>
+                <a:cxn ang="0">
+                  <a:pos x="0" y="245"/>
+                </a:cxn>
+                <a:cxn ang="0">
+                  <a:pos x="0" y="161"/>
+                </a:cxn>
+                <a:cxn ang="0">
+                  <a:pos x="16" y="62"/>
+                </a:cxn>
+                <a:cxn ang="0">
+                  <a:pos x="84" y="0"/>
+                </a:cxn>
+                <a:cxn ang="0">
+                  <a:pos x="107" y="36"/>
+                </a:cxn>
+                <a:cxn ang="0">
+                  <a:pos x="65" y="71"/>
+                </a:cxn>
+                <a:cxn ang="0">
+                  <a:pos x="50" y="139"/>
+                </a:cxn>
+                <a:cxn ang="0">
+                  <a:pos x="98" y="139"/>
+                </a:cxn>
+              </a:cxnLst>
+              <a:rect l="0" t="0" r="r" b="b"/>
+              <a:pathLst>
+                <a:path w="107" h="245">
+                  <a:moveTo>
+                    <a:pt x="98" y="139"/>
+                  </a:moveTo>
+                  <a:cubicBezTo>
+                    <a:pt x="98" y="245"/>
+                    <a:pt x="98" y="245"/>
+                    <a:pt x="98" y="245"/>
+                  </a:cubicBezTo>
+                  <a:cubicBezTo>
+                    <a:pt x="0" y="245"/>
+                    <a:pt x="0" y="245"/>
+                    <a:pt x="0" y="245"/>
+                  </a:cubicBezTo>
+                  <a:cubicBezTo>
+                    <a:pt x="0" y="161"/>
+                    <a:pt x="0" y="161"/>
+                    <a:pt x="0" y="161"/>
+                  </a:cubicBezTo>
+                  <a:cubicBezTo>
+                    <a:pt x="0" y="116"/>
+                    <a:pt x="5" y="83"/>
+                    <a:pt x="16" y="62"/>
+                  </a:cubicBezTo>
+                  <a:cubicBezTo>
+                    <a:pt x="31" y="35"/>
+                    <a:pt x="53" y="14"/>
+                    <a:pt x="84" y="0"/>
+                  </a:cubicBezTo>
+                  <a:cubicBezTo>
+                    <a:pt x="107" y="36"/>
+                    <a:pt x="107" y="36"/>
+                    <a:pt x="107" y="36"/>
+                  </a:cubicBezTo>
+                  <a:cubicBezTo>
+                    <a:pt x="88" y="44"/>
+                    <a:pt x="74" y="56"/>
+                    <a:pt x="65" y="71"/>
+                  </a:cubicBezTo>
+                  <a:cubicBezTo>
+                    <a:pt x="56" y="87"/>
+                    <a:pt x="51" y="109"/>
+                    <a:pt x="50" y="139"/>
+                  </a:cubicBezTo>
+                  <a:lnTo>
+                    <a:pt x="98" y="139"/>
+                  </a:lnTo>
+                  <a:close/>
+                </a:path>
+              </a:pathLst>
+            </a:custGeom>
+            <a:solidFill>
+              <a:schemeClr val="bg2"/>
+            </a:solidFill>
+            <a:ln w="9525">
+              <a:noFill/>
+              <a:round/>
+              <a:headEnd/>
+              <a:tailEnd/>
+            </a:ln>
+          </p:spPr>
+          <p:txBody>
+            <a:bodyPr vert="horz" wrap="square" lIns="91440" tIns="45720" rIns="91440" bIns="45720" numCol="1" anchor="t" anchorCtr="0" compatLnSpc="1">
+              <a:prstTxWarp prst="textNoShape">
+                <a:avLst/>
+              </a:prstTxWarp>
+            </a:bodyPr>
+            <a:lstStyle/>
+            <a:p>
+              <a:endParaRPr lang="en-GB"/>
+            </a:p>
+          </p:txBody>
+        </p:sp>
+      </p:grpSp>
+      <p:grpSp>
+        <p:nvGrpSpPr>
+          <p:cNvPr id="47" name="Group 30"/>
+          <p:cNvGrpSpPr>
+            <a:grpSpLocks noChangeAspect="1"/>
+          </p:cNvGrpSpPr>
+          <p:nvPr/>
+        </p:nvGrpSpPr>
+        <p:grpSpPr>
+          <a:xfrm>
+            <a:off x="8366270" y="5301208"/>
+            <a:ext cx="526210" cy="542142"/>
+            <a:chOff x="8001024" y="4462967"/>
+            <a:chExt cx="892151" cy="919162"/>
+          </a:xfrm>
+        </p:grpSpPr>
+        <p:sp>
+          <p:nvSpPr>
+            <p:cNvPr id="49" name="Freeform 21"/>
+            <p:cNvSpPr>
+              <a:spLocks/>
+            </p:cNvSpPr>
+            <p:nvPr/>
+          </p:nvSpPr>
+          <p:spPr bwMode="auto">
+            <a:xfrm>
+              <a:off x="8493125" y="4462967"/>
+              <a:ext cx="400050" cy="919162"/>
+            </a:xfrm>
+            <a:custGeom>
+              <a:avLst/>
+              <a:gdLst/>
+              <a:ahLst/>
+              <a:cxnLst>
+                <a:cxn ang="0">
+                  <a:pos x="8" y="107"/>
+                </a:cxn>
+                <a:cxn ang="0">
+                  <a:pos x="8" y="0"/>
+                </a:cxn>
+                <a:cxn ang="0">
+                  <a:pos x="106" y="0"/>
+                </a:cxn>
+                <a:cxn ang="0">
+                  <a:pos x="106" y="84"/>
+                </a:cxn>
+                <a:cxn ang="0">
+                  <a:pos x="91" y="183"/>
+                </a:cxn>
+                <a:cxn ang="0">
+                  <a:pos x="22" y="245"/>
+                </a:cxn>
+                <a:cxn ang="0">
+                  <a:pos x="0" y="209"/>
+                </a:cxn>
+                <a:cxn ang="0">
+                  <a:pos x="41" y="173"/>
+                </a:cxn>
+                <a:cxn ang="0">
+                  <a:pos x="56" y="107"/>
+                </a:cxn>
+                <a:cxn ang="0">
+                  <a:pos x="8" y="107"/>
+                </a:cxn>
+              </a:cxnLst>
+              <a:rect l="0" t="0" r="r" b="b"/>
+              <a:pathLst>
+                <a:path w="106" h="245">
+                  <a:moveTo>
+                    <a:pt x="8" y="107"/>
+                  </a:moveTo>
+                  <a:cubicBezTo>
+                    <a:pt x="8" y="0"/>
+                    <a:pt x="8" y="0"/>
+                    <a:pt x="8" y="0"/>
+                  </a:cubicBezTo>
+                  <a:cubicBezTo>
+                    <a:pt x="106" y="0"/>
+                    <a:pt x="106" y="0"/>
+                    <a:pt x="106" y="0"/>
+                  </a:cubicBezTo>
+                  <a:cubicBezTo>
+                    <a:pt x="106" y="84"/>
+                    <a:pt x="106" y="84"/>
+                    <a:pt x="106" y="84"/>
+                  </a:cubicBezTo>
+                  <a:cubicBezTo>
+                    <a:pt x="106" y="130"/>
+                    <a:pt x="101" y="163"/>
+                    <a:pt x="91" y="183"/>
+                  </a:cubicBezTo>
+                  <a:cubicBezTo>
+                    <a:pt x="76" y="210"/>
+                    <a:pt x="53" y="231"/>
+                    <a:pt x="22" y="245"/>
+                  </a:cubicBezTo>
+                  <a:cubicBezTo>
+                    <a:pt x="0" y="209"/>
+                    <a:pt x="0" y="209"/>
+                    <a:pt x="0" y="209"/>
+                  </a:cubicBezTo>
+                  <a:cubicBezTo>
+                    <a:pt x="18" y="201"/>
+                    <a:pt x="32" y="189"/>
+                    <a:pt x="41" y="173"/>
+                  </a:cubicBezTo>
+                  <a:cubicBezTo>
+                    <a:pt x="50" y="157"/>
+                    <a:pt x="55" y="135"/>
+                    <a:pt x="56" y="107"/>
+                  </a:cubicBezTo>
+                  <a:lnTo>
+                    <a:pt x="8" y="107"/>
+                  </a:lnTo>
+                  <a:close/>
+                </a:path>
+              </a:pathLst>
+            </a:custGeom>
+            <a:solidFill>
+              <a:schemeClr val="bg2"/>
+            </a:solidFill>
+            <a:ln w="9525">
+              <a:noFill/>
+              <a:round/>
+              <a:headEnd/>
+              <a:tailEnd/>
+            </a:ln>
+          </p:spPr>
+          <p:txBody>
+            <a:bodyPr vert="horz" wrap="square" lIns="91440" tIns="45720" rIns="91440" bIns="45720" numCol="1" anchor="t" anchorCtr="0" compatLnSpc="1">
+              <a:prstTxWarp prst="textNoShape">
+                <a:avLst/>
+              </a:prstTxWarp>
+            </a:bodyPr>
+            <a:lstStyle/>
+            <a:p>
+              <a:endParaRPr lang="en-GB"/>
+            </a:p>
+          </p:txBody>
+        </p:sp>
+        <p:sp>
+          <p:nvSpPr>
+            <p:cNvPr id="52" name="Freeform 21"/>
+            <p:cNvSpPr>
+              <a:spLocks/>
+            </p:cNvSpPr>
+            <p:nvPr/>
+          </p:nvSpPr>
+          <p:spPr bwMode="auto">
+            <a:xfrm>
+              <a:off x="8001024" y="4462967"/>
+              <a:ext cx="400050" cy="919162"/>
+            </a:xfrm>
+            <a:custGeom>
+              <a:avLst/>
+              <a:gdLst/>
+              <a:ahLst/>
+              <a:cxnLst>
+                <a:cxn ang="0">
+                  <a:pos x="8" y="107"/>
+                </a:cxn>
+                <a:cxn ang="0">
+                  <a:pos x="8" y="0"/>
+                </a:cxn>
+                <a:cxn ang="0">
+                  <a:pos x="106" y="0"/>
+                </a:cxn>
+                <a:cxn ang="0">
+                  <a:pos x="106" y="84"/>
+                </a:cxn>
+                <a:cxn ang="0">
+                  <a:pos x="91" y="183"/>
+                </a:cxn>
+                <a:cxn ang="0">
+                  <a:pos x="22" y="245"/>
+                </a:cxn>
+                <a:cxn ang="0">
+                  <a:pos x="0" y="209"/>
+                </a:cxn>
+                <a:cxn ang="0">
+                  <a:pos x="41" y="173"/>
+                </a:cxn>
+                <a:cxn ang="0">
+                  <a:pos x="56" y="107"/>
+                </a:cxn>
+                <a:cxn ang="0">
+                  <a:pos x="8" y="107"/>
+                </a:cxn>
+              </a:cxnLst>
+              <a:rect l="0" t="0" r="r" b="b"/>
+              <a:pathLst>
+                <a:path w="106" h="245">
+                  <a:moveTo>
+                    <a:pt x="8" y="107"/>
+                  </a:moveTo>
+                  <a:cubicBezTo>
+                    <a:pt x="8" y="0"/>
+                    <a:pt x="8" y="0"/>
+                    <a:pt x="8" y="0"/>
+                  </a:cubicBezTo>
+                  <a:cubicBezTo>
+                    <a:pt x="106" y="0"/>
+                    <a:pt x="106" y="0"/>
+                    <a:pt x="106" y="0"/>
+                  </a:cubicBezTo>
+                  <a:cubicBezTo>
+                    <a:pt x="106" y="84"/>
+                    <a:pt x="106" y="84"/>
+                    <a:pt x="106" y="84"/>
+                  </a:cubicBezTo>
+                  <a:cubicBezTo>
+                    <a:pt x="106" y="130"/>
+                    <a:pt x="101" y="163"/>
+                    <a:pt x="91" y="183"/>
+                  </a:cubicBezTo>
+                  <a:cubicBezTo>
+                    <a:pt x="76" y="210"/>
+                    <a:pt x="53" y="231"/>
+                    <a:pt x="22" y="245"/>
+                  </a:cubicBezTo>
+                  <a:cubicBezTo>
+                    <a:pt x="0" y="209"/>
+                    <a:pt x="0" y="209"/>
+                    <a:pt x="0" y="209"/>
+                  </a:cubicBezTo>
+                  <a:cubicBezTo>
+                    <a:pt x="18" y="201"/>
+                    <a:pt x="32" y="189"/>
+                    <a:pt x="41" y="173"/>
+                  </a:cubicBezTo>
+                  <a:cubicBezTo>
+                    <a:pt x="50" y="157"/>
+                    <a:pt x="55" y="135"/>
+                    <a:pt x="56" y="107"/>
+                  </a:cubicBezTo>
+                  <a:lnTo>
+                    <a:pt x="8" y="107"/>
+                  </a:lnTo>
+                  <a:close/>
+                </a:path>
+              </a:pathLst>
+            </a:custGeom>
+            <a:solidFill>
+              <a:schemeClr val="bg2"/>
+            </a:solidFill>
+            <a:ln w="9525">
+              <a:noFill/>
+              <a:round/>
+              <a:headEnd/>
+              <a:tailEnd/>
+            </a:ln>
+          </p:spPr>
+          <p:txBody>
+            <a:bodyPr vert="horz" wrap="square" lIns="91440" tIns="45720" rIns="91440" bIns="45720" numCol="1" anchor="t" anchorCtr="0" compatLnSpc="1">
+              <a:prstTxWarp prst="textNoShape">
+                <a:avLst/>
+              </a:prstTxWarp>
+            </a:bodyPr>
+            <a:lstStyle/>
+            <a:p>
+              <a:endParaRPr lang="en-GB"/>
+            </a:p>
+          </p:txBody>
+        </p:sp>
+      </p:grpSp>
     </p:spTree>
   </p:cSld>
   <p:clrMapOvr>
     <a:masterClrMapping/>
   </p:clrMapOvr>
+  <p:transition/>
+  <p:timing>
+    <p:tnLst>
+      <p:par>
+        <p:cTn id="1" dur="indefinite" restart="never" nodeType="tmRoot"/>
+      </p:par>
+    </p:tnLst>
+  </p:timing>
 </p:sld>
 </file>
 
@@ -32248,29 +29970,82 @@
           <a:chExt cx="0" cy="0"/>
         </a:xfrm>
       </p:grpSpPr>
-      <p:graphicFrame>
-        <p:nvGraphicFramePr>
-          <p:cNvPr id="10" name="Content Placeholder 9"/>
-          <p:cNvGraphicFramePr>
-            <a:graphicFrameLocks noGrp="1"/>
-          </p:cNvGraphicFramePr>
-          <p:nvPr>
-            <p:ph idx="1"/>
-          </p:nvPr>
-        </p:nvGraphicFramePr>
-        <p:xfrm>
-          <a:off x="250825" y="1952625"/>
-          <a:ext cx="8642350" cy="4248509"/>
-        </p:xfrm>
-        <a:graphic>
-          <a:graphicData uri="http://schemas.openxmlformats.org/drawingml/2006/chart">
-            <c:chart xmlns:c="http://schemas.openxmlformats.org/drawingml/2006/chart" xmlns:r="http://schemas.openxmlformats.org/officeDocument/2006/relationships" r:id="rId3"/>
-          </a:graphicData>
-        </a:graphic>
-      </p:graphicFrame>
       <p:sp>
         <p:nvSpPr>
-          <p:cNvPr id="6" name="Text Placeholder 5"/>
+          <p:cNvPr id="41" name="Rectangle 40"/>
+          <p:cNvSpPr/>
+          <p:nvPr/>
+        </p:nvSpPr>
+        <p:spPr>
+          <a:xfrm>
+            <a:off x="1" y="1484784"/>
+            <a:ext cx="9144000" cy="4572100"/>
+          </a:xfrm>
+          <a:prstGeom prst="rect">
+            <a:avLst/>
+          </a:prstGeom>
+          <a:solidFill>
+            <a:schemeClr val="bg1"/>
+          </a:solidFill>
+          <a:ln>
+            <a:noFill/>
+          </a:ln>
+          <a:effectLst/>
+        </p:spPr>
+        <p:style>
+          <a:lnRef idx="1">
+            <a:schemeClr val="accent1"/>
+          </a:lnRef>
+          <a:fillRef idx="3">
+            <a:schemeClr val="accent1"/>
+          </a:fillRef>
+          <a:effectRef idx="2">
+            <a:schemeClr val="accent1"/>
+          </a:effectRef>
+          <a:fontRef idx="minor">
+            <a:schemeClr val="lt1"/>
+          </a:fontRef>
+        </p:style>
+        <p:txBody>
+          <a:bodyPr rtlCol="0" anchor="ctr"/>
+          <a:lstStyle/>
+          <a:p>
+            <a:pPr algn="ctr"/>
+            <a:endParaRPr lang="en-GB"/>
+          </a:p>
+        </p:txBody>
+      </p:sp>
+      <p:sp>
+        <p:nvSpPr>
+          <p:cNvPr id="12" name="Title 11"/>
+          <p:cNvSpPr>
+            <a:spLocks noGrp="1"/>
+          </p:cNvSpPr>
+          <p:nvPr>
+            <p:ph type="title"/>
+          </p:nvPr>
+        </p:nvSpPr>
+        <p:spPr>
+          <a:xfrm>
+            <a:off x="250827" y="260350"/>
+            <a:ext cx="8642348" cy="443198"/>
+          </a:xfrm>
+        </p:spPr>
+        <p:txBody>
+          <a:bodyPr/>
+          <a:lstStyle/>
+          <a:p>
+            <a:r>
+              <a:rPr lang="en-GB" dirty="0" smtClean="0"/>
+              <a:t>Adidas: example of Brief Encounters in China</a:t>
+            </a:r>
+            <a:endParaRPr lang="en-GB" dirty="0"/>
+          </a:p>
+        </p:txBody>
+      </p:sp>
+      <p:sp>
+        <p:nvSpPr>
+          <p:cNvPr id="2" name="Content Placeholder 1"/>
           <p:cNvSpPr>
             <a:spLocks noGrp="1"/>
           </p:cNvSpPr>
@@ -32283,54 +30058,9 @@
           <a:bodyPr/>
           <a:lstStyle/>
           <a:p>
-            <a:pPr>
-              <a:defRPr/>
-            </a:pPr>
             <a:r>
               <a:rPr lang="en-GB" dirty="0" smtClean="0"/>
-              <a:t>Source: nVision </a:t>
-            </a:r>
-            <a:r>
-              <a:rPr lang="en-GB" smtClean="0"/>
-              <a:t>Research | </a:t>
-            </a:r>
-            <a:r>
-              <a:rPr lang="en-GB" dirty="0" smtClean="0"/>
-              <a:t>Base: 1001 online respondents aged 16+, GB, 2015 September</a:t>
-            </a:r>
-          </a:p>
-        </p:txBody>
-      </p:sp>
-      <p:sp>
-        <p:nvSpPr>
-          <p:cNvPr id="4" name="Title 3"/>
-          <p:cNvSpPr>
-            <a:spLocks noGrp="1"/>
-          </p:cNvSpPr>
-          <p:nvPr>
-            <p:ph type="title"/>
-          </p:nvPr>
-        </p:nvSpPr>
-        <p:spPr>
-          <a:xfrm>
-            <a:off x="250825" y="260350"/>
-            <a:ext cx="7813563" cy="443198"/>
-          </a:xfrm>
-        </p:spPr>
-        <p:txBody>
-          <a:bodyPr/>
-          <a:lstStyle/>
-          <a:p>
-            <a:pPr>
-              <a:defRPr/>
-            </a:pPr>
-            <a:r>
-              <a:rPr lang="en-GB" smtClean="0"/>
-              <a:t>       </a:t>
-            </a:r>
-            <a:r>
-              <a:rPr lang="en-GB" dirty="0" smtClean="0"/>
-              <a:t>Using social networking apps</a:t>
+              <a:t>Source: Global Trendspotter Network, 2016</a:t>
             </a:r>
             <a:endParaRPr lang="en-GB" dirty="0"/>
           </a:p>
@@ -32338,145 +30068,1628 @@
       </p:sp>
       <p:sp>
         <p:nvSpPr>
-          <p:cNvPr id="7" name="Text Placeholder 6"/>
+          <p:cNvPr id="1027" name="Rectangle 3"/>
           <p:cNvSpPr>
-            <a:spLocks noGrp="1"/>
+            <a:spLocks noChangeArrowheads="1"/>
           </p:cNvSpPr>
-          <p:nvPr>
-            <p:ph type="body" sz="quarter" idx="11"/>
-          </p:nvPr>
+          <p:nvPr/>
+        </p:nvSpPr>
+        <p:spPr bwMode="auto">
+          <a:xfrm>
+            <a:off x="4111763" y="1700808"/>
+            <a:ext cx="4176464" cy="1643527"/>
+          </a:xfrm>
+          <a:prstGeom prst="rect">
+            <a:avLst/>
+          </a:prstGeom>
+          <a:noFill/>
+          <a:ln w="9525">
+            <a:noFill/>
+            <a:miter lim="800000"/>
+            <a:headEnd/>
+            <a:tailEnd/>
+          </a:ln>
+          <a:effectLst/>
+        </p:spPr>
+        <p:txBody>
+          <a:bodyPr vert="horz" wrap="square" lIns="91440" tIns="45720" rIns="91440" bIns="45720" numCol="1" anchor="t" anchorCtr="0" compatLnSpc="1">
+            <a:prstTxWarp prst="textNoShape">
+              <a:avLst/>
+            </a:prstTxWarp>
+            <a:spAutoFit/>
+          </a:bodyPr>
+          <a:lstStyle/>
+          <a:p>
+            <a:pPr lvl="0" algn="ctr" fontAlgn="base">
+              <a:lnSpc>
+                <a:spcPct val="90000"/>
+              </a:lnSpc>
+              <a:spcAft>
+                <a:spcPts val="600"/>
+              </a:spcAft>
+            </a:pPr>
+            <a:r>
+              <a:rPr lang="en-GB" sz="1600" dirty="0" smtClean="0">
+                <a:solidFill>
+                  <a:schemeClr val="tx1">
+                    <a:lumMod val="65000"/>
+                    <a:lumOff val="35000"/>
+                  </a:schemeClr>
+                </a:solidFill>
+              </a:rPr>
+              <a:t>Chinese people </a:t>
+            </a:r>
+            <a:r>
+              <a:rPr lang="en-GB" sz="1600" b="1" dirty="0" smtClean="0">
+                <a:solidFill>
+                  <a:schemeClr val="bg2"/>
+                </a:solidFill>
+              </a:rPr>
+              <a:t>are prepared to spend </a:t>
+            </a:r>
+            <a:r>
+              <a:rPr lang="en-GB" sz="1600" dirty="0" smtClean="0">
+                <a:solidFill>
+                  <a:schemeClr val="tx1">
+                    <a:lumMod val="65000"/>
+                    <a:lumOff val="35000"/>
+                  </a:schemeClr>
+                </a:solidFill>
+              </a:rPr>
+              <a:t>a lot of money </a:t>
+            </a:r>
+            <a:r>
+              <a:rPr lang="en-GB" sz="1600" b="1" dirty="0" smtClean="0">
+                <a:solidFill>
+                  <a:schemeClr val="bg2"/>
+                </a:solidFill>
+              </a:rPr>
+              <a:t>on soon-to-be replaced products</a:t>
+            </a:r>
+            <a:r>
+              <a:rPr lang="en-GB" sz="1600" dirty="0" smtClean="0">
+                <a:solidFill>
+                  <a:schemeClr val="tx1">
+                    <a:lumMod val="65000"/>
+                    <a:lumOff val="35000"/>
+                  </a:schemeClr>
+                </a:solidFill>
+              </a:rPr>
+              <a:t>. They </a:t>
+            </a:r>
+            <a:r>
+              <a:rPr lang="en-GB" sz="1600" b="1" dirty="0" smtClean="0">
+                <a:solidFill>
+                  <a:schemeClr val="bg2"/>
+                </a:solidFill>
+              </a:rPr>
+              <a:t>will wait in line for the latest model</a:t>
+            </a:r>
+            <a:r>
+              <a:rPr lang="en-GB" sz="1600" dirty="0" smtClean="0">
+                <a:solidFill>
+                  <a:schemeClr val="tx1">
+                    <a:lumMod val="65000"/>
+                    <a:lumOff val="35000"/>
+                  </a:schemeClr>
+                </a:solidFill>
+              </a:rPr>
+              <a:t> of smartphones, the </a:t>
+            </a:r>
+            <a:r>
+              <a:rPr lang="en-GB" sz="1600" b="1" dirty="0" smtClean="0">
+                <a:solidFill>
+                  <a:schemeClr val="bg2"/>
+                </a:solidFill>
+              </a:rPr>
+              <a:t>newest release </a:t>
+            </a:r>
+            <a:r>
+              <a:rPr lang="en-GB" sz="1600" dirty="0" smtClean="0">
+                <a:solidFill>
+                  <a:schemeClr val="tx1">
+                    <a:lumMod val="65000"/>
+                    <a:lumOff val="35000"/>
+                  </a:schemeClr>
+                </a:solidFill>
+              </a:rPr>
+              <a:t>of sports shoes (Adidas’s NMD </a:t>
+            </a:r>
+            <a:r>
+              <a:rPr lang="en-GB" sz="1600" dirty="0" smtClean="0">
+                <a:solidFill>
+                  <a:schemeClr val="tx1">
+                    <a:lumMod val="65000"/>
+                    <a:lumOff val="35000"/>
+                  </a:schemeClr>
+                </a:solidFill>
+              </a:rPr>
+              <a:t>sneakers, Ultra </a:t>
+            </a:r>
+            <a:r>
+              <a:rPr lang="en-GB" sz="1600" dirty="0" smtClean="0">
+                <a:solidFill>
+                  <a:schemeClr val="tx1">
+                    <a:lumMod val="65000"/>
+                    <a:lumOff val="35000"/>
+                  </a:schemeClr>
+                </a:solidFill>
+              </a:rPr>
+              <a:t>B</a:t>
+            </a:r>
+            <a:r>
+              <a:rPr lang="en-GB" sz="1600" dirty="0" smtClean="0">
+                <a:solidFill>
+                  <a:schemeClr val="tx1">
+                    <a:lumMod val="65000"/>
+                    <a:lumOff val="35000"/>
+                  </a:schemeClr>
+                </a:solidFill>
+              </a:rPr>
+              <a:t>oost etc), </a:t>
+            </a:r>
+            <a:r>
+              <a:rPr lang="en-GB" sz="1600" dirty="0" smtClean="0">
+                <a:solidFill>
+                  <a:schemeClr val="tx1">
+                    <a:lumMod val="65000"/>
+                    <a:lumOff val="35000"/>
+                  </a:schemeClr>
+                </a:solidFill>
+              </a:rPr>
+              <a:t>handbags, as well as other trendy products. </a:t>
+            </a:r>
+            <a:endParaRPr kumimoji="0" lang="en-US" altLang="zh-CN" sz="1600" i="0" u="none" strike="noStrike" cap="none" normalizeH="0" baseline="0" dirty="0" smtClean="0">
+              <a:ln>
+                <a:noFill/>
+              </a:ln>
+              <a:solidFill>
+                <a:schemeClr val="tx1">
+                  <a:lumMod val="65000"/>
+                  <a:lumOff val="35000"/>
+                </a:schemeClr>
+              </a:solidFill>
+              <a:effectLst/>
+              <a:latin typeface="+mj-lt"/>
+              <a:cs typeface="Arial" pitchFamily="34" charset="0"/>
+            </a:endParaRPr>
+          </a:p>
+        </p:txBody>
+      </p:sp>
+      <p:sp>
+        <p:nvSpPr>
+          <p:cNvPr id="20" name="Rectangle 19"/>
+          <p:cNvSpPr/>
+          <p:nvPr/>
         </p:nvSpPr>
         <p:spPr>
           <a:xfrm>
-            <a:off x="250825" y="1160463"/>
-            <a:ext cx="8642349" cy="492443"/>
+            <a:off x="4237076" y="3546230"/>
+            <a:ext cx="4140000" cy="2215991"/>
           </a:xfrm>
+          <a:prstGeom prst="rect">
+            <a:avLst/>
+          </a:prstGeom>
+          <a:noFill/>
         </p:spPr>
         <p:txBody>
-          <a:bodyPr/>
+          <a:bodyPr wrap="square" lIns="0" tIns="0" rIns="0" bIns="0">
+            <a:spAutoFit/>
+          </a:bodyPr>
           <a:lstStyle/>
           <a:p>
-            <a:pPr fontAlgn="base">
+            <a:pPr algn="ctr"/>
+            <a:r>
+              <a:rPr lang="en-GB" sz="1600" b="1" dirty="0" smtClean="0">
+                <a:solidFill>
+                  <a:schemeClr val="bg2"/>
+                </a:solidFill>
+              </a:rPr>
+              <a:t>The most recent success story is the release of Adidas’s new </a:t>
+            </a:r>
+            <a:r>
+              <a:rPr lang="en-GB" sz="1600" b="1" dirty="0" smtClean="0">
+                <a:solidFill>
+                  <a:schemeClr val="bg2"/>
+                </a:solidFill>
+              </a:rPr>
+              <a:t>NMD sneakers</a:t>
+            </a:r>
+            <a:r>
+              <a:rPr lang="en-GB" sz="1600" b="1" dirty="0" smtClean="0">
+                <a:solidFill>
+                  <a:schemeClr val="bg2"/>
+                </a:solidFill>
+              </a:rPr>
+              <a:t>. </a:t>
+            </a:r>
+            <a:r>
+              <a:rPr lang="en-GB" sz="1600" dirty="0" smtClean="0">
+                <a:solidFill>
+                  <a:schemeClr val="tx1">
+                    <a:lumMod val="65000"/>
+                    <a:lumOff val="35000"/>
+                  </a:schemeClr>
+                </a:solidFill>
+              </a:rPr>
+              <a:t>This was an amazingly successful promotion, </a:t>
+            </a:r>
+            <a:r>
+              <a:rPr lang="en-GB" sz="1600" dirty="0" smtClean="0">
+                <a:solidFill>
+                  <a:schemeClr val="tx1">
+                    <a:lumMod val="65000"/>
+                    <a:lumOff val="35000"/>
+                  </a:schemeClr>
+                </a:solidFill>
+              </a:rPr>
+              <a:t>in </a:t>
+            </a:r>
+            <a:r>
+              <a:rPr lang="en-GB" sz="1600" dirty="0" smtClean="0">
+                <a:solidFill>
+                  <a:schemeClr val="tx1">
+                    <a:lumMod val="65000"/>
+                    <a:lumOff val="35000"/>
+                  </a:schemeClr>
+                </a:solidFill>
+              </a:rPr>
+              <a:t>large part due to the short and sweet name ‘NMD’ – a euphemistic swearword, meaning ‘your mother’ in Chinese. No Chinese consumers would read the brand name as </a:t>
+            </a:r>
+            <a:r>
+              <a:rPr lang="en-GB" sz="1600" dirty="0" smtClean="0">
+                <a:solidFill>
+                  <a:schemeClr val="tx1">
+                    <a:lumMod val="65000"/>
+                    <a:lumOff val="35000"/>
+                  </a:schemeClr>
+                </a:solidFill>
+              </a:rPr>
+              <a:t>the English letters, </a:t>
+            </a:r>
+            <a:r>
+              <a:rPr lang="en-GB" sz="1600" dirty="0" smtClean="0">
+                <a:solidFill>
+                  <a:schemeClr val="tx1">
+                    <a:lumMod val="65000"/>
+                    <a:lumOff val="35000"/>
+                  </a:schemeClr>
+                </a:solidFill>
+              </a:rPr>
+              <a:t>but rather the Chinese </a:t>
+            </a:r>
+            <a:r>
+              <a:rPr lang="en-GB" sz="1600" dirty="0" smtClean="0">
+                <a:solidFill>
+                  <a:schemeClr val="tx1">
+                    <a:lumMod val="65000"/>
+                    <a:lumOff val="35000"/>
+                  </a:schemeClr>
+                </a:solidFill>
+              </a:rPr>
+              <a:t>equivalent </a:t>
+            </a:r>
+            <a:r>
+              <a:rPr lang="en-GB" sz="1600" dirty="0" smtClean="0">
+                <a:solidFill>
+                  <a:schemeClr val="tx1">
+                    <a:lumMod val="65000"/>
+                    <a:lumOff val="35000"/>
+                  </a:schemeClr>
+                </a:solidFill>
+              </a:rPr>
+              <a:t>‘Ni Ma De’. </a:t>
+            </a:r>
+          </a:p>
+        </p:txBody>
+      </p:sp>
+      <p:sp>
+        <p:nvSpPr>
+          <p:cNvPr id="24" name="TextBox 23"/>
+          <p:cNvSpPr txBox="1"/>
+          <p:nvPr/>
+        </p:nvSpPr>
+        <p:spPr>
+          <a:xfrm>
+            <a:off x="253943" y="916538"/>
+            <a:ext cx="8639232" cy="443198"/>
+          </a:xfrm>
+          <a:prstGeom prst="rect">
+            <a:avLst/>
+          </a:prstGeom>
+          <a:noFill/>
+        </p:spPr>
+        <p:txBody>
+          <a:bodyPr wrap="square" lIns="0" tIns="0" rIns="0" bIns="0" rtlCol="0">
+            <a:spAutoFit/>
+          </a:bodyPr>
+          <a:lstStyle/>
+          <a:p>
+            <a:pPr>
               <a:lnSpc>
-                <a:spcPct val="100000"/>
+                <a:spcPct val="90000"/>
               </a:lnSpc>
-              <a:spcBef>
-                <a:spcPct val="0"/>
-              </a:spcBef>
               <a:spcAft>
-                <a:spcPct val="0"/>
+                <a:spcPts val="600"/>
               </a:spcAft>
-              <a:defRPr/>
             </a:pPr>
             <a:r>
-              <a:rPr lang="en-GB" kern="0" dirty="0" smtClean="0">
-                <a:solidFill>
-                  <a:srgbClr val="000000">
+              <a:rPr lang="en-GB" sz="1600" dirty="0" smtClean="0">
+                <a:solidFill>
+                  <a:schemeClr val="tx1">
                     <a:lumMod val="65000"/>
                     <a:lumOff val="35000"/>
-                  </a:srgbClr>
+                  </a:schemeClr>
                 </a:solidFill>
               </a:rPr>
-              <a:t>“Which of the following kinds of apps do you use at least once a month via smartphone / via tablet</a:t>
+              <a:t>Being on trend is important to a large segment of Chinese consumers who invest time, effort and money into following the latest </a:t>
             </a:r>
             <a:r>
-              <a:rPr lang="en-GB" kern="0" smtClean="0">
-                <a:solidFill>
-                  <a:srgbClr val="000000">
+              <a:rPr lang="en-GB" sz="1600" dirty="0" smtClean="0">
+                <a:solidFill>
+                  <a:schemeClr val="tx1">
                     <a:lumMod val="65000"/>
                     <a:lumOff val="35000"/>
-                  </a:srgbClr>
+                  </a:schemeClr>
                 </a:solidFill>
               </a:rPr>
-              <a:t>?” | </a:t>
+              <a:t>hypes.</a:t>
             </a:r>
-            <a:r>
-              <a:rPr lang="en-GB" kern="0" dirty="0" smtClean="0">
-                <a:solidFill>
-                  <a:srgbClr val="000000">
-                    <a:lumMod val="65000"/>
-                    <a:lumOff val="35000"/>
-                  </a:srgbClr>
-                </a:solidFill>
-              </a:rPr>
-              <a:t>Social </a:t>
-            </a:r>
-            <a:r>
-              <a:rPr lang="en-GB" kern="0" smtClean="0">
-                <a:solidFill>
-                  <a:srgbClr val="000000">
-                    <a:lumMod val="65000"/>
-                    <a:lumOff val="35000"/>
-                  </a:srgbClr>
-                </a:solidFill>
-              </a:rPr>
-              <a:t>networking | 2015</a:t>
-            </a:r>
-            <a:endParaRPr lang="en-GB" kern="0" dirty="0">
+            <a:endParaRPr lang="en-GB" sz="1600" dirty="0" smtClean="0">
               <a:solidFill>
-                <a:srgbClr val="000000">
+                <a:schemeClr val="tx1">
                   <a:lumMod val="65000"/>
                   <a:lumOff val="35000"/>
-                </a:srgbClr>
+                </a:schemeClr>
               </a:solidFill>
             </a:endParaRPr>
           </a:p>
         </p:txBody>
       </p:sp>
-      <p:pic>
-        <p:nvPicPr>
-          <p:cNvPr id="2" name="Picture 1" descr="GB.jpg"/>
-          <p:cNvPicPr>
-            <a:picLocks noChangeAspect="1"/>
-          </p:cNvPicPr>
+      <p:grpSp>
+        <p:nvGrpSpPr>
+          <p:cNvPr id="3" name="Group 31"/>
+          <p:cNvGrpSpPr>
+            <a:grpSpLocks noChangeAspect="1"/>
+          </p:cNvGrpSpPr>
           <p:nvPr/>
-        </p:nvPicPr>
-        <p:blipFill>
-          <a:blip r:embed="rId4" cstate="print"/>
-          <a:stretch>
-            <a:fillRect/>
-          </a:stretch>
-        </p:blipFill>
+        </p:nvGrpSpPr>
+        <p:grpSpPr>
+          <a:xfrm>
+            <a:off x="3455876" y="1628800"/>
+            <a:ext cx="528083" cy="542142"/>
+            <a:chOff x="247650" y="646113"/>
+            <a:chExt cx="895326" cy="919162"/>
+          </a:xfrm>
+        </p:grpSpPr>
+        <p:sp>
+          <p:nvSpPr>
+            <p:cNvPr id="26" name="Freeform 17"/>
+            <p:cNvSpPr>
+              <a:spLocks/>
+            </p:cNvSpPr>
+            <p:nvPr/>
+          </p:nvSpPr>
+          <p:spPr bwMode="auto">
+            <a:xfrm>
+              <a:off x="247650" y="646113"/>
+              <a:ext cx="400050" cy="919162"/>
+            </a:xfrm>
+            <a:custGeom>
+              <a:avLst/>
+              <a:gdLst/>
+              <a:ahLst/>
+              <a:cxnLst>
+                <a:cxn ang="0">
+                  <a:pos x="98" y="139"/>
+                </a:cxn>
+                <a:cxn ang="0">
+                  <a:pos x="98" y="245"/>
+                </a:cxn>
+                <a:cxn ang="0">
+                  <a:pos x="0" y="245"/>
+                </a:cxn>
+                <a:cxn ang="0">
+                  <a:pos x="0" y="161"/>
+                </a:cxn>
+                <a:cxn ang="0">
+                  <a:pos x="16" y="62"/>
+                </a:cxn>
+                <a:cxn ang="0">
+                  <a:pos x="84" y="0"/>
+                </a:cxn>
+                <a:cxn ang="0">
+                  <a:pos x="107" y="36"/>
+                </a:cxn>
+                <a:cxn ang="0">
+                  <a:pos x="65" y="71"/>
+                </a:cxn>
+                <a:cxn ang="0">
+                  <a:pos x="50" y="139"/>
+                </a:cxn>
+                <a:cxn ang="0">
+                  <a:pos x="98" y="139"/>
+                </a:cxn>
+              </a:cxnLst>
+              <a:rect l="0" t="0" r="r" b="b"/>
+              <a:pathLst>
+                <a:path w="107" h="245">
+                  <a:moveTo>
+                    <a:pt x="98" y="139"/>
+                  </a:moveTo>
+                  <a:cubicBezTo>
+                    <a:pt x="98" y="245"/>
+                    <a:pt x="98" y="245"/>
+                    <a:pt x="98" y="245"/>
+                  </a:cubicBezTo>
+                  <a:cubicBezTo>
+                    <a:pt x="0" y="245"/>
+                    <a:pt x="0" y="245"/>
+                    <a:pt x="0" y="245"/>
+                  </a:cubicBezTo>
+                  <a:cubicBezTo>
+                    <a:pt x="0" y="161"/>
+                    <a:pt x="0" y="161"/>
+                    <a:pt x="0" y="161"/>
+                  </a:cubicBezTo>
+                  <a:cubicBezTo>
+                    <a:pt x="0" y="116"/>
+                    <a:pt x="5" y="83"/>
+                    <a:pt x="16" y="62"/>
+                  </a:cubicBezTo>
+                  <a:cubicBezTo>
+                    <a:pt x="31" y="35"/>
+                    <a:pt x="53" y="14"/>
+                    <a:pt x="84" y="0"/>
+                  </a:cubicBezTo>
+                  <a:cubicBezTo>
+                    <a:pt x="107" y="36"/>
+                    <a:pt x="107" y="36"/>
+                    <a:pt x="107" y="36"/>
+                  </a:cubicBezTo>
+                  <a:cubicBezTo>
+                    <a:pt x="88" y="44"/>
+                    <a:pt x="74" y="56"/>
+                    <a:pt x="65" y="71"/>
+                  </a:cubicBezTo>
+                  <a:cubicBezTo>
+                    <a:pt x="56" y="87"/>
+                    <a:pt x="51" y="109"/>
+                    <a:pt x="50" y="139"/>
+                  </a:cubicBezTo>
+                  <a:lnTo>
+                    <a:pt x="98" y="139"/>
+                  </a:lnTo>
+                  <a:close/>
+                </a:path>
+              </a:pathLst>
+            </a:custGeom>
+            <a:solidFill>
+              <a:schemeClr val="bg2"/>
+            </a:solidFill>
+            <a:ln w="9525">
+              <a:noFill/>
+              <a:round/>
+              <a:headEnd/>
+              <a:tailEnd/>
+            </a:ln>
+          </p:spPr>
+          <p:txBody>
+            <a:bodyPr vert="horz" wrap="square" lIns="91440" tIns="45720" rIns="91440" bIns="45720" numCol="1" anchor="t" anchorCtr="0" compatLnSpc="1">
+              <a:prstTxWarp prst="textNoShape">
+                <a:avLst/>
+              </a:prstTxWarp>
+            </a:bodyPr>
+            <a:lstStyle/>
+            <a:p>
+              <a:endParaRPr lang="en-GB"/>
+            </a:p>
+          </p:txBody>
+        </p:sp>
+        <p:sp>
+          <p:nvSpPr>
+            <p:cNvPr id="27" name="Freeform 17"/>
+            <p:cNvSpPr>
+              <a:spLocks/>
+            </p:cNvSpPr>
+            <p:nvPr/>
+          </p:nvSpPr>
+          <p:spPr bwMode="auto">
+            <a:xfrm>
+              <a:off x="742926" y="646113"/>
+              <a:ext cx="400050" cy="919162"/>
+            </a:xfrm>
+            <a:custGeom>
+              <a:avLst/>
+              <a:gdLst/>
+              <a:ahLst/>
+              <a:cxnLst>
+                <a:cxn ang="0">
+                  <a:pos x="98" y="139"/>
+                </a:cxn>
+                <a:cxn ang="0">
+                  <a:pos x="98" y="245"/>
+                </a:cxn>
+                <a:cxn ang="0">
+                  <a:pos x="0" y="245"/>
+                </a:cxn>
+                <a:cxn ang="0">
+                  <a:pos x="0" y="161"/>
+                </a:cxn>
+                <a:cxn ang="0">
+                  <a:pos x="16" y="62"/>
+                </a:cxn>
+                <a:cxn ang="0">
+                  <a:pos x="84" y="0"/>
+                </a:cxn>
+                <a:cxn ang="0">
+                  <a:pos x="107" y="36"/>
+                </a:cxn>
+                <a:cxn ang="0">
+                  <a:pos x="65" y="71"/>
+                </a:cxn>
+                <a:cxn ang="0">
+                  <a:pos x="50" y="139"/>
+                </a:cxn>
+                <a:cxn ang="0">
+                  <a:pos x="98" y="139"/>
+                </a:cxn>
+              </a:cxnLst>
+              <a:rect l="0" t="0" r="r" b="b"/>
+              <a:pathLst>
+                <a:path w="107" h="245">
+                  <a:moveTo>
+                    <a:pt x="98" y="139"/>
+                  </a:moveTo>
+                  <a:cubicBezTo>
+                    <a:pt x="98" y="245"/>
+                    <a:pt x="98" y="245"/>
+                    <a:pt x="98" y="245"/>
+                  </a:cubicBezTo>
+                  <a:cubicBezTo>
+                    <a:pt x="0" y="245"/>
+                    <a:pt x="0" y="245"/>
+                    <a:pt x="0" y="245"/>
+                  </a:cubicBezTo>
+                  <a:cubicBezTo>
+                    <a:pt x="0" y="161"/>
+                    <a:pt x="0" y="161"/>
+                    <a:pt x="0" y="161"/>
+                  </a:cubicBezTo>
+                  <a:cubicBezTo>
+                    <a:pt x="0" y="116"/>
+                    <a:pt x="5" y="83"/>
+                    <a:pt x="16" y="62"/>
+                  </a:cubicBezTo>
+                  <a:cubicBezTo>
+                    <a:pt x="31" y="35"/>
+                    <a:pt x="53" y="14"/>
+                    <a:pt x="84" y="0"/>
+                  </a:cubicBezTo>
+                  <a:cubicBezTo>
+                    <a:pt x="107" y="36"/>
+                    <a:pt x="107" y="36"/>
+                    <a:pt x="107" y="36"/>
+                  </a:cubicBezTo>
+                  <a:cubicBezTo>
+                    <a:pt x="88" y="44"/>
+                    <a:pt x="74" y="56"/>
+                    <a:pt x="65" y="71"/>
+                  </a:cubicBezTo>
+                  <a:cubicBezTo>
+                    <a:pt x="56" y="87"/>
+                    <a:pt x="51" y="109"/>
+                    <a:pt x="50" y="139"/>
+                  </a:cubicBezTo>
+                  <a:lnTo>
+                    <a:pt x="98" y="139"/>
+                  </a:lnTo>
+                  <a:close/>
+                </a:path>
+              </a:pathLst>
+            </a:custGeom>
+            <a:solidFill>
+              <a:schemeClr val="bg2"/>
+            </a:solidFill>
+            <a:ln w="9525">
+              <a:noFill/>
+              <a:round/>
+              <a:headEnd/>
+              <a:tailEnd/>
+            </a:ln>
+          </p:spPr>
+          <p:txBody>
+            <a:bodyPr vert="horz" wrap="square" lIns="91440" tIns="45720" rIns="91440" bIns="45720" numCol="1" anchor="t" anchorCtr="0" compatLnSpc="1">
+              <a:prstTxWarp prst="textNoShape">
+                <a:avLst/>
+              </a:prstTxWarp>
+            </a:bodyPr>
+            <a:lstStyle/>
+            <a:p>
+              <a:endParaRPr lang="en-GB"/>
+            </a:p>
+          </p:txBody>
+        </p:sp>
+      </p:grpSp>
+      <p:grpSp>
+        <p:nvGrpSpPr>
+          <p:cNvPr id="4" name="Group 30"/>
+          <p:cNvGrpSpPr>
+            <a:grpSpLocks noChangeAspect="1"/>
+          </p:cNvGrpSpPr>
+          <p:nvPr/>
+        </p:nvGrpSpPr>
+        <p:grpSpPr>
+          <a:xfrm>
+            <a:off x="8366965" y="2886858"/>
+            <a:ext cx="526210" cy="542142"/>
+            <a:chOff x="8001024" y="4462967"/>
+            <a:chExt cx="892151" cy="919162"/>
+          </a:xfrm>
+        </p:grpSpPr>
+        <p:sp>
+          <p:nvSpPr>
+            <p:cNvPr id="29" name="Freeform 21"/>
+            <p:cNvSpPr>
+              <a:spLocks/>
+            </p:cNvSpPr>
+            <p:nvPr/>
+          </p:nvSpPr>
+          <p:spPr bwMode="auto">
+            <a:xfrm>
+              <a:off x="8493125" y="4462967"/>
+              <a:ext cx="400050" cy="919162"/>
+            </a:xfrm>
+            <a:custGeom>
+              <a:avLst/>
+              <a:gdLst/>
+              <a:ahLst/>
+              <a:cxnLst>
+                <a:cxn ang="0">
+                  <a:pos x="8" y="107"/>
+                </a:cxn>
+                <a:cxn ang="0">
+                  <a:pos x="8" y="0"/>
+                </a:cxn>
+                <a:cxn ang="0">
+                  <a:pos x="106" y="0"/>
+                </a:cxn>
+                <a:cxn ang="0">
+                  <a:pos x="106" y="84"/>
+                </a:cxn>
+                <a:cxn ang="0">
+                  <a:pos x="91" y="183"/>
+                </a:cxn>
+                <a:cxn ang="0">
+                  <a:pos x="22" y="245"/>
+                </a:cxn>
+                <a:cxn ang="0">
+                  <a:pos x="0" y="209"/>
+                </a:cxn>
+                <a:cxn ang="0">
+                  <a:pos x="41" y="173"/>
+                </a:cxn>
+                <a:cxn ang="0">
+                  <a:pos x="56" y="107"/>
+                </a:cxn>
+                <a:cxn ang="0">
+                  <a:pos x="8" y="107"/>
+                </a:cxn>
+              </a:cxnLst>
+              <a:rect l="0" t="0" r="r" b="b"/>
+              <a:pathLst>
+                <a:path w="106" h="245">
+                  <a:moveTo>
+                    <a:pt x="8" y="107"/>
+                  </a:moveTo>
+                  <a:cubicBezTo>
+                    <a:pt x="8" y="0"/>
+                    <a:pt x="8" y="0"/>
+                    <a:pt x="8" y="0"/>
+                  </a:cubicBezTo>
+                  <a:cubicBezTo>
+                    <a:pt x="106" y="0"/>
+                    <a:pt x="106" y="0"/>
+                    <a:pt x="106" y="0"/>
+                  </a:cubicBezTo>
+                  <a:cubicBezTo>
+                    <a:pt x="106" y="84"/>
+                    <a:pt x="106" y="84"/>
+                    <a:pt x="106" y="84"/>
+                  </a:cubicBezTo>
+                  <a:cubicBezTo>
+                    <a:pt x="106" y="130"/>
+                    <a:pt x="101" y="163"/>
+                    <a:pt x="91" y="183"/>
+                  </a:cubicBezTo>
+                  <a:cubicBezTo>
+                    <a:pt x="76" y="210"/>
+                    <a:pt x="53" y="231"/>
+                    <a:pt x="22" y="245"/>
+                  </a:cubicBezTo>
+                  <a:cubicBezTo>
+                    <a:pt x="0" y="209"/>
+                    <a:pt x="0" y="209"/>
+                    <a:pt x="0" y="209"/>
+                  </a:cubicBezTo>
+                  <a:cubicBezTo>
+                    <a:pt x="18" y="201"/>
+                    <a:pt x="32" y="189"/>
+                    <a:pt x="41" y="173"/>
+                  </a:cubicBezTo>
+                  <a:cubicBezTo>
+                    <a:pt x="50" y="157"/>
+                    <a:pt x="55" y="135"/>
+                    <a:pt x="56" y="107"/>
+                  </a:cubicBezTo>
+                  <a:lnTo>
+                    <a:pt x="8" y="107"/>
+                  </a:lnTo>
+                  <a:close/>
+                </a:path>
+              </a:pathLst>
+            </a:custGeom>
+            <a:solidFill>
+              <a:schemeClr val="bg2"/>
+            </a:solidFill>
+            <a:ln w="9525">
+              <a:noFill/>
+              <a:round/>
+              <a:headEnd/>
+              <a:tailEnd/>
+            </a:ln>
+          </p:spPr>
+          <p:txBody>
+            <a:bodyPr vert="horz" wrap="square" lIns="91440" tIns="45720" rIns="91440" bIns="45720" numCol="1" anchor="t" anchorCtr="0" compatLnSpc="1">
+              <a:prstTxWarp prst="textNoShape">
+                <a:avLst/>
+              </a:prstTxWarp>
+            </a:bodyPr>
+            <a:lstStyle/>
+            <a:p>
+              <a:endParaRPr lang="en-GB"/>
+            </a:p>
+          </p:txBody>
+        </p:sp>
+        <p:sp>
+          <p:nvSpPr>
+            <p:cNvPr id="30" name="Freeform 21"/>
+            <p:cNvSpPr>
+              <a:spLocks/>
+            </p:cNvSpPr>
+            <p:nvPr/>
+          </p:nvSpPr>
+          <p:spPr bwMode="auto">
+            <a:xfrm>
+              <a:off x="8001024" y="4462967"/>
+              <a:ext cx="400050" cy="919162"/>
+            </a:xfrm>
+            <a:custGeom>
+              <a:avLst/>
+              <a:gdLst/>
+              <a:ahLst/>
+              <a:cxnLst>
+                <a:cxn ang="0">
+                  <a:pos x="8" y="107"/>
+                </a:cxn>
+                <a:cxn ang="0">
+                  <a:pos x="8" y="0"/>
+                </a:cxn>
+                <a:cxn ang="0">
+                  <a:pos x="106" y="0"/>
+                </a:cxn>
+                <a:cxn ang="0">
+                  <a:pos x="106" y="84"/>
+                </a:cxn>
+                <a:cxn ang="0">
+                  <a:pos x="91" y="183"/>
+                </a:cxn>
+                <a:cxn ang="0">
+                  <a:pos x="22" y="245"/>
+                </a:cxn>
+                <a:cxn ang="0">
+                  <a:pos x="0" y="209"/>
+                </a:cxn>
+                <a:cxn ang="0">
+                  <a:pos x="41" y="173"/>
+                </a:cxn>
+                <a:cxn ang="0">
+                  <a:pos x="56" y="107"/>
+                </a:cxn>
+                <a:cxn ang="0">
+                  <a:pos x="8" y="107"/>
+                </a:cxn>
+              </a:cxnLst>
+              <a:rect l="0" t="0" r="r" b="b"/>
+              <a:pathLst>
+                <a:path w="106" h="245">
+                  <a:moveTo>
+                    <a:pt x="8" y="107"/>
+                  </a:moveTo>
+                  <a:cubicBezTo>
+                    <a:pt x="8" y="0"/>
+                    <a:pt x="8" y="0"/>
+                    <a:pt x="8" y="0"/>
+                  </a:cubicBezTo>
+                  <a:cubicBezTo>
+                    <a:pt x="106" y="0"/>
+                    <a:pt x="106" y="0"/>
+                    <a:pt x="106" y="0"/>
+                  </a:cubicBezTo>
+                  <a:cubicBezTo>
+                    <a:pt x="106" y="84"/>
+                    <a:pt x="106" y="84"/>
+                    <a:pt x="106" y="84"/>
+                  </a:cubicBezTo>
+                  <a:cubicBezTo>
+                    <a:pt x="106" y="130"/>
+                    <a:pt x="101" y="163"/>
+                    <a:pt x="91" y="183"/>
+                  </a:cubicBezTo>
+                  <a:cubicBezTo>
+                    <a:pt x="76" y="210"/>
+                    <a:pt x="53" y="231"/>
+                    <a:pt x="22" y="245"/>
+                  </a:cubicBezTo>
+                  <a:cubicBezTo>
+                    <a:pt x="0" y="209"/>
+                    <a:pt x="0" y="209"/>
+                    <a:pt x="0" y="209"/>
+                  </a:cubicBezTo>
+                  <a:cubicBezTo>
+                    <a:pt x="18" y="201"/>
+                    <a:pt x="32" y="189"/>
+                    <a:pt x="41" y="173"/>
+                  </a:cubicBezTo>
+                  <a:cubicBezTo>
+                    <a:pt x="50" y="157"/>
+                    <a:pt x="55" y="135"/>
+                    <a:pt x="56" y="107"/>
+                  </a:cubicBezTo>
+                  <a:lnTo>
+                    <a:pt x="8" y="107"/>
+                  </a:lnTo>
+                  <a:close/>
+                </a:path>
+              </a:pathLst>
+            </a:custGeom>
+            <a:solidFill>
+              <a:schemeClr val="bg2"/>
+            </a:solidFill>
+            <a:ln w="9525">
+              <a:noFill/>
+              <a:round/>
+              <a:headEnd/>
+              <a:tailEnd/>
+            </a:ln>
+          </p:spPr>
+          <p:txBody>
+            <a:bodyPr vert="horz" wrap="square" lIns="91440" tIns="45720" rIns="91440" bIns="45720" numCol="1" anchor="t" anchorCtr="0" compatLnSpc="1">
+              <a:prstTxWarp prst="textNoShape">
+                <a:avLst/>
+              </a:prstTxWarp>
+            </a:bodyPr>
+            <a:lstStyle/>
+            <a:p>
+              <a:endParaRPr lang="en-GB"/>
+            </a:p>
+          </p:txBody>
+        </p:sp>
+      </p:grpSp>
+      <p:grpSp>
+        <p:nvGrpSpPr>
+          <p:cNvPr id="5" name="Group 31"/>
+          <p:cNvGrpSpPr>
+            <a:grpSpLocks noChangeAspect="1"/>
+          </p:cNvGrpSpPr>
+          <p:nvPr/>
+        </p:nvGrpSpPr>
+        <p:grpSpPr>
+          <a:xfrm>
+            <a:off x="3470104" y="3429000"/>
+            <a:ext cx="528083" cy="542142"/>
+            <a:chOff x="247650" y="646113"/>
+            <a:chExt cx="895326" cy="919162"/>
+          </a:xfrm>
+        </p:grpSpPr>
+        <p:sp>
+          <p:nvSpPr>
+            <p:cNvPr id="28" name="Freeform 17"/>
+            <p:cNvSpPr>
+              <a:spLocks/>
+            </p:cNvSpPr>
+            <p:nvPr/>
+          </p:nvSpPr>
+          <p:spPr bwMode="auto">
+            <a:xfrm>
+              <a:off x="247650" y="646113"/>
+              <a:ext cx="400050" cy="919162"/>
+            </a:xfrm>
+            <a:custGeom>
+              <a:avLst/>
+              <a:gdLst/>
+              <a:ahLst/>
+              <a:cxnLst>
+                <a:cxn ang="0">
+                  <a:pos x="98" y="139"/>
+                </a:cxn>
+                <a:cxn ang="0">
+                  <a:pos x="98" y="245"/>
+                </a:cxn>
+                <a:cxn ang="0">
+                  <a:pos x="0" y="245"/>
+                </a:cxn>
+                <a:cxn ang="0">
+                  <a:pos x="0" y="161"/>
+                </a:cxn>
+                <a:cxn ang="0">
+                  <a:pos x="16" y="62"/>
+                </a:cxn>
+                <a:cxn ang="0">
+                  <a:pos x="84" y="0"/>
+                </a:cxn>
+                <a:cxn ang="0">
+                  <a:pos x="107" y="36"/>
+                </a:cxn>
+                <a:cxn ang="0">
+                  <a:pos x="65" y="71"/>
+                </a:cxn>
+                <a:cxn ang="0">
+                  <a:pos x="50" y="139"/>
+                </a:cxn>
+                <a:cxn ang="0">
+                  <a:pos x="98" y="139"/>
+                </a:cxn>
+              </a:cxnLst>
+              <a:rect l="0" t="0" r="r" b="b"/>
+              <a:pathLst>
+                <a:path w="107" h="245">
+                  <a:moveTo>
+                    <a:pt x="98" y="139"/>
+                  </a:moveTo>
+                  <a:cubicBezTo>
+                    <a:pt x="98" y="245"/>
+                    <a:pt x="98" y="245"/>
+                    <a:pt x="98" y="245"/>
+                  </a:cubicBezTo>
+                  <a:cubicBezTo>
+                    <a:pt x="0" y="245"/>
+                    <a:pt x="0" y="245"/>
+                    <a:pt x="0" y="245"/>
+                  </a:cubicBezTo>
+                  <a:cubicBezTo>
+                    <a:pt x="0" y="161"/>
+                    <a:pt x="0" y="161"/>
+                    <a:pt x="0" y="161"/>
+                  </a:cubicBezTo>
+                  <a:cubicBezTo>
+                    <a:pt x="0" y="116"/>
+                    <a:pt x="5" y="83"/>
+                    <a:pt x="16" y="62"/>
+                  </a:cubicBezTo>
+                  <a:cubicBezTo>
+                    <a:pt x="31" y="35"/>
+                    <a:pt x="53" y="14"/>
+                    <a:pt x="84" y="0"/>
+                  </a:cubicBezTo>
+                  <a:cubicBezTo>
+                    <a:pt x="107" y="36"/>
+                    <a:pt x="107" y="36"/>
+                    <a:pt x="107" y="36"/>
+                  </a:cubicBezTo>
+                  <a:cubicBezTo>
+                    <a:pt x="88" y="44"/>
+                    <a:pt x="74" y="56"/>
+                    <a:pt x="65" y="71"/>
+                  </a:cubicBezTo>
+                  <a:cubicBezTo>
+                    <a:pt x="56" y="87"/>
+                    <a:pt x="51" y="109"/>
+                    <a:pt x="50" y="139"/>
+                  </a:cubicBezTo>
+                  <a:lnTo>
+                    <a:pt x="98" y="139"/>
+                  </a:lnTo>
+                  <a:close/>
+                </a:path>
+              </a:pathLst>
+            </a:custGeom>
+            <a:solidFill>
+              <a:schemeClr val="bg2"/>
+            </a:solidFill>
+            <a:ln w="9525">
+              <a:noFill/>
+              <a:round/>
+              <a:headEnd/>
+              <a:tailEnd/>
+            </a:ln>
+          </p:spPr>
+          <p:txBody>
+            <a:bodyPr vert="horz" wrap="square" lIns="91440" tIns="45720" rIns="91440" bIns="45720" numCol="1" anchor="t" anchorCtr="0" compatLnSpc="1">
+              <a:prstTxWarp prst="textNoShape">
+                <a:avLst/>
+              </a:prstTxWarp>
+            </a:bodyPr>
+            <a:lstStyle/>
+            <a:p>
+              <a:endParaRPr lang="en-GB"/>
+            </a:p>
+          </p:txBody>
+        </p:sp>
+        <p:sp>
+          <p:nvSpPr>
+            <p:cNvPr id="31" name="Freeform 17"/>
+            <p:cNvSpPr>
+              <a:spLocks/>
+            </p:cNvSpPr>
+            <p:nvPr/>
+          </p:nvSpPr>
+          <p:spPr bwMode="auto">
+            <a:xfrm>
+              <a:off x="742926" y="646113"/>
+              <a:ext cx="400050" cy="919162"/>
+            </a:xfrm>
+            <a:custGeom>
+              <a:avLst/>
+              <a:gdLst/>
+              <a:ahLst/>
+              <a:cxnLst>
+                <a:cxn ang="0">
+                  <a:pos x="98" y="139"/>
+                </a:cxn>
+                <a:cxn ang="0">
+                  <a:pos x="98" y="245"/>
+                </a:cxn>
+                <a:cxn ang="0">
+                  <a:pos x="0" y="245"/>
+                </a:cxn>
+                <a:cxn ang="0">
+                  <a:pos x="0" y="161"/>
+                </a:cxn>
+                <a:cxn ang="0">
+                  <a:pos x="16" y="62"/>
+                </a:cxn>
+                <a:cxn ang="0">
+                  <a:pos x="84" y="0"/>
+                </a:cxn>
+                <a:cxn ang="0">
+                  <a:pos x="107" y="36"/>
+                </a:cxn>
+                <a:cxn ang="0">
+                  <a:pos x="65" y="71"/>
+                </a:cxn>
+                <a:cxn ang="0">
+                  <a:pos x="50" y="139"/>
+                </a:cxn>
+                <a:cxn ang="0">
+                  <a:pos x="98" y="139"/>
+                </a:cxn>
+              </a:cxnLst>
+              <a:rect l="0" t="0" r="r" b="b"/>
+              <a:pathLst>
+                <a:path w="107" h="245">
+                  <a:moveTo>
+                    <a:pt x="98" y="139"/>
+                  </a:moveTo>
+                  <a:cubicBezTo>
+                    <a:pt x="98" y="245"/>
+                    <a:pt x="98" y="245"/>
+                    <a:pt x="98" y="245"/>
+                  </a:cubicBezTo>
+                  <a:cubicBezTo>
+                    <a:pt x="0" y="245"/>
+                    <a:pt x="0" y="245"/>
+                    <a:pt x="0" y="245"/>
+                  </a:cubicBezTo>
+                  <a:cubicBezTo>
+                    <a:pt x="0" y="161"/>
+                    <a:pt x="0" y="161"/>
+                    <a:pt x="0" y="161"/>
+                  </a:cubicBezTo>
+                  <a:cubicBezTo>
+                    <a:pt x="0" y="116"/>
+                    <a:pt x="5" y="83"/>
+                    <a:pt x="16" y="62"/>
+                  </a:cubicBezTo>
+                  <a:cubicBezTo>
+                    <a:pt x="31" y="35"/>
+                    <a:pt x="53" y="14"/>
+                    <a:pt x="84" y="0"/>
+                  </a:cubicBezTo>
+                  <a:cubicBezTo>
+                    <a:pt x="107" y="36"/>
+                    <a:pt x="107" y="36"/>
+                    <a:pt x="107" y="36"/>
+                  </a:cubicBezTo>
+                  <a:cubicBezTo>
+                    <a:pt x="88" y="44"/>
+                    <a:pt x="74" y="56"/>
+                    <a:pt x="65" y="71"/>
+                  </a:cubicBezTo>
+                  <a:cubicBezTo>
+                    <a:pt x="56" y="87"/>
+                    <a:pt x="51" y="109"/>
+                    <a:pt x="50" y="139"/>
+                  </a:cubicBezTo>
+                  <a:lnTo>
+                    <a:pt x="98" y="139"/>
+                  </a:lnTo>
+                  <a:close/>
+                </a:path>
+              </a:pathLst>
+            </a:custGeom>
+            <a:solidFill>
+              <a:schemeClr val="bg2"/>
+            </a:solidFill>
+            <a:ln w="9525">
+              <a:noFill/>
+              <a:round/>
+              <a:headEnd/>
+              <a:tailEnd/>
+            </a:ln>
+          </p:spPr>
+          <p:txBody>
+            <a:bodyPr vert="horz" wrap="square" lIns="91440" tIns="45720" rIns="91440" bIns="45720" numCol="1" anchor="t" anchorCtr="0" compatLnSpc="1">
+              <a:prstTxWarp prst="textNoShape">
+                <a:avLst/>
+              </a:prstTxWarp>
+            </a:bodyPr>
+            <a:lstStyle/>
+            <a:p>
+              <a:endParaRPr lang="en-GB"/>
+            </a:p>
+          </p:txBody>
+        </p:sp>
+      </p:grpSp>
+      <p:grpSp>
+        <p:nvGrpSpPr>
+          <p:cNvPr id="6" name="Group 30"/>
+          <p:cNvGrpSpPr>
+            <a:grpSpLocks noChangeAspect="1"/>
+          </p:cNvGrpSpPr>
+          <p:nvPr/>
+        </p:nvGrpSpPr>
+        <p:grpSpPr>
+          <a:xfrm>
+            <a:off x="8366965" y="5373216"/>
+            <a:ext cx="526210" cy="542142"/>
+            <a:chOff x="8001024" y="4462967"/>
+            <a:chExt cx="892151" cy="919162"/>
+          </a:xfrm>
+        </p:grpSpPr>
+        <p:sp>
+          <p:nvSpPr>
+            <p:cNvPr id="33" name="Freeform 21"/>
+            <p:cNvSpPr>
+              <a:spLocks/>
+            </p:cNvSpPr>
+            <p:nvPr/>
+          </p:nvSpPr>
+          <p:spPr bwMode="auto">
+            <a:xfrm>
+              <a:off x="8493125" y="4462967"/>
+              <a:ext cx="400050" cy="919162"/>
+            </a:xfrm>
+            <a:custGeom>
+              <a:avLst/>
+              <a:gdLst/>
+              <a:ahLst/>
+              <a:cxnLst>
+                <a:cxn ang="0">
+                  <a:pos x="8" y="107"/>
+                </a:cxn>
+                <a:cxn ang="0">
+                  <a:pos x="8" y="0"/>
+                </a:cxn>
+                <a:cxn ang="0">
+                  <a:pos x="106" y="0"/>
+                </a:cxn>
+                <a:cxn ang="0">
+                  <a:pos x="106" y="84"/>
+                </a:cxn>
+                <a:cxn ang="0">
+                  <a:pos x="91" y="183"/>
+                </a:cxn>
+                <a:cxn ang="0">
+                  <a:pos x="22" y="245"/>
+                </a:cxn>
+                <a:cxn ang="0">
+                  <a:pos x="0" y="209"/>
+                </a:cxn>
+                <a:cxn ang="0">
+                  <a:pos x="41" y="173"/>
+                </a:cxn>
+                <a:cxn ang="0">
+                  <a:pos x="56" y="107"/>
+                </a:cxn>
+                <a:cxn ang="0">
+                  <a:pos x="8" y="107"/>
+                </a:cxn>
+              </a:cxnLst>
+              <a:rect l="0" t="0" r="r" b="b"/>
+              <a:pathLst>
+                <a:path w="106" h="245">
+                  <a:moveTo>
+                    <a:pt x="8" y="107"/>
+                  </a:moveTo>
+                  <a:cubicBezTo>
+                    <a:pt x="8" y="0"/>
+                    <a:pt x="8" y="0"/>
+                    <a:pt x="8" y="0"/>
+                  </a:cubicBezTo>
+                  <a:cubicBezTo>
+                    <a:pt x="106" y="0"/>
+                    <a:pt x="106" y="0"/>
+                    <a:pt x="106" y="0"/>
+                  </a:cubicBezTo>
+                  <a:cubicBezTo>
+                    <a:pt x="106" y="84"/>
+                    <a:pt x="106" y="84"/>
+                    <a:pt x="106" y="84"/>
+                  </a:cubicBezTo>
+                  <a:cubicBezTo>
+                    <a:pt x="106" y="130"/>
+                    <a:pt x="101" y="163"/>
+                    <a:pt x="91" y="183"/>
+                  </a:cubicBezTo>
+                  <a:cubicBezTo>
+                    <a:pt x="76" y="210"/>
+                    <a:pt x="53" y="231"/>
+                    <a:pt x="22" y="245"/>
+                  </a:cubicBezTo>
+                  <a:cubicBezTo>
+                    <a:pt x="0" y="209"/>
+                    <a:pt x="0" y="209"/>
+                    <a:pt x="0" y="209"/>
+                  </a:cubicBezTo>
+                  <a:cubicBezTo>
+                    <a:pt x="18" y="201"/>
+                    <a:pt x="32" y="189"/>
+                    <a:pt x="41" y="173"/>
+                  </a:cubicBezTo>
+                  <a:cubicBezTo>
+                    <a:pt x="50" y="157"/>
+                    <a:pt x="55" y="135"/>
+                    <a:pt x="56" y="107"/>
+                  </a:cubicBezTo>
+                  <a:lnTo>
+                    <a:pt x="8" y="107"/>
+                  </a:lnTo>
+                  <a:close/>
+                </a:path>
+              </a:pathLst>
+            </a:custGeom>
+            <a:solidFill>
+              <a:schemeClr val="bg2"/>
+            </a:solidFill>
+            <a:ln w="9525">
+              <a:noFill/>
+              <a:round/>
+              <a:headEnd/>
+              <a:tailEnd/>
+            </a:ln>
+          </p:spPr>
+          <p:txBody>
+            <a:bodyPr vert="horz" wrap="square" lIns="91440" tIns="45720" rIns="91440" bIns="45720" numCol="1" anchor="t" anchorCtr="0" compatLnSpc="1">
+              <a:prstTxWarp prst="textNoShape">
+                <a:avLst/>
+              </a:prstTxWarp>
+            </a:bodyPr>
+            <a:lstStyle/>
+            <a:p>
+              <a:endParaRPr lang="en-GB"/>
+            </a:p>
+          </p:txBody>
+        </p:sp>
+        <p:sp>
+          <p:nvSpPr>
+            <p:cNvPr id="34" name="Freeform 21"/>
+            <p:cNvSpPr>
+              <a:spLocks/>
+            </p:cNvSpPr>
+            <p:nvPr/>
+          </p:nvSpPr>
+          <p:spPr bwMode="auto">
+            <a:xfrm>
+              <a:off x="8001024" y="4462967"/>
+              <a:ext cx="400050" cy="919162"/>
+            </a:xfrm>
+            <a:custGeom>
+              <a:avLst/>
+              <a:gdLst/>
+              <a:ahLst/>
+              <a:cxnLst>
+                <a:cxn ang="0">
+                  <a:pos x="8" y="107"/>
+                </a:cxn>
+                <a:cxn ang="0">
+                  <a:pos x="8" y="0"/>
+                </a:cxn>
+                <a:cxn ang="0">
+                  <a:pos x="106" y="0"/>
+                </a:cxn>
+                <a:cxn ang="0">
+                  <a:pos x="106" y="84"/>
+                </a:cxn>
+                <a:cxn ang="0">
+                  <a:pos x="91" y="183"/>
+                </a:cxn>
+                <a:cxn ang="0">
+                  <a:pos x="22" y="245"/>
+                </a:cxn>
+                <a:cxn ang="0">
+                  <a:pos x="0" y="209"/>
+                </a:cxn>
+                <a:cxn ang="0">
+                  <a:pos x="41" y="173"/>
+                </a:cxn>
+                <a:cxn ang="0">
+                  <a:pos x="56" y="107"/>
+                </a:cxn>
+                <a:cxn ang="0">
+                  <a:pos x="8" y="107"/>
+                </a:cxn>
+              </a:cxnLst>
+              <a:rect l="0" t="0" r="r" b="b"/>
+              <a:pathLst>
+                <a:path w="106" h="245">
+                  <a:moveTo>
+                    <a:pt x="8" y="107"/>
+                  </a:moveTo>
+                  <a:cubicBezTo>
+                    <a:pt x="8" y="0"/>
+                    <a:pt x="8" y="0"/>
+                    <a:pt x="8" y="0"/>
+                  </a:cubicBezTo>
+                  <a:cubicBezTo>
+                    <a:pt x="106" y="0"/>
+                    <a:pt x="106" y="0"/>
+                    <a:pt x="106" y="0"/>
+                  </a:cubicBezTo>
+                  <a:cubicBezTo>
+                    <a:pt x="106" y="84"/>
+                    <a:pt x="106" y="84"/>
+                    <a:pt x="106" y="84"/>
+                  </a:cubicBezTo>
+                  <a:cubicBezTo>
+                    <a:pt x="106" y="130"/>
+                    <a:pt x="101" y="163"/>
+                    <a:pt x="91" y="183"/>
+                  </a:cubicBezTo>
+                  <a:cubicBezTo>
+                    <a:pt x="76" y="210"/>
+                    <a:pt x="53" y="231"/>
+                    <a:pt x="22" y="245"/>
+                  </a:cubicBezTo>
+                  <a:cubicBezTo>
+                    <a:pt x="0" y="209"/>
+                    <a:pt x="0" y="209"/>
+                    <a:pt x="0" y="209"/>
+                  </a:cubicBezTo>
+                  <a:cubicBezTo>
+                    <a:pt x="18" y="201"/>
+                    <a:pt x="32" y="189"/>
+                    <a:pt x="41" y="173"/>
+                  </a:cubicBezTo>
+                  <a:cubicBezTo>
+                    <a:pt x="50" y="157"/>
+                    <a:pt x="55" y="135"/>
+                    <a:pt x="56" y="107"/>
+                  </a:cubicBezTo>
+                  <a:lnTo>
+                    <a:pt x="8" y="107"/>
+                  </a:lnTo>
+                  <a:close/>
+                </a:path>
+              </a:pathLst>
+            </a:custGeom>
+            <a:solidFill>
+              <a:schemeClr val="bg2"/>
+            </a:solidFill>
+            <a:ln w="9525">
+              <a:noFill/>
+              <a:round/>
+              <a:headEnd/>
+              <a:tailEnd/>
+            </a:ln>
+          </p:spPr>
+          <p:txBody>
+            <a:bodyPr vert="horz" wrap="square" lIns="91440" tIns="45720" rIns="91440" bIns="45720" numCol="1" anchor="t" anchorCtr="0" compatLnSpc="1">
+              <a:prstTxWarp prst="textNoShape">
+                <a:avLst/>
+              </a:prstTxWarp>
+            </a:bodyPr>
+            <a:lstStyle/>
+            <a:p>
+              <a:endParaRPr lang="en-GB"/>
+            </a:p>
+          </p:txBody>
+        </p:sp>
+      </p:grpSp>
+      <p:sp>
+        <p:nvSpPr>
+          <p:cNvPr id="32" name="TextBox 31"/>
+          <p:cNvSpPr txBox="1"/>
+          <p:nvPr/>
+        </p:nvSpPr>
         <p:spPr>
           <a:xfrm>
-            <a:off x="250825" y="260350"/>
-            <a:ext cx="684771" cy="396000"/>
+            <a:off x="395536" y="5013176"/>
+            <a:ext cx="2952328" cy="775597"/>
           </a:xfrm>
           <a:prstGeom prst="rect">
             <a:avLst/>
           </a:prstGeom>
+          <a:noFill/>
         </p:spPr>
-      </p:pic>
+        <p:txBody>
+          <a:bodyPr wrap="square" lIns="0" tIns="0" rIns="0" bIns="0" rtlCol="0">
+            <a:spAutoFit/>
+          </a:bodyPr>
+          <a:lstStyle/>
+          <a:p>
+            <a:pPr algn="ctr">
+              <a:lnSpc>
+                <a:spcPct val="90000"/>
+              </a:lnSpc>
+            </a:pPr>
+            <a:r>
+              <a:rPr lang="en-GB" sz="1400" b="1" dirty="0" smtClean="0">
+                <a:solidFill>
+                  <a:schemeClr val="tx1">
+                    <a:lumMod val="75000"/>
+                    <a:lumOff val="25000"/>
+                  </a:schemeClr>
+                </a:solidFill>
+              </a:rPr>
+              <a:t>Adidas </a:t>
+            </a:r>
+            <a:r>
+              <a:rPr lang="en-GB" sz="1400" b="1" dirty="0" smtClean="0">
+                <a:solidFill>
+                  <a:schemeClr val="tx1">
+                    <a:lumMod val="75000"/>
+                    <a:lumOff val="25000"/>
+                  </a:schemeClr>
+                </a:solidFill>
+              </a:rPr>
+              <a:t>NMD </a:t>
+            </a:r>
+            <a:r>
+              <a:rPr lang="en-GB" sz="1400" dirty="0" smtClean="0">
+                <a:solidFill>
+                  <a:schemeClr val="tx1">
+                    <a:lumMod val="75000"/>
+                    <a:lumOff val="25000"/>
+                  </a:schemeClr>
+                </a:solidFill>
+              </a:rPr>
+              <a:t>(short </a:t>
+            </a:r>
+            <a:r>
+              <a:rPr lang="en-GB" sz="1400" dirty="0" smtClean="0">
+                <a:solidFill>
+                  <a:schemeClr val="tx1">
+                    <a:lumMod val="75000"/>
+                    <a:lumOff val="25000"/>
+                  </a:schemeClr>
+                </a:solidFill>
+              </a:rPr>
+              <a:t>for </a:t>
+            </a:r>
+            <a:r>
+              <a:rPr lang="en-GB" sz="1400" dirty="0" smtClean="0">
+                <a:solidFill>
+                  <a:schemeClr val="tx1">
+                    <a:lumMod val="75000"/>
+                    <a:lumOff val="25000"/>
+                  </a:schemeClr>
+                </a:solidFill>
+              </a:rPr>
+              <a:t>“nomad”) </a:t>
+            </a:r>
+            <a:r>
+              <a:rPr lang="en-GB" sz="1400" dirty="0" smtClean="0">
+                <a:solidFill>
+                  <a:schemeClr val="tx1">
+                    <a:lumMod val="75000"/>
+                    <a:lumOff val="25000"/>
+                  </a:schemeClr>
+                </a:solidFill>
+              </a:rPr>
+              <a:t>are limited release trainers that have caused queues and chaos at retailers when </a:t>
+            </a:r>
+            <a:r>
+              <a:rPr lang="en-GB" sz="1400" dirty="0" smtClean="0">
+                <a:solidFill>
+                  <a:schemeClr val="tx1">
+                    <a:lumMod val="75000"/>
+                    <a:lumOff val="25000"/>
+                  </a:schemeClr>
+                </a:solidFill>
+              </a:rPr>
+              <a:t>the new </a:t>
+            </a:r>
+            <a:r>
+              <a:rPr lang="en-GB" sz="1400" dirty="0" smtClean="0">
+                <a:solidFill>
+                  <a:schemeClr val="tx1">
+                    <a:lumMod val="75000"/>
+                    <a:lumOff val="25000"/>
+                  </a:schemeClr>
+                </a:solidFill>
+              </a:rPr>
+              <a:t>trainers </a:t>
+            </a:r>
+            <a:r>
+              <a:rPr lang="en-GB" sz="1400" dirty="0" smtClean="0">
+                <a:solidFill>
+                  <a:schemeClr val="tx1">
+                    <a:lumMod val="75000"/>
+                    <a:lumOff val="25000"/>
+                  </a:schemeClr>
+                </a:solidFill>
+              </a:rPr>
+              <a:t>were </a:t>
+            </a:r>
+            <a:r>
+              <a:rPr lang="en-GB" sz="1400" dirty="0" smtClean="0">
+                <a:solidFill>
+                  <a:schemeClr val="tx1">
+                    <a:lumMod val="75000"/>
+                    <a:lumOff val="25000"/>
+                  </a:schemeClr>
+                </a:solidFill>
+              </a:rPr>
+              <a:t>dropped.</a:t>
+            </a:r>
+            <a:endParaRPr lang="en-GB" sz="1400" b="1" dirty="0">
+              <a:solidFill>
+                <a:schemeClr val="tx1">
+                  <a:lumMod val="75000"/>
+                  <a:lumOff val="25000"/>
+                </a:schemeClr>
+              </a:solidFill>
+            </a:endParaRPr>
+          </a:p>
+        </p:txBody>
+      </p:sp>
       <p:grpSp>
         <p:nvGrpSpPr>
-          <p:cNvPr id="3" name="Group 11"/>
+          <p:cNvPr id="7" name="Group 38"/>
           <p:cNvGrpSpPr/>
           <p:nvPr/>
         </p:nvGrpSpPr>
         <p:grpSpPr>
           <a:xfrm>
-            <a:off x="7812868" y="0"/>
-            <a:ext cx="1331132" cy="1331132"/>
-            <a:chOff x="7812868" y="0"/>
-            <a:chExt cx="1331132" cy="1331132"/>
+            <a:off x="8091483" y="-3"/>
+            <a:ext cx="1052515" cy="1052515"/>
+            <a:chOff x="8091483" y="-3"/>
+            <a:chExt cx="1052515" cy="1052515"/>
           </a:xfrm>
         </p:grpSpPr>
         <p:sp>
           <p:nvSpPr>
-            <p:cNvPr id="13" name="Right Triangle 12"/>
+            <p:cNvPr id="35" name="Right Triangle 34"/>
             <p:cNvSpPr/>
-            <p:nvPr/>
+            <p:nvPr>
+              <p:custDataLst>
+                <p:tags r:id="rId1"/>
+              </p:custDataLst>
+            </p:nvPr>
           </p:nvSpPr>
           <p:spPr>
             <a:xfrm rot="10800000">
-              <a:off x="7812868" y="0"/>
-              <a:ext cx="1331132" cy="1331132"/>
+              <a:off x="8091483" y="-3"/>
+              <a:ext cx="1052515" cy="1052515"/>
             </a:xfrm>
             <a:prstGeom prst="rtTriangle">
               <a:avLst/>
             </a:prstGeom>
             <a:solidFill>
-              <a:schemeClr val="bg2"/>
+              <a:schemeClr val="bg1">
+                <a:lumMod val="85000"/>
+              </a:schemeClr>
             </a:solidFill>
             <a:ln>
               <a:noFill/>
@@ -32499,564 +31712,328 @@
           </p:style>
           <p:txBody>
             <a:bodyPr rtlCol="0" anchor="ctr"/>
-            <a:lstStyle>
-              <a:defPPr>
-                <a:defRPr lang="en-US"/>
-              </a:defPPr>
-              <a:lvl1pPr marL="0" algn="l" defTabSz="914400" rtl="0" eaLnBrk="1" latinLnBrk="0" hangingPunct="1">
-                <a:defRPr sz="1800" kern="1200">
-                  <a:solidFill>
-                    <a:schemeClr val="lt1"/>
-                  </a:solidFill>
-                  <a:latin typeface="+mn-lt"/>
-                  <a:ea typeface="+mn-ea"/>
-                  <a:cs typeface="+mn-cs"/>
-                </a:defRPr>
-              </a:lvl1pPr>
-              <a:lvl2pPr marL="457200" algn="l" defTabSz="914400" rtl="0" eaLnBrk="1" latinLnBrk="0" hangingPunct="1">
-                <a:defRPr sz="1800" kern="1200">
-                  <a:solidFill>
-                    <a:schemeClr val="lt1"/>
-                  </a:solidFill>
-                  <a:latin typeface="+mn-lt"/>
-                  <a:ea typeface="+mn-ea"/>
-                  <a:cs typeface="+mn-cs"/>
-                </a:defRPr>
-              </a:lvl2pPr>
-              <a:lvl3pPr marL="914400" algn="l" defTabSz="914400" rtl="0" eaLnBrk="1" latinLnBrk="0" hangingPunct="1">
-                <a:defRPr sz="1800" kern="1200">
-                  <a:solidFill>
-                    <a:schemeClr val="lt1"/>
-                  </a:solidFill>
-                  <a:latin typeface="+mn-lt"/>
-                  <a:ea typeface="+mn-ea"/>
-                  <a:cs typeface="+mn-cs"/>
-                </a:defRPr>
-              </a:lvl3pPr>
-              <a:lvl4pPr marL="1371600" algn="l" defTabSz="914400" rtl="0" eaLnBrk="1" latinLnBrk="0" hangingPunct="1">
-                <a:defRPr sz="1800" kern="1200">
-                  <a:solidFill>
-                    <a:schemeClr val="lt1"/>
-                  </a:solidFill>
-                  <a:latin typeface="+mn-lt"/>
-                  <a:ea typeface="+mn-ea"/>
-                  <a:cs typeface="+mn-cs"/>
-                </a:defRPr>
-              </a:lvl4pPr>
-              <a:lvl5pPr marL="1828800" algn="l" defTabSz="914400" rtl="0" eaLnBrk="1" latinLnBrk="0" hangingPunct="1">
-                <a:defRPr sz="1800" kern="1200">
-                  <a:solidFill>
-                    <a:schemeClr val="lt1"/>
-                  </a:solidFill>
-                  <a:latin typeface="+mn-lt"/>
-                  <a:ea typeface="+mn-ea"/>
-                  <a:cs typeface="+mn-cs"/>
-                </a:defRPr>
-              </a:lvl5pPr>
-              <a:lvl6pPr marL="2286000" algn="l" defTabSz="914400" rtl="0" eaLnBrk="1" latinLnBrk="0" hangingPunct="1">
-                <a:defRPr sz="1800" kern="1200">
-                  <a:solidFill>
-                    <a:schemeClr val="lt1"/>
-                  </a:solidFill>
-                  <a:latin typeface="+mn-lt"/>
-                  <a:ea typeface="+mn-ea"/>
-                  <a:cs typeface="+mn-cs"/>
-                </a:defRPr>
-              </a:lvl6pPr>
-              <a:lvl7pPr marL="2743200" algn="l" defTabSz="914400" rtl="0" eaLnBrk="1" latinLnBrk="0" hangingPunct="1">
-                <a:defRPr sz="1800" kern="1200">
-                  <a:solidFill>
-                    <a:schemeClr val="lt1"/>
-                  </a:solidFill>
-                  <a:latin typeface="+mn-lt"/>
-                  <a:ea typeface="+mn-ea"/>
-                  <a:cs typeface="+mn-cs"/>
-                </a:defRPr>
-              </a:lvl7pPr>
-              <a:lvl8pPr marL="3200400" algn="l" defTabSz="914400" rtl="0" eaLnBrk="1" latinLnBrk="0" hangingPunct="1">
-                <a:defRPr sz="1800" kern="1200">
-                  <a:solidFill>
-                    <a:schemeClr val="lt1"/>
-                  </a:solidFill>
-                  <a:latin typeface="+mn-lt"/>
-                  <a:ea typeface="+mn-ea"/>
-                  <a:cs typeface="+mn-cs"/>
-                </a:defRPr>
-              </a:lvl8pPr>
-              <a:lvl9pPr marL="3657600" algn="l" defTabSz="914400" rtl="0" eaLnBrk="1" latinLnBrk="0" hangingPunct="1">
-                <a:defRPr sz="1800" kern="1200">
-                  <a:solidFill>
-                    <a:schemeClr val="lt1"/>
-                  </a:solidFill>
-                  <a:latin typeface="+mn-lt"/>
-                  <a:ea typeface="+mn-ea"/>
-                  <a:cs typeface="+mn-cs"/>
-                </a:defRPr>
-              </a:lvl9pPr>
-            </a:lstStyle>
+            <a:lstStyle/>
             <a:p>
               <a:pPr algn="ctr"/>
               <a:endParaRPr lang="en-GB"/>
             </a:p>
           </p:txBody>
         </p:sp>
-        <p:sp>
-          <p:nvSpPr>
-            <p:cNvPr id="14" name="Text Placeholder 6"/>
-            <p:cNvSpPr txBox="1">
-              <a:spLocks/>
-            </p:cNvSpPr>
+        <p:grpSp>
+          <p:nvGrpSpPr>
+            <p:cNvPr id="9" name="Group 18"/>
+            <p:cNvGrpSpPr>
+              <a:grpSpLocks noChangeAspect="1"/>
+            </p:cNvGrpSpPr>
             <p:nvPr/>
-          </p:nvSpPr>
-          <p:spPr>
-            <a:xfrm rot="2700000">
-              <a:off x="8318546" y="325008"/>
-              <a:ext cx="756000" cy="263149"/>
+          </p:nvGrpSpPr>
+          <p:grpSpPr bwMode="auto">
+            <a:xfrm>
+              <a:off x="8612263" y="130888"/>
+              <a:ext cx="432000" cy="353599"/>
+              <a:chOff x="-469" y="-567"/>
+              <a:chExt cx="4298" cy="3518"/>
             </a:xfrm>
-            <a:prstGeom prst="rect">
-              <a:avLst/>
-            </a:prstGeom>
+            <a:solidFill>
+              <a:schemeClr val="accent4"/>
+            </a:solidFill>
+          </p:grpSpPr>
+          <p:sp>
+            <p:nvSpPr>
+              <p:cNvPr id="36" name="Freeform 19"/>
+              <p:cNvSpPr>
+                <a:spLocks/>
+              </p:cNvSpPr>
+              <p:nvPr/>
+            </p:nvSpPr>
+            <p:spPr bwMode="auto">
+              <a:xfrm>
+                <a:off x="1126" y="733"/>
+                <a:ext cx="2703" cy="2218"/>
+              </a:xfrm>
+              <a:custGeom>
+                <a:avLst/>
+                <a:gdLst/>
+                <a:ahLst/>
+                <a:cxnLst>
+                  <a:cxn ang="0">
+                    <a:pos x="2098" y="0"/>
+                  </a:cxn>
+                  <a:cxn ang="0">
+                    <a:pos x="2098" y="1353"/>
+                  </a:cxn>
+                  <a:cxn ang="0">
+                    <a:pos x="0" y="1353"/>
+                  </a:cxn>
+                  <a:cxn ang="0">
+                    <a:pos x="0" y="1920"/>
+                  </a:cxn>
+                  <a:cxn ang="0">
+                    <a:pos x="1658" y="1920"/>
+                  </a:cxn>
+                  <a:cxn ang="0">
+                    <a:pos x="1961" y="2218"/>
+                  </a:cxn>
+                  <a:cxn ang="0">
+                    <a:pos x="2258" y="1920"/>
+                  </a:cxn>
+                  <a:cxn ang="0">
+                    <a:pos x="2703" y="1920"/>
+                  </a:cxn>
+                  <a:cxn ang="0">
+                    <a:pos x="2703" y="0"/>
+                  </a:cxn>
+                  <a:cxn ang="0">
+                    <a:pos x="2098" y="0"/>
+                  </a:cxn>
+                </a:cxnLst>
+                <a:rect l="0" t="0" r="r" b="b"/>
+                <a:pathLst>
+                  <a:path w="2703" h="2218">
+                    <a:moveTo>
+                      <a:pt x="2098" y="0"/>
+                    </a:moveTo>
+                    <a:lnTo>
+                      <a:pt x="2098" y="1353"/>
+                    </a:lnTo>
+                    <a:lnTo>
+                      <a:pt x="0" y="1353"/>
+                    </a:lnTo>
+                    <a:lnTo>
+                      <a:pt x="0" y="1920"/>
+                    </a:lnTo>
+                    <a:lnTo>
+                      <a:pt x="1658" y="1920"/>
+                    </a:lnTo>
+                    <a:lnTo>
+                      <a:pt x="1961" y="2218"/>
+                    </a:lnTo>
+                    <a:lnTo>
+                      <a:pt x="2258" y="1920"/>
+                    </a:lnTo>
+                    <a:lnTo>
+                      <a:pt x="2703" y="1920"/>
+                    </a:lnTo>
+                    <a:lnTo>
+                      <a:pt x="2703" y="0"/>
+                    </a:lnTo>
+                    <a:lnTo>
+                      <a:pt x="2098" y="0"/>
+                    </a:lnTo>
+                    <a:close/>
+                  </a:path>
+                </a:pathLst>
+              </a:custGeom>
+              <a:grpFill/>
+              <a:ln w="9525">
+                <a:noFill/>
+                <a:round/>
+                <a:headEnd/>
+                <a:tailEnd/>
+              </a:ln>
+            </p:spPr>
+            <p:txBody>
+              <a:bodyPr vert="horz" wrap="square" lIns="91440" tIns="45720" rIns="91440" bIns="45720" numCol="1" anchor="t" anchorCtr="0" compatLnSpc="1">
+                <a:prstTxWarp prst="textNoShape">
+                  <a:avLst/>
+                </a:prstTxWarp>
+              </a:bodyPr>
+              <a:lstStyle/>
+              <a:p>
+                <a:endParaRPr lang="en-GB"/>
+              </a:p>
+            </p:txBody>
+          </p:sp>
+          <p:sp>
+            <p:nvSpPr>
+              <p:cNvPr id="37" name="Freeform 20"/>
+              <p:cNvSpPr>
+                <a:spLocks/>
+              </p:cNvSpPr>
+              <p:nvPr/>
+            </p:nvSpPr>
+            <p:spPr bwMode="auto">
+              <a:xfrm>
+                <a:off x="-469" y="-567"/>
+                <a:ext cx="3452" cy="2802"/>
+              </a:xfrm>
+              <a:custGeom>
+                <a:avLst/>
+                <a:gdLst/>
+                <a:ahLst/>
+                <a:cxnLst>
+                  <a:cxn ang="0">
+                    <a:pos x="0" y="0"/>
+                  </a:cxn>
+                  <a:cxn ang="0">
+                    <a:pos x="0" y="2419"/>
+                  </a:cxn>
+                  <a:cxn ang="0">
+                    <a:pos x="548" y="2419"/>
+                  </a:cxn>
+                  <a:cxn ang="0">
+                    <a:pos x="929" y="2802"/>
+                  </a:cxn>
+                  <a:cxn ang="0">
+                    <a:pos x="1311" y="2419"/>
+                  </a:cxn>
+                  <a:cxn ang="0">
+                    <a:pos x="1352" y="2419"/>
+                  </a:cxn>
+                  <a:cxn ang="0">
+                    <a:pos x="3452" y="2419"/>
+                  </a:cxn>
+                  <a:cxn ang="0">
+                    <a:pos x="3452" y="1066"/>
+                  </a:cxn>
+                  <a:cxn ang="0">
+                    <a:pos x="3452" y="0"/>
+                  </a:cxn>
+                  <a:cxn ang="0">
+                    <a:pos x="0" y="0"/>
+                  </a:cxn>
+                </a:cxnLst>
+                <a:rect l="0" t="0" r="r" b="b"/>
+                <a:pathLst>
+                  <a:path w="3452" h="2802">
+                    <a:moveTo>
+                      <a:pt x="0" y="0"/>
+                    </a:moveTo>
+                    <a:lnTo>
+                      <a:pt x="0" y="2419"/>
+                    </a:lnTo>
+                    <a:lnTo>
+                      <a:pt x="548" y="2419"/>
+                    </a:lnTo>
+                    <a:lnTo>
+                      <a:pt x="929" y="2802"/>
+                    </a:lnTo>
+                    <a:lnTo>
+                      <a:pt x="1311" y="2419"/>
+                    </a:lnTo>
+                    <a:lnTo>
+                      <a:pt x="1352" y="2419"/>
+                    </a:lnTo>
+                    <a:lnTo>
+                      <a:pt x="3452" y="2419"/>
+                    </a:lnTo>
+                    <a:lnTo>
+                      <a:pt x="3452" y="1066"/>
+                    </a:lnTo>
+                    <a:lnTo>
+                      <a:pt x="3452" y="0"/>
+                    </a:lnTo>
+                    <a:lnTo>
+                      <a:pt x="0" y="0"/>
+                    </a:lnTo>
+                    <a:close/>
+                  </a:path>
+                </a:pathLst>
+              </a:custGeom>
+              <a:grpFill/>
+              <a:ln w="9525">
+                <a:noFill/>
+                <a:round/>
+                <a:headEnd/>
+                <a:tailEnd/>
+              </a:ln>
+            </p:spPr>
+            <p:txBody>
+              <a:bodyPr vert="horz" wrap="square" lIns="91440" tIns="45720" rIns="91440" bIns="45720" numCol="1" anchor="t" anchorCtr="0" compatLnSpc="1">
+                <a:prstTxWarp prst="textNoShape">
+                  <a:avLst/>
+                </a:prstTxWarp>
+              </a:bodyPr>
+              <a:lstStyle/>
+              <a:p>
+                <a:endParaRPr lang="en-GB"/>
+              </a:p>
+            </p:txBody>
+          </p:sp>
+        </p:grpSp>
+      </p:grpSp>
+      <p:pic>
+        <p:nvPicPr>
+          <p:cNvPr id="38" name="Picture 1" descr="C:\Users\Josh\Downloads\IMG_1862.jpg"/>
+          <p:cNvPicPr>
+            <a:picLocks noChangeAspect="1" noChangeArrowheads="1"/>
+          </p:cNvPicPr>
+          <p:nvPr/>
+        </p:nvPicPr>
+        <p:blipFill>
+          <a:blip r:embed="rId3" cstate="print"/>
+          <a:srcRect l="39537" t="33981" r="27497" b="37854"/>
+          <a:stretch>
+            <a:fillRect/>
+          </a:stretch>
+        </p:blipFill>
+        <p:spPr bwMode="auto">
+          <a:xfrm>
+            <a:off x="250825" y="1628800"/>
+            <a:ext cx="1441451" cy="1439863"/>
+          </a:xfrm>
+          <a:prstGeom prst="ellipse">
+            <a:avLst/>
+          </a:prstGeom>
+          <a:noFill/>
+          <a:ln>
             <a:noFill/>
-          </p:spPr>
-          <p:txBody>
-            <a:bodyPr lIns="0" tIns="0" rIns="0" bIns="0" anchor="ctr">
-              <a:spAutoFit/>
-            </a:bodyPr>
-            <a:lstStyle>
-              <a:defPPr>
-                <a:defRPr lang="en-US"/>
-              </a:defPPr>
-              <a:lvl1pPr marL="0" algn="l" defTabSz="914400" rtl="0" eaLnBrk="1" latinLnBrk="0" hangingPunct="1">
-                <a:defRPr sz="1800" kern="1200">
-                  <a:solidFill>
-                    <a:schemeClr val="tx1"/>
-                  </a:solidFill>
-                  <a:latin typeface="+mn-lt"/>
-                  <a:ea typeface="+mn-ea"/>
-                  <a:cs typeface="+mn-cs"/>
-                </a:defRPr>
-              </a:lvl1pPr>
-              <a:lvl2pPr marL="457200" algn="l" defTabSz="914400" rtl="0" eaLnBrk="1" latinLnBrk="0" hangingPunct="1">
-                <a:defRPr sz="1800" kern="1200">
-                  <a:solidFill>
-                    <a:schemeClr val="tx1"/>
-                  </a:solidFill>
-                  <a:latin typeface="+mn-lt"/>
-                  <a:ea typeface="+mn-ea"/>
-                  <a:cs typeface="+mn-cs"/>
-                </a:defRPr>
-              </a:lvl2pPr>
-              <a:lvl3pPr marL="914400" algn="l" defTabSz="914400" rtl="0" eaLnBrk="1" latinLnBrk="0" hangingPunct="1">
-                <a:defRPr sz="1800" kern="1200">
-                  <a:solidFill>
-                    <a:schemeClr val="tx1"/>
-                  </a:solidFill>
-                  <a:latin typeface="+mn-lt"/>
-                  <a:ea typeface="+mn-ea"/>
-                  <a:cs typeface="+mn-cs"/>
-                </a:defRPr>
-              </a:lvl3pPr>
-              <a:lvl4pPr marL="1371600" algn="l" defTabSz="914400" rtl="0" eaLnBrk="1" latinLnBrk="0" hangingPunct="1">
-                <a:defRPr sz="1800" kern="1200">
-                  <a:solidFill>
-                    <a:schemeClr val="tx1"/>
-                  </a:solidFill>
-                  <a:latin typeface="+mn-lt"/>
-                  <a:ea typeface="+mn-ea"/>
-                  <a:cs typeface="+mn-cs"/>
-                </a:defRPr>
-              </a:lvl4pPr>
-              <a:lvl5pPr marL="1828800" algn="l" defTabSz="914400" rtl="0" eaLnBrk="1" latinLnBrk="0" hangingPunct="1">
-                <a:defRPr sz="1800" kern="1200">
-                  <a:solidFill>
-                    <a:schemeClr val="tx1"/>
-                  </a:solidFill>
-                  <a:latin typeface="+mn-lt"/>
-                  <a:ea typeface="+mn-ea"/>
-                  <a:cs typeface="+mn-cs"/>
-                </a:defRPr>
-              </a:lvl5pPr>
-              <a:lvl6pPr marL="2286000" algn="l" defTabSz="914400" rtl="0" eaLnBrk="1" latinLnBrk="0" hangingPunct="1">
-                <a:defRPr sz="1800" kern="1200">
-                  <a:solidFill>
-                    <a:schemeClr val="tx1"/>
-                  </a:solidFill>
-                  <a:latin typeface="+mn-lt"/>
-                  <a:ea typeface="+mn-ea"/>
-                  <a:cs typeface="+mn-cs"/>
-                </a:defRPr>
-              </a:lvl6pPr>
-              <a:lvl7pPr marL="2743200" algn="l" defTabSz="914400" rtl="0" eaLnBrk="1" latinLnBrk="0" hangingPunct="1">
-                <a:defRPr sz="1800" kern="1200">
-                  <a:solidFill>
-                    <a:schemeClr val="tx1"/>
-                  </a:solidFill>
-                  <a:latin typeface="+mn-lt"/>
-                  <a:ea typeface="+mn-ea"/>
-                  <a:cs typeface="+mn-cs"/>
-                </a:defRPr>
-              </a:lvl7pPr>
-              <a:lvl8pPr marL="3200400" algn="l" defTabSz="914400" rtl="0" eaLnBrk="1" latinLnBrk="0" hangingPunct="1">
-                <a:defRPr sz="1800" kern="1200">
-                  <a:solidFill>
-                    <a:schemeClr val="tx1"/>
-                  </a:solidFill>
-                  <a:latin typeface="+mn-lt"/>
-                  <a:ea typeface="+mn-ea"/>
-                  <a:cs typeface="+mn-cs"/>
-                </a:defRPr>
-              </a:lvl8pPr>
-              <a:lvl9pPr marL="3657600" algn="l" defTabSz="914400" rtl="0" eaLnBrk="1" latinLnBrk="0" hangingPunct="1">
-                <a:defRPr sz="1800" kern="1200">
-                  <a:solidFill>
-                    <a:schemeClr val="tx1"/>
-                  </a:solidFill>
-                  <a:latin typeface="+mn-lt"/>
-                  <a:ea typeface="+mn-ea"/>
-                  <a:cs typeface="+mn-cs"/>
-                </a:defRPr>
-              </a:lvl9pPr>
-            </a:lstStyle>
-            <a:p>
-              <a:pPr marR="0" lvl="0" algn="ctr" defTabSz="457200" rtl="0" eaLnBrk="1" fontAlgn="base" latinLnBrk="0" hangingPunct="1">
-                <a:lnSpc>
-                  <a:spcPct val="90000"/>
-                </a:lnSpc>
-                <a:spcBef>
-                  <a:spcPct val="0"/>
-                </a:spcBef>
-                <a:spcAft>
-                  <a:spcPct val="0"/>
-                </a:spcAft>
-                <a:buClrTx/>
-                <a:buSzTx/>
-                <a:buFontTx/>
-                <a:buNone/>
-                <a:tabLst/>
-                <a:defRPr/>
-              </a:pPr>
-              <a:r>
-                <a:rPr lang="en-GB" sz="1100" b="1" kern="0" cap="small" spc="300" dirty="0" smtClean="0">
-                  <a:solidFill>
-                    <a:schemeClr val="bg1"/>
-                  </a:solidFill>
-                  <a:latin typeface="Arial" pitchFamily="34" charset="0"/>
-                  <a:cs typeface="Arial" pitchFamily="34" charset="0"/>
-                </a:rPr>
-                <a:t>nVision</a:t>
-              </a:r>
-              <a:r>
-                <a:rPr lang="en-GB" sz="800" b="1" kern="0" cap="small" spc="270" dirty="0" smtClean="0">
-                  <a:solidFill>
-                    <a:schemeClr val="bg1"/>
-                  </a:solidFill>
-                  <a:latin typeface="Arial" pitchFamily="34" charset="0"/>
-                  <a:cs typeface="Arial" pitchFamily="34" charset="0"/>
-                </a:rPr>
-                <a:t>research</a:t>
-              </a:r>
-              <a:endParaRPr kumimoji="0" lang="en-GB" sz="800" b="1" i="0" u="none" strike="noStrike" kern="0" cap="small" spc="270" normalizeH="0" noProof="0" dirty="0">
-                <a:ln>
-                  <a:noFill/>
-                </a:ln>
-                <a:solidFill>
-                  <a:schemeClr val="bg1"/>
-                </a:solidFill>
-                <a:effectLst/>
-                <a:uLnTx/>
-                <a:uFillTx/>
-                <a:latin typeface="Arial" pitchFamily="34" charset="0"/>
-                <a:ea typeface="+mn-ea"/>
-                <a:cs typeface="Arial" pitchFamily="34" charset="0"/>
-              </a:endParaRPr>
-            </a:p>
-          </p:txBody>
-        </p:sp>
-      </p:grpSp>
+          </a:ln>
+        </p:spPr>
+      </p:pic>
       <p:sp>
         <p:nvSpPr>
-          <p:cNvPr id="15" name="Rectangle 14"/>
-          <p:cNvSpPr/>
+          <p:cNvPr id="39" name="TextBox 38"/>
+          <p:cNvSpPr txBox="1"/>
           <p:nvPr/>
         </p:nvSpPr>
         <p:spPr>
           <a:xfrm>
-            <a:off x="250825" y="5883116"/>
-            <a:ext cx="3713851" cy="246221"/>
+            <a:off x="1683297" y="2060848"/>
+            <a:ext cx="1160511" cy="387798"/>
           </a:xfrm>
           <a:prstGeom prst="rect">
             <a:avLst/>
           </a:prstGeom>
-          <a:solidFill>
-            <a:schemeClr val="bg1">
-              <a:lumMod val="95000"/>
-            </a:schemeClr>
-          </a:solidFill>
+          <a:noFill/>
         </p:spPr>
         <p:txBody>
-          <a:bodyPr wrap="square">
+          <a:bodyPr wrap="square" lIns="0" tIns="0" rIns="0" bIns="0" rtlCol="0">
             <a:spAutoFit/>
           </a:bodyPr>
           <a:lstStyle/>
           <a:p>
-            <a:pPr algn="ctr" fontAlgn="auto">
-              <a:spcBef>
-                <a:spcPts val="0"/>
-              </a:spcBef>
-              <a:spcAft>
-                <a:spcPts val="0"/>
-              </a:spcAft>
-              <a:defRPr/>
+            <a:pPr algn="ctr">
+              <a:lnSpc>
+                <a:spcPct val="90000"/>
+              </a:lnSpc>
             </a:pPr>
             <a:r>
-              <a:rPr lang="en-GB" sz="1000" i="0" kern="0" dirty="0" smtClean="0">
-                <a:solidFill>
-                  <a:schemeClr val="tx1">
-                    <a:lumMod val="65000"/>
-                    <a:lumOff val="35000"/>
-                  </a:schemeClr>
-                </a:solidFill>
-                <a:latin typeface="Arial"/>
+              <a:rPr lang="en-GB" sz="1400" b="1" dirty="0" smtClean="0">
+                <a:solidFill>
+                  <a:schemeClr val="bg2"/>
+                </a:solidFill>
               </a:rPr>
-              <a:t>Right-click on chart and select </a:t>
+              <a:t>Jenny</a:t>
             </a:r>
-            <a:r>
-              <a:rPr lang="en-GB" sz="1000" b="1" i="0" kern="0" dirty="0" smtClean="0">
-                <a:solidFill>
-                  <a:schemeClr val="bg2"/>
-                </a:solidFill>
-                <a:latin typeface="Arial"/>
-              </a:rPr>
-              <a:t>Edit Data</a:t>
-            </a:r>
-            <a:r>
-              <a:rPr lang="en-GB" sz="1000" i="0" kern="0" dirty="0" smtClean="0">
-                <a:solidFill>
-                  <a:schemeClr val="bg2"/>
-                </a:solidFill>
-                <a:latin typeface="Arial"/>
-              </a:rPr>
-              <a:t> </a:t>
-            </a:r>
-            <a:r>
-              <a:rPr lang="en-GB" sz="1000" i="0" kern="0" dirty="0" smtClean="0">
-                <a:solidFill>
-                  <a:schemeClr val="tx1">
-                    <a:lumMod val="65000"/>
-                    <a:lumOff val="35000"/>
-                  </a:schemeClr>
-                </a:solidFill>
-                <a:latin typeface="Arial"/>
-              </a:rPr>
-              <a:t>for demographic data</a:t>
-            </a:r>
-            <a:endParaRPr lang="en-GB" sz="1000" i="0" kern="0" dirty="0">
-              <a:solidFill>
-                <a:schemeClr val="tx1">
-                  <a:lumMod val="65000"/>
-                  <a:lumOff val="35000"/>
-                </a:schemeClr>
-              </a:solidFill>
-              <a:latin typeface="Arial"/>
-            </a:endParaRPr>
           </a:p>
-        </p:txBody>
-      </p:sp>
-    </p:spTree>
-  </p:cSld>
-  <p:clrMapOvr>
-    <a:masterClrMapping/>
-  </p:clrMapOvr>
-</p:sld>
-</file>
-
-<file path=ppt/slides/slide8.xml><?xml version="1.0" encoding="utf-8"?>
-<p:sld xmlns:a="http://schemas.openxmlformats.org/drawingml/2006/main" xmlns:r="http://schemas.openxmlformats.org/officeDocument/2006/relationships" xmlns:p="http://schemas.openxmlformats.org/presentationml/2006/main">
-  <p:cSld>
-    <p:spTree>
-      <p:nvGrpSpPr>
-        <p:cNvPr id="1" name=""/>
-        <p:cNvGrpSpPr/>
-        <p:nvPr/>
-      </p:nvGrpSpPr>
-      <p:grpSpPr>
-        <a:xfrm>
-          <a:off x="0" y="0"/>
-          <a:ext cx="0" cy="0"/>
-          <a:chOff x="0" y="0"/>
-          <a:chExt cx="0" cy="0"/>
-        </a:xfrm>
-      </p:grpSpPr>
-      <p:graphicFrame>
-        <p:nvGraphicFramePr>
-          <p:cNvPr id="10" name="Content Placeholder 9"/>
-          <p:cNvGraphicFramePr>
-            <a:graphicFrameLocks noGrp="1"/>
-          </p:cNvGraphicFramePr>
-          <p:nvPr>
-            <p:ph idx="1"/>
-          </p:nvPr>
-        </p:nvGraphicFramePr>
-        <p:xfrm>
-          <a:off x="250825" y="1952625"/>
-          <a:ext cx="8642350" cy="4248509"/>
-        </p:xfrm>
-        <a:graphic>
-          <a:graphicData uri="http://schemas.openxmlformats.org/drawingml/2006/chart">
-            <c:chart xmlns:c="http://schemas.openxmlformats.org/drawingml/2006/chart" xmlns:r="http://schemas.openxmlformats.org/officeDocument/2006/relationships" r:id="rId3"/>
-          </a:graphicData>
-        </a:graphic>
-      </p:graphicFrame>
-      <p:sp>
-        <p:nvSpPr>
-          <p:cNvPr id="6" name="Text Placeholder 5"/>
-          <p:cNvSpPr>
-            <a:spLocks noGrp="1"/>
-          </p:cNvSpPr>
-          <p:nvPr>
-            <p:ph type="body" sz="quarter" idx="10"/>
-          </p:nvPr>
-        </p:nvSpPr>
-        <p:spPr/>
-        <p:txBody>
-          <a:bodyPr/>
-          <a:lstStyle/>
           <a:p>
-            <a:pPr>
-              <a:defRPr/>
+            <a:pPr algn="ctr">
+              <a:lnSpc>
+                <a:spcPct val="90000"/>
+              </a:lnSpc>
             </a:pPr>
             <a:r>
-              <a:rPr lang="en-GB" dirty="0" smtClean="0"/>
-              <a:t>Source: nVision </a:t>
+              <a:rPr lang="en-GB" sz="1400" b="1" spc="100" dirty="0" smtClean="0">
+                <a:solidFill>
+                  <a:schemeClr val="bg2"/>
+                </a:solidFill>
+              </a:rPr>
+              <a:t>CHINA</a:t>
             </a:r>
-            <a:r>
-              <a:rPr lang="en-GB" smtClean="0"/>
-              <a:t>Research | </a:t>
-            </a:r>
-            <a:r>
-              <a:rPr lang="en-GB" dirty="0" smtClean="0"/>
-              <a:t>Base: 1002 online respondents aged 16+, Spain, 2015 September</a:t>
-            </a:r>
-          </a:p>
-        </p:txBody>
-      </p:sp>
-      <p:sp>
-        <p:nvSpPr>
-          <p:cNvPr id="4" name="Title 3"/>
-          <p:cNvSpPr>
-            <a:spLocks noGrp="1"/>
-          </p:cNvSpPr>
-          <p:nvPr>
-            <p:ph type="title"/>
-          </p:nvPr>
-        </p:nvSpPr>
-        <p:spPr>
-          <a:xfrm>
-            <a:off x="250825" y="260350"/>
-            <a:ext cx="7813563" cy="443198"/>
-          </a:xfrm>
-        </p:spPr>
-        <p:txBody>
-          <a:bodyPr/>
-          <a:lstStyle/>
-          <a:p>
-            <a:pPr>
-              <a:defRPr/>
-            </a:pPr>
-            <a:r>
-              <a:rPr lang="en-GB" smtClean="0"/>
-              <a:t>       </a:t>
-            </a:r>
-            <a:r>
-              <a:rPr lang="en-GB" dirty="0" smtClean="0"/>
-              <a:t>Using social networking apps</a:t>
-            </a:r>
-            <a:endParaRPr lang="en-GB" dirty="0"/>
-          </a:p>
-        </p:txBody>
-      </p:sp>
-      <p:sp>
-        <p:nvSpPr>
-          <p:cNvPr id="7" name="Text Placeholder 6"/>
-          <p:cNvSpPr>
-            <a:spLocks noGrp="1"/>
-          </p:cNvSpPr>
-          <p:nvPr>
-            <p:ph type="body" sz="quarter" idx="11"/>
-          </p:nvPr>
-        </p:nvSpPr>
-        <p:spPr>
-          <a:xfrm>
-            <a:off x="250825" y="1160463"/>
-            <a:ext cx="8642349" cy="492443"/>
-          </a:xfrm>
-        </p:spPr>
-        <p:txBody>
-          <a:bodyPr/>
-          <a:lstStyle/>
-          <a:p>
-            <a:pPr fontAlgn="base">
-              <a:lnSpc>
-                <a:spcPct val="100000"/>
-              </a:lnSpc>
-              <a:spcBef>
-                <a:spcPct val="0"/>
-              </a:spcBef>
-              <a:spcAft>
-                <a:spcPct val="0"/>
-              </a:spcAft>
-              <a:defRPr/>
-            </a:pPr>
-            <a:r>
-              <a:rPr lang="en-GB" kern="0" dirty="0" smtClean="0">
-                <a:solidFill>
-                  <a:srgbClr val="000000">
-                    <a:lumMod val="65000"/>
-                    <a:lumOff val="35000"/>
-                  </a:srgbClr>
-                </a:solidFill>
-              </a:rPr>
-              <a:t>“Which of the following kinds of apps do you use at least once a month via smartphone / via tablet</a:t>
-            </a:r>
-            <a:r>
-              <a:rPr lang="en-GB" kern="0" smtClean="0">
-                <a:solidFill>
-                  <a:srgbClr val="000000">
-                    <a:lumMod val="65000"/>
-                    <a:lumOff val="35000"/>
-                  </a:srgbClr>
-                </a:solidFill>
-              </a:rPr>
-              <a:t>?” | </a:t>
-            </a:r>
-            <a:r>
-              <a:rPr lang="en-GB" kern="0" dirty="0" smtClean="0">
-                <a:solidFill>
-                  <a:srgbClr val="000000">
-                    <a:lumMod val="65000"/>
-                    <a:lumOff val="35000"/>
-                  </a:srgbClr>
-                </a:solidFill>
-              </a:rPr>
-              <a:t>Social </a:t>
-            </a:r>
-            <a:r>
-              <a:rPr lang="en-GB" kern="0" smtClean="0">
-                <a:solidFill>
-                  <a:srgbClr val="000000">
-                    <a:lumMod val="65000"/>
-                    <a:lumOff val="35000"/>
-                  </a:srgbClr>
-                </a:solidFill>
-              </a:rPr>
-              <a:t>networking | 2015</a:t>
-            </a:r>
-            <a:endParaRPr lang="en-GB" kern="0" dirty="0">
+            <a:endParaRPr lang="en-GB" sz="1400" b="1" spc="100" dirty="0">
               <a:solidFill>
-                <a:srgbClr val="000000">
-                  <a:lumMod val="65000"/>
-                  <a:lumOff val="35000"/>
-                </a:srgbClr>
+                <a:schemeClr val="bg2"/>
               </a:solidFill>
             </a:endParaRPr>
           </a:p>
@@ -33064,1087 +32041,49 @@
       </p:sp>
       <p:pic>
         <p:nvPicPr>
-          <p:cNvPr id="2" name="Picture 1" descr="Spain.jpg"/>
+          <p:cNvPr id="10" name="Picture 2"/>
           <p:cNvPicPr>
-            <a:picLocks noChangeAspect="1"/>
+            <a:picLocks noChangeAspect="1" noChangeArrowheads="1"/>
           </p:cNvPicPr>
           <p:nvPr/>
         </p:nvPicPr>
         <p:blipFill>
           <a:blip r:embed="rId4" cstate="print"/>
+          <a:srcRect/>
           <a:stretch>
             <a:fillRect/>
           </a:stretch>
         </p:blipFill>
-        <p:spPr>
+        <p:spPr bwMode="auto">
           <a:xfrm>
-            <a:off x="250825" y="260350"/>
-            <a:ext cx="684771" cy="396000"/>
+            <a:off x="539552" y="3429000"/>
+            <a:ext cx="2592288" cy="1465660"/>
           </a:xfrm>
           <a:prstGeom prst="rect">
             <a:avLst/>
           </a:prstGeom>
+          <a:noFill/>
+          <a:ln w="9525">
+            <a:noFill/>
+            <a:miter lim="800000"/>
+            <a:headEnd/>
+            <a:tailEnd/>
+          </a:ln>
         </p:spPr>
       </p:pic>
-      <p:grpSp>
-        <p:nvGrpSpPr>
-          <p:cNvPr id="3" name="Group 11"/>
-          <p:cNvGrpSpPr/>
-          <p:nvPr/>
-        </p:nvGrpSpPr>
-        <p:grpSpPr>
-          <a:xfrm>
-            <a:off x="7812868" y="0"/>
-            <a:ext cx="1331132" cy="1331132"/>
-            <a:chOff x="7812868" y="0"/>
-            <a:chExt cx="1331132" cy="1331132"/>
-          </a:xfrm>
-        </p:grpSpPr>
-        <p:sp>
-          <p:nvSpPr>
-            <p:cNvPr id="13" name="Right Triangle 12"/>
-            <p:cNvSpPr/>
-            <p:nvPr/>
-          </p:nvSpPr>
-          <p:spPr>
-            <a:xfrm rot="10800000">
-              <a:off x="7812868" y="0"/>
-              <a:ext cx="1331132" cy="1331132"/>
-            </a:xfrm>
-            <a:prstGeom prst="rtTriangle">
-              <a:avLst/>
-            </a:prstGeom>
-            <a:solidFill>
-              <a:schemeClr val="bg2"/>
-            </a:solidFill>
-            <a:ln>
-              <a:noFill/>
-            </a:ln>
-            <a:effectLst/>
-          </p:spPr>
-          <p:style>
-            <a:lnRef idx="1">
-              <a:schemeClr val="accent1"/>
-            </a:lnRef>
-            <a:fillRef idx="3">
-              <a:schemeClr val="accent1"/>
-            </a:fillRef>
-            <a:effectRef idx="2">
-              <a:schemeClr val="accent1"/>
-            </a:effectRef>
-            <a:fontRef idx="minor">
-              <a:schemeClr val="lt1"/>
-            </a:fontRef>
-          </p:style>
-          <p:txBody>
-            <a:bodyPr rtlCol="0" anchor="ctr"/>
-            <a:lstStyle>
-              <a:defPPr>
-                <a:defRPr lang="en-US"/>
-              </a:defPPr>
-              <a:lvl1pPr marL="0" algn="l" defTabSz="914400" rtl="0" eaLnBrk="1" latinLnBrk="0" hangingPunct="1">
-                <a:defRPr sz="1800" kern="1200">
-                  <a:solidFill>
-                    <a:schemeClr val="lt1"/>
-                  </a:solidFill>
-                  <a:latin typeface="+mn-lt"/>
-                  <a:ea typeface="+mn-ea"/>
-                  <a:cs typeface="+mn-cs"/>
-                </a:defRPr>
-              </a:lvl1pPr>
-              <a:lvl2pPr marL="457200" algn="l" defTabSz="914400" rtl="0" eaLnBrk="1" latinLnBrk="0" hangingPunct="1">
-                <a:defRPr sz="1800" kern="1200">
-                  <a:solidFill>
-                    <a:schemeClr val="lt1"/>
-                  </a:solidFill>
-                  <a:latin typeface="+mn-lt"/>
-                  <a:ea typeface="+mn-ea"/>
-                  <a:cs typeface="+mn-cs"/>
-                </a:defRPr>
-              </a:lvl2pPr>
-              <a:lvl3pPr marL="914400" algn="l" defTabSz="914400" rtl="0" eaLnBrk="1" latinLnBrk="0" hangingPunct="1">
-                <a:defRPr sz="1800" kern="1200">
-                  <a:solidFill>
-                    <a:schemeClr val="lt1"/>
-                  </a:solidFill>
-                  <a:latin typeface="+mn-lt"/>
-                  <a:ea typeface="+mn-ea"/>
-                  <a:cs typeface="+mn-cs"/>
-                </a:defRPr>
-              </a:lvl3pPr>
-              <a:lvl4pPr marL="1371600" algn="l" defTabSz="914400" rtl="0" eaLnBrk="1" latinLnBrk="0" hangingPunct="1">
-                <a:defRPr sz="1800" kern="1200">
-                  <a:solidFill>
-                    <a:schemeClr val="lt1"/>
-                  </a:solidFill>
-                  <a:latin typeface="+mn-lt"/>
-                  <a:ea typeface="+mn-ea"/>
-                  <a:cs typeface="+mn-cs"/>
-                </a:defRPr>
-              </a:lvl4pPr>
-              <a:lvl5pPr marL="1828800" algn="l" defTabSz="914400" rtl="0" eaLnBrk="1" latinLnBrk="0" hangingPunct="1">
-                <a:defRPr sz="1800" kern="1200">
-                  <a:solidFill>
-                    <a:schemeClr val="lt1"/>
-                  </a:solidFill>
-                  <a:latin typeface="+mn-lt"/>
-                  <a:ea typeface="+mn-ea"/>
-                  <a:cs typeface="+mn-cs"/>
-                </a:defRPr>
-              </a:lvl5pPr>
-              <a:lvl6pPr marL="2286000" algn="l" defTabSz="914400" rtl="0" eaLnBrk="1" latinLnBrk="0" hangingPunct="1">
-                <a:defRPr sz="1800" kern="1200">
-                  <a:solidFill>
-                    <a:schemeClr val="lt1"/>
-                  </a:solidFill>
-                  <a:latin typeface="+mn-lt"/>
-                  <a:ea typeface="+mn-ea"/>
-                  <a:cs typeface="+mn-cs"/>
-                </a:defRPr>
-              </a:lvl6pPr>
-              <a:lvl7pPr marL="2743200" algn="l" defTabSz="914400" rtl="0" eaLnBrk="1" latinLnBrk="0" hangingPunct="1">
-                <a:defRPr sz="1800" kern="1200">
-                  <a:solidFill>
-                    <a:schemeClr val="lt1"/>
-                  </a:solidFill>
-                  <a:latin typeface="+mn-lt"/>
-                  <a:ea typeface="+mn-ea"/>
-                  <a:cs typeface="+mn-cs"/>
-                </a:defRPr>
-              </a:lvl7pPr>
-              <a:lvl8pPr marL="3200400" algn="l" defTabSz="914400" rtl="0" eaLnBrk="1" latinLnBrk="0" hangingPunct="1">
-                <a:defRPr sz="1800" kern="1200">
-                  <a:solidFill>
-                    <a:schemeClr val="lt1"/>
-                  </a:solidFill>
-                  <a:latin typeface="+mn-lt"/>
-                  <a:ea typeface="+mn-ea"/>
-                  <a:cs typeface="+mn-cs"/>
-                </a:defRPr>
-              </a:lvl8pPr>
-              <a:lvl9pPr marL="3657600" algn="l" defTabSz="914400" rtl="0" eaLnBrk="1" latinLnBrk="0" hangingPunct="1">
-                <a:defRPr sz="1800" kern="1200">
-                  <a:solidFill>
-                    <a:schemeClr val="lt1"/>
-                  </a:solidFill>
-                  <a:latin typeface="+mn-lt"/>
-                  <a:ea typeface="+mn-ea"/>
-                  <a:cs typeface="+mn-cs"/>
-                </a:defRPr>
-              </a:lvl9pPr>
-            </a:lstStyle>
-            <a:p>
-              <a:pPr algn="ctr"/>
-              <a:endParaRPr lang="en-GB"/>
-            </a:p>
-          </p:txBody>
-        </p:sp>
-        <p:sp>
-          <p:nvSpPr>
-            <p:cNvPr id="14" name="Text Placeholder 6"/>
-            <p:cNvSpPr txBox="1">
-              <a:spLocks/>
-            </p:cNvSpPr>
-            <p:nvPr/>
-          </p:nvSpPr>
-          <p:spPr>
-            <a:xfrm rot="2700000">
-              <a:off x="8318546" y="325008"/>
-              <a:ext cx="756000" cy="263149"/>
-            </a:xfrm>
-            <a:prstGeom prst="rect">
-              <a:avLst/>
-            </a:prstGeom>
-            <a:noFill/>
-          </p:spPr>
-          <p:txBody>
-            <a:bodyPr lIns="0" tIns="0" rIns="0" bIns="0" anchor="ctr">
-              <a:spAutoFit/>
-            </a:bodyPr>
-            <a:lstStyle>
-              <a:defPPr>
-                <a:defRPr lang="en-US"/>
-              </a:defPPr>
-              <a:lvl1pPr marL="0" algn="l" defTabSz="914400" rtl="0" eaLnBrk="1" latinLnBrk="0" hangingPunct="1">
-                <a:defRPr sz="1800" kern="1200">
-                  <a:solidFill>
-                    <a:schemeClr val="tx1"/>
-                  </a:solidFill>
-                  <a:latin typeface="+mn-lt"/>
-                  <a:ea typeface="+mn-ea"/>
-                  <a:cs typeface="+mn-cs"/>
-                </a:defRPr>
-              </a:lvl1pPr>
-              <a:lvl2pPr marL="457200" algn="l" defTabSz="914400" rtl="0" eaLnBrk="1" latinLnBrk="0" hangingPunct="1">
-                <a:defRPr sz="1800" kern="1200">
-                  <a:solidFill>
-                    <a:schemeClr val="tx1"/>
-                  </a:solidFill>
-                  <a:latin typeface="+mn-lt"/>
-                  <a:ea typeface="+mn-ea"/>
-                  <a:cs typeface="+mn-cs"/>
-                </a:defRPr>
-              </a:lvl2pPr>
-              <a:lvl3pPr marL="914400" algn="l" defTabSz="914400" rtl="0" eaLnBrk="1" latinLnBrk="0" hangingPunct="1">
-                <a:defRPr sz="1800" kern="1200">
-                  <a:solidFill>
-                    <a:schemeClr val="tx1"/>
-                  </a:solidFill>
-                  <a:latin typeface="+mn-lt"/>
-                  <a:ea typeface="+mn-ea"/>
-                  <a:cs typeface="+mn-cs"/>
-                </a:defRPr>
-              </a:lvl3pPr>
-              <a:lvl4pPr marL="1371600" algn="l" defTabSz="914400" rtl="0" eaLnBrk="1" latinLnBrk="0" hangingPunct="1">
-                <a:defRPr sz="1800" kern="1200">
-                  <a:solidFill>
-                    <a:schemeClr val="tx1"/>
-                  </a:solidFill>
-                  <a:latin typeface="+mn-lt"/>
-                  <a:ea typeface="+mn-ea"/>
-                  <a:cs typeface="+mn-cs"/>
-                </a:defRPr>
-              </a:lvl4pPr>
-              <a:lvl5pPr marL="1828800" algn="l" defTabSz="914400" rtl="0" eaLnBrk="1" latinLnBrk="0" hangingPunct="1">
-                <a:defRPr sz="1800" kern="1200">
-                  <a:solidFill>
-                    <a:schemeClr val="tx1"/>
-                  </a:solidFill>
-                  <a:latin typeface="+mn-lt"/>
-                  <a:ea typeface="+mn-ea"/>
-                  <a:cs typeface="+mn-cs"/>
-                </a:defRPr>
-              </a:lvl5pPr>
-              <a:lvl6pPr marL="2286000" algn="l" defTabSz="914400" rtl="0" eaLnBrk="1" latinLnBrk="0" hangingPunct="1">
-                <a:defRPr sz="1800" kern="1200">
-                  <a:solidFill>
-                    <a:schemeClr val="tx1"/>
-                  </a:solidFill>
-                  <a:latin typeface="+mn-lt"/>
-                  <a:ea typeface="+mn-ea"/>
-                  <a:cs typeface="+mn-cs"/>
-                </a:defRPr>
-              </a:lvl6pPr>
-              <a:lvl7pPr marL="2743200" algn="l" defTabSz="914400" rtl="0" eaLnBrk="1" latinLnBrk="0" hangingPunct="1">
-                <a:defRPr sz="1800" kern="1200">
-                  <a:solidFill>
-                    <a:schemeClr val="tx1"/>
-                  </a:solidFill>
-                  <a:latin typeface="+mn-lt"/>
-                  <a:ea typeface="+mn-ea"/>
-                  <a:cs typeface="+mn-cs"/>
-                </a:defRPr>
-              </a:lvl7pPr>
-              <a:lvl8pPr marL="3200400" algn="l" defTabSz="914400" rtl="0" eaLnBrk="1" latinLnBrk="0" hangingPunct="1">
-                <a:defRPr sz="1800" kern="1200">
-                  <a:solidFill>
-                    <a:schemeClr val="tx1"/>
-                  </a:solidFill>
-                  <a:latin typeface="+mn-lt"/>
-                  <a:ea typeface="+mn-ea"/>
-                  <a:cs typeface="+mn-cs"/>
-                </a:defRPr>
-              </a:lvl8pPr>
-              <a:lvl9pPr marL="3657600" algn="l" defTabSz="914400" rtl="0" eaLnBrk="1" latinLnBrk="0" hangingPunct="1">
-                <a:defRPr sz="1800" kern="1200">
-                  <a:solidFill>
-                    <a:schemeClr val="tx1"/>
-                  </a:solidFill>
-                  <a:latin typeface="+mn-lt"/>
-                  <a:ea typeface="+mn-ea"/>
-                  <a:cs typeface="+mn-cs"/>
-                </a:defRPr>
-              </a:lvl9pPr>
-            </a:lstStyle>
-            <a:p>
-              <a:pPr marR="0" lvl="0" algn="ctr" defTabSz="457200" rtl="0" eaLnBrk="1" fontAlgn="base" latinLnBrk="0" hangingPunct="1">
-                <a:lnSpc>
-                  <a:spcPct val="90000"/>
-                </a:lnSpc>
-                <a:spcBef>
-                  <a:spcPct val="0"/>
-                </a:spcBef>
-                <a:spcAft>
-                  <a:spcPct val="0"/>
-                </a:spcAft>
-                <a:buClrTx/>
-                <a:buSzTx/>
-                <a:buFontTx/>
-                <a:buNone/>
-                <a:tabLst/>
-                <a:defRPr/>
-              </a:pPr>
-              <a:r>
-                <a:rPr lang="en-GB" sz="1100" b="1" kern="0" cap="small" spc="300" dirty="0" smtClean="0">
-                  <a:solidFill>
-                    <a:schemeClr val="bg1"/>
-                  </a:solidFill>
-                  <a:latin typeface="Arial" pitchFamily="34" charset="0"/>
-                  <a:cs typeface="Arial" pitchFamily="34" charset="0"/>
-                </a:rPr>
-                <a:t>nVision</a:t>
-              </a:r>
-              <a:r>
-                <a:rPr lang="en-GB" sz="800" b="1" kern="0" cap="small" spc="270" dirty="0" smtClean="0">
-                  <a:solidFill>
-                    <a:schemeClr val="bg1"/>
-                  </a:solidFill>
-                  <a:latin typeface="Arial" pitchFamily="34" charset="0"/>
-                  <a:cs typeface="Arial" pitchFamily="34" charset="0"/>
-                </a:rPr>
-                <a:t>research</a:t>
-              </a:r>
-              <a:endParaRPr kumimoji="0" lang="en-GB" sz="800" b="1" i="0" u="none" strike="noStrike" kern="0" cap="small" spc="270" normalizeH="0" noProof="0" dirty="0">
-                <a:ln>
-                  <a:noFill/>
-                </a:ln>
-                <a:solidFill>
-                  <a:schemeClr val="bg1"/>
-                </a:solidFill>
-                <a:effectLst/>
-                <a:uLnTx/>
-                <a:uFillTx/>
-                <a:latin typeface="Arial" pitchFamily="34" charset="0"/>
-                <a:ea typeface="+mn-ea"/>
-                <a:cs typeface="Arial" pitchFamily="34" charset="0"/>
-              </a:endParaRPr>
-            </a:p>
-          </p:txBody>
-        </p:sp>
-      </p:grpSp>
-      <p:sp>
-        <p:nvSpPr>
-          <p:cNvPr id="15" name="Rectangle 14"/>
-          <p:cNvSpPr/>
-          <p:nvPr/>
-        </p:nvSpPr>
-        <p:spPr>
-          <a:xfrm>
-            <a:off x="250825" y="5883116"/>
-            <a:ext cx="3713851" cy="246221"/>
-          </a:xfrm>
-          <a:prstGeom prst="rect">
-            <a:avLst/>
-          </a:prstGeom>
-          <a:solidFill>
-            <a:schemeClr val="bg1">
-              <a:lumMod val="95000"/>
-            </a:schemeClr>
-          </a:solidFill>
-        </p:spPr>
-        <p:txBody>
-          <a:bodyPr wrap="square">
-            <a:spAutoFit/>
-          </a:bodyPr>
-          <a:lstStyle/>
-          <a:p>
-            <a:pPr algn="ctr" fontAlgn="auto">
-              <a:spcBef>
-                <a:spcPts val="0"/>
-              </a:spcBef>
-              <a:spcAft>
-                <a:spcPts val="0"/>
-              </a:spcAft>
-              <a:defRPr/>
-            </a:pPr>
-            <a:r>
-              <a:rPr lang="en-GB" sz="1000" i="0" kern="0" dirty="0" smtClean="0">
-                <a:solidFill>
-                  <a:schemeClr val="tx1">
-                    <a:lumMod val="65000"/>
-                    <a:lumOff val="35000"/>
-                  </a:schemeClr>
-                </a:solidFill>
-                <a:latin typeface="Arial"/>
-              </a:rPr>
-              <a:t>Right-click on chart and select </a:t>
-            </a:r>
-            <a:r>
-              <a:rPr lang="en-GB" sz="1000" b="1" i="0" kern="0" dirty="0" smtClean="0">
-                <a:solidFill>
-                  <a:schemeClr val="bg2"/>
-                </a:solidFill>
-                <a:latin typeface="Arial"/>
-              </a:rPr>
-              <a:t>Edit Data</a:t>
-            </a:r>
-            <a:r>
-              <a:rPr lang="en-GB" sz="1000" i="0" kern="0" dirty="0" smtClean="0">
-                <a:solidFill>
-                  <a:schemeClr val="bg2"/>
-                </a:solidFill>
-                <a:latin typeface="Arial"/>
-              </a:rPr>
-              <a:t> </a:t>
-            </a:r>
-            <a:r>
-              <a:rPr lang="en-GB" sz="1000" i="0" kern="0" dirty="0" smtClean="0">
-                <a:solidFill>
-                  <a:schemeClr val="tx1">
-                    <a:lumMod val="65000"/>
-                    <a:lumOff val="35000"/>
-                  </a:schemeClr>
-                </a:solidFill>
-                <a:latin typeface="Arial"/>
-              </a:rPr>
-              <a:t>for demographic data</a:t>
-            </a:r>
-            <a:endParaRPr lang="en-GB" sz="1000" i="0" kern="0" dirty="0">
-              <a:solidFill>
-                <a:schemeClr val="tx1">
-                  <a:lumMod val="65000"/>
-                  <a:lumOff val="35000"/>
-                </a:schemeClr>
-              </a:solidFill>
-              <a:latin typeface="Arial"/>
-            </a:endParaRPr>
-          </a:p>
-        </p:txBody>
-      </p:sp>
     </p:spTree>
   </p:cSld>
   <p:clrMapOvr>
     <a:masterClrMapping/>
   </p:clrMapOvr>
-</p:sld>
-</file>
-
-<file path=ppt/slides/slide9.xml><?xml version="1.0" encoding="utf-8"?>
-<p:sld xmlns:a="http://schemas.openxmlformats.org/drawingml/2006/main" xmlns:r="http://schemas.openxmlformats.org/officeDocument/2006/relationships" xmlns:p="http://schemas.openxmlformats.org/presentationml/2006/main">
-  <p:cSld>
-    <p:spTree>
-      <p:nvGrpSpPr>
-        <p:cNvPr id="1" name=""/>
-        <p:cNvGrpSpPr/>
-        <p:nvPr/>
-      </p:nvGrpSpPr>
-      <p:grpSpPr>
-        <a:xfrm>
-          <a:off x="0" y="0"/>
-          <a:ext cx="0" cy="0"/>
-          <a:chOff x="0" y="0"/>
-          <a:chExt cx="0" cy="0"/>
-        </a:xfrm>
-      </p:grpSpPr>
-      <p:graphicFrame>
-        <p:nvGraphicFramePr>
-          <p:cNvPr id="10" name="Content Placeholder 9"/>
-          <p:cNvGraphicFramePr>
-            <a:graphicFrameLocks noGrp="1"/>
-          </p:cNvGraphicFramePr>
-          <p:nvPr>
-            <p:ph idx="1"/>
-          </p:nvPr>
-        </p:nvGraphicFramePr>
-        <p:xfrm>
-          <a:off x="250825" y="1952625"/>
-          <a:ext cx="8642350" cy="4248509"/>
-        </p:xfrm>
-        <a:graphic>
-          <a:graphicData uri="http://schemas.openxmlformats.org/drawingml/2006/chart">
-            <c:chart xmlns:c="http://schemas.openxmlformats.org/drawingml/2006/chart" xmlns:r="http://schemas.openxmlformats.org/officeDocument/2006/relationships" r:id="rId3"/>
-          </a:graphicData>
-        </a:graphic>
-      </p:graphicFrame>
-      <p:sp>
-        <p:nvSpPr>
-          <p:cNvPr id="6" name="Text Placeholder 5"/>
-          <p:cNvSpPr>
-            <a:spLocks noGrp="1"/>
-          </p:cNvSpPr>
-          <p:nvPr>
-            <p:ph type="body" sz="quarter" idx="10"/>
-          </p:nvPr>
-        </p:nvSpPr>
-        <p:spPr/>
-        <p:txBody>
-          <a:bodyPr/>
-          <a:lstStyle/>
-          <a:p>
-            <a:pPr>
-              <a:defRPr/>
-            </a:pPr>
-            <a:r>
-              <a:rPr lang="en-GB" dirty="0" smtClean="0"/>
-              <a:t>Source: nVision </a:t>
-            </a:r>
-            <a:r>
-              <a:rPr lang="en-GB" smtClean="0"/>
-              <a:t>Research | </a:t>
-            </a:r>
-            <a:r>
-              <a:rPr lang="en-GB" dirty="0" smtClean="0"/>
-              <a:t>Base: 1001 online respondents aged 16+, Sweden, 2015 September</a:t>
-            </a:r>
-          </a:p>
-        </p:txBody>
-      </p:sp>
-      <p:sp>
-        <p:nvSpPr>
-          <p:cNvPr id="4" name="Title 3"/>
-          <p:cNvSpPr>
-            <a:spLocks noGrp="1"/>
-          </p:cNvSpPr>
-          <p:nvPr>
-            <p:ph type="title"/>
-          </p:nvPr>
-        </p:nvSpPr>
-        <p:spPr>
-          <a:xfrm>
-            <a:off x="250825" y="260350"/>
-            <a:ext cx="7813563" cy="443198"/>
-          </a:xfrm>
-        </p:spPr>
-        <p:txBody>
-          <a:bodyPr/>
-          <a:lstStyle/>
-          <a:p>
-            <a:pPr>
-              <a:defRPr/>
-            </a:pPr>
-            <a:r>
-              <a:rPr lang="en-GB" smtClean="0"/>
-              <a:t>       </a:t>
-            </a:r>
-            <a:r>
-              <a:rPr lang="en-GB" dirty="0" smtClean="0"/>
-              <a:t>Using social networking apps</a:t>
-            </a:r>
-            <a:endParaRPr lang="en-GB" dirty="0"/>
-          </a:p>
-        </p:txBody>
-      </p:sp>
-      <p:sp>
-        <p:nvSpPr>
-          <p:cNvPr id="7" name="Text Placeholder 6"/>
-          <p:cNvSpPr>
-            <a:spLocks noGrp="1"/>
-          </p:cNvSpPr>
-          <p:nvPr>
-            <p:ph type="body" sz="quarter" idx="11"/>
-          </p:nvPr>
-        </p:nvSpPr>
-        <p:spPr>
-          <a:xfrm>
-            <a:off x="250825" y="1160463"/>
-            <a:ext cx="8642349" cy="492443"/>
-          </a:xfrm>
-        </p:spPr>
-        <p:txBody>
-          <a:bodyPr/>
-          <a:lstStyle/>
-          <a:p>
-            <a:pPr fontAlgn="base">
-              <a:lnSpc>
-                <a:spcPct val="100000"/>
-              </a:lnSpc>
-              <a:spcBef>
-                <a:spcPct val="0"/>
-              </a:spcBef>
-              <a:spcAft>
-                <a:spcPct val="0"/>
-              </a:spcAft>
-              <a:defRPr/>
-            </a:pPr>
-            <a:r>
-              <a:rPr lang="en-GB" kern="0" dirty="0" smtClean="0">
-                <a:solidFill>
-                  <a:srgbClr val="000000">
-                    <a:lumMod val="65000"/>
-                    <a:lumOff val="35000"/>
-                  </a:srgbClr>
-                </a:solidFill>
-              </a:rPr>
-              <a:t>“Which of the following kinds of apps do you use at least once a month via smartphone / via tablet</a:t>
-            </a:r>
-            <a:r>
-              <a:rPr lang="en-GB" kern="0" smtClean="0">
-                <a:solidFill>
-                  <a:srgbClr val="000000">
-                    <a:lumMod val="65000"/>
-                    <a:lumOff val="35000"/>
-                  </a:srgbClr>
-                </a:solidFill>
-              </a:rPr>
-              <a:t>?” | </a:t>
-            </a:r>
-            <a:r>
-              <a:rPr lang="en-GB" kern="0" dirty="0" smtClean="0">
-                <a:solidFill>
-                  <a:srgbClr val="000000">
-                    <a:lumMod val="65000"/>
-                    <a:lumOff val="35000"/>
-                  </a:srgbClr>
-                </a:solidFill>
-              </a:rPr>
-              <a:t>Social </a:t>
-            </a:r>
-            <a:r>
-              <a:rPr lang="en-GB" kern="0" smtClean="0">
-                <a:solidFill>
-                  <a:srgbClr val="000000">
-                    <a:lumMod val="65000"/>
-                    <a:lumOff val="35000"/>
-                  </a:srgbClr>
-                </a:solidFill>
-              </a:rPr>
-              <a:t>networking | 2015</a:t>
-            </a:r>
-            <a:endParaRPr lang="en-GB" kern="0" dirty="0">
-              <a:solidFill>
-                <a:srgbClr val="000000">
-                  <a:lumMod val="65000"/>
-                  <a:lumOff val="35000"/>
-                </a:srgbClr>
-              </a:solidFill>
-            </a:endParaRPr>
-          </a:p>
-        </p:txBody>
-      </p:sp>
-      <p:pic>
-        <p:nvPicPr>
-          <p:cNvPr id="2" name="Picture 1" descr="Sweden.jpg"/>
-          <p:cNvPicPr>
-            <a:picLocks noChangeAspect="1"/>
-          </p:cNvPicPr>
-          <p:nvPr/>
-        </p:nvPicPr>
-        <p:blipFill>
-          <a:blip r:embed="rId4" cstate="print"/>
-          <a:stretch>
-            <a:fillRect/>
-          </a:stretch>
-        </p:blipFill>
-        <p:spPr>
-          <a:xfrm>
-            <a:off x="250825" y="260350"/>
-            <a:ext cx="684771" cy="396000"/>
-          </a:xfrm>
-          <a:prstGeom prst="rect">
-            <a:avLst/>
-          </a:prstGeom>
-        </p:spPr>
-      </p:pic>
-      <p:grpSp>
-        <p:nvGrpSpPr>
-          <p:cNvPr id="3" name="Group 11"/>
-          <p:cNvGrpSpPr/>
-          <p:nvPr/>
-        </p:nvGrpSpPr>
-        <p:grpSpPr>
-          <a:xfrm>
-            <a:off x="7812868" y="0"/>
-            <a:ext cx="1331132" cy="1331132"/>
-            <a:chOff x="7812868" y="0"/>
-            <a:chExt cx="1331132" cy="1331132"/>
-          </a:xfrm>
-        </p:grpSpPr>
-        <p:sp>
-          <p:nvSpPr>
-            <p:cNvPr id="13" name="Right Triangle 12"/>
-            <p:cNvSpPr/>
-            <p:nvPr/>
-          </p:nvSpPr>
-          <p:spPr>
-            <a:xfrm rot="10800000">
-              <a:off x="7812868" y="0"/>
-              <a:ext cx="1331132" cy="1331132"/>
-            </a:xfrm>
-            <a:prstGeom prst="rtTriangle">
-              <a:avLst/>
-            </a:prstGeom>
-            <a:solidFill>
-              <a:schemeClr val="bg2"/>
-            </a:solidFill>
-            <a:ln>
-              <a:noFill/>
-            </a:ln>
-            <a:effectLst/>
-          </p:spPr>
-          <p:style>
-            <a:lnRef idx="1">
-              <a:schemeClr val="accent1"/>
-            </a:lnRef>
-            <a:fillRef idx="3">
-              <a:schemeClr val="accent1"/>
-            </a:fillRef>
-            <a:effectRef idx="2">
-              <a:schemeClr val="accent1"/>
-            </a:effectRef>
-            <a:fontRef idx="minor">
-              <a:schemeClr val="lt1"/>
-            </a:fontRef>
-          </p:style>
-          <p:txBody>
-            <a:bodyPr rtlCol="0" anchor="ctr"/>
-            <a:lstStyle>
-              <a:defPPr>
-                <a:defRPr lang="en-US"/>
-              </a:defPPr>
-              <a:lvl1pPr marL="0" algn="l" defTabSz="914400" rtl="0" eaLnBrk="1" latinLnBrk="0" hangingPunct="1">
-                <a:defRPr sz="1800" kern="1200">
-                  <a:solidFill>
-                    <a:schemeClr val="lt1"/>
-                  </a:solidFill>
-                  <a:latin typeface="+mn-lt"/>
-                  <a:ea typeface="+mn-ea"/>
-                  <a:cs typeface="+mn-cs"/>
-                </a:defRPr>
-              </a:lvl1pPr>
-              <a:lvl2pPr marL="457200" algn="l" defTabSz="914400" rtl="0" eaLnBrk="1" latinLnBrk="0" hangingPunct="1">
-                <a:defRPr sz="1800" kern="1200">
-                  <a:solidFill>
-                    <a:schemeClr val="lt1"/>
-                  </a:solidFill>
-                  <a:latin typeface="+mn-lt"/>
-                  <a:ea typeface="+mn-ea"/>
-                  <a:cs typeface="+mn-cs"/>
-                </a:defRPr>
-              </a:lvl2pPr>
-              <a:lvl3pPr marL="914400" algn="l" defTabSz="914400" rtl="0" eaLnBrk="1" latinLnBrk="0" hangingPunct="1">
-                <a:defRPr sz="1800" kern="1200">
-                  <a:solidFill>
-                    <a:schemeClr val="lt1"/>
-                  </a:solidFill>
-                  <a:latin typeface="+mn-lt"/>
-                  <a:ea typeface="+mn-ea"/>
-                  <a:cs typeface="+mn-cs"/>
-                </a:defRPr>
-              </a:lvl3pPr>
-              <a:lvl4pPr marL="1371600" algn="l" defTabSz="914400" rtl="0" eaLnBrk="1" latinLnBrk="0" hangingPunct="1">
-                <a:defRPr sz="1800" kern="1200">
-                  <a:solidFill>
-                    <a:schemeClr val="lt1"/>
-                  </a:solidFill>
-                  <a:latin typeface="+mn-lt"/>
-                  <a:ea typeface="+mn-ea"/>
-                  <a:cs typeface="+mn-cs"/>
-                </a:defRPr>
-              </a:lvl4pPr>
-              <a:lvl5pPr marL="1828800" algn="l" defTabSz="914400" rtl="0" eaLnBrk="1" latinLnBrk="0" hangingPunct="1">
-                <a:defRPr sz="1800" kern="1200">
-                  <a:solidFill>
-                    <a:schemeClr val="lt1"/>
-                  </a:solidFill>
-                  <a:latin typeface="+mn-lt"/>
-                  <a:ea typeface="+mn-ea"/>
-                  <a:cs typeface="+mn-cs"/>
-                </a:defRPr>
-              </a:lvl5pPr>
-              <a:lvl6pPr marL="2286000" algn="l" defTabSz="914400" rtl="0" eaLnBrk="1" latinLnBrk="0" hangingPunct="1">
-                <a:defRPr sz="1800" kern="1200">
-                  <a:solidFill>
-                    <a:schemeClr val="lt1"/>
-                  </a:solidFill>
-                  <a:latin typeface="+mn-lt"/>
-                  <a:ea typeface="+mn-ea"/>
-                  <a:cs typeface="+mn-cs"/>
-                </a:defRPr>
-              </a:lvl6pPr>
-              <a:lvl7pPr marL="2743200" algn="l" defTabSz="914400" rtl="0" eaLnBrk="1" latinLnBrk="0" hangingPunct="1">
-                <a:defRPr sz="1800" kern="1200">
-                  <a:solidFill>
-                    <a:schemeClr val="lt1"/>
-                  </a:solidFill>
-                  <a:latin typeface="+mn-lt"/>
-                  <a:ea typeface="+mn-ea"/>
-                  <a:cs typeface="+mn-cs"/>
-                </a:defRPr>
-              </a:lvl7pPr>
-              <a:lvl8pPr marL="3200400" algn="l" defTabSz="914400" rtl="0" eaLnBrk="1" latinLnBrk="0" hangingPunct="1">
-                <a:defRPr sz="1800" kern="1200">
-                  <a:solidFill>
-                    <a:schemeClr val="lt1"/>
-                  </a:solidFill>
-                  <a:latin typeface="+mn-lt"/>
-                  <a:ea typeface="+mn-ea"/>
-                  <a:cs typeface="+mn-cs"/>
-                </a:defRPr>
-              </a:lvl8pPr>
-              <a:lvl9pPr marL="3657600" algn="l" defTabSz="914400" rtl="0" eaLnBrk="1" latinLnBrk="0" hangingPunct="1">
-                <a:defRPr sz="1800" kern="1200">
-                  <a:solidFill>
-                    <a:schemeClr val="lt1"/>
-                  </a:solidFill>
-                  <a:latin typeface="+mn-lt"/>
-                  <a:ea typeface="+mn-ea"/>
-                  <a:cs typeface="+mn-cs"/>
-                </a:defRPr>
-              </a:lvl9pPr>
-            </a:lstStyle>
-            <a:p>
-              <a:pPr algn="ctr"/>
-              <a:endParaRPr lang="en-GB"/>
-            </a:p>
-          </p:txBody>
-        </p:sp>
-        <p:sp>
-          <p:nvSpPr>
-            <p:cNvPr id="14" name="Text Placeholder 6"/>
-            <p:cNvSpPr txBox="1">
-              <a:spLocks/>
-            </p:cNvSpPr>
-            <p:nvPr/>
-          </p:nvSpPr>
-          <p:spPr>
-            <a:xfrm rot="2700000">
-              <a:off x="8318546" y="325008"/>
-              <a:ext cx="756000" cy="263149"/>
-            </a:xfrm>
-            <a:prstGeom prst="rect">
-              <a:avLst/>
-            </a:prstGeom>
-            <a:noFill/>
-          </p:spPr>
-          <p:txBody>
-            <a:bodyPr lIns="0" tIns="0" rIns="0" bIns="0" anchor="ctr">
-              <a:spAutoFit/>
-            </a:bodyPr>
-            <a:lstStyle>
-              <a:defPPr>
-                <a:defRPr lang="en-US"/>
-              </a:defPPr>
-              <a:lvl1pPr marL="0" algn="l" defTabSz="914400" rtl="0" eaLnBrk="1" latinLnBrk="0" hangingPunct="1">
-                <a:defRPr sz="1800" kern="1200">
-                  <a:solidFill>
-                    <a:schemeClr val="tx1"/>
-                  </a:solidFill>
-                  <a:latin typeface="+mn-lt"/>
-                  <a:ea typeface="+mn-ea"/>
-                  <a:cs typeface="+mn-cs"/>
-                </a:defRPr>
-              </a:lvl1pPr>
-              <a:lvl2pPr marL="457200" algn="l" defTabSz="914400" rtl="0" eaLnBrk="1" latinLnBrk="0" hangingPunct="1">
-                <a:defRPr sz="1800" kern="1200">
-                  <a:solidFill>
-                    <a:schemeClr val="tx1"/>
-                  </a:solidFill>
-                  <a:latin typeface="+mn-lt"/>
-                  <a:ea typeface="+mn-ea"/>
-                  <a:cs typeface="+mn-cs"/>
-                </a:defRPr>
-              </a:lvl2pPr>
-              <a:lvl3pPr marL="914400" algn="l" defTabSz="914400" rtl="0" eaLnBrk="1" latinLnBrk="0" hangingPunct="1">
-                <a:defRPr sz="1800" kern="1200">
-                  <a:solidFill>
-                    <a:schemeClr val="tx1"/>
-                  </a:solidFill>
-                  <a:latin typeface="+mn-lt"/>
-                  <a:ea typeface="+mn-ea"/>
-                  <a:cs typeface="+mn-cs"/>
-                </a:defRPr>
-              </a:lvl3pPr>
-              <a:lvl4pPr marL="1371600" algn="l" defTabSz="914400" rtl="0" eaLnBrk="1" latinLnBrk="0" hangingPunct="1">
-                <a:defRPr sz="1800" kern="1200">
-                  <a:solidFill>
-                    <a:schemeClr val="tx1"/>
-                  </a:solidFill>
-                  <a:latin typeface="+mn-lt"/>
-                  <a:ea typeface="+mn-ea"/>
-                  <a:cs typeface="+mn-cs"/>
-                </a:defRPr>
-              </a:lvl4pPr>
-              <a:lvl5pPr marL="1828800" algn="l" defTabSz="914400" rtl="0" eaLnBrk="1" latinLnBrk="0" hangingPunct="1">
-                <a:defRPr sz="1800" kern="1200">
-                  <a:solidFill>
-                    <a:schemeClr val="tx1"/>
-                  </a:solidFill>
-                  <a:latin typeface="+mn-lt"/>
-                  <a:ea typeface="+mn-ea"/>
-                  <a:cs typeface="+mn-cs"/>
-                </a:defRPr>
-              </a:lvl5pPr>
-              <a:lvl6pPr marL="2286000" algn="l" defTabSz="914400" rtl="0" eaLnBrk="1" latinLnBrk="0" hangingPunct="1">
-                <a:defRPr sz="1800" kern="1200">
-                  <a:solidFill>
-                    <a:schemeClr val="tx1"/>
-                  </a:solidFill>
-                  <a:latin typeface="+mn-lt"/>
-                  <a:ea typeface="+mn-ea"/>
-                  <a:cs typeface="+mn-cs"/>
-                </a:defRPr>
-              </a:lvl6pPr>
-              <a:lvl7pPr marL="2743200" algn="l" defTabSz="914400" rtl="0" eaLnBrk="1" latinLnBrk="0" hangingPunct="1">
-                <a:defRPr sz="1800" kern="1200">
-                  <a:solidFill>
-                    <a:schemeClr val="tx1"/>
-                  </a:solidFill>
-                  <a:latin typeface="+mn-lt"/>
-                  <a:ea typeface="+mn-ea"/>
-                  <a:cs typeface="+mn-cs"/>
-                </a:defRPr>
-              </a:lvl7pPr>
-              <a:lvl8pPr marL="3200400" algn="l" defTabSz="914400" rtl="0" eaLnBrk="1" latinLnBrk="0" hangingPunct="1">
-                <a:defRPr sz="1800" kern="1200">
-                  <a:solidFill>
-                    <a:schemeClr val="tx1"/>
-                  </a:solidFill>
-                  <a:latin typeface="+mn-lt"/>
-                  <a:ea typeface="+mn-ea"/>
-                  <a:cs typeface="+mn-cs"/>
-                </a:defRPr>
-              </a:lvl8pPr>
-              <a:lvl9pPr marL="3657600" algn="l" defTabSz="914400" rtl="0" eaLnBrk="1" latinLnBrk="0" hangingPunct="1">
-                <a:defRPr sz="1800" kern="1200">
-                  <a:solidFill>
-                    <a:schemeClr val="tx1"/>
-                  </a:solidFill>
-                  <a:latin typeface="+mn-lt"/>
-                  <a:ea typeface="+mn-ea"/>
-                  <a:cs typeface="+mn-cs"/>
-                </a:defRPr>
-              </a:lvl9pPr>
-            </a:lstStyle>
-            <a:p>
-              <a:pPr marR="0" lvl="0" algn="ctr" defTabSz="457200" rtl="0" eaLnBrk="1" fontAlgn="base" latinLnBrk="0" hangingPunct="1">
-                <a:lnSpc>
-                  <a:spcPct val="90000"/>
-                </a:lnSpc>
-                <a:spcBef>
-                  <a:spcPct val="0"/>
-                </a:spcBef>
-                <a:spcAft>
-                  <a:spcPct val="0"/>
-                </a:spcAft>
-                <a:buClrTx/>
-                <a:buSzTx/>
-                <a:buFontTx/>
-                <a:buNone/>
-                <a:tabLst/>
-                <a:defRPr/>
-              </a:pPr>
-              <a:r>
-                <a:rPr lang="en-GB" sz="1100" b="1" kern="0" cap="small" spc="300" dirty="0" smtClean="0">
-                  <a:solidFill>
-                    <a:schemeClr val="bg1"/>
-                  </a:solidFill>
-                  <a:latin typeface="Arial" pitchFamily="34" charset="0"/>
-                  <a:cs typeface="Arial" pitchFamily="34" charset="0"/>
-                </a:rPr>
-                <a:t>nVision</a:t>
-              </a:r>
-              <a:r>
-                <a:rPr lang="en-GB" sz="800" b="1" kern="0" cap="small" spc="270" dirty="0" smtClean="0">
-                  <a:solidFill>
-                    <a:schemeClr val="bg1"/>
-                  </a:solidFill>
-                  <a:latin typeface="Arial" pitchFamily="34" charset="0"/>
-                  <a:cs typeface="Arial" pitchFamily="34" charset="0"/>
-                </a:rPr>
-                <a:t>research</a:t>
-              </a:r>
-              <a:endParaRPr kumimoji="0" lang="en-GB" sz="800" b="1" i="0" u="none" strike="noStrike" kern="0" cap="small" spc="270" normalizeH="0" noProof="0" dirty="0">
-                <a:ln>
-                  <a:noFill/>
-                </a:ln>
-                <a:solidFill>
-                  <a:schemeClr val="bg1"/>
-                </a:solidFill>
-                <a:effectLst/>
-                <a:uLnTx/>
-                <a:uFillTx/>
-                <a:latin typeface="Arial" pitchFamily="34" charset="0"/>
-                <a:ea typeface="+mn-ea"/>
-                <a:cs typeface="Arial" pitchFamily="34" charset="0"/>
-              </a:endParaRPr>
-            </a:p>
-          </p:txBody>
-        </p:sp>
-      </p:grpSp>
-      <p:sp>
-        <p:nvSpPr>
-          <p:cNvPr id="15" name="Rectangle 14"/>
-          <p:cNvSpPr/>
-          <p:nvPr/>
-        </p:nvSpPr>
-        <p:spPr>
-          <a:xfrm>
-            <a:off x="250825" y="5883116"/>
-            <a:ext cx="3713851" cy="246221"/>
-          </a:xfrm>
-          <a:prstGeom prst="rect">
-            <a:avLst/>
-          </a:prstGeom>
-          <a:solidFill>
-            <a:schemeClr val="bg1">
-              <a:lumMod val="95000"/>
-            </a:schemeClr>
-          </a:solidFill>
-        </p:spPr>
-        <p:txBody>
-          <a:bodyPr wrap="square">
-            <a:spAutoFit/>
-          </a:bodyPr>
-          <a:lstStyle/>
-          <a:p>
-            <a:pPr algn="ctr" fontAlgn="auto">
-              <a:spcBef>
-                <a:spcPts val="0"/>
-              </a:spcBef>
-              <a:spcAft>
-                <a:spcPts val="0"/>
-              </a:spcAft>
-              <a:defRPr/>
-            </a:pPr>
-            <a:r>
-              <a:rPr lang="en-GB" sz="1000" i="0" kern="0" dirty="0" smtClean="0">
-                <a:solidFill>
-                  <a:schemeClr val="tx1">
-                    <a:lumMod val="65000"/>
-                    <a:lumOff val="35000"/>
-                  </a:schemeClr>
-                </a:solidFill>
-                <a:latin typeface="Arial"/>
-              </a:rPr>
-              <a:t>Right-click on chart and select </a:t>
-            </a:r>
-            <a:r>
-              <a:rPr lang="en-GB" sz="1000" b="1" i="0" kern="0" dirty="0" smtClean="0">
-                <a:solidFill>
-                  <a:schemeClr val="bg2"/>
-                </a:solidFill>
-                <a:latin typeface="Arial"/>
-              </a:rPr>
-              <a:t>Edit Data</a:t>
-            </a:r>
-            <a:r>
-              <a:rPr lang="en-GB" sz="1000" i="0" kern="0" dirty="0" smtClean="0">
-                <a:solidFill>
-                  <a:schemeClr val="bg2"/>
-                </a:solidFill>
-                <a:latin typeface="Arial"/>
-              </a:rPr>
-              <a:t> </a:t>
-            </a:r>
-            <a:r>
-              <a:rPr lang="en-GB" sz="1000" i="0" kern="0" dirty="0" smtClean="0">
-                <a:solidFill>
-                  <a:schemeClr val="tx1">
-                    <a:lumMod val="65000"/>
-                    <a:lumOff val="35000"/>
-                  </a:schemeClr>
-                </a:solidFill>
-                <a:latin typeface="Arial"/>
-              </a:rPr>
-              <a:t>for demographic data</a:t>
-            </a:r>
-            <a:endParaRPr lang="en-GB" sz="1000" i="0" kern="0" dirty="0">
-              <a:solidFill>
-                <a:schemeClr val="tx1">
-                  <a:lumMod val="65000"/>
-                  <a:lumOff val="35000"/>
-                </a:schemeClr>
-              </a:solidFill>
-              <a:latin typeface="Arial"/>
-            </a:endParaRPr>
-          </a:p>
-        </p:txBody>
-      </p:sp>
-    </p:spTree>
-  </p:cSld>
-  <p:clrMapOvr>
-    <a:masterClrMapping/>
-  </p:clrMapOvr>
+  <p:transition/>
+  <p:timing>
+    <p:tnLst>
+      <p:par>
+        <p:cTn id="1" dur="indefinite" restart="never" nodeType="tmRoot"/>
+      </p:par>
+    </p:tnLst>
+  </p:timing>
 </p:sld>
 </file>
 

--- a/samples/pptx/test-output.pptx
+++ b/samples/pptx/test-output.pptx
@@ -3,21 +3,21 @@
 <p:presentation xmlns:a="http://schemas.openxmlformats.org/drawingml/2006/main" xmlns:r="http://schemas.openxmlformats.org/officeDocument/2006/relationships" xmlns:p="http://schemas.openxmlformats.org/presentationml/2006/main" saveSubsetFonts="1">
   <p:sldMasterIdLst>
     <p:sldMasterId r:id="rId1"/>
-    <p:sldMasterId r:id="rId3"/>
+    <p:sldMasterId r:id="rId2"/>
   </p:sldMasterIdLst>
   <p:notesMasterIdLst>
-    <p:notesMasterId r:id="rId4"/>
+    <p:notesMasterId r:id="rId3"/>
   </p:notesMasterIdLst>
   <p:sldIdLst>
-    <p:sldId id="259" r:id="rId9"/>
-    <p:sldId id="260" r:id="rId10"/>
-    <p:sldId id="261" r:id="rId11"/>
-    <p:sldId id="262" r:id="rId12"/>
-    <p:sldId id="263" r:id="rId13"/>
-    <p:sldId id="264" r:id="rId14"/>
-    <p:sldId id="265" r:id="rId15"/>
-    <p:sldId id="266" r:id="rId16"/>
-    <p:sldId id="267" r:id="rId17"/>
+    <p:sldId id="259" r:id="rId4"/>
+    <p:sldId id="260" r:id="rId5"/>
+    <p:sldId id="261" r:id="rId6"/>
+    <p:sldId id="262" r:id="rId7"/>
+    <p:sldId id="263" r:id="rId8"/>
+    <p:sldId id="264" r:id="rId9"/>
+    <p:sldId id="265" r:id="rId10"/>
+    <p:sldId id="266" r:id="rId11"/>
+    <p:sldId id="267" r:id="rId12"/>
   </p:sldIdLst>
   <p:sldSz cx="9144000" cy="6858000" type="screen4x3"/>
   <p:notesSz cx="6858000" cy="9144000"/>
@@ -3153,7 +3153,7 @@
 </c:chartSpace>
 </file>
 
-<file path=ppt/notesMasters/notesMaster4.xml><?xml version="1.0" encoding="utf-8"?>
+<file path=ppt/notesMasters/notesMaster3.xml><?xml version="1.0" encoding="utf-8"?>
 <p:notesMaster xmlns:a="http://schemas.openxmlformats.org/drawingml/2006/main" xmlns:r="http://schemas.openxmlformats.org/officeDocument/2006/relationships" xmlns:p="http://schemas.openxmlformats.org/presentationml/2006/main">
   <p:cSld>
     <p:bg>
@@ -4783,7 +4783,7 @@
 </p:sldLayout>
 </file>
 
-<file path=ppt/slideLayouts/slideLayout11.xml><?xml version="1.0" encoding="utf-8"?>
+<file path=ppt/slideLayouts/slideLayout10.xml><?xml version="1.0" encoding="utf-8"?>
 <p:sldLayout xmlns:a="http://schemas.openxmlformats.org/drawingml/2006/main" xmlns:r="http://schemas.openxmlformats.org/officeDocument/2006/relationships" xmlns:p="http://schemas.openxmlformats.org/presentationml/2006/main" preserve="1">
   <p:cSld name="Title and Content Cyan">
     <p:spTree>
@@ -5375,7 +5375,7 @@
 </p:sldLayout>
 </file>
 
-<file path=ppt/slideLayouts/slideLayout12.xml><?xml version="1.0" encoding="utf-8"?>
+<file path=ppt/slideLayouts/slideLayout11.xml><?xml version="1.0" encoding="utf-8"?>
 <p:sldLayout xmlns:a="http://schemas.openxmlformats.org/drawingml/2006/main" xmlns:r="http://schemas.openxmlformats.org/officeDocument/2006/relationships" xmlns:p="http://schemas.openxmlformats.org/presentationml/2006/main" preserve="1">
   <p:cSld name="Title Only">
     <p:spTree>
@@ -5825,7 +5825,7 @@
 </p:sldLayout>
 </file>
 
-<file path=ppt/slideLayouts/slideLayout13.xml><?xml version="1.0" encoding="utf-8"?>
+<file path=ppt/slideLayouts/slideLayout12.xml><?xml version="1.0" encoding="utf-8"?>
 <p:sldLayout xmlns:a="http://schemas.openxmlformats.org/drawingml/2006/main" xmlns:r="http://schemas.openxmlformats.org/officeDocument/2006/relationships" xmlns:p="http://schemas.openxmlformats.org/presentationml/2006/main" preserve="1">
   <p:cSld name="Title Only Light Grey">
     <p:spTree>
@@ -6329,7 +6329,7 @@
 </p:sldLayout>
 </file>
 
-<file path=ppt/slideLayouts/slideLayout14.xml><?xml version="1.0" encoding="utf-8"?>
+<file path=ppt/slideLayouts/slideLayout13.xml><?xml version="1.0" encoding="utf-8"?>
 <p:sldLayout xmlns:a="http://schemas.openxmlformats.org/drawingml/2006/main" xmlns:r="http://schemas.openxmlformats.org/officeDocument/2006/relationships" xmlns:p="http://schemas.openxmlformats.org/presentationml/2006/main" preserve="1">
   <p:cSld name="Title Only Dark Grey">
     <p:spTree>
@@ -6824,7 +6824,7 @@
 </p:sldLayout>
 </file>
 
-<file path=ppt/slideLayouts/slideLayout15.xml><?xml version="1.0" encoding="utf-8"?>
+<file path=ppt/slideLayouts/slideLayout14.xml><?xml version="1.0" encoding="utf-8"?>
 <p:sldLayout xmlns:a="http://schemas.openxmlformats.org/drawingml/2006/main" xmlns:r="http://schemas.openxmlformats.org/officeDocument/2006/relationships" xmlns:p="http://schemas.openxmlformats.org/presentationml/2006/main" preserve="1">
   <p:cSld name="Title Only Cyan">
     <p:spTree>
@@ -7316,7 +7316,7 @@
 </p:sldLayout>
 </file>
 
-<file path=ppt/slideLayouts/slideLayout16.xml><?xml version="1.0" encoding="utf-8"?>
+<file path=ppt/slideLayouts/slideLayout15.xml><?xml version="1.0" encoding="utf-8"?>
 <p:sldLayout xmlns:a="http://schemas.openxmlformats.org/drawingml/2006/main" xmlns:r="http://schemas.openxmlformats.org/officeDocument/2006/relationships" xmlns:p="http://schemas.openxmlformats.org/presentationml/2006/main" preserve="1">
   <p:cSld name="Blank">
     <p:spTree>
@@ -7720,7 +7720,7 @@
 </p:sldLayout>
 </file>
 
-<file path=ppt/slideLayouts/slideLayout17.xml><?xml version="1.0" encoding="utf-8"?>
+<file path=ppt/slideLayouts/slideLayout16.xml><?xml version="1.0" encoding="utf-8"?>
 <p:sldLayout xmlns:a="http://schemas.openxmlformats.org/drawingml/2006/main" xmlns:r="http://schemas.openxmlformats.org/officeDocument/2006/relationships" xmlns:p="http://schemas.openxmlformats.org/presentationml/2006/main" preserve="1">
   <p:cSld name="Title and Content Dark Grey">
     <p:spTree>
@@ -8317,7 +8317,7 @@
 </p:sldLayout>
 </file>
 
-<file path=ppt/slideLayouts/slideLayout18.xml><?xml version="1.0" encoding="utf-8"?>
+<file path=ppt/slideLayouts/slideLayout17.xml><?xml version="1.0" encoding="utf-8"?>
 <p:sldLayout xmlns:a="http://schemas.openxmlformats.org/drawingml/2006/main" xmlns:r="http://schemas.openxmlformats.org/officeDocument/2006/relationships" xmlns:p="http://schemas.openxmlformats.org/presentationml/2006/main" preserve="1">
   <p:cSld name="Title and Content Light Grey">
     <p:spTree>
@@ -8910,7 +8910,7 @@
 </p:sldLayout>
 </file>
 
-<file path=ppt/slideLayouts/slideLayout19.xml><?xml version="1.0" encoding="utf-8"?>
+<file path=ppt/slideLayouts/slideLayout18.xml><?xml version="1.0" encoding="utf-8"?>
 <p:sldLayout xmlns:a="http://schemas.openxmlformats.org/drawingml/2006/main" xmlns:r="http://schemas.openxmlformats.org/officeDocument/2006/relationships" xmlns:p="http://schemas.openxmlformats.org/presentationml/2006/main" preserve="1">
   <p:cSld name="Title and Content">
     <p:spTree>
@@ -9456,665 +9456,7 @@
 </p:sldLayout>
 </file>
 
-<file path=ppt/slideLayouts/slideLayout2.xml><?xml version="1.0" encoding="utf-8"?>
-<p:sldLayout xmlns:a="http://schemas.openxmlformats.org/drawingml/2006/main" xmlns:r="http://schemas.openxmlformats.org/officeDocument/2006/relationships" xmlns:p="http://schemas.openxmlformats.org/presentationml/2006/main" preserve="1" userDrawn="1">
-  <p:cSld name="The Briefing">
-    <p:spTree>
-      <p:nvGrpSpPr>
-        <p:cNvPr id="1" name=""/>
-        <p:cNvGrpSpPr/>
-        <p:nvPr/>
-      </p:nvGrpSpPr>
-      <p:grpSpPr>
-        <a:xfrm>
-          <a:off x="0" y="0"/>
-          <a:ext cx="0" cy="0"/>
-          <a:chOff x="0" y="0"/>
-          <a:chExt cx="0" cy="0"/>
-        </a:xfrm>
-      </p:grpSpPr>
-      <p:sp>
-        <p:nvSpPr>
-          <p:cNvPr id="17" name="TextBox 16"/>
-          <p:cNvSpPr txBox="1"/>
-          <p:nvPr userDrawn="1"/>
-        </p:nvSpPr>
-        <p:spPr>
-          <a:xfrm>
-            <a:off x="8662881" y="6338849"/>
-            <a:ext cx="309700" cy="194925"/>
-          </a:xfrm>
-          <a:prstGeom prst="rect">
-            <a:avLst/>
-          </a:prstGeom>
-          <a:noFill/>
-        </p:spPr>
-        <p:txBody>
-          <a:bodyPr wrap="none" rtlCol="0" anchor="ctr">
-            <a:spAutoFit/>
-          </a:bodyPr>
-          <a:lstStyle/>
-          <a:p>
-            <a:pPr algn="r">
-              <a:lnSpc>
-                <a:spcPts val="800"/>
-              </a:lnSpc>
-            </a:pPr>
-            <a:fld id="{0E0A9B4E-19F2-4E81-81C4-98D63547DE75}" type="slidenum">
-              <a:rPr lang="en-GB" sz="800">
-                <a:solidFill>
-                  <a:srgbClr val="35BDB2"/>
-                </a:solidFill>
-                <a:cs typeface="Arial" pitchFamily="34" charset="0"/>
-              </a:rPr>
-              <a:pPr algn="r">
-                <a:lnSpc>
-                  <a:spcPts val="800"/>
-                </a:lnSpc>
-              </a:pPr>
-              <a:t>‹#›</a:t>
-            </a:fld>
-            <a:endParaRPr lang="en-GB" sz="800" dirty="0">
-              <a:solidFill>
-                <a:srgbClr val="35BDB2"/>
-              </a:solidFill>
-              <a:cs typeface="Arial" pitchFamily="34" charset="0"/>
-            </a:endParaRPr>
-          </a:p>
-        </p:txBody>
-      </p:sp>
-      <p:cxnSp>
-        <p:nvCxnSpPr>
-          <p:cNvPr id="18" name="Straight Connector 17"/>
-          <p:cNvCxnSpPr/>
-          <p:nvPr userDrawn="1"/>
-        </p:nvCxnSpPr>
-        <p:spPr>
-          <a:xfrm rot="5400000">
-            <a:off x="8330221" y="6547429"/>
-            <a:ext cx="619558" cy="1589"/>
-          </a:xfrm>
-          <a:prstGeom prst="line">
-            <a:avLst/>
-          </a:prstGeom>
-          <a:noFill/>
-          <a:ln w="19050" cap="flat" cmpd="sng" algn="ctr">
-            <a:solidFill>
-              <a:srgbClr val="35BDB2"/>
-            </a:solidFill>
-            <a:prstDash val="solid"/>
-          </a:ln>
-          <a:effectLst/>
-        </p:spPr>
-      </p:cxnSp>
-      <p:sp>
-        <p:nvSpPr>
-          <p:cNvPr id="19" name="Text Placeholder 14"/>
-          <p:cNvSpPr>
-            <a:spLocks noGrp="1"/>
-          </p:cNvSpPr>
-          <p:nvPr>
-            <p:ph type="body" sz="quarter" idx="10" hasCustomPrompt="1"/>
-          </p:nvPr>
-        </p:nvSpPr>
-        <p:spPr>
-          <a:xfrm>
-            <a:off x="684213" y="6338849"/>
-            <a:ext cx="7929834" cy="194925"/>
-          </a:xfrm>
-          <a:prstGeom prst="rect">
-            <a:avLst/>
-          </a:prstGeom>
-        </p:spPr>
-        <p:txBody>
-          <a:bodyPr anchor="ctr">
-            <a:noAutofit/>
-          </a:bodyPr>
-          <a:lstStyle>
-            <a:lvl1pPr marL="0" marR="0" indent="0" algn="r" defTabSz="457200" rtl="0" eaLnBrk="1" fontAlgn="auto" latinLnBrk="0" hangingPunct="1">
-              <a:lnSpc>
-                <a:spcPts val="800"/>
-              </a:lnSpc>
-              <a:spcBef>
-                <a:spcPts val="0"/>
-              </a:spcBef>
-              <a:spcAft>
-                <a:spcPts val="0"/>
-              </a:spcAft>
-              <a:buClrTx/>
-              <a:buSzTx/>
-              <a:buFont typeface="Arial"/>
-              <a:buNone/>
-              <a:tabLst/>
-              <a:defRPr sz="800" baseline="0">
-                <a:solidFill>
-                  <a:schemeClr val="tx1">
-                    <a:lumMod val="50000"/>
-                    <a:lumOff val="50000"/>
-                  </a:schemeClr>
-                </a:solidFill>
-              </a:defRPr>
-            </a:lvl1pPr>
-          </a:lstStyle>
-          <a:p>
-            <a:pPr marL="0" marR="0" lvl="0" indent="0" algn="r" defTabSz="457200" rtl="0" eaLnBrk="1" fontAlgn="auto" latinLnBrk="0" hangingPunct="1">
-              <a:lnSpc>
-                <a:spcPts val="800"/>
-              </a:lnSpc>
-              <a:spcBef>
-                <a:spcPts val="0"/>
-              </a:spcBef>
-              <a:spcAft>
-                <a:spcPts val="0"/>
-              </a:spcAft>
-              <a:buClrTx/>
-              <a:buSzTx/>
-              <a:buFont typeface="Arial"/>
-              <a:buNone/>
-              <a:tabLst/>
-              <a:defRPr/>
-            </a:pPr>
-            <a:r>
-              <a:rPr kumimoji="0" lang="en-GB" sz="800" b="0" i="0" u="none" strike="noStrike" kern="0" cap="none" spc="0" normalizeH="0" baseline="0" noProof="0" dirty="0">
-                <a:ln>
-                  <a:noFill/>
-                </a:ln>
-                <a:solidFill>
-                  <a:srgbClr val="000000">
-                    <a:lumMod val="50000"/>
-                    <a:lumOff val="50000"/>
-                  </a:srgbClr>
-                </a:solidFill>
-                <a:effectLst/>
-                <a:uLnTx/>
-                <a:uFillTx/>
-              </a:rPr>
-              <a:t>Insert source/photo credit here</a:t>
-            </a:r>
-          </a:p>
-        </p:txBody>
-      </p:sp>
-      <p:sp>
-        <p:nvSpPr>
-          <p:cNvPr id="20" name="Title 1"/>
-          <p:cNvSpPr>
-            <a:spLocks noGrp="1"/>
-          </p:cNvSpPr>
-          <p:nvPr>
-            <p:ph type="title" hasCustomPrompt="1"/>
-          </p:nvPr>
-        </p:nvSpPr>
-        <p:spPr>
-          <a:xfrm>
-            <a:off x="250827" y="260350"/>
-            <a:ext cx="8642348" cy="443198"/>
-          </a:xfrm>
-          <a:prstGeom prst="rect">
-            <a:avLst/>
-          </a:prstGeom>
-        </p:spPr>
-        <p:txBody>
-          <a:bodyPr wrap="square" lIns="0" tIns="0" rIns="0" bIns="0" anchor="t">
-            <a:spAutoFit/>
-          </a:bodyPr>
-          <a:lstStyle>
-            <a:lvl1pPr algn="l">
-              <a:lnSpc>
-                <a:spcPct val="90000"/>
-              </a:lnSpc>
-              <a:defRPr sz="3200">
-                <a:solidFill>
-                  <a:srgbClr val="35BDB2"/>
-                </a:solidFill>
-                <a:latin typeface="Arial" pitchFamily="34" charset="0"/>
-                <a:cs typeface="Arial" pitchFamily="34" charset="0"/>
-              </a:defRPr>
-            </a:lvl1pPr>
-          </a:lstStyle>
-          <a:p>
-            <a:pPr marL="0" marR="0" lvl="0" indent="0" algn="l" defTabSz="914400" eaLnBrk="1" fontAlgn="auto" latinLnBrk="0" hangingPunct="1">
-              <a:lnSpc>
-                <a:spcPct val="90000"/>
-              </a:lnSpc>
-              <a:spcBef>
-                <a:spcPts val="0"/>
-              </a:spcBef>
-              <a:spcAft>
-                <a:spcPts val="0"/>
-              </a:spcAft>
-              <a:buClrTx/>
-              <a:buSzTx/>
-              <a:buFontTx/>
-              <a:buNone/>
-              <a:tabLst/>
-              <a:defRPr/>
-            </a:pPr>
-            <a:r>
-              <a:rPr kumimoji="0" lang="en-US" sz="3200" b="0" i="0" u="none" strike="noStrike" kern="0" cap="none" spc="0" normalizeH="0" baseline="0" noProof="0" dirty="0">
-                <a:ln>
-                  <a:noFill/>
-                </a:ln>
-                <a:solidFill>
-                  <a:srgbClr val="35BDB2"/>
-                </a:solidFill>
-                <a:effectLst/>
-                <a:uLnTx/>
-                <a:uFillTx/>
-                <a:latin typeface="Arial" pitchFamily="34" charset="0"/>
-                <a:cs typeface="Arial" pitchFamily="34" charset="0"/>
-              </a:rPr>
-              <a:t>The Briefing</a:t>
-            </a:r>
-          </a:p>
-        </p:txBody>
-      </p:sp>
-      <p:grpSp>
-        <p:nvGrpSpPr>
-          <p:cNvPr id="21" name="Group 5"/>
-          <p:cNvGrpSpPr>
-            <a:grpSpLocks noChangeAspect="1"/>
-          </p:cNvGrpSpPr>
-          <p:nvPr userDrawn="1"/>
-        </p:nvGrpSpPr>
-        <p:grpSpPr bwMode="auto">
-          <a:xfrm>
-            <a:off x="250826" y="6236525"/>
-            <a:ext cx="433388" cy="361125"/>
-            <a:chOff x="-796" y="1752"/>
-            <a:chExt cx="2267" cy="1889"/>
-          </a:xfrm>
-          <a:solidFill>
-            <a:srgbClr val="35BDB2"/>
-          </a:solidFill>
-        </p:grpSpPr>
-        <p:sp>
-          <p:nvSpPr>
-            <p:cNvPr id="22" name="Freeform 6"/>
-            <p:cNvSpPr>
-              <a:spLocks/>
-            </p:cNvSpPr>
-            <p:nvPr userDrawn="1"/>
-          </p:nvSpPr>
-          <p:spPr bwMode="auto">
-            <a:xfrm>
-              <a:off x="-360" y="1752"/>
-              <a:ext cx="1831" cy="1889"/>
-            </a:xfrm>
-            <a:custGeom>
-              <a:avLst/>
-              <a:gdLst/>
-              <a:ahLst/>
-              <a:cxnLst>
-                <a:cxn ang="0">
-                  <a:pos x="1454" y="0"/>
-                </a:cxn>
-                <a:cxn ang="0">
-                  <a:pos x="1454" y="1511"/>
-                </a:cxn>
-                <a:cxn ang="0">
-                  <a:pos x="0" y="1511"/>
-                </a:cxn>
-                <a:cxn ang="0">
-                  <a:pos x="0" y="1889"/>
-                </a:cxn>
-                <a:cxn ang="0">
-                  <a:pos x="1831" y="1889"/>
-                </a:cxn>
-                <a:cxn ang="0">
-                  <a:pos x="1831" y="0"/>
-                </a:cxn>
-                <a:cxn ang="0">
-                  <a:pos x="1454" y="0"/>
-                </a:cxn>
-              </a:cxnLst>
-              <a:rect l="0" t="0" r="r" b="b"/>
-              <a:pathLst>
-                <a:path w="1831" h="1889">
-                  <a:moveTo>
-                    <a:pt x="1454" y="0"/>
-                  </a:moveTo>
-                  <a:lnTo>
-                    <a:pt x="1454" y="1511"/>
-                  </a:lnTo>
-                  <a:lnTo>
-                    <a:pt x="0" y="1511"/>
-                  </a:lnTo>
-                  <a:lnTo>
-                    <a:pt x="0" y="1889"/>
-                  </a:lnTo>
-                  <a:lnTo>
-                    <a:pt x="1831" y="1889"/>
-                  </a:lnTo>
-                  <a:lnTo>
-                    <a:pt x="1831" y="0"/>
-                  </a:lnTo>
-                  <a:lnTo>
-                    <a:pt x="1454" y="0"/>
-                  </a:lnTo>
-                  <a:close/>
-                </a:path>
-              </a:pathLst>
-            </a:custGeom>
-            <a:grpFill/>
-            <a:ln w="9525">
-              <a:noFill/>
-              <a:round/>
-              <a:headEnd/>
-              <a:tailEnd/>
-            </a:ln>
-          </p:spPr>
-          <p:txBody>
-            <a:bodyPr vert="horz" wrap="square" lIns="91440" tIns="45720" rIns="91440" bIns="45720" numCol="1" anchor="t" anchorCtr="0" compatLnSpc="1">
-              <a:prstTxWarp prst="textNoShape">
-                <a:avLst/>
-              </a:prstTxWarp>
-            </a:bodyPr>
-            <a:lstStyle/>
-            <a:p>
-              <a:pPr marL="0" marR="0" lvl="0" indent="0" defTabSz="914400" eaLnBrk="1" fontAlgn="auto" latinLnBrk="0" hangingPunct="1">
-                <a:lnSpc>
-                  <a:spcPct val="100000"/>
-                </a:lnSpc>
-                <a:spcBef>
-                  <a:spcPts val="0"/>
-                </a:spcBef>
-                <a:spcAft>
-                  <a:spcPts val="0"/>
-                </a:spcAft>
-                <a:buClrTx/>
-                <a:buSzTx/>
-                <a:buFontTx/>
-                <a:buNone/>
-                <a:tabLst/>
-                <a:defRPr/>
-              </a:pPr>
-              <a:endParaRPr kumimoji="0" lang="en-GB" sz="1800" b="0" i="0" u="none" strike="noStrike" kern="0" cap="none" spc="0" normalizeH="0" baseline="0" noProof="0">
-                <a:ln>
-                  <a:noFill/>
-                </a:ln>
-                <a:solidFill>
-                  <a:srgbClr val="000000"/>
-                </a:solidFill>
-                <a:effectLst/>
-                <a:uLnTx/>
-                <a:uFillTx/>
-              </a:endParaRPr>
-            </a:p>
-          </p:txBody>
-        </p:sp>
-        <p:sp>
-          <p:nvSpPr>
-            <p:cNvPr id="23" name="Freeform 7"/>
-            <p:cNvSpPr>
-              <a:spLocks/>
-            </p:cNvSpPr>
-            <p:nvPr userDrawn="1"/>
-          </p:nvSpPr>
-          <p:spPr bwMode="auto">
-            <a:xfrm>
-              <a:off x="-796" y="1752"/>
-              <a:ext cx="1832" cy="1889"/>
-            </a:xfrm>
-            <a:custGeom>
-              <a:avLst/>
-              <a:gdLst/>
-              <a:ahLst/>
-              <a:cxnLst>
-                <a:cxn ang="0">
-                  <a:pos x="1832" y="378"/>
-                </a:cxn>
-                <a:cxn ang="0">
-                  <a:pos x="1832" y="0"/>
-                </a:cxn>
-                <a:cxn ang="0">
-                  <a:pos x="0" y="0"/>
-                </a:cxn>
-                <a:cxn ang="0">
-                  <a:pos x="0" y="1889"/>
-                </a:cxn>
-                <a:cxn ang="0">
-                  <a:pos x="378" y="1889"/>
-                </a:cxn>
-                <a:cxn ang="0">
-                  <a:pos x="378" y="378"/>
-                </a:cxn>
-                <a:cxn ang="0">
-                  <a:pos x="1832" y="378"/>
-                </a:cxn>
-              </a:cxnLst>
-              <a:rect l="0" t="0" r="r" b="b"/>
-              <a:pathLst>
-                <a:path w="1832" h="1889">
-                  <a:moveTo>
-                    <a:pt x="1832" y="378"/>
-                  </a:moveTo>
-                  <a:lnTo>
-                    <a:pt x="1832" y="0"/>
-                  </a:lnTo>
-                  <a:lnTo>
-                    <a:pt x="0" y="0"/>
-                  </a:lnTo>
-                  <a:lnTo>
-                    <a:pt x="0" y="1889"/>
-                  </a:lnTo>
-                  <a:lnTo>
-                    <a:pt x="378" y="1889"/>
-                  </a:lnTo>
-                  <a:lnTo>
-                    <a:pt x="378" y="378"/>
-                  </a:lnTo>
-                  <a:lnTo>
-                    <a:pt x="1832" y="378"/>
-                  </a:lnTo>
-                  <a:close/>
-                </a:path>
-              </a:pathLst>
-            </a:custGeom>
-            <a:grpFill/>
-            <a:ln w="9525">
-              <a:noFill/>
-              <a:round/>
-              <a:headEnd/>
-              <a:tailEnd/>
-            </a:ln>
-          </p:spPr>
-          <p:txBody>
-            <a:bodyPr vert="horz" wrap="square" lIns="91440" tIns="45720" rIns="91440" bIns="45720" numCol="1" anchor="t" anchorCtr="0" compatLnSpc="1">
-              <a:prstTxWarp prst="textNoShape">
-                <a:avLst/>
-              </a:prstTxWarp>
-            </a:bodyPr>
-            <a:lstStyle/>
-            <a:p>
-              <a:pPr marL="0" marR="0" lvl="0" indent="0" defTabSz="914400" eaLnBrk="1" fontAlgn="auto" latinLnBrk="0" hangingPunct="1">
-                <a:lnSpc>
-                  <a:spcPct val="100000"/>
-                </a:lnSpc>
-                <a:spcBef>
-                  <a:spcPts val="0"/>
-                </a:spcBef>
-                <a:spcAft>
-                  <a:spcPts val="0"/>
-                </a:spcAft>
-                <a:buClrTx/>
-                <a:buSzTx/>
-                <a:buFontTx/>
-                <a:buNone/>
-                <a:tabLst/>
-                <a:defRPr/>
-              </a:pPr>
-              <a:endParaRPr kumimoji="0" lang="en-GB" sz="1800" b="0" i="0" u="none" strike="noStrike" kern="0" cap="none" spc="0" normalizeH="0" baseline="0" noProof="0">
-                <a:ln>
-                  <a:noFill/>
-                </a:ln>
-                <a:solidFill>
-                  <a:srgbClr val="000000"/>
-                </a:solidFill>
-                <a:effectLst/>
-                <a:uLnTx/>
-                <a:uFillTx/>
-              </a:endParaRPr>
-            </a:p>
-          </p:txBody>
-        </p:sp>
-        <p:sp>
-          <p:nvSpPr>
-            <p:cNvPr id="24" name="Rectangle 8"/>
-            <p:cNvSpPr>
-              <a:spLocks noChangeArrowheads="1"/>
-            </p:cNvSpPr>
-            <p:nvPr userDrawn="1"/>
-          </p:nvSpPr>
-          <p:spPr bwMode="auto">
-            <a:xfrm>
-              <a:off x="-40" y="2508"/>
-              <a:ext cx="756" cy="377"/>
-            </a:xfrm>
-            <a:prstGeom prst="rect">
-              <a:avLst/>
-            </a:prstGeom>
-            <a:grpFill/>
-            <a:ln w="9525">
-              <a:noFill/>
-              <a:miter lim="800000"/>
-              <a:headEnd/>
-              <a:tailEnd/>
-            </a:ln>
-          </p:spPr>
-          <p:txBody>
-            <a:bodyPr vert="horz" wrap="square" lIns="91440" tIns="45720" rIns="91440" bIns="45720" numCol="1" anchor="t" anchorCtr="0" compatLnSpc="1">
-              <a:prstTxWarp prst="textNoShape">
-                <a:avLst/>
-              </a:prstTxWarp>
-            </a:bodyPr>
-            <a:lstStyle/>
-            <a:p>
-              <a:pPr marL="0" marR="0" lvl="0" indent="0" defTabSz="914400" eaLnBrk="1" fontAlgn="auto" latinLnBrk="0" hangingPunct="1">
-                <a:lnSpc>
-                  <a:spcPct val="100000"/>
-                </a:lnSpc>
-                <a:spcBef>
-                  <a:spcPts val="0"/>
-                </a:spcBef>
-                <a:spcAft>
-                  <a:spcPts val="0"/>
-                </a:spcAft>
-                <a:buClrTx/>
-                <a:buSzTx/>
-                <a:buFontTx/>
-                <a:buNone/>
-                <a:tabLst/>
-                <a:defRPr/>
-              </a:pPr>
-              <a:endParaRPr kumimoji="0" lang="en-GB" sz="1800" b="0" i="0" u="none" strike="noStrike" kern="0" cap="none" spc="0" normalizeH="0" baseline="0" noProof="0">
-                <a:ln>
-                  <a:noFill/>
-                </a:ln>
-                <a:solidFill>
-                  <a:srgbClr val="000000"/>
-                </a:solidFill>
-                <a:effectLst/>
-                <a:uLnTx/>
-                <a:uFillTx/>
-              </a:endParaRPr>
-            </a:p>
-          </p:txBody>
-        </p:sp>
-      </p:grpSp>
-      <p:sp>
-        <p:nvSpPr>
-          <p:cNvPr id="26" name="Text Placeholder 25"/>
-          <p:cNvSpPr>
-            <a:spLocks noGrp="1"/>
-          </p:cNvSpPr>
-          <p:nvPr>
-            <p:ph type="body" sz="quarter" idx="11" hasCustomPrompt="1"/>
-          </p:nvPr>
-        </p:nvSpPr>
-        <p:spPr>
-          <a:xfrm>
-            <a:off x="250825" y="873125"/>
-            <a:ext cx="8642350" cy="5076825"/>
-          </a:xfrm>
-          <a:prstGeom prst="rect">
-            <a:avLst/>
-          </a:prstGeom>
-        </p:spPr>
-        <p:txBody>
-          <a:bodyPr>
-            <a:normAutofit/>
-          </a:bodyPr>
-          <a:lstStyle>
-            <a:lvl1pPr algn="ctr">
-              <a:buNone/>
-              <a:defRPr lang="en-GB" sz="1800" kern="1200" baseline="0" dirty="0" smtClean="0">
-                <a:solidFill>
-                  <a:schemeClr val="tx1">
-                    <a:lumMod val="65000"/>
-                    <a:lumOff val="35000"/>
-                  </a:schemeClr>
-                </a:solidFill>
-                <a:latin typeface="Arial" pitchFamily="34" charset="0"/>
-                <a:ea typeface="+mn-ea"/>
-                <a:cs typeface="Arial" pitchFamily="34" charset="0"/>
-              </a:defRPr>
-            </a:lvl1pPr>
-            <a:lvl2pPr>
-              <a:defRPr sz="1800">
-                <a:solidFill>
-                  <a:schemeClr val="tx1"/>
-                </a:solidFill>
-                <a:latin typeface="Arial" pitchFamily="34" charset="0"/>
-                <a:cs typeface="Arial" pitchFamily="34" charset="0"/>
-              </a:defRPr>
-            </a:lvl2pPr>
-            <a:lvl3pPr>
-              <a:defRPr sz="1800">
-                <a:solidFill>
-                  <a:schemeClr val="tx1"/>
-                </a:solidFill>
-                <a:latin typeface="Arial" pitchFamily="34" charset="0"/>
-                <a:cs typeface="Arial" pitchFamily="34" charset="0"/>
-              </a:defRPr>
-            </a:lvl3pPr>
-            <a:lvl4pPr>
-              <a:defRPr sz="1800">
-                <a:solidFill>
-                  <a:schemeClr val="tx1"/>
-                </a:solidFill>
-                <a:latin typeface="Arial" pitchFamily="34" charset="0"/>
-                <a:cs typeface="Arial" pitchFamily="34" charset="0"/>
-              </a:defRPr>
-            </a:lvl4pPr>
-            <a:lvl5pPr>
-              <a:defRPr sz="1800">
-                <a:solidFill>
-                  <a:schemeClr val="tx1"/>
-                </a:solidFill>
-                <a:latin typeface="Arial" pitchFamily="34" charset="0"/>
-                <a:cs typeface="Arial" pitchFamily="34" charset="0"/>
-              </a:defRPr>
-            </a:lvl5pPr>
-          </a:lstStyle>
-          <a:p>
-            <a:pPr lvl="0"/>
-            <a:r>
-              <a:rPr lang="en-US" dirty="0"/>
-              <a:t>&lt;Insert Briefing text&gt;</a:t>
-            </a:r>
-            <a:endParaRPr lang="en-GB" dirty="0"/>
-          </a:p>
-        </p:txBody>
-      </p:sp>
-    </p:spTree>
-  </p:cSld>
-  <p:clrMapOvr>
-    <a:masterClrMapping/>
-  </p:clrMapOvr>
-</p:sldLayout>
-</file>
-
-<file path=ppt/slideLayouts/slideLayout20.xml><?xml version="1.0" encoding="utf-8"?>
+<file path=ppt/slideLayouts/slideLayout19.xml><?xml version="1.0" encoding="utf-8"?>
 <p:sldLayout xmlns:a="http://schemas.openxmlformats.org/drawingml/2006/main" xmlns:r="http://schemas.openxmlformats.org/officeDocument/2006/relationships" xmlns:p="http://schemas.openxmlformats.org/presentationml/2006/main" preserve="1">
   <p:cSld name="Title Slide">
     <p:spTree>
@@ -13129,7 +12471,665 @@
 </p:sldLayout>
 </file>
 
-<file path=ppt/slideLayouts/slideLayout21.xml><?xml version="1.0" encoding="utf-8"?>
+<file path=ppt/slideLayouts/slideLayout2.xml><?xml version="1.0" encoding="utf-8"?>
+<p:sldLayout xmlns:a="http://schemas.openxmlformats.org/drawingml/2006/main" xmlns:r="http://schemas.openxmlformats.org/officeDocument/2006/relationships" xmlns:p="http://schemas.openxmlformats.org/presentationml/2006/main" preserve="1" userDrawn="1">
+  <p:cSld name="The Briefing">
+    <p:spTree>
+      <p:nvGrpSpPr>
+        <p:cNvPr id="1" name=""/>
+        <p:cNvGrpSpPr/>
+        <p:nvPr/>
+      </p:nvGrpSpPr>
+      <p:grpSpPr>
+        <a:xfrm>
+          <a:off x="0" y="0"/>
+          <a:ext cx="0" cy="0"/>
+          <a:chOff x="0" y="0"/>
+          <a:chExt cx="0" cy="0"/>
+        </a:xfrm>
+      </p:grpSpPr>
+      <p:sp>
+        <p:nvSpPr>
+          <p:cNvPr id="17" name="TextBox 16"/>
+          <p:cNvSpPr txBox="1"/>
+          <p:nvPr userDrawn="1"/>
+        </p:nvSpPr>
+        <p:spPr>
+          <a:xfrm>
+            <a:off x="8662881" y="6338849"/>
+            <a:ext cx="309700" cy="194925"/>
+          </a:xfrm>
+          <a:prstGeom prst="rect">
+            <a:avLst/>
+          </a:prstGeom>
+          <a:noFill/>
+        </p:spPr>
+        <p:txBody>
+          <a:bodyPr wrap="none" rtlCol="0" anchor="ctr">
+            <a:spAutoFit/>
+          </a:bodyPr>
+          <a:lstStyle/>
+          <a:p>
+            <a:pPr algn="r">
+              <a:lnSpc>
+                <a:spcPts val="800"/>
+              </a:lnSpc>
+            </a:pPr>
+            <a:fld id="{0E0A9B4E-19F2-4E81-81C4-98D63547DE75}" type="slidenum">
+              <a:rPr lang="en-GB" sz="800">
+                <a:solidFill>
+                  <a:srgbClr val="35BDB2"/>
+                </a:solidFill>
+                <a:cs typeface="Arial" pitchFamily="34" charset="0"/>
+              </a:rPr>
+              <a:pPr algn="r">
+                <a:lnSpc>
+                  <a:spcPts val="800"/>
+                </a:lnSpc>
+              </a:pPr>
+              <a:t>‹#›</a:t>
+            </a:fld>
+            <a:endParaRPr lang="en-GB" sz="800" dirty="0">
+              <a:solidFill>
+                <a:srgbClr val="35BDB2"/>
+              </a:solidFill>
+              <a:cs typeface="Arial" pitchFamily="34" charset="0"/>
+            </a:endParaRPr>
+          </a:p>
+        </p:txBody>
+      </p:sp>
+      <p:cxnSp>
+        <p:nvCxnSpPr>
+          <p:cNvPr id="18" name="Straight Connector 17"/>
+          <p:cNvCxnSpPr/>
+          <p:nvPr userDrawn="1"/>
+        </p:nvCxnSpPr>
+        <p:spPr>
+          <a:xfrm rot="5400000">
+            <a:off x="8330221" y="6547429"/>
+            <a:ext cx="619558" cy="1589"/>
+          </a:xfrm>
+          <a:prstGeom prst="line">
+            <a:avLst/>
+          </a:prstGeom>
+          <a:noFill/>
+          <a:ln w="19050" cap="flat" cmpd="sng" algn="ctr">
+            <a:solidFill>
+              <a:srgbClr val="35BDB2"/>
+            </a:solidFill>
+            <a:prstDash val="solid"/>
+          </a:ln>
+          <a:effectLst/>
+        </p:spPr>
+      </p:cxnSp>
+      <p:sp>
+        <p:nvSpPr>
+          <p:cNvPr id="19" name="Text Placeholder 14"/>
+          <p:cNvSpPr>
+            <a:spLocks noGrp="1"/>
+          </p:cNvSpPr>
+          <p:nvPr>
+            <p:ph type="body" sz="quarter" idx="10" hasCustomPrompt="1"/>
+          </p:nvPr>
+        </p:nvSpPr>
+        <p:spPr>
+          <a:xfrm>
+            <a:off x="684213" y="6338849"/>
+            <a:ext cx="7929834" cy="194925"/>
+          </a:xfrm>
+          <a:prstGeom prst="rect">
+            <a:avLst/>
+          </a:prstGeom>
+        </p:spPr>
+        <p:txBody>
+          <a:bodyPr anchor="ctr">
+            <a:noAutofit/>
+          </a:bodyPr>
+          <a:lstStyle>
+            <a:lvl1pPr marL="0" marR="0" indent="0" algn="r" defTabSz="457200" rtl="0" eaLnBrk="1" fontAlgn="auto" latinLnBrk="0" hangingPunct="1">
+              <a:lnSpc>
+                <a:spcPts val="800"/>
+              </a:lnSpc>
+              <a:spcBef>
+                <a:spcPts val="0"/>
+              </a:spcBef>
+              <a:spcAft>
+                <a:spcPts val="0"/>
+              </a:spcAft>
+              <a:buClrTx/>
+              <a:buSzTx/>
+              <a:buFont typeface="Arial"/>
+              <a:buNone/>
+              <a:tabLst/>
+              <a:defRPr sz="800" baseline="0">
+                <a:solidFill>
+                  <a:schemeClr val="tx1">
+                    <a:lumMod val="50000"/>
+                    <a:lumOff val="50000"/>
+                  </a:schemeClr>
+                </a:solidFill>
+              </a:defRPr>
+            </a:lvl1pPr>
+          </a:lstStyle>
+          <a:p>
+            <a:pPr marL="0" marR="0" lvl="0" indent="0" algn="r" defTabSz="457200" rtl="0" eaLnBrk="1" fontAlgn="auto" latinLnBrk="0" hangingPunct="1">
+              <a:lnSpc>
+                <a:spcPts val="800"/>
+              </a:lnSpc>
+              <a:spcBef>
+                <a:spcPts val="0"/>
+              </a:spcBef>
+              <a:spcAft>
+                <a:spcPts val="0"/>
+              </a:spcAft>
+              <a:buClrTx/>
+              <a:buSzTx/>
+              <a:buFont typeface="Arial"/>
+              <a:buNone/>
+              <a:tabLst/>
+              <a:defRPr/>
+            </a:pPr>
+            <a:r>
+              <a:rPr kumimoji="0" lang="en-GB" sz="800" b="0" i="0" u="none" strike="noStrike" kern="0" cap="none" spc="0" normalizeH="0" baseline="0" noProof="0" dirty="0">
+                <a:ln>
+                  <a:noFill/>
+                </a:ln>
+                <a:solidFill>
+                  <a:srgbClr val="000000">
+                    <a:lumMod val="50000"/>
+                    <a:lumOff val="50000"/>
+                  </a:srgbClr>
+                </a:solidFill>
+                <a:effectLst/>
+                <a:uLnTx/>
+                <a:uFillTx/>
+              </a:rPr>
+              <a:t>Insert source/photo credit here</a:t>
+            </a:r>
+          </a:p>
+        </p:txBody>
+      </p:sp>
+      <p:sp>
+        <p:nvSpPr>
+          <p:cNvPr id="20" name="Title 1"/>
+          <p:cNvSpPr>
+            <a:spLocks noGrp="1"/>
+          </p:cNvSpPr>
+          <p:nvPr>
+            <p:ph type="title" hasCustomPrompt="1"/>
+          </p:nvPr>
+        </p:nvSpPr>
+        <p:spPr>
+          <a:xfrm>
+            <a:off x="250827" y="260350"/>
+            <a:ext cx="8642348" cy="443198"/>
+          </a:xfrm>
+          <a:prstGeom prst="rect">
+            <a:avLst/>
+          </a:prstGeom>
+        </p:spPr>
+        <p:txBody>
+          <a:bodyPr wrap="square" lIns="0" tIns="0" rIns="0" bIns="0" anchor="t">
+            <a:spAutoFit/>
+          </a:bodyPr>
+          <a:lstStyle>
+            <a:lvl1pPr algn="l">
+              <a:lnSpc>
+                <a:spcPct val="90000"/>
+              </a:lnSpc>
+              <a:defRPr sz="3200">
+                <a:solidFill>
+                  <a:srgbClr val="35BDB2"/>
+                </a:solidFill>
+                <a:latin typeface="Arial" pitchFamily="34" charset="0"/>
+                <a:cs typeface="Arial" pitchFamily="34" charset="0"/>
+              </a:defRPr>
+            </a:lvl1pPr>
+          </a:lstStyle>
+          <a:p>
+            <a:pPr marL="0" marR="0" lvl="0" indent="0" algn="l" defTabSz="914400" eaLnBrk="1" fontAlgn="auto" latinLnBrk="0" hangingPunct="1">
+              <a:lnSpc>
+                <a:spcPct val="90000"/>
+              </a:lnSpc>
+              <a:spcBef>
+                <a:spcPts val="0"/>
+              </a:spcBef>
+              <a:spcAft>
+                <a:spcPts val="0"/>
+              </a:spcAft>
+              <a:buClrTx/>
+              <a:buSzTx/>
+              <a:buFontTx/>
+              <a:buNone/>
+              <a:tabLst/>
+              <a:defRPr/>
+            </a:pPr>
+            <a:r>
+              <a:rPr kumimoji="0" lang="en-US" sz="3200" b="0" i="0" u="none" strike="noStrike" kern="0" cap="none" spc="0" normalizeH="0" baseline="0" noProof="0" dirty="0">
+                <a:ln>
+                  <a:noFill/>
+                </a:ln>
+                <a:solidFill>
+                  <a:srgbClr val="35BDB2"/>
+                </a:solidFill>
+                <a:effectLst/>
+                <a:uLnTx/>
+                <a:uFillTx/>
+                <a:latin typeface="Arial" pitchFamily="34" charset="0"/>
+                <a:cs typeface="Arial" pitchFamily="34" charset="0"/>
+              </a:rPr>
+              <a:t>The Briefing</a:t>
+            </a:r>
+          </a:p>
+        </p:txBody>
+      </p:sp>
+      <p:grpSp>
+        <p:nvGrpSpPr>
+          <p:cNvPr id="21" name="Group 5"/>
+          <p:cNvGrpSpPr>
+            <a:grpSpLocks noChangeAspect="1"/>
+          </p:cNvGrpSpPr>
+          <p:nvPr userDrawn="1"/>
+        </p:nvGrpSpPr>
+        <p:grpSpPr bwMode="auto">
+          <a:xfrm>
+            <a:off x="250826" y="6236525"/>
+            <a:ext cx="433388" cy="361125"/>
+            <a:chOff x="-796" y="1752"/>
+            <a:chExt cx="2267" cy="1889"/>
+          </a:xfrm>
+          <a:solidFill>
+            <a:srgbClr val="35BDB2"/>
+          </a:solidFill>
+        </p:grpSpPr>
+        <p:sp>
+          <p:nvSpPr>
+            <p:cNvPr id="22" name="Freeform 6"/>
+            <p:cNvSpPr>
+              <a:spLocks/>
+            </p:cNvSpPr>
+            <p:nvPr userDrawn="1"/>
+          </p:nvSpPr>
+          <p:spPr bwMode="auto">
+            <a:xfrm>
+              <a:off x="-360" y="1752"/>
+              <a:ext cx="1831" cy="1889"/>
+            </a:xfrm>
+            <a:custGeom>
+              <a:avLst/>
+              <a:gdLst/>
+              <a:ahLst/>
+              <a:cxnLst>
+                <a:cxn ang="0">
+                  <a:pos x="1454" y="0"/>
+                </a:cxn>
+                <a:cxn ang="0">
+                  <a:pos x="1454" y="1511"/>
+                </a:cxn>
+                <a:cxn ang="0">
+                  <a:pos x="0" y="1511"/>
+                </a:cxn>
+                <a:cxn ang="0">
+                  <a:pos x="0" y="1889"/>
+                </a:cxn>
+                <a:cxn ang="0">
+                  <a:pos x="1831" y="1889"/>
+                </a:cxn>
+                <a:cxn ang="0">
+                  <a:pos x="1831" y="0"/>
+                </a:cxn>
+                <a:cxn ang="0">
+                  <a:pos x="1454" y="0"/>
+                </a:cxn>
+              </a:cxnLst>
+              <a:rect l="0" t="0" r="r" b="b"/>
+              <a:pathLst>
+                <a:path w="1831" h="1889">
+                  <a:moveTo>
+                    <a:pt x="1454" y="0"/>
+                  </a:moveTo>
+                  <a:lnTo>
+                    <a:pt x="1454" y="1511"/>
+                  </a:lnTo>
+                  <a:lnTo>
+                    <a:pt x="0" y="1511"/>
+                  </a:lnTo>
+                  <a:lnTo>
+                    <a:pt x="0" y="1889"/>
+                  </a:lnTo>
+                  <a:lnTo>
+                    <a:pt x="1831" y="1889"/>
+                  </a:lnTo>
+                  <a:lnTo>
+                    <a:pt x="1831" y="0"/>
+                  </a:lnTo>
+                  <a:lnTo>
+                    <a:pt x="1454" y="0"/>
+                  </a:lnTo>
+                  <a:close/>
+                </a:path>
+              </a:pathLst>
+            </a:custGeom>
+            <a:grpFill/>
+            <a:ln w="9525">
+              <a:noFill/>
+              <a:round/>
+              <a:headEnd/>
+              <a:tailEnd/>
+            </a:ln>
+          </p:spPr>
+          <p:txBody>
+            <a:bodyPr vert="horz" wrap="square" lIns="91440" tIns="45720" rIns="91440" bIns="45720" numCol="1" anchor="t" anchorCtr="0" compatLnSpc="1">
+              <a:prstTxWarp prst="textNoShape">
+                <a:avLst/>
+              </a:prstTxWarp>
+            </a:bodyPr>
+            <a:lstStyle/>
+            <a:p>
+              <a:pPr marL="0" marR="0" lvl="0" indent="0" defTabSz="914400" eaLnBrk="1" fontAlgn="auto" latinLnBrk="0" hangingPunct="1">
+                <a:lnSpc>
+                  <a:spcPct val="100000"/>
+                </a:lnSpc>
+                <a:spcBef>
+                  <a:spcPts val="0"/>
+                </a:spcBef>
+                <a:spcAft>
+                  <a:spcPts val="0"/>
+                </a:spcAft>
+                <a:buClrTx/>
+                <a:buSzTx/>
+                <a:buFontTx/>
+                <a:buNone/>
+                <a:tabLst/>
+                <a:defRPr/>
+              </a:pPr>
+              <a:endParaRPr kumimoji="0" lang="en-GB" sz="1800" b="0" i="0" u="none" strike="noStrike" kern="0" cap="none" spc="0" normalizeH="0" baseline="0" noProof="0">
+                <a:ln>
+                  <a:noFill/>
+                </a:ln>
+                <a:solidFill>
+                  <a:srgbClr val="000000"/>
+                </a:solidFill>
+                <a:effectLst/>
+                <a:uLnTx/>
+                <a:uFillTx/>
+              </a:endParaRPr>
+            </a:p>
+          </p:txBody>
+        </p:sp>
+        <p:sp>
+          <p:nvSpPr>
+            <p:cNvPr id="23" name="Freeform 7"/>
+            <p:cNvSpPr>
+              <a:spLocks/>
+            </p:cNvSpPr>
+            <p:nvPr userDrawn="1"/>
+          </p:nvSpPr>
+          <p:spPr bwMode="auto">
+            <a:xfrm>
+              <a:off x="-796" y="1752"/>
+              <a:ext cx="1832" cy="1889"/>
+            </a:xfrm>
+            <a:custGeom>
+              <a:avLst/>
+              <a:gdLst/>
+              <a:ahLst/>
+              <a:cxnLst>
+                <a:cxn ang="0">
+                  <a:pos x="1832" y="378"/>
+                </a:cxn>
+                <a:cxn ang="0">
+                  <a:pos x="1832" y="0"/>
+                </a:cxn>
+                <a:cxn ang="0">
+                  <a:pos x="0" y="0"/>
+                </a:cxn>
+                <a:cxn ang="0">
+                  <a:pos x="0" y="1889"/>
+                </a:cxn>
+                <a:cxn ang="0">
+                  <a:pos x="378" y="1889"/>
+                </a:cxn>
+                <a:cxn ang="0">
+                  <a:pos x="378" y="378"/>
+                </a:cxn>
+                <a:cxn ang="0">
+                  <a:pos x="1832" y="378"/>
+                </a:cxn>
+              </a:cxnLst>
+              <a:rect l="0" t="0" r="r" b="b"/>
+              <a:pathLst>
+                <a:path w="1832" h="1889">
+                  <a:moveTo>
+                    <a:pt x="1832" y="378"/>
+                  </a:moveTo>
+                  <a:lnTo>
+                    <a:pt x="1832" y="0"/>
+                  </a:lnTo>
+                  <a:lnTo>
+                    <a:pt x="0" y="0"/>
+                  </a:lnTo>
+                  <a:lnTo>
+                    <a:pt x="0" y="1889"/>
+                  </a:lnTo>
+                  <a:lnTo>
+                    <a:pt x="378" y="1889"/>
+                  </a:lnTo>
+                  <a:lnTo>
+                    <a:pt x="378" y="378"/>
+                  </a:lnTo>
+                  <a:lnTo>
+                    <a:pt x="1832" y="378"/>
+                  </a:lnTo>
+                  <a:close/>
+                </a:path>
+              </a:pathLst>
+            </a:custGeom>
+            <a:grpFill/>
+            <a:ln w="9525">
+              <a:noFill/>
+              <a:round/>
+              <a:headEnd/>
+              <a:tailEnd/>
+            </a:ln>
+          </p:spPr>
+          <p:txBody>
+            <a:bodyPr vert="horz" wrap="square" lIns="91440" tIns="45720" rIns="91440" bIns="45720" numCol="1" anchor="t" anchorCtr="0" compatLnSpc="1">
+              <a:prstTxWarp prst="textNoShape">
+                <a:avLst/>
+              </a:prstTxWarp>
+            </a:bodyPr>
+            <a:lstStyle/>
+            <a:p>
+              <a:pPr marL="0" marR="0" lvl="0" indent="0" defTabSz="914400" eaLnBrk="1" fontAlgn="auto" latinLnBrk="0" hangingPunct="1">
+                <a:lnSpc>
+                  <a:spcPct val="100000"/>
+                </a:lnSpc>
+                <a:spcBef>
+                  <a:spcPts val="0"/>
+                </a:spcBef>
+                <a:spcAft>
+                  <a:spcPts val="0"/>
+                </a:spcAft>
+                <a:buClrTx/>
+                <a:buSzTx/>
+                <a:buFontTx/>
+                <a:buNone/>
+                <a:tabLst/>
+                <a:defRPr/>
+              </a:pPr>
+              <a:endParaRPr kumimoji="0" lang="en-GB" sz="1800" b="0" i="0" u="none" strike="noStrike" kern="0" cap="none" spc="0" normalizeH="0" baseline="0" noProof="0">
+                <a:ln>
+                  <a:noFill/>
+                </a:ln>
+                <a:solidFill>
+                  <a:srgbClr val="000000"/>
+                </a:solidFill>
+                <a:effectLst/>
+                <a:uLnTx/>
+                <a:uFillTx/>
+              </a:endParaRPr>
+            </a:p>
+          </p:txBody>
+        </p:sp>
+        <p:sp>
+          <p:nvSpPr>
+            <p:cNvPr id="24" name="Rectangle 8"/>
+            <p:cNvSpPr>
+              <a:spLocks noChangeArrowheads="1"/>
+            </p:cNvSpPr>
+            <p:nvPr userDrawn="1"/>
+          </p:nvSpPr>
+          <p:spPr bwMode="auto">
+            <a:xfrm>
+              <a:off x="-40" y="2508"/>
+              <a:ext cx="756" cy="377"/>
+            </a:xfrm>
+            <a:prstGeom prst="rect">
+              <a:avLst/>
+            </a:prstGeom>
+            <a:grpFill/>
+            <a:ln w="9525">
+              <a:noFill/>
+              <a:miter lim="800000"/>
+              <a:headEnd/>
+              <a:tailEnd/>
+            </a:ln>
+          </p:spPr>
+          <p:txBody>
+            <a:bodyPr vert="horz" wrap="square" lIns="91440" tIns="45720" rIns="91440" bIns="45720" numCol="1" anchor="t" anchorCtr="0" compatLnSpc="1">
+              <a:prstTxWarp prst="textNoShape">
+                <a:avLst/>
+              </a:prstTxWarp>
+            </a:bodyPr>
+            <a:lstStyle/>
+            <a:p>
+              <a:pPr marL="0" marR="0" lvl="0" indent="0" defTabSz="914400" eaLnBrk="1" fontAlgn="auto" latinLnBrk="0" hangingPunct="1">
+                <a:lnSpc>
+                  <a:spcPct val="100000"/>
+                </a:lnSpc>
+                <a:spcBef>
+                  <a:spcPts val="0"/>
+                </a:spcBef>
+                <a:spcAft>
+                  <a:spcPts val="0"/>
+                </a:spcAft>
+                <a:buClrTx/>
+                <a:buSzTx/>
+                <a:buFontTx/>
+                <a:buNone/>
+                <a:tabLst/>
+                <a:defRPr/>
+              </a:pPr>
+              <a:endParaRPr kumimoji="0" lang="en-GB" sz="1800" b="0" i="0" u="none" strike="noStrike" kern="0" cap="none" spc="0" normalizeH="0" baseline="0" noProof="0">
+                <a:ln>
+                  <a:noFill/>
+                </a:ln>
+                <a:solidFill>
+                  <a:srgbClr val="000000"/>
+                </a:solidFill>
+                <a:effectLst/>
+                <a:uLnTx/>
+                <a:uFillTx/>
+              </a:endParaRPr>
+            </a:p>
+          </p:txBody>
+        </p:sp>
+      </p:grpSp>
+      <p:sp>
+        <p:nvSpPr>
+          <p:cNvPr id="26" name="Text Placeholder 25"/>
+          <p:cNvSpPr>
+            <a:spLocks noGrp="1"/>
+          </p:cNvSpPr>
+          <p:nvPr>
+            <p:ph type="body" sz="quarter" idx="11" hasCustomPrompt="1"/>
+          </p:nvPr>
+        </p:nvSpPr>
+        <p:spPr>
+          <a:xfrm>
+            <a:off x="250825" y="873125"/>
+            <a:ext cx="8642350" cy="5076825"/>
+          </a:xfrm>
+          <a:prstGeom prst="rect">
+            <a:avLst/>
+          </a:prstGeom>
+        </p:spPr>
+        <p:txBody>
+          <a:bodyPr>
+            <a:normAutofit/>
+          </a:bodyPr>
+          <a:lstStyle>
+            <a:lvl1pPr algn="ctr">
+              <a:buNone/>
+              <a:defRPr lang="en-GB" sz="1800" kern="1200" baseline="0" dirty="0" smtClean="0">
+                <a:solidFill>
+                  <a:schemeClr val="tx1">
+                    <a:lumMod val="65000"/>
+                    <a:lumOff val="35000"/>
+                  </a:schemeClr>
+                </a:solidFill>
+                <a:latin typeface="Arial" pitchFamily="34" charset="0"/>
+                <a:ea typeface="+mn-ea"/>
+                <a:cs typeface="Arial" pitchFamily="34" charset="0"/>
+              </a:defRPr>
+            </a:lvl1pPr>
+            <a:lvl2pPr>
+              <a:defRPr sz="1800">
+                <a:solidFill>
+                  <a:schemeClr val="tx1"/>
+                </a:solidFill>
+                <a:latin typeface="Arial" pitchFamily="34" charset="0"/>
+                <a:cs typeface="Arial" pitchFamily="34" charset="0"/>
+              </a:defRPr>
+            </a:lvl2pPr>
+            <a:lvl3pPr>
+              <a:defRPr sz="1800">
+                <a:solidFill>
+                  <a:schemeClr val="tx1"/>
+                </a:solidFill>
+                <a:latin typeface="Arial" pitchFamily="34" charset="0"/>
+                <a:cs typeface="Arial" pitchFamily="34" charset="0"/>
+              </a:defRPr>
+            </a:lvl3pPr>
+            <a:lvl4pPr>
+              <a:defRPr sz="1800">
+                <a:solidFill>
+                  <a:schemeClr val="tx1"/>
+                </a:solidFill>
+                <a:latin typeface="Arial" pitchFamily="34" charset="0"/>
+                <a:cs typeface="Arial" pitchFamily="34" charset="0"/>
+              </a:defRPr>
+            </a:lvl4pPr>
+            <a:lvl5pPr>
+              <a:defRPr sz="1800">
+                <a:solidFill>
+                  <a:schemeClr val="tx1"/>
+                </a:solidFill>
+                <a:latin typeface="Arial" pitchFamily="34" charset="0"/>
+                <a:cs typeface="Arial" pitchFamily="34" charset="0"/>
+              </a:defRPr>
+            </a:lvl5pPr>
+          </a:lstStyle>
+          <a:p>
+            <a:pPr lvl="0"/>
+            <a:r>
+              <a:rPr lang="en-US" dirty="0"/>
+              <a:t>&lt;Insert Briefing text&gt;</a:t>
+            </a:r>
+            <a:endParaRPr lang="en-GB" dirty="0"/>
+          </a:p>
+        </p:txBody>
+      </p:sp>
+    </p:spTree>
+  </p:cSld>
+  <p:clrMapOvr>
+    <a:masterClrMapping/>
+  </p:clrMapOvr>
+</p:sldLayout>
+</file>
+
+<file path=ppt/slideLayouts/slideLayout20.xml><?xml version="1.0" encoding="utf-8"?>
 <p:sldLayout xmlns:a="http://schemas.openxmlformats.org/drawingml/2006/main" xmlns:r="http://schemas.openxmlformats.org/officeDocument/2006/relationships" xmlns:p="http://schemas.openxmlformats.org/presentationml/2006/main" preserve="1">
   <p:cSld name="Title with Image Light">
     <p:spTree>
@@ -16150,7 +16150,7 @@
 </p:sldLayout>
 </file>
 
-<file path=ppt/slideLayouts/slideLayout22.xml><?xml version="1.0" encoding="utf-8"?>
+<file path=ppt/slideLayouts/slideLayout21.xml><?xml version="1.0" encoding="utf-8"?>
 <p:sldLayout xmlns:a="http://schemas.openxmlformats.org/drawingml/2006/main" xmlns:r="http://schemas.openxmlformats.org/officeDocument/2006/relationships" xmlns:p="http://schemas.openxmlformats.org/presentationml/2006/main" preserve="1">
   <p:cSld name="Title with Image Dark">
     <p:spTree>
@@ -19154,7 +19154,7 @@
 </p:sldLayout>
 </file>
 
-<file path=ppt/slideLayouts/slideLayout23.xml><?xml version="1.0" encoding="utf-8"?>
+<file path=ppt/slideLayouts/slideLayout22.xml><?xml version="1.0" encoding="utf-8"?>
 <p:sldLayout xmlns:a="http://schemas.openxmlformats.org/drawingml/2006/main" xmlns:r="http://schemas.openxmlformats.org/officeDocument/2006/relationships" xmlns:p="http://schemas.openxmlformats.org/presentationml/2006/main" preserve="1">
   <p:cSld name="Title with Half Pattern">
     <p:spTree>
@@ -22150,7 +22150,7 @@
 </p:sldLayout>
 </file>
 
-<file path=ppt/slideLayouts/slideLayout24.xml><?xml version="1.0" encoding="utf-8"?>
+<file path=ppt/slideLayouts/slideLayout23.xml><?xml version="1.0" encoding="utf-8"?>
 <p:sldLayout xmlns:a="http://schemas.openxmlformats.org/drawingml/2006/main" xmlns:r="http://schemas.openxmlformats.org/officeDocument/2006/relationships" xmlns:p="http://schemas.openxmlformats.org/presentationml/2006/main" preserve="1">
   <p:cSld name="Title with Half Image">
     <p:spTree>
@@ -25154,7 +25154,7 @@
 </p:sldLayout>
 </file>
 
-<file path=ppt/slideLayouts/slideLayout25.xml><?xml version="1.0" encoding="utf-8"?>
+<file path=ppt/slideLayouts/slideLayout24.xml><?xml version="1.0" encoding="utf-8"?>
 <p:sldLayout xmlns:a="http://schemas.openxmlformats.org/drawingml/2006/main" xmlns:r="http://schemas.openxmlformats.org/officeDocument/2006/relationships" xmlns:p="http://schemas.openxmlformats.org/presentationml/2006/main" preserve="1">
   <p:cSld name="Blank Light Grey">
     <p:spTree>
@@ -25605,7 +25605,7 @@
 </p:sldLayout>
 </file>
 
-<file path=ppt/slideLayouts/slideLayout26.xml><?xml version="1.0" encoding="utf-8"?>
+<file path=ppt/slideLayouts/slideLayout25.xml><?xml version="1.0" encoding="utf-8"?>
 <p:sldLayout xmlns:a="http://schemas.openxmlformats.org/drawingml/2006/main" xmlns:r="http://schemas.openxmlformats.org/officeDocument/2006/relationships" xmlns:p="http://schemas.openxmlformats.org/presentationml/2006/main" preserve="1">
   <p:cSld name="Blank Dark Grey">
     <p:spTree>
@@ -26054,7 +26054,7 @@
 </p:sldLayout>
 </file>
 
-<file path=ppt/slideLayouts/slideLayout27.xml><?xml version="1.0" encoding="utf-8"?>
+<file path=ppt/slideLayouts/slideLayout26.xml><?xml version="1.0" encoding="utf-8"?>
 <p:sldLayout xmlns:a="http://schemas.openxmlformats.org/drawingml/2006/main" xmlns:r="http://schemas.openxmlformats.org/officeDocument/2006/relationships" xmlns:p="http://schemas.openxmlformats.org/presentationml/2006/main" preserve="1">
   <p:cSld name="Blank Cyan">
     <p:spTree>
@@ -26507,7 +26507,7 @@
 </p:sldLayout>
 </file>
 
-<file path=ppt/slideLayouts/slideLayout28.xml><?xml version="1.0" encoding="utf-8"?>
+<file path=ppt/slideLayouts/slideLayout27.xml><?xml version="1.0" encoding="utf-8"?>
 <p:sldLayout xmlns:a="http://schemas.openxmlformats.org/drawingml/2006/main" xmlns:r="http://schemas.openxmlformats.org/officeDocument/2006/relationships" xmlns:p="http://schemas.openxmlformats.org/presentationml/2006/main" preserve="1">
   <p:cSld name="Intelligence Slide">
     <p:spTree>
@@ -27096,7 +27096,7 @@
 </p:sldLayout>
 </file>
 
-<file path=ppt/slideLayouts/slideLayout29.xml><?xml version="1.0" encoding="utf-8"?>
+<file path=ppt/slideLayouts/slideLayout28.xml><?xml version="1.0" encoding="utf-8"?>
 <p:sldLayout xmlns:a="http://schemas.openxmlformats.org/drawingml/2006/main" xmlns:r="http://schemas.openxmlformats.org/officeDocument/2006/relationships" xmlns:p="http://schemas.openxmlformats.org/presentationml/2006/main" preserve="1">
   <p:cSld name="End Slide">
     <p:spTree>
@@ -30031,6 +30031,461 @@
 </p:sldLayout>
 </file>
 
+<file path=ppt/slideLayouts/slideLayout29.xml><?xml version="1.0" encoding="utf-8"?>
+<p:sldLayout xmlns:a="http://schemas.openxmlformats.org/drawingml/2006/main" xmlns:r="http://schemas.openxmlformats.org/officeDocument/2006/relationships" xmlns:p="http://schemas.openxmlformats.org/presentationml/2006/main" preserve="1">
+  <p:cSld name="Pattern Cyan">
+    <p:spTree>
+      <p:nvGrpSpPr>
+        <p:cNvPr id="1" name=""/>
+        <p:cNvGrpSpPr/>
+        <p:nvPr/>
+      </p:nvGrpSpPr>
+      <p:grpSpPr>
+        <a:xfrm>
+          <a:off x="0" y="0"/>
+          <a:ext cx="0" cy="0"/>
+          <a:chOff x="0" y="0"/>
+          <a:chExt cx="0" cy="0"/>
+        </a:xfrm>
+      </p:grpSpPr>
+      <p:sp>
+        <p:nvSpPr>
+          <p:cNvPr id="11" name="Rectangle 10"/>
+          <p:cNvSpPr/>
+          <p:nvPr/>
+        </p:nvSpPr>
+        <p:spPr>
+          <a:xfrm>
+            <a:off x="0" y="0"/>
+            <a:ext cx="9144000" cy="6858000"/>
+          </a:xfrm>
+          <a:prstGeom prst="rect">
+            <a:avLst/>
+          </a:prstGeom>
+          <a:blipFill dpi="0" rotWithShape="1">
+            <a:blip r:embed="rId2" cstate="print"/>
+            <a:srcRect/>
+            <a:tile tx="0" ty="0" sx="86000" sy="86000" flip="none" algn="tl"/>
+          </a:blipFill>
+          <a:ln>
+            <a:noFill/>
+          </a:ln>
+          <a:effectLst/>
+        </p:spPr>
+        <p:style>
+          <a:lnRef idx="1">
+            <a:schemeClr val="accent1"/>
+          </a:lnRef>
+          <a:fillRef idx="3">
+            <a:schemeClr val="accent1"/>
+          </a:fillRef>
+          <a:effectRef idx="2">
+            <a:schemeClr val="accent1"/>
+          </a:effectRef>
+          <a:fontRef idx="minor">
+            <a:schemeClr val="lt1"/>
+          </a:fontRef>
+        </p:style>
+        <p:txBody>
+          <a:bodyPr rtlCol="0" anchor="ctr"/>
+          <a:lstStyle/>
+          <a:p>
+            <a:pPr algn="ctr"/>
+            <a:endParaRPr lang="en-GB"/>
+          </a:p>
+        </p:txBody>
+      </p:sp>
+      <p:sp>
+        <p:nvSpPr>
+          <p:cNvPr id="8" name="TextBox 7"/>
+          <p:cNvSpPr txBox="1"/>
+          <p:nvPr/>
+        </p:nvSpPr>
+        <p:spPr>
+          <a:xfrm>
+            <a:off x="8662881" y="6338849"/>
+            <a:ext cx="309700" cy="194925"/>
+          </a:xfrm>
+          <a:prstGeom prst="rect">
+            <a:avLst/>
+          </a:prstGeom>
+          <a:noFill/>
+        </p:spPr>
+        <p:txBody>
+          <a:bodyPr wrap="none" rtlCol="0" anchor="ctr">
+            <a:spAutoFit/>
+          </a:bodyPr>
+          <a:lstStyle/>
+          <a:p>
+            <a:pPr algn="r">
+              <a:lnSpc>
+                <a:spcPts val="800"/>
+              </a:lnSpc>
+            </a:pPr>
+            <a:fld id="{0E0A9B4E-19F2-4E81-81C4-98D63547DE75}" type="slidenum">
+              <a:rPr lang="en-GB" sz="800" smtClean="0">
+                <a:solidFill>
+                  <a:schemeClr val="bg1"/>
+                </a:solidFill>
+                <a:latin typeface="Arial" pitchFamily="34" charset="0"/>
+                <a:cs typeface="Arial" pitchFamily="34" charset="0"/>
+              </a:rPr>
+              <a:pPr algn="r">
+                <a:lnSpc>
+                  <a:spcPts val="800"/>
+                </a:lnSpc>
+              </a:pPr>
+              <a:t>‹#›</a:t>
+            </a:fld>
+            <a:endParaRPr lang="en-GB" sz="800" dirty="0">
+              <a:solidFill>
+                <a:schemeClr val="bg1"/>
+              </a:solidFill>
+              <a:latin typeface="Arial" pitchFamily="34" charset="0"/>
+              <a:cs typeface="Arial" pitchFamily="34" charset="0"/>
+            </a:endParaRPr>
+          </a:p>
+        </p:txBody>
+      </p:sp>
+      <p:cxnSp>
+        <p:nvCxnSpPr>
+          <p:cNvPr id="10" name="Straight Connector 9"/>
+          <p:cNvCxnSpPr/>
+          <p:nvPr/>
+        </p:nvCxnSpPr>
+        <p:spPr>
+          <a:xfrm rot="5400000">
+            <a:off x="8330221" y="6547429"/>
+            <a:ext cx="619558" cy="1589"/>
+          </a:xfrm>
+          <a:prstGeom prst="line">
+            <a:avLst/>
+          </a:prstGeom>
+          <a:ln w="19050">
+            <a:solidFill>
+              <a:schemeClr val="bg1"/>
+            </a:solidFill>
+          </a:ln>
+          <a:effectLst/>
+        </p:spPr>
+        <p:style>
+          <a:lnRef idx="2">
+            <a:schemeClr val="accent1"/>
+          </a:lnRef>
+          <a:fillRef idx="0">
+            <a:schemeClr val="accent1"/>
+          </a:fillRef>
+          <a:effectRef idx="1">
+            <a:schemeClr val="accent1"/>
+          </a:effectRef>
+          <a:fontRef idx="minor">
+            <a:schemeClr val="tx1"/>
+          </a:fontRef>
+        </p:style>
+      </p:cxnSp>
+      <p:sp>
+        <p:nvSpPr>
+          <p:cNvPr id="15" name="Text Placeholder 14"/>
+          <p:cNvSpPr>
+            <a:spLocks noGrp="1"/>
+          </p:cNvSpPr>
+          <p:nvPr>
+            <p:ph type="body" sz="quarter" idx="10" hasCustomPrompt="1"/>
+          </p:nvPr>
+        </p:nvSpPr>
+        <p:spPr>
+          <a:xfrm>
+            <a:off x="684213" y="6338849"/>
+            <a:ext cx="7929834" cy="194925"/>
+          </a:xfrm>
+          <a:prstGeom prst="rect">
+            <a:avLst/>
+          </a:prstGeom>
+        </p:spPr>
+        <p:txBody>
+          <a:bodyPr anchor="ctr">
+            <a:noAutofit/>
+          </a:bodyPr>
+          <a:lstStyle>
+            <a:lvl1pPr marL="0" marR="0" indent="0" algn="r" defTabSz="457200" rtl="0" eaLnBrk="1" fontAlgn="auto" latinLnBrk="0" hangingPunct="1">
+              <a:lnSpc>
+                <a:spcPts val="800"/>
+              </a:lnSpc>
+              <a:spcBef>
+                <a:spcPts val="0"/>
+              </a:spcBef>
+              <a:spcAft>
+                <a:spcPts val="0"/>
+              </a:spcAft>
+              <a:buClrTx/>
+              <a:buSzTx/>
+              <a:buFont typeface="Arial"/>
+              <a:buNone/>
+              <a:tabLst/>
+              <a:defRPr sz="800" baseline="0">
+                <a:solidFill>
+                  <a:schemeClr val="bg1"/>
+                </a:solidFill>
+              </a:defRPr>
+            </a:lvl1pPr>
+          </a:lstStyle>
+          <a:p>
+            <a:pPr lvl="0"/>
+            <a:r>
+              <a:rPr lang="en-GB" dirty="0" smtClean="0"/>
+              <a:t>Insert source/photo credit here</a:t>
+            </a:r>
+          </a:p>
+        </p:txBody>
+      </p:sp>
+      <p:grpSp>
+        <p:nvGrpSpPr>
+          <p:cNvPr id="2" name="Group 5"/>
+          <p:cNvGrpSpPr>
+            <a:grpSpLocks noChangeAspect="1"/>
+          </p:cNvGrpSpPr>
+          <p:nvPr/>
+        </p:nvGrpSpPr>
+        <p:grpSpPr bwMode="auto">
+          <a:xfrm>
+            <a:off x="250826" y="6236525"/>
+            <a:ext cx="433388" cy="361125"/>
+            <a:chOff x="-796" y="1752"/>
+            <a:chExt cx="2267" cy="1889"/>
+          </a:xfrm>
+          <a:solidFill>
+            <a:schemeClr val="bg1"/>
+          </a:solidFill>
+        </p:grpSpPr>
+        <p:sp>
+          <p:nvSpPr>
+            <p:cNvPr id="17" name="Freeform 6"/>
+            <p:cNvSpPr>
+              <a:spLocks/>
+            </p:cNvSpPr>
+            <p:nvPr userDrawn="1"/>
+          </p:nvSpPr>
+          <p:spPr bwMode="auto">
+            <a:xfrm>
+              <a:off x="-360" y="1752"/>
+              <a:ext cx="1831" cy="1889"/>
+            </a:xfrm>
+            <a:custGeom>
+              <a:avLst/>
+              <a:gdLst/>
+              <a:ahLst/>
+              <a:cxnLst>
+                <a:cxn ang="0">
+                  <a:pos x="1454" y="0"/>
+                </a:cxn>
+                <a:cxn ang="0">
+                  <a:pos x="1454" y="1511"/>
+                </a:cxn>
+                <a:cxn ang="0">
+                  <a:pos x="0" y="1511"/>
+                </a:cxn>
+                <a:cxn ang="0">
+                  <a:pos x="0" y="1889"/>
+                </a:cxn>
+                <a:cxn ang="0">
+                  <a:pos x="1831" y="1889"/>
+                </a:cxn>
+                <a:cxn ang="0">
+                  <a:pos x="1831" y="0"/>
+                </a:cxn>
+                <a:cxn ang="0">
+                  <a:pos x="1454" y="0"/>
+                </a:cxn>
+              </a:cxnLst>
+              <a:rect l="0" t="0" r="r" b="b"/>
+              <a:pathLst>
+                <a:path w="1831" h="1889">
+                  <a:moveTo>
+                    <a:pt x="1454" y="0"/>
+                  </a:moveTo>
+                  <a:lnTo>
+                    <a:pt x="1454" y="1511"/>
+                  </a:lnTo>
+                  <a:lnTo>
+                    <a:pt x="0" y="1511"/>
+                  </a:lnTo>
+                  <a:lnTo>
+                    <a:pt x="0" y="1889"/>
+                  </a:lnTo>
+                  <a:lnTo>
+                    <a:pt x="1831" y="1889"/>
+                  </a:lnTo>
+                  <a:lnTo>
+                    <a:pt x="1831" y="0"/>
+                  </a:lnTo>
+                  <a:lnTo>
+                    <a:pt x="1454" y="0"/>
+                  </a:lnTo>
+                  <a:close/>
+                </a:path>
+              </a:pathLst>
+            </a:custGeom>
+            <a:grpFill/>
+            <a:ln w="9525">
+              <a:noFill/>
+              <a:round/>
+              <a:headEnd/>
+              <a:tailEnd/>
+            </a:ln>
+          </p:spPr>
+          <p:txBody>
+            <a:bodyPr vert="horz" wrap="square" lIns="91440" tIns="45720" rIns="91440" bIns="45720" numCol="1" anchor="t" anchorCtr="0" compatLnSpc="1">
+              <a:prstTxWarp prst="textNoShape">
+                <a:avLst/>
+              </a:prstTxWarp>
+            </a:bodyPr>
+            <a:lstStyle/>
+            <a:p>
+              <a:endParaRPr lang="en-GB"/>
+            </a:p>
+          </p:txBody>
+        </p:sp>
+        <p:sp>
+          <p:nvSpPr>
+            <p:cNvPr id="18" name="Freeform 7"/>
+            <p:cNvSpPr>
+              <a:spLocks/>
+            </p:cNvSpPr>
+            <p:nvPr userDrawn="1"/>
+          </p:nvSpPr>
+          <p:spPr bwMode="auto">
+            <a:xfrm>
+              <a:off x="-796" y="1752"/>
+              <a:ext cx="1832" cy="1889"/>
+            </a:xfrm>
+            <a:custGeom>
+              <a:avLst/>
+              <a:gdLst/>
+              <a:ahLst/>
+              <a:cxnLst>
+                <a:cxn ang="0">
+                  <a:pos x="1832" y="378"/>
+                </a:cxn>
+                <a:cxn ang="0">
+                  <a:pos x="1832" y="0"/>
+                </a:cxn>
+                <a:cxn ang="0">
+                  <a:pos x="0" y="0"/>
+                </a:cxn>
+                <a:cxn ang="0">
+                  <a:pos x="0" y="1889"/>
+                </a:cxn>
+                <a:cxn ang="0">
+                  <a:pos x="378" y="1889"/>
+                </a:cxn>
+                <a:cxn ang="0">
+                  <a:pos x="378" y="378"/>
+                </a:cxn>
+                <a:cxn ang="0">
+                  <a:pos x="1832" y="378"/>
+                </a:cxn>
+              </a:cxnLst>
+              <a:rect l="0" t="0" r="r" b="b"/>
+              <a:pathLst>
+                <a:path w="1832" h="1889">
+                  <a:moveTo>
+                    <a:pt x="1832" y="378"/>
+                  </a:moveTo>
+                  <a:lnTo>
+                    <a:pt x="1832" y="0"/>
+                  </a:lnTo>
+                  <a:lnTo>
+                    <a:pt x="0" y="0"/>
+                  </a:lnTo>
+                  <a:lnTo>
+                    <a:pt x="0" y="1889"/>
+                  </a:lnTo>
+                  <a:lnTo>
+                    <a:pt x="378" y="1889"/>
+                  </a:lnTo>
+                  <a:lnTo>
+                    <a:pt x="378" y="378"/>
+                  </a:lnTo>
+                  <a:lnTo>
+                    <a:pt x="1832" y="378"/>
+                  </a:lnTo>
+                  <a:close/>
+                </a:path>
+              </a:pathLst>
+            </a:custGeom>
+            <a:grpFill/>
+            <a:ln w="9525">
+              <a:noFill/>
+              <a:round/>
+              <a:headEnd/>
+              <a:tailEnd/>
+            </a:ln>
+          </p:spPr>
+          <p:txBody>
+            <a:bodyPr vert="horz" wrap="square" lIns="91440" tIns="45720" rIns="91440" bIns="45720" numCol="1" anchor="t" anchorCtr="0" compatLnSpc="1">
+              <a:prstTxWarp prst="textNoShape">
+                <a:avLst/>
+              </a:prstTxWarp>
+            </a:bodyPr>
+            <a:lstStyle/>
+            <a:p>
+              <a:endParaRPr lang="en-GB"/>
+            </a:p>
+          </p:txBody>
+        </p:sp>
+        <p:sp>
+          <p:nvSpPr>
+            <p:cNvPr id="19" name="Rectangle 8"/>
+            <p:cNvSpPr>
+              <a:spLocks noChangeArrowheads="1"/>
+            </p:cNvSpPr>
+            <p:nvPr userDrawn="1"/>
+          </p:nvSpPr>
+          <p:spPr bwMode="auto">
+            <a:xfrm>
+              <a:off x="-40" y="2508"/>
+              <a:ext cx="756" cy="377"/>
+            </a:xfrm>
+            <a:prstGeom prst="rect">
+              <a:avLst/>
+            </a:prstGeom>
+            <a:grpFill/>
+            <a:ln w="9525">
+              <a:noFill/>
+              <a:miter lim="800000"/>
+              <a:headEnd/>
+              <a:tailEnd/>
+            </a:ln>
+          </p:spPr>
+          <p:txBody>
+            <a:bodyPr vert="horz" wrap="square" lIns="91440" tIns="45720" rIns="91440" bIns="45720" numCol="1" anchor="t" anchorCtr="0" compatLnSpc="1">
+              <a:prstTxWarp prst="textNoShape">
+                <a:avLst/>
+              </a:prstTxWarp>
+            </a:bodyPr>
+            <a:lstStyle/>
+            <a:p>
+              <a:endParaRPr lang="en-GB"/>
+            </a:p>
+          </p:txBody>
+        </p:sp>
+      </p:grpSp>
+    </p:spTree>
+  </p:cSld>
+  <p:clrMapOvr>
+    <a:masterClrMapping/>
+  </p:clrMapOvr>
+  <p:transition/>
+  <p:timing>
+    <p:tnLst>
+      <p:par>
+        <p:cTn id="1" dur="indefinite" restart="never" nodeType="tmRoot"/>
+      </p:par>
+    </p:tnLst>
+  </p:timing>
+</p:sldLayout>
+</file>
+
 <file path=ppt/slideLayouts/slideLayout3.xml><?xml version="1.0" encoding="utf-8"?>
 <p:sldLayout xmlns:a="http://schemas.openxmlformats.org/drawingml/2006/main" xmlns:r="http://schemas.openxmlformats.org/officeDocument/2006/relationships" xmlns:p="http://schemas.openxmlformats.org/presentationml/2006/main" preserve="1" userDrawn="1">
   <p:cSld name="Global differences">
@@ -30713,461 +31168,6 @@
 </file>
 
 <file path=ppt/slideLayouts/slideLayout30.xml><?xml version="1.0" encoding="utf-8"?>
-<p:sldLayout xmlns:a="http://schemas.openxmlformats.org/drawingml/2006/main" xmlns:r="http://schemas.openxmlformats.org/officeDocument/2006/relationships" xmlns:p="http://schemas.openxmlformats.org/presentationml/2006/main" preserve="1">
-  <p:cSld name="Pattern Cyan">
-    <p:spTree>
-      <p:nvGrpSpPr>
-        <p:cNvPr id="1" name=""/>
-        <p:cNvGrpSpPr/>
-        <p:nvPr/>
-      </p:nvGrpSpPr>
-      <p:grpSpPr>
-        <a:xfrm>
-          <a:off x="0" y="0"/>
-          <a:ext cx="0" cy="0"/>
-          <a:chOff x="0" y="0"/>
-          <a:chExt cx="0" cy="0"/>
-        </a:xfrm>
-      </p:grpSpPr>
-      <p:sp>
-        <p:nvSpPr>
-          <p:cNvPr id="11" name="Rectangle 10"/>
-          <p:cNvSpPr/>
-          <p:nvPr/>
-        </p:nvSpPr>
-        <p:spPr>
-          <a:xfrm>
-            <a:off x="0" y="0"/>
-            <a:ext cx="9144000" cy="6858000"/>
-          </a:xfrm>
-          <a:prstGeom prst="rect">
-            <a:avLst/>
-          </a:prstGeom>
-          <a:blipFill dpi="0" rotWithShape="1">
-            <a:blip r:embed="rId2" cstate="print"/>
-            <a:srcRect/>
-            <a:tile tx="0" ty="0" sx="86000" sy="86000" flip="none" algn="tl"/>
-          </a:blipFill>
-          <a:ln>
-            <a:noFill/>
-          </a:ln>
-          <a:effectLst/>
-        </p:spPr>
-        <p:style>
-          <a:lnRef idx="1">
-            <a:schemeClr val="accent1"/>
-          </a:lnRef>
-          <a:fillRef idx="3">
-            <a:schemeClr val="accent1"/>
-          </a:fillRef>
-          <a:effectRef idx="2">
-            <a:schemeClr val="accent1"/>
-          </a:effectRef>
-          <a:fontRef idx="minor">
-            <a:schemeClr val="lt1"/>
-          </a:fontRef>
-        </p:style>
-        <p:txBody>
-          <a:bodyPr rtlCol="0" anchor="ctr"/>
-          <a:lstStyle/>
-          <a:p>
-            <a:pPr algn="ctr"/>
-            <a:endParaRPr lang="en-GB"/>
-          </a:p>
-        </p:txBody>
-      </p:sp>
-      <p:sp>
-        <p:nvSpPr>
-          <p:cNvPr id="8" name="TextBox 7"/>
-          <p:cNvSpPr txBox="1"/>
-          <p:nvPr/>
-        </p:nvSpPr>
-        <p:spPr>
-          <a:xfrm>
-            <a:off x="8662881" y="6338849"/>
-            <a:ext cx="309700" cy="194925"/>
-          </a:xfrm>
-          <a:prstGeom prst="rect">
-            <a:avLst/>
-          </a:prstGeom>
-          <a:noFill/>
-        </p:spPr>
-        <p:txBody>
-          <a:bodyPr wrap="none" rtlCol="0" anchor="ctr">
-            <a:spAutoFit/>
-          </a:bodyPr>
-          <a:lstStyle/>
-          <a:p>
-            <a:pPr algn="r">
-              <a:lnSpc>
-                <a:spcPts val="800"/>
-              </a:lnSpc>
-            </a:pPr>
-            <a:fld id="{0E0A9B4E-19F2-4E81-81C4-98D63547DE75}" type="slidenum">
-              <a:rPr lang="en-GB" sz="800" smtClean="0">
-                <a:solidFill>
-                  <a:schemeClr val="bg1"/>
-                </a:solidFill>
-                <a:latin typeface="Arial" pitchFamily="34" charset="0"/>
-                <a:cs typeface="Arial" pitchFamily="34" charset="0"/>
-              </a:rPr>
-              <a:pPr algn="r">
-                <a:lnSpc>
-                  <a:spcPts val="800"/>
-                </a:lnSpc>
-              </a:pPr>
-              <a:t>‹#›</a:t>
-            </a:fld>
-            <a:endParaRPr lang="en-GB" sz="800" dirty="0">
-              <a:solidFill>
-                <a:schemeClr val="bg1"/>
-              </a:solidFill>
-              <a:latin typeface="Arial" pitchFamily="34" charset="0"/>
-              <a:cs typeface="Arial" pitchFamily="34" charset="0"/>
-            </a:endParaRPr>
-          </a:p>
-        </p:txBody>
-      </p:sp>
-      <p:cxnSp>
-        <p:nvCxnSpPr>
-          <p:cNvPr id="10" name="Straight Connector 9"/>
-          <p:cNvCxnSpPr/>
-          <p:nvPr/>
-        </p:nvCxnSpPr>
-        <p:spPr>
-          <a:xfrm rot="5400000">
-            <a:off x="8330221" y="6547429"/>
-            <a:ext cx="619558" cy="1589"/>
-          </a:xfrm>
-          <a:prstGeom prst="line">
-            <a:avLst/>
-          </a:prstGeom>
-          <a:ln w="19050">
-            <a:solidFill>
-              <a:schemeClr val="bg1"/>
-            </a:solidFill>
-          </a:ln>
-          <a:effectLst/>
-        </p:spPr>
-        <p:style>
-          <a:lnRef idx="2">
-            <a:schemeClr val="accent1"/>
-          </a:lnRef>
-          <a:fillRef idx="0">
-            <a:schemeClr val="accent1"/>
-          </a:fillRef>
-          <a:effectRef idx="1">
-            <a:schemeClr val="accent1"/>
-          </a:effectRef>
-          <a:fontRef idx="minor">
-            <a:schemeClr val="tx1"/>
-          </a:fontRef>
-        </p:style>
-      </p:cxnSp>
-      <p:sp>
-        <p:nvSpPr>
-          <p:cNvPr id="15" name="Text Placeholder 14"/>
-          <p:cNvSpPr>
-            <a:spLocks noGrp="1"/>
-          </p:cNvSpPr>
-          <p:nvPr>
-            <p:ph type="body" sz="quarter" idx="10" hasCustomPrompt="1"/>
-          </p:nvPr>
-        </p:nvSpPr>
-        <p:spPr>
-          <a:xfrm>
-            <a:off x="684213" y="6338849"/>
-            <a:ext cx="7929834" cy="194925"/>
-          </a:xfrm>
-          <a:prstGeom prst="rect">
-            <a:avLst/>
-          </a:prstGeom>
-        </p:spPr>
-        <p:txBody>
-          <a:bodyPr anchor="ctr">
-            <a:noAutofit/>
-          </a:bodyPr>
-          <a:lstStyle>
-            <a:lvl1pPr marL="0" marR="0" indent="0" algn="r" defTabSz="457200" rtl="0" eaLnBrk="1" fontAlgn="auto" latinLnBrk="0" hangingPunct="1">
-              <a:lnSpc>
-                <a:spcPts val="800"/>
-              </a:lnSpc>
-              <a:spcBef>
-                <a:spcPts val="0"/>
-              </a:spcBef>
-              <a:spcAft>
-                <a:spcPts val="0"/>
-              </a:spcAft>
-              <a:buClrTx/>
-              <a:buSzTx/>
-              <a:buFont typeface="Arial"/>
-              <a:buNone/>
-              <a:tabLst/>
-              <a:defRPr sz="800" baseline="0">
-                <a:solidFill>
-                  <a:schemeClr val="bg1"/>
-                </a:solidFill>
-              </a:defRPr>
-            </a:lvl1pPr>
-          </a:lstStyle>
-          <a:p>
-            <a:pPr lvl="0"/>
-            <a:r>
-              <a:rPr lang="en-GB" dirty="0" smtClean="0"/>
-              <a:t>Insert source/photo credit here</a:t>
-            </a:r>
-          </a:p>
-        </p:txBody>
-      </p:sp>
-      <p:grpSp>
-        <p:nvGrpSpPr>
-          <p:cNvPr id="2" name="Group 5"/>
-          <p:cNvGrpSpPr>
-            <a:grpSpLocks noChangeAspect="1"/>
-          </p:cNvGrpSpPr>
-          <p:nvPr/>
-        </p:nvGrpSpPr>
-        <p:grpSpPr bwMode="auto">
-          <a:xfrm>
-            <a:off x="250826" y="6236525"/>
-            <a:ext cx="433388" cy="361125"/>
-            <a:chOff x="-796" y="1752"/>
-            <a:chExt cx="2267" cy="1889"/>
-          </a:xfrm>
-          <a:solidFill>
-            <a:schemeClr val="bg1"/>
-          </a:solidFill>
-        </p:grpSpPr>
-        <p:sp>
-          <p:nvSpPr>
-            <p:cNvPr id="17" name="Freeform 6"/>
-            <p:cNvSpPr>
-              <a:spLocks/>
-            </p:cNvSpPr>
-            <p:nvPr userDrawn="1"/>
-          </p:nvSpPr>
-          <p:spPr bwMode="auto">
-            <a:xfrm>
-              <a:off x="-360" y="1752"/>
-              <a:ext cx="1831" cy="1889"/>
-            </a:xfrm>
-            <a:custGeom>
-              <a:avLst/>
-              <a:gdLst/>
-              <a:ahLst/>
-              <a:cxnLst>
-                <a:cxn ang="0">
-                  <a:pos x="1454" y="0"/>
-                </a:cxn>
-                <a:cxn ang="0">
-                  <a:pos x="1454" y="1511"/>
-                </a:cxn>
-                <a:cxn ang="0">
-                  <a:pos x="0" y="1511"/>
-                </a:cxn>
-                <a:cxn ang="0">
-                  <a:pos x="0" y="1889"/>
-                </a:cxn>
-                <a:cxn ang="0">
-                  <a:pos x="1831" y="1889"/>
-                </a:cxn>
-                <a:cxn ang="0">
-                  <a:pos x="1831" y="0"/>
-                </a:cxn>
-                <a:cxn ang="0">
-                  <a:pos x="1454" y="0"/>
-                </a:cxn>
-              </a:cxnLst>
-              <a:rect l="0" t="0" r="r" b="b"/>
-              <a:pathLst>
-                <a:path w="1831" h="1889">
-                  <a:moveTo>
-                    <a:pt x="1454" y="0"/>
-                  </a:moveTo>
-                  <a:lnTo>
-                    <a:pt x="1454" y="1511"/>
-                  </a:lnTo>
-                  <a:lnTo>
-                    <a:pt x="0" y="1511"/>
-                  </a:lnTo>
-                  <a:lnTo>
-                    <a:pt x="0" y="1889"/>
-                  </a:lnTo>
-                  <a:lnTo>
-                    <a:pt x="1831" y="1889"/>
-                  </a:lnTo>
-                  <a:lnTo>
-                    <a:pt x="1831" y="0"/>
-                  </a:lnTo>
-                  <a:lnTo>
-                    <a:pt x="1454" y="0"/>
-                  </a:lnTo>
-                  <a:close/>
-                </a:path>
-              </a:pathLst>
-            </a:custGeom>
-            <a:grpFill/>
-            <a:ln w="9525">
-              <a:noFill/>
-              <a:round/>
-              <a:headEnd/>
-              <a:tailEnd/>
-            </a:ln>
-          </p:spPr>
-          <p:txBody>
-            <a:bodyPr vert="horz" wrap="square" lIns="91440" tIns="45720" rIns="91440" bIns="45720" numCol="1" anchor="t" anchorCtr="0" compatLnSpc="1">
-              <a:prstTxWarp prst="textNoShape">
-                <a:avLst/>
-              </a:prstTxWarp>
-            </a:bodyPr>
-            <a:lstStyle/>
-            <a:p>
-              <a:endParaRPr lang="en-GB"/>
-            </a:p>
-          </p:txBody>
-        </p:sp>
-        <p:sp>
-          <p:nvSpPr>
-            <p:cNvPr id="18" name="Freeform 7"/>
-            <p:cNvSpPr>
-              <a:spLocks/>
-            </p:cNvSpPr>
-            <p:nvPr userDrawn="1"/>
-          </p:nvSpPr>
-          <p:spPr bwMode="auto">
-            <a:xfrm>
-              <a:off x="-796" y="1752"/>
-              <a:ext cx="1832" cy="1889"/>
-            </a:xfrm>
-            <a:custGeom>
-              <a:avLst/>
-              <a:gdLst/>
-              <a:ahLst/>
-              <a:cxnLst>
-                <a:cxn ang="0">
-                  <a:pos x="1832" y="378"/>
-                </a:cxn>
-                <a:cxn ang="0">
-                  <a:pos x="1832" y="0"/>
-                </a:cxn>
-                <a:cxn ang="0">
-                  <a:pos x="0" y="0"/>
-                </a:cxn>
-                <a:cxn ang="0">
-                  <a:pos x="0" y="1889"/>
-                </a:cxn>
-                <a:cxn ang="0">
-                  <a:pos x="378" y="1889"/>
-                </a:cxn>
-                <a:cxn ang="0">
-                  <a:pos x="378" y="378"/>
-                </a:cxn>
-                <a:cxn ang="0">
-                  <a:pos x="1832" y="378"/>
-                </a:cxn>
-              </a:cxnLst>
-              <a:rect l="0" t="0" r="r" b="b"/>
-              <a:pathLst>
-                <a:path w="1832" h="1889">
-                  <a:moveTo>
-                    <a:pt x="1832" y="378"/>
-                  </a:moveTo>
-                  <a:lnTo>
-                    <a:pt x="1832" y="0"/>
-                  </a:lnTo>
-                  <a:lnTo>
-                    <a:pt x="0" y="0"/>
-                  </a:lnTo>
-                  <a:lnTo>
-                    <a:pt x="0" y="1889"/>
-                  </a:lnTo>
-                  <a:lnTo>
-                    <a:pt x="378" y="1889"/>
-                  </a:lnTo>
-                  <a:lnTo>
-                    <a:pt x="378" y="378"/>
-                  </a:lnTo>
-                  <a:lnTo>
-                    <a:pt x="1832" y="378"/>
-                  </a:lnTo>
-                  <a:close/>
-                </a:path>
-              </a:pathLst>
-            </a:custGeom>
-            <a:grpFill/>
-            <a:ln w="9525">
-              <a:noFill/>
-              <a:round/>
-              <a:headEnd/>
-              <a:tailEnd/>
-            </a:ln>
-          </p:spPr>
-          <p:txBody>
-            <a:bodyPr vert="horz" wrap="square" lIns="91440" tIns="45720" rIns="91440" bIns="45720" numCol="1" anchor="t" anchorCtr="0" compatLnSpc="1">
-              <a:prstTxWarp prst="textNoShape">
-                <a:avLst/>
-              </a:prstTxWarp>
-            </a:bodyPr>
-            <a:lstStyle/>
-            <a:p>
-              <a:endParaRPr lang="en-GB"/>
-            </a:p>
-          </p:txBody>
-        </p:sp>
-        <p:sp>
-          <p:nvSpPr>
-            <p:cNvPr id="19" name="Rectangle 8"/>
-            <p:cNvSpPr>
-              <a:spLocks noChangeArrowheads="1"/>
-            </p:cNvSpPr>
-            <p:nvPr userDrawn="1"/>
-          </p:nvSpPr>
-          <p:spPr bwMode="auto">
-            <a:xfrm>
-              <a:off x="-40" y="2508"/>
-              <a:ext cx="756" cy="377"/>
-            </a:xfrm>
-            <a:prstGeom prst="rect">
-              <a:avLst/>
-            </a:prstGeom>
-            <a:grpFill/>
-            <a:ln w="9525">
-              <a:noFill/>
-              <a:miter lim="800000"/>
-              <a:headEnd/>
-              <a:tailEnd/>
-            </a:ln>
-          </p:spPr>
-          <p:txBody>
-            <a:bodyPr vert="horz" wrap="square" lIns="91440" tIns="45720" rIns="91440" bIns="45720" numCol="1" anchor="t" anchorCtr="0" compatLnSpc="1">
-              <a:prstTxWarp prst="textNoShape">
-                <a:avLst/>
-              </a:prstTxWarp>
-            </a:bodyPr>
-            <a:lstStyle/>
-            <a:p>
-              <a:endParaRPr lang="en-GB"/>
-            </a:p>
-          </p:txBody>
-        </p:sp>
-      </p:grpSp>
-    </p:spTree>
-  </p:cSld>
-  <p:clrMapOvr>
-    <a:masterClrMapping/>
-  </p:clrMapOvr>
-  <p:transition/>
-  <p:timing>
-    <p:tnLst>
-      <p:par>
-        <p:cTn id="1" dur="indefinite" restart="never" nodeType="tmRoot"/>
-      </p:par>
-    </p:tnLst>
-  </p:timing>
-</p:sldLayout>
-</file>
-
-<file path=ppt/slideLayouts/slideLayout31.xml><?xml version="1.0" encoding="utf-8"?>
 <p:sldLayout xmlns:a="http://schemas.openxmlformats.org/drawingml/2006/main" xmlns:r="http://schemas.openxmlformats.org/officeDocument/2006/relationships" xmlns:p="http://schemas.openxmlformats.org/presentationml/2006/main" preserve="1">
   <p:cSld name="Trend Slide">
     <p:spTree>
@@ -31819,7 +31819,7 @@
 </p:sldLayout>
 </file>
 
-<file path=ppt/slideLayouts/slideLayout32.xml><?xml version="1.0" encoding="utf-8"?>
+<file path=ppt/slideLayouts/slideLayout31.xml><?xml version="1.0" encoding="utf-8"?>
 <p:sldLayout xmlns:a="http://schemas.openxmlformats.org/drawingml/2006/main" xmlns:r="http://schemas.openxmlformats.org/officeDocument/2006/relationships" xmlns:p="http://schemas.openxmlformats.org/presentationml/2006/main" preserve="1">
   <p:cSld name="Pattern Light Grey">
     <p:spTree>
@@ -32280,7 +32280,7 @@
 </p:sldLayout>
 </file>
 
-<file path=ppt/slideLayouts/slideLayout33.xml><?xml version="1.0" encoding="utf-8"?>
+<file path=ppt/slideLayouts/slideLayout32.xml><?xml version="1.0" encoding="utf-8"?>
 <p:sldLayout xmlns:a="http://schemas.openxmlformats.org/drawingml/2006/main" xmlns:r="http://schemas.openxmlformats.org/officeDocument/2006/relationships" xmlns:p="http://schemas.openxmlformats.org/presentationml/2006/main" preserve="1">
   <p:cSld name="Image Slide Light">
     <p:spTree>
@@ -32942,7 +32942,7 @@
 </p:sldLayout>
 </file>
 
-<file path=ppt/slideLayouts/slideLayout34.xml><?xml version="1.0" encoding="utf-8"?>
+<file path=ppt/slideLayouts/slideLayout33.xml><?xml version="1.0" encoding="utf-8"?>
 <p:sldLayout xmlns:a="http://schemas.openxmlformats.org/drawingml/2006/main" xmlns:r="http://schemas.openxmlformats.org/officeDocument/2006/relationships" xmlns:p="http://schemas.openxmlformats.org/presentationml/2006/main" preserve="1">
   <p:cSld name="Image Slide Dark">
     <p:spTree>
@@ -33607,7 +33607,7 @@
 </p:sldLayout>
 </file>
 
-<file path=ppt/slideLayouts/slideLayout35.xml><?xml version="1.0" encoding="utf-8"?>
+<file path=ppt/slideLayouts/slideLayout34.xml><?xml version="1.0" encoding="utf-8"?>
 <p:sldLayout xmlns:a="http://schemas.openxmlformats.org/drawingml/2006/main" xmlns:r="http://schemas.openxmlformats.org/officeDocument/2006/relationships" xmlns:p="http://schemas.openxmlformats.org/presentationml/2006/main" preserve="1">
   <p:cSld name="Pattern Black">
     <p:spTree>
@@ -34065,7 +34065,7 @@
 </p:sldLayout>
 </file>
 
-<file path=ppt/slideLayouts/slideLayout36.xml><?xml version="1.0" encoding="utf-8"?>
+<file path=ppt/slideLayouts/slideLayout35.xml><?xml version="1.0" encoding="utf-8"?>
 <p:sldLayout xmlns:a="http://schemas.openxmlformats.org/drawingml/2006/main" xmlns:r="http://schemas.openxmlformats.org/officeDocument/2006/relationships" xmlns:p="http://schemas.openxmlformats.org/presentationml/2006/main" preserve="1">
   <p:cSld name="Section Header Numbered">
     <p:spTree>
@@ -34662,7 +34662,7 @@
 </p:sldLayout>
 </file>
 
-<file path=ppt/slideLayouts/slideLayout37.xml><?xml version="1.0" encoding="utf-8"?>
+<file path=ppt/slideLayouts/slideLayout36.xml><?xml version="1.0" encoding="utf-8"?>
 <p:sldLayout xmlns:a="http://schemas.openxmlformats.org/drawingml/2006/main" xmlns:r="http://schemas.openxmlformats.org/officeDocument/2006/relationships" xmlns:p="http://schemas.openxmlformats.org/presentationml/2006/main" preserve="1">
   <p:cSld name="Section Header">
     <p:spTree>
@@ -42810,15 +42810,15 @@
   </p:cSld>
   <p:clrMap bg1="lt1" tx1="dk1" bg2="lt2" tx2="dk2" accent1="accent1" accent2="accent2" accent3="accent3" accent4="accent4" accent5="accent5" accent6="accent6" hlink="hlink" folHlink="folHlink"/>
   <p:sldLayoutIdLst>
-    <p:sldLayoutId id="2147483649" r:id="rId1"/>
-    <p:sldLayoutId id="2147483650" r:id="rId2"/>
-    <p:sldLayoutId id="2147483651" r:id="rId3"/>
-    <p:sldLayoutId id="2147483659" r:id="rId4"/>
-    <p:sldLayoutId id="2147483652" r:id="rId5"/>
-    <p:sldLayoutId id="2147483656" r:id="rId6"/>
-    <p:sldLayoutId id="2147483657" r:id="rId7"/>
-    <p:sldLayoutId id="2147483658" r:id="rId8"/>
-    <p:sldLayoutId id="2147483653" r:id="rId9"/>
+    <p:sldLayoutId r:id="rId1"/>
+    <p:sldLayoutId r:id="rId2"/>
+    <p:sldLayoutId r:id="rId3"/>
+    <p:sldLayoutId r:id="rId4"/>
+    <p:sldLayoutId r:id="rId5"/>
+    <p:sldLayoutId r:id="rId6"/>
+    <p:sldLayoutId r:id="rId7"/>
+    <p:sldLayoutId r:id="rId8"/>
+    <p:sldLayoutId r:id="rId9"/>
   </p:sldLayoutIdLst>
   <p:txStyles>
     <p:titleStyle>
@@ -43073,7 +43073,7 @@
 </p:sldMaster>
 </file>
 
-<file path=ppt/slideMasters/slideMaster3.xml><?xml version="1.0" encoding="utf-8"?>
+<file path=ppt/slideMasters/slideMaster2.xml><?xml version="1.0" encoding="utf-8"?>
 <p:sldMaster xmlns:a="http://schemas.openxmlformats.org/drawingml/2006/main" xmlns:r="http://schemas.openxmlformats.org/officeDocument/2006/relationships" xmlns:p="http://schemas.openxmlformats.org/presentationml/2006/main">
   <p:cSld>
     <p:bg>
@@ -43099,33 +43099,33 @@
   </p:cSld>
   <p:clrMap bg1="lt1" tx1="dk1" bg2="lt2" tx2="dk2" accent1="accent1" accent2="accent2" accent3="accent3" accent4="accent4" accent5="accent5" accent6="accent6" hlink="hlink" folHlink="folHlink"/>
   <p:sldLayoutIdLst>
-    <p:sldLayoutId id="2147483661" r:id="rId1"/>
-    <p:sldLayoutId id="2147483662" r:id="rId2"/>
-    <p:sldLayoutId id="2147483663" r:id="rId3"/>
-    <p:sldLayoutId id="2147483664" r:id="rId4"/>
-    <p:sldLayoutId id="2147483665" r:id="rId5"/>
-    <p:sldLayoutId id="2147483666" r:id="rId6"/>
-    <p:sldLayoutId id="2147483667" r:id="rId7"/>
-    <p:sldLayoutId id="2147483668" r:id="rId8"/>
-    <p:sldLayoutId id="2147483669" r:id="rId9"/>
-    <p:sldLayoutId id="2147483670" r:id="rId10"/>
-    <p:sldLayoutId id="2147483671" r:id="rId11"/>
-    <p:sldLayoutId id="2147483672" r:id="rId12"/>
-    <p:sldLayoutId id="2147483673" r:id="rId13"/>
-    <p:sldLayoutId id="2147483674" r:id="rId14"/>
-    <p:sldLayoutId id="2147483675" r:id="rId15"/>
-    <p:sldLayoutId id="2147483676" r:id="rId16"/>
-    <p:sldLayoutId id="2147483677" r:id="rId17"/>
-    <p:sldLayoutId id="2147483678" r:id="rId18"/>
-    <p:sldLayoutId id="2147483679" r:id="rId19"/>
-    <p:sldLayoutId id="2147483680" r:id="rId20"/>
-    <p:sldLayoutId id="2147483681" r:id="rId21"/>
-    <p:sldLayoutId id="2147483682" r:id="rId22"/>
-    <p:sldLayoutId id="2147483683" r:id="rId23"/>
-    <p:sldLayoutId id="2147483684" r:id="rId24"/>
-    <p:sldLayoutId id="2147483685" r:id="rId25"/>
-    <p:sldLayoutId id="2147483686" r:id="rId26"/>
-    <p:sldLayoutId id="2147483687" r:id="rId27"/>
+    <p:sldLayoutId r:id="rId10"/>
+    <p:sldLayoutId r:id="rId11"/>
+    <p:sldLayoutId r:id="rId12"/>
+    <p:sldLayoutId r:id="rId13"/>
+    <p:sldLayoutId r:id="rId14"/>
+    <p:sldLayoutId r:id="rId15"/>
+    <p:sldLayoutId r:id="rId16"/>
+    <p:sldLayoutId r:id="rId17"/>
+    <p:sldLayoutId r:id="rId18"/>
+    <p:sldLayoutId r:id="rId19"/>
+    <p:sldLayoutId r:id="rId20"/>
+    <p:sldLayoutId r:id="rId21"/>
+    <p:sldLayoutId r:id="rId22"/>
+    <p:sldLayoutId r:id="rId23"/>
+    <p:sldLayoutId r:id="rId24"/>
+    <p:sldLayoutId r:id="rId25"/>
+    <p:sldLayoutId r:id="rId26"/>
+    <p:sldLayoutId r:id="rId27"/>
+    <p:sldLayoutId r:id="rId28"/>
+    <p:sldLayoutId r:id="rId29"/>
+    <p:sldLayoutId r:id="rId30"/>
+    <p:sldLayoutId r:id="rId31"/>
+    <p:sldLayoutId r:id="rId32"/>
+    <p:sldLayoutId r:id="rId33"/>
+    <p:sldLayoutId r:id="rId34"/>
+    <p:sldLayoutId r:id="rId35"/>
+    <p:sldLayoutId r:id="rId36"/>
   </p:sldLayoutIdLst>
   <p:timing>
     <p:tnLst>
@@ -47144,7 +47144,7 @@
 </file>
 
 <file path=ppt/theme/theme2.xml><?xml version="1.0" encoding="utf-8"?>
-<a:theme xmlns:a="http://schemas.openxmlformats.org/drawingml/2006/main" name="FF2016">
+<a:theme xmlns:a="http://schemas.openxmlformats.org/drawingml/2006/main" name="FF2015">
   <a:themeElements>
     <a:clrScheme name="FFIX2014">
       <a:dk1>
@@ -47480,301 +47480,6 @@
 </a:theme>
 </file>
 
-<file path=ppt/theme/theme3.xml><?xml version="1.0" encoding="utf-8"?>
-<a:theme xmlns:a="http://schemas.openxmlformats.org/drawingml/2006/main" name="Office Theme">
-  <a:themeElements>
-    <a:clrScheme name="Office">
-      <a:dk1>
-        <a:sysClr val="windowText" lastClr="000000"/>
-      </a:dk1>
-      <a:lt1>
-        <a:sysClr val="window" lastClr="FFFFFF"/>
-      </a:lt1>
-      <a:dk2>
-        <a:srgbClr val="44546A"/>
-      </a:dk2>
-      <a:lt2>
-        <a:srgbClr val="E7E6E6"/>
-      </a:lt2>
-      <a:accent1>
-        <a:srgbClr val="5B9BD5"/>
-      </a:accent1>
-      <a:accent2>
-        <a:srgbClr val="ED7D31"/>
-      </a:accent2>
-      <a:accent3>
-        <a:srgbClr val="A5A5A5"/>
-      </a:accent3>
-      <a:accent4>
-        <a:srgbClr val="FFC000"/>
-      </a:accent4>
-      <a:accent5>
-        <a:srgbClr val="4472C4"/>
-      </a:accent5>
-      <a:accent6>
-        <a:srgbClr val="70AD47"/>
-      </a:accent6>
-      <a:hlink>
-        <a:srgbClr val="0563C1"/>
-      </a:hlink>
-      <a:folHlink>
-        <a:srgbClr val="954F72"/>
-      </a:folHlink>
-    </a:clrScheme>
-    <a:fontScheme name="Office">
-      <a:majorFont>
-        <a:latin typeface="Calibri Light" panose="020F0302020204030204"/>
-        <a:ea typeface=""/>
-        <a:cs typeface=""/>
-        <a:font script="Jpan" typeface="游ゴシック Light"/>
-        <a:font script="Hang" typeface="맑은 고딕"/>
-        <a:font script="Hans" typeface="等线 Light"/>
-        <a:font script="Hant" typeface="新細明體"/>
-        <a:font script="Arab" typeface="Times New Roman"/>
-        <a:font script="Hebr" typeface="Times New Roman"/>
-        <a:font script="Thai" typeface="Angsana New"/>
-        <a:font script="Ethi" typeface="Nyala"/>
-        <a:font script="Beng" typeface="Vrinda"/>
-        <a:font script="Gujr" typeface="Shruti"/>
-        <a:font script="Khmr" typeface="MoolBoran"/>
-        <a:font script="Knda" typeface="Tunga"/>
-        <a:font script="Guru" typeface="Raavi"/>
-        <a:font script="Cans" typeface="Euphemia"/>
-        <a:font script="Cher" typeface="Plantagenet Cherokee"/>
-        <a:font script="Yiii" typeface="Microsoft Yi Baiti"/>
-        <a:font script="Tibt" typeface="Microsoft Himalaya"/>
-        <a:font script="Thaa" typeface="MV Boli"/>
-        <a:font script="Deva" typeface="Mangal"/>
-        <a:font script="Telu" typeface="Gautami"/>
-        <a:font script="Taml" typeface="Latha"/>
-        <a:font script="Syrc" typeface="Estrangelo Edessa"/>
-        <a:font script="Orya" typeface="Kalinga"/>
-        <a:font script="Mlym" typeface="Kartika"/>
-        <a:font script="Laoo" typeface="DokChampa"/>
-        <a:font script="Sinh" typeface="Iskoola Pota"/>
-        <a:font script="Mong" typeface="Mongolian Baiti"/>
-        <a:font script="Viet" typeface="Times New Roman"/>
-        <a:font script="Uigh" typeface="Microsoft Uighur"/>
-        <a:font script="Geor" typeface="Sylfaen"/>
-        <a:font script="Armn" typeface="Arial"/>
-        <a:font script="Bugi" typeface="Leelawadee UI"/>
-        <a:font script="Bopo" typeface="Microsoft JhengHei"/>
-        <a:font script="Java" typeface="Javanese Text"/>
-        <a:font script="Lisu" typeface="Segoe UI"/>
-        <a:font script="Mymr" typeface="Myanmar Text"/>
-        <a:font script="Nkoo" typeface="Ebrima"/>
-        <a:font script="Olck" typeface="Nirmala UI"/>
-        <a:font script="Osma" typeface="Ebrima"/>
-        <a:font script="Phag" typeface="Phagspa"/>
-        <a:font script="Syrn" typeface="Estrangelo Edessa"/>
-        <a:font script="Syrj" typeface="Estrangelo Edessa"/>
-        <a:font script="Syre" typeface="Estrangelo Edessa"/>
-        <a:font script="Sora" typeface="Nirmala UI"/>
-        <a:font script="Tale" typeface="Microsoft Tai Le"/>
-        <a:font script="Talu" typeface="Microsoft New Tai Lue"/>
-        <a:font script="Tfng" typeface="Ebrima"/>
-      </a:majorFont>
-      <a:minorFont>
-        <a:latin typeface="Calibri" panose="020F0502020204030204"/>
-        <a:ea typeface=""/>
-        <a:cs typeface=""/>
-        <a:font script="Jpan" typeface="游ゴシック"/>
-        <a:font script="Hang" typeface="맑은 고딕"/>
-        <a:font script="Hans" typeface="等线"/>
-        <a:font script="Hant" typeface="新細明體"/>
-        <a:font script="Arab" typeface="Arial"/>
-        <a:font script="Hebr" typeface="Arial"/>
-        <a:font script="Thai" typeface="Cordia New"/>
-        <a:font script="Ethi" typeface="Nyala"/>
-        <a:font script="Beng" typeface="Vrinda"/>
-        <a:font script="Gujr" typeface="Shruti"/>
-        <a:font script="Khmr" typeface="DaunPenh"/>
-        <a:font script="Knda" typeface="Tunga"/>
-        <a:font script="Guru" typeface="Raavi"/>
-        <a:font script="Cans" typeface="Euphemia"/>
-        <a:font script="Cher" typeface="Plantagenet Cherokee"/>
-        <a:font script="Yiii" typeface="Microsoft Yi Baiti"/>
-        <a:font script="Tibt" typeface="Microsoft Himalaya"/>
-        <a:font script="Thaa" typeface="MV Boli"/>
-        <a:font script="Deva" typeface="Mangal"/>
-        <a:font script="Telu" typeface="Gautami"/>
-        <a:font script="Taml" typeface="Latha"/>
-        <a:font script="Syrc" typeface="Estrangelo Edessa"/>
-        <a:font script="Orya" typeface="Kalinga"/>
-        <a:font script="Mlym" typeface="Kartika"/>
-        <a:font script="Laoo" typeface="DokChampa"/>
-        <a:font script="Sinh" typeface="Iskoola Pota"/>
-        <a:font script="Mong" typeface="Mongolian Baiti"/>
-        <a:font script="Viet" typeface="Arial"/>
-        <a:font script="Uigh" typeface="Microsoft Uighur"/>
-        <a:font script="Geor" typeface="Sylfaen"/>
-        <a:font script="Armn" typeface="Arial"/>
-        <a:font script="Bugi" typeface="Leelawadee UI"/>
-        <a:font script="Bopo" typeface="Microsoft JhengHei"/>
-        <a:font script="Java" typeface="Javanese Text"/>
-        <a:font script="Lisu" typeface="Segoe UI"/>
-        <a:font script="Mymr" typeface="Myanmar Text"/>
-        <a:font script="Nkoo" typeface="Ebrima"/>
-        <a:font script="Olck" typeface="Nirmala UI"/>
-        <a:font script="Osma" typeface="Ebrima"/>
-        <a:font script="Phag" typeface="Phagspa"/>
-        <a:font script="Syrn" typeface="Estrangelo Edessa"/>
-        <a:font script="Syrj" typeface="Estrangelo Edessa"/>
-        <a:font script="Syre" typeface="Estrangelo Edessa"/>
-        <a:font script="Sora" typeface="Nirmala UI"/>
-        <a:font script="Tale" typeface="Microsoft Tai Le"/>
-        <a:font script="Talu" typeface="Microsoft New Tai Lue"/>
-        <a:font script="Tfng" typeface="Ebrima"/>
-      </a:minorFont>
-    </a:fontScheme>
-    <a:fmtScheme name="Office">
-      <a:fillStyleLst>
-        <a:solidFill>
-          <a:schemeClr val="phClr"/>
-        </a:solidFill>
-        <a:gradFill rotWithShape="1">
-          <a:gsLst>
-            <a:gs pos="0">
-              <a:schemeClr val="phClr">
-                <a:lumMod val="110000"/>
-                <a:satMod val="105000"/>
-                <a:tint val="67000"/>
-              </a:schemeClr>
-            </a:gs>
-            <a:gs pos="50000">
-              <a:schemeClr val="phClr">
-                <a:lumMod val="105000"/>
-                <a:satMod val="103000"/>
-                <a:tint val="73000"/>
-              </a:schemeClr>
-            </a:gs>
-            <a:gs pos="100000">
-              <a:schemeClr val="phClr">
-                <a:lumMod val="105000"/>
-                <a:satMod val="109000"/>
-                <a:tint val="81000"/>
-              </a:schemeClr>
-            </a:gs>
-          </a:gsLst>
-          <a:lin ang="5400000" scaled="0"/>
-        </a:gradFill>
-        <a:gradFill rotWithShape="1">
-          <a:gsLst>
-            <a:gs pos="0">
-              <a:schemeClr val="phClr">
-                <a:satMod val="103000"/>
-                <a:lumMod val="102000"/>
-                <a:tint val="94000"/>
-              </a:schemeClr>
-            </a:gs>
-            <a:gs pos="50000">
-              <a:schemeClr val="phClr">
-                <a:satMod val="110000"/>
-                <a:lumMod val="100000"/>
-                <a:shade val="100000"/>
-              </a:schemeClr>
-            </a:gs>
-            <a:gs pos="100000">
-              <a:schemeClr val="phClr">
-                <a:lumMod val="99000"/>
-                <a:satMod val="120000"/>
-                <a:shade val="78000"/>
-              </a:schemeClr>
-            </a:gs>
-          </a:gsLst>
-          <a:lin ang="5400000" scaled="0"/>
-        </a:gradFill>
-      </a:fillStyleLst>
-      <a:lnStyleLst>
-        <a:ln w="6350" cap="flat" cmpd="sng" algn="ctr">
-          <a:solidFill>
-            <a:schemeClr val="phClr"/>
-          </a:solidFill>
-          <a:prstDash val="solid"/>
-          <a:miter lim="800000"/>
-        </a:ln>
-        <a:ln w="12700" cap="flat" cmpd="sng" algn="ctr">
-          <a:solidFill>
-            <a:schemeClr val="phClr"/>
-          </a:solidFill>
-          <a:prstDash val="solid"/>
-          <a:miter lim="800000"/>
-        </a:ln>
-        <a:ln w="19050" cap="flat" cmpd="sng" algn="ctr">
-          <a:solidFill>
-            <a:schemeClr val="phClr"/>
-          </a:solidFill>
-          <a:prstDash val="solid"/>
-          <a:miter lim="800000"/>
-        </a:ln>
-      </a:lnStyleLst>
-      <a:effectStyleLst>
-        <a:effectStyle>
-          <a:effectLst/>
-        </a:effectStyle>
-        <a:effectStyle>
-          <a:effectLst/>
-        </a:effectStyle>
-        <a:effectStyle>
-          <a:effectLst>
-            <a:outerShdw blurRad="57150" dist="19050" dir="5400000" algn="ctr" rotWithShape="0">
-              <a:srgbClr val="000000">
-                <a:alpha val="63000"/>
-              </a:srgbClr>
-            </a:outerShdw>
-          </a:effectLst>
-        </a:effectStyle>
-      </a:effectStyleLst>
-      <a:bgFillStyleLst>
-        <a:solidFill>
-          <a:schemeClr val="phClr"/>
-        </a:solidFill>
-        <a:solidFill>
-          <a:schemeClr val="phClr">
-            <a:tint val="95000"/>
-            <a:satMod val="170000"/>
-          </a:schemeClr>
-        </a:solidFill>
-        <a:gradFill rotWithShape="1">
-          <a:gsLst>
-            <a:gs pos="0">
-              <a:schemeClr val="phClr">
-                <a:tint val="93000"/>
-                <a:satMod val="150000"/>
-                <a:shade val="98000"/>
-                <a:lumMod val="102000"/>
-              </a:schemeClr>
-            </a:gs>
-            <a:gs pos="50000">
-              <a:schemeClr val="phClr">
-                <a:tint val="98000"/>
-                <a:satMod val="130000"/>
-                <a:shade val="90000"/>
-                <a:lumMod val="103000"/>
-              </a:schemeClr>
-            </a:gs>
-            <a:gs pos="100000">
-              <a:schemeClr val="phClr">
-                <a:shade val="63000"/>
-                <a:satMod val="120000"/>
-              </a:schemeClr>
-            </a:gs>
-          </a:gsLst>
-          <a:lin ang="5400000" scaled="0"/>
-        </a:gradFill>
-      </a:bgFillStyleLst>
-    </a:fmtScheme>
-  </a:themeElements>
-  <a:objectDefaults/>
-  <a:extraClrSchemeLst/>
-  <a:extLst>
-    <a:ext uri="{05A4C25C-085E-4340-85A3-A5531E510DB2}">
-      <thm15:themeFamily xmlns:thm15="http://schemas.microsoft.com/office/thememl/2012/main" name="Office Theme" id="{62F939B6-93AF-4DB8-9C6B-D6C7DFDC589F}" vid="{4A3C46E8-61CC-4603-A589-7422A47A8E4A}"/>
-    </a:ext>
-  </a:extLst>
-</a:theme>
-</file>
-
 <file path=customXml/item1.xml><?xml version="1.0" encoding="utf-8"?>
 <ct:contentTypeSchema xmlns:ct="http://schemas.microsoft.com/office/2006/metadata/contentType" xmlns:ma="http://schemas.microsoft.com/office/2006/metadata/properties/metaAttributes" ct:_="" ma:_="" ma:contentTypeName="Document" ma:contentTypeID="0x01010031D6908C9706DC43861724EF3F858898" ma:contentTypeVersion="0" ma:contentTypeDescription="Create a new document." ma:contentTypeScope="" ma:versionID="39b2408c7959e603139a5c954a71cf55">
   <xsd:schema xmlns:xsd="http://www.w3.org/2001/XMLSchema" xmlns:p="http://schemas.microsoft.com/office/2006/metadata/properties" targetNamespace="http://schemas.microsoft.com/office/2006/metadata/properties" ma:root="true" ma:fieldsID="2d9ac0e344db50f433fcb122b5d6bd0c">
